--- a/PPTs/06 Advanced Components.pptx
+++ b/PPTs/06 Advanced Components.pptx
@@ -5,7 +5,7 @@
     <p:sldMasterId id="2147483672" r:id="rId1"/>
   </p:sldMasterIdLst>
   <p:notesMasterIdLst>
-    <p:notesMasterId r:id="rId23"/>
+    <p:notesMasterId r:id="rId26"/>
   </p:notesMasterIdLst>
   <p:sldIdLst>
     <p:sldId id="256" r:id="rId2"/>
@@ -25,10 +25,13 @@
     <p:sldId id="270" r:id="rId16"/>
     <p:sldId id="271" r:id="rId17"/>
     <p:sldId id="272" r:id="rId18"/>
-    <p:sldId id="273" r:id="rId19"/>
-    <p:sldId id="274" r:id="rId20"/>
-    <p:sldId id="275" r:id="rId21"/>
-    <p:sldId id="276" r:id="rId22"/>
+    <p:sldId id="277" r:id="rId19"/>
+    <p:sldId id="273" r:id="rId20"/>
+    <p:sldId id="274" r:id="rId21"/>
+    <p:sldId id="275" r:id="rId22"/>
+    <p:sldId id="276" r:id="rId23"/>
+    <p:sldId id="278" r:id="rId24"/>
+    <p:sldId id="279" r:id="rId25"/>
   </p:sldIdLst>
   <p:sldSz cx="9144000" cy="6858000" type="screen4x3"/>
   <p:notesSz cx="6858000" cy="9144000"/>
@@ -233,7 +236,7 @@
             <a:fld id="{4991502B-FFA8-47B9-B4E5-980CA415BAFF}" type="datetimeFigureOut">
               <a:rPr lang="en-US" smtClean="0"/>
               <a:pPr/>
-              <a:t>5/15/2017</a:t>
+              <a:t>5/16/2017</a:t>
             </a:fld>
             <a:endParaRPr lang="en-US"/>
           </a:p>
@@ -4358,13 +4361,6 @@
   <p:clrMapOvr>
     <a:masterClrMapping/>
   </p:clrMapOvr>
-  <p:timing>
-    <p:tnLst>
-      <p:par>
-        <p:cTn id="1" dur="indefinite" restart="never" nodeType="tmRoot"/>
-      </p:par>
-    </p:tnLst>
-  </p:timing>
 </p:sld>
 </file>
 
@@ -4401,10 +4397,9 @@
           <a:lstStyle/>
           <a:p>
             <a:r>
-              <a:rPr lang="en-US" dirty="0" smtClean="0"/>
+              <a:rPr lang="en-US" dirty="0"/>
               <a:t>Angular POV</a:t>
             </a:r>
-            <a:endParaRPr lang="en-US" dirty="0"/>
           </a:p>
         </p:txBody>
       </p:sp>
@@ -4424,7 +4419,7 @@
           <a:lstStyle/>
           <a:p>
             <a:r>
-              <a:rPr lang="en-US" smtClean="0"/>
+              <a:rPr lang="en-US"/>
               <a:t>© 2016 Ori Calvo</a:t>
             </a:r>
             <a:endParaRPr lang="en-US" dirty="0"/>
@@ -4475,51 +4470,50 @@
           <a:lstStyle/>
           <a:p>
             <a:r>
-              <a:rPr lang="en-US" dirty="0" smtClean="0"/>
+              <a:rPr lang="en-US" dirty="0"/>
               <a:t>Angular implements parts of the Shadow DOM standard even for older browser</a:t>
             </a:r>
           </a:p>
           <a:p>
             <a:pPr lvl="1"/>
             <a:r>
-              <a:rPr lang="en-US" dirty="0" smtClean="0"/>
+              <a:rPr lang="en-US" dirty="0"/>
               <a:t>CSS encapsulation</a:t>
             </a:r>
           </a:p>
           <a:p>
             <a:pPr lvl="1"/>
             <a:r>
-              <a:rPr lang="en-US" dirty="0" smtClean="0"/>
+              <a:rPr lang="en-US" dirty="0"/>
               <a:t>:host</a:t>
             </a:r>
           </a:p>
           <a:p>
             <a:pPr lvl="1"/>
             <a:r>
-              <a:rPr lang="en-US" dirty="0" smtClean="0"/>
+              <a:rPr lang="en-US" dirty="0"/>
               <a:t>/deep/</a:t>
             </a:r>
           </a:p>
           <a:p>
             <a:pPr lvl="1"/>
             <a:r>
-              <a:rPr lang="en-US" dirty="0" smtClean="0"/>
+              <a:rPr lang="en-US" dirty="0"/>
               <a:t>template</a:t>
             </a:r>
           </a:p>
           <a:p>
             <a:pPr lvl="1"/>
             <a:r>
-              <a:rPr lang="en-US" dirty="0" smtClean="0"/>
+              <a:rPr lang="en-US" dirty="0"/>
               <a:t>content</a:t>
             </a:r>
           </a:p>
           <a:p>
             <a:r>
-              <a:rPr lang="en-US" dirty="0" smtClean="0"/>
+              <a:rPr lang="en-US" dirty="0"/>
               <a:t>You can think of Angular as a way to bring the future power of web components into today SPA development</a:t>
             </a:r>
-            <a:endParaRPr lang="en-US" dirty="0"/>
           </a:p>
         </p:txBody>
       </p:sp>
@@ -4533,13 +4527,6 @@
   <p:clrMapOvr>
     <a:masterClrMapping/>
   </p:clrMapOvr>
-  <p:timing>
-    <p:tnLst>
-      <p:par>
-        <p:cTn id="1" dur="indefinite" restart="never" nodeType="tmRoot"/>
-      </p:par>
-    </p:tnLst>
-  </p:timing>
 </p:sld>
 </file>
 
@@ -4660,42 +4647,18 @@
           </a:p>
           <a:p>
             <a:r>
-              <a:rPr lang="en-US" dirty="0" smtClean="0">
-                <a:sym typeface="Wingdings" panose="05000000000000000000" pitchFamily="2" charset="2"/>
-              </a:rPr>
-              <a:t>The </a:t>
-            </a:r>
-            <a:r>
               <a:rPr lang="en-US" dirty="0">
                 <a:sym typeface="Wingdings" panose="05000000000000000000" pitchFamily="2" charset="2"/>
               </a:rPr>
-              <a:t>effective CSS + HTML is a bit different than the one you write</a:t>
-            </a:r>
-          </a:p>
-          <a:p>
-            <a:r>
-              <a:rPr lang="en-US" dirty="0" smtClean="0">
-                <a:sym typeface="Wingdings" panose="05000000000000000000" pitchFamily="2" charset="2"/>
-              </a:rPr>
-              <a:t>There might exist </a:t>
-            </a:r>
+              <a:t>The effective CSS + HTML is a bit different than the one you write</a:t>
+            </a:r>
+          </a:p>
+          <a:p>
             <a:r>
               <a:rPr lang="en-US" dirty="0">
                 <a:sym typeface="Wingdings" panose="05000000000000000000" pitchFamily="2" charset="2"/>
               </a:rPr>
-              <a:t>p</a:t>
-            </a:r>
-            <a:r>
-              <a:rPr lang="en-US" dirty="0" smtClean="0">
-                <a:sym typeface="Wingdings" panose="05000000000000000000" pitchFamily="2" charset="2"/>
-              </a:rPr>
-              <a:t>erformance </a:t>
-            </a:r>
-            <a:r>
-              <a:rPr lang="en-US" dirty="0">
-                <a:sym typeface="Wingdings" panose="05000000000000000000" pitchFamily="2" charset="2"/>
-              </a:rPr>
-              <a:t>penalty since Angular needs to parse both CSS &amp; HTML  Use AOT</a:t>
+              <a:t>Be prepare for performance penalty since Angular needs to parse both CSS &amp; HTML  Use AOT</a:t>
             </a:r>
             <a:endParaRPr lang="he-IL" dirty="0"/>
           </a:p>
@@ -4711,13 +4674,6 @@
   <p:clrMapOvr>
     <a:masterClrMapping/>
   </p:clrMapOvr>
-  <p:timing>
-    <p:tnLst>
-      <p:par>
-        <p:cTn id="1" dur="indefinite" restart="never" nodeType="tmRoot"/>
-      </p:par>
-    </p:tnLst>
-  </p:timing>
 </p:sld>
 </file>
 
@@ -4832,23 +4788,7 @@
           <a:p>
             <a:r>
               <a:rPr lang="en-US" dirty="0"/>
-              <a:t>Angular implementation for </a:t>
-            </a:r>
-            <a:r>
-              <a:rPr lang="en-US" dirty="0"/>
-              <a:t>a</a:t>
-            </a:r>
-            <a:r>
-              <a:rPr lang="en-US" dirty="0" smtClean="0"/>
-              <a:t> </a:t>
-            </a:r>
-            <a:r>
-              <a:rPr lang="en-US" dirty="0"/>
-              <a:t>Shadow DOM way </a:t>
-            </a:r>
-            <a:r>
-              <a:rPr lang="en-US" dirty="0" smtClean="0"/>
-              <a:t>of thinking</a:t>
+              <a:t>Angular implementation for a Shadow DOM way of thinking</a:t>
             </a:r>
             <a:endParaRPr lang="he-IL" dirty="0"/>
           </a:p>
@@ -5054,17 +4994,6 @@
                 <a:cs typeface="Courier New" panose="02070309020205020404" pitchFamily="49" charset="0"/>
               </a:rPr>
             </a:br>
-            <a:r>
-              <a:rPr lang="en-US" sz="1000" dirty="0">
-                <a:solidFill>
-                  <a:srgbClr val="000000"/>
-                </a:solidFill>
-                <a:latin typeface="Courier New" panose="02070309020205020404" pitchFamily="49" charset="0"/>
-                <a:ea typeface="Calibri" panose="020F0502020204030204" pitchFamily="34" charset="0"/>
-                <a:cs typeface="Courier New" panose="02070309020205020404" pitchFamily="49" charset="0"/>
-              </a:rPr>
-              <a:t/>
-            </a:r>
             <a:br>
               <a:rPr lang="en-US" sz="1000" dirty="0">
                 <a:solidFill>
@@ -5145,8 +5074,8 @@
         </p:nvSpPr>
         <p:spPr>
           <a:xfrm>
-            <a:off x="4788024" y="2492896"/>
-            <a:ext cx="4176464" cy="1631216"/>
+            <a:off x="4788024" y="2699047"/>
+            <a:ext cx="3978024" cy="1169551"/>
           </a:xfrm>
           <a:prstGeom prst="rect">
             <a:avLst/>
@@ -5184,7 +5113,7 @@
                 <a:ea typeface="Calibri" panose="020F0502020204030204" pitchFamily="34" charset="0"/>
                 <a:cs typeface="Courier New" panose="02070309020205020404" pitchFamily="49" charset="0"/>
               </a:rPr>
-              <a:t>my-app </a:t>
+              <a:t>div </a:t>
             </a:r>
             <a:r>
               <a:rPr lang="en-US" sz="1000" b="1" dirty="0">
@@ -5195,7 +5124,7 @@
                 <a:ea typeface="Calibri" panose="020F0502020204030204" pitchFamily="34" charset="0"/>
                 <a:cs typeface="Courier New" panose="02070309020205020404" pitchFamily="49" charset="0"/>
               </a:rPr>
-              <a:t>_nghost-c0=</a:t>
+              <a:t>_ngcontent-c0=</a:t>
             </a:r>
             <a:r>
               <a:rPr lang="en-US" sz="1000" b="1" dirty="0">
@@ -5206,7 +5135,29 @@
                 <a:ea typeface="Calibri" panose="020F0502020204030204" pitchFamily="34" charset="0"/>
                 <a:cs typeface="Courier New" panose="02070309020205020404" pitchFamily="49" charset="0"/>
               </a:rPr>
-              <a:t>""</a:t>
+              <a:t>"" </a:t>
+            </a:r>
+            <a:r>
+              <a:rPr lang="en-US" sz="1000" b="1" dirty="0">
+                <a:solidFill>
+                  <a:srgbClr val="0000FF"/>
+                </a:solidFill>
+                <a:latin typeface="Courier New" panose="02070309020205020404" pitchFamily="49" charset="0"/>
+                <a:ea typeface="Calibri" panose="020F0502020204030204" pitchFamily="34" charset="0"/>
+                <a:cs typeface="Courier New" panose="02070309020205020404" pitchFamily="49" charset="0"/>
+              </a:rPr>
+              <a:t>class=</a:t>
+            </a:r>
+            <a:r>
+              <a:rPr lang="en-US" sz="1000" b="1" dirty="0">
+                <a:solidFill>
+                  <a:srgbClr val="008000"/>
+                </a:solidFill>
+                <a:latin typeface="Courier New" panose="02070309020205020404" pitchFamily="49" charset="0"/>
+                <a:ea typeface="Calibri" panose="020F0502020204030204" pitchFamily="34" charset="0"/>
+                <a:cs typeface="Courier New" panose="02070309020205020404" pitchFamily="49" charset="0"/>
+              </a:rPr>
+              <a:t>"buttons"</a:t>
             </a:r>
             <a:r>
               <a:rPr lang="en-US" sz="1000" dirty="0">
@@ -5249,7 +5200,7 @@
                 <a:ea typeface="Calibri" panose="020F0502020204030204" pitchFamily="34" charset="0"/>
                 <a:cs typeface="Courier New" panose="02070309020205020404" pitchFamily="49" charset="0"/>
               </a:rPr>
-              <a:t>h1 </a:t>
+              <a:t>button </a:t>
             </a:r>
             <a:r>
               <a:rPr lang="en-US" sz="1000" b="1" dirty="0">
@@ -5282,7 +5233,7 @@
                 <a:ea typeface="Calibri" panose="020F0502020204030204" pitchFamily="34" charset="0"/>
                 <a:cs typeface="Courier New" panose="02070309020205020404" pitchFamily="49" charset="0"/>
               </a:rPr>
-              <a:t>&gt;Hello Angular&lt;/</a:t>
+              <a:t>&gt;Refresh&lt;/</a:t>
             </a:r>
             <a:r>
               <a:rPr lang="en-US" sz="1000" b="1" dirty="0">
@@ -5293,7 +5244,7 @@
                 <a:ea typeface="Calibri" panose="020F0502020204030204" pitchFamily="34" charset="0"/>
                 <a:cs typeface="Courier New" panose="02070309020205020404" pitchFamily="49" charset="0"/>
               </a:rPr>
-              <a:t>h1</a:t>
+              <a:t>button</a:t>
             </a:r>
             <a:r>
               <a:rPr lang="en-US" sz="1000" dirty="0">
@@ -5325,7 +5276,29 @@
                 <a:ea typeface="Calibri" panose="020F0502020204030204" pitchFamily="34" charset="0"/>
                 <a:cs typeface="Courier New" panose="02070309020205020404" pitchFamily="49" charset="0"/>
               </a:rPr>
-              <a:t/>
+              <a:t>&lt;/</a:t>
+            </a:r>
+            <a:r>
+              <a:rPr lang="en-US" sz="1000" b="1" dirty="0">
+                <a:solidFill>
+                  <a:srgbClr val="000080"/>
+                </a:solidFill>
+                <a:latin typeface="Courier New" panose="02070309020205020404" pitchFamily="49" charset="0"/>
+                <a:ea typeface="Calibri" panose="020F0502020204030204" pitchFamily="34" charset="0"/>
+                <a:cs typeface="Courier New" panose="02070309020205020404" pitchFamily="49" charset="0"/>
+              </a:rPr>
+              <a:t>div</a:t>
+            </a:r>
+            <a:r>
+              <a:rPr lang="en-US" sz="1000" dirty="0">
+                <a:solidFill>
+                  <a:srgbClr val="000000"/>
+                </a:solidFill>
+                <a:latin typeface="Courier New" panose="02070309020205020404" pitchFamily="49" charset="0"/>
+                <a:ea typeface="Calibri" panose="020F0502020204030204" pitchFamily="34" charset="0"/>
+                <a:cs typeface="Courier New" panose="02070309020205020404" pitchFamily="49" charset="0"/>
+              </a:rPr>
+              <a:t>&gt;</a:t>
             </a:r>
             <a:br>
               <a:rPr lang="en-US" sz="1000" dirty="0">
@@ -5337,83 +5310,6 @@
                 <a:cs typeface="Courier New" panose="02070309020205020404" pitchFamily="49" charset="0"/>
               </a:rPr>
             </a:br>
-            <a:r>
-              <a:rPr lang="en-US" sz="1000" dirty="0">
-                <a:solidFill>
-                  <a:srgbClr val="000000"/>
-                </a:solidFill>
-                <a:latin typeface="Courier New" panose="02070309020205020404" pitchFamily="49" charset="0"/>
-                <a:ea typeface="Calibri" panose="020F0502020204030204" pitchFamily="34" charset="0"/>
-                <a:cs typeface="Courier New" panose="02070309020205020404" pitchFamily="49" charset="0"/>
-              </a:rPr>
-              <a:t>    &lt;</a:t>
-            </a:r>
-            <a:r>
-              <a:rPr lang="en-US" sz="1000" b="1" dirty="0">
-                <a:solidFill>
-                  <a:srgbClr val="000080"/>
-                </a:solidFill>
-                <a:latin typeface="Courier New" panose="02070309020205020404" pitchFamily="49" charset="0"/>
-                <a:ea typeface="Calibri" panose="020F0502020204030204" pitchFamily="34" charset="0"/>
-                <a:cs typeface="Courier New" panose="02070309020205020404" pitchFamily="49" charset="0"/>
-              </a:rPr>
-              <a:t>div </a:t>
-            </a:r>
-            <a:r>
-              <a:rPr lang="en-US" sz="1000" b="1" dirty="0">
-                <a:solidFill>
-                  <a:srgbClr val="0000FF"/>
-                </a:solidFill>
-                <a:latin typeface="Courier New" panose="02070309020205020404" pitchFamily="49" charset="0"/>
-                <a:ea typeface="Calibri" panose="020F0502020204030204" pitchFamily="34" charset="0"/>
-                <a:cs typeface="Courier New" panose="02070309020205020404" pitchFamily="49" charset="0"/>
-              </a:rPr>
-              <a:t>_ngcontent-c0=</a:t>
-            </a:r>
-            <a:r>
-              <a:rPr lang="en-US" sz="1000" b="1" dirty="0">
-                <a:solidFill>
-                  <a:srgbClr val="008000"/>
-                </a:solidFill>
-                <a:latin typeface="Courier New" panose="02070309020205020404" pitchFamily="49" charset="0"/>
-                <a:ea typeface="Calibri" panose="020F0502020204030204" pitchFamily="34" charset="0"/>
-                <a:cs typeface="Courier New" panose="02070309020205020404" pitchFamily="49" charset="0"/>
-              </a:rPr>
-              <a:t>"" </a:t>
-            </a:r>
-            <a:r>
-              <a:rPr lang="en-US" sz="1000" b="1" dirty="0">
-                <a:solidFill>
-                  <a:srgbClr val="0000FF"/>
-                </a:solidFill>
-                <a:latin typeface="Courier New" panose="02070309020205020404" pitchFamily="49" charset="0"/>
-                <a:ea typeface="Calibri" panose="020F0502020204030204" pitchFamily="34" charset="0"/>
-                <a:cs typeface="Courier New" panose="02070309020205020404" pitchFamily="49" charset="0"/>
-              </a:rPr>
-              <a:t>class=</a:t>
-            </a:r>
-            <a:r>
-              <a:rPr lang="en-US" sz="1000" b="1" dirty="0">
-                <a:solidFill>
-                  <a:srgbClr val="008000"/>
-                </a:solidFill>
-                <a:latin typeface="Courier New" panose="02070309020205020404" pitchFamily="49" charset="0"/>
-                <a:ea typeface="Calibri" panose="020F0502020204030204" pitchFamily="34" charset="0"/>
-                <a:cs typeface="Courier New" panose="02070309020205020404" pitchFamily="49" charset="0"/>
-              </a:rPr>
-              <a:t>"buttons"</a:t>
-            </a:r>
-            <a:r>
-              <a:rPr lang="en-US" sz="1000" dirty="0">
-                <a:solidFill>
-                  <a:srgbClr val="000000"/>
-                </a:solidFill>
-                <a:latin typeface="Courier New" panose="02070309020205020404" pitchFamily="49" charset="0"/>
-                <a:ea typeface="Calibri" panose="020F0502020204030204" pitchFamily="34" charset="0"/>
-                <a:cs typeface="Courier New" panose="02070309020205020404" pitchFamily="49" charset="0"/>
-              </a:rPr>
-              <a:t>&gt;</a:t>
-            </a:r>
             <a:br>
               <a:rPr lang="en-US" sz="1000" dirty="0">
                 <a:solidFill>
@@ -5433,7 +5329,7 @@
                 <a:ea typeface="Calibri" panose="020F0502020204030204" pitchFamily="34" charset="0"/>
                 <a:cs typeface="Courier New" panose="02070309020205020404" pitchFamily="49" charset="0"/>
               </a:rPr>
-              <a:t>        &lt;</a:t>
+              <a:t>&lt;</a:t>
             </a:r>
             <a:r>
               <a:rPr lang="en-US" sz="1000" b="1" dirty="0">
@@ -5444,7 +5340,7 @@
                 <a:ea typeface="Calibri" panose="020F0502020204030204" pitchFamily="34" charset="0"/>
                 <a:cs typeface="Courier New" panose="02070309020205020404" pitchFamily="49" charset="0"/>
               </a:rPr>
-              <a:t>button </a:t>
+              <a:t>my-contact-list </a:t>
             </a:r>
             <a:r>
               <a:rPr lang="en-US" sz="1000" b="1" dirty="0">
@@ -5466,29 +5362,29 @@
                 <a:ea typeface="Calibri" panose="020F0502020204030204" pitchFamily="34" charset="0"/>
                 <a:cs typeface="Courier New" panose="02070309020205020404" pitchFamily="49" charset="0"/>
               </a:rPr>
+              <a:t>"" </a:t>
+            </a:r>
+            <a:r>
+              <a:rPr lang="en-US" sz="1000" b="1" dirty="0">
+                <a:solidFill>
+                  <a:srgbClr val="0000FF"/>
+                </a:solidFill>
+                <a:latin typeface="Courier New" panose="02070309020205020404" pitchFamily="49" charset="0"/>
+                <a:ea typeface="Calibri" panose="020F0502020204030204" pitchFamily="34" charset="0"/>
+                <a:cs typeface="Courier New" panose="02070309020205020404" pitchFamily="49" charset="0"/>
+              </a:rPr>
+              <a:t>_nghost-c1=</a:t>
+            </a:r>
+            <a:r>
+              <a:rPr lang="en-US" sz="1000" b="1" dirty="0">
+                <a:solidFill>
+                  <a:srgbClr val="008000"/>
+                </a:solidFill>
+                <a:latin typeface="Courier New" panose="02070309020205020404" pitchFamily="49" charset="0"/>
+                <a:ea typeface="Calibri" panose="020F0502020204030204" pitchFamily="34" charset="0"/>
+                <a:cs typeface="Courier New" panose="02070309020205020404" pitchFamily="49" charset="0"/>
+              </a:rPr>
               <a:t>""</a:t>
-            </a:r>
-            <a:r>
-              <a:rPr lang="en-US" sz="1000" dirty="0">
-                <a:solidFill>
-                  <a:srgbClr val="000000"/>
-                </a:solidFill>
-                <a:latin typeface="Courier New" panose="02070309020205020404" pitchFamily="49" charset="0"/>
-                <a:ea typeface="Calibri" panose="020F0502020204030204" pitchFamily="34" charset="0"/>
-                <a:cs typeface="Courier New" panose="02070309020205020404" pitchFamily="49" charset="0"/>
-              </a:rPr>
-              <a:t>&gt;Refresh&lt;/</a:t>
-            </a:r>
-            <a:r>
-              <a:rPr lang="en-US" sz="1000" b="1" dirty="0">
-                <a:solidFill>
-                  <a:srgbClr val="000080"/>
-                </a:solidFill>
-                <a:latin typeface="Courier New" panose="02070309020205020404" pitchFamily="49" charset="0"/>
-                <a:ea typeface="Calibri" panose="020F0502020204030204" pitchFamily="34" charset="0"/>
-                <a:cs typeface="Courier New" panose="02070309020205020404" pitchFamily="49" charset="0"/>
-              </a:rPr>
-              <a:t>button</a:t>
             </a:r>
             <a:r>
               <a:rPr lang="en-US" sz="1000" dirty="0">
@@ -5520,7 +5416,7 @@
                 <a:ea typeface="Calibri" panose="020F0502020204030204" pitchFamily="34" charset="0"/>
                 <a:cs typeface="Courier New" panose="02070309020205020404" pitchFamily="49" charset="0"/>
               </a:rPr>
-              <a:t>    &lt;/</a:t>
+              <a:t>&lt;/</a:t>
             </a:r>
             <a:r>
               <a:rPr lang="en-US" sz="1000" b="1" dirty="0">
@@ -5531,7 +5427,7 @@
                 <a:ea typeface="Calibri" panose="020F0502020204030204" pitchFamily="34" charset="0"/>
                 <a:cs typeface="Courier New" panose="02070309020205020404" pitchFamily="49" charset="0"/>
               </a:rPr>
-              <a:t>div</a:t>
+              <a:t>my-contact-list</a:t>
             </a:r>
             <a:r>
               <a:rPr lang="en-US" sz="1000" dirty="0">
@@ -5554,190 +5450,6 @@
                 <a:cs typeface="Courier New" panose="02070309020205020404" pitchFamily="49" charset="0"/>
               </a:rPr>
             </a:br>
-            <a:r>
-              <a:rPr lang="en-US" sz="1000" dirty="0">
-                <a:solidFill>
-                  <a:srgbClr val="000000"/>
-                </a:solidFill>
-                <a:latin typeface="Courier New" panose="02070309020205020404" pitchFamily="49" charset="0"/>
-                <a:ea typeface="Calibri" panose="020F0502020204030204" pitchFamily="34" charset="0"/>
-                <a:cs typeface="Courier New" panose="02070309020205020404" pitchFamily="49" charset="0"/>
-              </a:rPr>
-              <a:t/>
-            </a:r>
-            <a:br>
-              <a:rPr lang="en-US" sz="1000" dirty="0">
-                <a:solidFill>
-                  <a:srgbClr val="000000"/>
-                </a:solidFill>
-                <a:latin typeface="Courier New" panose="02070309020205020404" pitchFamily="49" charset="0"/>
-                <a:ea typeface="Calibri" panose="020F0502020204030204" pitchFamily="34" charset="0"/>
-                <a:cs typeface="Courier New" panose="02070309020205020404" pitchFamily="49" charset="0"/>
-              </a:rPr>
-            </a:br>
-            <a:r>
-              <a:rPr lang="en-US" sz="1000" dirty="0">
-                <a:solidFill>
-                  <a:srgbClr val="000000"/>
-                </a:solidFill>
-                <a:latin typeface="Courier New" panose="02070309020205020404" pitchFamily="49" charset="0"/>
-                <a:ea typeface="Calibri" panose="020F0502020204030204" pitchFamily="34" charset="0"/>
-                <a:cs typeface="Courier New" panose="02070309020205020404" pitchFamily="49" charset="0"/>
-              </a:rPr>
-              <a:t>    &lt;</a:t>
-            </a:r>
-            <a:r>
-              <a:rPr lang="en-US" sz="1000" b="1" dirty="0">
-                <a:solidFill>
-                  <a:srgbClr val="000080"/>
-                </a:solidFill>
-                <a:latin typeface="Courier New" panose="02070309020205020404" pitchFamily="49" charset="0"/>
-                <a:ea typeface="Calibri" panose="020F0502020204030204" pitchFamily="34" charset="0"/>
-                <a:cs typeface="Courier New" panose="02070309020205020404" pitchFamily="49" charset="0"/>
-              </a:rPr>
-              <a:t>my-contact-list </a:t>
-            </a:r>
-            <a:r>
-              <a:rPr lang="en-US" sz="1000" b="1" dirty="0">
-                <a:solidFill>
-                  <a:srgbClr val="0000FF"/>
-                </a:solidFill>
-                <a:latin typeface="Courier New" panose="02070309020205020404" pitchFamily="49" charset="0"/>
-                <a:ea typeface="Calibri" panose="020F0502020204030204" pitchFamily="34" charset="0"/>
-                <a:cs typeface="Courier New" panose="02070309020205020404" pitchFamily="49" charset="0"/>
-              </a:rPr>
-              <a:t>_ngcontent-c0=</a:t>
-            </a:r>
-            <a:r>
-              <a:rPr lang="en-US" sz="1000" b="1" dirty="0">
-                <a:solidFill>
-                  <a:srgbClr val="008000"/>
-                </a:solidFill>
-                <a:latin typeface="Courier New" panose="02070309020205020404" pitchFamily="49" charset="0"/>
-                <a:ea typeface="Calibri" panose="020F0502020204030204" pitchFamily="34" charset="0"/>
-                <a:cs typeface="Courier New" panose="02070309020205020404" pitchFamily="49" charset="0"/>
-              </a:rPr>
-              <a:t>"" </a:t>
-            </a:r>
-            <a:r>
-              <a:rPr lang="en-US" sz="1000" b="1" dirty="0">
-                <a:solidFill>
-                  <a:srgbClr val="0000FF"/>
-                </a:solidFill>
-                <a:latin typeface="Courier New" panose="02070309020205020404" pitchFamily="49" charset="0"/>
-                <a:ea typeface="Calibri" panose="020F0502020204030204" pitchFamily="34" charset="0"/>
-                <a:cs typeface="Courier New" panose="02070309020205020404" pitchFamily="49" charset="0"/>
-              </a:rPr>
-              <a:t>_nghost-c1=</a:t>
-            </a:r>
-            <a:r>
-              <a:rPr lang="en-US" sz="1000" b="1" dirty="0">
-                <a:solidFill>
-                  <a:srgbClr val="008000"/>
-                </a:solidFill>
-                <a:latin typeface="Courier New" panose="02070309020205020404" pitchFamily="49" charset="0"/>
-                <a:ea typeface="Calibri" panose="020F0502020204030204" pitchFamily="34" charset="0"/>
-                <a:cs typeface="Courier New" panose="02070309020205020404" pitchFamily="49" charset="0"/>
-              </a:rPr>
-              <a:t>""</a:t>
-            </a:r>
-            <a:r>
-              <a:rPr lang="en-US" sz="1000" dirty="0">
-                <a:solidFill>
-                  <a:srgbClr val="000000"/>
-                </a:solidFill>
-                <a:latin typeface="Courier New" panose="02070309020205020404" pitchFamily="49" charset="0"/>
-                <a:ea typeface="Calibri" panose="020F0502020204030204" pitchFamily="34" charset="0"/>
-                <a:cs typeface="Courier New" panose="02070309020205020404" pitchFamily="49" charset="0"/>
-              </a:rPr>
-              <a:t>&gt;</a:t>
-            </a:r>
-            <a:br>
-              <a:rPr lang="en-US" sz="1000" dirty="0">
-                <a:solidFill>
-                  <a:srgbClr val="000000"/>
-                </a:solidFill>
-                <a:latin typeface="Courier New" panose="02070309020205020404" pitchFamily="49" charset="0"/>
-                <a:ea typeface="Calibri" panose="020F0502020204030204" pitchFamily="34" charset="0"/>
-                <a:cs typeface="Courier New" panose="02070309020205020404" pitchFamily="49" charset="0"/>
-              </a:rPr>
-            </a:br>
-            <a:r>
-              <a:rPr lang="en-US" sz="1000" dirty="0">
-                <a:solidFill>
-                  <a:srgbClr val="000000"/>
-                </a:solidFill>
-                <a:latin typeface="Courier New" panose="02070309020205020404" pitchFamily="49" charset="0"/>
-                <a:ea typeface="Calibri" panose="020F0502020204030204" pitchFamily="34" charset="0"/>
-                <a:cs typeface="Courier New" panose="02070309020205020404" pitchFamily="49" charset="0"/>
-              </a:rPr>
-              <a:t>    &lt;/</a:t>
-            </a:r>
-            <a:r>
-              <a:rPr lang="en-US" sz="1000" b="1" dirty="0">
-                <a:solidFill>
-                  <a:srgbClr val="000080"/>
-                </a:solidFill>
-                <a:latin typeface="Courier New" panose="02070309020205020404" pitchFamily="49" charset="0"/>
-                <a:ea typeface="Calibri" panose="020F0502020204030204" pitchFamily="34" charset="0"/>
-                <a:cs typeface="Courier New" panose="02070309020205020404" pitchFamily="49" charset="0"/>
-              </a:rPr>
-              <a:t>my-contact-list</a:t>
-            </a:r>
-            <a:r>
-              <a:rPr lang="en-US" sz="1000" dirty="0">
-                <a:solidFill>
-                  <a:srgbClr val="000000"/>
-                </a:solidFill>
-                <a:latin typeface="Courier New" panose="02070309020205020404" pitchFamily="49" charset="0"/>
-                <a:ea typeface="Calibri" panose="020F0502020204030204" pitchFamily="34" charset="0"/>
-                <a:cs typeface="Courier New" panose="02070309020205020404" pitchFamily="49" charset="0"/>
-              </a:rPr>
-              <a:t>&gt;</a:t>
-            </a:r>
-            <a:br>
-              <a:rPr lang="en-US" sz="1000" dirty="0">
-                <a:solidFill>
-                  <a:srgbClr val="000000"/>
-                </a:solidFill>
-                <a:latin typeface="Courier New" panose="02070309020205020404" pitchFamily="49" charset="0"/>
-                <a:ea typeface="Calibri" panose="020F0502020204030204" pitchFamily="34" charset="0"/>
-                <a:cs typeface="Courier New" panose="02070309020205020404" pitchFamily="49" charset="0"/>
-              </a:rPr>
-            </a:br>
-            <a:r>
-              <a:rPr lang="en-US" sz="1000" dirty="0">
-                <a:solidFill>
-                  <a:srgbClr val="000000"/>
-                </a:solidFill>
-                <a:latin typeface="Courier New" panose="02070309020205020404" pitchFamily="49" charset="0"/>
-                <a:ea typeface="Calibri" panose="020F0502020204030204" pitchFamily="34" charset="0"/>
-                <a:cs typeface="Courier New" panose="02070309020205020404" pitchFamily="49" charset="0"/>
-              </a:rPr>
-              <a:t>&lt;/</a:t>
-            </a:r>
-            <a:r>
-              <a:rPr lang="en-US" sz="1000" b="1" dirty="0">
-                <a:solidFill>
-                  <a:srgbClr val="000080"/>
-                </a:solidFill>
-                <a:latin typeface="Courier New" panose="02070309020205020404" pitchFamily="49" charset="0"/>
-                <a:ea typeface="Calibri" panose="020F0502020204030204" pitchFamily="34" charset="0"/>
-                <a:cs typeface="Courier New" panose="02070309020205020404" pitchFamily="49" charset="0"/>
-              </a:rPr>
-              <a:t>my-app</a:t>
-            </a:r>
-            <a:r>
-              <a:rPr lang="en-US" sz="1000" dirty="0">
-                <a:solidFill>
-                  <a:srgbClr val="000000"/>
-                </a:solidFill>
-                <a:latin typeface="Courier New" panose="02070309020205020404" pitchFamily="49" charset="0"/>
-                <a:ea typeface="Calibri" panose="020F0502020204030204" pitchFamily="34" charset="0"/>
-                <a:cs typeface="Courier New" panose="02070309020205020404" pitchFamily="49" charset="0"/>
-              </a:rPr>
-              <a:t>&gt;</a:t>
-            </a:r>
             <a:endParaRPr lang="he-IL" sz="1000" dirty="0">
               <a:latin typeface="Courier New" panose="02070309020205020404" pitchFamily="49" charset="0"/>
               <a:cs typeface="Courier New" panose="02070309020205020404" pitchFamily="49" charset="0"/>
@@ -5932,8 +5644,8 @@
         </p:nvSpPr>
         <p:spPr>
           <a:xfrm>
-            <a:off x="3654721" y="4767852"/>
-            <a:ext cx="2016224" cy="1384995"/>
+            <a:off x="3654721" y="5068679"/>
+            <a:ext cx="2016224" cy="646331"/>
           </a:xfrm>
           <a:prstGeom prst="rect">
             <a:avLst/>
@@ -5951,156 +5663,6 @@
           </a:bodyPr>
           <a:lstStyle/>
           <a:p>
-            <a:r>
-              <a:rPr lang="en-US" sz="1200" dirty="0">
-                <a:solidFill>
-                  <a:srgbClr val="000000"/>
-                </a:solidFill>
-                <a:latin typeface="Calibri" panose="020F0502020204030204" pitchFamily="34" charset="0"/>
-                <a:ea typeface="Calibri" panose="020F0502020204030204" pitchFamily="34" charset="0"/>
-                <a:cs typeface="Arial" panose="020B0604020202020204" pitchFamily="34" charset="0"/>
-              </a:rPr>
-              <a:t>[</a:t>
-            </a:r>
-            <a:r>
-              <a:rPr lang="en-US" sz="1200" b="1" dirty="0">
-                <a:solidFill>
-                  <a:srgbClr val="000080"/>
-                </a:solidFill>
-                <a:latin typeface="Calibri" panose="020F0502020204030204" pitchFamily="34" charset="0"/>
-                <a:ea typeface="Calibri" panose="020F0502020204030204" pitchFamily="34" charset="0"/>
-                <a:cs typeface="Arial" panose="020B0604020202020204" pitchFamily="34" charset="0"/>
-              </a:rPr>
-              <a:t>_nghost-c0</a:t>
-            </a:r>
-            <a:r>
-              <a:rPr lang="en-US" sz="1200" dirty="0">
-                <a:solidFill>
-                  <a:srgbClr val="000000"/>
-                </a:solidFill>
-                <a:latin typeface="Calibri" panose="020F0502020204030204" pitchFamily="34" charset="0"/>
-                <a:ea typeface="Calibri" panose="020F0502020204030204" pitchFamily="34" charset="0"/>
-                <a:cs typeface="Arial" panose="020B0604020202020204" pitchFamily="34" charset="0"/>
-              </a:rPr>
-              <a:t>] {</a:t>
-            </a:r>
-            <a:br>
-              <a:rPr lang="en-US" sz="1200" dirty="0">
-                <a:solidFill>
-                  <a:srgbClr val="000000"/>
-                </a:solidFill>
-                <a:latin typeface="Calibri" panose="020F0502020204030204" pitchFamily="34" charset="0"/>
-                <a:ea typeface="Calibri" panose="020F0502020204030204" pitchFamily="34" charset="0"/>
-                <a:cs typeface="Arial" panose="020B0604020202020204" pitchFamily="34" charset="0"/>
-              </a:rPr>
-            </a:br>
-            <a:r>
-              <a:rPr lang="en-US" sz="1200" dirty="0">
-                <a:solidFill>
-                  <a:srgbClr val="000000"/>
-                </a:solidFill>
-                <a:latin typeface="Calibri" panose="020F0502020204030204" pitchFamily="34" charset="0"/>
-                <a:ea typeface="Calibri" panose="020F0502020204030204" pitchFamily="34" charset="0"/>
-                <a:cs typeface="Arial" panose="020B0604020202020204" pitchFamily="34" charset="0"/>
-              </a:rPr>
-              <a:t>    </a:t>
-            </a:r>
-            <a:r>
-              <a:rPr lang="en-US" sz="1200" b="1" dirty="0">
-                <a:solidFill>
-                  <a:srgbClr val="0000FF"/>
-                </a:solidFill>
-                <a:latin typeface="Calibri" panose="020F0502020204030204" pitchFamily="34" charset="0"/>
-                <a:ea typeface="Calibri" panose="020F0502020204030204" pitchFamily="34" charset="0"/>
-                <a:cs typeface="Arial" panose="020B0604020202020204" pitchFamily="34" charset="0"/>
-              </a:rPr>
-              <a:t>display</a:t>
-            </a:r>
-            <a:r>
-              <a:rPr lang="en-US" sz="1200" dirty="0">
-                <a:solidFill>
-                  <a:srgbClr val="000000"/>
-                </a:solidFill>
-                <a:latin typeface="Calibri" panose="020F0502020204030204" pitchFamily="34" charset="0"/>
-                <a:ea typeface="Calibri" panose="020F0502020204030204" pitchFamily="34" charset="0"/>
-                <a:cs typeface="Arial" panose="020B0604020202020204" pitchFamily="34" charset="0"/>
-              </a:rPr>
-              <a:t>: </a:t>
-            </a:r>
-            <a:r>
-              <a:rPr lang="en-US" sz="1200" b="1" dirty="0">
-                <a:solidFill>
-                  <a:srgbClr val="008000"/>
-                </a:solidFill>
-                <a:latin typeface="Calibri" panose="020F0502020204030204" pitchFamily="34" charset="0"/>
-                <a:ea typeface="Calibri" panose="020F0502020204030204" pitchFamily="34" charset="0"/>
-                <a:cs typeface="Arial" panose="020B0604020202020204" pitchFamily="34" charset="0"/>
-              </a:rPr>
-              <a:t>block</a:t>
-            </a:r>
-            <a:r>
-              <a:rPr lang="en-US" sz="1200" dirty="0">
-                <a:solidFill>
-                  <a:srgbClr val="000000"/>
-                </a:solidFill>
-                <a:latin typeface="Calibri" panose="020F0502020204030204" pitchFamily="34" charset="0"/>
-                <a:ea typeface="Calibri" panose="020F0502020204030204" pitchFamily="34" charset="0"/>
-                <a:cs typeface="Arial" panose="020B0604020202020204" pitchFamily="34" charset="0"/>
-              </a:rPr>
-              <a:t>;</a:t>
-            </a:r>
-            <a:br>
-              <a:rPr lang="en-US" sz="1200" dirty="0">
-                <a:solidFill>
-                  <a:srgbClr val="000000"/>
-                </a:solidFill>
-                <a:latin typeface="Calibri" panose="020F0502020204030204" pitchFamily="34" charset="0"/>
-                <a:ea typeface="Calibri" panose="020F0502020204030204" pitchFamily="34" charset="0"/>
-                <a:cs typeface="Arial" panose="020B0604020202020204" pitchFamily="34" charset="0"/>
-              </a:rPr>
-            </a:br>
-            <a:r>
-              <a:rPr lang="en-US" sz="1200" dirty="0">
-                <a:solidFill>
-                  <a:srgbClr val="000000"/>
-                </a:solidFill>
-                <a:latin typeface="Calibri" panose="020F0502020204030204" pitchFamily="34" charset="0"/>
-                <a:ea typeface="Calibri" panose="020F0502020204030204" pitchFamily="34" charset="0"/>
-                <a:cs typeface="Arial" panose="020B0604020202020204" pitchFamily="34" charset="0"/>
-              </a:rPr>
-              <a:t>}</a:t>
-            </a:r>
-            <a:br>
-              <a:rPr lang="en-US" sz="1200" dirty="0">
-                <a:solidFill>
-                  <a:srgbClr val="000000"/>
-                </a:solidFill>
-                <a:latin typeface="Calibri" panose="020F0502020204030204" pitchFamily="34" charset="0"/>
-                <a:ea typeface="Calibri" panose="020F0502020204030204" pitchFamily="34" charset="0"/>
-                <a:cs typeface="Arial" panose="020B0604020202020204" pitchFamily="34" charset="0"/>
-              </a:rPr>
-            </a:br>
-            <a:r>
-              <a:rPr lang="en-US" sz="1200" dirty="0">
-                <a:solidFill>
-                  <a:srgbClr val="000000"/>
-                </a:solidFill>
-                <a:latin typeface="Calibri" panose="020F0502020204030204" pitchFamily="34" charset="0"/>
-                <a:ea typeface="Calibri" panose="020F0502020204030204" pitchFamily="34" charset="0"/>
-                <a:cs typeface="Arial" panose="020B0604020202020204" pitchFamily="34" charset="0"/>
-              </a:rPr>
-              <a:t/>
-            </a:r>
-            <a:br>
-              <a:rPr lang="en-US" sz="1200" dirty="0">
-                <a:solidFill>
-                  <a:srgbClr val="000000"/>
-                </a:solidFill>
-                <a:latin typeface="Calibri" panose="020F0502020204030204" pitchFamily="34" charset="0"/>
-                <a:ea typeface="Calibri" panose="020F0502020204030204" pitchFamily="34" charset="0"/>
-                <a:cs typeface="Arial" panose="020B0604020202020204" pitchFamily="34" charset="0"/>
-              </a:rPr>
-            </a:br>
             <a:r>
               <a:rPr lang="en-US" sz="1200" b="1" dirty="0">
                 <a:solidFill>
@@ -6288,12 +5850,12 @@
           </a:xfrm>
           <a:prstGeom prst="callout2">
             <a:avLst>
-              <a:gd name="adj1" fmla="val 64715"/>
-              <a:gd name="adj2" fmla="val -92626"/>
+              <a:gd name="adj1" fmla="val 31343"/>
+              <a:gd name="adj2" fmla="val -92109"/>
               <a:gd name="adj3" fmla="val 46916"/>
               <a:gd name="adj4" fmla="val -1343"/>
-              <a:gd name="adj5" fmla="val -148874"/>
-              <a:gd name="adj6" fmla="val -57630"/>
+              <a:gd name="adj5" fmla="val -135253"/>
+              <a:gd name="adj6" fmla="val -42126"/>
             </a:avLst>
           </a:prstGeom>
         </p:spPr>
@@ -6336,13 +5898,6 @@
   <p:clrMapOvr>
     <a:masterClrMapping/>
   </p:clrMapOvr>
-  <p:timing>
-    <p:tnLst>
-      <p:par>
-        <p:cTn id="1" dur="indefinite" restart="never" nodeType="tmRoot"/>
-      </p:par>
-    </p:tnLst>
-  </p:timing>
 </p:sld>
 </file>
 
@@ -6379,10 +5934,9 @@
           <a:lstStyle/>
           <a:p>
             <a:r>
-              <a:rPr lang="en-US" dirty="0" smtClean="0"/>
+              <a:rPr lang="en-US" dirty="0"/>
               <a:t>Styling the host element</a:t>
             </a:r>
-            <a:endParaRPr lang="en-US" dirty="0"/>
           </a:p>
         </p:txBody>
       </p:sp>
@@ -6402,7 +5956,7 @@
           <a:lstStyle/>
           <a:p>
             <a:r>
-              <a:rPr lang="en-US" smtClean="0"/>
+              <a:rPr lang="en-US"/>
               <a:t>© 2016 Ori Calvo</a:t>
             </a:r>
             <a:endParaRPr lang="en-US" dirty="0"/>
@@ -6451,13 +6005,13 @@
           <a:lstStyle/>
           <a:p>
             <a:r>
-              <a:rPr lang="en-US" dirty="0" smtClean="0"/>
+              <a:rPr lang="en-US" dirty="0"/>
               <a:t>Assuming a component named my-app</a:t>
             </a:r>
           </a:p>
           <a:p>
             <a:r>
-              <a:rPr lang="en-US" dirty="0" smtClean="0"/>
+              <a:rPr lang="en-US" dirty="0"/>
               <a:t>The following definition does not work</a:t>
             </a:r>
           </a:p>
@@ -6465,17 +6019,16 @@
             <a:endParaRPr lang="en-US" dirty="0"/>
           </a:p>
           <a:p>
-            <a:endParaRPr lang="en-US" dirty="0" smtClean="0"/>
-          </a:p>
-          <a:p>
             <a:endParaRPr lang="en-US" dirty="0"/>
           </a:p>
           <a:p>
-            <a:r>
-              <a:rPr lang="en-US" dirty="0" smtClean="0"/>
-              <a:t>my-app is considered a child element not the host itself</a:t>
-            </a:r>
             <a:endParaRPr lang="en-US" dirty="0"/>
+          </a:p>
+          <a:p>
+            <a:r>
+              <a:rPr lang="en-US" dirty="0"/>
+              <a:t>my-app is considered a child element not the host element itself</a:t>
+            </a:r>
           </a:p>
         </p:txBody>
       </p:sp>
@@ -6677,13 +6230,6 @@
   <p:clrMapOvr>
     <a:masterClrMapping/>
   </p:clrMapOvr>
-  <p:timing>
-    <p:tnLst>
-      <p:par>
-        <p:cTn id="1" dur="indefinite" restart="never" nodeType="tmRoot"/>
-      </p:par>
-    </p:tnLst>
-  </p:timing>
 </p:sld>
 </file>
 
@@ -6720,10 +6266,9 @@
           <a:lstStyle/>
           <a:p>
             <a:r>
-              <a:rPr lang="en-US" dirty="0" smtClean="0"/>
+              <a:rPr lang="en-US" dirty="0"/>
               <a:t>Styling the host element</a:t>
             </a:r>
-            <a:endParaRPr lang="en-US" dirty="0"/>
           </a:p>
         </p:txBody>
       </p:sp>
@@ -6743,7 +6288,7 @@
           <a:lstStyle/>
           <a:p>
             <a:r>
-              <a:rPr lang="en-US" smtClean="0"/>
+              <a:rPr lang="en-US"/>
               <a:t>© 2016 Ori Calvo</a:t>
             </a:r>
             <a:endParaRPr lang="en-US" dirty="0"/>
@@ -6792,11 +6337,11 @@
           <a:lstStyle/>
           <a:p>
             <a:r>
-              <a:rPr lang="en-US" dirty="0" smtClean="0"/>
+              <a:rPr lang="en-US" dirty="0"/>
               <a:t>We can use the standard </a:t>
             </a:r>
             <a:r>
-              <a:rPr lang="en-US" dirty="0" smtClean="0">
+              <a:rPr lang="en-US" dirty="0">
                 <a:solidFill>
                   <a:srgbClr val="FF0000"/>
                 </a:solidFill>
@@ -6804,7 +6349,7 @@
               <a:t>:host</a:t>
             </a:r>
             <a:r>
-              <a:rPr lang="en-US" dirty="0" smtClean="0"/>
+              <a:rPr lang="en-US" dirty="0"/>
               <a:t> CSS syntax</a:t>
             </a:r>
           </a:p>
@@ -6812,14 +6357,14 @@
             <a:endParaRPr lang="en-US" dirty="0"/>
           </a:p>
           <a:p>
-            <a:endParaRPr lang="en-US" dirty="0" smtClean="0"/>
-          </a:p>
-          <a:p>
             <a:endParaRPr lang="en-US" dirty="0"/>
           </a:p>
           <a:p>
-            <a:r>
-              <a:rPr lang="en-US" dirty="0" smtClean="0"/>
+            <a:endParaRPr lang="en-US" dirty="0"/>
+          </a:p>
+          <a:p>
+            <a:r>
+              <a:rPr lang="en-US" dirty="0"/>
               <a:t>Angular transforms it to the following definition</a:t>
             </a:r>
           </a:p>
@@ -7268,13 +6813,6 @@
   <p:clrMapOvr>
     <a:masterClrMapping/>
   </p:clrMapOvr>
-  <p:timing>
-    <p:tnLst>
-      <p:par>
-        <p:cTn id="1" dur="indefinite" restart="never" nodeType="tmRoot"/>
-      </p:par>
-    </p:tnLst>
-  </p:timing>
 </p:sld>
 </file>
 
@@ -7311,10 +6849,9 @@
           <a:lstStyle/>
           <a:p>
             <a:r>
-              <a:rPr lang="en-US" dirty="0" smtClean="0"/>
+              <a:rPr lang="en-US" dirty="0"/>
               <a:t>Adding CSS class to host element</a:t>
             </a:r>
-            <a:endParaRPr lang="en-US" dirty="0"/>
           </a:p>
         </p:txBody>
       </p:sp>
@@ -7334,7 +6871,7 @@
           <a:lstStyle/>
           <a:p>
             <a:r>
-              <a:rPr lang="en-US" smtClean="0"/>
+              <a:rPr lang="en-US"/>
               <a:t>© 2016 Ori Calvo</a:t>
             </a:r>
             <a:endParaRPr lang="en-US" dirty="0"/>
@@ -7383,32 +6920,32 @@
           <a:lstStyle/>
           <a:p>
             <a:r>
-              <a:rPr lang="en-US" dirty="0" smtClean="0"/>
+              <a:rPr lang="en-US" dirty="0"/>
               <a:t>There are cases where :host is not enough</a:t>
             </a:r>
           </a:p>
           <a:p>
             <a:pPr lvl="1"/>
             <a:r>
-              <a:rPr lang="en-US" dirty="0" smtClean="0"/>
+              <a:rPr lang="en-US" dirty="0"/>
               <a:t>For example, attaching 3</a:t>
             </a:r>
             <a:r>
-              <a:rPr lang="en-US" baseline="30000" dirty="0" smtClean="0"/>
+              <a:rPr lang="en-US" baseline="30000" dirty="0"/>
               <a:t>rd</a:t>
             </a:r>
             <a:r>
-              <a:rPr lang="en-US" dirty="0" smtClean="0"/>
+              <a:rPr lang="en-US" dirty="0"/>
               <a:t> party CSS class</a:t>
             </a:r>
           </a:p>
           <a:p>
             <a:r>
-              <a:rPr lang="en-US" dirty="0" smtClean="0"/>
-              <a:t>There is no way to that through the HTML </a:t>
-            </a:r>
-            <a:r>
-              <a:rPr lang="en-US" dirty="0" smtClean="0">
+              <a:rPr lang="en-US" dirty="0"/>
+              <a:t>There is no way to do that through the HTML </a:t>
+            </a:r>
+            <a:r>
+              <a:rPr lang="en-US" dirty="0">
                 <a:sym typeface="Wingdings" panose="05000000000000000000" pitchFamily="2" charset="2"/>
               </a:rPr>
               <a:t></a:t>
@@ -7416,24 +6953,45 @@
           </a:p>
           <a:p>
             <a:r>
-              <a:rPr lang="en-US" dirty="0" smtClean="0">
+              <a:rPr lang="en-US" dirty="0">
                 <a:sym typeface="Wingdings" panose="05000000000000000000" pitchFamily="2" charset="2"/>
               </a:rPr>
-              <a:t>Use @</a:t>
-            </a:r>
-            <a:r>
-              <a:rPr lang="en-US" dirty="0" err="1" smtClean="0">
+              <a:t>Use </a:t>
+            </a:r>
+            <a:r>
+              <a:rPr lang="en-US" dirty="0">
+                <a:solidFill>
+                  <a:srgbClr val="FF0000"/>
+                </a:solidFill>
                 <a:sym typeface="Wingdings" panose="05000000000000000000" pitchFamily="2" charset="2"/>
               </a:rPr>
+              <a:t>@</a:t>
+            </a:r>
+            <a:r>
+              <a:rPr lang="en-US" dirty="0" err="1">
+                <a:solidFill>
+                  <a:srgbClr val="FF0000"/>
+                </a:solidFill>
+                <a:sym typeface="Wingdings" panose="05000000000000000000" pitchFamily="2" charset="2"/>
+              </a:rPr>
               <a:t>HostBinding</a:t>
             </a:r>
             <a:r>
-              <a:rPr lang="en-US" dirty="0" smtClean="0">
+              <a:rPr lang="en-US" dirty="0">
+                <a:solidFill>
+                  <a:srgbClr val="FF0000"/>
+                </a:solidFill>
                 <a:sym typeface="Wingdings" panose="05000000000000000000" pitchFamily="2" charset="2"/>
               </a:rPr>
-              <a:t> instead</a:t>
-            </a:r>
-            <a:endParaRPr lang="en-US" dirty="0" smtClean="0"/>
+              <a:t> </a:t>
+            </a:r>
+            <a:r>
+              <a:rPr lang="en-US" dirty="0">
+                <a:sym typeface="Wingdings" panose="05000000000000000000" pitchFamily="2" charset="2"/>
+              </a:rPr>
+              <a:t>instead</a:t>
+            </a:r>
+            <a:endParaRPr lang="en-US" dirty="0"/>
           </a:p>
           <a:p>
             <a:endParaRPr lang="en-US" dirty="0"/>
@@ -7733,7 +7291,7 @@
           <a:p>
             <a:pPr algn="ctr"/>
             <a:r>
-              <a:rPr lang="en-US" sz="1400" dirty="0" smtClean="0"/>
+              <a:rPr lang="en-US" sz="1400" dirty="0"/>
               <a:t>Must be true, else, the CSS class is not injected</a:t>
             </a:r>
             <a:endParaRPr lang="he-IL" sz="1400" dirty="0"/>
@@ -7922,13 +7480,6 @@
   <p:clrMapOvr>
     <a:masterClrMapping/>
   </p:clrMapOvr>
-  <p:timing>
-    <p:tnLst>
-      <p:par>
-        <p:cTn id="1" dur="indefinite" restart="never" nodeType="tmRoot"/>
-      </p:par>
-    </p:tnLst>
-  </p:timing>
 </p:sld>
 </file>
 
@@ -7965,7 +7516,7 @@
           <a:lstStyle/>
           <a:p>
             <a:r>
-              <a:rPr lang="en-US" dirty="0" err="1" smtClean="0"/>
+              <a:rPr lang="en-US" dirty="0" err="1"/>
               <a:t>ViewEncapsulation.None</a:t>
             </a:r>
             <a:endParaRPr lang="en-US" dirty="0"/>
@@ -7988,7 +7539,7 @@
           <a:lstStyle/>
           <a:p>
             <a:r>
-              <a:rPr lang="en-US" smtClean="0"/>
+              <a:rPr lang="en-US"/>
               <a:t>© 2016 Ori Calvo</a:t>
             </a:r>
             <a:endParaRPr lang="en-US" dirty="0"/>
@@ -8037,22 +7588,21 @@
           <a:lstStyle/>
           <a:p>
             <a:r>
-              <a:rPr lang="en-US" dirty="0" smtClean="0"/>
+              <a:rPr lang="en-US" dirty="0"/>
               <a:t>No CSS encapsulation</a:t>
             </a:r>
           </a:p>
           <a:p>
             <a:r>
-              <a:rPr lang="en-US" dirty="0" smtClean="0"/>
+              <a:rPr lang="en-US" dirty="0"/>
               <a:t>Angular just injects the CSS into the head</a:t>
             </a:r>
           </a:p>
           <a:p>
             <a:r>
-              <a:rPr lang="en-US" dirty="0" smtClean="0"/>
+              <a:rPr lang="en-US" dirty="0"/>
               <a:t>You cannot use :host 	</a:t>
             </a:r>
-            <a:endParaRPr lang="en-US" dirty="0"/>
           </a:p>
         </p:txBody>
       </p:sp>
@@ -8585,7 +8135,7 @@
           <a:p>
             <a:pPr algn="ctr"/>
             <a:r>
-              <a:rPr lang="en-US" sz="1400" dirty="0" smtClean="0"/>
+              <a:rPr lang="en-US" sz="1400" dirty="0"/>
               <a:t>This is the trick</a:t>
             </a:r>
             <a:endParaRPr lang="he-IL" sz="1400" dirty="0"/>
@@ -8602,13 +8152,6 @@
   <p:clrMapOvr>
     <a:masterClrMapping/>
   </p:clrMapOvr>
-  <p:timing>
-    <p:tnLst>
-      <p:par>
-        <p:cTn id="1" dur="indefinite" restart="never" nodeType="tmRoot"/>
-      </p:par>
-    </p:tnLst>
-  </p:timing>
 </p:sld>
 </file>
 
@@ -8645,7 +8188,7 @@
           <a:lstStyle/>
           <a:p>
             <a:r>
-              <a:rPr lang="en-US" dirty="0" err="1" smtClean="0"/>
+              <a:rPr lang="en-US" dirty="0" err="1"/>
               <a:t>ViewEncapsulation.Native</a:t>
             </a:r>
             <a:endParaRPr lang="en-US" dirty="0"/>
@@ -8668,7 +8211,7 @@
           <a:lstStyle/>
           <a:p>
             <a:r>
-              <a:rPr lang="en-US" smtClean="0"/>
+              <a:rPr lang="en-US"/>
               <a:t>© 2016 Ori Calvo</a:t>
             </a:r>
             <a:endParaRPr lang="en-US" dirty="0"/>
@@ -8717,28 +8260,27 @@
           <a:lstStyle/>
           <a:p>
             <a:r>
-              <a:rPr lang="en-US" dirty="0" smtClean="0"/>
+              <a:rPr lang="en-US" dirty="0"/>
               <a:t>Makes Angular use the browser’s native support</a:t>
             </a:r>
           </a:p>
           <a:p>
             <a:r>
-              <a:rPr lang="en-US" dirty="0" smtClean="0"/>
+              <a:rPr lang="en-US" dirty="0"/>
               <a:t>Has poor browser support (Mostly Chrome)</a:t>
             </a:r>
           </a:p>
           <a:p>
             <a:r>
-              <a:rPr lang="en-US" dirty="0" smtClean="0"/>
+              <a:rPr lang="en-US" dirty="0"/>
               <a:t>No styles are written to the document head</a:t>
             </a:r>
           </a:p>
           <a:p>
             <a:r>
-              <a:rPr lang="en-US" dirty="0" smtClean="0"/>
+              <a:rPr lang="en-US" dirty="0"/>
               <a:t>Styles reside inside the component template</a:t>
             </a:r>
-            <a:endParaRPr lang="en-US" dirty="0"/>
           </a:p>
         </p:txBody>
       </p:sp>
@@ -9324,19 +8866,15 @@
           <a:p>
             <a:pPr algn="ctr"/>
             <a:r>
-              <a:rPr lang="en-US" sz="1400" dirty="0" smtClean="0"/>
-              <a:t>No transformation over the CSS</a:t>
+              <a:rPr lang="en-US" sz="1400" dirty="0"/>
+              <a:t>No transformation over the CSS since</a:t>
             </a:r>
             <a:br>
-              <a:rPr lang="en-US" sz="1400" dirty="0" smtClean="0"/>
+              <a:rPr lang="en-US" sz="1400" dirty="0"/>
             </a:br>
             <a:r>
-              <a:rPr lang="en-US" sz="1400" dirty="0" smtClean="0"/>
-              <a:t>:host </a:t>
-            </a:r>
-            <a:r>
-              <a:rPr lang="en-US" sz="1400" dirty="0" smtClean="0"/>
-              <a:t>is assumed to be natively supported by the browser</a:t>
+              <a:rPr lang="en-US" sz="1400" dirty="0"/>
+              <a:t>:host is assumed to be natively supported by the browser</a:t>
             </a:r>
             <a:endParaRPr lang="he-IL" sz="1400" dirty="0"/>
           </a:p>
@@ -9352,13 +8890,6 @@
   <p:clrMapOvr>
     <a:masterClrMapping/>
   </p:clrMapOvr>
-  <p:timing>
-    <p:tnLst>
-      <p:par>
-        <p:cTn id="1" dur="indefinite" restart="never" nodeType="tmRoot"/>
-      </p:par>
-    </p:tnLst>
-  </p:timing>
 </p:sld>
 </file>
 
@@ -9395,10 +8926,10 @@
           <a:lstStyle/>
           <a:p>
             <a:r>
-              <a:rPr lang="en-US" dirty="0" smtClean="0"/>
-              <a:t>Content Projection</a:t>
-            </a:r>
-            <a:endParaRPr lang="en-US" dirty="0"/>
+              <a:rPr lang="en-US" dirty="0"/>
+              <a:t>/deep/</a:t>
+            </a:r>
+            <a:endParaRPr lang="he-IL" dirty="0"/>
           </a:p>
         </p:txBody>
       </p:sp>
@@ -9418,7 +8949,7 @@
           <a:lstStyle/>
           <a:p>
             <a:r>
-              <a:rPr lang="en-US" smtClean="0"/>
+              <a:rPr lang="en-US"/>
               <a:t>© 2016 Ori Calvo</a:t>
             </a:r>
             <a:endParaRPr lang="en-US" dirty="0"/>
@@ -9467,28 +8998,553 @@
           <a:lstStyle/>
           <a:p>
             <a:r>
-              <a:rPr lang="en-US" dirty="0" smtClean="0"/>
+              <a:rPr lang="en-US" dirty="0"/>
+              <a:t>A parent component may want to override some default stylings for its child component</a:t>
+            </a:r>
+          </a:p>
+          <a:p>
+            <a:r>
+              <a:rPr lang="en-US" dirty="0"/>
+              <a:t>CSS encapsulation prevent that by default</a:t>
+            </a:r>
+          </a:p>
+          <a:p>
+            <a:r>
+              <a:rPr lang="en-US" dirty="0"/>
+              <a:t>Use /deep/ syntax</a:t>
+            </a:r>
+            <a:endParaRPr lang="he-IL" dirty="0"/>
+          </a:p>
+        </p:txBody>
+      </p:sp>
+      <p:sp>
+        <p:nvSpPr>
+          <p:cNvPr id="6" name="Rectangle 5"/>
+          <p:cNvSpPr/>
+          <p:nvPr/>
+        </p:nvSpPr>
+        <p:spPr>
+          <a:xfrm>
+            <a:off x="3105172" y="4005064"/>
+            <a:ext cx="3168352" cy="1815882"/>
+          </a:xfrm>
+          <a:prstGeom prst="rect">
+            <a:avLst/>
+          </a:prstGeom>
+        </p:spPr>
+        <p:txBody>
+          <a:bodyPr wrap="square">
+            <a:spAutoFit/>
+          </a:bodyPr>
+          <a:lstStyle/>
+          <a:p>
+            <a:r>
+              <a:rPr lang="en-US" sz="1400" dirty="0">
+                <a:solidFill>
+                  <a:srgbClr val="000000"/>
+                </a:solidFill>
+                <a:latin typeface="Courier New" panose="02070309020205020404" pitchFamily="49" charset="0"/>
+                <a:ea typeface="Times New Roman" panose="02020603050405020304" pitchFamily="18" charset="0"/>
+              </a:rPr>
+              <a:t>:</a:t>
+            </a:r>
+            <a:r>
+              <a:rPr lang="en-US" sz="1400" b="1" dirty="0">
+                <a:solidFill>
+                  <a:srgbClr val="000080"/>
+                </a:solidFill>
+                <a:latin typeface="Courier New" panose="02070309020205020404" pitchFamily="49" charset="0"/>
+                <a:ea typeface="Times New Roman" panose="02020603050405020304" pitchFamily="18" charset="0"/>
+              </a:rPr>
+              <a:t>host </a:t>
+            </a:r>
+            <a:r>
+              <a:rPr lang="en-US" sz="1400" dirty="0">
+                <a:solidFill>
+                  <a:srgbClr val="000000"/>
+                </a:solidFill>
+                <a:latin typeface="Courier New" panose="02070309020205020404" pitchFamily="49" charset="0"/>
+                <a:ea typeface="Times New Roman" panose="02020603050405020304" pitchFamily="18" charset="0"/>
+              </a:rPr>
+              <a:t>{</a:t>
+            </a:r>
+            <a:br>
+              <a:rPr lang="en-US" sz="1400" dirty="0">
+                <a:solidFill>
+                  <a:srgbClr val="000000"/>
+                </a:solidFill>
+                <a:latin typeface="Courier New" panose="02070309020205020404" pitchFamily="49" charset="0"/>
+                <a:ea typeface="Times New Roman" panose="02020603050405020304" pitchFamily="18" charset="0"/>
+              </a:rPr>
+            </a:br>
+            <a:r>
+              <a:rPr lang="en-US" sz="1400" dirty="0">
+                <a:solidFill>
+                  <a:srgbClr val="000000"/>
+                </a:solidFill>
+                <a:latin typeface="Courier New" panose="02070309020205020404" pitchFamily="49" charset="0"/>
+                <a:ea typeface="Times New Roman" panose="02020603050405020304" pitchFamily="18" charset="0"/>
+              </a:rPr>
+              <a:t>    </a:t>
+            </a:r>
+            <a:r>
+              <a:rPr lang="en-US" sz="1400" b="1" dirty="0">
+                <a:solidFill>
+                  <a:srgbClr val="0000FF"/>
+                </a:solidFill>
+                <a:latin typeface="Courier New" panose="02070309020205020404" pitchFamily="49" charset="0"/>
+                <a:ea typeface="Times New Roman" panose="02020603050405020304" pitchFamily="18" charset="0"/>
+              </a:rPr>
+              <a:t>display</a:t>
+            </a:r>
+            <a:r>
+              <a:rPr lang="en-US" sz="1400" dirty="0">
+                <a:solidFill>
+                  <a:srgbClr val="000000"/>
+                </a:solidFill>
+                <a:latin typeface="Courier New" panose="02070309020205020404" pitchFamily="49" charset="0"/>
+                <a:ea typeface="Times New Roman" panose="02020603050405020304" pitchFamily="18" charset="0"/>
+              </a:rPr>
+              <a:t>: </a:t>
+            </a:r>
+            <a:r>
+              <a:rPr lang="en-US" sz="1400" b="1" dirty="0">
+                <a:solidFill>
+                  <a:srgbClr val="008000"/>
+                </a:solidFill>
+                <a:latin typeface="Courier New" panose="02070309020205020404" pitchFamily="49" charset="0"/>
+                <a:ea typeface="Times New Roman" panose="02020603050405020304" pitchFamily="18" charset="0"/>
+              </a:rPr>
+              <a:t>flex</a:t>
+            </a:r>
+            <a:r>
+              <a:rPr lang="en-US" sz="1400" dirty="0">
+                <a:solidFill>
+                  <a:srgbClr val="000000"/>
+                </a:solidFill>
+                <a:latin typeface="Courier New" panose="02070309020205020404" pitchFamily="49" charset="0"/>
+                <a:ea typeface="Times New Roman" panose="02020603050405020304" pitchFamily="18" charset="0"/>
+              </a:rPr>
+              <a:t>;</a:t>
+            </a:r>
+            <a:br>
+              <a:rPr lang="en-US" sz="1400" dirty="0">
+                <a:solidFill>
+                  <a:srgbClr val="000000"/>
+                </a:solidFill>
+                <a:latin typeface="Courier New" panose="02070309020205020404" pitchFamily="49" charset="0"/>
+                <a:ea typeface="Times New Roman" panose="02020603050405020304" pitchFamily="18" charset="0"/>
+              </a:rPr>
+            </a:br>
+            <a:r>
+              <a:rPr lang="en-US" sz="1400" dirty="0">
+                <a:solidFill>
+                  <a:srgbClr val="000000"/>
+                </a:solidFill>
+                <a:latin typeface="Courier New" panose="02070309020205020404" pitchFamily="49" charset="0"/>
+                <a:ea typeface="Times New Roman" panose="02020603050405020304" pitchFamily="18" charset="0"/>
+              </a:rPr>
+              <a:t>    </a:t>
+            </a:r>
+            <a:r>
+              <a:rPr lang="en-US" sz="1400" b="1" dirty="0">
+                <a:solidFill>
+                  <a:srgbClr val="0000FF"/>
+                </a:solidFill>
+                <a:latin typeface="Courier New" panose="02070309020205020404" pitchFamily="49" charset="0"/>
+                <a:ea typeface="Times New Roman" panose="02020603050405020304" pitchFamily="18" charset="0"/>
+              </a:rPr>
+              <a:t>flex-direction</a:t>
+            </a:r>
+            <a:r>
+              <a:rPr lang="en-US" sz="1400" dirty="0">
+                <a:solidFill>
+                  <a:srgbClr val="000000"/>
+                </a:solidFill>
+                <a:latin typeface="Courier New" panose="02070309020205020404" pitchFamily="49" charset="0"/>
+                <a:ea typeface="Times New Roman" panose="02020603050405020304" pitchFamily="18" charset="0"/>
+              </a:rPr>
+              <a:t>: </a:t>
+            </a:r>
+            <a:r>
+              <a:rPr lang="en-US" sz="1400" b="1" dirty="0">
+                <a:solidFill>
+                  <a:srgbClr val="008000"/>
+                </a:solidFill>
+                <a:latin typeface="Courier New" panose="02070309020205020404" pitchFamily="49" charset="0"/>
+                <a:ea typeface="Times New Roman" panose="02020603050405020304" pitchFamily="18" charset="0"/>
+              </a:rPr>
+              <a:t>column</a:t>
+            </a:r>
+            <a:r>
+              <a:rPr lang="en-US" sz="1400" dirty="0">
+                <a:solidFill>
+                  <a:srgbClr val="000000"/>
+                </a:solidFill>
+                <a:latin typeface="Courier New" panose="02070309020205020404" pitchFamily="49" charset="0"/>
+                <a:ea typeface="Times New Roman" panose="02020603050405020304" pitchFamily="18" charset="0"/>
+              </a:rPr>
+              <a:t>;</a:t>
+            </a:r>
+            <a:br>
+              <a:rPr lang="en-US" sz="1400" dirty="0">
+                <a:solidFill>
+                  <a:srgbClr val="000000"/>
+                </a:solidFill>
+                <a:latin typeface="Courier New" panose="02070309020205020404" pitchFamily="49" charset="0"/>
+                <a:ea typeface="Times New Roman" panose="02020603050405020304" pitchFamily="18" charset="0"/>
+              </a:rPr>
+            </a:br>
+            <a:r>
+              <a:rPr lang="en-US" sz="1400" dirty="0">
+                <a:solidFill>
+                  <a:srgbClr val="000000"/>
+                </a:solidFill>
+                <a:latin typeface="Courier New" panose="02070309020205020404" pitchFamily="49" charset="0"/>
+                <a:ea typeface="Times New Roman" panose="02020603050405020304" pitchFamily="18" charset="0"/>
+              </a:rPr>
+              <a:t>}</a:t>
+            </a:r>
+            <a:br>
+              <a:rPr lang="en-US" sz="1400" dirty="0">
+                <a:solidFill>
+                  <a:srgbClr val="000000"/>
+                </a:solidFill>
+                <a:latin typeface="Courier New" panose="02070309020205020404" pitchFamily="49" charset="0"/>
+                <a:ea typeface="Times New Roman" panose="02020603050405020304" pitchFamily="18" charset="0"/>
+              </a:rPr>
+            </a:br>
+            <a:br>
+              <a:rPr lang="en-US" sz="1400" dirty="0">
+                <a:solidFill>
+                  <a:srgbClr val="000000"/>
+                </a:solidFill>
+                <a:latin typeface="Courier New" panose="02070309020205020404" pitchFamily="49" charset="0"/>
+                <a:ea typeface="Times New Roman" panose="02020603050405020304" pitchFamily="18" charset="0"/>
+              </a:rPr>
+            </a:br>
+            <a:r>
+              <a:rPr lang="en-US" sz="1400" dirty="0">
+                <a:solidFill>
+                  <a:srgbClr val="000000"/>
+                </a:solidFill>
+                <a:latin typeface="Courier New" panose="02070309020205020404" pitchFamily="49" charset="0"/>
+                <a:ea typeface="Times New Roman" panose="02020603050405020304" pitchFamily="18" charset="0"/>
+              </a:rPr>
+              <a:t>:</a:t>
+            </a:r>
+            <a:r>
+              <a:rPr lang="en-US" sz="1400" b="1" dirty="0">
+                <a:solidFill>
+                  <a:srgbClr val="000080"/>
+                </a:solidFill>
+                <a:latin typeface="Courier New" panose="02070309020205020404" pitchFamily="49" charset="0"/>
+                <a:ea typeface="Times New Roman" panose="02020603050405020304" pitchFamily="18" charset="0"/>
+              </a:rPr>
+              <a:t>host </a:t>
+            </a:r>
+            <a:r>
+              <a:rPr lang="en-US" sz="1400" dirty="0">
+                <a:solidFill>
+                  <a:srgbClr val="000000"/>
+                </a:solidFill>
+                <a:latin typeface="Courier New" panose="02070309020205020404" pitchFamily="49" charset="0"/>
+                <a:ea typeface="Times New Roman" panose="02020603050405020304" pitchFamily="18" charset="0"/>
+              </a:rPr>
+              <a:t>/deep/ </a:t>
+            </a:r>
+            <a:r>
+              <a:rPr lang="en-US" sz="1400" b="1" dirty="0">
+                <a:solidFill>
+                  <a:srgbClr val="000080"/>
+                </a:solidFill>
+                <a:latin typeface="Courier New" panose="02070309020205020404" pitchFamily="49" charset="0"/>
+                <a:ea typeface="Times New Roman" panose="02020603050405020304" pitchFamily="18" charset="0"/>
+              </a:rPr>
+              <a:t>button </a:t>
+            </a:r>
+            <a:r>
+              <a:rPr lang="en-US" sz="1400" dirty="0">
+                <a:solidFill>
+                  <a:srgbClr val="000000"/>
+                </a:solidFill>
+                <a:latin typeface="Courier New" panose="02070309020205020404" pitchFamily="49" charset="0"/>
+                <a:ea typeface="Times New Roman" panose="02020603050405020304" pitchFamily="18" charset="0"/>
+              </a:rPr>
+              <a:t>{</a:t>
+            </a:r>
+            <a:br>
+              <a:rPr lang="en-US" sz="1400" dirty="0">
+                <a:solidFill>
+                  <a:srgbClr val="000000"/>
+                </a:solidFill>
+                <a:latin typeface="Courier New" panose="02070309020205020404" pitchFamily="49" charset="0"/>
+                <a:ea typeface="Times New Roman" panose="02020603050405020304" pitchFamily="18" charset="0"/>
+              </a:rPr>
+            </a:br>
+            <a:r>
+              <a:rPr lang="en-US" sz="1400" dirty="0">
+                <a:solidFill>
+                  <a:srgbClr val="000000"/>
+                </a:solidFill>
+                <a:latin typeface="Courier New" panose="02070309020205020404" pitchFamily="49" charset="0"/>
+                <a:ea typeface="Times New Roman" panose="02020603050405020304" pitchFamily="18" charset="0"/>
+              </a:rPr>
+              <a:t>    </a:t>
+            </a:r>
+            <a:r>
+              <a:rPr lang="en-US" sz="1400" b="1" dirty="0">
+                <a:solidFill>
+                  <a:srgbClr val="0000FF"/>
+                </a:solidFill>
+                <a:latin typeface="Courier New" panose="02070309020205020404" pitchFamily="49" charset="0"/>
+                <a:ea typeface="Times New Roman" panose="02020603050405020304" pitchFamily="18" charset="0"/>
+              </a:rPr>
+              <a:t>background-color</a:t>
+            </a:r>
+            <a:r>
+              <a:rPr lang="en-US" sz="1400" dirty="0">
+                <a:solidFill>
+                  <a:srgbClr val="000000"/>
+                </a:solidFill>
+                <a:latin typeface="Courier New" panose="02070309020205020404" pitchFamily="49" charset="0"/>
+                <a:ea typeface="Times New Roman" panose="02020603050405020304" pitchFamily="18" charset="0"/>
+              </a:rPr>
+              <a:t>: </a:t>
+            </a:r>
+            <a:r>
+              <a:rPr lang="en-US" sz="1400" b="1" dirty="0">
+                <a:solidFill>
+                  <a:srgbClr val="008000"/>
+                </a:solidFill>
+                <a:latin typeface="Courier New" panose="02070309020205020404" pitchFamily="49" charset="0"/>
+                <a:ea typeface="Times New Roman" panose="02020603050405020304" pitchFamily="18" charset="0"/>
+              </a:rPr>
+              <a:t>red</a:t>
+            </a:r>
+            <a:r>
+              <a:rPr lang="en-US" sz="1400" dirty="0">
+                <a:solidFill>
+                  <a:srgbClr val="000000"/>
+                </a:solidFill>
+                <a:latin typeface="Courier New" panose="02070309020205020404" pitchFamily="49" charset="0"/>
+                <a:ea typeface="Times New Roman" panose="02020603050405020304" pitchFamily="18" charset="0"/>
+              </a:rPr>
+              <a:t>;</a:t>
+            </a:r>
+            <a:br>
+              <a:rPr lang="en-US" sz="1400" dirty="0">
+                <a:solidFill>
+                  <a:srgbClr val="000000"/>
+                </a:solidFill>
+                <a:latin typeface="Courier New" panose="02070309020205020404" pitchFamily="49" charset="0"/>
+                <a:ea typeface="Times New Roman" panose="02020603050405020304" pitchFamily="18" charset="0"/>
+              </a:rPr>
+            </a:br>
+            <a:r>
+              <a:rPr lang="en-US" sz="1400" dirty="0">
+                <a:solidFill>
+                  <a:srgbClr val="000000"/>
+                </a:solidFill>
+                <a:latin typeface="Courier New" panose="02070309020205020404" pitchFamily="49" charset="0"/>
+                <a:ea typeface="Times New Roman" panose="02020603050405020304" pitchFamily="18" charset="0"/>
+              </a:rPr>
+              <a:t>}</a:t>
+            </a:r>
+            <a:endParaRPr lang="he-IL" sz="1400" dirty="0"/>
+          </a:p>
+        </p:txBody>
+      </p:sp>
+      <p:sp>
+        <p:nvSpPr>
+          <p:cNvPr id="7" name="Callout: Bent Line with No Border 12"/>
+          <p:cNvSpPr/>
+          <p:nvPr/>
+        </p:nvSpPr>
+        <p:spPr>
+          <a:xfrm>
+            <a:off x="511728" y="4437112"/>
+            <a:ext cx="1467984" cy="936104"/>
+          </a:xfrm>
+          <a:prstGeom prst="callout2">
+            <a:avLst>
+              <a:gd name="adj1" fmla="val 43670"/>
+              <a:gd name="adj2" fmla="val 108581"/>
+              <a:gd name="adj3" fmla="val 28677"/>
+              <a:gd name="adj4" fmla="val 107777"/>
+              <a:gd name="adj5" fmla="val 82890"/>
+              <a:gd name="adj6" fmla="val 180392"/>
+            </a:avLst>
+          </a:prstGeom>
+        </p:spPr>
+        <p:style>
+          <a:lnRef idx="2">
+            <a:schemeClr val="accent4">
+              <a:shade val="50000"/>
+            </a:schemeClr>
+          </a:lnRef>
+          <a:fillRef idx="1">
+            <a:schemeClr val="accent4"/>
+          </a:fillRef>
+          <a:effectRef idx="0">
+            <a:schemeClr val="accent4"/>
+          </a:effectRef>
+          <a:fontRef idx="minor">
+            <a:schemeClr val="lt1"/>
+          </a:fontRef>
+        </p:style>
+        <p:txBody>
+          <a:bodyPr rtlCol="1" anchor="ctr"/>
+          <a:lstStyle/>
+          <a:p>
+            <a:pPr algn="ctr"/>
+            <a:r>
+              <a:rPr lang="en-US" sz="1400" dirty="0"/>
+              <a:t>Omitting :host creates a “plain” global CSS rule</a:t>
+            </a:r>
+            <a:endParaRPr lang="he-IL" sz="1400" dirty="0"/>
+          </a:p>
+        </p:txBody>
+      </p:sp>
+    </p:spTree>
+    <p:extLst>
+      <p:ext uri="{BB962C8B-B14F-4D97-AF65-F5344CB8AC3E}">
+        <p14:creationId xmlns:p14="http://schemas.microsoft.com/office/powerpoint/2010/main" val="1036554592"/>
+      </p:ext>
+    </p:extLst>
+  </p:cSld>
+  <p:clrMapOvr>
+    <a:masterClrMapping/>
+  </p:clrMapOvr>
+</p:sld>
+</file>
+
+<file path=ppt/slides/slide19.xml><?xml version="1.0" encoding="utf-8"?>
+<p:sld xmlns:a="http://schemas.openxmlformats.org/drawingml/2006/main" xmlns:r="http://schemas.openxmlformats.org/officeDocument/2006/relationships" xmlns:p="http://schemas.openxmlformats.org/presentationml/2006/main">
+  <p:cSld>
+    <p:spTree>
+      <p:nvGrpSpPr>
+        <p:cNvPr id="1" name=""/>
+        <p:cNvGrpSpPr/>
+        <p:nvPr/>
+      </p:nvGrpSpPr>
+      <p:grpSpPr>
+        <a:xfrm>
+          <a:off x="0" y="0"/>
+          <a:ext cx="0" cy="0"/>
+          <a:chOff x="0" y="0"/>
+          <a:chExt cx="0" cy="0"/>
+        </a:xfrm>
+      </p:grpSpPr>
+      <p:sp>
+        <p:nvSpPr>
+          <p:cNvPr id="2" name="Title 1"/>
+          <p:cNvSpPr>
+            <a:spLocks noGrp="1"/>
+          </p:cNvSpPr>
+          <p:nvPr>
+            <p:ph type="title"/>
+          </p:nvPr>
+        </p:nvSpPr>
+        <p:spPr/>
+        <p:txBody>
+          <a:bodyPr/>
+          <a:lstStyle/>
+          <a:p>
+            <a:r>
+              <a:rPr lang="en-US" dirty="0"/>
+              <a:t>Content Projection</a:t>
+            </a:r>
+          </a:p>
+        </p:txBody>
+      </p:sp>
+      <p:sp>
+        <p:nvSpPr>
+          <p:cNvPr id="3" name="Footer Placeholder 2"/>
+          <p:cNvSpPr>
+            <a:spLocks noGrp="1"/>
+          </p:cNvSpPr>
+          <p:nvPr>
+            <p:ph type="ftr" sz="quarter" idx="11"/>
+          </p:nvPr>
+        </p:nvSpPr>
+        <p:spPr/>
+        <p:txBody>
+          <a:bodyPr/>
+          <a:lstStyle/>
+          <a:p>
+            <a:r>
+              <a:rPr lang="en-US"/>
+              <a:t>© 2016 Ori Calvo</a:t>
+            </a:r>
+            <a:endParaRPr lang="en-US" dirty="0"/>
+          </a:p>
+        </p:txBody>
+      </p:sp>
+      <p:sp>
+        <p:nvSpPr>
+          <p:cNvPr id="4" name="Slide Number Placeholder 3"/>
+          <p:cNvSpPr>
+            <a:spLocks noGrp="1"/>
+          </p:cNvSpPr>
+          <p:nvPr>
+            <p:ph type="sldNum" sz="quarter" idx="12"/>
+          </p:nvPr>
+        </p:nvSpPr>
+        <p:spPr/>
+        <p:txBody>
+          <a:bodyPr>
+            <a:normAutofit fontScale="85000" lnSpcReduction="20000"/>
+          </a:bodyPr>
+          <a:lstStyle/>
+          <a:p>
+            <a:fld id="{6EDEC3BC-0694-4586-AE63-02B4D54ABF43}" type="slidenum">
+              <a:rPr lang="en-US" smtClean="0"/>
+              <a:pPr/>
+              <a:t>19</a:t>
+            </a:fld>
+            <a:endParaRPr lang="en-US"/>
+          </a:p>
+        </p:txBody>
+      </p:sp>
+      <p:sp>
+        <p:nvSpPr>
+          <p:cNvPr id="5" name="Content Placeholder 4"/>
+          <p:cNvSpPr>
+            <a:spLocks noGrp="1"/>
+          </p:cNvSpPr>
+          <p:nvPr>
+            <p:ph sz="quarter" idx="1"/>
+          </p:nvPr>
+        </p:nvSpPr>
+        <p:spPr/>
+        <p:txBody>
+          <a:bodyPr/>
+          <a:lstStyle/>
+          <a:p>
+            <a:r>
+              <a:rPr lang="en-US" dirty="0"/>
               <a:t>Previously known as transclusion (AngularJS)</a:t>
             </a:r>
           </a:p>
           <a:p>
             <a:r>
-              <a:rPr lang="en-US" dirty="0" smtClean="0"/>
+              <a:rPr lang="en-US" dirty="0"/>
               <a:t>Every component may have a content that is </a:t>
             </a:r>
             <a:r>
-              <a:rPr lang="en-US" u="sng" dirty="0" smtClean="0"/>
+              <a:rPr lang="en-US" u="sng" dirty="0"/>
               <a:t>defined by the host</a:t>
             </a:r>
             <a:r>
-              <a:rPr lang="en-US" dirty="0" smtClean="0"/>
+              <a:rPr lang="en-US" dirty="0"/>
               <a:t> of the component</a:t>
             </a:r>
           </a:p>
           <a:p>
             <a:r>
-              <a:rPr lang="en-US" dirty="0" smtClean="0"/>
-              <a:t>For example, dialog component</a:t>
+              <a:rPr lang="en-US" dirty="0"/>
+              <a:t>For example, a dialog component</a:t>
             </a:r>
           </a:p>
           <a:p>
@@ -9588,17 +9644,6 @@
                 <a:cs typeface="Arial" panose="020B0604020202020204" pitchFamily="34" charset="0"/>
               </a:rPr>
             </a:br>
-            <a:r>
-              <a:rPr lang="en-US" sz="1600" dirty="0">
-                <a:solidFill>
-                  <a:srgbClr val="000000"/>
-                </a:solidFill>
-                <a:latin typeface="Calibri" panose="020F0502020204030204" pitchFamily="34" charset="0"/>
-                <a:ea typeface="Calibri" panose="020F0502020204030204" pitchFamily="34" charset="0"/>
-                <a:cs typeface="Arial" panose="020B0604020202020204" pitchFamily="34" charset="0"/>
-              </a:rPr>
-              <a:t/>
-            </a:r>
             <a:br>
               <a:rPr lang="en-US" sz="1600" dirty="0">
                 <a:solidFill>
@@ -9798,447 +9843,32 @@
           <a:p>
             <a:pPr algn="ctr"/>
             <a:r>
-              <a:rPr lang="en-US" sz="1400" dirty="0" smtClean="0"/>
+              <a:rPr lang="en-US" sz="1400" dirty="0"/>
               <a:t>We accept that the dialog component reuses the content somewhere inside its template</a:t>
             </a:r>
             <a:endParaRPr lang="he-IL" sz="1400" dirty="0"/>
           </a:p>
         </p:txBody>
       </p:sp>
-    </p:spTree>
-    <p:extLst>
-      <p:ext uri="{BB962C8B-B14F-4D97-AF65-F5344CB8AC3E}">
-        <p14:creationId xmlns:p14="http://schemas.microsoft.com/office/powerpoint/2010/main" val="2484031787"/>
-      </p:ext>
-    </p:extLst>
-  </p:cSld>
-  <p:clrMapOvr>
-    <a:masterClrMapping/>
-  </p:clrMapOvr>
-  <p:timing>
-    <p:tnLst>
-      <p:par>
-        <p:cTn id="1" dur="indefinite" restart="never" nodeType="tmRoot"/>
-      </p:par>
-    </p:tnLst>
-  </p:timing>
-</p:sld>
-</file>
-
-<file path=ppt/slides/slide19.xml><?xml version="1.0" encoding="utf-8"?>
-<p:sld xmlns:a="http://schemas.openxmlformats.org/drawingml/2006/main" xmlns:r="http://schemas.openxmlformats.org/officeDocument/2006/relationships" xmlns:p="http://schemas.openxmlformats.org/presentationml/2006/main">
-  <p:cSld>
-    <p:spTree>
-      <p:nvGrpSpPr>
-        <p:cNvPr id="1" name=""/>
-        <p:cNvGrpSpPr/>
-        <p:nvPr/>
-      </p:nvGrpSpPr>
-      <p:grpSpPr>
-        <a:xfrm>
-          <a:off x="0" y="0"/>
-          <a:ext cx="0" cy="0"/>
-          <a:chOff x="0" y="0"/>
-          <a:chExt cx="0" cy="0"/>
-        </a:xfrm>
-      </p:grpSpPr>
-      <p:sp>
-        <p:nvSpPr>
-          <p:cNvPr id="2" name="Title 1"/>
-          <p:cNvSpPr>
-            <a:spLocks noGrp="1"/>
-          </p:cNvSpPr>
-          <p:nvPr>
-            <p:ph type="title"/>
-          </p:nvPr>
-        </p:nvSpPr>
-        <p:spPr/>
-        <p:txBody>
-          <a:bodyPr/>
-          <a:lstStyle/>
-          <a:p>
-            <a:r>
-              <a:rPr lang="en-US" dirty="0" smtClean="0"/>
-              <a:t>Content Projection</a:t>
-            </a:r>
-            <a:endParaRPr lang="en-US" dirty="0"/>
-          </a:p>
-        </p:txBody>
-      </p:sp>
-      <p:sp>
-        <p:nvSpPr>
-          <p:cNvPr id="3" name="Footer Placeholder 2"/>
-          <p:cNvSpPr>
-            <a:spLocks noGrp="1"/>
-          </p:cNvSpPr>
-          <p:nvPr>
-            <p:ph type="ftr" sz="quarter" idx="11"/>
-          </p:nvPr>
-        </p:nvSpPr>
-        <p:spPr/>
-        <p:txBody>
-          <a:bodyPr/>
-          <a:lstStyle/>
-          <a:p>
-            <a:r>
-              <a:rPr lang="en-US" smtClean="0"/>
-              <a:t>© 2016 Ori Calvo</a:t>
-            </a:r>
-            <a:endParaRPr lang="en-US" dirty="0"/>
-          </a:p>
-        </p:txBody>
-      </p:sp>
-      <p:sp>
-        <p:nvSpPr>
-          <p:cNvPr id="4" name="Slide Number Placeholder 3"/>
-          <p:cNvSpPr>
-            <a:spLocks noGrp="1"/>
-          </p:cNvSpPr>
-          <p:nvPr>
-            <p:ph type="sldNum" sz="quarter" idx="12"/>
-          </p:nvPr>
-        </p:nvSpPr>
-        <p:spPr/>
-        <p:txBody>
-          <a:bodyPr>
-            <a:normAutofit fontScale="85000" lnSpcReduction="20000"/>
-          </a:bodyPr>
-          <a:lstStyle/>
-          <a:p>
-            <a:fld id="{6EDEC3BC-0694-4586-AE63-02B4D54ABF43}" type="slidenum">
-              <a:rPr lang="en-US" smtClean="0"/>
-              <a:pPr/>
-              <a:t>19</a:t>
-            </a:fld>
-            <a:endParaRPr lang="en-US"/>
-          </a:p>
-        </p:txBody>
-      </p:sp>
-      <p:sp>
-        <p:nvSpPr>
-          <p:cNvPr id="5" name="Content Placeholder 4"/>
-          <p:cNvSpPr>
-            <a:spLocks noGrp="1"/>
-          </p:cNvSpPr>
-          <p:nvPr>
-            <p:ph sz="quarter" idx="1"/>
-          </p:nvPr>
-        </p:nvSpPr>
-        <p:spPr/>
-        <p:txBody>
-          <a:bodyPr>
-            <a:normAutofit/>
-          </a:bodyPr>
-          <a:lstStyle/>
-          <a:p>
-            <a:r>
-              <a:rPr lang="en-US" dirty="0" smtClean="0"/>
-              <a:t>By default the content is not part of the DOM</a:t>
-            </a:r>
-          </a:p>
-          <a:p>
-            <a:r>
-              <a:rPr lang="en-US" dirty="0" smtClean="0"/>
-              <a:t>However, the components inside the content are created !!!</a:t>
-            </a:r>
-          </a:p>
-          <a:p>
-            <a:endParaRPr lang="en-US" dirty="0"/>
-          </a:p>
-          <a:p>
-            <a:endParaRPr lang="en-US" dirty="0" smtClean="0"/>
-          </a:p>
-          <a:p>
-            <a:endParaRPr lang="en-US" dirty="0"/>
-          </a:p>
-          <a:p>
-            <a:endParaRPr lang="en-US" dirty="0" smtClean="0"/>
-          </a:p>
-          <a:p>
-            <a:pPr marL="0" indent="0">
-              <a:buNone/>
-            </a:pPr>
-            <a:endParaRPr lang="en-US" dirty="0"/>
-          </a:p>
-        </p:txBody>
-      </p:sp>
-      <p:sp>
-        <p:nvSpPr>
-          <p:cNvPr id="8" name="Rectangle 7"/>
+      <p:sp>
+        <p:nvSpPr>
+          <p:cNvPr id="8" name="Callout: Bent Line with No Border 12"/>
           <p:cNvSpPr/>
           <p:nvPr/>
         </p:nvSpPr>
         <p:spPr>
           <a:xfrm>
-            <a:off x="3923928" y="4149080"/>
-            <a:ext cx="3447048" cy="1323439"/>
-          </a:xfrm>
-          <a:prstGeom prst="rect">
-            <a:avLst/>
-          </a:prstGeom>
-          <a:solidFill>
-            <a:schemeClr val="accent1">
-              <a:lumMod val="40000"/>
-              <a:lumOff val="60000"/>
-            </a:schemeClr>
-          </a:solidFill>
-        </p:spPr>
-        <p:txBody>
-          <a:bodyPr wrap="square">
-            <a:spAutoFit/>
-          </a:bodyPr>
-          <a:lstStyle/>
-          <a:p>
-            <a:r>
-              <a:rPr lang="en-US" sz="1600" dirty="0">
-                <a:solidFill>
-                  <a:srgbClr val="000000"/>
-                </a:solidFill>
-                <a:latin typeface="Calibri" panose="020F0502020204030204" pitchFamily="34" charset="0"/>
-                <a:ea typeface="Calibri" panose="020F0502020204030204" pitchFamily="34" charset="0"/>
-                <a:cs typeface="Arial" panose="020B0604020202020204" pitchFamily="34" charset="0"/>
-              </a:rPr>
-              <a:t>&lt;</a:t>
-            </a:r>
-            <a:r>
-              <a:rPr lang="en-US" sz="1600" b="1" dirty="0">
-                <a:solidFill>
-                  <a:srgbClr val="000080"/>
-                </a:solidFill>
-                <a:latin typeface="Calibri" panose="020F0502020204030204" pitchFamily="34" charset="0"/>
-                <a:ea typeface="Calibri" panose="020F0502020204030204" pitchFamily="34" charset="0"/>
-                <a:cs typeface="Arial" panose="020B0604020202020204" pitchFamily="34" charset="0"/>
-              </a:rPr>
-              <a:t>h1</a:t>
-            </a:r>
-            <a:r>
-              <a:rPr lang="en-US" sz="1600" dirty="0">
-                <a:solidFill>
-                  <a:srgbClr val="000000"/>
-                </a:solidFill>
-                <a:latin typeface="Calibri" panose="020F0502020204030204" pitchFamily="34" charset="0"/>
-                <a:ea typeface="Calibri" panose="020F0502020204030204" pitchFamily="34" charset="0"/>
-                <a:cs typeface="Arial" panose="020B0604020202020204" pitchFamily="34" charset="0"/>
-              </a:rPr>
-              <a:t>&gt;Hello Angular&lt;/</a:t>
-            </a:r>
-            <a:r>
-              <a:rPr lang="en-US" sz="1600" b="1" dirty="0">
-                <a:solidFill>
-                  <a:srgbClr val="000080"/>
-                </a:solidFill>
-                <a:latin typeface="Calibri" panose="020F0502020204030204" pitchFamily="34" charset="0"/>
-                <a:ea typeface="Calibri" panose="020F0502020204030204" pitchFamily="34" charset="0"/>
-                <a:cs typeface="Arial" panose="020B0604020202020204" pitchFamily="34" charset="0"/>
-              </a:rPr>
-              <a:t>h1</a:t>
-            </a:r>
-            <a:r>
-              <a:rPr lang="en-US" sz="1600" dirty="0">
-                <a:solidFill>
-                  <a:srgbClr val="000000"/>
-                </a:solidFill>
-                <a:latin typeface="Calibri" panose="020F0502020204030204" pitchFamily="34" charset="0"/>
-                <a:ea typeface="Calibri" panose="020F0502020204030204" pitchFamily="34" charset="0"/>
-                <a:cs typeface="Arial" panose="020B0604020202020204" pitchFamily="34" charset="0"/>
-              </a:rPr>
-              <a:t>&gt;</a:t>
-            </a:r>
-            <a:br>
-              <a:rPr lang="en-US" sz="1600" dirty="0">
-                <a:solidFill>
-                  <a:srgbClr val="000000"/>
-                </a:solidFill>
-                <a:latin typeface="Calibri" panose="020F0502020204030204" pitchFamily="34" charset="0"/>
-                <a:ea typeface="Calibri" panose="020F0502020204030204" pitchFamily="34" charset="0"/>
-                <a:cs typeface="Arial" panose="020B0604020202020204" pitchFamily="34" charset="0"/>
-              </a:rPr>
-            </a:br>
-            <a:r>
-              <a:rPr lang="en-US" sz="1600" dirty="0">
-                <a:solidFill>
-                  <a:srgbClr val="000000"/>
-                </a:solidFill>
-                <a:latin typeface="Calibri" panose="020F0502020204030204" pitchFamily="34" charset="0"/>
-                <a:ea typeface="Calibri" panose="020F0502020204030204" pitchFamily="34" charset="0"/>
-                <a:cs typeface="Arial" panose="020B0604020202020204" pitchFamily="34" charset="0"/>
-              </a:rPr>
-              <a:t/>
-            </a:r>
-            <a:br>
-              <a:rPr lang="en-US" sz="1600" dirty="0">
-                <a:solidFill>
-                  <a:srgbClr val="000000"/>
-                </a:solidFill>
-                <a:latin typeface="Calibri" panose="020F0502020204030204" pitchFamily="34" charset="0"/>
-                <a:ea typeface="Calibri" panose="020F0502020204030204" pitchFamily="34" charset="0"/>
-                <a:cs typeface="Arial" panose="020B0604020202020204" pitchFamily="34" charset="0"/>
-              </a:rPr>
-            </a:br>
-            <a:r>
-              <a:rPr lang="en-US" sz="1600" dirty="0">
-                <a:solidFill>
-                  <a:srgbClr val="000000"/>
-                </a:solidFill>
-                <a:latin typeface="Calibri" panose="020F0502020204030204" pitchFamily="34" charset="0"/>
-                <a:ea typeface="Calibri" panose="020F0502020204030204" pitchFamily="34" charset="0"/>
-                <a:cs typeface="Arial" panose="020B0604020202020204" pitchFamily="34" charset="0"/>
-              </a:rPr>
-              <a:t>&lt;</a:t>
-            </a:r>
-            <a:r>
-              <a:rPr lang="en-US" sz="1600" b="1" dirty="0">
-                <a:solidFill>
-                  <a:srgbClr val="000080"/>
-                </a:solidFill>
-                <a:latin typeface="Calibri" panose="020F0502020204030204" pitchFamily="34" charset="0"/>
-                <a:ea typeface="Calibri" panose="020F0502020204030204" pitchFamily="34" charset="0"/>
-                <a:cs typeface="Arial" panose="020B0604020202020204" pitchFamily="34" charset="0"/>
-              </a:rPr>
-              <a:t>my-dialog</a:t>
-            </a:r>
-            <a:r>
-              <a:rPr lang="en-US" sz="1600" dirty="0">
-                <a:solidFill>
-                  <a:srgbClr val="000000"/>
-                </a:solidFill>
-                <a:latin typeface="Calibri" panose="020F0502020204030204" pitchFamily="34" charset="0"/>
-                <a:ea typeface="Calibri" panose="020F0502020204030204" pitchFamily="34" charset="0"/>
-                <a:cs typeface="Arial" panose="020B0604020202020204" pitchFamily="34" charset="0"/>
-              </a:rPr>
-              <a:t>&gt;</a:t>
-            </a:r>
-            <a:br>
-              <a:rPr lang="en-US" sz="1600" dirty="0">
-                <a:solidFill>
-                  <a:srgbClr val="000000"/>
-                </a:solidFill>
-                <a:latin typeface="Calibri" panose="020F0502020204030204" pitchFamily="34" charset="0"/>
-                <a:ea typeface="Calibri" panose="020F0502020204030204" pitchFamily="34" charset="0"/>
-                <a:cs typeface="Arial" panose="020B0604020202020204" pitchFamily="34" charset="0"/>
-              </a:rPr>
-            </a:br>
-            <a:r>
-              <a:rPr lang="en-US" sz="1600" dirty="0">
-                <a:solidFill>
-                  <a:srgbClr val="000000"/>
-                </a:solidFill>
-                <a:latin typeface="Calibri" panose="020F0502020204030204" pitchFamily="34" charset="0"/>
-                <a:ea typeface="Calibri" panose="020F0502020204030204" pitchFamily="34" charset="0"/>
-                <a:cs typeface="Arial" panose="020B0604020202020204" pitchFamily="34" charset="0"/>
-              </a:rPr>
-              <a:t>    &lt;</a:t>
-            </a:r>
-            <a:r>
-              <a:rPr lang="en-US" sz="1600" b="1" dirty="0">
-                <a:solidFill>
-                  <a:srgbClr val="000080"/>
-                </a:solidFill>
-                <a:latin typeface="Calibri" panose="020F0502020204030204" pitchFamily="34" charset="0"/>
-                <a:ea typeface="Calibri" panose="020F0502020204030204" pitchFamily="34" charset="0"/>
-                <a:cs typeface="Arial" panose="020B0604020202020204" pitchFamily="34" charset="0"/>
-              </a:rPr>
-              <a:t>my-contact-list</a:t>
-            </a:r>
-            <a:r>
-              <a:rPr lang="en-US" sz="1600" dirty="0">
-                <a:solidFill>
-                  <a:srgbClr val="000000"/>
-                </a:solidFill>
-                <a:latin typeface="Calibri" panose="020F0502020204030204" pitchFamily="34" charset="0"/>
-                <a:ea typeface="Calibri" panose="020F0502020204030204" pitchFamily="34" charset="0"/>
-                <a:cs typeface="Arial" panose="020B0604020202020204" pitchFamily="34" charset="0"/>
-              </a:rPr>
-              <a:t>&gt;&lt;/</a:t>
-            </a:r>
-            <a:r>
-              <a:rPr lang="en-US" sz="1600" b="1" dirty="0">
-                <a:solidFill>
-                  <a:srgbClr val="000080"/>
-                </a:solidFill>
-                <a:latin typeface="Calibri" panose="020F0502020204030204" pitchFamily="34" charset="0"/>
-                <a:ea typeface="Calibri" panose="020F0502020204030204" pitchFamily="34" charset="0"/>
-                <a:cs typeface="Arial" panose="020B0604020202020204" pitchFamily="34" charset="0"/>
-              </a:rPr>
-              <a:t>my-contact-list</a:t>
-            </a:r>
-            <a:r>
-              <a:rPr lang="en-US" sz="1600" dirty="0">
-                <a:solidFill>
-                  <a:srgbClr val="000000"/>
-                </a:solidFill>
-                <a:latin typeface="Calibri" panose="020F0502020204030204" pitchFamily="34" charset="0"/>
-                <a:ea typeface="Calibri" panose="020F0502020204030204" pitchFamily="34" charset="0"/>
-                <a:cs typeface="Arial" panose="020B0604020202020204" pitchFamily="34" charset="0"/>
-              </a:rPr>
-              <a:t>&gt;</a:t>
-            </a:r>
-            <a:br>
-              <a:rPr lang="en-US" sz="1600" dirty="0">
-                <a:solidFill>
-                  <a:srgbClr val="000000"/>
-                </a:solidFill>
-                <a:latin typeface="Calibri" panose="020F0502020204030204" pitchFamily="34" charset="0"/>
-                <a:ea typeface="Calibri" panose="020F0502020204030204" pitchFamily="34" charset="0"/>
-                <a:cs typeface="Arial" panose="020B0604020202020204" pitchFamily="34" charset="0"/>
-              </a:rPr>
-            </a:br>
-            <a:r>
-              <a:rPr lang="en-US" sz="1600" dirty="0">
-                <a:solidFill>
-                  <a:srgbClr val="000000"/>
-                </a:solidFill>
-                <a:latin typeface="Calibri" panose="020F0502020204030204" pitchFamily="34" charset="0"/>
-                <a:ea typeface="Calibri" panose="020F0502020204030204" pitchFamily="34" charset="0"/>
-                <a:cs typeface="Arial" panose="020B0604020202020204" pitchFamily="34" charset="0"/>
-              </a:rPr>
-              <a:t>&lt;/</a:t>
-            </a:r>
-            <a:r>
-              <a:rPr lang="en-US" sz="1600" b="1" dirty="0">
-                <a:solidFill>
-                  <a:srgbClr val="000080"/>
-                </a:solidFill>
-                <a:latin typeface="Calibri" panose="020F0502020204030204" pitchFamily="34" charset="0"/>
-                <a:ea typeface="Calibri" panose="020F0502020204030204" pitchFamily="34" charset="0"/>
-                <a:cs typeface="Arial" panose="020B0604020202020204" pitchFamily="34" charset="0"/>
-              </a:rPr>
-              <a:t>my-dialog</a:t>
-            </a:r>
-            <a:r>
-              <a:rPr lang="en-US" sz="1600" dirty="0">
-                <a:solidFill>
-                  <a:srgbClr val="000000"/>
-                </a:solidFill>
-                <a:latin typeface="Calibri" panose="020F0502020204030204" pitchFamily="34" charset="0"/>
-                <a:ea typeface="Calibri" panose="020F0502020204030204" pitchFamily="34" charset="0"/>
-                <a:cs typeface="Arial" panose="020B0604020202020204" pitchFamily="34" charset="0"/>
-              </a:rPr>
-              <a:t>&gt;</a:t>
-            </a:r>
-            <a:endParaRPr lang="en-US" sz="1600" dirty="0"/>
-          </a:p>
-        </p:txBody>
-      </p:sp>
-      <p:sp>
-        <p:nvSpPr>
-          <p:cNvPr id="9" name="Callout: Bent Line with No Border 12"/>
-          <p:cNvSpPr/>
-          <p:nvPr/>
-        </p:nvSpPr>
-        <p:spPr>
-          <a:xfrm>
-            <a:off x="646976" y="3500919"/>
-            <a:ext cx="1785020" cy="1296144"/>
+            <a:off x="7740352" y="3284984"/>
+            <a:ext cx="903340" cy="720080"/>
           </a:xfrm>
           <a:prstGeom prst="callout2">
             <a:avLst>
-              <a:gd name="adj1" fmla="val 43670"/>
-              <a:gd name="adj2" fmla="val 108581"/>
-              <a:gd name="adj3" fmla="val 28677"/>
-              <a:gd name="adj4" fmla="val 107777"/>
-              <a:gd name="adj5" fmla="val 118481"/>
-              <a:gd name="adj6" fmla="val 194115"/>
+              <a:gd name="adj1" fmla="val 107368"/>
+              <a:gd name="adj2" fmla="val 53376"/>
+              <a:gd name="adj3" fmla="val 108129"/>
+              <a:gd name="adj4" fmla="val 44117"/>
+              <a:gd name="adj5" fmla="val 246892"/>
+              <a:gd name="adj6" fmla="val -54368"/>
             </a:avLst>
           </a:prstGeom>
         </p:spPr>
@@ -10264,8 +9894,8 @@
           <a:p>
             <a:pPr algn="ctr"/>
             <a:r>
-              <a:rPr lang="en-US" sz="1400" dirty="0" smtClean="0"/>
-              <a:t>my-contact-list component is created but not display !!!!</a:t>
+              <a:rPr lang="en-US" sz="1400" dirty="0"/>
+              <a:t>This is the content</a:t>
             </a:r>
             <a:endParaRPr lang="he-IL" sz="1400" dirty="0"/>
           </a:p>
@@ -10274,20 +9904,13 @@
     </p:spTree>
     <p:extLst>
       <p:ext uri="{BB962C8B-B14F-4D97-AF65-F5344CB8AC3E}">
-        <p14:creationId xmlns:p14="http://schemas.microsoft.com/office/powerpoint/2010/main" val="566782712"/>
+        <p14:creationId xmlns:p14="http://schemas.microsoft.com/office/powerpoint/2010/main" val="2484031787"/>
       </p:ext>
     </p:extLst>
   </p:cSld>
   <p:clrMapOvr>
     <a:masterClrMapping/>
   </p:clrMapOvr>
-  <p:timing>
-    <p:tnLst>
-      <p:par>
-        <p:cTn id="1" dur="indefinite" restart="never" nodeType="tmRoot"/>
-      </p:par>
-    </p:tnLst>
-  </p:timing>
 </p:sld>
 </file>
 
@@ -10446,13 +10069,6 @@
   <p:clrMapOvr>
     <a:masterClrMapping/>
   </p:clrMapOvr>
-  <p:timing>
-    <p:tnLst>
-      <p:par>
-        <p:cTn id="1" dur="indefinite" restart="never" nodeType="tmRoot"/>
-      </p:par>
-    </p:tnLst>
-  </p:timing>
 </p:sld>
 </file>
 
@@ -10489,10 +10105,9 @@
           <a:lstStyle/>
           <a:p>
             <a:r>
-              <a:rPr lang="en-US" dirty="0" smtClean="0"/>
+              <a:rPr lang="en-US" dirty="0"/>
               <a:t>Content Projection</a:t>
             </a:r>
-            <a:endParaRPr lang="en-US" dirty="0"/>
           </a:p>
         </p:txBody>
       </p:sp>
@@ -10512,7 +10127,7 @@
           <a:lstStyle/>
           <a:p>
             <a:r>
-              <a:rPr lang="en-US" smtClean="0"/>
+              <a:rPr lang="en-US"/>
               <a:t>© 2016 Ori Calvo</a:t>
             </a:r>
             <a:endParaRPr lang="en-US" dirty="0"/>
@@ -10557,39 +10172,52 @@
         </p:nvSpPr>
         <p:spPr/>
         <p:txBody>
-          <a:bodyPr/>
-          <a:lstStyle/>
-          <a:p>
-            <a:r>
-              <a:rPr lang="en-US" dirty="0" smtClean="0"/>
-              <a:t>A component may decide to inject the content into its template by using the </a:t>
-            </a:r>
-            <a:r>
-              <a:rPr lang="en-US" dirty="0" smtClean="0">
-                <a:solidFill>
-                  <a:srgbClr val="FF0000"/>
-                </a:solidFill>
-              </a:rPr>
-              <a:t>ng-content</a:t>
-            </a:r>
-            <a:r>
-              <a:rPr lang="en-US" dirty="0" smtClean="0"/>
-              <a:t> marker</a:t>
-            </a:r>
+          <a:bodyPr>
+            <a:normAutofit/>
+          </a:bodyPr>
+          <a:lstStyle/>
+          <a:p>
+            <a:r>
+              <a:rPr lang="en-US" dirty="0"/>
+              <a:t>By default the content is not part of the DOM</a:t>
+            </a:r>
+          </a:p>
+          <a:p>
+            <a:r>
+              <a:rPr lang="en-US" dirty="0"/>
+              <a:t>However, the components inside the content are created !!!</a:t>
+            </a:r>
+          </a:p>
+          <a:p>
             <a:endParaRPr lang="en-US" dirty="0"/>
           </a:p>
-        </p:txBody>
-      </p:sp>
-      <p:sp>
-        <p:nvSpPr>
-          <p:cNvPr id="6" name="Rectangle 5"/>
+          <a:p>
+            <a:endParaRPr lang="en-US" dirty="0"/>
+          </a:p>
+          <a:p>
+            <a:endParaRPr lang="en-US" dirty="0"/>
+          </a:p>
+          <a:p>
+            <a:endParaRPr lang="en-US" dirty="0"/>
+          </a:p>
+          <a:p>
+            <a:pPr marL="0" indent="0">
+              <a:buNone/>
+            </a:pPr>
+            <a:endParaRPr lang="en-US" dirty="0"/>
+          </a:p>
+        </p:txBody>
+      </p:sp>
+      <p:sp>
+        <p:nvSpPr>
+          <p:cNvPr id="8" name="Rectangle 7"/>
           <p:cNvSpPr/>
           <p:nvPr/>
         </p:nvSpPr>
         <p:spPr>
           <a:xfrm>
-            <a:off x="3150304" y="2924944"/>
-            <a:ext cx="3078088" cy="1477328"/>
+            <a:off x="3923928" y="4149080"/>
+            <a:ext cx="3447048" cy="1323439"/>
           </a:xfrm>
           <a:prstGeom prst="rect">
             <a:avLst/>
@@ -10608,7 +10236,7 @@
           <a:lstStyle/>
           <a:p>
             <a:r>
-              <a:rPr lang="en-US" dirty="0">
+              <a:rPr lang="en-US" sz="1600" dirty="0">
                 <a:solidFill>
                   <a:srgbClr val="000000"/>
                 </a:solidFill>
@@ -10619,7 +10247,7 @@
               <a:t>&lt;</a:t>
             </a:r>
             <a:r>
-              <a:rPr lang="en-US" b="1" dirty="0">
+              <a:rPr lang="en-US" sz="1600" b="1" dirty="0">
                 <a:solidFill>
                   <a:srgbClr val="000080"/>
                 </a:solidFill>
@@ -10627,10 +10255,128 @@
                 <a:ea typeface="Calibri" panose="020F0502020204030204" pitchFamily="34" charset="0"/>
                 <a:cs typeface="Arial" panose="020B0604020202020204" pitchFamily="34" charset="0"/>
               </a:rPr>
-              <a:t>ng-content</a:t>
-            </a:r>
-            <a:r>
-              <a:rPr lang="en-US" dirty="0">
+              <a:t>h1</a:t>
+            </a:r>
+            <a:r>
+              <a:rPr lang="en-US" sz="1600" dirty="0">
+                <a:solidFill>
+                  <a:srgbClr val="000000"/>
+                </a:solidFill>
+                <a:latin typeface="Calibri" panose="020F0502020204030204" pitchFamily="34" charset="0"/>
+                <a:ea typeface="Calibri" panose="020F0502020204030204" pitchFamily="34" charset="0"/>
+                <a:cs typeface="Arial" panose="020B0604020202020204" pitchFamily="34" charset="0"/>
+              </a:rPr>
+              <a:t>&gt;Hello Angular&lt;/</a:t>
+            </a:r>
+            <a:r>
+              <a:rPr lang="en-US" sz="1600" b="1" dirty="0">
+                <a:solidFill>
+                  <a:srgbClr val="000080"/>
+                </a:solidFill>
+                <a:latin typeface="Calibri" panose="020F0502020204030204" pitchFamily="34" charset="0"/>
+                <a:ea typeface="Calibri" panose="020F0502020204030204" pitchFamily="34" charset="0"/>
+                <a:cs typeface="Arial" panose="020B0604020202020204" pitchFamily="34" charset="0"/>
+              </a:rPr>
+              <a:t>h1</a:t>
+            </a:r>
+            <a:r>
+              <a:rPr lang="en-US" sz="1600" dirty="0">
+                <a:solidFill>
+                  <a:srgbClr val="000000"/>
+                </a:solidFill>
+                <a:latin typeface="Calibri" panose="020F0502020204030204" pitchFamily="34" charset="0"/>
+                <a:ea typeface="Calibri" panose="020F0502020204030204" pitchFamily="34" charset="0"/>
+                <a:cs typeface="Arial" panose="020B0604020202020204" pitchFamily="34" charset="0"/>
+              </a:rPr>
+              <a:t>&gt;</a:t>
+            </a:r>
+            <a:br>
+              <a:rPr lang="en-US" sz="1600" dirty="0">
+                <a:solidFill>
+                  <a:srgbClr val="000000"/>
+                </a:solidFill>
+                <a:latin typeface="Calibri" panose="020F0502020204030204" pitchFamily="34" charset="0"/>
+                <a:ea typeface="Calibri" panose="020F0502020204030204" pitchFamily="34" charset="0"/>
+                <a:cs typeface="Arial" panose="020B0604020202020204" pitchFamily="34" charset="0"/>
+              </a:rPr>
+            </a:br>
+            <a:br>
+              <a:rPr lang="en-US" sz="1600" dirty="0">
+                <a:solidFill>
+                  <a:srgbClr val="000000"/>
+                </a:solidFill>
+                <a:latin typeface="Calibri" panose="020F0502020204030204" pitchFamily="34" charset="0"/>
+                <a:ea typeface="Calibri" panose="020F0502020204030204" pitchFamily="34" charset="0"/>
+                <a:cs typeface="Arial" panose="020B0604020202020204" pitchFamily="34" charset="0"/>
+              </a:rPr>
+            </a:br>
+            <a:r>
+              <a:rPr lang="en-US" sz="1600" dirty="0">
+                <a:solidFill>
+                  <a:srgbClr val="000000"/>
+                </a:solidFill>
+                <a:latin typeface="Calibri" panose="020F0502020204030204" pitchFamily="34" charset="0"/>
+                <a:ea typeface="Calibri" panose="020F0502020204030204" pitchFamily="34" charset="0"/>
+                <a:cs typeface="Arial" panose="020B0604020202020204" pitchFamily="34" charset="0"/>
+              </a:rPr>
+              <a:t>&lt;</a:t>
+            </a:r>
+            <a:r>
+              <a:rPr lang="en-US" sz="1600" b="1" dirty="0">
+                <a:solidFill>
+                  <a:srgbClr val="000080"/>
+                </a:solidFill>
+                <a:latin typeface="Calibri" panose="020F0502020204030204" pitchFamily="34" charset="0"/>
+                <a:ea typeface="Calibri" panose="020F0502020204030204" pitchFamily="34" charset="0"/>
+                <a:cs typeface="Arial" panose="020B0604020202020204" pitchFamily="34" charset="0"/>
+              </a:rPr>
+              <a:t>my-dialog</a:t>
+            </a:r>
+            <a:r>
+              <a:rPr lang="en-US" sz="1600" dirty="0">
+                <a:solidFill>
+                  <a:srgbClr val="000000"/>
+                </a:solidFill>
+                <a:latin typeface="Calibri" panose="020F0502020204030204" pitchFamily="34" charset="0"/>
+                <a:ea typeface="Calibri" panose="020F0502020204030204" pitchFamily="34" charset="0"/>
+                <a:cs typeface="Arial" panose="020B0604020202020204" pitchFamily="34" charset="0"/>
+              </a:rPr>
+              <a:t>&gt;</a:t>
+            </a:r>
+            <a:br>
+              <a:rPr lang="en-US" sz="1600" dirty="0">
+                <a:solidFill>
+                  <a:srgbClr val="000000"/>
+                </a:solidFill>
+                <a:latin typeface="Calibri" panose="020F0502020204030204" pitchFamily="34" charset="0"/>
+                <a:ea typeface="Calibri" panose="020F0502020204030204" pitchFamily="34" charset="0"/>
+                <a:cs typeface="Arial" panose="020B0604020202020204" pitchFamily="34" charset="0"/>
+              </a:rPr>
+            </a:br>
+            <a:r>
+              <a:rPr lang="en-US" sz="1600" dirty="0">
+                <a:solidFill>
+                  <a:srgbClr val="000000"/>
+                </a:solidFill>
+                <a:latin typeface="Calibri" panose="020F0502020204030204" pitchFamily="34" charset="0"/>
+                <a:ea typeface="Calibri" panose="020F0502020204030204" pitchFamily="34" charset="0"/>
+                <a:cs typeface="Arial" panose="020B0604020202020204" pitchFamily="34" charset="0"/>
+              </a:rPr>
+              <a:t>    &lt;</a:t>
+            </a:r>
+            <a:r>
+              <a:rPr lang="en-US" sz="1600" b="1" dirty="0">
+                <a:solidFill>
+                  <a:srgbClr val="000080"/>
+                </a:solidFill>
+                <a:latin typeface="Calibri" panose="020F0502020204030204" pitchFamily="34" charset="0"/>
+                <a:ea typeface="Calibri" panose="020F0502020204030204" pitchFamily="34" charset="0"/>
+                <a:cs typeface="Arial" panose="020B0604020202020204" pitchFamily="34" charset="0"/>
+              </a:rPr>
+              <a:t>my-contact-list</a:t>
+            </a:r>
+            <a:r>
+              <a:rPr lang="en-US" sz="1600" dirty="0">
                 <a:solidFill>
                   <a:srgbClr val="000000"/>
                 </a:solidFill>
@@ -10641,7 +10387,7 @@
               <a:t>&gt;&lt;/</a:t>
             </a:r>
             <a:r>
-              <a:rPr lang="en-US" b="1" dirty="0">
+              <a:rPr lang="en-US" sz="1600" b="1" dirty="0">
                 <a:solidFill>
                   <a:srgbClr val="000080"/>
                 </a:solidFill>
@@ -10649,10 +10395,10 @@
                 <a:ea typeface="Calibri" panose="020F0502020204030204" pitchFamily="34" charset="0"/>
                 <a:cs typeface="Arial" panose="020B0604020202020204" pitchFamily="34" charset="0"/>
               </a:rPr>
-              <a:t>ng-content</a:t>
-            </a:r>
-            <a:r>
-              <a:rPr lang="en-US" dirty="0">
+              <a:t>my-contact-list</a:t>
+            </a:r>
+            <a:r>
+              <a:rPr lang="en-US" sz="1600" dirty="0">
                 <a:solidFill>
                   <a:srgbClr val="000000"/>
                 </a:solidFill>
@@ -10663,7 +10409,7 @@
               <a:t>&gt;</a:t>
             </a:r>
             <a:br>
-              <a:rPr lang="en-US" dirty="0">
+              <a:rPr lang="en-US" sz="1600" dirty="0">
                 <a:solidFill>
                   <a:srgbClr val="000000"/>
                 </a:solidFill>
@@ -10673,39 +10419,18 @@
               </a:rPr>
             </a:br>
             <a:r>
-              <a:rPr lang="en-US" dirty="0">
-                <a:solidFill>
-                  <a:srgbClr val="000000"/>
-                </a:solidFill>
-                <a:latin typeface="Calibri" panose="020F0502020204030204" pitchFamily="34" charset="0"/>
-                <a:ea typeface="Calibri" panose="020F0502020204030204" pitchFamily="34" charset="0"/>
-                <a:cs typeface="Arial" panose="020B0604020202020204" pitchFamily="34" charset="0"/>
-              </a:rPr>
-              <a:t/>
-            </a:r>
-            <a:br>
-              <a:rPr lang="en-US" dirty="0">
-                <a:solidFill>
-                  <a:srgbClr val="000000"/>
-                </a:solidFill>
-                <a:latin typeface="Calibri" panose="020F0502020204030204" pitchFamily="34" charset="0"/>
-                <a:ea typeface="Calibri" panose="020F0502020204030204" pitchFamily="34" charset="0"/>
-                <a:cs typeface="Arial" panose="020B0604020202020204" pitchFamily="34" charset="0"/>
-              </a:rPr>
-            </a:br>
-            <a:r>
-              <a:rPr lang="en-US" dirty="0">
-                <a:solidFill>
-                  <a:srgbClr val="000000"/>
-                </a:solidFill>
-                <a:latin typeface="Calibri" panose="020F0502020204030204" pitchFamily="34" charset="0"/>
-                <a:ea typeface="Calibri" panose="020F0502020204030204" pitchFamily="34" charset="0"/>
-                <a:cs typeface="Arial" panose="020B0604020202020204" pitchFamily="34" charset="0"/>
-              </a:rPr>
-              <a:t>&lt;</a:t>
-            </a:r>
-            <a:r>
-              <a:rPr lang="en-US" b="1" dirty="0">
+              <a:rPr lang="en-US" sz="1600" dirty="0">
+                <a:solidFill>
+                  <a:srgbClr val="000000"/>
+                </a:solidFill>
+                <a:latin typeface="Calibri" panose="020F0502020204030204" pitchFamily="34" charset="0"/>
+                <a:ea typeface="Calibri" panose="020F0502020204030204" pitchFamily="34" charset="0"/>
+                <a:cs typeface="Arial" panose="020B0604020202020204" pitchFamily="34" charset="0"/>
+              </a:rPr>
+              <a:t>&lt;/</a:t>
+            </a:r>
+            <a:r>
+              <a:rPr lang="en-US" sz="1600" b="1" dirty="0">
                 <a:solidFill>
                   <a:srgbClr val="000080"/>
                 </a:solidFill>
@@ -10713,32 +10438,10 @@
                 <a:ea typeface="Calibri" panose="020F0502020204030204" pitchFamily="34" charset="0"/>
                 <a:cs typeface="Arial" panose="020B0604020202020204" pitchFamily="34" charset="0"/>
               </a:rPr>
-              <a:t>div </a:t>
-            </a:r>
-            <a:r>
-              <a:rPr lang="en-US" b="1" dirty="0">
-                <a:solidFill>
-                  <a:srgbClr val="0000FF"/>
-                </a:solidFill>
-                <a:latin typeface="Calibri" panose="020F0502020204030204" pitchFamily="34" charset="0"/>
-                <a:ea typeface="Calibri" panose="020F0502020204030204" pitchFamily="34" charset="0"/>
-                <a:cs typeface="Arial" panose="020B0604020202020204" pitchFamily="34" charset="0"/>
-              </a:rPr>
-              <a:t>class=</a:t>
-            </a:r>
-            <a:r>
-              <a:rPr lang="en-US" b="1" dirty="0">
-                <a:solidFill>
-                  <a:srgbClr val="008000"/>
-                </a:solidFill>
-                <a:latin typeface="Calibri" panose="020F0502020204030204" pitchFamily="34" charset="0"/>
-                <a:ea typeface="Calibri" panose="020F0502020204030204" pitchFamily="34" charset="0"/>
-                <a:cs typeface="Arial" panose="020B0604020202020204" pitchFamily="34" charset="0"/>
-              </a:rPr>
-              <a:t>"buttons"</a:t>
-            </a:r>
-            <a:r>
-              <a:rPr lang="en-US" dirty="0">
+              <a:t>my-dialog</a:t>
+            </a:r>
+            <a:r>
+              <a:rPr lang="en-US" sz="1600" dirty="0">
                 <a:solidFill>
                   <a:srgbClr val="000000"/>
                 </a:solidFill>
@@ -10748,128 +10451,20 @@
               </a:rPr>
               <a:t>&gt;</a:t>
             </a:r>
-            <a:br>
-              <a:rPr lang="en-US" dirty="0">
-                <a:solidFill>
-                  <a:srgbClr val="000000"/>
-                </a:solidFill>
-                <a:latin typeface="Calibri" panose="020F0502020204030204" pitchFamily="34" charset="0"/>
-                <a:ea typeface="Calibri" panose="020F0502020204030204" pitchFamily="34" charset="0"/>
-                <a:cs typeface="Arial" panose="020B0604020202020204" pitchFamily="34" charset="0"/>
-              </a:rPr>
-            </a:br>
-            <a:r>
-              <a:rPr lang="en-US" dirty="0">
-                <a:solidFill>
-                  <a:srgbClr val="000000"/>
-                </a:solidFill>
-                <a:latin typeface="Calibri" panose="020F0502020204030204" pitchFamily="34" charset="0"/>
-                <a:ea typeface="Calibri" panose="020F0502020204030204" pitchFamily="34" charset="0"/>
-                <a:cs typeface="Arial" panose="020B0604020202020204" pitchFamily="34" charset="0"/>
-              </a:rPr>
-              <a:t>    &lt;</a:t>
-            </a:r>
-            <a:r>
-              <a:rPr lang="en-US" b="1" dirty="0">
-                <a:solidFill>
-                  <a:srgbClr val="000080"/>
-                </a:solidFill>
-                <a:latin typeface="Calibri" panose="020F0502020204030204" pitchFamily="34" charset="0"/>
-                <a:ea typeface="Calibri" panose="020F0502020204030204" pitchFamily="34" charset="0"/>
-                <a:cs typeface="Arial" panose="020B0604020202020204" pitchFamily="34" charset="0"/>
-              </a:rPr>
-              <a:t>button</a:t>
-            </a:r>
-            <a:r>
-              <a:rPr lang="en-US" dirty="0">
-                <a:solidFill>
-                  <a:srgbClr val="000000"/>
-                </a:solidFill>
-                <a:latin typeface="Calibri" panose="020F0502020204030204" pitchFamily="34" charset="0"/>
-                <a:ea typeface="Calibri" panose="020F0502020204030204" pitchFamily="34" charset="0"/>
-                <a:cs typeface="Arial" panose="020B0604020202020204" pitchFamily="34" charset="0"/>
-              </a:rPr>
-              <a:t>&gt;Close&lt;/</a:t>
-            </a:r>
-            <a:r>
-              <a:rPr lang="en-US" b="1" dirty="0">
-                <a:solidFill>
-                  <a:srgbClr val="000080"/>
-                </a:solidFill>
-                <a:latin typeface="Calibri" panose="020F0502020204030204" pitchFamily="34" charset="0"/>
-                <a:ea typeface="Calibri" panose="020F0502020204030204" pitchFamily="34" charset="0"/>
-                <a:cs typeface="Arial" panose="020B0604020202020204" pitchFamily="34" charset="0"/>
-              </a:rPr>
-              <a:t>button</a:t>
-            </a:r>
-            <a:r>
-              <a:rPr lang="en-US" dirty="0">
-                <a:solidFill>
-                  <a:srgbClr val="000000"/>
-                </a:solidFill>
-                <a:latin typeface="Calibri" panose="020F0502020204030204" pitchFamily="34" charset="0"/>
-                <a:ea typeface="Calibri" panose="020F0502020204030204" pitchFamily="34" charset="0"/>
-                <a:cs typeface="Arial" panose="020B0604020202020204" pitchFamily="34" charset="0"/>
-              </a:rPr>
-              <a:t>&gt;</a:t>
-            </a:r>
-            <a:br>
-              <a:rPr lang="en-US" dirty="0">
-                <a:solidFill>
-                  <a:srgbClr val="000000"/>
-                </a:solidFill>
-                <a:latin typeface="Calibri" panose="020F0502020204030204" pitchFamily="34" charset="0"/>
-                <a:ea typeface="Calibri" panose="020F0502020204030204" pitchFamily="34" charset="0"/>
-                <a:cs typeface="Arial" panose="020B0604020202020204" pitchFamily="34" charset="0"/>
-              </a:rPr>
-            </a:br>
-            <a:r>
-              <a:rPr lang="en-US" dirty="0">
-                <a:solidFill>
-                  <a:srgbClr val="000000"/>
-                </a:solidFill>
-                <a:latin typeface="Calibri" panose="020F0502020204030204" pitchFamily="34" charset="0"/>
-                <a:ea typeface="Calibri" panose="020F0502020204030204" pitchFamily="34" charset="0"/>
-                <a:cs typeface="Arial" panose="020B0604020202020204" pitchFamily="34" charset="0"/>
-              </a:rPr>
-              <a:t>&lt;/</a:t>
-            </a:r>
-            <a:r>
-              <a:rPr lang="en-US" b="1" dirty="0">
-                <a:solidFill>
-                  <a:srgbClr val="000080"/>
-                </a:solidFill>
-                <a:latin typeface="Calibri" panose="020F0502020204030204" pitchFamily="34" charset="0"/>
-                <a:ea typeface="Calibri" panose="020F0502020204030204" pitchFamily="34" charset="0"/>
-                <a:cs typeface="Arial" panose="020B0604020202020204" pitchFamily="34" charset="0"/>
-              </a:rPr>
-              <a:t>div</a:t>
-            </a:r>
-            <a:r>
-              <a:rPr lang="en-US" dirty="0">
-                <a:solidFill>
-                  <a:srgbClr val="000000"/>
-                </a:solidFill>
-                <a:latin typeface="Calibri" panose="020F0502020204030204" pitchFamily="34" charset="0"/>
-                <a:ea typeface="Calibri" panose="020F0502020204030204" pitchFamily="34" charset="0"/>
-                <a:cs typeface="Arial" panose="020B0604020202020204" pitchFamily="34" charset="0"/>
-              </a:rPr>
-              <a:t>&gt;</a:t>
-            </a:r>
-            <a:endParaRPr lang="en-US" dirty="0"/>
-          </a:p>
-        </p:txBody>
-      </p:sp>
-      <p:sp>
-        <p:nvSpPr>
-          <p:cNvPr id="7" name="Callout: Bent Line with No Border 12"/>
+            <a:endParaRPr lang="en-US" sz="1600" dirty="0"/>
+          </a:p>
+        </p:txBody>
+      </p:sp>
+      <p:sp>
+        <p:nvSpPr>
+          <p:cNvPr id="9" name="Callout: Bent Line with No Border 12"/>
           <p:cNvSpPr/>
           <p:nvPr/>
         </p:nvSpPr>
         <p:spPr>
           <a:xfrm>
             <a:off x="646976" y="3500919"/>
-            <a:ext cx="1548760" cy="1080209"/>
+            <a:ext cx="1764784" cy="936193"/>
           </a:xfrm>
           <a:prstGeom prst="callout2">
             <a:avLst>
@@ -10877,8 +10472,8 @@
               <a:gd name="adj2" fmla="val 108581"/>
               <a:gd name="adj3" fmla="val 28677"/>
               <a:gd name="adj4" fmla="val 107777"/>
-              <a:gd name="adj5" fmla="val -34736"/>
-              <a:gd name="adj6" fmla="val 164595"/>
+              <a:gd name="adj5" fmla="val 166843"/>
+              <a:gd name="adj6" fmla="val 197636"/>
             </a:avLst>
           </a:prstGeom>
         </p:spPr>
@@ -10904,275 +10499,17 @@
           <a:p>
             <a:pPr algn="ctr"/>
             <a:r>
-              <a:rPr lang="en-US" sz="1400" dirty="0" smtClean="0"/>
-              <a:t>The content will be injected here</a:t>
+              <a:rPr lang="en-US" sz="1400" dirty="0"/>
+              <a:t>my-contact-list component is created but not display !!!!</a:t>
             </a:r>
             <a:endParaRPr lang="he-IL" sz="1400" dirty="0"/>
-          </a:p>
-        </p:txBody>
-      </p:sp>
-      <p:sp>
-        <p:nvSpPr>
-          <p:cNvPr id="8" name="Rectangle 7"/>
-          <p:cNvSpPr/>
-          <p:nvPr/>
-        </p:nvSpPr>
-        <p:spPr>
-          <a:xfrm>
-            <a:off x="4689348" y="4955409"/>
-            <a:ext cx="3447048" cy="1323439"/>
-          </a:xfrm>
-          <a:prstGeom prst="rect">
-            <a:avLst/>
-          </a:prstGeom>
-          <a:solidFill>
-            <a:schemeClr val="accent1">
-              <a:lumMod val="40000"/>
-              <a:lumOff val="60000"/>
-            </a:schemeClr>
-          </a:solidFill>
-        </p:spPr>
-        <p:txBody>
-          <a:bodyPr wrap="square">
-            <a:spAutoFit/>
-          </a:bodyPr>
-          <a:lstStyle/>
-          <a:p>
-            <a:r>
-              <a:rPr lang="en-US" sz="1600" dirty="0">
-                <a:solidFill>
-                  <a:srgbClr val="000000"/>
-                </a:solidFill>
-                <a:latin typeface="Calibri" panose="020F0502020204030204" pitchFamily="34" charset="0"/>
-                <a:ea typeface="Calibri" panose="020F0502020204030204" pitchFamily="34" charset="0"/>
-                <a:cs typeface="Arial" panose="020B0604020202020204" pitchFamily="34" charset="0"/>
-              </a:rPr>
-              <a:t>&lt;</a:t>
-            </a:r>
-            <a:r>
-              <a:rPr lang="en-US" sz="1600" b="1" dirty="0">
-                <a:solidFill>
-                  <a:srgbClr val="000080"/>
-                </a:solidFill>
-                <a:latin typeface="Calibri" panose="020F0502020204030204" pitchFamily="34" charset="0"/>
-                <a:ea typeface="Calibri" panose="020F0502020204030204" pitchFamily="34" charset="0"/>
-                <a:cs typeface="Arial" panose="020B0604020202020204" pitchFamily="34" charset="0"/>
-              </a:rPr>
-              <a:t>h1</a:t>
-            </a:r>
-            <a:r>
-              <a:rPr lang="en-US" sz="1600" dirty="0">
-                <a:solidFill>
-                  <a:srgbClr val="000000"/>
-                </a:solidFill>
-                <a:latin typeface="Calibri" panose="020F0502020204030204" pitchFamily="34" charset="0"/>
-                <a:ea typeface="Calibri" panose="020F0502020204030204" pitchFamily="34" charset="0"/>
-                <a:cs typeface="Arial" panose="020B0604020202020204" pitchFamily="34" charset="0"/>
-              </a:rPr>
-              <a:t>&gt;Hello Angular&lt;/</a:t>
-            </a:r>
-            <a:r>
-              <a:rPr lang="en-US" sz="1600" b="1" dirty="0">
-                <a:solidFill>
-                  <a:srgbClr val="000080"/>
-                </a:solidFill>
-                <a:latin typeface="Calibri" panose="020F0502020204030204" pitchFamily="34" charset="0"/>
-                <a:ea typeface="Calibri" panose="020F0502020204030204" pitchFamily="34" charset="0"/>
-                <a:cs typeface="Arial" panose="020B0604020202020204" pitchFamily="34" charset="0"/>
-              </a:rPr>
-              <a:t>h1</a:t>
-            </a:r>
-            <a:r>
-              <a:rPr lang="en-US" sz="1600" dirty="0">
-                <a:solidFill>
-                  <a:srgbClr val="000000"/>
-                </a:solidFill>
-                <a:latin typeface="Calibri" panose="020F0502020204030204" pitchFamily="34" charset="0"/>
-                <a:ea typeface="Calibri" panose="020F0502020204030204" pitchFamily="34" charset="0"/>
-                <a:cs typeface="Arial" panose="020B0604020202020204" pitchFamily="34" charset="0"/>
-              </a:rPr>
-              <a:t>&gt;</a:t>
-            </a:r>
-            <a:br>
-              <a:rPr lang="en-US" sz="1600" dirty="0">
-                <a:solidFill>
-                  <a:srgbClr val="000000"/>
-                </a:solidFill>
-                <a:latin typeface="Calibri" panose="020F0502020204030204" pitchFamily="34" charset="0"/>
-                <a:ea typeface="Calibri" panose="020F0502020204030204" pitchFamily="34" charset="0"/>
-                <a:cs typeface="Arial" panose="020B0604020202020204" pitchFamily="34" charset="0"/>
-              </a:rPr>
-            </a:br>
-            <a:r>
-              <a:rPr lang="en-US" sz="1600" dirty="0">
-                <a:solidFill>
-                  <a:srgbClr val="000000"/>
-                </a:solidFill>
-                <a:latin typeface="Calibri" panose="020F0502020204030204" pitchFamily="34" charset="0"/>
-                <a:ea typeface="Calibri" panose="020F0502020204030204" pitchFamily="34" charset="0"/>
-                <a:cs typeface="Arial" panose="020B0604020202020204" pitchFamily="34" charset="0"/>
-              </a:rPr>
-              <a:t/>
-            </a:r>
-            <a:br>
-              <a:rPr lang="en-US" sz="1600" dirty="0">
-                <a:solidFill>
-                  <a:srgbClr val="000000"/>
-                </a:solidFill>
-                <a:latin typeface="Calibri" panose="020F0502020204030204" pitchFamily="34" charset="0"/>
-                <a:ea typeface="Calibri" panose="020F0502020204030204" pitchFamily="34" charset="0"/>
-                <a:cs typeface="Arial" panose="020B0604020202020204" pitchFamily="34" charset="0"/>
-              </a:rPr>
-            </a:br>
-            <a:r>
-              <a:rPr lang="en-US" sz="1600" dirty="0">
-                <a:solidFill>
-                  <a:srgbClr val="000000"/>
-                </a:solidFill>
-                <a:latin typeface="Calibri" panose="020F0502020204030204" pitchFamily="34" charset="0"/>
-                <a:ea typeface="Calibri" panose="020F0502020204030204" pitchFamily="34" charset="0"/>
-                <a:cs typeface="Arial" panose="020B0604020202020204" pitchFamily="34" charset="0"/>
-              </a:rPr>
-              <a:t>&lt;</a:t>
-            </a:r>
-            <a:r>
-              <a:rPr lang="en-US" sz="1600" b="1" dirty="0">
-                <a:solidFill>
-                  <a:srgbClr val="000080"/>
-                </a:solidFill>
-                <a:latin typeface="Calibri" panose="020F0502020204030204" pitchFamily="34" charset="0"/>
-                <a:ea typeface="Calibri" panose="020F0502020204030204" pitchFamily="34" charset="0"/>
-                <a:cs typeface="Arial" panose="020B0604020202020204" pitchFamily="34" charset="0"/>
-              </a:rPr>
-              <a:t>my-dialog</a:t>
-            </a:r>
-            <a:r>
-              <a:rPr lang="en-US" sz="1600" dirty="0">
-                <a:solidFill>
-                  <a:srgbClr val="000000"/>
-                </a:solidFill>
-                <a:latin typeface="Calibri" panose="020F0502020204030204" pitchFamily="34" charset="0"/>
-                <a:ea typeface="Calibri" panose="020F0502020204030204" pitchFamily="34" charset="0"/>
-                <a:cs typeface="Arial" panose="020B0604020202020204" pitchFamily="34" charset="0"/>
-              </a:rPr>
-              <a:t>&gt;</a:t>
-            </a:r>
-            <a:br>
-              <a:rPr lang="en-US" sz="1600" dirty="0">
-                <a:solidFill>
-                  <a:srgbClr val="000000"/>
-                </a:solidFill>
-                <a:latin typeface="Calibri" panose="020F0502020204030204" pitchFamily="34" charset="0"/>
-                <a:ea typeface="Calibri" panose="020F0502020204030204" pitchFamily="34" charset="0"/>
-                <a:cs typeface="Arial" panose="020B0604020202020204" pitchFamily="34" charset="0"/>
-              </a:rPr>
-            </a:br>
-            <a:r>
-              <a:rPr lang="en-US" sz="1600" dirty="0">
-                <a:solidFill>
-                  <a:srgbClr val="000000"/>
-                </a:solidFill>
-                <a:latin typeface="Calibri" panose="020F0502020204030204" pitchFamily="34" charset="0"/>
-                <a:ea typeface="Calibri" panose="020F0502020204030204" pitchFamily="34" charset="0"/>
-                <a:cs typeface="Arial" panose="020B0604020202020204" pitchFamily="34" charset="0"/>
-              </a:rPr>
-              <a:t>    &lt;</a:t>
-            </a:r>
-            <a:r>
-              <a:rPr lang="en-US" sz="1600" b="1" dirty="0">
-                <a:solidFill>
-                  <a:srgbClr val="000080"/>
-                </a:solidFill>
-                <a:latin typeface="Calibri" panose="020F0502020204030204" pitchFamily="34" charset="0"/>
-                <a:ea typeface="Calibri" panose="020F0502020204030204" pitchFamily="34" charset="0"/>
-                <a:cs typeface="Arial" panose="020B0604020202020204" pitchFamily="34" charset="0"/>
-              </a:rPr>
-              <a:t>my-contact-list</a:t>
-            </a:r>
-            <a:r>
-              <a:rPr lang="en-US" sz="1600" dirty="0">
-                <a:solidFill>
-                  <a:srgbClr val="000000"/>
-                </a:solidFill>
-                <a:latin typeface="Calibri" panose="020F0502020204030204" pitchFamily="34" charset="0"/>
-                <a:ea typeface="Calibri" panose="020F0502020204030204" pitchFamily="34" charset="0"/>
-                <a:cs typeface="Arial" panose="020B0604020202020204" pitchFamily="34" charset="0"/>
-              </a:rPr>
-              <a:t>&gt;&lt;/</a:t>
-            </a:r>
-            <a:r>
-              <a:rPr lang="en-US" sz="1600" b="1" dirty="0">
-                <a:solidFill>
-                  <a:srgbClr val="000080"/>
-                </a:solidFill>
-                <a:latin typeface="Calibri" panose="020F0502020204030204" pitchFamily="34" charset="0"/>
-                <a:ea typeface="Calibri" panose="020F0502020204030204" pitchFamily="34" charset="0"/>
-                <a:cs typeface="Arial" panose="020B0604020202020204" pitchFamily="34" charset="0"/>
-              </a:rPr>
-              <a:t>my-contact-list</a:t>
-            </a:r>
-            <a:r>
-              <a:rPr lang="en-US" sz="1600" dirty="0">
-                <a:solidFill>
-                  <a:srgbClr val="000000"/>
-                </a:solidFill>
-                <a:latin typeface="Calibri" panose="020F0502020204030204" pitchFamily="34" charset="0"/>
-                <a:ea typeface="Calibri" panose="020F0502020204030204" pitchFamily="34" charset="0"/>
-                <a:cs typeface="Arial" panose="020B0604020202020204" pitchFamily="34" charset="0"/>
-              </a:rPr>
-              <a:t>&gt;</a:t>
-            </a:r>
-            <a:br>
-              <a:rPr lang="en-US" sz="1600" dirty="0">
-                <a:solidFill>
-                  <a:srgbClr val="000000"/>
-                </a:solidFill>
-                <a:latin typeface="Calibri" panose="020F0502020204030204" pitchFamily="34" charset="0"/>
-                <a:ea typeface="Calibri" panose="020F0502020204030204" pitchFamily="34" charset="0"/>
-                <a:cs typeface="Arial" panose="020B0604020202020204" pitchFamily="34" charset="0"/>
-              </a:rPr>
-            </a:br>
-            <a:r>
-              <a:rPr lang="en-US" sz="1600" dirty="0">
-                <a:solidFill>
-                  <a:srgbClr val="000000"/>
-                </a:solidFill>
-                <a:latin typeface="Calibri" panose="020F0502020204030204" pitchFamily="34" charset="0"/>
-                <a:ea typeface="Calibri" panose="020F0502020204030204" pitchFamily="34" charset="0"/>
-                <a:cs typeface="Arial" panose="020B0604020202020204" pitchFamily="34" charset="0"/>
-              </a:rPr>
-              <a:t>&lt;/</a:t>
-            </a:r>
-            <a:r>
-              <a:rPr lang="en-US" sz="1600" b="1" dirty="0">
-                <a:solidFill>
-                  <a:srgbClr val="000080"/>
-                </a:solidFill>
-                <a:latin typeface="Calibri" panose="020F0502020204030204" pitchFamily="34" charset="0"/>
-                <a:ea typeface="Calibri" panose="020F0502020204030204" pitchFamily="34" charset="0"/>
-                <a:cs typeface="Arial" panose="020B0604020202020204" pitchFamily="34" charset="0"/>
-              </a:rPr>
-              <a:t>my-dialog</a:t>
-            </a:r>
-            <a:r>
-              <a:rPr lang="en-US" sz="1600" dirty="0">
-                <a:solidFill>
-                  <a:srgbClr val="000000"/>
-                </a:solidFill>
-                <a:latin typeface="Calibri" panose="020F0502020204030204" pitchFamily="34" charset="0"/>
-                <a:ea typeface="Calibri" panose="020F0502020204030204" pitchFamily="34" charset="0"/>
-                <a:cs typeface="Arial" panose="020B0604020202020204" pitchFamily="34" charset="0"/>
-              </a:rPr>
-              <a:t>&gt;</a:t>
-            </a:r>
-            <a:endParaRPr lang="en-US" sz="1600" dirty="0"/>
           </a:p>
         </p:txBody>
       </p:sp>
     </p:spTree>
     <p:extLst>
       <p:ext uri="{BB962C8B-B14F-4D97-AF65-F5344CB8AC3E}">
-        <p14:creationId xmlns:p14="http://schemas.microsoft.com/office/powerpoint/2010/main" val="1464094879"/>
+        <p14:creationId xmlns:p14="http://schemas.microsoft.com/office/powerpoint/2010/main" val="566782712"/>
       </p:ext>
     </p:extLst>
   </p:cSld>
@@ -11215,10 +10552,9 @@
           <a:lstStyle/>
           <a:p>
             <a:r>
-              <a:rPr lang="en-US" dirty="0" smtClean="0"/>
-              <a:t>Content Lifetime</a:t>
-            </a:r>
-            <a:endParaRPr lang="en-US" dirty="0"/>
+              <a:rPr lang="en-US" dirty="0"/>
+              <a:t>Content Projection</a:t>
+            </a:r>
           </a:p>
         </p:txBody>
       </p:sp>
@@ -11238,7 +10574,7 @@
           <a:lstStyle/>
           <a:p>
             <a:r>
-              <a:rPr lang="en-US" smtClean="0"/>
+              <a:rPr lang="en-US"/>
               <a:t>© 2016 Ori Calvo</a:t>
             </a:r>
             <a:endParaRPr lang="en-US" dirty="0"/>
@@ -11287,16 +10623,21 @@
           <a:lstStyle/>
           <a:p>
             <a:r>
-              <a:rPr lang="en-US" dirty="0" smtClean="0"/>
-              <a:t>The lifetime of the content is not controller by the surrounding component</a:t>
-            </a:r>
-          </a:p>
-          <a:p>
-            <a:r>
-              <a:rPr lang="en-US" dirty="0" smtClean="0"/>
-              <a:t>The owner of the content is the parent of dialog !!!</a:t>
-            </a:r>
-            <a:endParaRPr lang="en-US" dirty="0"/>
+              <a:rPr lang="en-US" dirty="0"/>
+              <a:t>A component may decide to inject the content into its template by using the </a:t>
+            </a:r>
+            <a:r>
+              <a:rPr lang="en-US" dirty="0">
+                <a:solidFill>
+                  <a:srgbClr val="FF0000"/>
+                </a:solidFill>
+              </a:rPr>
+              <a:t>ng-content</a:t>
+            </a:r>
+            <a:r>
+              <a:rPr lang="en-US" dirty="0"/>
+              <a:t> marker</a:t>
+            </a:r>
           </a:p>
         </p:txBody>
       </p:sp>
@@ -11308,8 +10649,8 @@
         </p:nvSpPr>
         <p:spPr>
           <a:xfrm>
-            <a:off x="2627784" y="3500919"/>
-            <a:ext cx="5976664" cy="1754326"/>
+            <a:off x="3150304" y="2924944"/>
+            <a:ext cx="3078088" cy="1477328"/>
           </a:xfrm>
           <a:prstGeom prst="rect">
             <a:avLst/>
@@ -11347,73 +10688,7 @@
                 <a:ea typeface="Calibri" panose="020F0502020204030204" pitchFamily="34" charset="0"/>
                 <a:cs typeface="Arial" panose="020B0604020202020204" pitchFamily="34" charset="0"/>
               </a:rPr>
-              <a:t>ng-content </a:t>
-            </a:r>
-            <a:r>
-              <a:rPr lang="en-US" b="1" dirty="0">
-                <a:solidFill>
-                  <a:srgbClr val="0000FF"/>
-                </a:solidFill>
-                <a:latin typeface="Calibri" panose="020F0502020204030204" pitchFamily="34" charset="0"/>
-                <a:ea typeface="Calibri" panose="020F0502020204030204" pitchFamily="34" charset="0"/>
-                <a:cs typeface="Arial" panose="020B0604020202020204" pitchFamily="34" charset="0"/>
-              </a:rPr>
-              <a:t>*</a:t>
-            </a:r>
-            <a:r>
-              <a:rPr lang="en-US" b="1" dirty="0" err="1">
-                <a:solidFill>
-                  <a:srgbClr val="0000FF"/>
-                </a:solidFill>
-                <a:latin typeface="Calibri" panose="020F0502020204030204" pitchFamily="34" charset="0"/>
-                <a:ea typeface="Calibri" panose="020F0502020204030204" pitchFamily="34" charset="0"/>
-                <a:cs typeface="Arial" panose="020B0604020202020204" pitchFamily="34" charset="0"/>
-              </a:rPr>
-              <a:t>ngIf</a:t>
-            </a:r>
-            <a:r>
-              <a:rPr lang="en-US" b="1" dirty="0">
-                <a:solidFill>
-                  <a:srgbClr val="0000FF"/>
-                </a:solidFill>
-                <a:latin typeface="Calibri" panose="020F0502020204030204" pitchFamily="34" charset="0"/>
-                <a:ea typeface="Calibri" panose="020F0502020204030204" pitchFamily="34" charset="0"/>
-                <a:cs typeface="Arial" panose="020B0604020202020204" pitchFamily="34" charset="0"/>
-              </a:rPr>
-              <a:t>=</a:t>
-            </a:r>
-            <a:r>
-              <a:rPr lang="en-US" b="1" dirty="0">
-                <a:solidFill>
-                  <a:srgbClr val="008000"/>
-                </a:solidFill>
-                <a:latin typeface="Calibri" panose="020F0502020204030204" pitchFamily="34" charset="0"/>
-                <a:ea typeface="Calibri" panose="020F0502020204030204" pitchFamily="34" charset="0"/>
-                <a:cs typeface="Arial" panose="020B0604020202020204" pitchFamily="34" charset="0"/>
-              </a:rPr>
-              <a:t>"</a:t>
-            </a:r>
-            <a:r>
-              <a:rPr lang="en-US" b="1" dirty="0" err="1">
-                <a:solidFill>
-                  <a:srgbClr val="660E7A"/>
-                </a:solidFill>
-                <a:latin typeface="Calibri" panose="020F0502020204030204" pitchFamily="34" charset="0"/>
-                <a:ea typeface="Calibri" panose="020F0502020204030204" pitchFamily="34" charset="0"/>
-                <a:cs typeface="Arial" panose="020B0604020202020204" pitchFamily="34" charset="0"/>
-              </a:rPr>
-              <a:t>showDialog</a:t>
-            </a:r>
-            <a:r>
-              <a:rPr lang="en-US" b="1" dirty="0">
-                <a:solidFill>
-                  <a:srgbClr val="008000"/>
-                </a:solidFill>
-                <a:latin typeface="Calibri" panose="020F0502020204030204" pitchFamily="34" charset="0"/>
-                <a:ea typeface="Calibri" panose="020F0502020204030204" pitchFamily="34" charset="0"/>
-                <a:cs typeface="Arial" panose="020B0604020202020204" pitchFamily="34" charset="0"/>
-              </a:rPr>
-              <a:t>"</a:t>
+              <a:t>ng-content</a:t>
             </a:r>
             <a:r>
               <a:rPr lang="en-US" dirty="0">
@@ -11458,17 +10733,6 @@
                 <a:cs typeface="Arial" panose="020B0604020202020204" pitchFamily="34" charset="0"/>
               </a:rPr>
             </a:br>
-            <a:r>
-              <a:rPr lang="en-US" dirty="0">
-                <a:solidFill>
-                  <a:srgbClr val="000000"/>
-                </a:solidFill>
-                <a:latin typeface="Calibri" panose="020F0502020204030204" pitchFamily="34" charset="0"/>
-                <a:ea typeface="Calibri" panose="020F0502020204030204" pitchFamily="34" charset="0"/>
-                <a:cs typeface="Arial" panose="020B0604020202020204" pitchFamily="34" charset="0"/>
-              </a:rPr>
-              <a:t/>
-            </a:r>
             <a:br>
               <a:rPr lang="en-US" dirty="0">
                 <a:solidFill>
@@ -11618,10 +10882,192 @@
                 <a:ea typeface="Calibri" panose="020F0502020204030204" pitchFamily="34" charset="0"/>
                 <a:cs typeface="Arial" panose="020B0604020202020204" pitchFamily="34" charset="0"/>
               </a:rPr>
+              <a:t>&lt;/</a:t>
+            </a:r>
+            <a:r>
+              <a:rPr lang="en-US" b="1" dirty="0">
+                <a:solidFill>
+                  <a:srgbClr val="000080"/>
+                </a:solidFill>
+                <a:latin typeface="Calibri" panose="020F0502020204030204" pitchFamily="34" charset="0"/>
+                <a:ea typeface="Calibri" panose="020F0502020204030204" pitchFamily="34" charset="0"/>
+                <a:cs typeface="Arial" panose="020B0604020202020204" pitchFamily="34" charset="0"/>
+              </a:rPr>
+              <a:t>div</a:t>
+            </a:r>
+            <a:r>
+              <a:rPr lang="en-US" dirty="0">
+                <a:solidFill>
+                  <a:srgbClr val="000000"/>
+                </a:solidFill>
+                <a:latin typeface="Calibri" panose="020F0502020204030204" pitchFamily="34" charset="0"/>
+                <a:ea typeface="Calibri" panose="020F0502020204030204" pitchFamily="34" charset="0"/>
+                <a:cs typeface="Arial" panose="020B0604020202020204" pitchFamily="34" charset="0"/>
+              </a:rPr>
+              <a:t>&gt;</a:t>
+            </a:r>
+            <a:endParaRPr lang="en-US" dirty="0"/>
+          </a:p>
+        </p:txBody>
+      </p:sp>
+      <p:sp>
+        <p:nvSpPr>
+          <p:cNvPr id="8" name="Rectangle 7"/>
+          <p:cNvSpPr/>
+          <p:nvPr/>
+        </p:nvSpPr>
+        <p:spPr>
+          <a:xfrm>
+            <a:off x="4689348" y="4955409"/>
+            <a:ext cx="3447048" cy="1323439"/>
+          </a:xfrm>
+          <a:prstGeom prst="rect">
+            <a:avLst/>
+          </a:prstGeom>
+          <a:solidFill>
+            <a:schemeClr val="accent1">
+              <a:lumMod val="40000"/>
+              <a:lumOff val="60000"/>
+            </a:schemeClr>
+          </a:solidFill>
+        </p:spPr>
+        <p:txBody>
+          <a:bodyPr wrap="square">
+            <a:spAutoFit/>
+          </a:bodyPr>
+          <a:lstStyle/>
+          <a:p>
+            <a:r>
+              <a:rPr lang="en-US" sz="1600" dirty="0">
+                <a:solidFill>
+                  <a:srgbClr val="000000"/>
+                </a:solidFill>
+                <a:latin typeface="Calibri" panose="020F0502020204030204" pitchFamily="34" charset="0"/>
+                <a:ea typeface="Calibri" panose="020F0502020204030204" pitchFamily="34" charset="0"/>
+                <a:cs typeface="Arial" panose="020B0604020202020204" pitchFamily="34" charset="0"/>
+              </a:rPr>
+              <a:t>&lt;</a:t>
+            </a:r>
+            <a:r>
+              <a:rPr lang="en-US" sz="1600" b="1" dirty="0">
+                <a:solidFill>
+                  <a:srgbClr val="000080"/>
+                </a:solidFill>
+                <a:latin typeface="Calibri" panose="020F0502020204030204" pitchFamily="34" charset="0"/>
+                <a:ea typeface="Calibri" panose="020F0502020204030204" pitchFamily="34" charset="0"/>
+                <a:cs typeface="Arial" panose="020B0604020202020204" pitchFamily="34" charset="0"/>
+              </a:rPr>
+              <a:t>h1</a:t>
+            </a:r>
+            <a:r>
+              <a:rPr lang="en-US" sz="1600" dirty="0">
+                <a:solidFill>
+                  <a:srgbClr val="000000"/>
+                </a:solidFill>
+                <a:latin typeface="Calibri" panose="020F0502020204030204" pitchFamily="34" charset="0"/>
+                <a:ea typeface="Calibri" panose="020F0502020204030204" pitchFamily="34" charset="0"/>
+                <a:cs typeface="Arial" panose="020B0604020202020204" pitchFamily="34" charset="0"/>
+              </a:rPr>
+              <a:t>&gt;Hello Angular&lt;/</a:t>
+            </a:r>
+            <a:r>
+              <a:rPr lang="en-US" sz="1600" b="1" dirty="0">
+                <a:solidFill>
+                  <a:srgbClr val="000080"/>
+                </a:solidFill>
+                <a:latin typeface="Calibri" panose="020F0502020204030204" pitchFamily="34" charset="0"/>
+                <a:ea typeface="Calibri" panose="020F0502020204030204" pitchFamily="34" charset="0"/>
+                <a:cs typeface="Arial" panose="020B0604020202020204" pitchFamily="34" charset="0"/>
+              </a:rPr>
+              <a:t>h1</a:t>
+            </a:r>
+            <a:r>
+              <a:rPr lang="en-US" sz="1600" dirty="0">
+                <a:solidFill>
+                  <a:srgbClr val="000000"/>
+                </a:solidFill>
+                <a:latin typeface="Calibri" panose="020F0502020204030204" pitchFamily="34" charset="0"/>
+                <a:ea typeface="Calibri" panose="020F0502020204030204" pitchFamily="34" charset="0"/>
+                <a:cs typeface="Arial" panose="020B0604020202020204" pitchFamily="34" charset="0"/>
+              </a:rPr>
+              <a:t>&gt;</a:t>
+            </a:r>
+            <a:br>
+              <a:rPr lang="en-US" sz="1600" dirty="0">
+                <a:solidFill>
+                  <a:srgbClr val="000000"/>
+                </a:solidFill>
+                <a:latin typeface="Calibri" panose="020F0502020204030204" pitchFamily="34" charset="0"/>
+                <a:ea typeface="Calibri" panose="020F0502020204030204" pitchFamily="34" charset="0"/>
+                <a:cs typeface="Arial" panose="020B0604020202020204" pitchFamily="34" charset="0"/>
+              </a:rPr>
+            </a:br>
+            <a:br>
+              <a:rPr lang="en-US" sz="1600" dirty="0">
+                <a:solidFill>
+                  <a:srgbClr val="000000"/>
+                </a:solidFill>
+                <a:latin typeface="Calibri" panose="020F0502020204030204" pitchFamily="34" charset="0"/>
+                <a:ea typeface="Calibri" panose="020F0502020204030204" pitchFamily="34" charset="0"/>
+                <a:cs typeface="Arial" panose="020B0604020202020204" pitchFamily="34" charset="0"/>
+              </a:rPr>
+            </a:br>
+            <a:r>
+              <a:rPr lang="en-US" sz="1600" dirty="0">
+                <a:solidFill>
+                  <a:srgbClr val="000000"/>
+                </a:solidFill>
+                <a:latin typeface="Calibri" panose="020F0502020204030204" pitchFamily="34" charset="0"/>
+                <a:ea typeface="Calibri" panose="020F0502020204030204" pitchFamily="34" charset="0"/>
+                <a:cs typeface="Arial" panose="020B0604020202020204" pitchFamily="34" charset="0"/>
+              </a:rPr>
+              <a:t>&lt;</a:t>
+            </a:r>
+            <a:r>
+              <a:rPr lang="en-US" sz="1600" b="1" dirty="0">
+                <a:solidFill>
+                  <a:srgbClr val="000080"/>
+                </a:solidFill>
+                <a:latin typeface="Calibri" panose="020F0502020204030204" pitchFamily="34" charset="0"/>
+                <a:ea typeface="Calibri" panose="020F0502020204030204" pitchFamily="34" charset="0"/>
+                <a:cs typeface="Arial" panose="020B0604020202020204" pitchFamily="34" charset="0"/>
+              </a:rPr>
+              <a:t>my-dialog</a:t>
+            </a:r>
+            <a:r>
+              <a:rPr lang="en-US" sz="1600" dirty="0">
+                <a:solidFill>
+                  <a:srgbClr val="000000"/>
+                </a:solidFill>
+                <a:latin typeface="Calibri" panose="020F0502020204030204" pitchFamily="34" charset="0"/>
+                <a:ea typeface="Calibri" panose="020F0502020204030204" pitchFamily="34" charset="0"/>
+                <a:cs typeface="Arial" panose="020B0604020202020204" pitchFamily="34" charset="0"/>
+              </a:rPr>
+              <a:t>&gt;</a:t>
+            </a:r>
+            <a:br>
+              <a:rPr lang="en-US" sz="1600" dirty="0">
+                <a:solidFill>
+                  <a:srgbClr val="000000"/>
+                </a:solidFill>
+                <a:latin typeface="Calibri" panose="020F0502020204030204" pitchFamily="34" charset="0"/>
+                <a:ea typeface="Calibri" panose="020F0502020204030204" pitchFamily="34" charset="0"/>
+                <a:cs typeface="Arial" panose="020B0604020202020204" pitchFamily="34" charset="0"/>
+              </a:rPr>
+            </a:br>
+            <a:r>
+              <a:rPr lang="en-US" sz="1600" dirty="0">
+                <a:solidFill>
+                  <a:srgbClr val="000000"/>
+                </a:solidFill>
+                <a:latin typeface="Calibri" panose="020F0502020204030204" pitchFamily="34" charset="0"/>
+                <a:ea typeface="Calibri" panose="020F0502020204030204" pitchFamily="34" charset="0"/>
+                <a:cs typeface="Arial" panose="020B0604020202020204" pitchFamily="34" charset="0"/>
+              </a:rPr>
               <a:t>    &lt;</a:t>
             </a:r>
             <a:r>
-              <a:rPr lang="en-US" b="1" dirty="0">
+              <a:rPr lang="en-US" sz="1600" b="1" dirty="0">
                 <a:solidFill>
                   <a:srgbClr val="000080"/>
                 </a:solidFill>
@@ -11629,65 +11075,21 @@
                 <a:ea typeface="Calibri" panose="020F0502020204030204" pitchFamily="34" charset="0"/>
                 <a:cs typeface="Arial" panose="020B0604020202020204" pitchFamily="34" charset="0"/>
               </a:rPr>
-              <a:t>button </a:t>
-            </a:r>
-            <a:r>
-              <a:rPr lang="en-US" b="1" dirty="0">
-                <a:solidFill>
-                  <a:srgbClr val="0000FF"/>
-                </a:solidFill>
-                <a:latin typeface="Calibri" panose="020F0502020204030204" pitchFamily="34" charset="0"/>
-                <a:ea typeface="Calibri" panose="020F0502020204030204" pitchFamily="34" charset="0"/>
-                <a:cs typeface="Arial" panose="020B0604020202020204" pitchFamily="34" charset="0"/>
-              </a:rPr>
-              <a:t>(click)=</a:t>
-            </a:r>
-            <a:r>
-              <a:rPr lang="en-US" b="1" dirty="0">
-                <a:solidFill>
-                  <a:srgbClr val="008000"/>
-                </a:solidFill>
-                <a:latin typeface="Calibri" panose="020F0502020204030204" pitchFamily="34" charset="0"/>
-                <a:ea typeface="Calibri" panose="020F0502020204030204" pitchFamily="34" charset="0"/>
-                <a:cs typeface="Arial" panose="020B0604020202020204" pitchFamily="34" charset="0"/>
-              </a:rPr>
-              <a:t>"</a:t>
-            </a:r>
-            <a:r>
-              <a:rPr lang="en-US" b="1" dirty="0" err="1">
-                <a:solidFill>
-                  <a:srgbClr val="7A7A43"/>
-                </a:solidFill>
-                <a:latin typeface="Calibri" panose="020F0502020204030204" pitchFamily="34" charset="0"/>
-                <a:ea typeface="Calibri" panose="020F0502020204030204" pitchFamily="34" charset="0"/>
-                <a:cs typeface="Arial" panose="020B0604020202020204" pitchFamily="34" charset="0"/>
-              </a:rPr>
-              <a:t>toggleDialog</a:t>
-            </a:r>
-            <a:r>
-              <a:rPr lang="en-US" b="1" dirty="0">
-                <a:solidFill>
-                  <a:srgbClr val="008000"/>
-                </a:solidFill>
-                <a:latin typeface="Calibri" panose="020F0502020204030204" pitchFamily="34" charset="0"/>
-                <a:ea typeface="Calibri" panose="020F0502020204030204" pitchFamily="34" charset="0"/>
-                <a:cs typeface="Arial" panose="020B0604020202020204" pitchFamily="34" charset="0"/>
-              </a:rPr>
-              <a:t>()"</a:t>
-            </a:r>
-            <a:r>
-              <a:rPr lang="en-US" dirty="0">
-                <a:solidFill>
-                  <a:srgbClr val="000000"/>
-                </a:solidFill>
-                <a:latin typeface="Calibri" panose="020F0502020204030204" pitchFamily="34" charset="0"/>
-                <a:ea typeface="Calibri" panose="020F0502020204030204" pitchFamily="34" charset="0"/>
-                <a:cs typeface="Arial" panose="020B0604020202020204" pitchFamily="34" charset="0"/>
-              </a:rPr>
-              <a:t>&gt;Toggle Dialog&lt;/</a:t>
-            </a:r>
-            <a:r>
-              <a:rPr lang="en-US" b="1" dirty="0">
+              <a:t>my-contact-list</a:t>
+            </a:r>
+            <a:r>
+              <a:rPr lang="en-US" sz="1600" dirty="0">
+                <a:solidFill>
+                  <a:srgbClr val="000000"/>
+                </a:solidFill>
+                <a:latin typeface="Calibri" panose="020F0502020204030204" pitchFamily="34" charset="0"/>
+                <a:ea typeface="Calibri" panose="020F0502020204030204" pitchFamily="34" charset="0"/>
+                <a:cs typeface="Arial" panose="020B0604020202020204" pitchFamily="34" charset="0"/>
+              </a:rPr>
+              <a:t>&gt;&lt;/</a:t>
+            </a:r>
+            <a:r>
+              <a:rPr lang="en-US" sz="1600" b="1" dirty="0">
                 <a:solidFill>
                   <a:srgbClr val="000080"/>
                 </a:solidFill>
@@ -11695,10 +11097,10 @@
                 <a:ea typeface="Calibri" panose="020F0502020204030204" pitchFamily="34" charset="0"/>
                 <a:cs typeface="Arial" panose="020B0604020202020204" pitchFamily="34" charset="0"/>
               </a:rPr>
-              <a:t>button</a:t>
-            </a:r>
-            <a:r>
-              <a:rPr lang="en-US" dirty="0">
+              <a:t>my-contact-list</a:t>
+            </a:r>
+            <a:r>
+              <a:rPr lang="en-US" sz="1600" dirty="0">
                 <a:solidFill>
                   <a:srgbClr val="000000"/>
                 </a:solidFill>
@@ -11709,7 +11111,7 @@
               <a:t>&gt;</a:t>
             </a:r>
             <a:br>
-              <a:rPr lang="en-US" dirty="0">
+              <a:rPr lang="en-US" sz="1600" dirty="0">
                 <a:solidFill>
                   <a:srgbClr val="000000"/>
                 </a:solidFill>
@@ -11719,7 +11121,7 @@
               </a:rPr>
             </a:br>
             <a:r>
-              <a:rPr lang="en-US" dirty="0">
+              <a:rPr lang="en-US" sz="1600" dirty="0">
                 <a:solidFill>
                   <a:srgbClr val="000000"/>
                 </a:solidFill>
@@ -11730,7 +11132,7 @@
               <a:t>&lt;/</a:t>
             </a:r>
             <a:r>
-              <a:rPr lang="en-US" b="1" dirty="0">
+              <a:rPr lang="en-US" sz="1600" b="1" dirty="0">
                 <a:solidFill>
                   <a:srgbClr val="000080"/>
                 </a:solidFill>
@@ -11738,10 +11140,10 @@
                 <a:ea typeface="Calibri" panose="020F0502020204030204" pitchFamily="34" charset="0"/>
                 <a:cs typeface="Arial" panose="020B0604020202020204" pitchFamily="34" charset="0"/>
               </a:rPr>
-              <a:t>div</a:t>
-            </a:r>
-            <a:r>
-              <a:rPr lang="en-US" dirty="0">
+              <a:t>my-dialog</a:t>
+            </a:r>
+            <a:r>
+              <a:rPr lang="en-US" sz="1600" dirty="0">
                 <a:solidFill>
                   <a:srgbClr val="000000"/>
                 </a:solidFill>
@@ -11751,7 +11153,7 @@
               </a:rPr>
               <a:t>&gt;</a:t>
             </a:r>
-            <a:endParaRPr lang="en-US" dirty="0"/>
+            <a:endParaRPr lang="en-US" sz="1600" dirty="0"/>
           </a:p>
         </p:txBody>
       </p:sp>
@@ -11763,17 +11165,17 @@
         </p:nvSpPr>
         <p:spPr>
           <a:xfrm>
-            <a:off x="266700" y="4715140"/>
+            <a:off x="646976" y="3500919"/>
             <a:ext cx="1548760" cy="1080209"/>
           </a:xfrm>
           <a:prstGeom prst="callout2">
             <a:avLst>
-              <a:gd name="adj1" fmla="val 43670"/>
-              <a:gd name="adj2" fmla="val 108581"/>
+              <a:gd name="adj1" fmla="val 217080"/>
+              <a:gd name="adj2" fmla="val 274812"/>
               <a:gd name="adj3" fmla="val 28677"/>
               <a:gd name="adj4" fmla="val 107777"/>
-              <a:gd name="adj5" fmla="val -82140"/>
-              <a:gd name="adj6" fmla="val 313968"/>
+              <a:gd name="adj5" fmla="val -34736"/>
+              <a:gd name="adj6" fmla="val 164595"/>
             </a:avLst>
           </a:prstGeom>
         </p:spPr>
@@ -11799,8 +11201,640 @@
           <a:p>
             <a:pPr algn="ctr"/>
             <a:r>
-              <a:rPr lang="en-US" sz="1400" dirty="0" smtClean="0"/>
-              <a:t>Content is removed from the DOM but is child components are still alive</a:t>
+              <a:rPr lang="en-US" sz="1400" dirty="0"/>
+              <a:t>The content will be injected here</a:t>
+            </a:r>
+            <a:endParaRPr lang="he-IL" sz="1400" dirty="0"/>
+          </a:p>
+        </p:txBody>
+      </p:sp>
+    </p:spTree>
+    <p:extLst>
+      <p:ext uri="{BB962C8B-B14F-4D97-AF65-F5344CB8AC3E}">
+        <p14:creationId xmlns:p14="http://schemas.microsoft.com/office/powerpoint/2010/main" val="1464094879"/>
+      </p:ext>
+    </p:extLst>
+  </p:cSld>
+  <p:clrMapOvr>
+    <a:masterClrMapping/>
+  </p:clrMapOvr>
+</p:sld>
+</file>
+
+<file path=ppt/slides/slide22.xml><?xml version="1.0" encoding="utf-8"?>
+<p:sld xmlns:a="http://schemas.openxmlformats.org/drawingml/2006/main" xmlns:r="http://schemas.openxmlformats.org/officeDocument/2006/relationships" xmlns:p="http://schemas.openxmlformats.org/presentationml/2006/main">
+  <p:cSld>
+    <p:spTree>
+      <p:nvGrpSpPr>
+        <p:cNvPr id="1" name=""/>
+        <p:cNvGrpSpPr/>
+        <p:nvPr/>
+      </p:nvGrpSpPr>
+      <p:grpSpPr>
+        <a:xfrm>
+          <a:off x="0" y="0"/>
+          <a:ext cx="0" cy="0"/>
+          <a:chOff x="0" y="0"/>
+          <a:chExt cx="0" cy="0"/>
+        </a:xfrm>
+      </p:grpSpPr>
+      <p:sp>
+        <p:nvSpPr>
+          <p:cNvPr id="2" name="Title 1"/>
+          <p:cNvSpPr>
+            <a:spLocks noGrp="1"/>
+          </p:cNvSpPr>
+          <p:nvPr>
+            <p:ph type="title"/>
+          </p:nvPr>
+        </p:nvSpPr>
+        <p:spPr/>
+        <p:txBody>
+          <a:bodyPr/>
+          <a:lstStyle/>
+          <a:p>
+            <a:r>
+              <a:rPr lang="en-US" dirty="0"/>
+              <a:t>Content Lifetime</a:t>
+            </a:r>
+          </a:p>
+        </p:txBody>
+      </p:sp>
+      <p:sp>
+        <p:nvSpPr>
+          <p:cNvPr id="3" name="Footer Placeholder 2"/>
+          <p:cNvSpPr>
+            <a:spLocks noGrp="1"/>
+          </p:cNvSpPr>
+          <p:nvPr>
+            <p:ph type="ftr" sz="quarter" idx="11"/>
+          </p:nvPr>
+        </p:nvSpPr>
+        <p:spPr/>
+        <p:txBody>
+          <a:bodyPr/>
+          <a:lstStyle/>
+          <a:p>
+            <a:r>
+              <a:rPr lang="en-US"/>
+              <a:t>© 2016 Ori Calvo</a:t>
+            </a:r>
+            <a:endParaRPr lang="en-US" dirty="0"/>
+          </a:p>
+        </p:txBody>
+      </p:sp>
+      <p:sp>
+        <p:nvSpPr>
+          <p:cNvPr id="4" name="Slide Number Placeholder 3"/>
+          <p:cNvSpPr>
+            <a:spLocks noGrp="1"/>
+          </p:cNvSpPr>
+          <p:nvPr>
+            <p:ph type="sldNum" sz="quarter" idx="12"/>
+          </p:nvPr>
+        </p:nvSpPr>
+        <p:spPr/>
+        <p:txBody>
+          <a:bodyPr>
+            <a:normAutofit fontScale="85000" lnSpcReduction="20000"/>
+          </a:bodyPr>
+          <a:lstStyle/>
+          <a:p>
+            <a:fld id="{6EDEC3BC-0694-4586-AE63-02B4D54ABF43}" type="slidenum">
+              <a:rPr lang="en-US" smtClean="0"/>
+              <a:pPr/>
+              <a:t>22</a:t>
+            </a:fld>
+            <a:endParaRPr lang="en-US"/>
+          </a:p>
+        </p:txBody>
+      </p:sp>
+      <p:sp>
+        <p:nvSpPr>
+          <p:cNvPr id="5" name="Content Placeholder 4"/>
+          <p:cNvSpPr>
+            <a:spLocks noGrp="1"/>
+          </p:cNvSpPr>
+          <p:nvPr>
+            <p:ph sz="quarter" idx="1"/>
+          </p:nvPr>
+        </p:nvSpPr>
+        <p:spPr/>
+        <p:txBody>
+          <a:bodyPr/>
+          <a:lstStyle/>
+          <a:p>
+            <a:r>
+              <a:rPr lang="en-US" dirty="0"/>
+              <a:t>The lifetime of the content is not </a:t>
+            </a:r>
+            <a:r>
+              <a:rPr lang="en-US" dirty="0" err="1"/>
+              <a:t>controllered</a:t>
+            </a:r>
+            <a:r>
+              <a:rPr lang="en-US" dirty="0"/>
+              <a:t> by the surrounding component</a:t>
+            </a:r>
+          </a:p>
+          <a:p>
+            <a:r>
+              <a:rPr lang="en-US" dirty="0"/>
+              <a:t>The owner of the content is the parent of the dialog</a:t>
+            </a:r>
+          </a:p>
+        </p:txBody>
+      </p:sp>
+      <p:sp>
+        <p:nvSpPr>
+          <p:cNvPr id="6" name="Rectangle 5"/>
+          <p:cNvSpPr/>
+          <p:nvPr/>
+        </p:nvSpPr>
+        <p:spPr>
+          <a:xfrm>
+            <a:off x="2627784" y="3500919"/>
+            <a:ext cx="5976664" cy="1754326"/>
+          </a:xfrm>
+          <a:prstGeom prst="rect">
+            <a:avLst/>
+          </a:prstGeom>
+          <a:solidFill>
+            <a:schemeClr val="accent1">
+              <a:lumMod val="40000"/>
+              <a:lumOff val="60000"/>
+            </a:schemeClr>
+          </a:solidFill>
+        </p:spPr>
+        <p:txBody>
+          <a:bodyPr wrap="square">
+            <a:spAutoFit/>
+          </a:bodyPr>
+          <a:lstStyle/>
+          <a:p>
+            <a:r>
+              <a:rPr lang="en-US" dirty="0">
+                <a:solidFill>
+                  <a:srgbClr val="000000"/>
+                </a:solidFill>
+                <a:latin typeface="Calibri" panose="020F0502020204030204" pitchFamily="34" charset="0"/>
+                <a:ea typeface="Calibri" panose="020F0502020204030204" pitchFamily="34" charset="0"/>
+                <a:cs typeface="Arial" panose="020B0604020202020204" pitchFamily="34" charset="0"/>
+              </a:rPr>
+              <a:t>&lt;</a:t>
+            </a:r>
+            <a:r>
+              <a:rPr lang="en-US" b="1" dirty="0">
+                <a:solidFill>
+                  <a:srgbClr val="000080"/>
+                </a:solidFill>
+                <a:latin typeface="Calibri" panose="020F0502020204030204" pitchFamily="34" charset="0"/>
+                <a:ea typeface="Calibri" panose="020F0502020204030204" pitchFamily="34" charset="0"/>
+                <a:cs typeface="Arial" panose="020B0604020202020204" pitchFamily="34" charset="0"/>
+              </a:rPr>
+              <a:t>ng-content </a:t>
+            </a:r>
+            <a:r>
+              <a:rPr lang="en-US" b="1" dirty="0">
+                <a:solidFill>
+                  <a:srgbClr val="0000FF"/>
+                </a:solidFill>
+                <a:latin typeface="Calibri" panose="020F0502020204030204" pitchFamily="34" charset="0"/>
+                <a:ea typeface="Calibri" panose="020F0502020204030204" pitchFamily="34" charset="0"/>
+                <a:cs typeface="Arial" panose="020B0604020202020204" pitchFamily="34" charset="0"/>
+              </a:rPr>
+              <a:t>*</a:t>
+            </a:r>
+            <a:r>
+              <a:rPr lang="en-US" b="1" dirty="0" err="1">
+                <a:solidFill>
+                  <a:srgbClr val="0000FF"/>
+                </a:solidFill>
+                <a:latin typeface="Calibri" panose="020F0502020204030204" pitchFamily="34" charset="0"/>
+                <a:ea typeface="Calibri" panose="020F0502020204030204" pitchFamily="34" charset="0"/>
+                <a:cs typeface="Arial" panose="020B0604020202020204" pitchFamily="34" charset="0"/>
+              </a:rPr>
+              <a:t>ngIf</a:t>
+            </a:r>
+            <a:r>
+              <a:rPr lang="en-US" b="1" dirty="0">
+                <a:solidFill>
+                  <a:srgbClr val="0000FF"/>
+                </a:solidFill>
+                <a:latin typeface="Calibri" panose="020F0502020204030204" pitchFamily="34" charset="0"/>
+                <a:ea typeface="Calibri" panose="020F0502020204030204" pitchFamily="34" charset="0"/>
+                <a:cs typeface="Arial" panose="020B0604020202020204" pitchFamily="34" charset="0"/>
+              </a:rPr>
+              <a:t>=</a:t>
+            </a:r>
+            <a:r>
+              <a:rPr lang="en-US" b="1" dirty="0">
+                <a:solidFill>
+                  <a:srgbClr val="008000"/>
+                </a:solidFill>
+                <a:latin typeface="Calibri" panose="020F0502020204030204" pitchFamily="34" charset="0"/>
+                <a:ea typeface="Calibri" panose="020F0502020204030204" pitchFamily="34" charset="0"/>
+                <a:cs typeface="Arial" panose="020B0604020202020204" pitchFamily="34" charset="0"/>
+              </a:rPr>
+              <a:t>"</a:t>
+            </a:r>
+            <a:r>
+              <a:rPr lang="en-US" b="1" dirty="0" err="1">
+                <a:solidFill>
+                  <a:srgbClr val="660E7A"/>
+                </a:solidFill>
+                <a:latin typeface="Calibri" panose="020F0502020204030204" pitchFamily="34" charset="0"/>
+                <a:ea typeface="Calibri" panose="020F0502020204030204" pitchFamily="34" charset="0"/>
+                <a:cs typeface="Arial" panose="020B0604020202020204" pitchFamily="34" charset="0"/>
+              </a:rPr>
+              <a:t>showDialog</a:t>
+            </a:r>
+            <a:r>
+              <a:rPr lang="en-US" b="1" dirty="0">
+                <a:solidFill>
+                  <a:srgbClr val="008000"/>
+                </a:solidFill>
+                <a:latin typeface="Calibri" panose="020F0502020204030204" pitchFamily="34" charset="0"/>
+                <a:ea typeface="Calibri" panose="020F0502020204030204" pitchFamily="34" charset="0"/>
+                <a:cs typeface="Arial" panose="020B0604020202020204" pitchFamily="34" charset="0"/>
+              </a:rPr>
+              <a:t>"</a:t>
+            </a:r>
+            <a:r>
+              <a:rPr lang="en-US" dirty="0">
+                <a:solidFill>
+                  <a:srgbClr val="000000"/>
+                </a:solidFill>
+                <a:latin typeface="Calibri" panose="020F0502020204030204" pitchFamily="34" charset="0"/>
+                <a:ea typeface="Calibri" panose="020F0502020204030204" pitchFamily="34" charset="0"/>
+                <a:cs typeface="Arial" panose="020B0604020202020204" pitchFamily="34" charset="0"/>
+              </a:rPr>
+              <a:t>&gt;&lt;/</a:t>
+            </a:r>
+            <a:r>
+              <a:rPr lang="en-US" b="1" dirty="0">
+                <a:solidFill>
+                  <a:srgbClr val="000080"/>
+                </a:solidFill>
+                <a:latin typeface="Calibri" panose="020F0502020204030204" pitchFamily="34" charset="0"/>
+                <a:ea typeface="Calibri" panose="020F0502020204030204" pitchFamily="34" charset="0"/>
+                <a:cs typeface="Arial" panose="020B0604020202020204" pitchFamily="34" charset="0"/>
+              </a:rPr>
+              <a:t>ng-content</a:t>
+            </a:r>
+            <a:r>
+              <a:rPr lang="en-US" dirty="0">
+                <a:solidFill>
+                  <a:srgbClr val="000000"/>
+                </a:solidFill>
+                <a:latin typeface="Calibri" panose="020F0502020204030204" pitchFamily="34" charset="0"/>
+                <a:ea typeface="Calibri" panose="020F0502020204030204" pitchFamily="34" charset="0"/>
+                <a:cs typeface="Arial" panose="020B0604020202020204" pitchFamily="34" charset="0"/>
+              </a:rPr>
+              <a:t>&gt;</a:t>
+            </a:r>
+            <a:br>
+              <a:rPr lang="en-US" dirty="0">
+                <a:solidFill>
+                  <a:srgbClr val="000000"/>
+                </a:solidFill>
+                <a:latin typeface="Calibri" panose="020F0502020204030204" pitchFamily="34" charset="0"/>
+                <a:ea typeface="Calibri" panose="020F0502020204030204" pitchFamily="34" charset="0"/>
+                <a:cs typeface="Arial" panose="020B0604020202020204" pitchFamily="34" charset="0"/>
+              </a:rPr>
+            </a:br>
+            <a:br>
+              <a:rPr lang="en-US" dirty="0">
+                <a:solidFill>
+                  <a:srgbClr val="000000"/>
+                </a:solidFill>
+                <a:latin typeface="Calibri" panose="020F0502020204030204" pitchFamily="34" charset="0"/>
+                <a:ea typeface="Calibri" panose="020F0502020204030204" pitchFamily="34" charset="0"/>
+                <a:cs typeface="Arial" panose="020B0604020202020204" pitchFamily="34" charset="0"/>
+              </a:rPr>
+            </a:br>
+            <a:r>
+              <a:rPr lang="en-US" dirty="0">
+                <a:solidFill>
+                  <a:srgbClr val="000000"/>
+                </a:solidFill>
+                <a:latin typeface="Calibri" panose="020F0502020204030204" pitchFamily="34" charset="0"/>
+                <a:ea typeface="Calibri" panose="020F0502020204030204" pitchFamily="34" charset="0"/>
+                <a:cs typeface="Arial" panose="020B0604020202020204" pitchFamily="34" charset="0"/>
+              </a:rPr>
+              <a:t>&lt;</a:t>
+            </a:r>
+            <a:r>
+              <a:rPr lang="en-US" b="1" dirty="0">
+                <a:solidFill>
+                  <a:srgbClr val="000080"/>
+                </a:solidFill>
+                <a:latin typeface="Calibri" panose="020F0502020204030204" pitchFamily="34" charset="0"/>
+                <a:ea typeface="Calibri" panose="020F0502020204030204" pitchFamily="34" charset="0"/>
+                <a:cs typeface="Arial" panose="020B0604020202020204" pitchFamily="34" charset="0"/>
+              </a:rPr>
+              <a:t>div </a:t>
+            </a:r>
+            <a:r>
+              <a:rPr lang="en-US" b="1" dirty="0">
+                <a:solidFill>
+                  <a:srgbClr val="0000FF"/>
+                </a:solidFill>
+                <a:latin typeface="Calibri" panose="020F0502020204030204" pitchFamily="34" charset="0"/>
+                <a:ea typeface="Calibri" panose="020F0502020204030204" pitchFamily="34" charset="0"/>
+                <a:cs typeface="Arial" panose="020B0604020202020204" pitchFamily="34" charset="0"/>
+              </a:rPr>
+              <a:t>class=</a:t>
+            </a:r>
+            <a:r>
+              <a:rPr lang="en-US" b="1" dirty="0">
+                <a:solidFill>
+                  <a:srgbClr val="008000"/>
+                </a:solidFill>
+                <a:latin typeface="Calibri" panose="020F0502020204030204" pitchFamily="34" charset="0"/>
+                <a:ea typeface="Calibri" panose="020F0502020204030204" pitchFamily="34" charset="0"/>
+                <a:cs typeface="Arial" panose="020B0604020202020204" pitchFamily="34" charset="0"/>
+              </a:rPr>
+              <a:t>"buttons"</a:t>
+            </a:r>
+            <a:r>
+              <a:rPr lang="en-US" dirty="0">
+                <a:solidFill>
+                  <a:srgbClr val="000000"/>
+                </a:solidFill>
+                <a:latin typeface="Calibri" panose="020F0502020204030204" pitchFamily="34" charset="0"/>
+                <a:ea typeface="Calibri" panose="020F0502020204030204" pitchFamily="34" charset="0"/>
+                <a:cs typeface="Arial" panose="020B0604020202020204" pitchFamily="34" charset="0"/>
+              </a:rPr>
+              <a:t>&gt;</a:t>
+            </a:r>
+            <a:br>
+              <a:rPr lang="en-US" dirty="0">
+                <a:solidFill>
+                  <a:srgbClr val="000000"/>
+                </a:solidFill>
+                <a:latin typeface="Calibri" panose="020F0502020204030204" pitchFamily="34" charset="0"/>
+                <a:ea typeface="Calibri" panose="020F0502020204030204" pitchFamily="34" charset="0"/>
+                <a:cs typeface="Arial" panose="020B0604020202020204" pitchFamily="34" charset="0"/>
+              </a:rPr>
+            </a:br>
+            <a:r>
+              <a:rPr lang="en-US" dirty="0">
+                <a:solidFill>
+                  <a:srgbClr val="000000"/>
+                </a:solidFill>
+                <a:latin typeface="Calibri" panose="020F0502020204030204" pitchFamily="34" charset="0"/>
+                <a:ea typeface="Calibri" panose="020F0502020204030204" pitchFamily="34" charset="0"/>
+                <a:cs typeface="Arial" panose="020B0604020202020204" pitchFamily="34" charset="0"/>
+              </a:rPr>
+              <a:t>    &lt;</a:t>
+            </a:r>
+            <a:r>
+              <a:rPr lang="en-US" b="1" dirty="0">
+                <a:solidFill>
+                  <a:srgbClr val="000080"/>
+                </a:solidFill>
+                <a:latin typeface="Calibri" panose="020F0502020204030204" pitchFamily="34" charset="0"/>
+                <a:ea typeface="Calibri" panose="020F0502020204030204" pitchFamily="34" charset="0"/>
+                <a:cs typeface="Arial" panose="020B0604020202020204" pitchFamily="34" charset="0"/>
+              </a:rPr>
+              <a:t>button</a:t>
+            </a:r>
+            <a:r>
+              <a:rPr lang="en-US" dirty="0">
+                <a:solidFill>
+                  <a:srgbClr val="000000"/>
+                </a:solidFill>
+                <a:latin typeface="Calibri" panose="020F0502020204030204" pitchFamily="34" charset="0"/>
+                <a:ea typeface="Calibri" panose="020F0502020204030204" pitchFamily="34" charset="0"/>
+                <a:cs typeface="Arial" panose="020B0604020202020204" pitchFamily="34" charset="0"/>
+              </a:rPr>
+              <a:t>&gt;Close&lt;/</a:t>
+            </a:r>
+            <a:r>
+              <a:rPr lang="en-US" b="1" dirty="0">
+                <a:solidFill>
+                  <a:srgbClr val="000080"/>
+                </a:solidFill>
+                <a:latin typeface="Calibri" panose="020F0502020204030204" pitchFamily="34" charset="0"/>
+                <a:ea typeface="Calibri" panose="020F0502020204030204" pitchFamily="34" charset="0"/>
+                <a:cs typeface="Arial" panose="020B0604020202020204" pitchFamily="34" charset="0"/>
+              </a:rPr>
+              <a:t>button</a:t>
+            </a:r>
+            <a:r>
+              <a:rPr lang="en-US" dirty="0">
+                <a:solidFill>
+                  <a:srgbClr val="000000"/>
+                </a:solidFill>
+                <a:latin typeface="Calibri" panose="020F0502020204030204" pitchFamily="34" charset="0"/>
+                <a:ea typeface="Calibri" panose="020F0502020204030204" pitchFamily="34" charset="0"/>
+                <a:cs typeface="Arial" panose="020B0604020202020204" pitchFamily="34" charset="0"/>
+              </a:rPr>
+              <a:t>&gt;</a:t>
+            </a:r>
+            <a:br>
+              <a:rPr lang="en-US" dirty="0">
+                <a:solidFill>
+                  <a:srgbClr val="000000"/>
+                </a:solidFill>
+                <a:latin typeface="Calibri" panose="020F0502020204030204" pitchFamily="34" charset="0"/>
+                <a:ea typeface="Calibri" panose="020F0502020204030204" pitchFamily="34" charset="0"/>
+                <a:cs typeface="Arial" panose="020B0604020202020204" pitchFamily="34" charset="0"/>
+              </a:rPr>
+            </a:br>
+            <a:r>
+              <a:rPr lang="en-US" dirty="0">
+                <a:solidFill>
+                  <a:srgbClr val="000000"/>
+                </a:solidFill>
+                <a:latin typeface="Calibri" panose="020F0502020204030204" pitchFamily="34" charset="0"/>
+                <a:ea typeface="Calibri" panose="020F0502020204030204" pitchFamily="34" charset="0"/>
+                <a:cs typeface="Arial" panose="020B0604020202020204" pitchFamily="34" charset="0"/>
+              </a:rPr>
+              <a:t>    &lt;</a:t>
+            </a:r>
+            <a:r>
+              <a:rPr lang="en-US" b="1" dirty="0">
+                <a:solidFill>
+                  <a:srgbClr val="000080"/>
+                </a:solidFill>
+                <a:latin typeface="Calibri" panose="020F0502020204030204" pitchFamily="34" charset="0"/>
+                <a:ea typeface="Calibri" panose="020F0502020204030204" pitchFamily="34" charset="0"/>
+                <a:cs typeface="Arial" panose="020B0604020202020204" pitchFamily="34" charset="0"/>
+              </a:rPr>
+              <a:t>button </a:t>
+            </a:r>
+            <a:r>
+              <a:rPr lang="en-US" b="1" dirty="0">
+                <a:solidFill>
+                  <a:srgbClr val="0000FF"/>
+                </a:solidFill>
+                <a:latin typeface="Calibri" panose="020F0502020204030204" pitchFamily="34" charset="0"/>
+                <a:ea typeface="Calibri" panose="020F0502020204030204" pitchFamily="34" charset="0"/>
+                <a:cs typeface="Arial" panose="020B0604020202020204" pitchFamily="34" charset="0"/>
+              </a:rPr>
+              <a:t>(click)=</a:t>
+            </a:r>
+            <a:r>
+              <a:rPr lang="en-US" b="1" dirty="0">
+                <a:solidFill>
+                  <a:srgbClr val="008000"/>
+                </a:solidFill>
+                <a:latin typeface="Calibri" panose="020F0502020204030204" pitchFamily="34" charset="0"/>
+                <a:ea typeface="Calibri" panose="020F0502020204030204" pitchFamily="34" charset="0"/>
+                <a:cs typeface="Arial" panose="020B0604020202020204" pitchFamily="34" charset="0"/>
+              </a:rPr>
+              <a:t>"</a:t>
+            </a:r>
+            <a:r>
+              <a:rPr lang="en-US" b="1" dirty="0" err="1">
+                <a:solidFill>
+                  <a:srgbClr val="7A7A43"/>
+                </a:solidFill>
+                <a:latin typeface="Calibri" panose="020F0502020204030204" pitchFamily="34" charset="0"/>
+                <a:ea typeface="Calibri" panose="020F0502020204030204" pitchFamily="34" charset="0"/>
+                <a:cs typeface="Arial" panose="020B0604020202020204" pitchFamily="34" charset="0"/>
+              </a:rPr>
+              <a:t>toggleDialog</a:t>
+            </a:r>
+            <a:r>
+              <a:rPr lang="en-US" b="1" dirty="0">
+                <a:solidFill>
+                  <a:srgbClr val="008000"/>
+                </a:solidFill>
+                <a:latin typeface="Calibri" panose="020F0502020204030204" pitchFamily="34" charset="0"/>
+                <a:ea typeface="Calibri" panose="020F0502020204030204" pitchFamily="34" charset="0"/>
+                <a:cs typeface="Arial" panose="020B0604020202020204" pitchFamily="34" charset="0"/>
+              </a:rPr>
+              <a:t>()"</a:t>
+            </a:r>
+            <a:r>
+              <a:rPr lang="en-US" dirty="0">
+                <a:solidFill>
+                  <a:srgbClr val="000000"/>
+                </a:solidFill>
+                <a:latin typeface="Calibri" panose="020F0502020204030204" pitchFamily="34" charset="0"/>
+                <a:ea typeface="Calibri" panose="020F0502020204030204" pitchFamily="34" charset="0"/>
+                <a:cs typeface="Arial" panose="020B0604020202020204" pitchFamily="34" charset="0"/>
+              </a:rPr>
+              <a:t>&gt;Toggle Dialog&lt;/</a:t>
+            </a:r>
+            <a:r>
+              <a:rPr lang="en-US" b="1" dirty="0">
+                <a:solidFill>
+                  <a:srgbClr val="000080"/>
+                </a:solidFill>
+                <a:latin typeface="Calibri" panose="020F0502020204030204" pitchFamily="34" charset="0"/>
+                <a:ea typeface="Calibri" panose="020F0502020204030204" pitchFamily="34" charset="0"/>
+                <a:cs typeface="Arial" panose="020B0604020202020204" pitchFamily="34" charset="0"/>
+              </a:rPr>
+              <a:t>button</a:t>
+            </a:r>
+            <a:r>
+              <a:rPr lang="en-US" dirty="0">
+                <a:solidFill>
+                  <a:srgbClr val="000000"/>
+                </a:solidFill>
+                <a:latin typeface="Calibri" panose="020F0502020204030204" pitchFamily="34" charset="0"/>
+                <a:ea typeface="Calibri" panose="020F0502020204030204" pitchFamily="34" charset="0"/>
+                <a:cs typeface="Arial" panose="020B0604020202020204" pitchFamily="34" charset="0"/>
+              </a:rPr>
+              <a:t>&gt;</a:t>
+            </a:r>
+            <a:br>
+              <a:rPr lang="en-US" dirty="0">
+                <a:solidFill>
+                  <a:srgbClr val="000000"/>
+                </a:solidFill>
+                <a:latin typeface="Calibri" panose="020F0502020204030204" pitchFamily="34" charset="0"/>
+                <a:ea typeface="Calibri" panose="020F0502020204030204" pitchFamily="34" charset="0"/>
+                <a:cs typeface="Arial" panose="020B0604020202020204" pitchFamily="34" charset="0"/>
+              </a:rPr>
+            </a:br>
+            <a:r>
+              <a:rPr lang="en-US" dirty="0">
+                <a:solidFill>
+                  <a:srgbClr val="000000"/>
+                </a:solidFill>
+                <a:latin typeface="Calibri" panose="020F0502020204030204" pitchFamily="34" charset="0"/>
+                <a:ea typeface="Calibri" panose="020F0502020204030204" pitchFamily="34" charset="0"/>
+                <a:cs typeface="Arial" panose="020B0604020202020204" pitchFamily="34" charset="0"/>
+              </a:rPr>
+              <a:t>&lt;/</a:t>
+            </a:r>
+            <a:r>
+              <a:rPr lang="en-US" b="1" dirty="0">
+                <a:solidFill>
+                  <a:srgbClr val="000080"/>
+                </a:solidFill>
+                <a:latin typeface="Calibri" panose="020F0502020204030204" pitchFamily="34" charset="0"/>
+                <a:ea typeface="Calibri" panose="020F0502020204030204" pitchFamily="34" charset="0"/>
+                <a:cs typeface="Arial" panose="020B0604020202020204" pitchFamily="34" charset="0"/>
+              </a:rPr>
+              <a:t>div</a:t>
+            </a:r>
+            <a:r>
+              <a:rPr lang="en-US" dirty="0">
+                <a:solidFill>
+                  <a:srgbClr val="000000"/>
+                </a:solidFill>
+                <a:latin typeface="Calibri" panose="020F0502020204030204" pitchFamily="34" charset="0"/>
+                <a:ea typeface="Calibri" panose="020F0502020204030204" pitchFamily="34" charset="0"/>
+                <a:cs typeface="Arial" panose="020B0604020202020204" pitchFamily="34" charset="0"/>
+              </a:rPr>
+              <a:t>&gt;</a:t>
+            </a:r>
+            <a:endParaRPr lang="en-US" dirty="0"/>
+          </a:p>
+        </p:txBody>
+      </p:sp>
+      <p:sp>
+        <p:nvSpPr>
+          <p:cNvPr id="7" name="Callout: Bent Line with No Border 12"/>
+          <p:cNvSpPr/>
+          <p:nvPr/>
+        </p:nvSpPr>
+        <p:spPr>
+          <a:xfrm>
+            <a:off x="266700" y="4715140"/>
+            <a:ext cx="1641004" cy="1080209"/>
+          </a:xfrm>
+          <a:prstGeom prst="callout2">
+            <a:avLst>
+              <a:gd name="adj1" fmla="val 43670"/>
+              <a:gd name="adj2" fmla="val 108581"/>
+              <a:gd name="adj3" fmla="val 28677"/>
+              <a:gd name="adj4" fmla="val 107777"/>
+              <a:gd name="adj5" fmla="val -82140"/>
+              <a:gd name="adj6" fmla="val 288000"/>
+            </a:avLst>
+          </a:prstGeom>
+        </p:spPr>
+        <p:style>
+          <a:lnRef idx="2">
+            <a:schemeClr val="accent4">
+              <a:shade val="50000"/>
+            </a:schemeClr>
+          </a:lnRef>
+          <a:fillRef idx="1">
+            <a:schemeClr val="accent4"/>
+          </a:fillRef>
+          <a:effectRef idx="0">
+            <a:schemeClr val="accent4"/>
+          </a:effectRef>
+          <a:fontRef idx="minor">
+            <a:schemeClr val="lt1"/>
+          </a:fontRef>
+        </p:style>
+        <p:txBody>
+          <a:bodyPr rtlCol="1" anchor="ctr"/>
+          <a:lstStyle/>
+          <a:p>
+            <a:pPr algn="ctr"/>
+            <a:r>
+              <a:rPr lang="en-US" sz="1400" dirty="0"/>
+              <a:t>Content is removed from the DOM but its child components are still alive</a:t>
             </a:r>
             <a:endParaRPr lang="he-IL" sz="1400" dirty="0"/>
           </a:p>
@@ -11810,6 +11844,1765 @@
     <p:extLst>
       <p:ext uri="{BB962C8B-B14F-4D97-AF65-F5344CB8AC3E}">
         <p14:creationId xmlns:p14="http://schemas.microsoft.com/office/powerpoint/2010/main" val="823897985"/>
+      </p:ext>
+    </p:extLst>
+  </p:cSld>
+  <p:clrMapOvr>
+    <a:masterClrMapping/>
+  </p:clrMapOvr>
+</p:sld>
+</file>
+
+<file path=ppt/slides/slide23.xml><?xml version="1.0" encoding="utf-8"?>
+<p:sld xmlns:a="http://schemas.openxmlformats.org/drawingml/2006/main" xmlns:r="http://schemas.openxmlformats.org/officeDocument/2006/relationships" xmlns:p="http://schemas.openxmlformats.org/presentationml/2006/main">
+  <p:cSld>
+    <p:spTree>
+      <p:nvGrpSpPr>
+        <p:cNvPr id="1" name=""/>
+        <p:cNvGrpSpPr/>
+        <p:nvPr/>
+      </p:nvGrpSpPr>
+      <p:grpSpPr>
+        <a:xfrm>
+          <a:off x="0" y="0"/>
+          <a:ext cx="0" cy="0"/>
+          <a:chOff x="0" y="0"/>
+          <a:chExt cx="0" cy="0"/>
+        </a:xfrm>
+      </p:grpSpPr>
+      <p:sp>
+        <p:nvSpPr>
+          <p:cNvPr id="2" name="Title 1"/>
+          <p:cNvSpPr>
+            <a:spLocks noGrp="1"/>
+          </p:cNvSpPr>
+          <p:nvPr>
+            <p:ph type="title"/>
+          </p:nvPr>
+        </p:nvSpPr>
+        <p:spPr/>
+        <p:txBody>
+          <a:bodyPr/>
+          <a:lstStyle/>
+          <a:p>
+            <a:r>
+              <a:rPr lang="en-US" dirty="0"/>
+              <a:t>Multi ng-content</a:t>
+            </a:r>
+            <a:endParaRPr lang="he-IL" dirty="0"/>
+          </a:p>
+        </p:txBody>
+      </p:sp>
+      <p:sp>
+        <p:nvSpPr>
+          <p:cNvPr id="3" name="Footer Placeholder 2"/>
+          <p:cNvSpPr>
+            <a:spLocks noGrp="1"/>
+          </p:cNvSpPr>
+          <p:nvPr>
+            <p:ph type="ftr" sz="quarter" idx="11"/>
+          </p:nvPr>
+        </p:nvSpPr>
+        <p:spPr/>
+        <p:txBody>
+          <a:bodyPr/>
+          <a:lstStyle/>
+          <a:p>
+            <a:r>
+              <a:rPr lang="en-US"/>
+              <a:t>© 2016 Ori Calvo</a:t>
+            </a:r>
+            <a:endParaRPr lang="en-US" dirty="0"/>
+          </a:p>
+        </p:txBody>
+      </p:sp>
+      <p:sp>
+        <p:nvSpPr>
+          <p:cNvPr id="4" name="Slide Number Placeholder 3"/>
+          <p:cNvSpPr>
+            <a:spLocks noGrp="1"/>
+          </p:cNvSpPr>
+          <p:nvPr>
+            <p:ph type="sldNum" sz="quarter" idx="12"/>
+          </p:nvPr>
+        </p:nvSpPr>
+        <p:spPr/>
+        <p:txBody>
+          <a:bodyPr>
+            <a:normAutofit fontScale="85000" lnSpcReduction="20000"/>
+          </a:bodyPr>
+          <a:lstStyle/>
+          <a:p>
+            <a:fld id="{6EDEC3BC-0694-4586-AE63-02B4D54ABF43}" type="slidenum">
+              <a:rPr lang="en-US" smtClean="0"/>
+              <a:pPr/>
+              <a:t>23</a:t>
+            </a:fld>
+            <a:endParaRPr lang="en-US"/>
+          </a:p>
+        </p:txBody>
+      </p:sp>
+      <p:sp>
+        <p:nvSpPr>
+          <p:cNvPr id="5" name="Content Placeholder 4"/>
+          <p:cNvSpPr>
+            <a:spLocks noGrp="1"/>
+          </p:cNvSpPr>
+          <p:nvPr>
+            <p:ph sz="quarter" idx="1"/>
+          </p:nvPr>
+        </p:nvSpPr>
+        <p:spPr/>
+        <p:txBody>
+          <a:bodyPr/>
+          <a:lstStyle/>
+          <a:p>
+            <a:r>
+              <a:rPr lang="en-US" dirty="0"/>
+              <a:t>Use the </a:t>
+            </a:r>
+            <a:r>
+              <a:rPr lang="en-US" dirty="0">
+                <a:solidFill>
+                  <a:srgbClr val="FF0000"/>
+                </a:solidFill>
+              </a:rPr>
+              <a:t>select</a:t>
+            </a:r>
+            <a:r>
+              <a:rPr lang="en-US" dirty="0"/>
+              <a:t> attribute</a:t>
+            </a:r>
+          </a:p>
+          <a:p>
+            <a:endParaRPr lang="en-US" dirty="0"/>
+          </a:p>
+          <a:p>
+            <a:endParaRPr lang="en-US" dirty="0"/>
+          </a:p>
+          <a:p>
+            <a:endParaRPr lang="en-US" dirty="0"/>
+          </a:p>
+          <a:p>
+            <a:r>
+              <a:rPr lang="en-US" dirty="0"/>
+              <a:t>The client need to “reuse” the correct selectors</a:t>
+            </a:r>
+            <a:endParaRPr lang="he-IL" dirty="0"/>
+          </a:p>
+        </p:txBody>
+      </p:sp>
+      <p:sp>
+        <p:nvSpPr>
+          <p:cNvPr id="6" name="Rectangle 5"/>
+          <p:cNvSpPr/>
+          <p:nvPr/>
+        </p:nvSpPr>
+        <p:spPr>
+          <a:xfrm>
+            <a:off x="2862272" y="2276872"/>
+            <a:ext cx="3654152" cy="1169551"/>
+          </a:xfrm>
+          <a:prstGeom prst="rect">
+            <a:avLst/>
+          </a:prstGeom>
+          <a:solidFill>
+            <a:schemeClr val="accent1">
+              <a:lumMod val="40000"/>
+              <a:lumOff val="60000"/>
+            </a:schemeClr>
+          </a:solidFill>
+        </p:spPr>
+        <p:txBody>
+          <a:bodyPr wrap="square">
+            <a:spAutoFit/>
+          </a:bodyPr>
+          <a:lstStyle/>
+          <a:p>
+            <a:r>
+              <a:rPr lang="en-US" sz="1400" dirty="0">
+                <a:solidFill>
+                  <a:srgbClr val="000000"/>
+                </a:solidFill>
+                <a:latin typeface="Calibri" panose="020F0502020204030204" pitchFamily="34" charset="0"/>
+                <a:ea typeface="Calibri" panose="020F0502020204030204" pitchFamily="34" charset="0"/>
+                <a:cs typeface="Arial" panose="020B0604020202020204" pitchFamily="34" charset="0"/>
+              </a:rPr>
+              <a:t>&lt;</a:t>
+            </a:r>
+            <a:r>
+              <a:rPr lang="en-US" sz="1400" b="1" dirty="0">
+                <a:solidFill>
+                  <a:srgbClr val="000080"/>
+                </a:solidFill>
+                <a:latin typeface="Calibri" panose="020F0502020204030204" pitchFamily="34" charset="0"/>
+                <a:ea typeface="Calibri" panose="020F0502020204030204" pitchFamily="34" charset="0"/>
+                <a:cs typeface="Arial" panose="020B0604020202020204" pitchFamily="34" charset="0"/>
+              </a:rPr>
+              <a:t>ng-content </a:t>
+            </a:r>
+            <a:r>
+              <a:rPr lang="en-US" sz="1400" b="1" dirty="0">
+                <a:solidFill>
+                  <a:srgbClr val="0000FF"/>
+                </a:solidFill>
+                <a:latin typeface="Calibri" panose="020F0502020204030204" pitchFamily="34" charset="0"/>
+                <a:ea typeface="Calibri" panose="020F0502020204030204" pitchFamily="34" charset="0"/>
+                <a:cs typeface="Arial" panose="020B0604020202020204" pitchFamily="34" charset="0"/>
+              </a:rPr>
+              <a:t>select=</a:t>
+            </a:r>
+            <a:r>
+              <a:rPr lang="en-US" sz="1400" b="1" dirty="0">
+                <a:solidFill>
+                  <a:srgbClr val="008000"/>
+                </a:solidFill>
+                <a:latin typeface="Calibri" panose="020F0502020204030204" pitchFamily="34" charset="0"/>
+                <a:ea typeface="Calibri" panose="020F0502020204030204" pitchFamily="34" charset="0"/>
+                <a:cs typeface="Arial" panose="020B0604020202020204" pitchFamily="34" charset="0"/>
+              </a:rPr>
+              <a:t>".header"</a:t>
+            </a:r>
+            <a:r>
+              <a:rPr lang="en-US" sz="1400" dirty="0">
+                <a:solidFill>
+                  <a:srgbClr val="000000"/>
+                </a:solidFill>
+                <a:latin typeface="Calibri" panose="020F0502020204030204" pitchFamily="34" charset="0"/>
+                <a:ea typeface="Calibri" panose="020F0502020204030204" pitchFamily="34" charset="0"/>
+                <a:cs typeface="Arial" panose="020B0604020202020204" pitchFamily="34" charset="0"/>
+              </a:rPr>
+              <a:t>&gt;&lt;/</a:t>
+            </a:r>
+            <a:r>
+              <a:rPr lang="en-US" sz="1400" b="1" dirty="0">
+                <a:solidFill>
+                  <a:srgbClr val="000080"/>
+                </a:solidFill>
+                <a:latin typeface="Calibri" panose="020F0502020204030204" pitchFamily="34" charset="0"/>
+                <a:ea typeface="Calibri" panose="020F0502020204030204" pitchFamily="34" charset="0"/>
+                <a:cs typeface="Arial" panose="020B0604020202020204" pitchFamily="34" charset="0"/>
+              </a:rPr>
+              <a:t>ng-content</a:t>
+            </a:r>
+            <a:r>
+              <a:rPr lang="en-US" sz="1400" dirty="0">
+                <a:solidFill>
+                  <a:srgbClr val="000000"/>
+                </a:solidFill>
+                <a:latin typeface="Calibri" panose="020F0502020204030204" pitchFamily="34" charset="0"/>
+                <a:ea typeface="Calibri" panose="020F0502020204030204" pitchFamily="34" charset="0"/>
+                <a:cs typeface="Arial" panose="020B0604020202020204" pitchFamily="34" charset="0"/>
+              </a:rPr>
+              <a:t>&gt;</a:t>
+            </a:r>
+            <a:br>
+              <a:rPr lang="en-US" sz="1400" dirty="0">
+                <a:solidFill>
+                  <a:srgbClr val="000000"/>
+                </a:solidFill>
+                <a:latin typeface="Calibri" panose="020F0502020204030204" pitchFamily="34" charset="0"/>
+                <a:ea typeface="Calibri" panose="020F0502020204030204" pitchFamily="34" charset="0"/>
+                <a:cs typeface="Arial" panose="020B0604020202020204" pitchFamily="34" charset="0"/>
+              </a:rPr>
+            </a:br>
+            <a:br>
+              <a:rPr lang="en-US" sz="1400" dirty="0">
+                <a:solidFill>
+                  <a:srgbClr val="000000"/>
+                </a:solidFill>
+                <a:latin typeface="Calibri" panose="020F0502020204030204" pitchFamily="34" charset="0"/>
+                <a:ea typeface="Calibri" panose="020F0502020204030204" pitchFamily="34" charset="0"/>
+                <a:cs typeface="Arial" panose="020B0604020202020204" pitchFamily="34" charset="0"/>
+              </a:rPr>
+            </a:br>
+            <a:r>
+              <a:rPr lang="en-US" sz="1400" dirty="0">
+                <a:solidFill>
+                  <a:srgbClr val="000000"/>
+                </a:solidFill>
+                <a:latin typeface="Calibri" panose="020F0502020204030204" pitchFamily="34" charset="0"/>
+                <a:ea typeface="Calibri" panose="020F0502020204030204" pitchFamily="34" charset="0"/>
+                <a:cs typeface="Arial" panose="020B0604020202020204" pitchFamily="34" charset="0"/>
+              </a:rPr>
+              <a:t>&lt;</a:t>
+            </a:r>
+            <a:r>
+              <a:rPr lang="en-US" sz="1400" b="1" dirty="0">
+                <a:solidFill>
+                  <a:srgbClr val="000080"/>
+                </a:solidFill>
+                <a:latin typeface="Calibri" panose="020F0502020204030204" pitchFamily="34" charset="0"/>
+                <a:ea typeface="Calibri" panose="020F0502020204030204" pitchFamily="34" charset="0"/>
+                <a:cs typeface="Arial" panose="020B0604020202020204" pitchFamily="34" charset="0"/>
+              </a:rPr>
+              <a:t>ng-content </a:t>
+            </a:r>
+            <a:r>
+              <a:rPr lang="en-US" sz="1400" b="1" dirty="0">
+                <a:solidFill>
+                  <a:srgbClr val="0000FF"/>
+                </a:solidFill>
+                <a:latin typeface="Calibri" panose="020F0502020204030204" pitchFamily="34" charset="0"/>
+                <a:ea typeface="Calibri" panose="020F0502020204030204" pitchFamily="34" charset="0"/>
+                <a:cs typeface="Arial" panose="020B0604020202020204" pitchFamily="34" charset="0"/>
+              </a:rPr>
+              <a:t>select=</a:t>
+            </a:r>
+            <a:r>
+              <a:rPr lang="en-US" sz="1400" b="1" dirty="0">
+                <a:solidFill>
+                  <a:srgbClr val="008000"/>
+                </a:solidFill>
+                <a:latin typeface="Calibri" panose="020F0502020204030204" pitchFamily="34" charset="0"/>
+                <a:ea typeface="Calibri" panose="020F0502020204030204" pitchFamily="34" charset="0"/>
+                <a:cs typeface="Arial" panose="020B0604020202020204" pitchFamily="34" charset="0"/>
+              </a:rPr>
+              <a:t>".content"</a:t>
+            </a:r>
+            <a:r>
+              <a:rPr lang="en-US" sz="1400" dirty="0">
+                <a:solidFill>
+                  <a:srgbClr val="000000"/>
+                </a:solidFill>
+                <a:latin typeface="Calibri" panose="020F0502020204030204" pitchFamily="34" charset="0"/>
+                <a:ea typeface="Calibri" panose="020F0502020204030204" pitchFamily="34" charset="0"/>
+                <a:cs typeface="Arial" panose="020B0604020202020204" pitchFamily="34" charset="0"/>
+              </a:rPr>
+              <a:t>&gt;&lt;/</a:t>
+            </a:r>
+            <a:r>
+              <a:rPr lang="en-US" sz="1400" b="1" dirty="0">
+                <a:solidFill>
+                  <a:srgbClr val="000080"/>
+                </a:solidFill>
+                <a:latin typeface="Calibri" panose="020F0502020204030204" pitchFamily="34" charset="0"/>
+                <a:ea typeface="Calibri" panose="020F0502020204030204" pitchFamily="34" charset="0"/>
+                <a:cs typeface="Arial" panose="020B0604020202020204" pitchFamily="34" charset="0"/>
+              </a:rPr>
+              <a:t>ng-content</a:t>
+            </a:r>
+            <a:r>
+              <a:rPr lang="en-US" sz="1400" dirty="0">
+                <a:solidFill>
+                  <a:srgbClr val="000000"/>
+                </a:solidFill>
+                <a:latin typeface="Calibri" panose="020F0502020204030204" pitchFamily="34" charset="0"/>
+                <a:ea typeface="Calibri" panose="020F0502020204030204" pitchFamily="34" charset="0"/>
+                <a:cs typeface="Arial" panose="020B0604020202020204" pitchFamily="34" charset="0"/>
+              </a:rPr>
+              <a:t>&gt;</a:t>
+            </a:r>
+            <a:br>
+              <a:rPr lang="en-US" sz="1400" dirty="0">
+                <a:solidFill>
+                  <a:srgbClr val="000000"/>
+                </a:solidFill>
+                <a:latin typeface="Calibri" panose="020F0502020204030204" pitchFamily="34" charset="0"/>
+                <a:ea typeface="Calibri" panose="020F0502020204030204" pitchFamily="34" charset="0"/>
+                <a:cs typeface="Arial" panose="020B0604020202020204" pitchFamily="34" charset="0"/>
+              </a:rPr>
+            </a:br>
+            <a:br>
+              <a:rPr lang="en-US" sz="1400" dirty="0">
+                <a:solidFill>
+                  <a:srgbClr val="000000"/>
+                </a:solidFill>
+                <a:latin typeface="Calibri" panose="020F0502020204030204" pitchFamily="34" charset="0"/>
+                <a:ea typeface="Calibri" panose="020F0502020204030204" pitchFamily="34" charset="0"/>
+                <a:cs typeface="Arial" panose="020B0604020202020204" pitchFamily="34" charset="0"/>
+              </a:rPr>
+            </a:br>
+            <a:r>
+              <a:rPr lang="en-US" sz="1400" dirty="0">
+                <a:solidFill>
+                  <a:srgbClr val="000000"/>
+                </a:solidFill>
+                <a:latin typeface="Calibri" panose="020F0502020204030204" pitchFamily="34" charset="0"/>
+                <a:ea typeface="Calibri" panose="020F0502020204030204" pitchFamily="34" charset="0"/>
+                <a:cs typeface="Arial" panose="020B0604020202020204" pitchFamily="34" charset="0"/>
+              </a:rPr>
+              <a:t>&lt;</a:t>
+            </a:r>
+            <a:r>
+              <a:rPr lang="en-US" sz="1400" b="1" dirty="0">
+                <a:solidFill>
+                  <a:srgbClr val="000080"/>
+                </a:solidFill>
+                <a:latin typeface="Calibri" panose="020F0502020204030204" pitchFamily="34" charset="0"/>
+                <a:ea typeface="Calibri" panose="020F0502020204030204" pitchFamily="34" charset="0"/>
+                <a:cs typeface="Arial" panose="020B0604020202020204" pitchFamily="34" charset="0"/>
+              </a:rPr>
+              <a:t>ng-content </a:t>
+            </a:r>
+            <a:r>
+              <a:rPr lang="en-US" sz="1400" b="1" dirty="0">
+                <a:solidFill>
+                  <a:srgbClr val="0000FF"/>
+                </a:solidFill>
+                <a:latin typeface="Calibri" panose="020F0502020204030204" pitchFamily="34" charset="0"/>
+                <a:ea typeface="Calibri" panose="020F0502020204030204" pitchFamily="34" charset="0"/>
+                <a:cs typeface="Arial" panose="020B0604020202020204" pitchFamily="34" charset="0"/>
+              </a:rPr>
+              <a:t>select=</a:t>
+            </a:r>
+            <a:r>
+              <a:rPr lang="en-US" sz="1400" b="1" dirty="0">
+                <a:solidFill>
+                  <a:srgbClr val="008000"/>
+                </a:solidFill>
+                <a:latin typeface="Calibri" panose="020F0502020204030204" pitchFamily="34" charset="0"/>
+                <a:ea typeface="Calibri" panose="020F0502020204030204" pitchFamily="34" charset="0"/>
+                <a:cs typeface="Arial" panose="020B0604020202020204" pitchFamily="34" charset="0"/>
+              </a:rPr>
+              <a:t>".buttons"</a:t>
+            </a:r>
+            <a:r>
+              <a:rPr lang="en-US" sz="1400" dirty="0">
+                <a:solidFill>
+                  <a:srgbClr val="000000"/>
+                </a:solidFill>
+                <a:latin typeface="Calibri" panose="020F0502020204030204" pitchFamily="34" charset="0"/>
+                <a:ea typeface="Calibri" panose="020F0502020204030204" pitchFamily="34" charset="0"/>
+                <a:cs typeface="Arial" panose="020B0604020202020204" pitchFamily="34" charset="0"/>
+              </a:rPr>
+              <a:t>&gt;&lt;/</a:t>
+            </a:r>
+            <a:r>
+              <a:rPr lang="en-US" sz="1400" b="1" dirty="0">
+                <a:solidFill>
+                  <a:srgbClr val="000080"/>
+                </a:solidFill>
+                <a:latin typeface="Calibri" panose="020F0502020204030204" pitchFamily="34" charset="0"/>
+                <a:ea typeface="Calibri" panose="020F0502020204030204" pitchFamily="34" charset="0"/>
+                <a:cs typeface="Arial" panose="020B0604020202020204" pitchFamily="34" charset="0"/>
+              </a:rPr>
+              <a:t>ng-content</a:t>
+            </a:r>
+            <a:r>
+              <a:rPr lang="en-US" sz="1400" dirty="0">
+                <a:solidFill>
+                  <a:srgbClr val="000000"/>
+                </a:solidFill>
+                <a:latin typeface="Calibri" panose="020F0502020204030204" pitchFamily="34" charset="0"/>
+                <a:ea typeface="Calibri" panose="020F0502020204030204" pitchFamily="34" charset="0"/>
+                <a:cs typeface="Arial" panose="020B0604020202020204" pitchFamily="34" charset="0"/>
+              </a:rPr>
+              <a:t>&gt;</a:t>
+            </a:r>
+            <a:endParaRPr lang="he-IL" sz="1400" dirty="0"/>
+          </a:p>
+        </p:txBody>
+      </p:sp>
+      <p:sp>
+        <p:nvSpPr>
+          <p:cNvPr id="7" name="Rectangle 6"/>
+          <p:cNvSpPr/>
+          <p:nvPr/>
+        </p:nvSpPr>
+        <p:spPr>
+          <a:xfrm>
+            <a:off x="2339752" y="4437112"/>
+            <a:ext cx="4176672" cy="738664"/>
+          </a:xfrm>
+          <a:prstGeom prst="rect">
+            <a:avLst/>
+          </a:prstGeom>
+          <a:solidFill>
+            <a:schemeClr val="accent1">
+              <a:lumMod val="40000"/>
+              <a:lumOff val="60000"/>
+            </a:schemeClr>
+          </a:solidFill>
+        </p:spPr>
+        <p:txBody>
+          <a:bodyPr wrap="square">
+            <a:spAutoFit/>
+          </a:bodyPr>
+          <a:lstStyle/>
+          <a:p>
+            <a:r>
+              <a:rPr lang="en-US" sz="1400" dirty="0">
+                <a:solidFill>
+                  <a:srgbClr val="000000"/>
+                </a:solidFill>
+                <a:latin typeface="Calibri" panose="020F0502020204030204" pitchFamily="34" charset="0"/>
+                <a:ea typeface="Calibri" panose="020F0502020204030204" pitchFamily="34" charset="0"/>
+                <a:cs typeface="Arial" panose="020B0604020202020204" pitchFamily="34" charset="0"/>
+              </a:rPr>
+              <a:t>&lt;</a:t>
+            </a:r>
+            <a:r>
+              <a:rPr lang="en-US" sz="1400" b="1" dirty="0">
+                <a:solidFill>
+                  <a:srgbClr val="000080"/>
+                </a:solidFill>
+                <a:latin typeface="Calibri" panose="020F0502020204030204" pitchFamily="34" charset="0"/>
+                <a:ea typeface="Calibri" panose="020F0502020204030204" pitchFamily="34" charset="0"/>
+                <a:cs typeface="Arial" panose="020B0604020202020204" pitchFamily="34" charset="0"/>
+              </a:rPr>
+              <a:t>my-dialog</a:t>
+            </a:r>
+            <a:r>
+              <a:rPr lang="en-US" sz="1400" dirty="0">
+                <a:solidFill>
+                  <a:srgbClr val="000000"/>
+                </a:solidFill>
+                <a:latin typeface="Calibri" panose="020F0502020204030204" pitchFamily="34" charset="0"/>
+                <a:ea typeface="Calibri" panose="020F0502020204030204" pitchFamily="34" charset="0"/>
+                <a:cs typeface="Arial" panose="020B0604020202020204" pitchFamily="34" charset="0"/>
+              </a:rPr>
+              <a:t>&gt;</a:t>
+            </a:r>
+            <a:br>
+              <a:rPr lang="en-US" sz="1400" dirty="0">
+                <a:solidFill>
+                  <a:srgbClr val="000000"/>
+                </a:solidFill>
+                <a:latin typeface="Calibri" panose="020F0502020204030204" pitchFamily="34" charset="0"/>
+                <a:ea typeface="Calibri" panose="020F0502020204030204" pitchFamily="34" charset="0"/>
+                <a:cs typeface="Arial" panose="020B0604020202020204" pitchFamily="34" charset="0"/>
+              </a:rPr>
+            </a:br>
+            <a:r>
+              <a:rPr lang="en-US" sz="1400" dirty="0">
+                <a:solidFill>
+                  <a:srgbClr val="000000"/>
+                </a:solidFill>
+                <a:latin typeface="Calibri" panose="020F0502020204030204" pitchFamily="34" charset="0"/>
+                <a:ea typeface="Calibri" panose="020F0502020204030204" pitchFamily="34" charset="0"/>
+                <a:cs typeface="Arial" panose="020B0604020202020204" pitchFamily="34" charset="0"/>
+              </a:rPr>
+              <a:t>    &lt;</a:t>
+            </a:r>
+            <a:r>
+              <a:rPr lang="en-US" sz="1400" b="1" dirty="0">
+                <a:solidFill>
+                  <a:srgbClr val="000080"/>
+                </a:solidFill>
+                <a:latin typeface="Calibri" panose="020F0502020204030204" pitchFamily="34" charset="0"/>
+                <a:ea typeface="Calibri" panose="020F0502020204030204" pitchFamily="34" charset="0"/>
+                <a:cs typeface="Arial" panose="020B0604020202020204" pitchFamily="34" charset="0"/>
+              </a:rPr>
+              <a:t>my-contact-list </a:t>
+            </a:r>
+            <a:r>
+              <a:rPr lang="en-US" sz="1400" b="1" dirty="0">
+                <a:solidFill>
+                  <a:srgbClr val="0000FF"/>
+                </a:solidFill>
+                <a:latin typeface="Calibri" panose="020F0502020204030204" pitchFamily="34" charset="0"/>
+                <a:ea typeface="Calibri" panose="020F0502020204030204" pitchFamily="34" charset="0"/>
+                <a:cs typeface="Arial" panose="020B0604020202020204" pitchFamily="34" charset="0"/>
+              </a:rPr>
+              <a:t>class=</a:t>
+            </a:r>
+            <a:r>
+              <a:rPr lang="en-US" sz="1400" b="1" dirty="0">
+                <a:solidFill>
+                  <a:srgbClr val="008000"/>
+                </a:solidFill>
+                <a:latin typeface="Calibri" panose="020F0502020204030204" pitchFamily="34" charset="0"/>
+                <a:ea typeface="Calibri" panose="020F0502020204030204" pitchFamily="34" charset="0"/>
+                <a:cs typeface="Arial" panose="020B0604020202020204" pitchFamily="34" charset="0"/>
+              </a:rPr>
+              <a:t>"content"</a:t>
+            </a:r>
+            <a:r>
+              <a:rPr lang="en-US" sz="1400" dirty="0">
+                <a:solidFill>
+                  <a:srgbClr val="000000"/>
+                </a:solidFill>
+                <a:latin typeface="Calibri" panose="020F0502020204030204" pitchFamily="34" charset="0"/>
+                <a:ea typeface="Calibri" panose="020F0502020204030204" pitchFamily="34" charset="0"/>
+                <a:cs typeface="Arial" panose="020B0604020202020204" pitchFamily="34" charset="0"/>
+              </a:rPr>
+              <a:t>&gt;&lt;/</a:t>
+            </a:r>
+            <a:r>
+              <a:rPr lang="en-US" sz="1400" b="1" dirty="0">
+                <a:solidFill>
+                  <a:srgbClr val="000080"/>
+                </a:solidFill>
+                <a:latin typeface="Calibri" panose="020F0502020204030204" pitchFamily="34" charset="0"/>
+                <a:ea typeface="Calibri" panose="020F0502020204030204" pitchFamily="34" charset="0"/>
+                <a:cs typeface="Arial" panose="020B0604020202020204" pitchFamily="34" charset="0"/>
+              </a:rPr>
+              <a:t>my-contact-list</a:t>
+            </a:r>
+            <a:r>
+              <a:rPr lang="en-US" sz="1400" dirty="0">
+                <a:solidFill>
+                  <a:srgbClr val="000000"/>
+                </a:solidFill>
+                <a:latin typeface="Calibri" panose="020F0502020204030204" pitchFamily="34" charset="0"/>
+                <a:ea typeface="Calibri" panose="020F0502020204030204" pitchFamily="34" charset="0"/>
+                <a:cs typeface="Arial" panose="020B0604020202020204" pitchFamily="34" charset="0"/>
+              </a:rPr>
+              <a:t>&gt;</a:t>
+            </a:r>
+            <a:br>
+              <a:rPr lang="en-US" sz="1400" dirty="0">
+                <a:solidFill>
+                  <a:srgbClr val="000000"/>
+                </a:solidFill>
+                <a:latin typeface="Calibri" panose="020F0502020204030204" pitchFamily="34" charset="0"/>
+                <a:ea typeface="Calibri" panose="020F0502020204030204" pitchFamily="34" charset="0"/>
+                <a:cs typeface="Arial" panose="020B0604020202020204" pitchFamily="34" charset="0"/>
+              </a:rPr>
+            </a:br>
+            <a:r>
+              <a:rPr lang="en-US" sz="1400" dirty="0">
+                <a:solidFill>
+                  <a:srgbClr val="000000"/>
+                </a:solidFill>
+                <a:latin typeface="Calibri" panose="020F0502020204030204" pitchFamily="34" charset="0"/>
+                <a:ea typeface="Calibri" panose="020F0502020204030204" pitchFamily="34" charset="0"/>
+                <a:cs typeface="Arial" panose="020B0604020202020204" pitchFamily="34" charset="0"/>
+              </a:rPr>
+              <a:t>&lt;/</a:t>
+            </a:r>
+            <a:r>
+              <a:rPr lang="en-US" sz="1400" b="1" dirty="0">
+                <a:solidFill>
+                  <a:srgbClr val="000080"/>
+                </a:solidFill>
+                <a:latin typeface="Calibri" panose="020F0502020204030204" pitchFamily="34" charset="0"/>
+                <a:ea typeface="Calibri" panose="020F0502020204030204" pitchFamily="34" charset="0"/>
+                <a:cs typeface="Arial" panose="020B0604020202020204" pitchFamily="34" charset="0"/>
+              </a:rPr>
+              <a:t>my-dialog</a:t>
+            </a:r>
+            <a:r>
+              <a:rPr lang="en-US" sz="1400" dirty="0">
+                <a:solidFill>
+                  <a:srgbClr val="000000"/>
+                </a:solidFill>
+                <a:latin typeface="Calibri" panose="020F0502020204030204" pitchFamily="34" charset="0"/>
+                <a:ea typeface="Calibri" panose="020F0502020204030204" pitchFamily="34" charset="0"/>
+                <a:cs typeface="Arial" panose="020B0604020202020204" pitchFamily="34" charset="0"/>
+              </a:rPr>
+              <a:t>&gt;</a:t>
+            </a:r>
+            <a:endParaRPr lang="he-IL" sz="1400" dirty="0"/>
+          </a:p>
+        </p:txBody>
+      </p:sp>
+      <p:sp>
+        <p:nvSpPr>
+          <p:cNvPr id="8" name="Callout: Bent Line with No Border 12"/>
+          <p:cNvSpPr/>
+          <p:nvPr/>
+        </p:nvSpPr>
+        <p:spPr>
+          <a:xfrm>
+            <a:off x="179512" y="5301209"/>
+            <a:ext cx="1368152" cy="648072"/>
+          </a:xfrm>
+          <a:prstGeom prst="callout2">
+            <a:avLst>
+              <a:gd name="adj1" fmla="val -60433"/>
+              <a:gd name="adj2" fmla="val 313701"/>
+              <a:gd name="adj3" fmla="val 28677"/>
+              <a:gd name="adj4" fmla="val 107777"/>
+              <a:gd name="adj5" fmla="val -357744"/>
+              <a:gd name="adj6" fmla="val 328440"/>
+            </a:avLst>
+          </a:prstGeom>
+        </p:spPr>
+        <p:style>
+          <a:lnRef idx="2">
+            <a:schemeClr val="accent4">
+              <a:shade val="50000"/>
+            </a:schemeClr>
+          </a:lnRef>
+          <a:fillRef idx="1">
+            <a:schemeClr val="accent4"/>
+          </a:fillRef>
+          <a:effectRef idx="0">
+            <a:schemeClr val="accent4"/>
+          </a:effectRef>
+          <a:fontRef idx="minor">
+            <a:schemeClr val="lt1"/>
+          </a:fontRef>
+        </p:style>
+        <p:txBody>
+          <a:bodyPr rtlCol="1" anchor="ctr"/>
+          <a:lstStyle/>
+          <a:p>
+            <a:pPr algn="ctr"/>
+            <a:r>
+              <a:rPr lang="en-US" sz="1400" dirty="0"/>
+              <a:t>Must be the same</a:t>
+            </a:r>
+            <a:endParaRPr lang="he-IL" sz="1400" dirty="0"/>
+          </a:p>
+        </p:txBody>
+      </p:sp>
+    </p:spTree>
+    <p:extLst>
+      <p:ext uri="{BB962C8B-B14F-4D97-AF65-F5344CB8AC3E}">
+        <p14:creationId xmlns:p14="http://schemas.microsoft.com/office/powerpoint/2010/main" val="2045511088"/>
+      </p:ext>
+    </p:extLst>
+  </p:cSld>
+  <p:clrMapOvr>
+    <a:masterClrMapping/>
+  </p:clrMapOvr>
+</p:sld>
+</file>
+
+<file path=ppt/slides/slide24.xml><?xml version="1.0" encoding="utf-8"?>
+<p:sld xmlns:a="http://schemas.openxmlformats.org/drawingml/2006/main" xmlns:r="http://schemas.openxmlformats.org/officeDocument/2006/relationships" xmlns:p="http://schemas.openxmlformats.org/presentationml/2006/main">
+  <p:cSld>
+    <p:spTree>
+      <p:nvGrpSpPr>
+        <p:cNvPr id="1" name=""/>
+        <p:cNvGrpSpPr/>
+        <p:nvPr/>
+      </p:nvGrpSpPr>
+      <p:grpSpPr>
+        <a:xfrm>
+          <a:off x="0" y="0"/>
+          <a:ext cx="0" cy="0"/>
+          <a:chOff x="0" y="0"/>
+          <a:chExt cx="0" cy="0"/>
+        </a:xfrm>
+      </p:grpSpPr>
+      <p:sp>
+        <p:nvSpPr>
+          <p:cNvPr id="2" name="Title 1"/>
+          <p:cNvSpPr>
+            <a:spLocks noGrp="1"/>
+          </p:cNvSpPr>
+          <p:nvPr>
+            <p:ph type="title"/>
+          </p:nvPr>
+        </p:nvSpPr>
+        <p:spPr/>
+        <p:txBody>
+          <a:bodyPr/>
+          <a:lstStyle/>
+          <a:p>
+            <a:r>
+              <a:rPr lang="en-US" dirty="0"/>
+              <a:t>Default content</a:t>
+            </a:r>
+            <a:endParaRPr lang="he-IL" dirty="0"/>
+          </a:p>
+        </p:txBody>
+      </p:sp>
+      <p:sp>
+        <p:nvSpPr>
+          <p:cNvPr id="3" name="Footer Placeholder 2"/>
+          <p:cNvSpPr>
+            <a:spLocks noGrp="1"/>
+          </p:cNvSpPr>
+          <p:nvPr>
+            <p:ph type="ftr" sz="quarter" idx="11"/>
+          </p:nvPr>
+        </p:nvSpPr>
+        <p:spPr/>
+        <p:txBody>
+          <a:bodyPr/>
+          <a:lstStyle/>
+          <a:p>
+            <a:r>
+              <a:rPr lang="en-US"/>
+              <a:t>© 2016 Ori Calvo</a:t>
+            </a:r>
+            <a:endParaRPr lang="en-US" dirty="0"/>
+          </a:p>
+        </p:txBody>
+      </p:sp>
+      <p:sp>
+        <p:nvSpPr>
+          <p:cNvPr id="4" name="Slide Number Placeholder 3"/>
+          <p:cNvSpPr>
+            <a:spLocks noGrp="1"/>
+          </p:cNvSpPr>
+          <p:nvPr>
+            <p:ph type="sldNum" sz="quarter" idx="12"/>
+          </p:nvPr>
+        </p:nvSpPr>
+        <p:spPr/>
+        <p:txBody>
+          <a:bodyPr>
+            <a:normAutofit fontScale="85000" lnSpcReduction="20000"/>
+          </a:bodyPr>
+          <a:lstStyle/>
+          <a:p>
+            <a:fld id="{6EDEC3BC-0694-4586-AE63-02B4D54ABF43}" type="slidenum">
+              <a:rPr lang="en-US" smtClean="0"/>
+              <a:pPr/>
+              <a:t>24</a:t>
+            </a:fld>
+            <a:endParaRPr lang="en-US"/>
+          </a:p>
+        </p:txBody>
+      </p:sp>
+      <p:sp>
+        <p:nvSpPr>
+          <p:cNvPr id="5" name="Content Placeholder 4"/>
+          <p:cNvSpPr>
+            <a:spLocks noGrp="1"/>
+          </p:cNvSpPr>
+          <p:nvPr>
+            <p:ph sz="quarter" idx="1"/>
+          </p:nvPr>
+        </p:nvSpPr>
+        <p:spPr/>
+        <p:txBody>
+          <a:bodyPr/>
+          <a:lstStyle/>
+          <a:p>
+            <a:r>
+              <a:rPr lang="en-US" dirty="0"/>
+              <a:t>Angular does not allow default content </a:t>
+            </a:r>
+            <a:r>
+              <a:rPr lang="en-US" dirty="0">
+                <a:sym typeface="Wingdings" panose="05000000000000000000" pitchFamily="2" charset="2"/>
+              </a:rPr>
+              <a:t></a:t>
+            </a:r>
+          </a:p>
+          <a:p>
+            <a:endParaRPr lang="en-US" dirty="0">
+              <a:sym typeface="Wingdings" panose="05000000000000000000" pitchFamily="2" charset="2"/>
+            </a:endParaRPr>
+          </a:p>
+          <a:p>
+            <a:pPr marL="0" indent="0">
+              <a:buNone/>
+            </a:pPr>
+            <a:endParaRPr lang="en-US" dirty="0">
+              <a:sym typeface="Wingdings" panose="05000000000000000000" pitchFamily="2" charset="2"/>
+            </a:endParaRPr>
+          </a:p>
+          <a:p>
+            <a:endParaRPr lang="en-US" dirty="0">
+              <a:sym typeface="Wingdings" panose="05000000000000000000" pitchFamily="2" charset="2"/>
+            </a:endParaRPr>
+          </a:p>
+          <a:p>
+            <a:r>
+              <a:rPr lang="en-US" dirty="0">
+                <a:sym typeface="Wingdings" panose="05000000000000000000" pitchFamily="2" charset="2"/>
+              </a:rPr>
+              <a:t>You can simulate that using following trick</a:t>
+            </a:r>
+            <a:endParaRPr lang="he-IL" dirty="0"/>
+          </a:p>
+        </p:txBody>
+      </p:sp>
+      <p:sp>
+        <p:nvSpPr>
+          <p:cNvPr id="7" name="Rectangle 6"/>
+          <p:cNvSpPr/>
+          <p:nvPr/>
+        </p:nvSpPr>
+        <p:spPr>
+          <a:xfrm>
+            <a:off x="2403348" y="2465159"/>
+            <a:ext cx="4572000" cy="954107"/>
+          </a:xfrm>
+          <a:prstGeom prst="rect">
+            <a:avLst/>
+          </a:prstGeom>
+          <a:solidFill>
+            <a:schemeClr val="accent1">
+              <a:lumMod val="40000"/>
+              <a:lumOff val="60000"/>
+            </a:schemeClr>
+          </a:solidFill>
+        </p:spPr>
+        <p:txBody>
+          <a:bodyPr>
+            <a:spAutoFit/>
+          </a:bodyPr>
+          <a:lstStyle/>
+          <a:p>
+            <a:r>
+              <a:rPr lang="en-US" sz="1400" dirty="0">
+                <a:solidFill>
+                  <a:srgbClr val="000000"/>
+                </a:solidFill>
+                <a:latin typeface="Calibri" panose="020F0502020204030204" pitchFamily="34" charset="0"/>
+                <a:ea typeface="Calibri" panose="020F0502020204030204" pitchFamily="34" charset="0"/>
+                <a:cs typeface="Arial" panose="020B0604020202020204" pitchFamily="34" charset="0"/>
+              </a:rPr>
+              <a:t>&lt;</a:t>
+            </a:r>
+            <a:r>
+              <a:rPr lang="en-US" sz="1400" b="1" dirty="0">
+                <a:solidFill>
+                  <a:srgbClr val="000080"/>
+                </a:solidFill>
+                <a:latin typeface="Calibri" panose="020F0502020204030204" pitchFamily="34" charset="0"/>
+                <a:ea typeface="Calibri" panose="020F0502020204030204" pitchFamily="34" charset="0"/>
+                <a:cs typeface="Arial" panose="020B0604020202020204" pitchFamily="34" charset="0"/>
+              </a:rPr>
+              <a:t>ng-content </a:t>
+            </a:r>
+            <a:r>
+              <a:rPr lang="en-US" sz="1400" b="1" dirty="0">
+                <a:solidFill>
+                  <a:srgbClr val="0000FF"/>
+                </a:solidFill>
+                <a:latin typeface="Calibri" panose="020F0502020204030204" pitchFamily="34" charset="0"/>
+                <a:ea typeface="Calibri" panose="020F0502020204030204" pitchFamily="34" charset="0"/>
+                <a:cs typeface="Arial" panose="020B0604020202020204" pitchFamily="34" charset="0"/>
+              </a:rPr>
+              <a:t>select=</a:t>
+            </a:r>
+            <a:r>
+              <a:rPr lang="en-US" sz="1400" b="1" dirty="0">
+                <a:solidFill>
+                  <a:srgbClr val="008000"/>
+                </a:solidFill>
+                <a:latin typeface="Calibri" panose="020F0502020204030204" pitchFamily="34" charset="0"/>
+                <a:ea typeface="Calibri" panose="020F0502020204030204" pitchFamily="34" charset="0"/>
+                <a:cs typeface="Arial" panose="020B0604020202020204" pitchFamily="34" charset="0"/>
+              </a:rPr>
+              <a:t>".buttons"</a:t>
+            </a:r>
+            <a:r>
+              <a:rPr lang="en-US" sz="1400" dirty="0">
+                <a:solidFill>
+                  <a:srgbClr val="000000"/>
+                </a:solidFill>
+                <a:latin typeface="Calibri" panose="020F0502020204030204" pitchFamily="34" charset="0"/>
+                <a:ea typeface="Calibri" panose="020F0502020204030204" pitchFamily="34" charset="0"/>
+                <a:cs typeface="Arial" panose="020B0604020202020204" pitchFamily="34" charset="0"/>
+              </a:rPr>
+              <a:t>&gt;</a:t>
+            </a:r>
+            <a:br>
+              <a:rPr lang="en-US" sz="1400" dirty="0">
+                <a:solidFill>
+                  <a:srgbClr val="000000"/>
+                </a:solidFill>
+                <a:latin typeface="Calibri" panose="020F0502020204030204" pitchFamily="34" charset="0"/>
+                <a:ea typeface="Calibri" panose="020F0502020204030204" pitchFamily="34" charset="0"/>
+                <a:cs typeface="Arial" panose="020B0604020202020204" pitchFamily="34" charset="0"/>
+              </a:rPr>
+            </a:br>
+            <a:r>
+              <a:rPr lang="en-US" sz="1400" dirty="0">
+                <a:solidFill>
+                  <a:srgbClr val="000000"/>
+                </a:solidFill>
+                <a:latin typeface="Calibri" panose="020F0502020204030204" pitchFamily="34" charset="0"/>
+                <a:ea typeface="Calibri" panose="020F0502020204030204" pitchFamily="34" charset="0"/>
+                <a:cs typeface="Arial" panose="020B0604020202020204" pitchFamily="34" charset="0"/>
+              </a:rPr>
+              <a:t>    &lt;</a:t>
+            </a:r>
+            <a:r>
+              <a:rPr lang="en-US" sz="1400" b="1" dirty="0">
+                <a:solidFill>
+                  <a:srgbClr val="000080"/>
+                </a:solidFill>
+                <a:latin typeface="Calibri" panose="020F0502020204030204" pitchFamily="34" charset="0"/>
+                <a:ea typeface="Calibri" panose="020F0502020204030204" pitchFamily="34" charset="0"/>
+                <a:cs typeface="Arial" panose="020B0604020202020204" pitchFamily="34" charset="0"/>
+              </a:rPr>
+              <a:t>button</a:t>
+            </a:r>
+            <a:r>
+              <a:rPr lang="en-US" sz="1400" dirty="0">
+                <a:solidFill>
+                  <a:srgbClr val="000000"/>
+                </a:solidFill>
+                <a:latin typeface="Calibri" panose="020F0502020204030204" pitchFamily="34" charset="0"/>
+                <a:ea typeface="Calibri" panose="020F0502020204030204" pitchFamily="34" charset="0"/>
+                <a:cs typeface="Arial" panose="020B0604020202020204" pitchFamily="34" charset="0"/>
+              </a:rPr>
+              <a:t>&gt;Close&lt;/</a:t>
+            </a:r>
+            <a:r>
+              <a:rPr lang="en-US" sz="1400" b="1" dirty="0">
+                <a:solidFill>
+                  <a:srgbClr val="000080"/>
+                </a:solidFill>
+                <a:latin typeface="Calibri" panose="020F0502020204030204" pitchFamily="34" charset="0"/>
+                <a:ea typeface="Calibri" panose="020F0502020204030204" pitchFamily="34" charset="0"/>
+                <a:cs typeface="Arial" panose="020B0604020202020204" pitchFamily="34" charset="0"/>
+              </a:rPr>
+              <a:t>button</a:t>
+            </a:r>
+            <a:r>
+              <a:rPr lang="en-US" sz="1400" dirty="0">
+                <a:solidFill>
+                  <a:srgbClr val="000000"/>
+                </a:solidFill>
+                <a:latin typeface="Calibri" panose="020F0502020204030204" pitchFamily="34" charset="0"/>
+                <a:ea typeface="Calibri" panose="020F0502020204030204" pitchFamily="34" charset="0"/>
+                <a:cs typeface="Arial" panose="020B0604020202020204" pitchFamily="34" charset="0"/>
+              </a:rPr>
+              <a:t>&gt;</a:t>
+            </a:r>
+            <a:br>
+              <a:rPr lang="en-US" sz="1400" dirty="0">
+                <a:solidFill>
+                  <a:srgbClr val="000000"/>
+                </a:solidFill>
+                <a:latin typeface="Calibri" panose="020F0502020204030204" pitchFamily="34" charset="0"/>
+                <a:ea typeface="Calibri" panose="020F0502020204030204" pitchFamily="34" charset="0"/>
+                <a:cs typeface="Arial" panose="020B0604020202020204" pitchFamily="34" charset="0"/>
+              </a:rPr>
+            </a:br>
+            <a:r>
+              <a:rPr lang="en-US" sz="1400" dirty="0">
+                <a:solidFill>
+                  <a:srgbClr val="000000"/>
+                </a:solidFill>
+                <a:latin typeface="Calibri" panose="020F0502020204030204" pitchFamily="34" charset="0"/>
+                <a:ea typeface="Calibri" panose="020F0502020204030204" pitchFamily="34" charset="0"/>
+                <a:cs typeface="Arial" panose="020B0604020202020204" pitchFamily="34" charset="0"/>
+              </a:rPr>
+              <a:t>    &lt;</a:t>
+            </a:r>
+            <a:r>
+              <a:rPr lang="en-US" sz="1400" b="1" dirty="0">
+                <a:solidFill>
+                  <a:srgbClr val="000080"/>
+                </a:solidFill>
+                <a:latin typeface="Calibri" panose="020F0502020204030204" pitchFamily="34" charset="0"/>
+                <a:ea typeface="Calibri" panose="020F0502020204030204" pitchFamily="34" charset="0"/>
+                <a:cs typeface="Arial" panose="020B0604020202020204" pitchFamily="34" charset="0"/>
+              </a:rPr>
+              <a:t>button </a:t>
+            </a:r>
+            <a:r>
+              <a:rPr lang="en-US" sz="1400" b="1" dirty="0">
+                <a:solidFill>
+                  <a:srgbClr val="0000FF"/>
+                </a:solidFill>
+                <a:latin typeface="Calibri" panose="020F0502020204030204" pitchFamily="34" charset="0"/>
+                <a:ea typeface="Calibri" panose="020F0502020204030204" pitchFamily="34" charset="0"/>
+                <a:cs typeface="Arial" panose="020B0604020202020204" pitchFamily="34" charset="0"/>
+              </a:rPr>
+              <a:t>(click)=</a:t>
+            </a:r>
+            <a:r>
+              <a:rPr lang="en-US" sz="1400" b="1" dirty="0">
+                <a:solidFill>
+                  <a:srgbClr val="008000"/>
+                </a:solidFill>
+                <a:latin typeface="Calibri" panose="020F0502020204030204" pitchFamily="34" charset="0"/>
+                <a:ea typeface="Calibri" panose="020F0502020204030204" pitchFamily="34" charset="0"/>
+                <a:cs typeface="Arial" panose="020B0604020202020204" pitchFamily="34" charset="0"/>
+              </a:rPr>
+              <a:t>"</a:t>
+            </a:r>
+            <a:r>
+              <a:rPr lang="en-US" sz="1400" b="1" dirty="0" err="1">
+                <a:solidFill>
+                  <a:srgbClr val="7A7A43"/>
+                </a:solidFill>
+                <a:latin typeface="Calibri" panose="020F0502020204030204" pitchFamily="34" charset="0"/>
+                <a:ea typeface="Calibri" panose="020F0502020204030204" pitchFamily="34" charset="0"/>
+                <a:cs typeface="Arial" panose="020B0604020202020204" pitchFamily="34" charset="0"/>
+              </a:rPr>
+              <a:t>toggleDialog</a:t>
+            </a:r>
+            <a:r>
+              <a:rPr lang="en-US" sz="1400" b="1" dirty="0">
+                <a:solidFill>
+                  <a:srgbClr val="008000"/>
+                </a:solidFill>
+                <a:latin typeface="Calibri" panose="020F0502020204030204" pitchFamily="34" charset="0"/>
+                <a:ea typeface="Calibri" panose="020F0502020204030204" pitchFamily="34" charset="0"/>
+                <a:cs typeface="Arial" panose="020B0604020202020204" pitchFamily="34" charset="0"/>
+              </a:rPr>
+              <a:t>()"</a:t>
+            </a:r>
+            <a:r>
+              <a:rPr lang="en-US" sz="1400" dirty="0">
+                <a:solidFill>
+                  <a:srgbClr val="000000"/>
+                </a:solidFill>
+                <a:latin typeface="Calibri" panose="020F0502020204030204" pitchFamily="34" charset="0"/>
+                <a:ea typeface="Calibri" panose="020F0502020204030204" pitchFamily="34" charset="0"/>
+                <a:cs typeface="Arial" panose="020B0604020202020204" pitchFamily="34" charset="0"/>
+              </a:rPr>
+              <a:t>&gt;Toggle Dialog&lt;/</a:t>
+            </a:r>
+            <a:r>
+              <a:rPr lang="en-US" sz="1400" b="1" dirty="0">
+                <a:solidFill>
+                  <a:srgbClr val="000080"/>
+                </a:solidFill>
+                <a:latin typeface="Calibri" panose="020F0502020204030204" pitchFamily="34" charset="0"/>
+                <a:ea typeface="Calibri" panose="020F0502020204030204" pitchFamily="34" charset="0"/>
+                <a:cs typeface="Arial" panose="020B0604020202020204" pitchFamily="34" charset="0"/>
+              </a:rPr>
+              <a:t>button</a:t>
+            </a:r>
+            <a:r>
+              <a:rPr lang="en-US" sz="1400" dirty="0">
+                <a:solidFill>
+                  <a:srgbClr val="000000"/>
+                </a:solidFill>
+                <a:latin typeface="Calibri" panose="020F0502020204030204" pitchFamily="34" charset="0"/>
+                <a:ea typeface="Calibri" panose="020F0502020204030204" pitchFamily="34" charset="0"/>
+                <a:cs typeface="Arial" panose="020B0604020202020204" pitchFamily="34" charset="0"/>
+              </a:rPr>
+              <a:t>&gt;</a:t>
+            </a:r>
+            <a:br>
+              <a:rPr lang="en-US" sz="1400" dirty="0">
+                <a:solidFill>
+                  <a:srgbClr val="000000"/>
+                </a:solidFill>
+                <a:latin typeface="Calibri" panose="020F0502020204030204" pitchFamily="34" charset="0"/>
+                <a:ea typeface="Calibri" panose="020F0502020204030204" pitchFamily="34" charset="0"/>
+                <a:cs typeface="Arial" panose="020B0604020202020204" pitchFamily="34" charset="0"/>
+              </a:rPr>
+            </a:br>
+            <a:r>
+              <a:rPr lang="en-US" sz="1400" dirty="0">
+                <a:solidFill>
+                  <a:srgbClr val="000000"/>
+                </a:solidFill>
+                <a:latin typeface="Calibri" panose="020F0502020204030204" pitchFamily="34" charset="0"/>
+                <a:ea typeface="Calibri" panose="020F0502020204030204" pitchFamily="34" charset="0"/>
+                <a:cs typeface="Arial" panose="020B0604020202020204" pitchFamily="34" charset="0"/>
+              </a:rPr>
+              <a:t>&lt;/</a:t>
+            </a:r>
+            <a:r>
+              <a:rPr lang="en-US" sz="1400" b="1" dirty="0">
+                <a:solidFill>
+                  <a:srgbClr val="000080"/>
+                </a:solidFill>
+                <a:latin typeface="Calibri" panose="020F0502020204030204" pitchFamily="34" charset="0"/>
+                <a:ea typeface="Calibri" panose="020F0502020204030204" pitchFamily="34" charset="0"/>
+                <a:cs typeface="Arial" panose="020B0604020202020204" pitchFamily="34" charset="0"/>
+              </a:rPr>
+              <a:t>ng-content</a:t>
+            </a:r>
+            <a:r>
+              <a:rPr lang="en-US" sz="1400" dirty="0">
+                <a:solidFill>
+                  <a:srgbClr val="000000"/>
+                </a:solidFill>
+                <a:latin typeface="Calibri" panose="020F0502020204030204" pitchFamily="34" charset="0"/>
+                <a:ea typeface="Calibri" panose="020F0502020204030204" pitchFamily="34" charset="0"/>
+                <a:cs typeface="Arial" panose="020B0604020202020204" pitchFamily="34" charset="0"/>
+              </a:rPr>
+              <a:t>&gt;</a:t>
+            </a:r>
+            <a:endParaRPr lang="he-IL" sz="1400" dirty="0"/>
+          </a:p>
+        </p:txBody>
+      </p:sp>
+      <p:sp>
+        <p:nvSpPr>
+          <p:cNvPr id="11" name="Rectangle 10"/>
+          <p:cNvSpPr/>
+          <p:nvPr/>
+        </p:nvSpPr>
+        <p:spPr>
+          <a:xfrm>
+            <a:off x="2403348" y="4348843"/>
+            <a:ext cx="4572000" cy="1600438"/>
+          </a:xfrm>
+          <a:prstGeom prst="rect">
+            <a:avLst/>
+          </a:prstGeom>
+          <a:solidFill>
+            <a:schemeClr val="accent1">
+              <a:lumMod val="40000"/>
+              <a:lumOff val="60000"/>
+            </a:schemeClr>
+          </a:solidFill>
+        </p:spPr>
+        <p:txBody>
+          <a:bodyPr>
+            <a:spAutoFit/>
+          </a:bodyPr>
+          <a:lstStyle/>
+          <a:p>
+            <a:r>
+              <a:rPr lang="en-US" sz="1400" dirty="0">
+                <a:solidFill>
+                  <a:srgbClr val="000000"/>
+                </a:solidFill>
+                <a:latin typeface="Calibri" panose="020F0502020204030204" pitchFamily="34" charset="0"/>
+                <a:ea typeface="Calibri" panose="020F0502020204030204" pitchFamily="34" charset="0"/>
+                <a:cs typeface="Arial" panose="020B0604020202020204" pitchFamily="34" charset="0"/>
+              </a:rPr>
+              <a:t>&lt;</a:t>
+            </a:r>
+            <a:r>
+              <a:rPr lang="en-US" sz="1400" b="1" dirty="0">
+                <a:solidFill>
+                  <a:srgbClr val="000080"/>
+                </a:solidFill>
+                <a:latin typeface="Calibri" panose="020F0502020204030204" pitchFamily="34" charset="0"/>
+                <a:ea typeface="Calibri" panose="020F0502020204030204" pitchFamily="34" charset="0"/>
+                <a:cs typeface="Arial" panose="020B0604020202020204" pitchFamily="34" charset="0"/>
+              </a:rPr>
+              <a:t>div </a:t>
+            </a:r>
+            <a:r>
+              <a:rPr lang="en-US" sz="1400" b="1" dirty="0">
+                <a:solidFill>
+                  <a:srgbClr val="0000FF"/>
+                </a:solidFill>
+                <a:latin typeface="Calibri" panose="020F0502020204030204" pitchFamily="34" charset="0"/>
+                <a:ea typeface="Calibri" panose="020F0502020204030204" pitchFamily="34" charset="0"/>
+                <a:cs typeface="Arial" panose="020B0604020202020204" pitchFamily="34" charset="0"/>
+              </a:rPr>
+              <a:t>#buttons</a:t>
+            </a:r>
+            <a:r>
+              <a:rPr lang="en-US" sz="1400" dirty="0">
+                <a:solidFill>
+                  <a:srgbClr val="000000"/>
+                </a:solidFill>
+                <a:latin typeface="Calibri" panose="020F0502020204030204" pitchFamily="34" charset="0"/>
+                <a:ea typeface="Calibri" panose="020F0502020204030204" pitchFamily="34" charset="0"/>
+                <a:cs typeface="Arial" panose="020B0604020202020204" pitchFamily="34" charset="0"/>
+              </a:rPr>
+              <a:t>&gt;</a:t>
+            </a:r>
+            <a:br>
+              <a:rPr lang="en-US" sz="1400" dirty="0">
+                <a:solidFill>
+                  <a:srgbClr val="000000"/>
+                </a:solidFill>
+                <a:latin typeface="Calibri" panose="020F0502020204030204" pitchFamily="34" charset="0"/>
+                <a:ea typeface="Calibri" panose="020F0502020204030204" pitchFamily="34" charset="0"/>
+                <a:cs typeface="Arial" panose="020B0604020202020204" pitchFamily="34" charset="0"/>
+              </a:rPr>
+            </a:br>
+            <a:r>
+              <a:rPr lang="en-US" sz="1400" dirty="0">
+                <a:solidFill>
+                  <a:srgbClr val="000000"/>
+                </a:solidFill>
+                <a:latin typeface="Calibri" panose="020F0502020204030204" pitchFamily="34" charset="0"/>
+                <a:ea typeface="Calibri" panose="020F0502020204030204" pitchFamily="34" charset="0"/>
+                <a:cs typeface="Arial" panose="020B0604020202020204" pitchFamily="34" charset="0"/>
+              </a:rPr>
+              <a:t>    &lt;</a:t>
+            </a:r>
+            <a:r>
+              <a:rPr lang="en-US" sz="1400" b="1" dirty="0">
+                <a:solidFill>
+                  <a:srgbClr val="000080"/>
+                </a:solidFill>
+                <a:latin typeface="Calibri" panose="020F0502020204030204" pitchFamily="34" charset="0"/>
+                <a:ea typeface="Calibri" panose="020F0502020204030204" pitchFamily="34" charset="0"/>
+                <a:cs typeface="Arial" panose="020B0604020202020204" pitchFamily="34" charset="0"/>
+              </a:rPr>
+              <a:t>ng-content </a:t>
+            </a:r>
+            <a:r>
+              <a:rPr lang="en-US" sz="1400" b="1" dirty="0">
+                <a:solidFill>
+                  <a:srgbClr val="0000FF"/>
+                </a:solidFill>
+                <a:latin typeface="Calibri" panose="020F0502020204030204" pitchFamily="34" charset="0"/>
+                <a:ea typeface="Calibri" panose="020F0502020204030204" pitchFamily="34" charset="0"/>
+                <a:cs typeface="Arial" panose="020B0604020202020204" pitchFamily="34" charset="0"/>
+              </a:rPr>
+              <a:t>select=</a:t>
+            </a:r>
+            <a:r>
+              <a:rPr lang="en-US" sz="1400" b="1" dirty="0">
+                <a:solidFill>
+                  <a:srgbClr val="008000"/>
+                </a:solidFill>
+                <a:latin typeface="Calibri" panose="020F0502020204030204" pitchFamily="34" charset="0"/>
+                <a:ea typeface="Calibri" panose="020F0502020204030204" pitchFamily="34" charset="0"/>
+                <a:cs typeface="Arial" panose="020B0604020202020204" pitchFamily="34" charset="0"/>
+              </a:rPr>
+              <a:t>".buttons"</a:t>
+            </a:r>
+            <a:r>
+              <a:rPr lang="en-US" sz="1400" dirty="0">
+                <a:solidFill>
+                  <a:srgbClr val="000000"/>
+                </a:solidFill>
+                <a:latin typeface="Calibri" panose="020F0502020204030204" pitchFamily="34" charset="0"/>
+                <a:ea typeface="Calibri" panose="020F0502020204030204" pitchFamily="34" charset="0"/>
+                <a:cs typeface="Arial" panose="020B0604020202020204" pitchFamily="34" charset="0"/>
+              </a:rPr>
+              <a:t>&gt;&lt;/</a:t>
+            </a:r>
+            <a:r>
+              <a:rPr lang="en-US" sz="1400" b="1" dirty="0">
+                <a:solidFill>
+                  <a:srgbClr val="000080"/>
+                </a:solidFill>
+                <a:latin typeface="Calibri" panose="020F0502020204030204" pitchFamily="34" charset="0"/>
+                <a:ea typeface="Calibri" panose="020F0502020204030204" pitchFamily="34" charset="0"/>
+                <a:cs typeface="Arial" panose="020B0604020202020204" pitchFamily="34" charset="0"/>
+              </a:rPr>
+              <a:t>ng-content</a:t>
+            </a:r>
+            <a:r>
+              <a:rPr lang="en-US" sz="1400" dirty="0">
+                <a:solidFill>
+                  <a:srgbClr val="000000"/>
+                </a:solidFill>
+                <a:latin typeface="Calibri" panose="020F0502020204030204" pitchFamily="34" charset="0"/>
+                <a:ea typeface="Calibri" panose="020F0502020204030204" pitchFamily="34" charset="0"/>
+                <a:cs typeface="Arial" panose="020B0604020202020204" pitchFamily="34" charset="0"/>
+              </a:rPr>
+              <a:t>&gt;</a:t>
+            </a:r>
+            <a:br>
+              <a:rPr lang="en-US" sz="1400" dirty="0">
+                <a:solidFill>
+                  <a:srgbClr val="000000"/>
+                </a:solidFill>
+                <a:latin typeface="Calibri" panose="020F0502020204030204" pitchFamily="34" charset="0"/>
+                <a:ea typeface="Calibri" panose="020F0502020204030204" pitchFamily="34" charset="0"/>
+                <a:cs typeface="Arial" panose="020B0604020202020204" pitchFamily="34" charset="0"/>
+              </a:rPr>
+            </a:br>
+            <a:r>
+              <a:rPr lang="en-US" sz="1400" dirty="0">
+                <a:solidFill>
+                  <a:srgbClr val="000000"/>
+                </a:solidFill>
+                <a:latin typeface="Calibri" panose="020F0502020204030204" pitchFamily="34" charset="0"/>
+                <a:ea typeface="Calibri" panose="020F0502020204030204" pitchFamily="34" charset="0"/>
+                <a:cs typeface="Arial" panose="020B0604020202020204" pitchFamily="34" charset="0"/>
+              </a:rPr>
+              <a:t>&lt;/</a:t>
+            </a:r>
+            <a:r>
+              <a:rPr lang="en-US" sz="1400" b="1" dirty="0">
+                <a:solidFill>
+                  <a:srgbClr val="000080"/>
+                </a:solidFill>
+                <a:latin typeface="Calibri" panose="020F0502020204030204" pitchFamily="34" charset="0"/>
+                <a:ea typeface="Calibri" panose="020F0502020204030204" pitchFamily="34" charset="0"/>
+                <a:cs typeface="Arial" panose="020B0604020202020204" pitchFamily="34" charset="0"/>
+              </a:rPr>
+              <a:t>div</a:t>
+            </a:r>
+            <a:r>
+              <a:rPr lang="en-US" sz="1400" dirty="0">
+                <a:solidFill>
+                  <a:srgbClr val="000000"/>
+                </a:solidFill>
+                <a:latin typeface="Calibri" panose="020F0502020204030204" pitchFamily="34" charset="0"/>
+                <a:ea typeface="Calibri" panose="020F0502020204030204" pitchFamily="34" charset="0"/>
+                <a:cs typeface="Arial" panose="020B0604020202020204" pitchFamily="34" charset="0"/>
+              </a:rPr>
+              <a:t>&gt;</a:t>
+            </a:r>
+            <a:br>
+              <a:rPr lang="en-US" sz="1400" dirty="0">
+                <a:solidFill>
+                  <a:srgbClr val="000000"/>
+                </a:solidFill>
+                <a:latin typeface="Calibri" panose="020F0502020204030204" pitchFamily="34" charset="0"/>
+                <a:ea typeface="Calibri" panose="020F0502020204030204" pitchFamily="34" charset="0"/>
+                <a:cs typeface="Arial" panose="020B0604020202020204" pitchFamily="34" charset="0"/>
+              </a:rPr>
+            </a:br>
+            <a:r>
+              <a:rPr lang="en-US" sz="1400" dirty="0">
+                <a:solidFill>
+                  <a:srgbClr val="000000"/>
+                </a:solidFill>
+                <a:latin typeface="Calibri" panose="020F0502020204030204" pitchFamily="34" charset="0"/>
+                <a:ea typeface="Calibri" panose="020F0502020204030204" pitchFamily="34" charset="0"/>
+                <a:cs typeface="Arial" panose="020B0604020202020204" pitchFamily="34" charset="0"/>
+              </a:rPr>
+              <a:t>&lt;</a:t>
+            </a:r>
+            <a:r>
+              <a:rPr lang="en-US" sz="1400" b="1" dirty="0">
+                <a:solidFill>
+                  <a:srgbClr val="000080"/>
+                </a:solidFill>
+                <a:latin typeface="Calibri" panose="020F0502020204030204" pitchFamily="34" charset="0"/>
+                <a:ea typeface="Calibri" panose="020F0502020204030204" pitchFamily="34" charset="0"/>
+                <a:cs typeface="Arial" panose="020B0604020202020204" pitchFamily="34" charset="0"/>
+              </a:rPr>
+              <a:t>div </a:t>
+            </a:r>
+            <a:r>
+              <a:rPr lang="en-US" sz="1400" b="1" dirty="0">
+                <a:solidFill>
+                  <a:srgbClr val="0000FF"/>
+                </a:solidFill>
+                <a:latin typeface="Calibri" panose="020F0502020204030204" pitchFamily="34" charset="0"/>
+                <a:ea typeface="Calibri" panose="020F0502020204030204" pitchFamily="34" charset="0"/>
+                <a:cs typeface="Arial" panose="020B0604020202020204" pitchFamily="34" charset="0"/>
+              </a:rPr>
+              <a:t>*</a:t>
+            </a:r>
+            <a:r>
+              <a:rPr lang="en-US" sz="1400" b="1" dirty="0" err="1">
+                <a:solidFill>
+                  <a:srgbClr val="0000FF"/>
+                </a:solidFill>
+                <a:latin typeface="Calibri" panose="020F0502020204030204" pitchFamily="34" charset="0"/>
+                <a:ea typeface="Calibri" panose="020F0502020204030204" pitchFamily="34" charset="0"/>
+                <a:cs typeface="Arial" panose="020B0604020202020204" pitchFamily="34" charset="0"/>
+              </a:rPr>
+              <a:t>ngIf</a:t>
+            </a:r>
+            <a:r>
+              <a:rPr lang="en-US" sz="1400" b="1" dirty="0">
+                <a:solidFill>
+                  <a:srgbClr val="0000FF"/>
+                </a:solidFill>
+                <a:latin typeface="Calibri" panose="020F0502020204030204" pitchFamily="34" charset="0"/>
+                <a:ea typeface="Calibri" panose="020F0502020204030204" pitchFamily="34" charset="0"/>
+                <a:cs typeface="Arial" panose="020B0604020202020204" pitchFamily="34" charset="0"/>
+              </a:rPr>
+              <a:t>=</a:t>
+            </a:r>
+            <a:r>
+              <a:rPr lang="en-US" sz="1400" b="1" dirty="0">
+                <a:solidFill>
+                  <a:srgbClr val="008000"/>
+                </a:solidFill>
+                <a:latin typeface="Calibri" panose="020F0502020204030204" pitchFamily="34" charset="0"/>
+                <a:ea typeface="Calibri" panose="020F0502020204030204" pitchFamily="34" charset="0"/>
+                <a:cs typeface="Arial" panose="020B0604020202020204" pitchFamily="34" charset="0"/>
+              </a:rPr>
+              <a:t>"!</a:t>
+            </a:r>
+            <a:r>
+              <a:rPr lang="en-US" sz="1400" b="1" i="1" dirty="0" err="1">
+                <a:solidFill>
+                  <a:srgbClr val="660E7A"/>
+                </a:solidFill>
+                <a:latin typeface="Calibri" panose="020F0502020204030204" pitchFamily="34" charset="0"/>
+                <a:ea typeface="Calibri" panose="020F0502020204030204" pitchFamily="34" charset="0"/>
+                <a:cs typeface="Arial" panose="020B0604020202020204" pitchFamily="34" charset="0"/>
+              </a:rPr>
+              <a:t>buttons</a:t>
+            </a:r>
+            <a:r>
+              <a:rPr lang="en-US" sz="1400" b="1" dirty="0" err="1">
+                <a:solidFill>
+                  <a:srgbClr val="008000"/>
+                </a:solidFill>
+                <a:latin typeface="Calibri" panose="020F0502020204030204" pitchFamily="34" charset="0"/>
+                <a:ea typeface="Calibri" panose="020F0502020204030204" pitchFamily="34" charset="0"/>
+                <a:cs typeface="Arial" panose="020B0604020202020204" pitchFamily="34" charset="0"/>
+              </a:rPr>
+              <a:t>.firstElementChild</a:t>
+            </a:r>
+            <a:r>
+              <a:rPr lang="en-US" sz="1400" b="1" dirty="0">
+                <a:solidFill>
+                  <a:srgbClr val="008000"/>
+                </a:solidFill>
+                <a:latin typeface="Calibri" panose="020F0502020204030204" pitchFamily="34" charset="0"/>
+                <a:ea typeface="Calibri" panose="020F0502020204030204" pitchFamily="34" charset="0"/>
+                <a:cs typeface="Arial" panose="020B0604020202020204" pitchFamily="34" charset="0"/>
+              </a:rPr>
+              <a:t>"</a:t>
+            </a:r>
+            <a:r>
+              <a:rPr lang="en-US" sz="1400" dirty="0">
+                <a:solidFill>
+                  <a:srgbClr val="000000"/>
+                </a:solidFill>
+                <a:latin typeface="Calibri" panose="020F0502020204030204" pitchFamily="34" charset="0"/>
+                <a:ea typeface="Calibri" panose="020F0502020204030204" pitchFamily="34" charset="0"/>
+                <a:cs typeface="Arial" panose="020B0604020202020204" pitchFamily="34" charset="0"/>
+              </a:rPr>
+              <a:t>&gt;</a:t>
+            </a:r>
+            <a:br>
+              <a:rPr lang="en-US" sz="1400" dirty="0">
+                <a:solidFill>
+                  <a:srgbClr val="000000"/>
+                </a:solidFill>
+                <a:latin typeface="Calibri" panose="020F0502020204030204" pitchFamily="34" charset="0"/>
+                <a:ea typeface="Calibri" panose="020F0502020204030204" pitchFamily="34" charset="0"/>
+                <a:cs typeface="Arial" panose="020B0604020202020204" pitchFamily="34" charset="0"/>
+              </a:rPr>
+            </a:br>
+            <a:r>
+              <a:rPr lang="en-US" sz="1400" dirty="0">
+                <a:solidFill>
+                  <a:srgbClr val="000000"/>
+                </a:solidFill>
+                <a:latin typeface="Calibri" panose="020F0502020204030204" pitchFamily="34" charset="0"/>
+                <a:ea typeface="Calibri" panose="020F0502020204030204" pitchFamily="34" charset="0"/>
+                <a:cs typeface="Arial" panose="020B0604020202020204" pitchFamily="34" charset="0"/>
+              </a:rPr>
+              <a:t>    &lt;</a:t>
+            </a:r>
+            <a:r>
+              <a:rPr lang="en-US" sz="1400" b="1" dirty="0">
+                <a:solidFill>
+                  <a:srgbClr val="000080"/>
+                </a:solidFill>
+                <a:latin typeface="Calibri" panose="020F0502020204030204" pitchFamily="34" charset="0"/>
+                <a:ea typeface="Calibri" panose="020F0502020204030204" pitchFamily="34" charset="0"/>
+                <a:cs typeface="Arial" panose="020B0604020202020204" pitchFamily="34" charset="0"/>
+              </a:rPr>
+              <a:t>button</a:t>
+            </a:r>
+            <a:r>
+              <a:rPr lang="en-US" sz="1400" dirty="0">
+                <a:solidFill>
+                  <a:srgbClr val="000000"/>
+                </a:solidFill>
+                <a:latin typeface="Calibri" panose="020F0502020204030204" pitchFamily="34" charset="0"/>
+                <a:ea typeface="Calibri" panose="020F0502020204030204" pitchFamily="34" charset="0"/>
+                <a:cs typeface="Arial" panose="020B0604020202020204" pitchFamily="34" charset="0"/>
+              </a:rPr>
+              <a:t>&gt;Close&lt;/</a:t>
+            </a:r>
+            <a:r>
+              <a:rPr lang="en-US" sz="1400" b="1" dirty="0">
+                <a:solidFill>
+                  <a:srgbClr val="000080"/>
+                </a:solidFill>
+                <a:latin typeface="Calibri" panose="020F0502020204030204" pitchFamily="34" charset="0"/>
+                <a:ea typeface="Calibri" panose="020F0502020204030204" pitchFamily="34" charset="0"/>
+                <a:cs typeface="Arial" panose="020B0604020202020204" pitchFamily="34" charset="0"/>
+              </a:rPr>
+              <a:t>button</a:t>
+            </a:r>
+            <a:r>
+              <a:rPr lang="en-US" sz="1400" dirty="0">
+                <a:solidFill>
+                  <a:srgbClr val="000000"/>
+                </a:solidFill>
+                <a:latin typeface="Calibri" panose="020F0502020204030204" pitchFamily="34" charset="0"/>
+                <a:ea typeface="Calibri" panose="020F0502020204030204" pitchFamily="34" charset="0"/>
+                <a:cs typeface="Arial" panose="020B0604020202020204" pitchFamily="34" charset="0"/>
+              </a:rPr>
+              <a:t>&gt;</a:t>
+            </a:r>
+            <a:br>
+              <a:rPr lang="en-US" sz="1400" dirty="0">
+                <a:solidFill>
+                  <a:srgbClr val="000000"/>
+                </a:solidFill>
+                <a:latin typeface="Calibri" panose="020F0502020204030204" pitchFamily="34" charset="0"/>
+                <a:ea typeface="Calibri" panose="020F0502020204030204" pitchFamily="34" charset="0"/>
+                <a:cs typeface="Arial" panose="020B0604020202020204" pitchFamily="34" charset="0"/>
+              </a:rPr>
+            </a:br>
+            <a:r>
+              <a:rPr lang="en-US" sz="1400" dirty="0">
+                <a:solidFill>
+                  <a:srgbClr val="000000"/>
+                </a:solidFill>
+                <a:latin typeface="Calibri" panose="020F0502020204030204" pitchFamily="34" charset="0"/>
+                <a:ea typeface="Calibri" panose="020F0502020204030204" pitchFamily="34" charset="0"/>
+                <a:cs typeface="Arial" panose="020B0604020202020204" pitchFamily="34" charset="0"/>
+              </a:rPr>
+              <a:t>    &lt;</a:t>
+            </a:r>
+            <a:r>
+              <a:rPr lang="en-US" sz="1400" b="1" dirty="0">
+                <a:solidFill>
+                  <a:srgbClr val="000080"/>
+                </a:solidFill>
+                <a:latin typeface="Calibri" panose="020F0502020204030204" pitchFamily="34" charset="0"/>
+                <a:ea typeface="Calibri" panose="020F0502020204030204" pitchFamily="34" charset="0"/>
+                <a:cs typeface="Arial" panose="020B0604020202020204" pitchFamily="34" charset="0"/>
+              </a:rPr>
+              <a:t>button </a:t>
+            </a:r>
+            <a:r>
+              <a:rPr lang="en-US" sz="1400" b="1" dirty="0">
+                <a:solidFill>
+                  <a:srgbClr val="0000FF"/>
+                </a:solidFill>
+                <a:latin typeface="Calibri" panose="020F0502020204030204" pitchFamily="34" charset="0"/>
+                <a:ea typeface="Calibri" panose="020F0502020204030204" pitchFamily="34" charset="0"/>
+                <a:cs typeface="Arial" panose="020B0604020202020204" pitchFamily="34" charset="0"/>
+              </a:rPr>
+              <a:t>(click)=</a:t>
+            </a:r>
+            <a:r>
+              <a:rPr lang="en-US" sz="1400" b="1" dirty="0">
+                <a:solidFill>
+                  <a:srgbClr val="008000"/>
+                </a:solidFill>
+                <a:latin typeface="Calibri" panose="020F0502020204030204" pitchFamily="34" charset="0"/>
+                <a:ea typeface="Calibri" panose="020F0502020204030204" pitchFamily="34" charset="0"/>
+                <a:cs typeface="Arial" panose="020B0604020202020204" pitchFamily="34" charset="0"/>
+              </a:rPr>
+              <a:t>"</a:t>
+            </a:r>
+            <a:r>
+              <a:rPr lang="en-US" sz="1400" b="1" dirty="0" err="1">
+                <a:solidFill>
+                  <a:srgbClr val="7A7A43"/>
+                </a:solidFill>
+                <a:latin typeface="Calibri" panose="020F0502020204030204" pitchFamily="34" charset="0"/>
+                <a:ea typeface="Calibri" panose="020F0502020204030204" pitchFamily="34" charset="0"/>
+                <a:cs typeface="Arial" panose="020B0604020202020204" pitchFamily="34" charset="0"/>
+              </a:rPr>
+              <a:t>toggleDialog</a:t>
+            </a:r>
+            <a:r>
+              <a:rPr lang="en-US" sz="1400" b="1" dirty="0">
+                <a:solidFill>
+                  <a:srgbClr val="008000"/>
+                </a:solidFill>
+                <a:latin typeface="Calibri" panose="020F0502020204030204" pitchFamily="34" charset="0"/>
+                <a:ea typeface="Calibri" panose="020F0502020204030204" pitchFamily="34" charset="0"/>
+                <a:cs typeface="Arial" panose="020B0604020202020204" pitchFamily="34" charset="0"/>
+              </a:rPr>
+              <a:t>()"</a:t>
+            </a:r>
+            <a:r>
+              <a:rPr lang="en-US" sz="1400" dirty="0">
+                <a:solidFill>
+                  <a:srgbClr val="000000"/>
+                </a:solidFill>
+                <a:latin typeface="Calibri" panose="020F0502020204030204" pitchFamily="34" charset="0"/>
+                <a:ea typeface="Calibri" panose="020F0502020204030204" pitchFamily="34" charset="0"/>
+                <a:cs typeface="Arial" panose="020B0604020202020204" pitchFamily="34" charset="0"/>
+              </a:rPr>
+              <a:t>&gt;Toggle Dialog&lt;/</a:t>
+            </a:r>
+            <a:r>
+              <a:rPr lang="en-US" sz="1400" b="1" dirty="0">
+                <a:solidFill>
+                  <a:srgbClr val="000080"/>
+                </a:solidFill>
+                <a:latin typeface="Calibri" panose="020F0502020204030204" pitchFamily="34" charset="0"/>
+                <a:ea typeface="Calibri" panose="020F0502020204030204" pitchFamily="34" charset="0"/>
+                <a:cs typeface="Arial" panose="020B0604020202020204" pitchFamily="34" charset="0"/>
+              </a:rPr>
+              <a:t>button</a:t>
+            </a:r>
+            <a:r>
+              <a:rPr lang="en-US" sz="1400" dirty="0">
+                <a:solidFill>
+                  <a:srgbClr val="000000"/>
+                </a:solidFill>
+                <a:latin typeface="Calibri" panose="020F0502020204030204" pitchFamily="34" charset="0"/>
+                <a:ea typeface="Calibri" panose="020F0502020204030204" pitchFamily="34" charset="0"/>
+                <a:cs typeface="Arial" panose="020B0604020202020204" pitchFamily="34" charset="0"/>
+              </a:rPr>
+              <a:t>&gt;</a:t>
+            </a:r>
+            <a:br>
+              <a:rPr lang="en-US" sz="1400" dirty="0">
+                <a:solidFill>
+                  <a:srgbClr val="000000"/>
+                </a:solidFill>
+                <a:latin typeface="Calibri" panose="020F0502020204030204" pitchFamily="34" charset="0"/>
+                <a:ea typeface="Calibri" panose="020F0502020204030204" pitchFamily="34" charset="0"/>
+                <a:cs typeface="Arial" panose="020B0604020202020204" pitchFamily="34" charset="0"/>
+              </a:rPr>
+            </a:br>
+            <a:r>
+              <a:rPr lang="en-US" sz="1400" dirty="0">
+                <a:solidFill>
+                  <a:srgbClr val="000000"/>
+                </a:solidFill>
+                <a:latin typeface="Calibri" panose="020F0502020204030204" pitchFamily="34" charset="0"/>
+                <a:ea typeface="Calibri" panose="020F0502020204030204" pitchFamily="34" charset="0"/>
+                <a:cs typeface="Arial" panose="020B0604020202020204" pitchFamily="34" charset="0"/>
+              </a:rPr>
+              <a:t>&lt;/</a:t>
+            </a:r>
+            <a:r>
+              <a:rPr lang="en-US" sz="1400" b="1" dirty="0">
+                <a:solidFill>
+                  <a:srgbClr val="000080"/>
+                </a:solidFill>
+                <a:latin typeface="Calibri" panose="020F0502020204030204" pitchFamily="34" charset="0"/>
+                <a:ea typeface="Calibri" panose="020F0502020204030204" pitchFamily="34" charset="0"/>
+                <a:cs typeface="Arial" panose="020B0604020202020204" pitchFamily="34" charset="0"/>
+              </a:rPr>
+              <a:t>div</a:t>
+            </a:r>
+            <a:r>
+              <a:rPr lang="en-US" sz="1400" dirty="0">
+                <a:solidFill>
+                  <a:srgbClr val="000000"/>
+                </a:solidFill>
+                <a:latin typeface="Calibri" panose="020F0502020204030204" pitchFamily="34" charset="0"/>
+                <a:ea typeface="Calibri" panose="020F0502020204030204" pitchFamily="34" charset="0"/>
+                <a:cs typeface="Arial" panose="020B0604020202020204" pitchFamily="34" charset="0"/>
+              </a:rPr>
+              <a:t>&gt;</a:t>
+            </a:r>
+            <a:endParaRPr lang="he-IL" sz="1400" dirty="0"/>
+          </a:p>
+        </p:txBody>
+      </p:sp>
+      <p:sp>
+        <p:nvSpPr>
+          <p:cNvPr id="10" name="Callout: Bent Line with No Border 12"/>
+          <p:cNvSpPr/>
+          <p:nvPr/>
+        </p:nvSpPr>
+        <p:spPr>
+          <a:xfrm>
+            <a:off x="139846" y="4941168"/>
+            <a:ext cx="1983882" cy="1440160"/>
+          </a:xfrm>
+          <a:prstGeom prst="callout2">
+            <a:avLst>
+              <a:gd name="adj1" fmla="val -7625"/>
+              <a:gd name="adj2" fmla="val 198134"/>
+              <a:gd name="adj3" fmla="val 28677"/>
+              <a:gd name="adj4" fmla="val 107777"/>
+              <a:gd name="adj5" fmla="val -154388"/>
+              <a:gd name="adj6" fmla="val 212267"/>
+            </a:avLst>
+          </a:prstGeom>
+        </p:spPr>
+        <p:style>
+          <a:lnRef idx="2">
+            <a:schemeClr val="accent4">
+              <a:shade val="50000"/>
+            </a:schemeClr>
+          </a:lnRef>
+          <a:fillRef idx="1">
+            <a:schemeClr val="accent4"/>
+          </a:fillRef>
+          <a:effectRef idx="0">
+            <a:schemeClr val="accent4"/>
+          </a:effectRef>
+          <a:fontRef idx="minor">
+            <a:schemeClr val="lt1"/>
+          </a:fontRef>
+        </p:style>
+        <p:txBody>
+          <a:bodyPr rtlCol="1" anchor="ctr"/>
+          <a:lstStyle/>
+          <a:p>
+            <a:pPr algn="ctr"/>
+            <a:r>
+              <a:rPr lang="en-US" sz="1400" dirty="0"/>
+              <a:t>If the wrapper of ng-content has no children</a:t>
+            </a:r>
+          </a:p>
+          <a:p>
+            <a:pPr algn="ctr"/>
+            <a:r>
+              <a:rPr lang="en-US" sz="1400" dirty="0"/>
+              <a:t>it means the client did not specify any content and we should use the default</a:t>
+            </a:r>
+            <a:endParaRPr lang="he-IL" sz="1400" dirty="0"/>
+          </a:p>
+        </p:txBody>
+      </p:sp>
+    </p:spTree>
+    <p:extLst>
+      <p:ext uri="{BB962C8B-B14F-4D97-AF65-F5344CB8AC3E}">
+        <p14:creationId xmlns:p14="http://schemas.microsoft.com/office/powerpoint/2010/main" val="3248614422"/>
       </p:ext>
     </p:extLst>
   </p:cSld>
@@ -11988,15 +13781,7 @@
           <a:p>
             <a:r>
               <a:rPr lang="en-US" dirty="0"/>
-              <a:t>However, the standard original MOO </a:t>
-            </a:r>
-            <a:r>
-              <a:rPr lang="en-US" dirty="0" smtClean="0"/>
-              <a:t>contradicts </a:t>
-            </a:r>
-            <a:r>
-              <a:rPr lang="en-US" dirty="0"/>
-              <a:t>the component state of mind</a:t>
+              <a:t>However, the standard original MOO contradicts the component state of mind</a:t>
             </a:r>
             <a:endParaRPr lang="he-IL" dirty="0"/>
           </a:p>
@@ -12012,13 +13797,6 @@
   <p:clrMapOvr>
     <a:masterClrMapping/>
   </p:clrMapOvr>
-  <p:timing>
-    <p:tnLst>
-      <p:par>
-        <p:cTn id="1" dur="indefinite" restart="never" nodeType="tmRoot"/>
-      </p:par>
-    </p:tnLst>
-  </p:timing>
 </p:sld>
 </file>
 
@@ -12163,13 +13941,6 @@
   <p:clrMapOvr>
     <a:masterClrMapping/>
   </p:clrMapOvr>
-  <p:timing>
-    <p:tnLst>
-      <p:par>
-        <p:cTn id="1" dur="indefinite" restart="never" nodeType="tmRoot"/>
-      </p:par>
-    </p:tnLst>
-  </p:timing>
 </p:sld>
 </file>
 
@@ -12910,17 +14681,6 @@
                 <a:cs typeface="Courier New" panose="02070309020205020404" pitchFamily="49" charset="0"/>
               </a:rPr>
             </a:br>
-            <a:r>
-              <a:rPr lang="en-US" sz="1400" dirty="0">
-                <a:solidFill>
-                  <a:srgbClr val="000000"/>
-                </a:solidFill>
-                <a:latin typeface="Courier New" panose="02070309020205020404" pitchFamily="49" charset="0"/>
-                <a:ea typeface="Calibri" panose="020F0502020204030204" pitchFamily="34" charset="0"/>
-                <a:cs typeface="Courier New" panose="02070309020205020404" pitchFamily="49" charset="0"/>
-              </a:rPr>
-              <a:t/>
-            </a:r>
             <a:br>
               <a:rPr lang="en-US" sz="1400" dirty="0">
                 <a:solidFill>
@@ -13001,17 +14761,17 @@
         </p:nvSpPr>
         <p:spPr>
           <a:xfrm>
-            <a:off x="7668344" y="3501008"/>
-            <a:ext cx="914400" cy="612648"/>
+            <a:off x="7016126" y="3501008"/>
+            <a:ext cx="1566618" cy="1296144"/>
           </a:xfrm>
           <a:prstGeom prst="callout2">
             <a:avLst>
-              <a:gd name="adj1" fmla="val 279945"/>
-              <a:gd name="adj2" fmla="val -232575"/>
+              <a:gd name="adj1" fmla="val 134055"/>
+              <a:gd name="adj2" fmla="val -93739"/>
               <a:gd name="adj3" fmla="val 18750"/>
               <a:gd name="adj4" fmla="val -16667"/>
-              <a:gd name="adj5" fmla="val -46930"/>
-              <a:gd name="adj6" fmla="val -236819"/>
+              <a:gd name="adj5" fmla="val -21588"/>
+              <a:gd name="adj6" fmla="val -94016"/>
             </a:avLst>
           </a:prstGeom>
         </p:spPr>
@@ -13038,7 +14798,7 @@
             <a:pPr algn="ctr"/>
             <a:r>
               <a:rPr lang="en-US" dirty="0"/>
-              <a:t>Styling ?</a:t>
+              <a:t>How easily can we style each button differently ?</a:t>
             </a:r>
             <a:endParaRPr lang="he-IL" dirty="0"/>
           </a:p>
@@ -13130,13 +14890,6 @@
   <p:clrMapOvr>
     <a:masterClrMapping/>
   </p:clrMapOvr>
-  <p:timing>
-    <p:tnLst>
-      <p:par>
-        <p:cTn id="1" dur="indefinite" restart="never" nodeType="tmRoot"/>
-      </p:par>
-    </p:tnLst>
-  </p:timing>
 </p:sld>
 </file>
 
@@ -13246,7 +14999,7 @@
           <a:p>
             <a:r>
               <a:rPr lang="en-US" dirty="0"/>
-              <a:t>Suppose we want to style the button element inside the parent. The following should be OK</a:t>
+              <a:t>If we want to style the button element inside the parent, we can use the following</a:t>
             </a:r>
           </a:p>
           <a:p>
@@ -13258,21 +15011,13 @@
           <a:p>
             <a:r>
               <a:rPr lang="en-US" dirty="0"/>
-              <a:t>However </a:t>
-            </a:r>
-            <a:r>
-              <a:rPr lang="en-US" dirty="0" smtClean="0"/>
-              <a:t>it means </a:t>
-            </a:r>
+              <a:t>However it means that every descendant button of my-app is effected</a:t>
+            </a:r>
+          </a:p>
+          <a:p>
             <a:r>
               <a:rPr lang="en-US" dirty="0"/>
-              <a:t>that every descendant button of my-app is effected</a:t>
-            </a:r>
-          </a:p>
-          <a:p>
-            <a:r>
-              <a:rPr lang="en-US" dirty="0"/>
-              <a:t>Do we want to change the behavior of contact-list component ?</a:t>
+              <a:t>Do we want to change the behavior of contact-list component too ?</a:t>
             </a:r>
             <a:endParaRPr lang="he-IL" dirty="0"/>
           </a:p>
@@ -13427,13 +15172,6 @@
   <p:clrMapOvr>
     <a:masterClrMapping/>
   </p:clrMapOvr>
-  <p:timing>
-    <p:tnLst>
-      <p:par>
-        <p:cTn id="1" dur="indefinite" restart="never" nodeType="tmRoot"/>
-      </p:par>
-    </p:tnLst>
-  </p:timing>
 </p:sld>
 </file>
 
@@ -13567,15 +15305,7 @@
           <a:p>
             <a:r>
               <a:rPr lang="en-US" dirty="0"/>
-              <a:t>Any time we move the button inside </a:t>
-            </a:r>
-            <a:r>
-              <a:rPr lang="en-US" dirty="0" smtClean="0"/>
-              <a:t>its containing component the CSS definition </a:t>
-            </a:r>
-            <a:r>
-              <a:rPr lang="en-US" dirty="0"/>
-              <a:t>must be fixed</a:t>
+              <a:t>Any time we move the button inside its containing component the CSS definition must be fixed</a:t>
             </a:r>
             <a:endParaRPr lang="he-IL" dirty="0"/>
           </a:p>
@@ -13730,13 +15460,6 @@
   <p:clrMapOvr>
     <a:masterClrMapping/>
   </p:clrMapOvr>
-  <p:timing>
-    <p:tnLst>
-      <p:par>
-        <p:cTn id="1" dur="indefinite" restart="never" nodeType="tmRoot"/>
-      </p:par>
-    </p:tnLst>
-  </p:timing>
 </p:sld>
 </file>
 
@@ -13884,13 +15607,8 @@
           <a:p>
             <a:r>
               <a:rPr lang="en-US" dirty="0"/>
-              <a:t>And then somehow use </a:t>
-            </a:r>
-            <a:r>
-              <a:rPr lang="en-US" dirty="0" smtClean="0"/>
-              <a:t>the unique name inside HTML/code</a:t>
-            </a:r>
-            <a:endParaRPr lang="en-US" dirty="0"/>
+              <a:t>And then somehow use the unique name inside HTML/code</a:t>
+            </a:r>
           </a:p>
           <a:p>
             <a:endParaRPr lang="he-IL" dirty="0"/>
@@ -14247,13 +15965,6 @@
   <p:clrMapOvr>
     <a:masterClrMapping/>
   </p:clrMapOvr>
-  <p:timing>
-    <p:tnLst>
-      <p:par>
-        <p:cTn id="1" dur="indefinite" restart="never" nodeType="tmRoot"/>
-      </p:par>
-    </p:tnLst>
-  </p:timing>
 </p:sld>
 </file>
 
@@ -14443,13 +16154,6 @@
   <p:clrMapOvr>
     <a:masterClrMapping/>
   </p:clrMapOvr>
-  <p:timing>
-    <p:tnLst>
-      <p:par>
-        <p:cTn id="1" dur="indefinite" restart="never" nodeType="tmRoot"/>
-      </p:par>
-    </p:tnLst>
-  </p:timing>
 </p:sld>
 </file>
 

--- a/PPTs/06 Advanced Components.pptx
+++ b/PPTs/06 Advanced Components.pptx
@@ -1300,14 +1300,35 @@
         </dgm:presLayoutVars>
       </dgm:prSet>
       <dgm:spPr/>
+      <dgm:t>
+        <a:bodyPr/>
+        <a:lstStyle/>
+        <a:p>
+          <a:endParaRPr lang="en-US"/>
+        </a:p>
+      </dgm:t>
     </dgm:pt>
     <dgm:pt modelId="{2CAF8251-DFFA-4945-960C-5929CB8E824B}" type="pres">
       <dgm:prSet presAssocID="{5B6D3F57-B83C-4EB8-9B5A-68E5FE821946}" presName="sibTrans" presStyleLbl="sibTrans2D1" presStyleIdx="0" presStyleCnt="9"/>
       <dgm:spPr/>
+      <dgm:t>
+        <a:bodyPr/>
+        <a:lstStyle/>
+        <a:p>
+          <a:endParaRPr lang="en-US"/>
+        </a:p>
+      </dgm:t>
     </dgm:pt>
     <dgm:pt modelId="{3BB2D16E-1CC7-4738-B84A-EB4DEE5310E7}" type="pres">
       <dgm:prSet presAssocID="{5B6D3F57-B83C-4EB8-9B5A-68E5FE821946}" presName="connectorText" presStyleLbl="sibTrans2D1" presStyleIdx="0" presStyleCnt="9"/>
       <dgm:spPr/>
+      <dgm:t>
+        <a:bodyPr/>
+        <a:lstStyle/>
+        <a:p>
+          <a:endParaRPr lang="en-US"/>
+        </a:p>
+      </dgm:t>
     </dgm:pt>
     <dgm:pt modelId="{FB76C021-36F4-467E-8212-F9818DF6103F}" type="pres">
       <dgm:prSet presAssocID="{9A59CCF8-0ED6-4AC2-9580-F70D9BF95ADB}" presName="node" presStyleLbl="node1" presStyleIdx="1" presStyleCnt="10">
@@ -1316,14 +1337,35 @@
         </dgm:presLayoutVars>
       </dgm:prSet>
       <dgm:spPr/>
+      <dgm:t>
+        <a:bodyPr/>
+        <a:lstStyle/>
+        <a:p>
+          <a:endParaRPr lang="en-US"/>
+        </a:p>
+      </dgm:t>
     </dgm:pt>
     <dgm:pt modelId="{001C0266-14F1-4005-BED6-7D130EA97079}" type="pres">
       <dgm:prSet presAssocID="{D5CCD173-2EA8-4945-A34B-43CF743BA11C}" presName="sibTrans" presStyleLbl="sibTrans2D1" presStyleIdx="1" presStyleCnt="9"/>
       <dgm:spPr/>
+      <dgm:t>
+        <a:bodyPr/>
+        <a:lstStyle/>
+        <a:p>
+          <a:endParaRPr lang="en-US"/>
+        </a:p>
+      </dgm:t>
     </dgm:pt>
     <dgm:pt modelId="{2B89F9C2-B9E7-4AE4-A866-D869D897C165}" type="pres">
       <dgm:prSet presAssocID="{D5CCD173-2EA8-4945-A34B-43CF743BA11C}" presName="connectorText" presStyleLbl="sibTrans2D1" presStyleIdx="1" presStyleCnt="9"/>
       <dgm:spPr/>
+      <dgm:t>
+        <a:bodyPr/>
+        <a:lstStyle/>
+        <a:p>
+          <a:endParaRPr lang="en-US"/>
+        </a:p>
+      </dgm:t>
     </dgm:pt>
     <dgm:pt modelId="{E2D9A362-182A-4859-B834-37E42EE7ECBC}" type="pres">
       <dgm:prSet presAssocID="{4E3C0592-8877-4794-9FFC-5CE77BAF5D26}" presName="node" presStyleLbl="node1" presStyleIdx="2" presStyleCnt="10">
@@ -1332,14 +1374,35 @@
         </dgm:presLayoutVars>
       </dgm:prSet>
       <dgm:spPr/>
+      <dgm:t>
+        <a:bodyPr/>
+        <a:lstStyle/>
+        <a:p>
+          <a:endParaRPr lang="en-US"/>
+        </a:p>
+      </dgm:t>
     </dgm:pt>
     <dgm:pt modelId="{2FAF20BE-974E-4E38-99A1-3A60BABD03EA}" type="pres">
       <dgm:prSet presAssocID="{09EDE783-0E7B-479F-A590-D41337767395}" presName="sibTrans" presStyleLbl="sibTrans2D1" presStyleIdx="2" presStyleCnt="9"/>
       <dgm:spPr/>
+      <dgm:t>
+        <a:bodyPr/>
+        <a:lstStyle/>
+        <a:p>
+          <a:endParaRPr lang="en-US"/>
+        </a:p>
+      </dgm:t>
     </dgm:pt>
     <dgm:pt modelId="{4CB8CB1A-85CF-4B5B-B70B-D741C81DEEAB}" type="pres">
       <dgm:prSet presAssocID="{09EDE783-0E7B-479F-A590-D41337767395}" presName="connectorText" presStyleLbl="sibTrans2D1" presStyleIdx="2" presStyleCnt="9"/>
       <dgm:spPr/>
+      <dgm:t>
+        <a:bodyPr/>
+        <a:lstStyle/>
+        <a:p>
+          <a:endParaRPr lang="en-US"/>
+        </a:p>
+      </dgm:t>
     </dgm:pt>
     <dgm:pt modelId="{C3348AE4-777A-446C-B4C0-12461230E8ED}" type="pres">
       <dgm:prSet presAssocID="{15776F3A-E0DF-443A-B844-96CAF429FBDC}" presName="node" presStyleLbl="node1" presStyleIdx="3" presStyleCnt="10">
@@ -1348,14 +1411,35 @@
         </dgm:presLayoutVars>
       </dgm:prSet>
       <dgm:spPr/>
+      <dgm:t>
+        <a:bodyPr/>
+        <a:lstStyle/>
+        <a:p>
+          <a:endParaRPr lang="en-US"/>
+        </a:p>
+      </dgm:t>
     </dgm:pt>
     <dgm:pt modelId="{4FA34A37-628E-4F05-95D6-F33AEFAA52D9}" type="pres">
       <dgm:prSet presAssocID="{880F3994-7F95-4EF3-B919-9339A7A0CAC7}" presName="sibTrans" presStyleLbl="sibTrans2D1" presStyleIdx="3" presStyleCnt="9"/>
       <dgm:spPr/>
+      <dgm:t>
+        <a:bodyPr/>
+        <a:lstStyle/>
+        <a:p>
+          <a:endParaRPr lang="en-US"/>
+        </a:p>
+      </dgm:t>
     </dgm:pt>
     <dgm:pt modelId="{9938F42E-25A8-4A4C-836F-699190E4A5C1}" type="pres">
       <dgm:prSet presAssocID="{880F3994-7F95-4EF3-B919-9339A7A0CAC7}" presName="connectorText" presStyleLbl="sibTrans2D1" presStyleIdx="3" presStyleCnt="9"/>
       <dgm:spPr/>
+      <dgm:t>
+        <a:bodyPr/>
+        <a:lstStyle/>
+        <a:p>
+          <a:endParaRPr lang="en-US"/>
+        </a:p>
+      </dgm:t>
     </dgm:pt>
     <dgm:pt modelId="{1131802E-D7BE-4C12-928A-85235852EA9D}" type="pres">
       <dgm:prSet presAssocID="{73529B2F-7F55-4D26-B8E0-FC6F90C2F94E}" presName="node" presStyleLbl="node1" presStyleIdx="4" presStyleCnt="10">
@@ -1364,14 +1448,35 @@
         </dgm:presLayoutVars>
       </dgm:prSet>
       <dgm:spPr/>
+      <dgm:t>
+        <a:bodyPr/>
+        <a:lstStyle/>
+        <a:p>
+          <a:endParaRPr lang="en-US"/>
+        </a:p>
+      </dgm:t>
     </dgm:pt>
     <dgm:pt modelId="{2AF90225-B84E-42EA-823B-34729E8D71A6}" type="pres">
       <dgm:prSet presAssocID="{79DF1BCF-F727-4C1D-BAB7-41B7BDDC2EE4}" presName="sibTrans" presStyleLbl="sibTrans2D1" presStyleIdx="4" presStyleCnt="9"/>
       <dgm:spPr/>
+      <dgm:t>
+        <a:bodyPr/>
+        <a:lstStyle/>
+        <a:p>
+          <a:endParaRPr lang="en-US"/>
+        </a:p>
+      </dgm:t>
     </dgm:pt>
     <dgm:pt modelId="{9DF86EAF-1EB2-4785-AE27-5D19A02AD606}" type="pres">
       <dgm:prSet presAssocID="{79DF1BCF-F727-4C1D-BAB7-41B7BDDC2EE4}" presName="connectorText" presStyleLbl="sibTrans2D1" presStyleIdx="4" presStyleCnt="9"/>
       <dgm:spPr/>
+      <dgm:t>
+        <a:bodyPr/>
+        <a:lstStyle/>
+        <a:p>
+          <a:endParaRPr lang="en-US"/>
+        </a:p>
+      </dgm:t>
     </dgm:pt>
     <dgm:pt modelId="{735A7C0C-52EF-46B0-AE39-108249CFC1E2}" type="pres">
       <dgm:prSet presAssocID="{80130806-0993-4ED8-821F-4B7805F4339B}" presName="node" presStyleLbl="node1" presStyleIdx="5" presStyleCnt="10">
@@ -1380,14 +1485,35 @@
         </dgm:presLayoutVars>
       </dgm:prSet>
       <dgm:spPr/>
+      <dgm:t>
+        <a:bodyPr/>
+        <a:lstStyle/>
+        <a:p>
+          <a:endParaRPr lang="en-US"/>
+        </a:p>
+      </dgm:t>
     </dgm:pt>
     <dgm:pt modelId="{6003FE79-375C-4AFB-A671-2FB4748ABE06}" type="pres">
       <dgm:prSet presAssocID="{AA6000EC-2CD0-4E6A-AA8F-A5CC28606982}" presName="sibTrans" presStyleLbl="sibTrans2D1" presStyleIdx="5" presStyleCnt="9"/>
       <dgm:spPr/>
+      <dgm:t>
+        <a:bodyPr/>
+        <a:lstStyle/>
+        <a:p>
+          <a:endParaRPr lang="en-US"/>
+        </a:p>
+      </dgm:t>
     </dgm:pt>
     <dgm:pt modelId="{16250021-5614-4961-9B51-1750226631C8}" type="pres">
       <dgm:prSet presAssocID="{AA6000EC-2CD0-4E6A-AA8F-A5CC28606982}" presName="connectorText" presStyleLbl="sibTrans2D1" presStyleIdx="5" presStyleCnt="9"/>
       <dgm:spPr/>
+      <dgm:t>
+        <a:bodyPr/>
+        <a:lstStyle/>
+        <a:p>
+          <a:endParaRPr lang="en-US"/>
+        </a:p>
+      </dgm:t>
     </dgm:pt>
     <dgm:pt modelId="{F9C8AD40-7B0A-419D-988C-2FAF30C95F5A}" type="pres">
       <dgm:prSet presAssocID="{028BDC1F-4D68-49F1-A61B-96682D29743B}" presName="node" presStyleLbl="node1" presStyleIdx="6" presStyleCnt="10">
@@ -1396,14 +1522,35 @@
         </dgm:presLayoutVars>
       </dgm:prSet>
       <dgm:spPr/>
+      <dgm:t>
+        <a:bodyPr/>
+        <a:lstStyle/>
+        <a:p>
+          <a:endParaRPr lang="en-US"/>
+        </a:p>
+      </dgm:t>
     </dgm:pt>
     <dgm:pt modelId="{FAD02D91-C773-4B95-8269-4C348E3E55DE}" type="pres">
       <dgm:prSet presAssocID="{8A53B1C7-A4F4-4A51-A3E6-A1B97162D1BF}" presName="sibTrans" presStyleLbl="sibTrans2D1" presStyleIdx="6" presStyleCnt="9"/>
       <dgm:spPr/>
+      <dgm:t>
+        <a:bodyPr/>
+        <a:lstStyle/>
+        <a:p>
+          <a:endParaRPr lang="en-US"/>
+        </a:p>
+      </dgm:t>
     </dgm:pt>
     <dgm:pt modelId="{719E4762-3584-4DE1-BED3-633674BC4D70}" type="pres">
       <dgm:prSet presAssocID="{8A53B1C7-A4F4-4A51-A3E6-A1B97162D1BF}" presName="connectorText" presStyleLbl="sibTrans2D1" presStyleIdx="6" presStyleCnt="9"/>
       <dgm:spPr/>
+      <dgm:t>
+        <a:bodyPr/>
+        <a:lstStyle/>
+        <a:p>
+          <a:endParaRPr lang="en-US"/>
+        </a:p>
+      </dgm:t>
     </dgm:pt>
     <dgm:pt modelId="{5EB918F4-21C2-4FFE-8DF4-AC5FDCBA9FD2}" type="pres">
       <dgm:prSet presAssocID="{30769A75-3D7F-4E92-B661-1A3C9F995874}" presName="node" presStyleLbl="node1" presStyleIdx="7" presStyleCnt="10">
@@ -1412,14 +1559,35 @@
         </dgm:presLayoutVars>
       </dgm:prSet>
       <dgm:spPr/>
+      <dgm:t>
+        <a:bodyPr/>
+        <a:lstStyle/>
+        <a:p>
+          <a:endParaRPr lang="en-US"/>
+        </a:p>
+      </dgm:t>
     </dgm:pt>
     <dgm:pt modelId="{94AA81B8-20F1-46DA-B451-E2D4A4828CFD}" type="pres">
       <dgm:prSet presAssocID="{34D4A5D7-2EF8-4D90-89AD-2481E3063AAA}" presName="sibTrans" presStyleLbl="sibTrans2D1" presStyleIdx="7" presStyleCnt="9"/>
       <dgm:spPr/>
+      <dgm:t>
+        <a:bodyPr/>
+        <a:lstStyle/>
+        <a:p>
+          <a:endParaRPr lang="en-US"/>
+        </a:p>
+      </dgm:t>
     </dgm:pt>
     <dgm:pt modelId="{5F0C9716-AC60-4F33-B6E1-D77A7D37184A}" type="pres">
       <dgm:prSet presAssocID="{34D4A5D7-2EF8-4D90-89AD-2481E3063AAA}" presName="connectorText" presStyleLbl="sibTrans2D1" presStyleIdx="7" presStyleCnt="9"/>
       <dgm:spPr/>
+      <dgm:t>
+        <a:bodyPr/>
+        <a:lstStyle/>
+        <a:p>
+          <a:endParaRPr lang="en-US"/>
+        </a:p>
+      </dgm:t>
     </dgm:pt>
     <dgm:pt modelId="{AAAA3577-BE21-4CA5-B34C-F652ECB0932F}" type="pres">
       <dgm:prSet presAssocID="{27C1205F-36B3-45D1-BA7D-1DC7E7E6B5B9}" presName="node" presStyleLbl="node1" presStyleIdx="8" presStyleCnt="10">
@@ -1428,14 +1596,35 @@
         </dgm:presLayoutVars>
       </dgm:prSet>
       <dgm:spPr/>
+      <dgm:t>
+        <a:bodyPr/>
+        <a:lstStyle/>
+        <a:p>
+          <a:endParaRPr lang="en-US"/>
+        </a:p>
+      </dgm:t>
     </dgm:pt>
     <dgm:pt modelId="{870AC8BA-EDAE-4B54-AE57-6C2952E5E4CA}" type="pres">
       <dgm:prSet presAssocID="{5B0A0F7D-B8B0-4ED5-9C05-3E3EEA94162E}" presName="sibTrans" presStyleLbl="sibTrans2D1" presStyleIdx="8" presStyleCnt="9"/>
       <dgm:spPr/>
+      <dgm:t>
+        <a:bodyPr/>
+        <a:lstStyle/>
+        <a:p>
+          <a:endParaRPr lang="en-US"/>
+        </a:p>
+      </dgm:t>
     </dgm:pt>
     <dgm:pt modelId="{F6B38759-1315-4F06-9567-DB3FBD1F981A}" type="pres">
       <dgm:prSet presAssocID="{5B0A0F7D-B8B0-4ED5-9C05-3E3EEA94162E}" presName="connectorText" presStyleLbl="sibTrans2D1" presStyleIdx="8" presStyleCnt="9"/>
       <dgm:spPr/>
+      <dgm:t>
+        <a:bodyPr/>
+        <a:lstStyle/>
+        <a:p>
+          <a:endParaRPr lang="en-US"/>
+        </a:p>
+      </dgm:t>
     </dgm:pt>
     <dgm:pt modelId="{E0087B9A-DD50-44C3-B704-CFF63795F2B3}" type="pres">
       <dgm:prSet presAssocID="{53D9DAC8-759F-4F85-93E5-9490595EBD87}" presName="node" presStyleLbl="node1" presStyleIdx="9" presStyleCnt="10">
@@ -1444,48 +1633,55 @@
         </dgm:presLayoutVars>
       </dgm:prSet>
       <dgm:spPr/>
+      <dgm:t>
+        <a:bodyPr/>
+        <a:lstStyle/>
+        <a:p>
+          <a:endParaRPr lang="en-US"/>
+        </a:p>
+      </dgm:t>
     </dgm:pt>
   </dgm:ptLst>
   <dgm:cxnLst>
+    <dgm:cxn modelId="{89700E86-55ED-4587-8803-CEF48DEF9375}" type="presOf" srcId="{AA6000EC-2CD0-4E6A-AA8F-A5CC28606982}" destId="{6003FE79-375C-4AFB-A671-2FB4748ABE06}" srcOrd="0" destOrd="0" presId="urn:microsoft.com/office/officeart/2005/8/layout/process2"/>
+    <dgm:cxn modelId="{F863291E-AEDD-4A58-A0E3-7161CF159248}" type="presOf" srcId="{15776F3A-E0DF-443A-B844-96CAF429FBDC}" destId="{C3348AE4-777A-446C-B4C0-12461230E8ED}" srcOrd="0" destOrd="0" presId="urn:microsoft.com/office/officeart/2005/8/layout/process2"/>
+    <dgm:cxn modelId="{D3EA921A-6C61-4DF5-8AAA-8ED80370107A}" type="presOf" srcId="{C6A01319-9956-4466-834E-7F7322CE11FC}" destId="{9DD96EA3-A644-4875-B46F-91ED42C83A18}" srcOrd="0" destOrd="0" presId="urn:microsoft.com/office/officeart/2005/8/layout/process2"/>
+    <dgm:cxn modelId="{BC55CCEE-1DF7-40E1-954B-95C4CF3090EE}" srcId="{C6A01319-9956-4466-834E-7F7322CE11FC}" destId="{034FBD38-001F-4B03-9451-FCFEA3EADDF3}" srcOrd="0" destOrd="0" parTransId="{F6D053CE-9A52-4CE1-A5B9-39E940B853A1}" sibTransId="{5B6D3F57-B83C-4EB8-9B5A-68E5FE821946}"/>
+    <dgm:cxn modelId="{D1B9CF53-02FB-4404-8386-68CD251C1FBF}" srcId="{C6A01319-9956-4466-834E-7F7322CE11FC}" destId="{73529B2F-7F55-4D26-B8E0-FC6F90C2F94E}" srcOrd="4" destOrd="0" parTransId="{991259D8-0E1C-4655-9CBB-E20FE609C8AB}" sibTransId="{79DF1BCF-F727-4C1D-BAB7-41B7BDDC2EE4}"/>
+    <dgm:cxn modelId="{1B1D2E46-8533-4776-874C-AC736CF348CA}" type="presOf" srcId="{5B0A0F7D-B8B0-4ED5-9C05-3E3EEA94162E}" destId="{F6B38759-1315-4F06-9567-DB3FBD1F981A}" srcOrd="1" destOrd="0" presId="urn:microsoft.com/office/officeart/2005/8/layout/process2"/>
+    <dgm:cxn modelId="{D484B88A-146F-4359-8E1C-5F889879C454}" srcId="{C6A01319-9956-4466-834E-7F7322CE11FC}" destId="{27C1205F-36B3-45D1-BA7D-1DC7E7E6B5B9}" srcOrd="8" destOrd="0" parTransId="{A311B756-0575-481A-9968-970A2625DB31}" sibTransId="{5B0A0F7D-B8B0-4ED5-9C05-3E3EEA94162E}"/>
+    <dgm:cxn modelId="{C8B98B38-9485-4BEB-9AB3-B5F0CDE02E2C}" type="presOf" srcId="{8A53B1C7-A4F4-4A51-A3E6-A1B97162D1BF}" destId="{719E4762-3584-4DE1-BED3-633674BC4D70}" srcOrd="1" destOrd="0" presId="urn:microsoft.com/office/officeart/2005/8/layout/process2"/>
     <dgm:cxn modelId="{D9C33100-271C-47BE-BFEF-706925A8D729}" type="presOf" srcId="{5B6D3F57-B83C-4EB8-9B5A-68E5FE821946}" destId="{2CAF8251-DFFA-4945-960C-5929CB8E824B}" srcOrd="0" destOrd="0" presId="urn:microsoft.com/office/officeart/2005/8/layout/process2"/>
+    <dgm:cxn modelId="{133EB25A-45CD-4BE4-934A-F1AF5979F895}" type="presOf" srcId="{034FBD38-001F-4B03-9451-FCFEA3EADDF3}" destId="{B7666B93-E046-44C3-9175-857ECEF9EC1C}" srcOrd="0" destOrd="0" presId="urn:microsoft.com/office/officeart/2005/8/layout/process2"/>
+    <dgm:cxn modelId="{79C5F576-7033-4486-B94D-3C4D0BBD4C88}" type="presOf" srcId="{09EDE783-0E7B-479F-A590-D41337767395}" destId="{4CB8CB1A-85CF-4B5B-B70B-D741C81DEEAB}" srcOrd="1" destOrd="0" presId="urn:microsoft.com/office/officeart/2005/8/layout/process2"/>
+    <dgm:cxn modelId="{25C316AD-F0FC-4D83-9A4C-30540FADAE51}" type="presOf" srcId="{34D4A5D7-2EF8-4D90-89AD-2481E3063AAA}" destId="{5F0C9716-AC60-4F33-B6E1-D77A7D37184A}" srcOrd="1" destOrd="0" presId="urn:microsoft.com/office/officeart/2005/8/layout/process2"/>
+    <dgm:cxn modelId="{AF4C731D-31BC-405E-986C-36C8FE869496}" type="presOf" srcId="{79DF1BCF-F727-4C1D-BAB7-41B7BDDC2EE4}" destId="{2AF90225-B84E-42EA-823B-34729E8D71A6}" srcOrd="0" destOrd="0" presId="urn:microsoft.com/office/officeart/2005/8/layout/process2"/>
+    <dgm:cxn modelId="{2A6E8389-3D89-4D2B-A92C-649FCC63466C}" srcId="{C6A01319-9956-4466-834E-7F7322CE11FC}" destId="{80130806-0993-4ED8-821F-4B7805F4339B}" srcOrd="5" destOrd="0" parTransId="{866531FD-6588-4F5C-8A1C-570E97100AFD}" sibTransId="{AA6000EC-2CD0-4E6A-AA8F-A5CC28606982}"/>
+    <dgm:cxn modelId="{51DF3E0A-33CF-43DC-8DD6-926F9A469681}" type="presOf" srcId="{9A59CCF8-0ED6-4AC2-9580-F70D9BF95ADB}" destId="{FB76C021-36F4-467E-8212-F9818DF6103F}" srcOrd="0" destOrd="0" presId="urn:microsoft.com/office/officeart/2005/8/layout/process2"/>
+    <dgm:cxn modelId="{CDDDF977-9990-49C1-9F4F-4EB4350922EF}" type="presOf" srcId="{27C1205F-36B3-45D1-BA7D-1DC7E7E6B5B9}" destId="{AAAA3577-BE21-4CA5-B34C-F652ECB0932F}" srcOrd="0" destOrd="0" presId="urn:microsoft.com/office/officeart/2005/8/layout/process2"/>
     <dgm:cxn modelId="{BB3DD004-74B3-4862-9C2E-CCD96EE8BF29}" srcId="{C6A01319-9956-4466-834E-7F7322CE11FC}" destId="{028BDC1F-4D68-49F1-A61B-96682D29743B}" srcOrd="6" destOrd="0" parTransId="{EDA9D22B-EFCE-42A0-8C89-AF20A209E51E}" sibTransId="{8A53B1C7-A4F4-4A51-A3E6-A1B97162D1BF}"/>
+    <dgm:cxn modelId="{69F922FB-FB67-460D-BEA6-F5D66543E74B}" type="presOf" srcId="{73529B2F-7F55-4D26-B8E0-FC6F90C2F94E}" destId="{1131802E-D7BE-4C12-928A-85235852EA9D}" srcOrd="0" destOrd="0" presId="urn:microsoft.com/office/officeart/2005/8/layout/process2"/>
+    <dgm:cxn modelId="{E62D262F-0121-4F7B-8C16-0AE0CA3DA4CF}" type="presOf" srcId="{34D4A5D7-2EF8-4D90-89AD-2481E3063AAA}" destId="{94AA81B8-20F1-46DA-B451-E2D4A4828CFD}" srcOrd="0" destOrd="0" presId="urn:microsoft.com/office/officeart/2005/8/layout/process2"/>
+    <dgm:cxn modelId="{CBFA72DA-8CBB-4A9D-81F6-92B5039C8DDB}" type="presOf" srcId="{5B6D3F57-B83C-4EB8-9B5A-68E5FE821946}" destId="{3BB2D16E-1CC7-4738-B84A-EB4DEE5310E7}" srcOrd="1" destOrd="0" presId="urn:microsoft.com/office/officeart/2005/8/layout/process2"/>
+    <dgm:cxn modelId="{5FBD2EDA-A430-4DC2-B3AC-BB3B6C1584A0}" type="presOf" srcId="{D5CCD173-2EA8-4945-A34B-43CF743BA11C}" destId="{001C0266-14F1-4005-BED6-7D130EA97079}" srcOrd="0" destOrd="0" presId="urn:microsoft.com/office/officeart/2005/8/layout/process2"/>
+    <dgm:cxn modelId="{A5872576-402B-4123-ADE9-26F31F1D9310}" srcId="{C6A01319-9956-4466-834E-7F7322CE11FC}" destId="{4E3C0592-8877-4794-9FFC-5CE77BAF5D26}" srcOrd="2" destOrd="0" parTransId="{73D5F8B4-8397-4EFA-BF3C-B32238479ED6}" sibTransId="{09EDE783-0E7B-479F-A590-D41337767395}"/>
+    <dgm:cxn modelId="{6FC7CDED-411F-4FD1-9A4E-7A82A1EC96E7}" srcId="{C6A01319-9956-4466-834E-7F7322CE11FC}" destId="{30769A75-3D7F-4E92-B661-1A3C9F995874}" srcOrd="7" destOrd="0" parTransId="{091B5676-1AA8-4EED-B9A3-CC8CC773D689}" sibTransId="{34D4A5D7-2EF8-4D90-89AD-2481E3063AAA}"/>
+    <dgm:cxn modelId="{BB0DECA9-F79F-4A27-BAC1-6EFE337E7E1F}" type="presOf" srcId="{880F3994-7F95-4EF3-B919-9339A7A0CAC7}" destId="{9938F42E-25A8-4A4C-836F-699190E4A5C1}" srcOrd="1" destOrd="0" presId="urn:microsoft.com/office/officeart/2005/8/layout/process2"/>
+    <dgm:cxn modelId="{D63BBD83-AB47-485C-BEA9-E37D64BC5EB1}" srcId="{C6A01319-9956-4466-834E-7F7322CE11FC}" destId="{53D9DAC8-759F-4F85-93E5-9490595EBD87}" srcOrd="9" destOrd="0" parTransId="{BA19793D-22FF-4F21-89E2-53BB534DB3B9}" sibTransId="{2F7EC078-CB07-4320-B564-40133EA7340A}"/>
+    <dgm:cxn modelId="{493C0ED5-4442-4B0F-B82F-9ABF5559871C}" type="presOf" srcId="{80130806-0993-4ED8-821F-4B7805F4339B}" destId="{735A7C0C-52EF-46B0-AE39-108249CFC1E2}" srcOrd="0" destOrd="0" presId="urn:microsoft.com/office/officeart/2005/8/layout/process2"/>
     <dgm:cxn modelId="{743AD404-26FD-468E-8378-B6A7CC9F0AFA}" type="presOf" srcId="{8A53B1C7-A4F4-4A51-A3E6-A1B97162D1BF}" destId="{FAD02D91-C773-4B95-8269-4C348E3E55DE}" srcOrd="0" destOrd="0" presId="urn:microsoft.com/office/officeart/2005/8/layout/process2"/>
-    <dgm:cxn modelId="{51DF3E0A-33CF-43DC-8DD6-926F9A469681}" type="presOf" srcId="{9A59CCF8-0ED6-4AC2-9580-F70D9BF95ADB}" destId="{FB76C021-36F4-467E-8212-F9818DF6103F}" srcOrd="0" destOrd="0" presId="urn:microsoft.com/office/officeart/2005/8/layout/process2"/>
-    <dgm:cxn modelId="{D3EA921A-6C61-4DF5-8AAA-8ED80370107A}" type="presOf" srcId="{C6A01319-9956-4466-834E-7F7322CE11FC}" destId="{9DD96EA3-A644-4875-B46F-91ED42C83A18}" srcOrd="0" destOrd="0" presId="urn:microsoft.com/office/officeart/2005/8/layout/process2"/>
-    <dgm:cxn modelId="{C278BC1C-603A-4494-A145-891928AB2B6B}" srcId="{C6A01319-9956-4466-834E-7F7322CE11FC}" destId="{9A59CCF8-0ED6-4AC2-9580-F70D9BF95ADB}" srcOrd="1" destOrd="0" parTransId="{AE55876D-DF68-44FA-86C3-B861C04972A9}" sibTransId="{D5CCD173-2EA8-4945-A34B-43CF743BA11C}"/>
-    <dgm:cxn modelId="{AF4C731D-31BC-405E-986C-36C8FE869496}" type="presOf" srcId="{79DF1BCF-F727-4C1D-BAB7-41B7BDDC2EE4}" destId="{2AF90225-B84E-42EA-823B-34729E8D71A6}" srcOrd="0" destOrd="0" presId="urn:microsoft.com/office/officeart/2005/8/layout/process2"/>
-    <dgm:cxn modelId="{F863291E-AEDD-4A58-A0E3-7161CF159248}" type="presOf" srcId="{15776F3A-E0DF-443A-B844-96CAF429FBDC}" destId="{C3348AE4-777A-446C-B4C0-12461230E8ED}" srcOrd="0" destOrd="0" presId="urn:microsoft.com/office/officeart/2005/8/layout/process2"/>
     <dgm:cxn modelId="{709EEC29-312A-4568-8E2B-E2A8FBA360DC}" type="presOf" srcId="{880F3994-7F95-4EF3-B919-9339A7A0CAC7}" destId="{4FA34A37-628E-4F05-95D6-F33AEFAA52D9}" srcOrd="0" destOrd="0" presId="urn:microsoft.com/office/officeart/2005/8/layout/process2"/>
-    <dgm:cxn modelId="{E62D262F-0121-4F7B-8C16-0AE0CA3DA4CF}" type="presOf" srcId="{34D4A5D7-2EF8-4D90-89AD-2481E3063AAA}" destId="{94AA81B8-20F1-46DA-B451-E2D4A4828CFD}" srcOrd="0" destOrd="0" presId="urn:microsoft.com/office/officeart/2005/8/layout/process2"/>
-    <dgm:cxn modelId="{AE29CF2F-9676-455B-B62D-D20F47B52EDD}" type="presOf" srcId="{53D9DAC8-759F-4F85-93E5-9490595EBD87}" destId="{E0087B9A-DD50-44C3-B704-CFF63795F2B3}" srcOrd="0" destOrd="0" presId="urn:microsoft.com/office/officeart/2005/8/layout/process2"/>
-    <dgm:cxn modelId="{C8B98B38-9485-4BEB-9AB3-B5F0CDE02E2C}" type="presOf" srcId="{8A53B1C7-A4F4-4A51-A3E6-A1B97162D1BF}" destId="{719E4762-3584-4DE1-BED3-633674BC4D70}" srcOrd="1" destOrd="0" presId="urn:microsoft.com/office/officeart/2005/8/layout/process2"/>
-    <dgm:cxn modelId="{1B1D2E46-8533-4776-874C-AC736CF348CA}" type="presOf" srcId="{5B0A0F7D-B8B0-4ED5-9C05-3E3EEA94162E}" destId="{F6B38759-1315-4F06-9567-DB3FBD1F981A}" srcOrd="1" destOrd="0" presId="urn:microsoft.com/office/officeart/2005/8/layout/process2"/>
-    <dgm:cxn modelId="{3BB07C4F-5218-4779-A1F8-30C010541E7F}" type="presOf" srcId="{4E3C0592-8877-4794-9FFC-5CE77BAF5D26}" destId="{E2D9A362-182A-4859-B834-37E42EE7ECBC}" srcOrd="0" destOrd="0" presId="urn:microsoft.com/office/officeart/2005/8/layout/process2"/>
-    <dgm:cxn modelId="{D1B9CF53-02FB-4404-8386-68CD251C1FBF}" srcId="{C6A01319-9956-4466-834E-7F7322CE11FC}" destId="{73529B2F-7F55-4D26-B8E0-FC6F90C2F94E}" srcOrd="4" destOrd="0" parTransId="{991259D8-0E1C-4655-9CBB-E20FE609C8AB}" sibTransId="{79DF1BCF-F727-4C1D-BAB7-41B7BDDC2EE4}"/>
-    <dgm:cxn modelId="{A5872576-402B-4123-ADE9-26F31F1D9310}" srcId="{C6A01319-9956-4466-834E-7F7322CE11FC}" destId="{4E3C0592-8877-4794-9FFC-5CE77BAF5D26}" srcOrd="2" destOrd="0" parTransId="{73D5F8B4-8397-4EFA-BF3C-B32238479ED6}" sibTransId="{09EDE783-0E7B-479F-A590-D41337767395}"/>
-    <dgm:cxn modelId="{79C5F576-7033-4486-B94D-3C4D0BBD4C88}" type="presOf" srcId="{09EDE783-0E7B-479F-A590-D41337767395}" destId="{4CB8CB1A-85CF-4B5B-B70B-D741C81DEEAB}" srcOrd="1" destOrd="0" presId="urn:microsoft.com/office/officeart/2005/8/layout/process2"/>
-    <dgm:cxn modelId="{CDDDF977-9990-49C1-9F4F-4EB4350922EF}" type="presOf" srcId="{27C1205F-36B3-45D1-BA7D-1DC7E7E6B5B9}" destId="{AAAA3577-BE21-4CA5-B34C-F652ECB0932F}" srcOrd="0" destOrd="0" presId="urn:microsoft.com/office/officeart/2005/8/layout/process2"/>
-    <dgm:cxn modelId="{133EB25A-45CD-4BE4-934A-F1AF5979F895}" type="presOf" srcId="{034FBD38-001F-4B03-9451-FCFEA3EADDF3}" destId="{B7666B93-E046-44C3-9175-857ECEF9EC1C}" srcOrd="0" destOrd="0" presId="urn:microsoft.com/office/officeart/2005/8/layout/process2"/>
-    <dgm:cxn modelId="{D63BBD83-AB47-485C-BEA9-E37D64BC5EB1}" srcId="{C6A01319-9956-4466-834E-7F7322CE11FC}" destId="{53D9DAC8-759F-4F85-93E5-9490595EBD87}" srcOrd="9" destOrd="0" parTransId="{BA19793D-22FF-4F21-89E2-53BB534DB3B9}" sibTransId="{2F7EC078-CB07-4320-B564-40133EA7340A}"/>
-    <dgm:cxn modelId="{89700E86-55ED-4587-8803-CEF48DEF9375}" type="presOf" srcId="{AA6000EC-2CD0-4E6A-AA8F-A5CC28606982}" destId="{6003FE79-375C-4AFB-A671-2FB4748ABE06}" srcOrd="0" destOrd="0" presId="urn:microsoft.com/office/officeart/2005/8/layout/process2"/>
-    <dgm:cxn modelId="{2A6E8389-3D89-4D2B-A92C-649FCC63466C}" srcId="{C6A01319-9956-4466-834E-7F7322CE11FC}" destId="{80130806-0993-4ED8-821F-4B7805F4339B}" srcOrd="5" destOrd="0" parTransId="{866531FD-6588-4F5C-8A1C-570E97100AFD}" sibTransId="{AA6000EC-2CD0-4E6A-AA8F-A5CC28606982}"/>
-    <dgm:cxn modelId="{20AC488A-1206-4A65-9212-20A64BE4F517}" type="presOf" srcId="{30769A75-3D7F-4E92-B661-1A3C9F995874}" destId="{5EB918F4-21C2-4FFE-8DF4-AC5FDCBA9FD2}" srcOrd="0" destOrd="0" presId="urn:microsoft.com/office/officeart/2005/8/layout/process2"/>
-    <dgm:cxn modelId="{D484B88A-146F-4359-8E1C-5F889879C454}" srcId="{C6A01319-9956-4466-834E-7F7322CE11FC}" destId="{27C1205F-36B3-45D1-BA7D-1DC7E7E6B5B9}" srcOrd="8" destOrd="0" parTransId="{A311B756-0575-481A-9968-970A2625DB31}" sibTransId="{5B0A0F7D-B8B0-4ED5-9C05-3E3EEA94162E}"/>
-    <dgm:cxn modelId="{B7F19BA3-0521-422F-B9FE-DB5CDD6767DF}" type="presOf" srcId="{79DF1BCF-F727-4C1D-BAB7-41B7BDDC2EE4}" destId="{9DF86EAF-1EB2-4785-AE27-5D19A02AD606}" srcOrd="1" destOrd="0" presId="urn:microsoft.com/office/officeart/2005/8/layout/process2"/>
-    <dgm:cxn modelId="{BB0DECA9-F79F-4A27-BAC1-6EFE337E7E1F}" type="presOf" srcId="{880F3994-7F95-4EF3-B919-9339A7A0CAC7}" destId="{9938F42E-25A8-4A4C-836F-699190E4A5C1}" srcOrd="1" destOrd="0" presId="urn:microsoft.com/office/officeart/2005/8/layout/process2"/>
-    <dgm:cxn modelId="{25C316AD-F0FC-4D83-9A4C-30540FADAE51}" type="presOf" srcId="{34D4A5D7-2EF8-4D90-89AD-2481E3063AAA}" destId="{5F0C9716-AC60-4F33-B6E1-D77A7D37184A}" srcOrd="1" destOrd="0" presId="urn:microsoft.com/office/officeart/2005/8/layout/process2"/>
     <dgm:cxn modelId="{C54C4CB8-7534-43FB-A83E-0AD63E447CB0}" type="presOf" srcId="{AA6000EC-2CD0-4E6A-AA8F-A5CC28606982}" destId="{16250021-5614-4961-9B51-1750226631C8}" srcOrd="1" destOrd="0" presId="urn:microsoft.com/office/officeart/2005/8/layout/process2"/>
     <dgm:cxn modelId="{0BE641C0-5ECB-49B7-879E-4A6F15AC3A93}" type="presOf" srcId="{09EDE783-0E7B-479F-A590-D41337767395}" destId="{2FAF20BE-974E-4E38-99A1-3A60BABD03EA}" srcOrd="0" destOrd="0" presId="urn:microsoft.com/office/officeart/2005/8/layout/process2"/>
+    <dgm:cxn modelId="{C278BC1C-603A-4494-A145-891928AB2B6B}" srcId="{C6A01319-9956-4466-834E-7F7322CE11FC}" destId="{9A59CCF8-0ED6-4AC2-9580-F70D9BF95ADB}" srcOrd="1" destOrd="0" parTransId="{AE55876D-DF68-44FA-86C3-B861C04972A9}" sibTransId="{D5CCD173-2EA8-4945-A34B-43CF743BA11C}"/>
     <dgm:cxn modelId="{79BF6AC0-D6AE-424D-A413-9AA0122B1BB4}" srcId="{C6A01319-9956-4466-834E-7F7322CE11FC}" destId="{15776F3A-E0DF-443A-B844-96CAF429FBDC}" srcOrd="3" destOrd="0" parTransId="{37586B16-9C7A-40E4-8422-867752440F57}" sibTransId="{880F3994-7F95-4EF3-B919-9339A7A0CAC7}"/>
     <dgm:cxn modelId="{84E143D0-8F09-49A1-A6F6-51AE3E360FA9}" type="presOf" srcId="{D5CCD173-2EA8-4945-A34B-43CF743BA11C}" destId="{2B89F9C2-B9E7-4AE4-A866-D869D897C165}" srcOrd="1" destOrd="0" presId="urn:microsoft.com/office/officeart/2005/8/layout/process2"/>
-    <dgm:cxn modelId="{493C0ED5-4442-4B0F-B82F-9ABF5559871C}" type="presOf" srcId="{80130806-0993-4ED8-821F-4B7805F4339B}" destId="{735A7C0C-52EF-46B0-AE39-108249CFC1E2}" srcOrd="0" destOrd="0" presId="urn:microsoft.com/office/officeart/2005/8/layout/process2"/>
+    <dgm:cxn modelId="{B7F19BA3-0521-422F-B9FE-DB5CDD6767DF}" type="presOf" srcId="{79DF1BCF-F727-4C1D-BAB7-41B7BDDC2EE4}" destId="{9DF86EAF-1EB2-4785-AE27-5D19A02AD606}" srcOrd="1" destOrd="0" presId="urn:microsoft.com/office/officeart/2005/8/layout/process2"/>
+    <dgm:cxn modelId="{3BB07C4F-5218-4779-A1F8-30C010541E7F}" type="presOf" srcId="{4E3C0592-8877-4794-9FFC-5CE77BAF5D26}" destId="{E2D9A362-182A-4859-B834-37E42EE7ECBC}" srcOrd="0" destOrd="0" presId="urn:microsoft.com/office/officeart/2005/8/layout/process2"/>
+    <dgm:cxn modelId="{AE29CF2F-9676-455B-B62D-D20F47B52EDD}" type="presOf" srcId="{53D9DAC8-759F-4F85-93E5-9490595EBD87}" destId="{E0087B9A-DD50-44C3-B704-CFF63795F2B3}" srcOrd="0" destOrd="0" presId="urn:microsoft.com/office/officeart/2005/8/layout/process2"/>
     <dgm:cxn modelId="{46A0A5D9-CC57-40C0-8757-F063708E4951}" type="presOf" srcId="{028BDC1F-4D68-49F1-A61B-96682D29743B}" destId="{F9C8AD40-7B0A-419D-988C-2FAF30C95F5A}" srcOrd="0" destOrd="0" presId="urn:microsoft.com/office/officeart/2005/8/layout/process2"/>
-    <dgm:cxn modelId="{5FBD2EDA-A430-4DC2-B3AC-BB3B6C1584A0}" type="presOf" srcId="{D5CCD173-2EA8-4945-A34B-43CF743BA11C}" destId="{001C0266-14F1-4005-BED6-7D130EA97079}" srcOrd="0" destOrd="0" presId="urn:microsoft.com/office/officeart/2005/8/layout/process2"/>
-    <dgm:cxn modelId="{CBFA72DA-8CBB-4A9D-81F6-92B5039C8DDB}" type="presOf" srcId="{5B6D3F57-B83C-4EB8-9B5A-68E5FE821946}" destId="{3BB2D16E-1CC7-4738-B84A-EB4DEE5310E7}" srcOrd="1" destOrd="0" presId="urn:microsoft.com/office/officeart/2005/8/layout/process2"/>
-    <dgm:cxn modelId="{6FC7CDED-411F-4FD1-9A4E-7A82A1EC96E7}" srcId="{C6A01319-9956-4466-834E-7F7322CE11FC}" destId="{30769A75-3D7F-4E92-B661-1A3C9F995874}" srcOrd="7" destOrd="0" parTransId="{091B5676-1AA8-4EED-B9A3-CC8CC773D689}" sibTransId="{34D4A5D7-2EF8-4D90-89AD-2481E3063AAA}"/>
-    <dgm:cxn modelId="{BC55CCEE-1DF7-40E1-954B-95C4CF3090EE}" srcId="{C6A01319-9956-4466-834E-7F7322CE11FC}" destId="{034FBD38-001F-4B03-9451-FCFEA3EADDF3}" srcOrd="0" destOrd="0" parTransId="{F6D053CE-9A52-4CE1-A5B9-39E940B853A1}" sibTransId="{5B6D3F57-B83C-4EB8-9B5A-68E5FE821946}"/>
     <dgm:cxn modelId="{6875DBF3-4C7F-4235-9FDB-73E95DFD65B4}" type="presOf" srcId="{5B0A0F7D-B8B0-4ED5-9C05-3E3EEA94162E}" destId="{870AC8BA-EDAE-4B54-AE57-6C2952E5E4CA}" srcOrd="0" destOrd="0" presId="urn:microsoft.com/office/officeart/2005/8/layout/process2"/>
-    <dgm:cxn modelId="{69F922FB-FB67-460D-BEA6-F5D66543E74B}" type="presOf" srcId="{73529B2F-7F55-4D26-B8E0-FC6F90C2F94E}" destId="{1131802E-D7BE-4C12-928A-85235852EA9D}" srcOrd="0" destOrd="0" presId="urn:microsoft.com/office/officeart/2005/8/layout/process2"/>
+    <dgm:cxn modelId="{20AC488A-1206-4A65-9212-20A64BE4F517}" type="presOf" srcId="{30769A75-3D7F-4E92-B661-1A3C9F995874}" destId="{5EB918F4-21C2-4FFE-8DF4-AC5FDCBA9FD2}" srcOrd="0" destOrd="0" presId="urn:microsoft.com/office/officeart/2005/8/layout/process2"/>
     <dgm:cxn modelId="{7314EDF5-7C0E-461B-BE4A-ABD286983822}" type="presParOf" srcId="{9DD96EA3-A644-4875-B46F-91ED42C83A18}" destId="{B7666B93-E046-44C3-9175-857ECEF9EC1C}" srcOrd="0" destOrd="0" presId="urn:microsoft.com/office/officeart/2005/8/layout/process2"/>
     <dgm:cxn modelId="{62454200-078C-40E2-883F-E6F4AFF03BE8}" type="presParOf" srcId="{9DD96EA3-A644-4875-B46F-91ED42C83A18}" destId="{2CAF8251-DFFA-4945-960C-5929CB8E824B}" srcOrd="1" destOrd="0" presId="urn:microsoft.com/office/officeart/2005/8/layout/process2"/>
     <dgm:cxn modelId="{DF43B9DF-6A9D-4576-B7A9-8DF024E19003}" type="presParOf" srcId="{2CAF8251-DFFA-4945-960C-5929CB8E824B}" destId="{3BB2D16E-1CC7-4738-B84A-EB4DEE5310E7}" srcOrd="0" destOrd="0" presId="urn:microsoft.com/office/officeart/2005/8/layout/process2"/>
@@ -1589,7 +1785,7 @@
         </a:bodyPr>
         <a:lstStyle/>
         <a:p>
-          <a:pPr marL="0" lvl="0" indent="0" algn="ctr" defTabSz="444500">
+          <a:pPr lvl="0" algn="ctr" defTabSz="444500">
             <a:lnSpc>
               <a:spcPct val="90000"/>
             </a:lnSpc>
@@ -1599,7 +1795,6 @@
             <a:spcAft>
               <a:spcPct val="35000"/>
             </a:spcAft>
-            <a:buNone/>
           </a:pPr>
           <a:r>
             <a:rPr lang="en-US" sz="1000" kern="1200" dirty="0" err="1"/>
@@ -1663,7 +1858,7 @@
         </a:bodyPr>
         <a:lstStyle/>
         <a:p>
-          <a:pPr marL="0" lvl="0" indent="0" algn="ctr" defTabSz="311150">
+          <a:pPr lvl="0" algn="ctr" defTabSz="311150">
             <a:lnSpc>
               <a:spcPct val="90000"/>
             </a:lnSpc>
@@ -1673,7 +1868,6 @@
             <a:spcAft>
               <a:spcPct val="35000"/>
             </a:spcAft>
-            <a:buNone/>
           </a:pPr>
           <a:endParaRPr lang="en-US" sz="700" kern="1200"/>
         </a:p>
@@ -1739,7 +1933,7 @@
         </a:bodyPr>
         <a:lstStyle/>
         <a:p>
-          <a:pPr marL="0" lvl="0" indent="0" algn="ctr" defTabSz="444500">
+          <a:pPr lvl="0" algn="ctr" defTabSz="444500">
             <a:lnSpc>
               <a:spcPct val="90000"/>
             </a:lnSpc>
@@ -1749,7 +1943,6 @@
             <a:spcAft>
               <a:spcPct val="35000"/>
             </a:spcAft>
-            <a:buNone/>
           </a:pPr>
           <a:r>
             <a:rPr lang="en-US" sz="1000" kern="1200" dirty="0" err="1"/>
@@ -1813,7 +2006,7 @@
         </a:bodyPr>
         <a:lstStyle/>
         <a:p>
-          <a:pPr marL="0" lvl="0" indent="0" algn="ctr" defTabSz="311150">
+          <a:pPr lvl="0" algn="ctr" defTabSz="311150">
             <a:lnSpc>
               <a:spcPct val="90000"/>
             </a:lnSpc>
@@ -1823,7 +2016,6 @@
             <a:spcAft>
               <a:spcPct val="35000"/>
             </a:spcAft>
-            <a:buNone/>
           </a:pPr>
           <a:endParaRPr lang="en-US" sz="700" kern="1200"/>
         </a:p>
@@ -1889,7 +2081,7 @@
         </a:bodyPr>
         <a:lstStyle/>
         <a:p>
-          <a:pPr marL="0" lvl="0" indent="0" algn="ctr" defTabSz="444500">
+          <a:pPr lvl="0" algn="ctr" defTabSz="444500">
             <a:lnSpc>
               <a:spcPct val="90000"/>
             </a:lnSpc>
@@ -1899,7 +2091,6 @@
             <a:spcAft>
               <a:spcPct val="35000"/>
             </a:spcAft>
-            <a:buNone/>
           </a:pPr>
           <a:r>
             <a:rPr lang="en-US" sz="1000" kern="1200" dirty="0" err="1"/>
@@ -1963,7 +2154,7 @@
         </a:bodyPr>
         <a:lstStyle/>
         <a:p>
-          <a:pPr marL="0" lvl="0" indent="0" algn="ctr" defTabSz="311150">
+          <a:pPr lvl="0" algn="ctr" defTabSz="311150">
             <a:lnSpc>
               <a:spcPct val="90000"/>
             </a:lnSpc>
@@ -1973,7 +2164,6 @@
             <a:spcAft>
               <a:spcPct val="35000"/>
             </a:spcAft>
-            <a:buNone/>
           </a:pPr>
           <a:endParaRPr lang="en-US" sz="700" kern="1200"/>
         </a:p>
@@ -2039,7 +2229,7 @@
         </a:bodyPr>
         <a:lstStyle/>
         <a:p>
-          <a:pPr marL="0" lvl="0" indent="0" algn="ctr" defTabSz="444500">
+          <a:pPr lvl="0" algn="ctr" defTabSz="444500">
             <a:lnSpc>
               <a:spcPct val="90000"/>
             </a:lnSpc>
@@ -2049,7 +2239,6 @@
             <a:spcAft>
               <a:spcPct val="35000"/>
             </a:spcAft>
-            <a:buNone/>
           </a:pPr>
           <a:r>
             <a:rPr lang="en-US" sz="1000" kern="1200" dirty="0"/>
@@ -2112,7 +2301,7 @@
         </a:bodyPr>
         <a:lstStyle/>
         <a:p>
-          <a:pPr marL="0" lvl="0" indent="0" algn="ctr" defTabSz="311150">
+          <a:pPr lvl="0" algn="ctr" defTabSz="311150">
             <a:lnSpc>
               <a:spcPct val="90000"/>
             </a:lnSpc>
@@ -2122,7 +2311,6 @@
             <a:spcAft>
               <a:spcPct val="35000"/>
             </a:spcAft>
-            <a:buNone/>
           </a:pPr>
           <a:endParaRPr lang="en-US" sz="700" kern="1200"/>
         </a:p>
@@ -2188,7 +2376,7 @@
         </a:bodyPr>
         <a:lstStyle/>
         <a:p>
-          <a:pPr marL="0" lvl="0" indent="0" algn="ctr" defTabSz="444500">
+          <a:pPr lvl="0" algn="ctr" defTabSz="444500">
             <a:lnSpc>
               <a:spcPct val="90000"/>
             </a:lnSpc>
@@ -2198,7 +2386,6 @@
             <a:spcAft>
               <a:spcPct val="35000"/>
             </a:spcAft>
-            <a:buNone/>
           </a:pPr>
           <a:r>
             <a:rPr lang="en-US" sz="1000" kern="1200" dirty="0" err="1"/>
@@ -2262,7 +2449,7 @@
         </a:bodyPr>
         <a:lstStyle/>
         <a:p>
-          <a:pPr marL="0" lvl="0" indent="0" algn="ctr" defTabSz="311150">
+          <a:pPr lvl="0" algn="ctr" defTabSz="311150">
             <a:lnSpc>
               <a:spcPct val="90000"/>
             </a:lnSpc>
@@ -2272,7 +2459,6 @@
             <a:spcAft>
               <a:spcPct val="35000"/>
             </a:spcAft>
-            <a:buNone/>
           </a:pPr>
           <a:endParaRPr lang="en-US" sz="700" kern="1200"/>
         </a:p>
@@ -2338,7 +2524,7 @@
         </a:bodyPr>
         <a:lstStyle/>
         <a:p>
-          <a:pPr marL="0" lvl="0" indent="0" algn="ctr" defTabSz="444500">
+          <a:pPr lvl="0" algn="ctr" defTabSz="444500">
             <a:lnSpc>
               <a:spcPct val="90000"/>
             </a:lnSpc>
@@ -2348,7 +2534,6 @@
             <a:spcAft>
               <a:spcPct val="35000"/>
             </a:spcAft>
-            <a:buNone/>
           </a:pPr>
           <a:r>
             <a:rPr lang="en-US" sz="1000" kern="1200" dirty="0" err="1"/>
@@ -2412,7 +2597,7 @@
         </a:bodyPr>
         <a:lstStyle/>
         <a:p>
-          <a:pPr marL="0" lvl="0" indent="0" algn="ctr" defTabSz="311150">
+          <a:pPr lvl="0" algn="ctr" defTabSz="311150">
             <a:lnSpc>
               <a:spcPct val="90000"/>
             </a:lnSpc>
@@ -2422,7 +2607,6 @@
             <a:spcAft>
               <a:spcPct val="35000"/>
             </a:spcAft>
-            <a:buNone/>
           </a:pPr>
           <a:endParaRPr lang="en-US" sz="700" kern="1200"/>
         </a:p>
@@ -2488,7 +2672,7 @@
         </a:bodyPr>
         <a:lstStyle/>
         <a:p>
-          <a:pPr marL="0" lvl="0" indent="0" algn="ctr" defTabSz="444500">
+          <a:pPr lvl="0" algn="ctr" defTabSz="444500">
             <a:lnSpc>
               <a:spcPct val="90000"/>
             </a:lnSpc>
@@ -2498,7 +2682,6 @@
             <a:spcAft>
               <a:spcPct val="35000"/>
             </a:spcAft>
-            <a:buNone/>
           </a:pPr>
           <a:r>
             <a:rPr lang="en-US" sz="1000" kern="1200" dirty="0"/>
@@ -2561,7 +2744,7 @@
         </a:bodyPr>
         <a:lstStyle/>
         <a:p>
-          <a:pPr marL="0" lvl="0" indent="0" algn="ctr" defTabSz="311150">
+          <a:pPr lvl="0" algn="ctr" defTabSz="311150">
             <a:lnSpc>
               <a:spcPct val="90000"/>
             </a:lnSpc>
@@ -2571,7 +2754,6 @@
             <a:spcAft>
               <a:spcPct val="35000"/>
             </a:spcAft>
-            <a:buNone/>
           </a:pPr>
           <a:endParaRPr lang="en-US" sz="700" kern="1200"/>
         </a:p>
@@ -2637,7 +2819,7 @@
         </a:bodyPr>
         <a:lstStyle/>
         <a:p>
-          <a:pPr marL="0" lvl="0" indent="0" algn="ctr" defTabSz="444500">
+          <a:pPr lvl="0" algn="ctr" defTabSz="444500">
             <a:lnSpc>
               <a:spcPct val="90000"/>
             </a:lnSpc>
@@ -2647,7 +2829,6 @@
             <a:spcAft>
               <a:spcPct val="35000"/>
             </a:spcAft>
-            <a:buNone/>
           </a:pPr>
           <a:r>
             <a:rPr lang="en-US" sz="1000" kern="1200" dirty="0" err="1"/>
@@ -2711,7 +2892,7 @@
         </a:bodyPr>
         <a:lstStyle/>
         <a:p>
-          <a:pPr marL="0" lvl="0" indent="0" algn="ctr" defTabSz="311150">
+          <a:pPr lvl="0" algn="ctr" defTabSz="311150">
             <a:lnSpc>
               <a:spcPct val="90000"/>
             </a:lnSpc>
@@ -2721,7 +2902,6 @@
             <a:spcAft>
               <a:spcPct val="35000"/>
             </a:spcAft>
-            <a:buNone/>
           </a:pPr>
           <a:endParaRPr lang="en-US" sz="700" kern="1200"/>
         </a:p>
@@ -2787,7 +2967,7 @@
         </a:bodyPr>
         <a:lstStyle/>
         <a:p>
-          <a:pPr marL="0" lvl="0" indent="0" algn="ctr" defTabSz="444500">
+          <a:pPr lvl="0" algn="ctr" defTabSz="444500">
             <a:lnSpc>
               <a:spcPct val="90000"/>
             </a:lnSpc>
@@ -2797,7 +2977,6 @@
             <a:spcAft>
               <a:spcPct val="35000"/>
             </a:spcAft>
-            <a:buNone/>
           </a:pPr>
           <a:r>
             <a:rPr lang="en-US" sz="1000" kern="1200" dirty="0" err="1"/>
@@ -2861,7 +3040,7 @@
         </a:bodyPr>
         <a:lstStyle/>
         <a:p>
-          <a:pPr marL="0" lvl="0" indent="0" algn="ctr" defTabSz="311150">
+          <a:pPr lvl="0" algn="ctr" defTabSz="311150">
             <a:lnSpc>
               <a:spcPct val="90000"/>
             </a:lnSpc>
@@ -2871,7 +3050,6 @@
             <a:spcAft>
               <a:spcPct val="35000"/>
             </a:spcAft>
-            <a:buNone/>
           </a:pPr>
           <a:endParaRPr lang="en-US" sz="700" kern="1200"/>
         </a:p>
@@ -2937,7 +3115,7 @@
         </a:bodyPr>
         <a:lstStyle/>
         <a:p>
-          <a:pPr marL="0" lvl="0" indent="0" algn="ctr" defTabSz="444500">
+          <a:pPr lvl="0" algn="ctr" defTabSz="444500">
             <a:lnSpc>
               <a:spcPct val="90000"/>
             </a:lnSpc>
@@ -2947,7 +3125,6 @@
             <a:spcAft>
               <a:spcPct val="35000"/>
             </a:spcAft>
-            <a:buNone/>
           </a:pPr>
           <a:r>
             <a:rPr lang="en-US" sz="1000" kern="1200" dirty="0" err="1"/>
@@ -4231,7 +4408,7 @@
             <a:fld id="{4991502B-FFA8-47B9-B4E5-980CA415BAFF}" type="datetimeFigureOut">
               <a:rPr lang="en-US" smtClean="0"/>
               <a:pPr/>
-              <a:t>5/16/2017</a:t>
+              <a:t>5/17/2017</a:t>
             </a:fld>
             <a:endParaRPr lang="en-US"/>
           </a:p>
@@ -8989,6 +9166,17 @@
                 <a:cs typeface="Courier New" panose="02070309020205020404" pitchFamily="49" charset="0"/>
               </a:rPr>
             </a:br>
+            <a:r>
+              <a:rPr lang="en-US" sz="1000" dirty="0">
+                <a:solidFill>
+                  <a:srgbClr val="000000"/>
+                </a:solidFill>
+                <a:latin typeface="Courier New" panose="02070309020205020404" pitchFamily="49" charset="0"/>
+                <a:ea typeface="Calibri" panose="020F0502020204030204" pitchFamily="34" charset="0"/>
+                <a:cs typeface="Courier New" panose="02070309020205020404" pitchFamily="49" charset="0"/>
+              </a:rPr>
+              <a:t/>
+            </a:r>
             <a:br>
               <a:rPr lang="en-US" sz="1000" dirty="0">
                 <a:solidFill>
@@ -9305,6 +9493,17 @@
                 <a:cs typeface="Courier New" panose="02070309020205020404" pitchFamily="49" charset="0"/>
               </a:rPr>
             </a:br>
+            <a:r>
+              <a:rPr lang="en-US" sz="1000" dirty="0">
+                <a:solidFill>
+                  <a:srgbClr val="000000"/>
+                </a:solidFill>
+                <a:latin typeface="Courier New" panose="02070309020205020404" pitchFamily="49" charset="0"/>
+                <a:ea typeface="Calibri" panose="020F0502020204030204" pitchFamily="34" charset="0"/>
+                <a:cs typeface="Courier New" panose="02070309020205020404" pitchFamily="49" charset="0"/>
+              </a:rPr>
+              <a:t/>
+            </a:r>
             <a:br>
               <a:rPr lang="en-US" sz="1000" dirty="0">
                 <a:solidFill>
@@ -13217,6 +13416,16 @@
                 <a:ea typeface="Times New Roman" panose="02020603050405020304" pitchFamily="18" charset="0"/>
               </a:rPr>
             </a:br>
+            <a:r>
+              <a:rPr lang="en-US" sz="1400" dirty="0">
+                <a:solidFill>
+                  <a:srgbClr val="000000"/>
+                </a:solidFill>
+                <a:latin typeface="Courier New" panose="02070309020205020404" pitchFamily="49" charset="0"/>
+                <a:ea typeface="Times New Roman" panose="02020603050405020304" pitchFamily="18" charset="0"/>
+              </a:rPr>
+              <a:t/>
+            </a:r>
             <a:br>
               <a:rPr lang="en-US" sz="1400" dirty="0">
                 <a:solidFill>
@@ -13647,6 +13856,17 @@
                 <a:cs typeface="Arial" panose="020B0604020202020204" pitchFamily="34" charset="0"/>
               </a:rPr>
             </a:br>
+            <a:r>
+              <a:rPr lang="en-US" sz="1600" dirty="0">
+                <a:solidFill>
+                  <a:srgbClr val="000000"/>
+                </a:solidFill>
+                <a:latin typeface="Calibri" panose="020F0502020204030204" pitchFamily="34" charset="0"/>
+                <a:ea typeface="Calibri" panose="020F0502020204030204" pitchFamily="34" charset="0"/>
+                <a:cs typeface="Arial" panose="020B0604020202020204" pitchFamily="34" charset="0"/>
+              </a:rPr>
+              <a:t/>
+            </a:r>
             <a:br>
               <a:rPr lang="en-US" sz="1600" dirty="0">
                 <a:solidFill>
@@ -14303,6 +14523,17 @@
                 <a:cs typeface="Arial" panose="020B0604020202020204" pitchFamily="34" charset="0"/>
               </a:rPr>
             </a:br>
+            <a:r>
+              <a:rPr lang="en-US" sz="1600" dirty="0">
+                <a:solidFill>
+                  <a:srgbClr val="000000"/>
+                </a:solidFill>
+                <a:latin typeface="Calibri" panose="020F0502020204030204" pitchFamily="34" charset="0"/>
+                <a:ea typeface="Calibri" panose="020F0502020204030204" pitchFamily="34" charset="0"/>
+                <a:cs typeface="Arial" panose="020B0604020202020204" pitchFamily="34" charset="0"/>
+              </a:rPr>
+              <a:t/>
+            </a:r>
             <a:br>
               <a:rPr lang="en-US" sz="1600" dirty="0">
                 <a:solidFill>
@@ -14736,6 +14967,17 @@
                 <a:cs typeface="Arial" panose="020B0604020202020204" pitchFamily="34" charset="0"/>
               </a:rPr>
             </a:br>
+            <a:r>
+              <a:rPr lang="en-US" dirty="0">
+                <a:solidFill>
+                  <a:srgbClr val="000000"/>
+                </a:solidFill>
+                <a:latin typeface="Calibri" panose="020F0502020204030204" pitchFamily="34" charset="0"/>
+                <a:ea typeface="Calibri" panose="020F0502020204030204" pitchFamily="34" charset="0"/>
+                <a:cs typeface="Arial" panose="020B0604020202020204" pitchFamily="34" charset="0"/>
+              </a:rPr>
+              <a:t/>
+            </a:r>
             <a:br>
               <a:rPr lang="en-US" dirty="0">
                 <a:solidFill>
@@ -15005,6 +15247,17 @@
                 <a:cs typeface="Arial" panose="020B0604020202020204" pitchFamily="34" charset="0"/>
               </a:rPr>
             </a:br>
+            <a:r>
+              <a:rPr lang="en-US" sz="1600" dirty="0">
+                <a:solidFill>
+                  <a:srgbClr val="000000"/>
+                </a:solidFill>
+                <a:latin typeface="Calibri" panose="020F0502020204030204" pitchFamily="34" charset="0"/>
+                <a:ea typeface="Calibri" panose="020F0502020204030204" pitchFamily="34" charset="0"/>
+                <a:cs typeface="Arial" panose="020B0604020202020204" pitchFamily="34" charset="0"/>
+              </a:rPr>
+              <a:t/>
+            </a:r>
             <a:br>
               <a:rPr lang="en-US" sz="1600" dirty="0">
                 <a:solidFill>
@@ -15498,6 +15751,17 @@
                 <a:cs typeface="Arial" panose="020B0604020202020204" pitchFamily="34" charset="0"/>
               </a:rPr>
             </a:br>
+            <a:r>
+              <a:rPr lang="en-US" dirty="0">
+                <a:solidFill>
+                  <a:srgbClr val="000000"/>
+                </a:solidFill>
+                <a:latin typeface="Calibri" panose="020F0502020204030204" pitchFamily="34" charset="0"/>
+                <a:ea typeface="Calibri" panose="020F0502020204030204" pitchFamily="34" charset="0"/>
+                <a:cs typeface="Arial" panose="020B0604020202020204" pitchFamily="34" charset="0"/>
+              </a:rPr>
+              <a:t/>
+            </a:r>
             <a:br>
               <a:rPr lang="en-US" dirty="0">
                 <a:solidFill>
@@ -16101,6 +16365,17 @@
                 <a:cs typeface="Arial" panose="020B0604020202020204" pitchFamily="34" charset="0"/>
               </a:rPr>
             </a:br>
+            <a:r>
+              <a:rPr lang="en-US" sz="1400" dirty="0">
+                <a:solidFill>
+                  <a:srgbClr val="000000"/>
+                </a:solidFill>
+                <a:latin typeface="Calibri" panose="020F0502020204030204" pitchFamily="34" charset="0"/>
+                <a:ea typeface="Calibri" panose="020F0502020204030204" pitchFamily="34" charset="0"/>
+                <a:cs typeface="Arial" panose="020B0604020202020204" pitchFamily="34" charset="0"/>
+              </a:rPr>
+              <a:t/>
+            </a:r>
             <a:br>
               <a:rPr lang="en-US" sz="1400" dirty="0">
                 <a:solidFill>
@@ -16198,6 +16473,17 @@
                 <a:cs typeface="Arial" panose="020B0604020202020204" pitchFamily="34" charset="0"/>
               </a:rPr>
             </a:br>
+            <a:r>
+              <a:rPr lang="en-US" sz="1400" dirty="0">
+                <a:solidFill>
+                  <a:srgbClr val="000000"/>
+                </a:solidFill>
+                <a:latin typeface="Calibri" panose="020F0502020204030204" pitchFamily="34" charset="0"/>
+                <a:ea typeface="Calibri" panose="020F0502020204030204" pitchFamily="34" charset="0"/>
+                <a:cs typeface="Arial" panose="020B0604020202020204" pitchFamily="34" charset="0"/>
+              </a:rPr>
+              <a:t/>
+            </a:r>
             <a:br>
               <a:rPr lang="en-US" sz="1400" dirty="0">
                 <a:solidFill>
@@ -18294,19 +18580,39 @@
           <a:p>
             <a:r>
               <a:rPr lang="en-US" dirty="0"/>
-              <a:t>Angular invoke this function only when one of the component inputs changed</a:t>
-            </a:r>
-          </a:p>
-          <a:p>
+              <a:t>Angular invoke this function only when one of the </a:t>
+            </a:r>
+            <a:r>
+              <a:rPr lang="en-US" dirty="0" smtClean="0"/>
+              <a:t>component’s </a:t>
+            </a:r>
             <a:r>
               <a:rPr lang="en-US" dirty="0"/>
-              <a:t>The hook not executed per input but rather after all inputs were updated by Angular</a:t>
+              <a:t>inputs changed</a:t>
             </a:r>
           </a:p>
           <a:p>
             <a:r>
               <a:rPr lang="en-US" dirty="0"/>
-              <a:t>A good place to update internal state</a:t>
+              <a:t>The hook </a:t>
+            </a:r>
+            <a:r>
+              <a:rPr lang="en-US" dirty="0" smtClean="0"/>
+              <a:t>is not </a:t>
+            </a:r>
+            <a:r>
+              <a:rPr lang="en-US" dirty="0"/>
+              <a:t>executed per input but rather after all inputs were updated by Angular</a:t>
+            </a:r>
+          </a:p>
+          <a:p>
+            <a:r>
+              <a:rPr lang="en-US" dirty="0"/>
+              <a:t>A good place to update internal </a:t>
+            </a:r>
+            <a:r>
+              <a:rPr lang="en-US" dirty="0" smtClean="0"/>
+              <a:t>state that is derived from the inputs</a:t>
             </a:r>
             <a:endParaRPr lang="he-IL" dirty="0"/>
           </a:p>
@@ -18592,6 +18898,17 @@
                 <a:cs typeface="Arial" panose="020B0604020202020204" pitchFamily="34" charset="0"/>
               </a:rPr>
             </a:br>
+            <a:r>
+              <a:rPr lang="en-US" sz="1400" dirty="0">
+                <a:solidFill>
+                  <a:srgbClr val="000000"/>
+                </a:solidFill>
+                <a:latin typeface="Calibri" panose="020F0502020204030204" pitchFamily="34" charset="0"/>
+                <a:ea typeface="Calibri" panose="020F0502020204030204" pitchFamily="34" charset="0"/>
+                <a:cs typeface="Arial" panose="020B0604020202020204" pitchFamily="34" charset="0"/>
+              </a:rPr>
+              <a:t/>
+            </a:r>
             <a:br>
               <a:rPr lang="en-US" sz="1400" dirty="0">
                 <a:solidFill>
@@ -19319,6 +19636,110 @@
           </p:style>
         </p:cxnSp>
       </p:grpSp>
+      <p:grpSp>
+        <p:nvGrpSpPr>
+          <p:cNvPr id="13" name="Group 12"/>
+          <p:cNvGrpSpPr/>
+          <p:nvPr/>
+        </p:nvGrpSpPr>
+        <p:grpSpPr>
+          <a:xfrm>
+            <a:off x="4074772" y="3922316"/>
+            <a:ext cx="2765480" cy="946844"/>
+            <a:chOff x="5141183" y="-655193"/>
+            <a:chExt cx="2765480" cy="946844"/>
+          </a:xfrm>
+        </p:grpSpPr>
+        <p:sp>
+          <p:nvSpPr>
+            <p:cNvPr id="14" name="Rectangle 13"/>
+            <p:cNvSpPr/>
+            <p:nvPr/>
+          </p:nvSpPr>
+          <p:spPr>
+            <a:xfrm>
+              <a:off x="5141183" y="-216649"/>
+              <a:ext cx="2081403" cy="508300"/>
+            </a:xfrm>
+            <a:prstGeom prst="rect">
+              <a:avLst/>
+            </a:prstGeom>
+            <a:solidFill>
+              <a:schemeClr val="accent4"/>
+            </a:solidFill>
+            <a:ln>
+              <a:noFill/>
+            </a:ln>
+          </p:spPr>
+          <p:style>
+            <a:lnRef idx="2">
+              <a:schemeClr val="accent1">
+                <a:shade val="50000"/>
+              </a:schemeClr>
+            </a:lnRef>
+            <a:fillRef idx="1">
+              <a:schemeClr val="accent1"/>
+            </a:fillRef>
+            <a:effectRef idx="0">
+              <a:schemeClr val="accent1"/>
+            </a:effectRef>
+            <a:fontRef idx="minor">
+              <a:schemeClr val="lt1"/>
+            </a:fontRef>
+          </p:style>
+          <p:txBody>
+            <a:bodyPr rtlCol="1" anchor="ctr"/>
+            <a:lstStyle/>
+            <a:p>
+              <a:pPr algn="ctr"/>
+              <a:r>
+                <a:rPr lang="en-US" sz="1400" dirty="0" smtClean="0"/>
+                <a:t>contact.component.html</a:t>
+              </a:r>
+              <a:endParaRPr lang="he-IL" sz="1400" dirty="0"/>
+            </a:p>
+          </p:txBody>
+        </p:sp>
+        <p:cxnSp>
+          <p:nvCxnSpPr>
+            <p:cNvPr id="15" name="Straight Connector 14"/>
+            <p:cNvCxnSpPr>
+              <a:cxnSpLocks/>
+              <a:stCxn id="14" idx="3"/>
+              <a:endCxn id="9" idx="2"/>
+            </p:cNvCxnSpPr>
+            <p:nvPr/>
+          </p:nvCxnSpPr>
+          <p:spPr>
+            <a:xfrm flipV="1">
+              <a:off x="7222586" y="-655193"/>
+              <a:ext cx="684077" cy="692694"/>
+            </a:xfrm>
+            <a:prstGeom prst="line">
+              <a:avLst/>
+            </a:prstGeom>
+            <a:ln>
+              <a:tailEnd type="triangle"/>
+            </a:ln>
+          </p:spPr>
+          <p:style>
+            <a:lnRef idx="2">
+              <a:schemeClr val="accent4">
+                <a:shade val="50000"/>
+              </a:schemeClr>
+            </a:lnRef>
+            <a:fillRef idx="1">
+              <a:schemeClr val="accent4"/>
+            </a:fillRef>
+            <a:effectRef idx="0">
+              <a:schemeClr val="accent4"/>
+            </a:effectRef>
+            <a:fontRef idx="minor">
+              <a:schemeClr val="lt1"/>
+            </a:fontRef>
+          </p:style>
+        </p:cxnSp>
+      </p:grpSp>
     </p:spTree>
     <p:extLst>
       <p:ext uri="{BB962C8B-B14F-4D97-AF65-F5344CB8AC3E}">
@@ -19452,27 +19873,72 @@
           <a:p>
             <a:r>
               <a:rPr lang="en-US" dirty="0"/>
-              <a:t>Angular executes simple change detection comparison</a:t>
-            </a:r>
+              <a:t>Angular </a:t>
+            </a:r>
+            <a:r>
+              <a:rPr lang="en-US" dirty="0" smtClean="0"/>
+              <a:t>executes simple change detection comparison</a:t>
+            </a:r>
+            <a:endParaRPr lang="en-US" dirty="0"/>
           </a:p>
           <a:p>
             <a:r>
               <a:rPr lang="en-US" dirty="0"/>
-              <a:t>The input direct value is compared. Whether it’s a value type or reference type</a:t>
-            </a:r>
-          </a:p>
-          <a:p>
+              <a:t>The input </a:t>
+            </a:r>
+            <a:r>
+              <a:rPr lang="en-US" dirty="0" smtClean="0"/>
+              <a:t>“shallow” </a:t>
+            </a:r>
             <a:r>
               <a:rPr lang="en-US" dirty="0"/>
-              <a:t>It means a deep change inside a input will not cause </a:t>
-            </a:r>
-            <a:r>
-              <a:rPr lang="en-US" dirty="0" err="1"/>
+              <a:t>value is compared. Whether it’s a value type or </a:t>
+            </a:r>
+            <a:r>
+              <a:rPr lang="en-US" dirty="0" smtClean="0"/>
+              <a:t>a reference </a:t>
+            </a:r>
+            <a:r>
+              <a:rPr lang="en-US" dirty="0"/>
+              <a:t>type</a:t>
+            </a:r>
+          </a:p>
+          <a:p>
+            <a:r>
+              <a:rPr lang="en-US" dirty="0"/>
+              <a:t>It means </a:t>
+            </a:r>
+            <a:r>
+              <a:rPr lang="en-US" dirty="0" smtClean="0"/>
+              <a:t>that a </a:t>
+            </a:r>
+            <a:r>
+              <a:rPr lang="en-US" dirty="0"/>
+              <a:t>deep change inside </a:t>
+            </a:r>
+            <a:r>
+              <a:rPr lang="en-US" dirty="0" smtClean="0"/>
+              <a:t>an </a:t>
+            </a:r>
+            <a:r>
+              <a:rPr lang="en-US" dirty="0"/>
+              <a:t>input </a:t>
+            </a:r>
+            <a:r>
+              <a:rPr lang="en-US" u="sng" dirty="0"/>
+              <a:t>will not </a:t>
+            </a:r>
+            <a:r>
+              <a:rPr lang="en-US" u="sng" dirty="0" smtClean="0"/>
+              <a:t>trigger</a:t>
+            </a:r>
+            <a:r>
+              <a:rPr lang="en-US" dirty="0" smtClean="0"/>
+              <a:t> </a:t>
+            </a:r>
+            <a:r>
+              <a:rPr lang="en-US" dirty="0" err="1" smtClean="0"/>
               <a:t>ngOnChanges</a:t>
-            </a:r>
-            <a:r>
-              <a:rPr lang="en-US" dirty="0"/>
-              <a:t> execution</a:t>
             </a:r>
             <a:endParaRPr lang="he-IL" dirty="0"/>
           </a:p>
@@ -20777,6 +21243,17 @@
                 <a:cs typeface="Arial" panose="020B0604020202020204" pitchFamily="34" charset="0"/>
               </a:rPr>
             </a:br>
+            <a:r>
+              <a:rPr lang="en-US" sz="1400" dirty="0">
+                <a:solidFill>
+                  <a:srgbClr val="000000"/>
+                </a:solidFill>
+                <a:latin typeface="Calibri" panose="020F0502020204030204" pitchFamily="34" charset="0"/>
+                <a:ea typeface="Calibri" panose="020F0502020204030204" pitchFamily="34" charset="0"/>
+                <a:cs typeface="Arial" panose="020B0604020202020204" pitchFamily="34" charset="0"/>
+              </a:rPr>
+              <a:t/>
+            </a:r>
             <a:br>
               <a:rPr lang="en-US" sz="1400" dirty="0">
                 <a:solidFill>
@@ -21643,6 +22120,17 @@
                 <a:cs typeface="Arial" panose="020B0604020202020204" pitchFamily="34" charset="0"/>
               </a:rPr>
             </a:br>
+            <a:r>
+              <a:rPr lang="en-US" sz="1100" dirty="0">
+                <a:solidFill>
+                  <a:srgbClr val="000000"/>
+                </a:solidFill>
+                <a:latin typeface="Calibri" panose="020F0502020204030204" pitchFamily="34" charset="0"/>
+                <a:ea typeface="Calibri" panose="020F0502020204030204" pitchFamily="34" charset="0"/>
+                <a:cs typeface="Arial" panose="020B0604020202020204" pitchFamily="34" charset="0"/>
+              </a:rPr>
+              <a:t/>
+            </a:r>
             <a:br>
               <a:rPr lang="en-US" sz="1100" dirty="0">
                 <a:solidFill>
@@ -22032,6 +22520,17 @@
                 <a:cs typeface="Arial" panose="020B0604020202020204" pitchFamily="34" charset="0"/>
               </a:rPr>
             </a:br>
+            <a:r>
+              <a:rPr lang="en-US" sz="1100" dirty="0">
+                <a:solidFill>
+                  <a:srgbClr val="000000"/>
+                </a:solidFill>
+                <a:latin typeface="Calibri" panose="020F0502020204030204" pitchFamily="34" charset="0"/>
+                <a:ea typeface="Calibri" panose="020F0502020204030204" pitchFamily="34" charset="0"/>
+                <a:cs typeface="Arial" panose="020B0604020202020204" pitchFamily="34" charset="0"/>
+              </a:rPr>
+              <a:t/>
+            </a:r>
             <a:br>
               <a:rPr lang="en-US" sz="1100" dirty="0">
                 <a:solidFill>
@@ -22609,7 +23108,7 @@
         <p:spPr/>
         <p:txBody>
           <a:bodyPr>
-            <a:normAutofit fontScale="92500" lnSpcReduction="10000"/>
+            <a:normAutofit lnSpcReduction="10000"/>
           </a:bodyPr>
           <a:lstStyle/>
           <a:p>
@@ -22621,19 +23120,48 @@
           <a:p>
             <a:r>
               <a:rPr lang="en-US" dirty="0"/>
-              <a:t>Upon change, the parent component clone the model and updates it</a:t>
-            </a:r>
-          </a:p>
-          <a:p>
+              <a:t>Upon change, the parent component </a:t>
+            </a:r>
+            <a:r>
+              <a:rPr lang="en-US" dirty="0" smtClean="0"/>
+              <a:t>clones </a:t>
+            </a:r>
             <a:r>
               <a:rPr lang="en-US" dirty="0"/>
-              <a:t>Angular rebind the input and the component can react to the change</a:t>
+              <a:t>the model and updates it</a:t>
             </a:r>
           </a:p>
           <a:p>
             <a:r>
               <a:rPr lang="en-US" dirty="0"/>
-              <a:t>A component without internal state does not need to react to changes</a:t>
+              <a:t>Angular </a:t>
+            </a:r>
+            <a:r>
+              <a:rPr lang="en-US" dirty="0" smtClean="0"/>
+              <a:t>rebinds </a:t>
+            </a:r>
+            <a:r>
+              <a:rPr lang="en-US" dirty="0"/>
+              <a:t>the </a:t>
+            </a:r>
+            <a:r>
+              <a:rPr lang="en-US" dirty="0" smtClean="0"/>
+              <a:t>input</a:t>
+            </a:r>
+            <a:endParaRPr lang="en-US" dirty="0"/>
+          </a:p>
+          <a:p>
+            <a:r>
+              <a:rPr lang="en-US" dirty="0" smtClean="0"/>
+              <a:t>Since all state is inside input the component</a:t>
+            </a:r>
+            <a:r>
+              <a:rPr lang="en-US" dirty="0" smtClean="0"/>
+              <a:t> does </a:t>
+            </a:r>
+            <a:r>
+              <a:rPr lang="en-US" dirty="0"/>
+              <a:t>not need to react to changes</a:t>
             </a:r>
           </a:p>
           <a:p>
@@ -23044,6 +23572,17 @@
                 <a:cs typeface="Arial" panose="020B0604020202020204" pitchFamily="34" charset="0"/>
               </a:rPr>
             </a:br>
+            <a:r>
+              <a:rPr lang="en-US" sz="1200" dirty="0">
+                <a:solidFill>
+                  <a:srgbClr val="000000"/>
+                </a:solidFill>
+                <a:latin typeface="Calibri" panose="020F0502020204030204" pitchFamily="34" charset="0"/>
+                <a:ea typeface="Calibri" panose="020F0502020204030204" pitchFamily="34" charset="0"/>
+                <a:cs typeface="Arial" panose="020B0604020202020204" pitchFamily="34" charset="0"/>
+              </a:rPr>
+              <a:t/>
+            </a:r>
             <a:br>
               <a:rPr lang="en-US" sz="1200" dirty="0">
                 <a:solidFill>
@@ -23325,6 +23864,17 @@
                 <a:cs typeface="Arial" panose="020B0604020202020204" pitchFamily="34" charset="0"/>
               </a:rPr>
             </a:br>
+            <a:r>
+              <a:rPr lang="en-US" sz="1200" dirty="0">
+                <a:solidFill>
+                  <a:srgbClr val="000000"/>
+                </a:solidFill>
+                <a:latin typeface="Calibri" panose="020F0502020204030204" pitchFamily="34" charset="0"/>
+                <a:ea typeface="Calibri" panose="020F0502020204030204" pitchFamily="34" charset="0"/>
+                <a:cs typeface="Arial" panose="020B0604020202020204" pitchFamily="34" charset="0"/>
+              </a:rPr>
+              <a:t/>
+            </a:r>
             <a:br>
               <a:rPr lang="en-US" sz="1200" dirty="0">
                 <a:solidFill>
@@ -23486,6 +24036,17 @@
                 <a:cs typeface="Arial" panose="020B0604020202020204" pitchFamily="34" charset="0"/>
               </a:rPr>
             </a:br>
+            <a:r>
+              <a:rPr lang="en-US" sz="1200" dirty="0">
+                <a:solidFill>
+                  <a:srgbClr val="000000"/>
+                </a:solidFill>
+                <a:latin typeface="Calibri" panose="020F0502020204030204" pitchFamily="34" charset="0"/>
+                <a:ea typeface="Calibri" panose="020F0502020204030204" pitchFamily="34" charset="0"/>
+                <a:cs typeface="Arial" panose="020B0604020202020204" pitchFamily="34" charset="0"/>
+              </a:rPr>
+              <a:t/>
+            </a:r>
             <a:br>
               <a:rPr lang="en-US" sz="1200" dirty="0">
                 <a:solidFill>
@@ -24005,6 +24566,17 @@
                 <a:cs typeface="Arial" panose="020B0604020202020204" pitchFamily="34" charset="0"/>
               </a:rPr>
             </a:br>
+            <a:r>
+              <a:rPr lang="en-US" sz="1200" dirty="0">
+                <a:solidFill>
+                  <a:srgbClr val="000000"/>
+                </a:solidFill>
+                <a:latin typeface="Calibri" panose="020F0502020204030204" pitchFamily="34" charset="0"/>
+                <a:ea typeface="Calibri" panose="020F0502020204030204" pitchFamily="34" charset="0"/>
+                <a:cs typeface="Arial" panose="020B0604020202020204" pitchFamily="34" charset="0"/>
+              </a:rPr>
+              <a:t/>
+            </a:r>
             <a:br>
               <a:rPr lang="en-US" sz="1200" dirty="0">
                 <a:solidFill>
@@ -24574,6 +25146,17 @@
                 <a:cs typeface="Arial" panose="020B0604020202020204" pitchFamily="34" charset="0"/>
               </a:rPr>
             </a:br>
+            <a:r>
+              <a:rPr lang="en-US" sz="1200" dirty="0">
+                <a:solidFill>
+                  <a:srgbClr val="000000"/>
+                </a:solidFill>
+                <a:latin typeface="Calibri" panose="020F0502020204030204" pitchFamily="34" charset="0"/>
+                <a:ea typeface="Calibri" panose="020F0502020204030204" pitchFamily="34" charset="0"/>
+                <a:cs typeface="Arial" panose="020B0604020202020204" pitchFamily="34" charset="0"/>
+              </a:rPr>
+              <a:t/>
+            </a:r>
             <a:br>
               <a:rPr lang="en-US" sz="1200" dirty="0">
                 <a:solidFill>
@@ -24946,6 +25529,147 @@
           </a:p>
         </p:txBody>
       </p:sp>
+      <p:grpSp>
+        <p:nvGrpSpPr>
+          <p:cNvPr id="15" name="Group 14"/>
+          <p:cNvGrpSpPr/>
+          <p:nvPr/>
+        </p:nvGrpSpPr>
+        <p:grpSpPr>
+          <a:xfrm>
+            <a:off x="996938" y="4437112"/>
+            <a:ext cx="3276761" cy="2349756"/>
+            <a:chOff x="996938" y="4437112"/>
+            <a:chExt cx="3276761" cy="2349756"/>
+          </a:xfrm>
+        </p:grpSpPr>
+        <p:sp>
+          <p:nvSpPr>
+            <p:cNvPr id="9" name="Rectangle 8"/>
+            <p:cNvSpPr/>
+            <p:nvPr/>
+          </p:nvSpPr>
+          <p:spPr>
+            <a:xfrm>
+              <a:off x="996938" y="5490724"/>
+              <a:ext cx="1590328" cy="1296144"/>
+            </a:xfrm>
+            <a:prstGeom prst="rect">
+              <a:avLst/>
+            </a:prstGeom>
+            <a:solidFill>
+              <a:schemeClr val="accent4"/>
+            </a:solidFill>
+            <a:ln>
+              <a:noFill/>
+            </a:ln>
+          </p:spPr>
+          <p:style>
+            <a:lnRef idx="2">
+              <a:schemeClr val="accent1">
+                <a:shade val="50000"/>
+              </a:schemeClr>
+            </a:lnRef>
+            <a:fillRef idx="1">
+              <a:schemeClr val="accent1"/>
+            </a:fillRef>
+            <a:effectRef idx="0">
+              <a:schemeClr val="accent1"/>
+            </a:effectRef>
+            <a:fontRef idx="minor">
+              <a:schemeClr val="lt1"/>
+            </a:fontRef>
+          </p:style>
+          <p:txBody>
+            <a:bodyPr rtlCol="1" anchor="ctr"/>
+            <a:lstStyle/>
+            <a:p>
+              <a:pPr algn="ctr"/>
+              <a:r>
+                <a:rPr lang="en-US" sz="1400" dirty="0" smtClean="0"/>
+                <a:t>The change does through a method which is responsible for “fixing” the whole model</a:t>
+              </a:r>
+              <a:endParaRPr lang="he-IL" sz="1400" dirty="0"/>
+            </a:p>
+          </p:txBody>
+        </p:sp>
+        <p:cxnSp>
+          <p:nvCxnSpPr>
+            <p:cNvPr id="10" name="Straight Connector 9"/>
+            <p:cNvCxnSpPr>
+              <a:cxnSpLocks/>
+              <a:stCxn id="9" idx="0"/>
+            </p:cNvCxnSpPr>
+            <p:nvPr/>
+          </p:nvCxnSpPr>
+          <p:spPr>
+            <a:xfrm flipV="1">
+              <a:off x="1792102" y="4437112"/>
+              <a:ext cx="396044" cy="1053612"/>
+            </a:xfrm>
+            <a:prstGeom prst="line">
+              <a:avLst/>
+            </a:prstGeom>
+            <a:ln>
+              <a:tailEnd type="triangle"/>
+            </a:ln>
+          </p:spPr>
+          <p:style>
+            <a:lnRef idx="2">
+              <a:schemeClr val="accent4">
+                <a:shade val="50000"/>
+              </a:schemeClr>
+            </a:lnRef>
+            <a:fillRef idx="1">
+              <a:schemeClr val="accent4"/>
+            </a:fillRef>
+            <a:effectRef idx="0">
+              <a:schemeClr val="accent4"/>
+            </a:effectRef>
+            <a:fontRef idx="minor">
+              <a:schemeClr val="lt1"/>
+            </a:fontRef>
+          </p:style>
+        </p:cxnSp>
+        <p:cxnSp>
+          <p:nvCxnSpPr>
+            <p:cNvPr id="12" name="Straight Connector 11"/>
+            <p:cNvCxnSpPr>
+              <a:cxnSpLocks/>
+              <a:stCxn id="9" idx="3"/>
+            </p:cNvCxnSpPr>
+            <p:nvPr/>
+          </p:nvCxnSpPr>
+          <p:spPr>
+            <a:xfrm flipV="1">
+              <a:off x="2587266" y="5013176"/>
+              <a:ext cx="1686433" cy="1125620"/>
+            </a:xfrm>
+            <a:prstGeom prst="line">
+              <a:avLst/>
+            </a:prstGeom>
+            <a:ln>
+              <a:tailEnd type="triangle"/>
+            </a:ln>
+          </p:spPr>
+          <p:style>
+            <a:lnRef idx="2">
+              <a:schemeClr val="accent4">
+                <a:shade val="50000"/>
+              </a:schemeClr>
+            </a:lnRef>
+            <a:fillRef idx="1">
+              <a:schemeClr val="accent4"/>
+            </a:fillRef>
+            <a:effectRef idx="0">
+              <a:schemeClr val="accent4"/>
+            </a:effectRef>
+            <a:fontRef idx="minor">
+              <a:schemeClr val="lt1"/>
+            </a:fontRef>
+          </p:style>
+        </p:cxnSp>
+      </p:grpSp>
     </p:spTree>
     <p:extLst>
       <p:ext uri="{BB962C8B-B14F-4D97-AF65-F5344CB8AC3E}">
@@ -25840,6 +26564,17 @@
                 <a:cs typeface="Courier New" panose="02070309020205020404" pitchFamily="49" charset="0"/>
               </a:rPr>
             </a:br>
+            <a:r>
+              <a:rPr lang="en-US" sz="1400" dirty="0">
+                <a:solidFill>
+                  <a:srgbClr val="000000"/>
+                </a:solidFill>
+                <a:latin typeface="Courier New" panose="02070309020205020404" pitchFamily="49" charset="0"/>
+                <a:ea typeface="Calibri" panose="020F0502020204030204" pitchFamily="34" charset="0"/>
+                <a:cs typeface="Courier New" panose="02070309020205020404" pitchFamily="49" charset="0"/>
+              </a:rPr>
+              <a:t/>
+            </a:r>
             <a:br>
               <a:rPr lang="en-US" sz="1400" dirty="0">
                 <a:solidFill>

--- a/PPTs/06 Advanced Components.pptx
+++ b/PPTs/06 Advanced Components.pptx
@@ -5,7 +5,7 @@
     <p:sldMasterId id="2147483672" r:id="rId1"/>
   </p:sldMasterIdLst>
   <p:notesMasterIdLst>
-    <p:notesMasterId r:id="rId36"/>
+    <p:notesMasterId r:id="rId39"/>
   </p:notesMasterIdLst>
   <p:sldIdLst>
     <p:sldId id="256" r:id="rId2"/>
@@ -42,6 +42,9 @@
     <p:sldId id="287" r:id="rId33"/>
     <p:sldId id="288" r:id="rId34"/>
     <p:sldId id="289" r:id="rId35"/>
+    <p:sldId id="290" r:id="rId36"/>
+    <p:sldId id="291" r:id="rId37"/>
+    <p:sldId id="292" r:id="rId38"/>
   </p:sldIdLst>
   <p:sldSz cx="9144000" cy="6858000" type="screen4x3"/>
   <p:notesSz cx="6858000" cy="9144000"/>
@@ -18461,6 +18464,108 @@
           </p:style>
         </p:cxnSp>
       </p:grpSp>
+      <p:grpSp>
+        <p:nvGrpSpPr>
+          <p:cNvPr id="15" name="Group 14"/>
+          <p:cNvGrpSpPr/>
+          <p:nvPr/>
+        </p:nvGrpSpPr>
+        <p:grpSpPr>
+          <a:xfrm>
+            <a:off x="5292080" y="4445496"/>
+            <a:ext cx="3042814" cy="1512168"/>
+            <a:chOff x="5043195" y="2276872"/>
+            <a:chExt cx="3042814" cy="1512168"/>
+          </a:xfrm>
+        </p:grpSpPr>
+        <p:sp>
+          <p:nvSpPr>
+            <p:cNvPr id="16" name="Rectangle 15"/>
+            <p:cNvSpPr/>
+            <p:nvPr/>
+          </p:nvSpPr>
+          <p:spPr>
+            <a:xfrm>
+              <a:off x="6588224" y="2276872"/>
+              <a:ext cx="1497785" cy="1143744"/>
+            </a:xfrm>
+            <a:prstGeom prst="rect">
+              <a:avLst/>
+            </a:prstGeom>
+            <a:solidFill>
+              <a:schemeClr val="accent4"/>
+            </a:solidFill>
+            <a:ln>
+              <a:noFill/>
+            </a:ln>
+          </p:spPr>
+          <p:style>
+            <a:lnRef idx="2">
+              <a:schemeClr val="accent1">
+                <a:shade val="50000"/>
+              </a:schemeClr>
+            </a:lnRef>
+            <a:fillRef idx="1">
+              <a:schemeClr val="accent1"/>
+            </a:fillRef>
+            <a:effectRef idx="0">
+              <a:schemeClr val="accent1"/>
+            </a:effectRef>
+            <a:fontRef idx="minor">
+              <a:schemeClr val="lt1"/>
+            </a:fontRef>
+          </p:style>
+          <p:txBody>
+            <a:bodyPr rtlCol="1" anchor="ctr"/>
+            <a:lstStyle/>
+            <a:p>
+              <a:pPr algn="ctr"/>
+              <a:r>
+                <a:rPr lang="en-US" sz="1400" dirty="0" smtClean="0"/>
+                <a:t>View was checked and its DOM was updated</a:t>
+              </a:r>
+              <a:endParaRPr lang="he-IL" sz="1400" dirty="0"/>
+            </a:p>
+          </p:txBody>
+        </p:sp>
+        <p:cxnSp>
+          <p:nvCxnSpPr>
+            <p:cNvPr id="17" name="Straight Connector 16"/>
+            <p:cNvCxnSpPr>
+              <a:cxnSpLocks/>
+            </p:cNvCxnSpPr>
+            <p:nvPr/>
+          </p:nvCxnSpPr>
+          <p:spPr>
+            <a:xfrm flipH="1">
+              <a:off x="5043195" y="2848744"/>
+              <a:ext cx="1545030" cy="940296"/>
+            </a:xfrm>
+            <a:prstGeom prst="line">
+              <a:avLst/>
+            </a:prstGeom>
+            <a:ln>
+              <a:tailEnd type="triangle"/>
+            </a:ln>
+          </p:spPr>
+          <p:style>
+            <a:lnRef idx="2">
+              <a:schemeClr val="accent4">
+                <a:shade val="50000"/>
+              </a:schemeClr>
+            </a:lnRef>
+            <a:fillRef idx="1">
+              <a:schemeClr val="accent4"/>
+            </a:fillRef>
+            <a:effectRef idx="0">
+              <a:schemeClr val="accent4"/>
+            </a:effectRef>
+            <a:fontRef idx="minor">
+              <a:schemeClr val="lt1"/>
+            </a:fontRef>
+          </p:style>
+        </p:cxnSp>
+      </p:grpSp>
     </p:spTree>
     <p:extLst>
       <p:ext uri="{BB962C8B-B14F-4D97-AF65-F5344CB8AC3E}">
@@ -23153,11 +23258,7 @@
           <a:p>
             <a:r>
               <a:rPr lang="en-US" dirty="0" smtClean="0"/>
-              <a:t>Since all state is inside input the component</a:t>
-            </a:r>
-            <a:r>
-              <a:rPr lang="en-US" dirty="0" smtClean="0"/>
-              <a:t> does </a:t>
+              <a:t>Since all state is inside input the component does </a:t>
             </a:r>
             <a:r>
               <a:rPr lang="en-US" dirty="0"/>
@@ -25674,6 +25775,475 @@
     <p:extLst>
       <p:ext uri="{BB962C8B-B14F-4D97-AF65-F5344CB8AC3E}">
         <p14:creationId xmlns:p14="http://schemas.microsoft.com/office/powerpoint/2010/main" val="3974790620"/>
+      </p:ext>
+    </p:extLst>
+  </p:cSld>
+  <p:clrMapOvr>
+    <a:masterClrMapping/>
+  </p:clrMapOvr>
+</p:sld>
+</file>
+
+<file path=ppt/slides/slide35.xml><?xml version="1.0" encoding="utf-8"?>
+<p:sld xmlns:a="http://schemas.openxmlformats.org/drawingml/2006/main" xmlns:r="http://schemas.openxmlformats.org/officeDocument/2006/relationships" xmlns:p="http://schemas.openxmlformats.org/presentationml/2006/main">
+  <p:cSld>
+    <p:spTree>
+      <p:nvGrpSpPr>
+        <p:cNvPr id="1" name=""/>
+        <p:cNvGrpSpPr/>
+        <p:nvPr/>
+      </p:nvGrpSpPr>
+      <p:grpSpPr>
+        <a:xfrm>
+          <a:off x="0" y="0"/>
+          <a:ext cx="0" cy="0"/>
+          <a:chOff x="0" y="0"/>
+          <a:chExt cx="0" cy="0"/>
+        </a:xfrm>
+      </p:grpSpPr>
+      <p:sp>
+        <p:nvSpPr>
+          <p:cNvPr id="2" name="Title 1"/>
+          <p:cNvSpPr>
+            <a:spLocks noGrp="1"/>
+          </p:cNvSpPr>
+          <p:nvPr>
+            <p:ph type="title"/>
+          </p:nvPr>
+        </p:nvSpPr>
+        <p:spPr/>
+        <p:txBody>
+          <a:bodyPr>
+            <a:normAutofit fontScale="90000"/>
+          </a:bodyPr>
+          <a:lstStyle/>
+          <a:p>
+            <a:r>
+              <a:rPr lang="en-US" dirty="0" err="1" smtClean="0"/>
+              <a:t>ngAfterContentChecked</a:t>
+            </a:r>
+            <a:r>
+              <a:rPr lang="en-US" dirty="0" smtClean="0"/>
+              <a:t> &amp; </a:t>
+            </a:r>
+            <a:r>
+              <a:rPr lang="en-US" dirty="0" err="1" smtClean="0"/>
+              <a:t>ngAfterViewChecked</a:t>
+            </a:r>
+            <a:endParaRPr lang="en-US" dirty="0"/>
+          </a:p>
+        </p:txBody>
+      </p:sp>
+      <p:sp>
+        <p:nvSpPr>
+          <p:cNvPr id="3" name="Footer Placeholder 2"/>
+          <p:cNvSpPr>
+            <a:spLocks noGrp="1"/>
+          </p:cNvSpPr>
+          <p:nvPr>
+            <p:ph type="ftr" sz="quarter" idx="11"/>
+          </p:nvPr>
+        </p:nvSpPr>
+        <p:spPr/>
+        <p:txBody>
+          <a:bodyPr/>
+          <a:lstStyle/>
+          <a:p>
+            <a:r>
+              <a:rPr lang="en-US" smtClean="0"/>
+              <a:t>© 2016 Ori Calvo</a:t>
+            </a:r>
+            <a:endParaRPr lang="en-US" dirty="0"/>
+          </a:p>
+        </p:txBody>
+      </p:sp>
+      <p:sp>
+        <p:nvSpPr>
+          <p:cNvPr id="4" name="Slide Number Placeholder 3"/>
+          <p:cNvSpPr>
+            <a:spLocks noGrp="1"/>
+          </p:cNvSpPr>
+          <p:nvPr>
+            <p:ph type="sldNum" sz="quarter" idx="12"/>
+          </p:nvPr>
+        </p:nvSpPr>
+        <p:spPr/>
+        <p:txBody>
+          <a:bodyPr>
+            <a:normAutofit fontScale="85000" lnSpcReduction="20000"/>
+          </a:bodyPr>
+          <a:lstStyle/>
+          <a:p>
+            <a:fld id="{6EDEC3BC-0694-4586-AE63-02B4D54ABF43}" type="slidenum">
+              <a:rPr lang="en-US" smtClean="0"/>
+              <a:pPr/>
+              <a:t>35</a:t>
+            </a:fld>
+            <a:endParaRPr lang="en-US"/>
+          </a:p>
+        </p:txBody>
+      </p:sp>
+      <p:sp>
+        <p:nvSpPr>
+          <p:cNvPr id="5" name="Content Placeholder 4"/>
+          <p:cNvSpPr>
+            <a:spLocks noGrp="1"/>
+          </p:cNvSpPr>
+          <p:nvPr>
+            <p:ph sz="quarter" idx="1"/>
+          </p:nvPr>
+        </p:nvSpPr>
+        <p:spPr/>
+        <p:txBody>
+          <a:bodyPr/>
+          <a:lstStyle/>
+          <a:p>
+            <a:r>
+              <a:rPr lang="en-US" dirty="0" smtClean="0"/>
+              <a:t>Querying to the DOM is always tricky inside Angular</a:t>
+            </a:r>
+          </a:p>
+          <a:p>
+            <a:r>
+              <a:rPr lang="en-US" dirty="0" smtClean="0"/>
+              <a:t>You must query the DOM after it was updated</a:t>
+            </a:r>
+          </a:p>
+          <a:p>
+            <a:r>
+              <a:rPr lang="en-US" dirty="0" err="1" smtClean="0">
+                <a:solidFill>
+                  <a:srgbClr val="FF0000"/>
+                </a:solidFill>
+              </a:rPr>
+              <a:t>ngAfterContentChecked</a:t>
+            </a:r>
+            <a:r>
+              <a:rPr lang="en-US" dirty="0" smtClean="0">
+                <a:solidFill>
+                  <a:srgbClr val="FF0000"/>
+                </a:solidFill>
+              </a:rPr>
+              <a:t> </a:t>
+            </a:r>
+            <a:r>
+              <a:rPr lang="en-US" dirty="0" smtClean="0"/>
+              <a:t>– The content was dirty checked and its DOM was updated</a:t>
+            </a:r>
+          </a:p>
+          <a:p>
+            <a:r>
+              <a:rPr lang="en-US" dirty="0" err="1" smtClean="0">
+                <a:solidFill>
+                  <a:srgbClr val="FF0000"/>
+                </a:solidFill>
+              </a:rPr>
+              <a:t>ngAfterViewChecked</a:t>
+            </a:r>
+            <a:r>
+              <a:rPr lang="en-US" dirty="0" smtClean="0">
+                <a:solidFill>
+                  <a:srgbClr val="FF0000"/>
+                </a:solidFill>
+              </a:rPr>
+              <a:t> </a:t>
+            </a:r>
+            <a:r>
+              <a:rPr lang="en-US" dirty="0" smtClean="0"/>
+              <a:t>– The same logic but this time for the view</a:t>
+            </a:r>
+            <a:endParaRPr lang="en-US" dirty="0"/>
+          </a:p>
+        </p:txBody>
+      </p:sp>
+    </p:spTree>
+    <p:extLst>
+      <p:ext uri="{BB962C8B-B14F-4D97-AF65-F5344CB8AC3E}">
+        <p14:creationId xmlns:p14="http://schemas.microsoft.com/office/powerpoint/2010/main" val="3478361852"/>
+      </p:ext>
+    </p:extLst>
+  </p:cSld>
+  <p:clrMapOvr>
+    <a:masterClrMapping/>
+  </p:clrMapOvr>
+</p:sld>
+</file>
+
+<file path=ppt/slides/slide36.xml><?xml version="1.0" encoding="utf-8"?>
+<p:sld xmlns:a="http://schemas.openxmlformats.org/drawingml/2006/main" xmlns:r="http://schemas.openxmlformats.org/officeDocument/2006/relationships" xmlns:p="http://schemas.openxmlformats.org/presentationml/2006/main">
+  <p:cSld>
+    <p:spTree>
+      <p:nvGrpSpPr>
+        <p:cNvPr id="1" name=""/>
+        <p:cNvGrpSpPr/>
+        <p:nvPr/>
+      </p:nvGrpSpPr>
+      <p:grpSpPr>
+        <a:xfrm>
+          <a:off x="0" y="0"/>
+          <a:ext cx="0" cy="0"/>
+          <a:chOff x="0" y="0"/>
+          <a:chExt cx="0" cy="0"/>
+        </a:xfrm>
+      </p:grpSpPr>
+      <p:sp>
+        <p:nvSpPr>
+          <p:cNvPr id="2" name="Title 1"/>
+          <p:cNvSpPr>
+            <a:spLocks noGrp="1"/>
+          </p:cNvSpPr>
+          <p:nvPr>
+            <p:ph type="title"/>
+          </p:nvPr>
+        </p:nvSpPr>
+        <p:spPr/>
+        <p:txBody>
+          <a:bodyPr/>
+          <a:lstStyle/>
+          <a:p>
+            <a:r>
+              <a:rPr lang="en-US" dirty="0" smtClean="0"/>
+              <a:t>Dynamic Component</a:t>
+            </a:r>
+            <a:endParaRPr lang="en-US" dirty="0"/>
+          </a:p>
+        </p:txBody>
+      </p:sp>
+      <p:sp>
+        <p:nvSpPr>
+          <p:cNvPr id="3" name="Footer Placeholder 2"/>
+          <p:cNvSpPr>
+            <a:spLocks noGrp="1"/>
+          </p:cNvSpPr>
+          <p:nvPr>
+            <p:ph type="ftr" sz="quarter" idx="11"/>
+          </p:nvPr>
+        </p:nvSpPr>
+        <p:spPr/>
+        <p:txBody>
+          <a:bodyPr/>
+          <a:lstStyle/>
+          <a:p>
+            <a:r>
+              <a:rPr lang="en-US" smtClean="0"/>
+              <a:t>© 2016 Ori Calvo</a:t>
+            </a:r>
+            <a:endParaRPr lang="en-US" dirty="0"/>
+          </a:p>
+        </p:txBody>
+      </p:sp>
+      <p:sp>
+        <p:nvSpPr>
+          <p:cNvPr id="4" name="Slide Number Placeholder 3"/>
+          <p:cNvSpPr>
+            <a:spLocks noGrp="1"/>
+          </p:cNvSpPr>
+          <p:nvPr>
+            <p:ph type="sldNum" sz="quarter" idx="12"/>
+          </p:nvPr>
+        </p:nvSpPr>
+        <p:spPr/>
+        <p:txBody>
+          <a:bodyPr>
+            <a:normAutofit fontScale="85000" lnSpcReduction="20000"/>
+          </a:bodyPr>
+          <a:lstStyle/>
+          <a:p>
+            <a:fld id="{6EDEC3BC-0694-4586-AE63-02B4D54ABF43}" type="slidenum">
+              <a:rPr lang="en-US" smtClean="0"/>
+              <a:pPr/>
+              <a:t>36</a:t>
+            </a:fld>
+            <a:endParaRPr lang="en-US"/>
+          </a:p>
+        </p:txBody>
+      </p:sp>
+      <p:sp>
+        <p:nvSpPr>
+          <p:cNvPr id="5" name="Content Placeholder 4"/>
+          <p:cNvSpPr>
+            <a:spLocks noGrp="1"/>
+          </p:cNvSpPr>
+          <p:nvPr>
+            <p:ph sz="quarter" idx="1"/>
+          </p:nvPr>
+        </p:nvSpPr>
+        <p:spPr/>
+        <p:txBody>
+          <a:bodyPr/>
+          <a:lstStyle/>
+          <a:p>
+            <a:r>
+              <a:rPr lang="en-US" dirty="0" smtClean="0"/>
+              <a:t>There are some cases where the component template can only be known at runtime</a:t>
+            </a:r>
+          </a:p>
+          <a:p>
+            <a:pPr lvl="1"/>
+            <a:r>
+              <a:rPr lang="en-US" dirty="0" smtClean="0"/>
+              <a:t>Think about a view that is defined by a database</a:t>
+            </a:r>
+          </a:p>
+          <a:p>
+            <a:pPr lvl="1"/>
+            <a:r>
+              <a:rPr lang="en-US" dirty="0" err="1" smtClean="0"/>
+              <a:t>Wix</a:t>
+            </a:r>
+            <a:r>
+              <a:rPr lang="en-US" dirty="0" smtClean="0"/>
+              <a:t> style</a:t>
+            </a:r>
+          </a:p>
+          <a:p>
+            <a:r>
+              <a:rPr lang="en-US" dirty="0" smtClean="0"/>
+              <a:t>In that case we need to dynamically compile a component</a:t>
+            </a:r>
+          </a:p>
+          <a:p>
+            <a:r>
+              <a:rPr lang="en-US" dirty="0" smtClean="0"/>
+              <a:t>Adding a component to existing module is not allowed</a:t>
+            </a:r>
+          </a:p>
+          <a:p>
+            <a:r>
+              <a:rPr lang="en-US" dirty="0" smtClean="0"/>
+              <a:t>Therefore, you will need to compile a module first !!!</a:t>
+            </a:r>
+          </a:p>
+          <a:p>
+            <a:endParaRPr lang="en-US" dirty="0"/>
+          </a:p>
+        </p:txBody>
+      </p:sp>
+    </p:spTree>
+    <p:extLst>
+      <p:ext uri="{BB962C8B-B14F-4D97-AF65-F5344CB8AC3E}">
+        <p14:creationId xmlns:p14="http://schemas.microsoft.com/office/powerpoint/2010/main" val="1869752225"/>
+      </p:ext>
+    </p:extLst>
+  </p:cSld>
+  <p:clrMapOvr>
+    <a:masterClrMapping/>
+  </p:clrMapOvr>
+</p:sld>
+</file>
+
+<file path=ppt/slides/slide37.xml><?xml version="1.0" encoding="utf-8"?>
+<p:sld xmlns:a="http://schemas.openxmlformats.org/drawingml/2006/main" xmlns:r="http://schemas.openxmlformats.org/officeDocument/2006/relationships" xmlns:p="http://schemas.openxmlformats.org/presentationml/2006/main">
+  <p:cSld>
+    <p:spTree>
+      <p:nvGrpSpPr>
+        <p:cNvPr id="1" name=""/>
+        <p:cNvGrpSpPr/>
+        <p:nvPr/>
+      </p:nvGrpSpPr>
+      <p:grpSpPr>
+        <a:xfrm>
+          <a:off x="0" y="0"/>
+          <a:ext cx="0" cy="0"/>
+          <a:chOff x="0" y="0"/>
+          <a:chExt cx="0" cy="0"/>
+        </a:xfrm>
+      </p:grpSpPr>
+      <p:sp>
+        <p:nvSpPr>
+          <p:cNvPr id="2" name="Title 1"/>
+          <p:cNvSpPr>
+            <a:spLocks noGrp="1"/>
+          </p:cNvSpPr>
+          <p:nvPr>
+            <p:ph type="title"/>
+          </p:nvPr>
+        </p:nvSpPr>
+        <p:spPr/>
+        <p:txBody>
+          <a:bodyPr/>
+          <a:lstStyle/>
+          <a:p>
+            <a:r>
+              <a:rPr lang="en-US" dirty="0" smtClean="0"/>
+              <a:t>Dynamically Compile a Module</a:t>
+            </a:r>
+            <a:endParaRPr lang="en-US" dirty="0"/>
+          </a:p>
+        </p:txBody>
+      </p:sp>
+      <p:sp>
+        <p:nvSpPr>
+          <p:cNvPr id="3" name="Footer Placeholder 2"/>
+          <p:cNvSpPr>
+            <a:spLocks noGrp="1"/>
+          </p:cNvSpPr>
+          <p:nvPr>
+            <p:ph type="ftr" sz="quarter" idx="11"/>
+          </p:nvPr>
+        </p:nvSpPr>
+        <p:spPr/>
+        <p:txBody>
+          <a:bodyPr/>
+          <a:lstStyle/>
+          <a:p>
+            <a:r>
+              <a:rPr lang="en-US" smtClean="0"/>
+              <a:t>© 2016 Ori Calvo</a:t>
+            </a:r>
+            <a:endParaRPr lang="en-US" dirty="0"/>
+          </a:p>
+        </p:txBody>
+      </p:sp>
+      <p:sp>
+        <p:nvSpPr>
+          <p:cNvPr id="4" name="Slide Number Placeholder 3"/>
+          <p:cNvSpPr>
+            <a:spLocks noGrp="1"/>
+          </p:cNvSpPr>
+          <p:nvPr>
+            <p:ph type="sldNum" sz="quarter" idx="12"/>
+          </p:nvPr>
+        </p:nvSpPr>
+        <p:spPr/>
+        <p:txBody>
+          <a:bodyPr>
+            <a:normAutofit fontScale="85000" lnSpcReduction="20000"/>
+          </a:bodyPr>
+          <a:lstStyle/>
+          <a:p>
+            <a:fld id="{6EDEC3BC-0694-4586-AE63-02B4D54ABF43}" type="slidenum">
+              <a:rPr lang="en-US" smtClean="0"/>
+              <a:pPr/>
+              <a:t>37</a:t>
+            </a:fld>
+            <a:endParaRPr lang="en-US"/>
+          </a:p>
+        </p:txBody>
+      </p:sp>
+      <p:sp>
+        <p:nvSpPr>
+          <p:cNvPr id="5" name="Content Placeholder 4"/>
+          <p:cNvSpPr>
+            <a:spLocks noGrp="1"/>
+          </p:cNvSpPr>
+          <p:nvPr>
+            <p:ph sz="quarter" idx="1"/>
+          </p:nvPr>
+        </p:nvSpPr>
+        <p:spPr/>
+        <p:txBody>
+          <a:bodyPr/>
+          <a:lstStyle/>
+          <a:p>
+            <a:endParaRPr lang="en-US"/>
+          </a:p>
+        </p:txBody>
+      </p:sp>
+    </p:spTree>
+    <p:extLst>
+      <p:ext uri="{BB962C8B-B14F-4D97-AF65-F5344CB8AC3E}">
+        <p14:creationId xmlns:p14="http://schemas.microsoft.com/office/powerpoint/2010/main" val="3710089747"/>
       </p:ext>
     </p:extLst>
   </p:cSld>

--- a/PPTs/06 Advanced Components.pptx
+++ b/PPTs/06 Advanced Components.pptx
@@ -5,7 +5,7 @@
     <p:sldMasterId id="2147483672" r:id="rId1"/>
   </p:sldMasterIdLst>
   <p:notesMasterIdLst>
-    <p:notesMasterId r:id="rId39"/>
+    <p:notesMasterId r:id="rId40"/>
   </p:notesMasterIdLst>
   <p:sldIdLst>
     <p:sldId id="256" r:id="rId2"/>
@@ -45,6 +45,7 @@
     <p:sldId id="290" r:id="rId36"/>
     <p:sldId id="291" r:id="rId37"/>
     <p:sldId id="292" r:id="rId38"/>
+    <p:sldId id="293" r:id="rId39"/>
   </p:sldIdLst>
   <p:sldSz cx="9144000" cy="6858000" type="screen4x3"/>
   <p:notesSz cx="6858000" cy="9144000"/>
@@ -1303,35 +1304,14 @@
         </dgm:presLayoutVars>
       </dgm:prSet>
       <dgm:spPr/>
-      <dgm:t>
-        <a:bodyPr/>
-        <a:lstStyle/>
-        <a:p>
-          <a:endParaRPr lang="en-US"/>
-        </a:p>
-      </dgm:t>
     </dgm:pt>
     <dgm:pt modelId="{2CAF8251-DFFA-4945-960C-5929CB8E824B}" type="pres">
       <dgm:prSet presAssocID="{5B6D3F57-B83C-4EB8-9B5A-68E5FE821946}" presName="sibTrans" presStyleLbl="sibTrans2D1" presStyleIdx="0" presStyleCnt="9"/>
       <dgm:spPr/>
-      <dgm:t>
-        <a:bodyPr/>
-        <a:lstStyle/>
-        <a:p>
-          <a:endParaRPr lang="en-US"/>
-        </a:p>
-      </dgm:t>
     </dgm:pt>
     <dgm:pt modelId="{3BB2D16E-1CC7-4738-B84A-EB4DEE5310E7}" type="pres">
       <dgm:prSet presAssocID="{5B6D3F57-B83C-4EB8-9B5A-68E5FE821946}" presName="connectorText" presStyleLbl="sibTrans2D1" presStyleIdx="0" presStyleCnt="9"/>
       <dgm:spPr/>
-      <dgm:t>
-        <a:bodyPr/>
-        <a:lstStyle/>
-        <a:p>
-          <a:endParaRPr lang="en-US"/>
-        </a:p>
-      </dgm:t>
     </dgm:pt>
     <dgm:pt modelId="{FB76C021-36F4-467E-8212-F9818DF6103F}" type="pres">
       <dgm:prSet presAssocID="{9A59CCF8-0ED6-4AC2-9580-F70D9BF95ADB}" presName="node" presStyleLbl="node1" presStyleIdx="1" presStyleCnt="10">
@@ -1340,35 +1320,14 @@
         </dgm:presLayoutVars>
       </dgm:prSet>
       <dgm:spPr/>
-      <dgm:t>
-        <a:bodyPr/>
-        <a:lstStyle/>
-        <a:p>
-          <a:endParaRPr lang="en-US"/>
-        </a:p>
-      </dgm:t>
     </dgm:pt>
     <dgm:pt modelId="{001C0266-14F1-4005-BED6-7D130EA97079}" type="pres">
       <dgm:prSet presAssocID="{D5CCD173-2EA8-4945-A34B-43CF743BA11C}" presName="sibTrans" presStyleLbl="sibTrans2D1" presStyleIdx="1" presStyleCnt="9"/>
       <dgm:spPr/>
-      <dgm:t>
-        <a:bodyPr/>
-        <a:lstStyle/>
-        <a:p>
-          <a:endParaRPr lang="en-US"/>
-        </a:p>
-      </dgm:t>
     </dgm:pt>
     <dgm:pt modelId="{2B89F9C2-B9E7-4AE4-A866-D869D897C165}" type="pres">
       <dgm:prSet presAssocID="{D5CCD173-2EA8-4945-A34B-43CF743BA11C}" presName="connectorText" presStyleLbl="sibTrans2D1" presStyleIdx="1" presStyleCnt="9"/>
       <dgm:spPr/>
-      <dgm:t>
-        <a:bodyPr/>
-        <a:lstStyle/>
-        <a:p>
-          <a:endParaRPr lang="en-US"/>
-        </a:p>
-      </dgm:t>
     </dgm:pt>
     <dgm:pt modelId="{E2D9A362-182A-4859-B834-37E42EE7ECBC}" type="pres">
       <dgm:prSet presAssocID="{4E3C0592-8877-4794-9FFC-5CE77BAF5D26}" presName="node" presStyleLbl="node1" presStyleIdx="2" presStyleCnt="10">
@@ -1377,35 +1336,14 @@
         </dgm:presLayoutVars>
       </dgm:prSet>
       <dgm:spPr/>
-      <dgm:t>
-        <a:bodyPr/>
-        <a:lstStyle/>
-        <a:p>
-          <a:endParaRPr lang="en-US"/>
-        </a:p>
-      </dgm:t>
     </dgm:pt>
     <dgm:pt modelId="{2FAF20BE-974E-4E38-99A1-3A60BABD03EA}" type="pres">
       <dgm:prSet presAssocID="{09EDE783-0E7B-479F-A590-D41337767395}" presName="sibTrans" presStyleLbl="sibTrans2D1" presStyleIdx="2" presStyleCnt="9"/>
       <dgm:spPr/>
-      <dgm:t>
-        <a:bodyPr/>
-        <a:lstStyle/>
-        <a:p>
-          <a:endParaRPr lang="en-US"/>
-        </a:p>
-      </dgm:t>
     </dgm:pt>
     <dgm:pt modelId="{4CB8CB1A-85CF-4B5B-B70B-D741C81DEEAB}" type="pres">
       <dgm:prSet presAssocID="{09EDE783-0E7B-479F-A590-D41337767395}" presName="connectorText" presStyleLbl="sibTrans2D1" presStyleIdx="2" presStyleCnt="9"/>
       <dgm:spPr/>
-      <dgm:t>
-        <a:bodyPr/>
-        <a:lstStyle/>
-        <a:p>
-          <a:endParaRPr lang="en-US"/>
-        </a:p>
-      </dgm:t>
     </dgm:pt>
     <dgm:pt modelId="{C3348AE4-777A-446C-B4C0-12461230E8ED}" type="pres">
       <dgm:prSet presAssocID="{15776F3A-E0DF-443A-B844-96CAF429FBDC}" presName="node" presStyleLbl="node1" presStyleIdx="3" presStyleCnt="10">
@@ -1414,35 +1352,14 @@
         </dgm:presLayoutVars>
       </dgm:prSet>
       <dgm:spPr/>
-      <dgm:t>
-        <a:bodyPr/>
-        <a:lstStyle/>
-        <a:p>
-          <a:endParaRPr lang="en-US"/>
-        </a:p>
-      </dgm:t>
     </dgm:pt>
     <dgm:pt modelId="{4FA34A37-628E-4F05-95D6-F33AEFAA52D9}" type="pres">
       <dgm:prSet presAssocID="{880F3994-7F95-4EF3-B919-9339A7A0CAC7}" presName="sibTrans" presStyleLbl="sibTrans2D1" presStyleIdx="3" presStyleCnt="9"/>
       <dgm:spPr/>
-      <dgm:t>
-        <a:bodyPr/>
-        <a:lstStyle/>
-        <a:p>
-          <a:endParaRPr lang="en-US"/>
-        </a:p>
-      </dgm:t>
     </dgm:pt>
     <dgm:pt modelId="{9938F42E-25A8-4A4C-836F-699190E4A5C1}" type="pres">
       <dgm:prSet presAssocID="{880F3994-7F95-4EF3-B919-9339A7A0CAC7}" presName="connectorText" presStyleLbl="sibTrans2D1" presStyleIdx="3" presStyleCnt="9"/>
       <dgm:spPr/>
-      <dgm:t>
-        <a:bodyPr/>
-        <a:lstStyle/>
-        <a:p>
-          <a:endParaRPr lang="en-US"/>
-        </a:p>
-      </dgm:t>
     </dgm:pt>
     <dgm:pt modelId="{1131802E-D7BE-4C12-928A-85235852EA9D}" type="pres">
       <dgm:prSet presAssocID="{73529B2F-7F55-4D26-B8E0-FC6F90C2F94E}" presName="node" presStyleLbl="node1" presStyleIdx="4" presStyleCnt="10">
@@ -1451,35 +1368,14 @@
         </dgm:presLayoutVars>
       </dgm:prSet>
       <dgm:spPr/>
-      <dgm:t>
-        <a:bodyPr/>
-        <a:lstStyle/>
-        <a:p>
-          <a:endParaRPr lang="en-US"/>
-        </a:p>
-      </dgm:t>
     </dgm:pt>
     <dgm:pt modelId="{2AF90225-B84E-42EA-823B-34729E8D71A6}" type="pres">
       <dgm:prSet presAssocID="{79DF1BCF-F727-4C1D-BAB7-41B7BDDC2EE4}" presName="sibTrans" presStyleLbl="sibTrans2D1" presStyleIdx="4" presStyleCnt="9"/>
       <dgm:spPr/>
-      <dgm:t>
-        <a:bodyPr/>
-        <a:lstStyle/>
-        <a:p>
-          <a:endParaRPr lang="en-US"/>
-        </a:p>
-      </dgm:t>
     </dgm:pt>
     <dgm:pt modelId="{9DF86EAF-1EB2-4785-AE27-5D19A02AD606}" type="pres">
       <dgm:prSet presAssocID="{79DF1BCF-F727-4C1D-BAB7-41B7BDDC2EE4}" presName="connectorText" presStyleLbl="sibTrans2D1" presStyleIdx="4" presStyleCnt="9"/>
       <dgm:spPr/>
-      <dgm:t>
-        <a:bodyPr/>
-        <a:lstStyle/>
-        <a:p>
-          <a:endParaRPr lang="en-US"/>
-        </a:p>
-      </dgm:t>
     </dgm:pt>
     <dgm:pt modelId="{735A7C0C-52EF-46B0-AE39-108249CFC1E2}" type="pres">
       <dgm:prSet presAssocID="{80130806-0993-4ED8-821F-4B7805F4339B}" presName="node" presStyleLbl="node1" presStyleIdx="5" presStyleCnt="10">
@@ -1488,35 +1384,14 @@
         </dgm:presLayoutVars>
       </dgm:prSet>
       <dgm:spPr/>
-      <dgm:t>
-        <a:bodyPr/>
-        <a:lstStyle/>
-        <a:p>
-          <a:endParaRPr lang="en-US"/>
-        </a:p>
-      </dgm:t>
     </dgm:pt>
     <dgm:pt modelId="{6003FE79-375C-4AFB-A671-2FB4748ABE06}" type="pres">
       <dgm:prSet presAssocID="{AA6000EC-2CD0-4E6A-AA8F-A5CC28606982}" presName="sibTrans" presStyleLbl="sibTrans2D1" presStyleIdx="5" presStyleCnt="9"/>
       <dgm:spPr/>
-      <dgm:t>
-        <a:bodyPr/>
-        <a:lstStyle/>
-        <a:p>
-          <a:endParaRPr lang="en-US"/>
-        </a:p>
-      </dgm:t>
     </dgm:pt>
     <dgm:pt modelId="{16250021-5614-4961-9B51-1750226631C8}" type="pres">
       <dgm:prSet presAssocID="{AA6000EC-2CD0-4E6A-AA8F-A5CC28606982}" presName="connectorText" presStyleLbl="sibTrans2D1" presStyleIdx="5" presStyleCnt="9"/>
       <dgm:spPr/>
-      <dgm:t>
-        <a:bodyPr/>
-        <a:lstStyle/>
-        <a:p>
-          <a:endParaRPr lang="en-US"/>
-        </a:p>
-      </dgm:t>
     </dgm:pt>
     <dgm:pt modelId="{F9C8AD40-7B0A-419D-988C-2FAF30C95F5A}" type="pres">
       <dgm:prSet presAssocID="{028BDC1F-4D68-49F1-A61B-96682D29743B}" presName="node" presStyleLbl="node1" presStyleIdx="6" presStyleCnt="10">
@@ -1525,35 +1400,14 @@
         </dgm:presLayoutVars>
       </dgm:prSet>
       <dgm:spPr/>
-      <dgm:t>
-        <a:bodyPr/>
-        <a:lstStyle/>
-        <a:p>
-          <a:endParaRPr lang="en-US"/>
-        </a:p>
-      </dgm:t>
     </dgm:pt>
     <dgm:pt modelId="{FAD02D91-C773-4B95-8269-4C348E3E55DE}" type="pres">
       <dgm:prSet presAssocID="{8A53B1C7-A4F4-4A51-A3E6-A1B97162D1BF}" presName="sibTrans" presStyleLbl="sibTrans2D1" presStyleIdx="6" presStyleCnt="9"/>
       <dgm:spPr/>
-      <dgm:t>
-        <a:bodyPr/>
-        <a:lstStyle/>
-        <a:p>
-          <a:endParaRPr lang="en-US"/>
-        </a:p>
-      </dgm:t>
     </dgm:pt>
     <dgm:pt modelId="{719E4762-3584-4DE1-BED3-633674BC4D70}" type="pres">
       <dgm:prSet presAssocID="{8A53B1C7-A4F4-4A51-A3E6-A1B97162D1BF}" presName="connectorText" presStyleLbl="sibTrans2D1" presStyleIdx="6" presStyleCnt="9"/>
       <dgm:spPr/>
-      <dgm:t>
-        <a:bodyPr/>
-        <a:lstStyle/>
-        <a:p>
-          <a:endParaRPr lang="en-US"/>
-        </a:p>
-      </dgm:t>
     </dgm:pt>
     <dgm:pt modelId="{5EB918F4-21C2-4FFE-8DF4-AC5FDCBA9FD2}" type="pres">
       <dgm:prSet presAssocID="{30769A75-3D7F-4E92-B661-1A3C9F995874}" presName="node" presStyleLbl="node1" presStyleIdx="7" presStyleCnt="10">
@@ -1562,35 +1416,14 @@
         </dgm:presLayoutVars>
       </dgm:prSet>
       <dgm:spPr/>
-      <dgm:t>
-        <a:bodyPr/>
-        <a:lstStyle/>
-        <a:p>
-          <a:endParaRPr lang="en-US"/>
-        </a:p>
-      </dgm:t>
     </dgm:pt>
     <dgm:pt modelId="{94AA81B8-20F1-46DA-B451-E2D4A4828CFD}" type="pres">
       <dgm:prSet presAssocID="{34D4A5D7-2EF8-4D90-89AD-2481E3063AAA}" presName="sibTrans" presStyleLbl="sibTrans2D1" presStyleIdx="7" presStyleCnt="9"/>
       <dgm:spPr/>
-      <dgm:t>
-        <a:bodyPr/>
-        <a:lstStyle/>
-        <a:p>
-          <a:endParaRPr lang="en-US"/>
-        </a:p>
-      </dgm:t>
     </dgm:pt>
     <dgm:pt modelId="{5F0C9716-AC60-4F33-B6E1-D77A7D37184A}" type="pres">
       <dgm:prSet presAssocID="{34D4A5D7-2EF8-4D90-89AD-2481E3063AAA}" presName="connectorText" presStyleLbl="sibTrans2D1" presStyleIdx="7" presStyleCnt="9"/>
       <dgm:spPr/>
-      <dgm:t>
-        <a:bodyPr/>
-        <a:lstStyle/>
-        <a:p>
-          <a:endParaRPr lang="en-US"/>
-        </a:p>
-      </dgm:t>
     </dgm:pt>
     <dgm:pt modelId="{AAAA3577-BE21-4CA5-B34C-F652ECB0932F}" type="pres">
       <dgm:prSet presAssocID="{27C1205F-36B3-45D1-BA7D-1DC7E7E6B5B9}" presName="node" presStyleLbl="node1" presStyleIdx="8" presStyleCnt="10">
@@ -1599,35 +1432,14 @@
         </dgm:presLayoutVars>
       </dgm:prSet>
       <dgm:spPr/>
-      <dgm:t>
-        <a:bodyPr/>
-        <a:lstStyle/>
-        <a:p>
-          <a:endParaRPr lang="en-US"/>
-        </a:p>
-      </dgm:t>
     </dgm:pt>
     <dgm:pt modelId="{870AC8BA-EDAE-4B54-AE57-6C2952E5E4CA}" type="pres">
       <dgm:prSet presAssocID="{5B0A0F7D-B8B0-4ED5-9C05-3E3EEA94162E}" presName="sibTrans" presStyleLbl="sibTrans2D1" presStyleIdx="8" presStyleCnt="9"/>
       <dgm:spPr/>
-      <dgm:t>
-        <a:bodyPr/>
-        <a:lstStyle/>
-        <a:p>
-          <a:endParaRPr lang="en-US"/>
-        </a:p>
-      </dgm:t>
     </dgm:pt>
     <dgm:pt modelId="{F6B38759-1315-4F06-9567-DB3FBD1F981A}" type="pres">
       <dgm:prSet presAssocID="{5B0A0F7D-B8B0-4ED5-9C05-3E3EEA94162E}" presName="connectorText" presStyleLbl="sibTrans2D1" presStyleIdx="8" presStyleCnt="9"/>
       <dgm:spPr/>
-      <dgm:t>
-        <a:bodyPr/>
-        <a:lstStyle/>
-        <a:p>
-          <a:endParaRPr lang="en-US"/>
-        </a:p>
-      </dgm:t>
     </dgm:pt>
     <dgm:pt modelId="{E0087B9A-DD50-44C3-B704-CFF63795F2B3}" type="pres">
       <dgm:prSet presAssocID="{53D9DAC8-759F-4F85-93E5-9490595EBD87}" presName="node" presStyleLbl="node1" presStyleIdx="9" presStyleCnt="10">
@@ -1636,55 +1448,48 @@
         </dgm:presLayoutVars>
       </dgm:prSet>
       <dgm:spPr/>
-      <dgm:t>
-        <a:bodyPr/>
-        <a:lstStyle/>
-        <a:p>
-          <a:endParaRPr lang="en-US"/>
-        </a:p>
-      </dgm:t>
     </dgm:pt>
   </dgm:ptLst>
   <dgm:cxnLst>
+    <dgm:cxn modelId="{D9C33100-271C-47BE-BFEF-706925A8D729}" type="presOf" srcId="{5B6D3F57-B83C-4EB8-9B5A-68E5FE821946}" destId="{2CAF8251-DFFA-4945-960C-5929CB8E824B}" srcOrd="0" destOrd="0" presId="urn:microsoft.com/office/officeart/2005/8/layout/process2"/>
+    <dgm:cxn modelId="{BB3DD004-74B3-4862-9C2E-CCD96EE8BF29}" srcId="{C6A01319-9956-4466-834E-7F7322CE11FC}" destId="{028BDC1F-4D68-49F1-A61B-96682D29743B}" srcOrd="6" destOrd="0" parTransId="{EDA9D22B-EFCE-42A0-8C89-AF20A209E51E}" sibTransId="{8A53B1C7-A4F4-4A51-A3E6-A1B97162D1BF}"/>
+    <dgm:cxn modelId="{743AD404-26FD-468E-8378-B6A7CC9F0AFA}" type="presOf" srcId="{8A53B1C7-A4F4-4A51-A3E6-A1B97162D1BF}" destId="{FAD02D91-C773-4B95-8269-4C348E3E55DE}" srcOrd="0" destOrd="0" presId="urn:microsoft.com/office/officeart/2005/8/layout/process2"/>
+    <dgm:cxn modelId="{51DF3E0A-33CF-43DC-8DD6-926F9A469681}" type="presOf" srcId="{9A59CCF8-0ED6-4AC2-9580-F70D9BF95ADB}" destId="{FB76C021-36F4-467E-8212-F9818DF6103F}" srcOrd="0" destOrd="0" presId="urn:microsoft.com/office/officeart/2005/8/layout/process2"/>
+    <dgm:cxn modelId="{D3EA921A-6C61-4DF5-8AAA-8ED80370107A}" type="presOf" srcId="{C6A01319-9956-4466-834E-7F7322CE11FC}" destId="{9DD96EA3-A644-4875-B46F-91ED42C83A18}" srcOrd="0" destOrd="0" presId="urn:microsoft.com/office/officeart/2005/8/layout/process2"/>
+    <dgm:cxn modelId="{C278BC1C-603A-4494-A145-891928AB2B6B}" srcId="{C6A01319-9956-4466-834E-7F7322CE11FC}" destId="{9A59CCF8-0ED6-4AC2-9580-F70D9BF95ADB}" srcOrd="1" destOrd="0" parTransId="{AE55876D-DF68-44FA-86C3-B861C04972A9}" sibTransId="{D5CCD173-2EA8-4945-A34B-43CF743BA11C}"/>
+    <dgm:cxn modelId="{AF4C731D-31BC-405E-986C-36C8FE869496}" type="presOf" srcId="{79DF1BCF-F727-4C1D-BAB7-41B7BDDC2EE4}" destId="{2AF90225-B84E-42EA-823B-34729E8D71A6}" srcOrd="0" destOrd="0" presId="urn:microsoft.com/office/officeart/2005/8/layout/process2"/>
+    <dgm:cxn modelId="{F863291E-AEDD-4A58-A0E3-7161CF159248}" type="presOf" srcId="{15776F3A-E0DF-443A-B844-96CAF429FBDC}" destId="{C3348AE4-777A-446C-B4C0-12461230E8ED}" srcOrd="0" destOrd="0" presId="urn:microsoft.com/office/officeart/2005/8/layout/process2"/>
+    <dgm:cxn modelId="{709EEC29-312A-4568-8E2B-E2A8FBA360DC}" type="presOf" srcId="{880F3994-7F95-4EF3-B919-9339A7A0CAC7}" destId="{4FA34A37-628E-4F05-95D6-F33AEFAA52D9}" srcOrd="0" destOrd="0" presId="urn:microsoft.com/office/officeart/2005/8/layout/process2"/>
+    <dgm:cxn modelId="{E62D262F-0121-4F7B-8C16-0AE0CA3DA4CF}" type="presOf" srcId="{34D4A5D7-2EF8-4D90-89AD-2481E3063AAA}" destId="{94AA81B8-20F1-46DA-B451-E2D4A4828CFD}" srcOrd="0" destOrd="0" presId="urn:microsoft.com/office/officeart/2005/8/layout/process2"/>
+    <dgm:cxn modelId="{AE29CF2F-9676-455B-B62D-D20F47B52EDD}" type="presOf" srcId="{53D9DAC8-759F-4F85-93E5-9490595EBD87}" destId="{E0087B9A-DD50-44C3-B704-CFF63795F2B3}" srcOrd="0" destOrd="0" presId="urn:microsoft.com/office/officeart/2005/8/layout/process2"/>
+    <dgm:cxn modelId="{C8B98B38-9485-4BEB-9AB3-B5F0CDE02E2C}" type="presOf" srcId="{8A53B1C7-A4F4-4A51-A3E6-A1B97162D1BF}" destId="{719E4762-3584-4DE1-BED3-633674BC4D70}" srcOrd="1" destOrd="0" presId="urn:microsoft.com/office/officeart/2005/8/layout/process2"/>
+    <dgm:cxn modelId="{1B1D2E46-8533-4776-874C-AC736CF348CA}" type="presOf" srcId="{5B0A0F7D-B8B0-4ED5-9C05-3E3EEA94162E}" destId="{F6B38759-1315-4F06-9567-DB3FBD1F981A}" srcOrd="1" destOrd="0" presId="urn:microsoft.com/office/officeart/2005/8/layout/process2"/>
+    <dgm:cxn modelId="{3BB07C4F-5218-4779-A1F8-30C010541E7F}" type="presOf" srcId="{4E3C0592-8877-4794-9FFC-5CE77BAF5D26}" destId="{E2D9A362-182A-4859-B834-37E42EE7ECBC}" srcOrd="0" destOrd="0" presId="urn:microsoft.com/office/officeart/2005/8/layout/process2"/>
+    <dgm:cxn modelId="{D1B9CF53-02FB-4404-8386-68CD251C1FBF}" srcId="{C6A01319-9956-4466-834E-7F7322CE11FC}" destId="{73529B2F-7F55-4D26-B8E0-FC6F90C2F94E}" srcOrd="4" destOrd="0" parTransId="{991259D8-0E1C-4655-9CBB-E20FE609C8AB}" sibTransId="{79DF1BCF-F727-4C1D-BAB7-41B7BDDC2EE4}"/>
+    <dgm:cxn modelId="{A5872576-402B-4123-ADE9-26F31F1D9310}" srcId="{C6A01319-9956-4466-834E-7F7322CE11FC}" destId="{4E3C0592-8877-4794-9FFC-5CE77BAF5D26}" srcOrd="2" destOrd="0" parTransId="{73D5F8B4-8397-4EFA-BF3C-B32238479ED6}" sibTransId="{09EDE783-0E7B-479F-A590-D41337767395}"/>
+    <dgm:cxn modelId="{79C5F576-7033-4486-B94D-3C4D0BBD4C88}" type="presOf" srcId="{09EDE783-0E7B-479F-A590-D41337767395}" destId="{4CB8CB1A-85CF-4B5B-B70B-D741C81DEEAB}" srcOrd="1" destOrd="0" presId="urn:microsoft.com/office/officeart/2005/8/layout/process2"/>
+    <dgm:cxn modelId="{CDDDF977-9990-49C1-9F4F-4EB4350922EF}" type="presOf" srcId="{27C1205F-36B3-45D1-BA7D-1DC7E7E6B5B9}" destId="{AAAA3577-BE21-4CA5-B34C-F652ECB0932F}" srcOrd="0" destOrd="0" presId="urn:microsoft.com/office/officeart/2005/8/layout/process2"/>
+    <dgm:cxn modelId="{133EB25A-45CD-4BE4-934A-F1AF5979F895}" type="presOf" srcId="{034FBD38-001F-4B03-9451-FCFEA3EADDF3}" destId="{B7666B93-E046-44C3-9175-857ECEF9EC1C}" srcOrd="0" destOrd="0" presId="urn:microsoft.com/office/officeart/2005/8/layout/process2"/>
+    <dgm:cxn modelId="{D63BBD83-AB47-485C-BEA9-E37D64BC5EB1}" srcId="{C6A01319-9956-4466-834E-7F7322CE11FC}" destId="{53D9DAC8-759F-4F85-93E5-9490595EBD87}" srcOrd="9" destOrd="0" parTransId="{BA19793D-22FF-4F21-89E2-53BB534DB3B9}" sibTransId="{2F7EC078-CB07-4320-B564-40133EA7340A}"/>
     <dgm:cxn modelId="{89700E86-55ED-4587-8803-CEF48DEF9375}" type="presOf" srcId="{AA6000EC-2CD0-4E6A-AA8F-A5CC28606982}" destId="{6003FE79-375C-4AFB-A671-2FB4748ABE06}" srcOrd="0" destOrd="0" presId="urn:microsoft.com/office/officeart/2005/8/layout/process2"/>
-    <dgm:cxn modelId="{F863291E-AEDD-4A58-A0E3-7161CF159248}" type="presOf" srcId="{15776F3A-E0DF-443A-B844-96CAF429FBDC}" destId="{C3348AE4-777A-446C-B4C0-12461230E8ED}" srcOrd="0" destOrd="0" presId="urn:microsoft.com/office/officeart/2005/8/layout/process2"/>
-    <dgm:cxn modelId="{D3EA921A-6C61-4DF5-8AAA-8ED80370107A}" type="presOf" srcId="{C6A01319-9956-4466-834E-7F7322CE11FC}" destId="{9DD96EA3-A644-4875-B46F-91ED42C83A18}" srcOrd="0" destOrd="0" presId="urn:microsoft.com/office/officeart/2005/8/layout/process2"/>
-    <dgm:cxn modelId="{BC55CCEE-1DF7-40E1-954B-95C4CF3090EE}" srcId="{C6A01319-9956-4466-834E-7F7322CE11FC}" destId="{034FBD38-001F-4B03-9451-FCFEA3EADDF3}" srcOrd="0" destOrd="0" parTransId="{F6D053CE-9A52-4CE1-A5B9-39E940B853A1}" sibTransId="{5B6D3F57-B83C-4EB8-9B5A-68E5FE821946}"/>
-    <dgm:cxn modelId="{D1B9CF53-02FB-4404-8386-68CD251C1FBF}" srcId="{C6A01319-9956-4466-834E-7F7322CE11FC}" destId="{73529B2F-7F55-4D26-B8E0-FC6F90C2F94E}" srcOrd="4" destOrd="0" parTransId="{991259D8-0E1C-4655-9CBB-E20FE609C8AB}" sibTransId="{79DF1BCF-F727-4C1D-BAB7-41B7BDDC2EE4}"/>
-    <dgm:cxn modelId="{1B1D2E46-8533-4776-874C-AC736CF348CA}" type="presOf" srcId="{5B0A0F7D-B8B0-4ED5-9C05-3E3EEA94162E}" destId="{F6B38759-1315-4F06-9567-DB3FBD1F981A}" srcOrd="1" destOrd="0" presId="urn:microsoft.com/office/officeart/2005/8/layout/process2"/>
+    <dgm:cxn modelId="{2A6E8389-3D89-4D2B-A92C-649FCC63466C}" srcId="{C6A01319-9956-4466-834E-7F7322CE11FC}" destId="{80130806-0993-4ED8-821F-4B7805F4339B}" srcOrd="5" destOrd="0" parTransId="{866531FD-6588-4F5C-8A1C-570E97100AFD}" sibTransId="{AA6000EC-2CD0-4E6A-AA8F-A5CC28606982}"/>
+    <dgm:cxn modelId="{20AC488A-1206-4A65-9212-20A64BE4F517}" type="presOf" srcId="{30769A75-3D7F-4E92-B661-1A3C9F995874}" destId="{5EB918F4-21C2-4FFE-8DF4-AC5FDCBA9FD2}" srcOrd="0" destOrd="0" presId="urn:microsoft.com/office/officeart/2005/8/layout/process2"/>
     <dgm:cxn modelId="{D484B88A-146F-4359-8E1C-5F889879C454}" srcId="{C6A01319-9956-4466-834E-7F7322CE11FC}" destId="{27C1205F-36B3-45D1-BA7D-1DC7E7E6B5B9}" srcOrd="8" destOrd="0" parTransId="{A311B756-0575-481A-9968-970A2625DB31}" sibTransId="{5B0A0F7D-B8B0-4ED5-9C05-3E3EEA94162E}"/>
-    <dgm:cxn modelId="{C8B98B38-9485-4BEB-9AB3-B5F0CDE02E2C}" type="presOf" srcId="{8A53B1C7-A4F4-4A51-A3E6-A1B97162D1BF}" destId="{719E4762-3584-4DE1-BED3-633674BC4D70}" srcOrd="1" destOrd="0" presId="urn:microsoft.com/office/officeart/2005/8/layout/process2"/>
-    <dgm:cxn modelId="{D9C33100-271C-47BE-BFEF-706925A8D729}" type="presOf" srcId="{5B6D3F57-B83C-4EB8-9B5A-68E5FE821946}" destId="{2CAF8251-DFFA-4945-960C-5929CB8E824B}" srcOrd="0" destOrd="0" presId="urn:microsoft.com/office/officeart/2005/8/layout/process2"/>
-    <dgm:cxn modelId="{133EB25A-45CD-4BE4-934A-F1AF5979F895}" type="presOf" srcId="{034FBD38-001F-4B03-9451-FCFEA3EADDF3}" destId="{B7666B93-E046-44C3-9175-857ECEF9EC1C}" srcOrd="0" destOrd="0" presId="urn:microsoft.com/office/officeart/2005/8/layout/process2"/>
-    <dgm:cxn modelId="{79C5F576-7033-4486-B94D-3C4D0BBD4C88}" type="presOf" srcId="{09EDE783-0E7B-479F-A590-D41337767395}" destId="{4CB8CB1A-85CF-4B5B-B70B-D741C81DEEAB}" srcOrd="1" destOrd="0" presId="urn:microsoft.com/office/officeart/2005/8/layout/process2"/>
+    <dgm:cxn modelId="{B7F19BA3-0521-422F-B9FE-DB5CDD6767DF}" type="presOf" srcId="{79DF1BCF-F727-4C1D-BAB7-41B7BDDC2EE4}" destId="{9DF86EAF-1EB2-4785-AE27-5D19A02AD606}" srcOrd="1" destOrd="0" presId="urn:microsoft.com/office/officeart/2005/8/layout/process2"/>
+    <dgm:cxn modelId="{BB0DECA9-F79F-4A27-BAC1-6EFE337E7E1F}" type="presOf" srcId="{880F3994-7F95-4EF3-B919-9339A7A0CAC7}" destId="{9938F42E-25A8-4A4C-836F-699190E4A5C1}" srcOrd="1" destOrd="0" presId="urn:microsoft.com/office/officeart/2005/8/layout/process2"/>
     <dgm:cxn modelId="{25C316AD-F0FC-4D83-9A4C-30540FADAE51}" type="presOf" srcId="{34D4A5D7-2EF8-4D90-89AD-2481E3063AAA}" destId="{5F0C9716-AC60-4F33-B6E1-D77A7D37184A}" srcOrd="1" destOrd="0" presId="urn:microsoft.com/office/officeart/2005/8/layout/process2"/>
-    <dgm:cxn modelId="{AF4C731D-31BC-405E-986C-36C8FE869496}" type="presOf" srcId="{79DF1BCF-F727-4C1D-BAB7-41B7BDDC2EE4}" destId="{2AF90225-B84E-42EA-823B-34729E8D71A6}" srcOrd="0" destOrd="0" presId="urn:microsoft.com/office/officeart/2005/8/layout/process2"/>
-    <dgm:cxn modelId="{2A6E8389-3D89-4D2B-A92C-649FCC63466C}" srcId="{C6A01319-9956-4466-834E-7F7322CE11FC}" destId="{80130806-0993-4ED8-821F-4B7805F4339B}" srcOrd="5" destOrd="0" parTransId="{866531FD-6588-4F5C-8A1C-570E97100AFD}" sibTransId="{AA6000EC-2CD0-4E6A-AA8F-A5CC28606982}"/>
-    <dgm:cxn modelId="{51DF3E0A-33CF-43DC-8DD6-926F9A469681}" type="presOf" srcId="{9A59CCF8-0ED6-4AC2-9580-F70D9BF95ADB}" destId="{FB76C021-36F4-467E-8212-F9818DF6103F}" srcOrd="0" destOrd="0" presId="urn:microsoft.com/office/officeart/2005/8/layout/process2"/>
-    <dgm:cxn modelId="{CDDDF977-9990-49C1-9F4F-4EB4350922EF}" type="presOf" srcId="{27C1205F-36B3-45D1-BA7D-1DC7E7E6B5B9}" destId="{AAAA3577-BE21-4CA5-B34C-F652ECB0932F}" srcOrd="0" destOrd="0" presId="urn:microsoft.com/office/officeart/2005/8/layout/process2"/>
-    <dgm:cxn modelId="{BB3DD004-74B3-4862-9C2E-CCD96EE8BF29}" srcId="{C6A01319-9956-4466-834E-7F7322CE11FC}" destId="{028BDC1F-4D68-49F1-A61B-96682D29743B}" srcOrd="6" destOrd="0" parTransId="{EDA9D22B-EFCE-42A0-8C89-AF20A209E51E}" sibTransId="{8A53B1C7-A4F4-4A51-A3E6-A1B97162D1BF}"/>
-    <dgm:cxn modelId="{69F922FB-FB67-460D-BEA6-F5D66543E74B}" type="presOf" srcId="{73529B2F-7F55-4D26-B8E0-FC6F90C2F94E}" destId="{1131802E-D7BE-4C12-928A-85235852EA9D}" srcOrd="0" destOrd="0" presId="urn:microsoft.com/office/officeart/2005/8/layout/process2"/>
-    <dgm:cxn modelId="{E62D262F-0121-4F7B-8C16-0AE0CA3DA4CF}" type="presOf" srcId="{34D4A5D7-2EF8-4D90-89AD-2481E3063AAA}" destId="{94AA81B8-20F1-46DA-B451-E2D4A4828CFD}" srcOrd="0" destOrd="0" presId="urn:microsoft.com/office/officeart/2005/8/layout/process2"/>
-    <dgm:cxn modelId="{CBFA72DA-8CBB-4A9D-81F6-92B5039C8DDB}" type="presOf" srcId="{5B6D3F57-B83C-4EB8-9B5A-68E5FE821946}" destId="{3BB2D16E-1CC7-4738-B84A-EB4DEE5310E7}" srcOrd="1" destOrd="0" presId="urn:microsoft.com/office/officeart/2005/8/layout/process2"/>
-    <dgm:cxn modelId="{5FBD2EDA-A430-4DC2-B3AC-BB3B6C1584A0}" type="presOf" srcId="{D5CCD173-2EA8-4945-A34B-43CF743BA11C}" destId="{001C0266-14F1-4005-BED6-7D130EA97079}" srcOrd="0" destOrd="0" presId="urn:microsoft.com/office/officeart/2005/8/layout/process2"/>
-    <dgm:cxn modelId="{A5872576-402B-4123-ADE9-26F31F1D9310}" srcId="{C6A01319-9956-4466-834E-7F7322CE11FC}" destId="{4E3C0592-8877-4794-9FFC-5CE77BAF5D26}" srcOrd="2" destOrd="0" parTransId="{73D5F8B4-8397-4EFA-BF3C-B32238479ED6}" sibTransId="{09EDE783-0E7B-479F-A590-D41337767395}"/>
-    <dgm:cxn modelId="{6FC7CDED-411F-4FD1-9A4E-7A82A1EC96E7}" srcId="{C6A01319-9956-4466-834E-7F7322CE11FC}" destId="{30769A75-3D7F-4E92-B661-1A3C9F995874}" srcOrd="7" destOrd="0" parTransId="{091B5676-1AA8-4EED-B9A3-CC8CC773D689}" sibTransId="{34D4A5D7-2EF8-4D90-89AD-2481E3063AAA}"/>
-    <dgm:cxn modelId="{BB0DECA9-F79F-4A27-BAC1-6EFE337E7E1F}" type="presOf" srcId="{880F3994-7F95-4EF3-B919-9339A7A0CAC7}" destId="{9938F42E-25A8-4A4C-836F-699190E4A5C1}" srcOrd="1" destOrd="0" presId="urn:microsoft.com/office/officeart/2005/8/layout/process2"/>
-    <dgm:cxn modelId="{D63BBD83-AB47-485C-BEA9-E37D64BC5EB1}" srcId="{C6A01319-9956-4466-834E-7F7322CE11FC}" destId="{53D9DAC8-759F-4F85-93E5-9490595EBD87}" srcOrd="9" destOrd="0" parTransId="{BA19793D-22FF-4F21-89E2-53BB534DB3B9}" sibTransId="{2F7EC078-CB07-4320-B564-40133EA7340A}"/>
-    <dgm:cxn modelId="{493C0ED5-4442-4B0F-B82F-9ABF5559871C}" type="presOf" srcId="{80130806-0993-4ED8-821F-4B7805F4339B}" destId="{735A7C0C-52EF-46B0-AE39-108249CFC1E2}" srcOrd="0" destOrd="0" presId="urn:microsoft.com/office/officeart/2005/8/layout/process2"/>
-    <dgm:cxn modelId="{743AD404-26FD-468E-8378-B6A7CC9F0AFA}" type="presOf" srcId="{8A53B1C7-A4F4-4A51-A3E6-A1B97162D1BF}" destId="{FAD02D91-C773-4B95-8269-4C348E3E55DE}" srcOrd="0" destOrd="0" presId="urn:microsoft.com/office/officeart/2005/8/layout/process2"/>
-    <dgm:cxn modelId="{709EEC29-312A-4568-8E2B-E2A8FBA360DC}" type="presOf" srcId="{880F3994-7F95-4EF3-B919-9339A7A0CAC7}" destId="{4FA34A37-628E-4F05-95D6-F33AEFAA52D9}" srcOrd="0" destOrd="0" presId="urn:microsoft.com/office/officeart/2005/8/layout/process2"/>
     <dgm:cxn modelId="{C54C4CB8-7534-43FB-A83E-0AD63E447CB0}" type="presOf" srcId="{AA6000EC-2CD0-4E6A-AA8F-A5CC28606982}" destId="{16250021-5614-4961-9B51-1750226631C8}" srcOrd="1" destOrd="0" presId="urn:microsoft.com/office/officeart/2005/8/layout/process2"/>
     <dgm:cxn modelId="{0BE641C0-5ECB-49B7-879E-4A6F15AC3A93}" type="presOf" srcId="{09EDE783-0E7B-479F-A590-D41337767395}" destId="{2FAF20BE-974E-4E38-99A1-3A60BABD03EA}" srcOrd="0" destOrd="0" presId="urn:microsoft.com/office/officeart/2005/8/layout/process2"/>
-    <dgm:cxn modelId="{C278BC1C-603A-4494-A145-891928AB2B6B}" srcId="{C6A01319-9956-4466-834E-7F7322CE11FC}" destId="{9A59CCF8-0ED6-4AC2-9580-F70D9BF95ADB}" srcOrd="1" destOrd="0" parTransId="{AE55876D-DF68-44FA-86C3-B861C04972A9}" sibTransId="{D5CCD173-2EA8-4945-A34B-43CF743BA11C}"/>
     <dgm:cxn modelId="{79BF6AC0-D6AE-424D-A413-9AA0122B1BB4}" srcId="{C6A01319-9956-4466-834E-7F7322CE11FC}" destId="{15776F3A-E0DF-443A-B844-96CAF429FBDC}" srcOrd="3" destOrd="0" parTransId="{37586B16-9C7A-40E4-8422-867752440F57}" sibTransId="{880F3994-7F95-4EF3-B919-9339A7A0CAC7}"/>
     <dgm:cxn modelId="{84E143D0-8F09-49A1-A6F6-51AE3E360FA9}" type="presOf" srcId="{D5CCD173-2EA8-4945-A34B-43CF743BA11C}" destId="{2B89F9C2-B9E7-4AE4-A866-D869D897C165}" srcOrd="1" destOrd="0" presId="urn:microsoft.com/office/officeart/2005/8/layout/process2"/>
-    <dgm:cxn modelId="{B7F19BA3-0521-422F-B9FE-DB5CDD6767DF}" type="presOf" srcId="{79DF1BCF-F727-4C1D-BAB7-41B7BDDC2EE4}" destId="{9DF86EAF-1EB2-4785-AE27-5D19A02AD606}" srcOrd="1" destOrd="0" presId="urn:microsoft.com/office/officeart/2005/8/layout/process2"/>
-    <dgm:cxn modelId="{3BB07C4F-5218-4779-A1F8-30C010541E7F}" type="presOf" srcId="{4E3C0592-8877-4794-9FFC-5CE77BAF5D26}" destId="{E2D9A362-182A-4859-B834-37E42EE7ECBC}" srcOrd="0" destOrd="0" presId="urn:microsoft.com/office/officeart/2005/8/layout/process2"/>
-    <dgm:cxn modelId="{AE29CF2F-9676-455B-B62D-D20F47B52EDD}" type="presOf" srcId="{53D9DAC8-759F-4F85-93E5-9490595EBD87}" destId="{E0087B9A-DD50-44C3-B704-CFF63795F2B3}" srcOrd="0" destOrd="0" presId="urn:microsoft.com/office/officeart/2005/8/layout/process2"/>
+    <dgm:cxn modelId="{493C0ED5-4442-4B0F-B82F-9ABF5559871C}" type="presOf" srcId="{80130806-0993-4ED8-821F-4B7805F4339B}" destId="{735A7C0C-52EF-46B0-AE39-108249CFC1E2}" srcOrd="0" destOrd="0" presId="urn:microsoft.com/office/officeart/2005/8/layout/process2"/>
     <dgm:cxn modelId="{46A0A5D9-CC57-40C0-8757-F063708E4951}" type="presOf" srcId="{028BDC1F-4D68-49F1-A61B-96682D29743B}" destId="{F9C8AD40-7B0A-419D-988C-2FAF30C95F5A}" srcOrd="0" destOrd="0" presId="urn:microsoft.com/office/officeart/2005/8/layout/process2"/>
+    <dgm:cxn modelId="{5FBD2EDA-A430-4DC2-B3AC-BB3B6C1584A0}" type="presOf" srcId="{D5CCD173-2EA8-4945-A34B-43CF743BA11C}" destId="{001C0266-14F1-4005-BED6-7D130EA97079}" srcOrd="0" destOrd="0" presId="urn:microsoft.com/office/officeart/2005/8/layout/process2"/>
+    <dgm:cxn modelId="{CBFA72DA-8CBB-4A9D-81F6-92B5039C8DDB}" type="presOf" srcId="{5B6D3F57-B83C-4EB8-9B5A-68E5FE821946}" destId="{3BB2D16E-1CC7-4738-B84A-EB4DEE5310E7}" srcOrd="1" destOrd="0" presId="urn:microsoft.com/office/officeart/2005/8/layout/process2"/>
+    <dgm:cxn modelId="{6FC7CDED-411F-4FD1-9A4E-7A82A1EC96E7}" srcId="{C6A01319-9956-4466-834E-7F7322CE11FC}" destId="{30769A75-3D7F-4E92-B661-1A3C9F995874}" srcOrd="7" destOrd="0" parTransId="{091B5676-1AA8-4EED-B9A3-CC8CC773D689}" sibTransId="{34D4A5D7-2EF8-4D90-89AD-2481E3063AAA}"/>
+    <dgm:cxn modelId="{BC55CCEE-1DF7-40E1-954B-95C4CF3090EE}" srcId="{C6A01319-9956-4466-834E-7F7322CE11FC}" destId="{034FBD38-001F-4B03-9451-FCFEA3EADDF3}" srcOrd="0" destOrd="0" parTransId="{F6D053CE-9A52-4CE1-A5B9-39E940B853A1}" sibTransId="{5B6D3F57-B83C-4EB8-9B5A-68E5FE821946}"/>
     <dgm:cxn modelId="{6875DBF3-4C7F-4235-9FDB-73E95DFD65B4}" type="presOf" srcId="{5B0A0F7D-B8B0-4ED5-9C05-3E3EEA94162E}" destId="{870AC8BA-EDAE-4B54-AE57-6C2952E5E4CA}" srcOrd="0" destOrd="0" presId="urn:microsoft.com/office/officeart/2005/8/layout/process2"/>
-    <dgm:cxn modelId="{20AC488A-1206-4A65-9212-20A64BE4F517}" type="presOf" srcId="{30769A75-3D7F-4E92-B661-1A3C9F995874}" destId="{5EB918F4-21C2-4FFE-8DF4-AC5FDCBA9FD2}" srcOrd="0" destOrd="0" presId="urn:microsoft.com/office/officeart/2005/8/layout/process2"/>
+    <dgm:cxn modelId="{69F922FB-FB67-460D-BEA6-F5D66543E74B}" type="presOf" srcId="{73529B2F-7F55-4D26-B8E0-FC6F90C2F94E}" destId="{1131802E-D7BE-4C12-928A-85235852EA9D}" srcOrd="0" destOrd="0" presId="urn:microsoft.com/office/officeart/2005/8/layout/process2"/>
     <dgm:cxn modelId="{7314EDF5-7C0E-461B-BE4A-ABD286983822}" type="presParOf" srcId="{9DD96EA3-A644-4875-B46F-91ED42C83A18}" destId="{B7666B93-E046-44C3-9175-857ECEF9EC1C}" srcOrd="0" destOrd="0" presId="urn:microsoft.com/office/officeart/2005/8/layout/process2"/>
     <dgm:cxn modelId="{62454200-078C-40E2-883F-E6F4AFF03BE8}" type="presParOf" srcId="{9DD96EA3-A644-4875-B46F-91ED42C83A18}" destId="{2CAF8251-DFFA-4945-960C-5929CB8E824B}" srcOrd="1" destOrd="0" presId="urn:microsoft.com/office/officeart/2005/8/layout/process2"/>
     <dgm:cxn modelId="{DF43B9DF-6A9D-4576-B7A9-8DF024E19003}" type="presParOf" srcId="{2CAF8251-DFFA-4945-960C-5929CB8E824B}" destId="{3BB2D16E-1CC7-4738-B84A-EB4DEE5310E7}" srcOrd="0" destOrd="0" presId="urn:microsoft.com/office/officeart/2005/8/layout/process2"/>
@@ -1788,7 +1593,7 @@
         </a:bodyPr>
         <a:lstStyle/>
         <a:p>
-          <a:pPr lvl="0" algn="ctr" defTabSz="444500">
+          <a:pPr marL="0" lvl="0" indent="0" algn="ctr" defTabSz="444500">
             <a:lnSpc>
               <a:spcPct val="90000"/>
             </a:lnSpc>
@@ -1798,6 +1603,7 @@
             <a:spcAft>
               <a:spcPct val="35000"/>
             </a:spcAft>
+            <a:buNone/>
           </a:pPr>
           <a:r>
             <a:rPr lang="en-US" sz="1000" kern="1200" dirty="0" err="1"/>
@@ -1861,7 +1667,7 @@
         </a:bodyPr>
         <a:lstStyle/>
         <a:p>
-          <a:pPr lvl="0" algn="ctr" defTabSz="311150">
+          <a:pPr marL="0" lvl="0" indent="0" algn="ctr" defTabSz="311150">
             <a:lnSpc>
               <a:spcPct val="90000"/>
             </a:lnSpc>
@@ -1871,6 +1677,7 @@
             <a:spcAft>
               <a:spcPct val="35000"/>
             </a:spcAft>
+            <a:buNone/>
           </a:pPr>
           <a:endParaRPr lang="en-US" sz="700" kern="1200"/>
         </a:p>
@@ -1936,7 +1743,7 @@
         </a:bodyPr>
         <a:lstStyle/>
         <a:p>
-          <a:pPr lvl="0" algn="ctr" defTabSz="444500">
+          <a:pPr marL="0" lvl="0" indent="0" algn="ctr" defTabSz="444500">
             <a:lnSpc>
               <a:spcPct val="90000"/>
             </a:lnSpc>
@@ -1946,6 +1753,7 @@
             <a:spcAft>
               <a:spcPct val="35000"/>
             </a:spcAft>
+            <a:buNone/>
           </a:pPr>
           <a:r>
             <a:rPr lang="en-US" sz="1000" kern="1200" dirty="0" err="1"/>
@@ -2009,7 +1817,7 @@
         </a:bodyPr>
         <a:lstStyle/>
         <a:p>
-          <a:pPr lvl="0" algn="ctr" defTabSz="311150">
+          <a:pPr marL="0" lvl="0" indent="0" algn="ctr" defTabSz="311150">
             <a:lnSpc>
               <a:spcPct val="90000"/>
             </a:lnSpc>
@@ -2019,6 +1827,7 @@
             <a:spcAft>
               <a:spcPct val="35000"/>
             </a:spcAft>
+            <a:buNone/>
           </a:pPr>
           <a:endParaRPr lang="en-US" sz="700" kern="1200"/>
         </a:p>
@@ -2084,7 +1893,7 @@
         </a:bodyPr>
         <a:lstStyle/>
         <a:p>
-          <a:pPr lvl="0" algn="ctr" defTabSz="444500">
+          <a:pPr marL="0" lvl="0" indent="0" algn="ctr" defTabSz="444500">
             <a:lnSpc>
               <a:spcPct val="90000"/>
             </a:lnSpc>
@@ -2094,6 +1903,7 @@
             <a:spcAft>
               <a:spcPct val="35000"/>
             </a:spcAft>
+            <a:buNone/>
           </a:pPr>
           <a:r>
             <a:rPr lang="en-US" sz="1000" kern="1200" dirty="0" err="1"/>
@@ -2157,7 +1967,7 @@
         </a:bodyPr>
         <a:lstStyle/>
         <a:p>
-          <a:pPr lvl="0" algn="ctr" defTabSz="311150">
+          <a:pPr marL="0" lvl="0" indent="0" algn="ctr" defTabSz="311150">
             <a:lnSpc>
               <a:spcPct val="90000"/>
             </a:lnSpc>
@@ -2167,6 +1977,7 @@
             <a:spcAft>
               <a:spcPct val="35000"/>
             </a:spcAft>
+            <a:buNone/>
           </a:pPr>
           <a:endParaRPr lang="en-US" sz="700" kern="1200"/>
         </a:p>
@@ -2232,7 +2043,7 @@
         </a:bodyPr>
         <a:lstStyle/>
         <a:p>
-          <a:pPr lvl="0" algn="ctr" defTabSz="444500">
+          <a:pPr marL="0" lvl="0" indent="0" algn="ctr" defTabSz="444500">
             <a:lnSpc>
               <a:spcPct val="90000"/>
             </a:lnSpc>
@@ -2242,6 +2053,7 @@
             <a:spcAft>
               <a:spcPct val="35000"/>
             </a:spcAft>
+            <a:buNone/>
           </a:pPr>
           <a:r>
             <a:rPr lang="en-US" sz="1000" kern="1200" dirty="0"/>
@@ -2304,7 +2116,7 @@
         </a:bodyPr>
         <a:lstStyle/>
         <a:p>
-          <a:pPr lvl="0" algn="ctr" defTabSz="311150">
+          <a:pPr marL="0" lvl="0" indent="0" algn="ctr" defTabSz="311150">
             <a:lnSpc>
               <a:spcPct val="90000"/>
             </a:lnSpc>
@@ -2314,6 +2126,7 @@
             <a:spcAft>
               <a:spcPct val="35000"/>
             </a:spcAft>
+            <a:buNone/>
           </a:pPr>
           <a:endParaRPr lang="en-US" sz="700" kern="1200"/>
         </a:p>
@@ -2379,7 +2192,7 @@
         </a:bodyPr>
         <a:lstStyle/>
         <a:p>
-          <a:pPr lvl="0" algn="ctr" defTabSz="444500">
+          <a:pPr marL="0" lvl="0" indent="0" algn="ctr" defTabSz="444500">
             <a:lnSpc>
               <a:spcPct val="90000"/>
             </a:lnSpc>
@@ -2389,6 +2202,7 @@
             <a:spcAft>
               <a:spcPct val="35000"/>
             </a:spcAft>
+            <a:buNone/>
           </a:pPr>
           <a:r>
             <a:rPr lang="en-US" sz="1000" kern="1200" dirty="0" err="1"/>
@@ -2452,7 +2266,7 @@
         </a:bodyPr>
         <a:lstStyle/>
         <a:p>
-          <a:pPr lvl="0" algn="ctr" defTabSz="311150">
+          <a:pPr marL="0" lvl="0" indent="0" algn="ctr" defTabSz="311150">
             <a:lnSpc>
               <a:spcPct val="90000"/>
             </a:lnSpc>
@@ -2462,6 +2276,7 @@
             <a:spcAft>
               <a:spcPct val="35000"/>
             </a:spcAft>
+            <a:buNone/>
           </a:pPr>
           <a:endParaRPr lang="en-US" sz="700" kern="1200"/>
         </a:p>
@@ -2527,7 +2342,7 @@
         </a:bodyPr>
         <a:lstStyle/>
         <a:p>
-          <a:pPr lvl="0" algn="ctr" defTabSz="444500">
+          <a:pPr marL="0" lvl="0" indent="0" algn="ctr" defTabSz="444500">
             <a:lnSpc>
               <a:spcPct val="90000"/>
             </a:lnSpc>
@@ -2537,6 +2352,7 @@
             <a:spcAft>
               <a:spcPct val="35000"/>
             </a:spcAft>
+            <a:buNone/>
           </a:pPr>
           <a:r>
             <a:rPr lang="en-US" sz="1000" kern="1200" dirty="0" err="1"/>
@@ -2600,7 +2416,7 @@
         </a:bodyPr>
         <a:lstStyle/>
         <a:p>
-          <a:pPr lvl="0" algn="ctr" defTabSz="311150">
+          <a:pPr marL="0" lvl="0" indent="0" algn="ctr" defTabSz="311150">
             <a:lnSpc>
               <a:spcPct val="90000"/>
             </a:lnSpc>
@@ -2610,6 +2426,7 @@
             <a:spcAft>
               <a:spcPct val="35000"/>
             </a:spcAft>
+            <a:buNone/>
           </a:pPr>
           <a:endParaRPr lang="en-US" sz="700" kern="1200"/>
         </a:p>
@@ -2675,7 +2492,7 @@
         </a:bodyPr>
         <a:lstStyle/>
         <a:p>
-          <a:pPr lvl="0" algn="ctr" defTabSz="444500">
+          <a:pPr marL="0" lvl="0" indent="0" algn="ctr" defTabSz="444500">
             <a:lnSpc>
               <a:spcPct val="90000"/>
             </a:lnSpc>
@@ -2685,6 +2502,7 @@
             <a:spcAft>
               <a:spcPct val="35000"/>
             </a:spcAft>
+            <a:buNone/>
           </a:pPr>
           <a:r>
             <a:rPr lang="en-US" sz="1000" kern="1200" dirty="0"/>
@@ -2747,7 +2565,7 @@
         </a:bodyPr>
         <a:lstStyle/>
         <a:p>
-          <a:pPr lvl="0" algn="ctr" defTabSz="311150">
+          <a:pPr marL="0" lvl="0" indent="0" algn="ctr" defTabSz="311150">
             <a:lnSpc>
               <a:spcPct val="90000"/>
             </a:lnSpc>
@@ -2757,6 +2575,7 @@
             <a:spcAft>
               <a:spcPct val="35000"/>
             </a:spcAft>
+            <a:buNone/>
           </a:pPr>
           <a:endParaRPr lang="en-US" sz="700" kern="1200"/>
         </a:p>
@@ -2822,7 +2641,7 @@
         </a:bodyPr>
         <a:lstStyle/>
         <a:p>
-          <a:pPr lvl="0" algn="ctr" defTabSz="444500">
+          <a:pPr marL="0" lvl="0" indent="0" algn="ctr" defTabSz="444500">
             <a:lnSpc>
               <a:spcPct val="90000"/>
             </a:lnSpc>
@@ -2832,6 +2651,7 @@
             <a:spcAft>
               <a:spcPct val="35000"/>
             </a:spcAft>
+            <a:buNone/>
           </a:pPr>
           <a:r>
             <a:rPr lang="en-US" sz="1000" kern="1200" dirty="0" err="1"/>
@@ -2895,7 +2715,7 @@
         </a:bodyPr>
         <a:lstStyle/>
         <a:p>
-          <a:pPr lvl="0" algn="ctr" defTabSz="311150">
+          <a:pPr marL="0" lvl="0" indent="0" algn="ctr" defTabSz="311150">
             <a:lnSpc>
               <a:spcPct val="90000"/>
             </a:lnSpc>
@@ -2905,6 +2725,7 @@
             <a:spcAft>
               <a:spcPct val="35000"/>
             </a:spcAft>
+            <a:buNone/>
           </a:pPr>
           <a:endParaRPr lang="en-US" sz="700" kern="1200"/>
         </a:p>
@@ -2970,7 +2791,7 @@
         </a:bodyPr>
         <a:lstStyle/>
         <a:p>
-          <a:pPr lvl="0" algn="ctr" defTabSz="444500">
+          <a:pPr marL="0" lvl="0" indent="0" algn="ctr" defTabSz="444500">
             <a:lnSpc>
               <a:spcPct val="90000"/>
             </a:lnSpc>
@@ -2980,6 +2801,7 @@
             <a:spcAft>
               <a:spcPct val="35000"/>
             </a:spcAft>
+            <a:buNone/>
           </a:pPr>
           <a:r>
             <a:rPr lang="en-US" sz="1000" kern="1200" dirty="0" err="1"/>
@@ -3043,7 +2865,7 @@
         </a:bodyPr>
         <a:lstStyle/>
         <a:p>
-          <a:pPr lvl="0" algn="ctr" defTabSz="311150">
+          <a:pPr marL="0" lvl="0" indent="0" algn="ctr" defTabSz="311150">
             <a:lnSpc>
               <a:spcPct val="90000"/>
             </a:lnSpc>
@@ -3053,6 +2875,7 @@
             <a:spcAft>
               <a:spcPct val="35000"/>
             </a:spcAft>
+            <a:buNone/>
           </a:pPr>
           <a:endParaRPr lang="en-US" sz="700" kern="1200"/>
         </a:p>
@@ -3118,7 +2941,7 @@
         </a:bodyPr>
         <a:lstStyle/>
         <a:p>
-          <a:pPr lvl="0" algn="ctr" defTabSz="444500">
+          <a:pPr marL="0" lvl="0" indent="0" algn="ctr" defTabSz="444500">
             <a:lnSpc>
               <a:spcPct val="90000"/>
             </a:lnSpc>
@@ -3128,6 +2951,7 @@
             <a:spcAft>
               <a:spcPct val="35000"/>
             </a:spcAft>
+            <a:buNone/>
           </a:pPr>
           <a:r>
             <a:rPr lang="en-US" sz="1000" kern="1200" dirty="0" err="1"/>
@@ -4411,7 +4235,7 @@
             <a:fld id="{4991502B-FFA8-47B9-B4E5-980CA415BAFF}" type="datetimeFigureOut">
               <a:rPr lang="en-US" smtClean="0"/>
               <a:pPr/>
-              <a:t>5/17/2017</a:t>
+              <a:t>5/18/2017</a:t>
             </a:fld>
             <a:endParaRPr lang="en-US"/>
           </a:p>
@@ -9169,17 +8993,6 @@
                 <a:cs typeface="Courier New" panose="02070309020205020404" pitchFamily="49" charset="0"/>
               </a:rPr>
             </a:br>
-            <a:r>
-              <a:rPr lang="en-US" sz="1000" dirty="0">
-                <a:solidFill>
-                  <a:srgbClr val="000000"/>
-                </a:solidFill>
-                <a:latin typeface="Courier New" panose="02070309020205020404" pitchFamily="49" charset="0"/>
-                <a:ea typeface="Calibri" panose="020F0502020204030204" pitchFamily="34" charset="0"/>
-                <a:cs typeface="Courier New" panose="02070309020205020404" pitchFamily="49" charset="0"/>
-              </a:rPr>
-              <a:t/>
-            </a:r>
             <a:br>
               <a:rPr lang="en-US" sz="1000" dirty="0">
                 <a:solidFill>
@@ -9496,17 +9309,6 @@
                 <a:cs typeface="Courier New" panose="02070309020205020404" pitchFamily="49" charset="0"/>
               </a:rPr>
             </a:br>
-            <a:r>
-              <a:rPr lang="en-US" sz="1000" dirty="0">
-                <a:solidFill>
-                  <a:srgbClr val="000000"/>
-                </a:solidFill>
-                <a:latin typeface="Courier New" panose="02070309020205020404" pitchFamily="49" charset="0"/>
-                <a:ea typeface="Calibri" panose="020F0502020204030204" pitchFamily="34" charset="0"/>
-                <a:cs typeface="Courier New" panose="02070309020205020404" pitchFamily="49" charset="0"/>
-              </a:rPr>
-              <a:t/>
-            </a:r>
             <a:br>
               <a:rPr lang="en-US" sz="1000" dirty="0">
                 <a:solidFill>
@@ -13419,16 +13221,6 @@
                 <a:ea typeface="Times New Roman" panose="02020603050405020304" pitchFamily="18" charset="0"/>
               </a:rPr>
             </a:br>
-            <a:r>
-              <a:rPr lang="en-US" sz="1400" dirty="0">
-                <a:solidFill>
-                  <a:srgbClr val="000000"/>
-                </a:solidFill>
-                <a:latin typeface="Courier New" panose="02070309020205020404" pitchFamily="49" charset="0"/>
-                <a:ea typeface="Times New Roman" panose="02020603050405020304" pitchFamily="18" charset="0"/>
-              </a:rPr>
-              <a:t/>
-            </a:r>
             <a:br>
               <a:rPr lang="en-US" sz="1400" dirty="0">
                 <a:solidFill>
@@ -13859,17 +13651,6 @@
                 <a:cs typeface="Arial" panose="020B0604020202020204" pitchFamily="34" charset="0"/>
               </a:rPr>
             </a:br>
-            <a:r>
-              <a:rPr lang="en-US" sz="1600" dirty="0">
-                <a:solidFill>
-                  <a:srgbClr val="000000"/>
-                </a:solidFill>
-                <a:latin typeface="Calibri" panose="020F0502020204030204" pitchFamily="34" charset="0"/>
-                <a:ea typeface="Calibri" panose="020F0502020204030204" pitchFamily="34" charset="0"/>
-                <a:cs typeface="Arial" panose="020B0604020202020204" pitchFamily="34" charset="0"/>
-              </a:rPr>
-              <a:t/>
-            </a:r>
             <a:br>
               <a:rPr lang="en-US" sz="1600" dirty="0">
                 <a:solidFill>
@@ -14526,17 +14307,6 @@
                 <a:cs typeface="Arial" panose="020B0604020202020204" pitchFamily="34" charset="0"/>
               </a:rPr>
             </a:br>
-            <a:r>
-              <a:rPr lang="en-US" sz="1600" dirty="0">
-                <a:solidFill>
-                  <a:srgbClr val="000000"/>
-                </a:solidFill>
-                <a:latin typeface="Calibri" panose="020F0502020204030204" pitchFamily="34" charset="0"/>
-                <a:ea typeface="Calibri" panose="020F0502020204030204" pitchFamily="34" charset="0"/>
-                <a:cs typeface="Arial" panose="020B0604020202020204" pitchFamily="34" charset="0"/>
-              </a:rPr>
-              <a:t/>
-            </a:r>
             <a:br>
               <a:rPr lang="en-US" sz="1600" dirty="0">
                 <a:solidFill>
@@ -14970,17 +14740,6 @@
                 <a:cs typeface="Arial" panose="020B0604020202020204" pitchFamily="34" charset="0"/>
               </a:rPr>
             </a:br>
-            <a:r>
-              <a:rPr lang="en-US" dirty="0">
-                <a:solidFill>
-                  <a:srgbClr val="000000"/>
-                </a:solidFill>
-                <a:latin typeface="Calibri" panose="020F0502020204030204" pitchFamily="34" charset="0"/>
-                <a:ea typeface="Calibri" panose="020F0502020204030204" pitchFamily="34" charset="0"/>
-                <a:cs typeface="Arial" panose="020B0604020202020204" pitchFamily="34" charset="0"/>
-              </a:rPr>
-              <a:t/>
-            </a:r>
             <a:br>
               <a:rPr lang="en-US" dirty="0">
                 <a:solidFill>
@@ -15250,17 +15009,6 @@
                 <a:cs typeface="Arial" panose="020B0604020202020204" pitchFamily="34" charset="0"/>
               </a:rPr>
             </a:br>
-            <a:r>
-              <a:rPr lang="en-US" sz="1600" dirty="0">
-                <a:solidFill>
-                  <a:srgbClr val="000000"/>
-                </a:solidFill>
-                <a:latin typeface="Calibri" panose="020F0502020204030204" pitchFamily="34" charset="0"/>
-                <a:ea typeface="Calibri" panose="020F0502020204030204" pitchFamily="34" charset="0"/>
-                <a:cs typeface="Arial" panose="020B0604020202020204" pitchFamily="34" charset="0"/>
-              </a:rPr>
-              <a:t/>
-            </a:r>
             <a:br>
               <a:rPr lang="en-US" sz="1600" dirty="0">
                 <a:solidFill>
@@ -15754,17 +15502,6 @@
                 <a:cs typeface="Arial" panose="020B0604020202020204" pitchFamily="34" charset="0"/>
               </a:rPr>
             </a:br>
-            <a:r>
-              <a:rPr lang="en-US" dirty="0">
-                <a:solidFill>
-                  <a:srgbClr val="000000"/>
-                </a:solidFill>
-                <a:latin typeface="Calibri" panose="020F0502020204030204" pitchFamily="34" charset="0"/>
-                <a:ea typeface="Calibri" panose="020F0502020204030204" pitchFamily="34" charset="0"/>
-                <a:cs typeface="Arial" panose="020B0604020202020204" pitchFamily="34" charset="0"/>
-              </a:rPr>
-              <a:t/>
-            </a:r>
             <a:br>
               <a:rPr lang="en-US" dirty="0">
                 <a:solidFill>
@@ -16368,17 +16105,6 @@
                 <a:cs typeface="Arial" panose="020B0604020202020204" pitchFamily="34" charset="0"/>
               </a:rPr>
             </a:br>
-            <a:r>
-              <a:rPr lang="en-US" sz="1400" dirty="0">
-                <a:solidFill>
-                  <a:srgbClr val="000000"/>
-                </a:solidFill>
-                <a:latin typeface="Calibri" panose="020F0502020204030204" pitchFamily="34" charset="0"/>
-                <a:ea typeface="Calibri" panose="020F0502020204030204" pitchFamily="34" charset="0"/>
-                <a:cs typeface="Arial" panose="020B0604020202020204" pitchFamily="34" charset="0"/>
-              </a:rPr>
-              <a:t/>
-            </a:r>
             <a:br>
               <a:rPr lang="en-US" sz="1400" dirty="0">
                 <a:solidFill>
@@ -16476,17 +16202,6 @@
                 <a:cs typeface="Arial" panose="020B0604020202020204" pitchFamily="34" charset="0"/>
               </a:rPr>
             </a:br>
-            <a:r>
-              <a:rPr lang="en-US" sz="1400" dirty="0">
-                <a:solidFill>
-                  <a:srgbClr val="000000"/>
-                </a:solidFill>
-                <a:latin typeface="Calibri" panose="020F0502020204030204" pitchFamily="34" charset="0"/>
-                <a:ea typeface="Calibri" panose="020F0502020204030204" pitchFamily="34" charset="0"/>
-                <a:cs typeface="Arial" panose="020B0604020202020204" pitchFamily="34" charset="0"/>
-              </a:rPr>
-              <a:t/>
-            </a:r>
             <a:br>
               <a:rPr lang="en-US" sz="1400" dirty="0">
                 <a:solidFill>
@@ -18521,7 +18236,7 @@
             <a:p>
               <a:pPr algn="ctr"/>
               <a:r>
-                <a:rPr lang="en-US" sz="1400" dirty="0" smtClean="0"/>
+                <a:rPr lang="en-US" sz="1400" dirty="0"/>
                 <a:t>View was checked and its DOM was updated</a:t>
               </a:r>
               <a:endParaRPr lang="he-IL" sz="1400" dirty="0"/>
@@ -18685,39 +18400,19 @@
           <a:p>
             <a:r>
               <a:rPr lang="en-US" dirty="0"/>
-              <a:t>Angular invoke this function only when one of the </a:t>
-            </a:r>
-            <a:r>
-              <a:rPr lang="en-US" dirty="0" smtClean="0"/>
-              <a:t>component’s </a:t>
-            </a:r>
+              <a:t>Angular invoke this function only when one of the component’s inputs changed</a:t>
+            </a:r>
+          </a:p>
+          <a:p>
             <a:r>
               <a:rPr lang="en-US" dirty="0"/>
-              <a:t>inputs changed</a:t>
+              <a:t>The hook is not executed per input but rather after all inputs were updated by Angular</a:t>
             </a:r>
           </a:p>
           <a:p>
             <a:r>
               <a:rPr lang="en-US" dirty="0"/>
-              <a:t>The hook </a:t>
-            </a:r>
-            <a:r>
-              <a:rPr lang="en-US" dirty="0" smtClean="0"/>
-              <a:t>is not </a:t>
-            </a:r>
-            <a:r>
-              <a:rPr lang="en-US" dirty="0"/>
-              <a:t>executed per input but rather after all inputs were updated by Angular</a:t>
-            </a:r>
-          </a:p>
-          <a:p>
-            <a:r>
-              <a:rPr lang="en-US" dirty="0"/>
-              <a:t>A good place to update internal </a:t>
-            </a:r>
-            <a:r>
-              <a:rPr lang="en-US" dirty="0" smtClean="0"/>
-              <a:t>state that is derived from the inputs</a:t>
+              <a:t>A good place to update internal state that is derived from the inputs</a:t>
             </a:r>
             <a:endParaRPr lang="he-IL" dirty="0"/>
           </a:p>
@@ -19003,17 +18698,6 @@
                 <a:cs typeface="Arial" panose="020B0604020202020204" pitchFamily="34" charset="0"/>
               </a:rPr>
             </a:br>
-            <a:r>
-              <a:rPr lang="en-US" sz="1400" dirty="0">
-                <a:solidFill>
-                  <a:srgbClr val="000000"/>
-                </a:solidFill>
-                <a:latin typeface="Calibri" panose="020F0502020204030204" pitchFamily="34" charset="0"/>
-                <a:ea typeface="Calibri" panose="020F0502020204030204" pitchFamily="34" charset="0"/>
-                <a:cs typeface="Arial" panose="020B0604020202020204" pitchFamily="34" charset="0"/>
-              </a:rPr>
-              <a:t/>
-            </a:r>
             <a:br>
               <a:rPr lang="en-US" sz="1400" dirty="0">
                 <a:solidFill>
@@ -19798,7 +19482,7 @@
             <a:p>
               <a:pPr algn="ctr"/>
               <a:r>
-                <a:rPr lang="en-US" sz="1400" dirty="0" smtClean="0"/>
+                <a:rPr lang="en-US" sz="1400" dirty="0"/>
                 <a:t>contact.component.html</a:t>
               </a:r>
               <a:endParaRPr lang="he-IL" sz="1400" dirty="0"/>
@@ -19978,71 +19662,30 @@
           <a:p>
             <a:r>
               <a:rPr lang="en-US" dirty="0"/>
-              <a:t>Angular </a:t>
-            </a:r>
-            <a:r>
-              <a:rPr lang="en-US" dirty="0" smtClean="0"/>
-              <a:t>executes simple change detection comparison</a:t>
-            </a:r>
-            <a:endParaRPr lang="en-US" dirty="0"/>
+              <a:t>Angular executes simple change detection comparison</a:t>
+            </a:r>
           </a:p>
           <a:p>
             <a:r>
               <a:rPr lang="en-US" dirty="0"/>
-              <a:t>The input </a:t>
-            </a:r>
-            <a:r>
-              <a:rPr lang="en-US" dirty="0" smtClean="0"/>
-              <a:t>“shallow” </a:t>
-            </a:r>
+              <a:t>The input “shallow” value is compared. Whether it’s a value type or a reference type</a:t>
+            </a:r>
+          </a:p>
+          <a:p>
             <a:r>
               <a:rPr lang="en-US" dirty="0"/>
-              <a:t>value is compared. Whether it’s a value type or </a:t>
-            </a:r>
-            <a:r>
-              <a:rPr lang="en-US" dirty="0" smtClean="0"/>
-              <a:t>a reference </a:t>
+              <a:t>It means that a deep change inside an input </a:t>
+            </a:r>
+            <a:r>
+              <a:rPr lang="en-US" u="sng" dirty="0"/>
+              <a:t>will not trigger</a:t>
             </a:r>
             <a:r>
               <a:rPr lang="en-US" dirty="0"/>
-              <a:t>type</a:t>
-            </a:r>
-          </a:p>
-          <a:p>
-            <a:r>
-              <a:rPr lang="en-US" dirty="0"/>
-              <a:t>It means </a:t>
-            </a:r>
-            <a:r>
-              <a:rPr lang="en-US" dirty="0" smtClean="0"/>
-              <a:t>that a </a:t>
-            </a:r>
-            <a:r>
-              <a:rPr lang="en-US" dirty="0"/>
-              <a:t>deep change inside </a:t>
-            </a:r>
-            <a:r>
-              <a:rPr lang="en-US" dirty="0" smtClean="0"/>
-              <a:t>an </a:t>
-            </a:r>
-            <a:r>
-              <a:rPr lang="en-US" dirty="0"/>
-              <a:t>input </a:t>
-            </a:r>
-            <a:r>
-              <a:rPr lang="en-US" u="sng" dirty="0"/>
-              <a:t>will not </a:t>
-            </a:r>
-            <a:r>
-              <a:rPr lang="en-US" u="sng" dirty="0" smtClean="0"/>
-              <a:t>trigger</a:t>
-            </a:r>
-            <a:r>
-              <a:rPr lang="en-US" dirty="0" smtClean="0"/>
               <a:t> </a:t>
             </a:r>
             <a:r>
-              <a:rPr lang="en-US" dirty="0" err="1" smtClean="0"/>
+              <a:rPr lang="en-US" dirty="0" err="1"/>
               <a:t>ngOnChanges</a:t>
             </a:r>
             <a:endParaRPr lang="he-IL" dirty="0"/>
@@ -21348,17 +20991,6 @@
                 <a:cs typeface="Arial" panose="020B0604020202020204" pitchFamily="34" charset="0"/>
               </a:rPr>
             </a:br>
-            <a:r>
-              <a:rPr lang="en-US" sz="1400" dirty="0">
-                <a:solidFill>
-                  <a:srgbClr val="000000"/>
-                </a:solidFill>
-                <a:latin typeface="Calibri" panose="020F0502020204030204" pitchFamily="34" charset="0"/>
-                <a:ea typeface="Calibri" panose="020F0502020204030204" pitchFamily="34" charset="0"/>
-                <a:cs typeface="Arial" panose="020B0604020202020204" pitchFamily="34" charset="0"/>
-              </a:rPr>
-              <a:t/>
-            </a:r>
             <a:br>
               <a:rPr lang="en-US" sz="1400" dirty="0">
                 <a:solidFill>
@@ -22225,17 +21857,6 @@
                 <a:cs typeface="Arial" panose="020B0604020202020204" pitchFamily="34" charset="0"/>
               </a:rPr>
             </a:br>
-            <a:r>
-              <a:rPr lang="en-US" sz="1100" dirty="0">
-                <a:solidFill>
-                  <a:srgbClr val="000000"/>
-                </a:solidFill>
-                <a:latin typeface="Calibri" panose="020F0502020204030204" pitchFamily="34" charset="0"/>
-                <a:ea typeface="Calibri" panose="020F0502020204030204" pitchFamily="34" charset="0"/>
-                <a:cs typeface="Arial" panose="020B0604020202020204" pitchFamily="34" charset="0"/>
-              </a:rPr>
-              <a:t/>
-            </a:r>
             <a:br>
               <a:rPr lang="en-US" sz="1100" dirty="0">
                 <a:solidFill>
@@ -22625,17 +22246,6 @@
                 <a:cs typeface="Arial" panose="020B0604020202020204" pitchFamily="34" charset="0"/>
               </a:rPr>
             </a:br>
-            <a:r>
-              <a:rPr lang="en-US" sz="1100" dirty="0">
-                <a:solidFill>
-                  <a:srgbClr val="000000"/>
-                </a:solidFill>
-                <a:latin typeface="Calibri" panose="020F0502020204030204" pitchFamily="34" charset="0"/>
-                <a:ea typeface="Calibri" panose="020F0502020204030204" pitchFamily="34" charset="0"/>
-                <a:cs typeface="Arial" panose="020B0604020202020204" pitchFamily="34" charset="0"/>
-              </a:rPr>
-              <a:t/>
-            </a:r>
             <a:br>
               <a:rPr lang="en-US" sz="1100" dirty="0">
                 <a:solidFill>
@@ -23225,44 +22835,19 @@
           <a:p>
             <a:r>
               <a:rPr lang="en-US" dirty="0"/>
-              <a:t>Upon change, the parent component </a:t>
-            </a:r>
-            <a:r>
-              <a:rPr lang="en-US" dirty="0" smtClean="0"/>
-              <a:t>clones </a:t>
-            </a:r>
+              <a:t>Upon change, the parent component clones the model and updates it</a:t>
+            </a:r>
+          </a:p>
+          <a:p>
             <a:r>
               <a:rPr lang="en-US" dirty="0"/>
-              <a:t>the model and updates it</a:t>
+              <a:t>Angular rebinds the input</a:t>
             </a:r>
           </a:p>
           <a:p>
             <a:r>
               <a:rPr lang="en-US" dirty="0"/>
-              <a:t>Angular </a:t>
-            </a:r>
-            <a:r>
-              <a:rPr lang="en-US" dirty="0" smtClean="0"/>
-              <a:t>rebinds </a:t>
-            </a:r>
-            <a:r>
-              <a:rPr lang="en-US" dirty="0"/>
-              <a:t>the </a:t>
-            </a:r>
-            <a:r>
-              <a:rPr lang="en-US" dirty="0" smtClean="0"/>
-              <a:t>input</a:t>
-            </a:r>
-            <a:endParaRPr lang="en-US" dirty="0"/>
-          </a:p>
-          <a:p>
-            <a:r>
-              <a:rPr lang="en-US" dirty="0" smtClean="0"/>
-              <a:t>Since all state is inside input the component does </a:t>
-            </a:r>
-            <a:r>
-              <a:rPr lang="en-US" dirty="0"/>
-              <a:t>not need to react to changes</a:t>
+              <a:t>Since all state is inside input the component does not need to react to changes</a:t>
             </a:r>
           </a:p>
           <a:p>
@@ -23673,17 +23258,6 @@
                 <a:cs typeface="Arial" panose="020B0604020202020204" pitchFamily="34" charset="0"/>
               </a:rPr>
             </a:br>
-            <a:r>
-              <a:rPr lang="en-US" sz="1200" dirty="0">
-                <a:solidFill>
-                  <a:srgbClr val="000000"/>
-                </a:solidFill>
-                <a:latin typeface="Calibri" panose="020F0502020204030204" pitchFamily="34" charset="0"/>
-                <a:ea typeface="Calibri" panose="020F0502020204030204" pitchFamily="34" charset="0"/>
-                <a:cs typeface="Arial" panose="020B0604020202020204" pitchFamily="34" charset="0"/>
-              </a:rPr>
-              <a:t/>
-            </a:r>
             <a:br>
               <a:rPr lang="en-US" sz="1200" dirty="0">
                 <a:solidFill>
@@ -23965,17 +23539,6 @@
                 <a:cs typeface="Arial" panose="020B0604020202020204" pitchFamily="34" charset="0"/>
               </a:rPr>
             </a:br>
-            <a:r>
-              <a:rPr lang="en-US" sz="1200" dirty="0">
-                <a:solidFill>
-                  <a:srgbClr val="000000"/>
-                </a:solidFill>
-                <a:latin typeface="Calibri" panose="020F0502020204030204" pitchFamily="34" charset="0"/>
-                <a:ea typeface="Calibri" panose="020F0502020204030204" pitchFamily="34" charset="0"/>
-                <a:cs typeface="Arial" panose="020B0604020202020204" pitchFamily="34" charset="0"/>
-              </a:rPr>
-              <a:t/>
-            </a:r>
             <a:br>
               <a:rPr lang="en-US" sz="1200" dirty="0">
                 <a:solidFill>
@@ -24137,17 +23700,6 @@
                 <a:cs typeface="Arial" panose="020B0604020202020204" pitchFamily="34" charset="0"/>
               </a:rPr>
             </a:br>
-            <a:r>
-              <a:rPr lang="en-US" sz="1200" dirty="0">
-                <a:solidFill>
-                  <a:srgbClr val="000000"/>
-                </a:solidFill>
-                <a:latin typeface="Calibri" panose="020F0502020204030204" pitchFamily="34" charset="0"/>
-                <a:ea typeface="Calibri" panose="020F0502020204030204" pitchFamily="34" charset="0"/>
-                <a:cs typeface="Arial" panose="020B0604020202020204" pitchFamily="34" charset="0"/>
-              </a:rPr>
-              <a:t/>
-            </a:r>
             <a:br>
               <a:rPr lang="en-US" sz="1200" dirty="0">
                 <a:solidFill>
@@ -24667,17 +24219,6 @@
                 <a:cs typeface="Arial" panose="020B0604020202020204" pitchFamily="34" charset="0"/>
               </a:rPr>
             </a:br>
-            <a:r>
-              <a:rPr lang="en-US" sz="1200" dirty="0">
-                <a:solidFill>
-                  <a:srgbClr val="000000"/>
-                </a:solidFill>
-                <a:latin typeface="Calibri" panose="020F0502020204030204" pitchFamily="34" charset="0"/>
-                <a:ea typeface="Calibri" panose="020F0502020204030204" pitchFamily="34" charset="0"/>
-                <a:cs typeface="Arial" panose="020B0604020202020204" pitchFamily="34" charset="0"/>
-              </a:rPr>
-              <a:t/>
-            </a:r>
             <a:br>
               <a:rPr lang="en-US" sz="1200" dirty="0">
                 <a:solidFill>
@@ -25247,17 +24788,6 @@
                 <a:cs typeface="Arial" panose="020B0604020202020204" pitchFamily="34" charset="0"/>
               </a:rPr>
             </a:br>
-            <a:r>
-              <a:rPr lang="en-US" sz="1200" dirty="0">
-                <a:solidFill>
-                  <a:srgbClr val="000000"/>
-                </a:solidFill>
-                <a:latin typeface="Calibri" panose="020F0502020204030204" pitchFamily="34" charset="0"/>
-                <a:ea typeface="Calibri" panose="020F0502020204030204" pitchFamily="34" charset="0"/>
-                <a:cs typeface="Arial" panose="020B0604020202020204" pitchFamily="34" charset="0"/>
-              </a:rPr>
-              <a:t/>
-            </a:r>
             <a:br>
               <a:rPr lang="en-US" sz="1200" dirty="0">
                 <a:solidFill>
@@ -25687,7 +25217,7 @@
             <a:p>
               <a:pPr algn="ctr"/>
               <a:r>
-                <a:rPr lang="en-US" sz="1400" dirty="0" smtClean="0"/>
+                <a:rPr lang="en-US" sz="1400" dirty="0"/>
                 <a:t>The change does through a method which is responsible for “fixing” the whole model</a:t>
               </a:r>
               <a:endParaRPr lang="he-IL" sz="1400" dirty="0"/>
@@ -25819,15 +25349,15 @@
           <a:lstStyle/>
           <a:p>
             <a:r>
-              <a:rPr lang="en-US" dirty="0" err="1" smtClean="0"/>
+              <a:rPr lang="en-US" dirty="0" err="1"/>
               <a:t>ngAfterContentChecked</a:t>
             </a:r>
             <a:r>
-              <a:rPr lang="en-US" dirty="0" smtClean="0"/>
+              <a:rPr lang="en-US" dirty="0"/>
               <a:t> &amp; </a:t>
             </a:r>
             <a:r>
-              <a:rPr lang="en-US" dirty="0" err="1" smtClean="0"/>
+              <a:rPr lang="en-US" dirty="0" err="1"/>
               <a:t>ngAfterViewChecked</a:t>
             </a:r>
             <a:endParaRPr lang="en-US" dirty="0"/>
@@ -25850,7 +25380,7 @@
           <a:lstStyle/>
           <a:p>
             <a:r>
-              <a:rPr lang="en-US" smtClean="0"/>
+              <a:rPr lang="en-US"/>
               <a:t>© 2016 Ori Calvo</a:t>
             </a:r>
             <a:endParaRPr lang="en-US" dirty="0"/>
@@ -25899,19 +25429,19 @@
           <a:lstStyle/>
           <a:p>
             <a:r>
-              <a:rPr lang="en-US" dirty="0" smtClean="0"/>
+              <a:rPr lang="en-US" dirty="0"/>
               <a:t>Querying to the DOM is always tricky inside Angular</a:t>
             </a:r>
           </a:p>
           <a:p>
             <a:r>
-              <a:rPr lang="en-US" dirty="0" smtClean="0"/>
+              <a:rPr lang="en-US" dirty="0"/>
               <a:t>You must query the DOM after it was updated</a:t>
             </a:r>
           </a:p>
           <a:p>
             <a:r>
-              <a:rPr lang="en-US" dirty="0" err="1" smtClean="0">
+              <a:rPr lang="en-US" dirty="0" err="1">
                 <a:solidFill>
                   <a:srgbClr val="FF0000"/>
                 </a:solidFill>
@@ -25919,7 +25449,7 @@
               <a:t>ngAfterContentChecked</a:t>
             </a:r>
             <a:r>
-              <a:rPr lang="en-US" dirty="0" smtClean="0">
+              <a:rPr lang="en-US" dirty="0">
                 <a:solidFill>
                   <a:srgbClr val="FF0000"/>
                 </a:solidFill>
@@ -25927,13 +25457,13 @@
               <a:t> </a:t>
             </a:r>
             <a:r>
-              <a:rPr lang="en-US" dirty="0" smtClean="0"/>
+              <a:rPr lang="en-US" dirty="0"/>
               <a:t>– The content was dirty checked and its DOM was updated</a:t>
             </a:r>
           </a:p>
           <a:p>
             <a:r>
-              <a:rPr lang="en-US" dirty="0" err="1" smtClean="0">
+              <a:rPr lang="en-US" dirty="0" err="1">
                 <a:solidFill>
                   <a:srgbClr val="FF0000"/>
                 </a:solidFill>
@@ -25941,7 +25471,7 @@
               <a:t>ngAfterViewChecked</a:t>
             </a:r>
             <a:r>
-              <a:rPr lang="en-US" dirty="0" smtClean="0">
+              <a:rPr lang="en-US" dirty="0">
                 <a:solidFill>
                   <a:srgbClr val="FF0000"/>
                 </a:solidFill>
@@ -25949,10 +25479,9 @@
               <a:t> </a:t>
             </a:r>
             <a:r>
-              <a:rPr lang="en-US" dirty="0" smtClean="0"/>
+              <a:rPr lang="en-US" dirty="0"/>
               <a:t>– The same logic but this time for the view</a:t>
             </a:r>
-            <a:endParaRPr lang="en-US" dirty="0"/>
           </a:p>
         </p:txBody>
       </p:sp>
@@ -26002,10 +25531,9 @@
           <a:lstStyle/>
           <a:p>
             <a:r>
-              <a:rPr lang="en-US" dirty="0" smtClean="0"/>
+              <a:rPr lang="en-US" dirty="0"/>
               <a:t>Dynamic Component</a:t>
             </a:r>
-            <a:endParaRPr lang="en-US" dirty="0"/>
           </a:p>
         </p:txBody>
       </p:sp>
@@ -26025,7 +25553,7 @@
           <a:lstStyle/>
           <a:p>
             <a:r>
-              <a:rPr lang="en-US" smtClean="0"/>
+              <a:rPr lang="en-US"/>
               <a:t>© 2016 Ori Calvo</a:t>
             </a:r>
             <a:endParaRPr lang="en-US" dirty="0"/>
@@ -26074,43 +25602,43 @@
           <a:lstStyle/>
           <a:p>
             <a:r>
-              <a:rPr lang="en-US" dirty="0" smtClean="0"/>
+              <a:rPr lang="en-US" dirty="0"/>
               <a:t>There are some cases where the component template can only be known at runtime</a:t>
             </a:r>
           </a:p>
           <a:p>
             <a:pPr lvl="1"/>
             <a:r>
-              <a:rPr lang="en-US" dirty="0" smtClean="0"/>
+              <a:rPr lang="en-US" dirty="0"/>
               <a:t>Think about a view that is defined by a database</a:t>
             </a:r>
           </a:p>
           <a:p>
             <a:pPr lvl="1"/>
             <a:r>
-              <a:rPr lang="en-US" dirty="0" err="1" smtClean="0"/>
+              <a:rPr lang="en-US" dirty="0" err="1"/>
               <a:t>Wix</a:t>
             </a:r>
             <a:r>
-              <a:rPr lang="en-US" dirty="0" smtClean="0"/>
+              <a:rPr lang="en-US" dirty="0"/>
               <a:t> style</a:t>
             </a:r>
           </a:p>
           <a:p>
             <a:r>
-              <a:rPr lang="en-US" dirty="0" smtClean="0"/>
+              <a:rPr lang="en-US" dirty="0"/>
               <a:t>In that case we need to dynamically compile a component</a:t>
             </a:r>
           </a:p>
           <a:p>
             <a:r>
-              <a:rPr lang="en-US" dirty="0" smtClean="0"/>
+              <a:rPr lang="en-US" dirty="0"/>
               <a:t>Adding a component to existing module is not allowed</a:t>
             </a:r>
           </a:p>
           <a:p>
             <a:r>
-              <a:rPr lang="en-US" dirty="0" smtClean="0"/>
+              <a:rPr lang="en-US" dirty="0"/>
               <a:t>Therefore, you will need to compile a module first !!!</a:t>
             </a:r>
           </a:p>
@@ -26165,10 +25693,9 @@
           <a:lstStyle/>
           <a:p>
             <a:r>
-              <a:rPr lang="en-US" dirty="0" smtClean="0"/>
-              <a:t>Dynamically Compile a Module</a:t>
-            </a:r>
-            <a:endParaRPr lang="en-US" dirty="0"/>
+              <a:rPr lang="en-US" dirty="0"/>
+              <a:t>Dynamically Create a Module</a:t>
+            </a:r>
           </a:p>
         </p:txBody>
       </p:sp>
@@ -26188,7 +25715,7 @@
           <a:lstStyle/>
           <a:p>
             <a:r>
-              <a:rPr lang="en-US" smtClean="0"/>
+              <a:rPr lang="en-US"/>
               <a:t>© 2016 Ori Calvo</a:t>
             </a:r>
             <a:endParaRPr lang="en-US" dirty="0"/>
@@ -26223,6 +25750,672 @@
       </p:sp>
       <p:sp>
         <p:nvSpPr>
+          <p:cNvPr id="7" name="Rectangle 6"/>
+          <p:cNvSpPr/>
+          <p:nvPr/>
+        </p:nvSpPr>
+        <p:spPr>
+          <a:xfrm>
+            <a:off x="2457383" y="1772816"/>
+            <a:ext cx="4463930" cy="3970318"/>
+          </a:xfrm>
+          <a:prstGeom prst="rect">
+            <a:avLst/>
+          </a:prstGeom>
+          <a:solidFill>
+            <a:schemeClr val="accent1">
+              <a:lumMod val="40000"/>
+              <a:lumOff val="60000"/>
+            </a:schemeClr>
+          </a:solidFill>
+        </p:spPr>
+        <p:txBody>
+          <a:bodyPr wrap="square">
+            <a:spAutoFit/>
+          </a:bodyPr>
+          <a:lstStyle/>
+          <a:p>
+            <a:r>
+              <a:rPr lang="en-US" sz="1400" dirty="0" err="1">
+                <a:solidFill>
+                  <a:srgbClr val="000000"/>
+                </a:solidFill>
+                <a:latin typeface="Calibri" panose="020F0502020204030204" pitchFamily="34" charset="0"/>
+                <a:ea typeface="Calibri" panose="020F0502020204030204" pitchFamily="34" charset="0"/>
+                <a:cs typeface="Arial" panose="020B0604020202020204" pitchFamily="34" charset="0"/>
+              </a:rPr>
+              <a:t>createModuleWithComponent</a:t>
+            </a:r>
+            <a:r>
+              <a:rPr lang="en-US" sz="1400" dirty="0">
+                <a:solidFill>
+                  <a:srgbClr val="000000"/>
+                </a:solidFill>
+                <a:latin typeface="Calibri" panose="020F0502020204030204" pitchFamily="34" charset="0"/>
+                <a:ea typeface="Calibri" panose="020F0502020204030204" pitchFamily="34" charset="0"/>
+                <a:cs typeface="Arial" panose="020B0604020202020204" pitchFamily="34" charset="0"/>
+              </a:rPr>
+              <a:t>(template: </a:t>
+            </a:r>
+            <a:r>
+              <a:rPr lang="en-US" sz="1400" b="1" dirty="0">
+                <a:solidFill>
+                  <a:srgbClr val="000080"/>
+                </a:solidFill>
+                <a:latin typeface="Calibri" panose="020F0502020204030204" pitchFamily="34" charset="0"/>
+                <a:ea typeface="Calibri" panose="020F0502020204030204" pitchFamily="34" charset="0"/>
+                <a:cs typeface="Arial" panose="020B0604020202020204" pitchFamily="34" charset="0"/>
+              </a:rPr>
+              <a:t>string</a:t>
+            </a:r>
+            <a:r>
+              <a:rPr lang="en-US" sz="1400" dirty="0">
+                <a:solidFill>
+                  <a:srgbClr val="000000"/>
+                </a:solidFill>
+                <a:latin typeface="Calibri" panose="020F0502020204030204" pitchFamily="34" charset="0"/>
+                <a:ea typeface="Calibri" panose="020F0502020204030204" pitchFamily="34" charset="0"/>
+                <a:cs typeface="Arial" panose="020B0604020202020204" pitchFamily="34" charset="0"/>
+              </a:rPr>
+              <a:t>) {</a:t>
+            </a:r>
+            <a:br>
+              <a:rPr lang="en-US" sz="1400" dirty="0">
+                <a:solidFill>
+                  <a:srgbClr val="000000"/>
+                </a:solidFill>
+                <a:latin typeface="Calibri" panose="020F0502020204030204" pitchFamily="34" charset="0"/>
+                <a:ea typeface="Calibri" panose="020F0502020204030204" pitchFamily="34" charset="0"/>
+                <a:cs typeface="Arial" panose="020B0604020202020204" pitchFamily="34" charset="0"/>
+              </a:rPr>
+            </a:br>
+            <a:r>
+              <a:rPr lang="en-US" sz="1400" dirty="0">
+                <a:solidFill>
+                  <a:srgbClr val="000000"/>
+                </a:solidFill>
+                <a:latin typeface="Calibri" panose="020F0502020204030204" pitchFamily="34" charset="0"/>
+                <a:ea typeface="Calibri" panose="020F0502020204030204" pitchFamily="34" charset="0"/>
+                <a:cs typeface="Arial" panose="020B0604020202020204" pitchFamily="34" charset="0"/>
+              </a:rPr>
+              <a:t>    @Component({</a:t>
+            </a:r>
+            <a:br>
+              <a:rPr lang="en-US" sz="1400" dirty="0">
+                <a:solidFill>
+                  <a:srgbClr val="000000"/>
+                </a:solidFill>
+                <a:latin typeface="Calibri" panose="020F0502020204030204" pitchFamily="34" charset="0"/>
+                <a:ea typeface="Calibri" panose="020F0502020204030204" pitchFamily="34" charset="0"/>
+                <a:cs typeface="Arial" panose="020B0604020202020204" pitchFamily="34" charset="0"/>
+              </a:rPr>
+            </a:br>
+            <a:r>
+              <a:rPr lang="en-US" sz="1400" dirty="0">
+                <a:solidFill>
+                  <a:srgbClr val="000000"/>
+                </a:solidFill>
+                <a:latin typeface="Calibri" panose="020F0502020204030204" pitchFamily="34" charset="0"/>
+                <a:ea typeface="Calibri" panose="020F0502020204030204" pitchFamily="34" charset="0"/>
+                <a:cs typeface="Arial" panose="020B0604020202020204" pitchFamily="34" charset="0"/>
+              </a:rPr>
+              <a:t>        template: template,</a:t>
+            </a:r>
+            <a:br>
+              <a:rPr lang="en-US" sz="1400" dirty="0">
+                <a:solidFill>
+                  <a:srgbClr val="000000"/>
+                </a:solidFill>
+                <a:latin typeface="Calibri" panose="020F0502020204030204" pitchFamily="34" charset="0"/>
+                <a:ea typeface="Calibri" panose="020F0502020204030204" pitchFamily="34" charset="0"/>
+                <a:cs typeface="Arial" panose="020B0604020202020204" pitchFamily="34" charset="0"/>
+              </a:rPr>
+            </a:br>
+            <a:r>
+              <a:rPr lang="en-US" sz="1400" dirty="0">
+                <a:solidFill>
+                  <a:srgbClr val="000000"/>
+                </a:solidFill>
+                <a:latin typeface="Calibri" panose="020F0502020204030204" pitchFamily="34" charset="0"/>
+                <a:ea typeface="Calibri" panose="020F0502020204030204" pitchFamily="34" charset="0"/>
+                <a:cs typeface="Arial" panose="020B0604020202020204" pitchFamily="34" charset="0"/>
+              </a:rPr>
+              <a:t>    })</a:t>
+            </a:r>
+            <a:br>
+              <a:rPr lang="en-US" sz="1400" dirty="0">
+                <a:solidFill>
+                  <a:srgbClr val="000000"/>
+                </a:solidFill>
+                <a:latin typeface="Calibri" panose="020F0502020204030204" pitchFamily="34" charset="0"/>
+                <a:ea typeface="Calibri" panose="020F0502020204030204" pitchFamily="34" charset="0"/>
+                <a:cs typeface="Arial" panose="020B0604020202020204" pitchFamily="34" charset="0"/>
+              </a:rPr>
+            </a:br>
+            <a:r>
+              <a:rPr lang="en-US" sz="1400" dirty="0">
+                <a:solidFill>
+                  <a:srgbClr val="000000"/>
+                </a:solidFill>
+                <a:latin typeface="Calibri" panose="020F0502020204030204" pitchFamily="34" charset="0"/>
+                <a:ea typeface="Calibri" panose="020F0502020204030204" pitchFamily="34" charset="0"/>
+                <a:cs typeface="Arial" panose="020B0604020202020204" pitchFamily="34" charset="0"/>
+              </a:rPr>
+              <a:t>    </a:t>
+            </a:r>
+            <a:r>
+              <a:rPr lang="en-US" sz="1400" b="1" dirty="0">
+                <a:solidFill>
+                  <a:srgbClr val="000080"/>
+                </a:solidFill>
+                <a:latin typeface="Calibri" panose="020F0502020204030204" pitchFamily="34" charset="0"/>
+                <a:ea typeface="Calibri" panose="020F0502020204030204" pitchFamily="34" charset="0"/>
+                <a:cs typeface="Arial" panose="020B0604020202020204" pitchFamily="34" charset="0"/>
+              </a:rPr>
+              <a:t>class </a:t>
+            </a:r>
+            <a:r>
+              <a:rPr lang="en-US" sz="1400" dirty="0" err="1">
+                <a:solidFill>
+                  <a:srgbClr val="000000"/>
+                </a:solidFill>
+                <a:latin typeface="Calibri" panose="020F0502020204030204" pitchFamily="34" charset="0"/>
+                <a:ea typeface="Calibri" panose="020F0502020204030204" pitchFamily="34" charset="0"/>
+                <a:cs typeface="Arial" panose="020B0604020202020204" pitchFamily="34" charset="0"/>
+              </a:rPr>
+              <a:t>DynamicComponent</a:t>
+            </a:r>
+            <a:r>
+              <a:rPr lang="en-US" sz="1400" dirty="0">
+                <a:solidFill>
+                  <a:srgbClr val="000000"/>
+                </a:solidFill>
+                <a:latin typeface="Calibri" panose="020F0502020204030204" pitchFamily="34" charset="0"/>
+                <a:ea typeface="Calibri" panose="020F0502020204030204" pitchFamily="34" charset="0"/>
+                <a:cs typeface="Arial" panose="020B0604020202020204" pitchFamily="34" charset="0"/>
+              </a:rPr>
+              <a:t> {</a:t>
+            </a:r>
+            <a:br>
+              <a:rPr lang="en-US" sz="1400" dirty="0">
+                <a:solidFill>
+                  <a:srgbClr val="000000"/>
+                </a:solidFill>
+                <a:latin typeface="Calibri" panose="020F0502020204030204" pitchFamily="34" charset="0"/>
+                <a:ea typeface="Calibri" panose="020F0502020204030204" pitchFamily="34" charset="0"/>
+                <a:cs typeface="Arial" panose="020B0604020202020204" pitchFamily="34" charset="0"/>
+              </a:rPr>
+            </a:br>
+            <a:r>
+              <a:rPr lang="en-US" sz="1400" dirty="0">
+                <a:solidFill>
+                  <a:srgbClr val="000000"/>
+                </a:solidFill>
+                <a:latin typeface="Calibri" panose="020F0502020204030204" pitchFamily="34" charset="0"/>
+                <a:ea typeface="Calibri" panose="020F0502020204030204" pitchFamily="34" charset="0"/>
+                <a:cs typeface="Arial" panose="020B0604020202020204" pitchFamily="34" charset="0"/>
+              </a:rPr>
+              <a:t>    }</a:t>
+            </a:r>
+            <a:br>
+              <a:rPr lang="en-US" sz="1400" dirty="0">
+                <a:solidFill>
+                  <a:srgbClr val="000000"/>
+                </a:solidFill>
+                <a:latin typeface="Calibri" panose="020F0502020204030204" pitchFamily="34" charset="0"/>
+                <a:ea typeface="Calibri" panose="020F0502020204030204" pitchFamily="34" charset="0"/>
+                <a:cs typeface="Arial" panose="020B0604020202020204" pitchFamily="34" charset="0"/>
+              </a:rPr>
+            </a:br>
+            <a:br>
+              <a:rPr lang="en-US" sz="1400" dirty="0">
+                <a:solidFill>
+                  <a:srgbClr val="000000"/>
+                </a:solidFill>
+                <a:latin typeface="Calibri" panose="020F0502020204030204" pitchFamily="34" charset="0"/>
+                <a:ea typeface="Calibri" panose="020F0502020204030204" pitchFamily="34" charset="0"/>
+                <a:cs typeface="Arial" panose="020B0604020202020204" pitchFamily="34" charset="0"/>
+              </a:rPr>
+            </a:br>
+            <a:r>
+              <a:rPr lang="en-US" sz="1400" dirty="0">
+                <a:solidFill>
+                  <a:srgbClr val="000000"/>
+                </a:solidFill>
+                <a:latin typeface="Calibri" panose="020F0502020204030204" pitchFamily="34" charset="0"/>
+                <a:ea typeface="Calibri" panose="020F0502020204030204" pitchFamily="34" charset="0"/>
+                <a:cs typeface="Arial" panose="020B0604020202020204" pitchFamily="34" charset="0"/>
+              </a:rPr>
+              <a:t>    @</a:t>
+            </a:r>
+            <a:r>
+              <a:rPr lang="en-US" sz="1400" dirty="0" err="1">
+                <a:solidFill>
+                  <a:srgbClr val="000000"/>
+                </a:solidFill>
+                <a:latin typeface="Calibri" panose="020F0502020204030204" pitchFamily="34" charset="0"/>
+                <a:ea typeface="Calibri" panose="020F0502020204030204" pitchFamily="34" charset="0"/>
+                <a:cs typeface="Arial" panose="020B0604020202020204" pitchFamily="34" charset="0"/>
+              </a:rPr>
+              <a:t>NgModule</a:t>
+            </a:r>
+            <a:r>
+              <a:rPr lang="en-US" sz="1400" dirty="0">
+                <a:solidFill>
+                  <a:srgbClr val="000000"/>
+                </a:solidFill>
+                <a:latin typeface="Calibri" panose="020F0502020204030204" pitchFamily="34" charset="0"/>
+                <a:ea typeface="Calibri" panose="020F0502020204030204" pitchFamily="34" charset="0"/>
+                <a:cs typeface="Arial" panose="020B0604020202020204" pitchFamily="34" charset="0"/>
+              </a:rPr>
+              <a:t>({</a:t>
+            </a:r>
+            <a:br>
+              <a:rPr lang="en-US" sz="1400" dirty="0">
+                <a:solidFill>
+                  <a:srgbClr val="000000"/>
+                </a:solidFill>
+                <a:latin typeface="Calibri" panose="020F0502020204030204" pitchFamily="34" charset="0"/>
+                <a:ea typeface="Calibri" panose="020F0502020204030204" pitchFamily="34" charset="0"/>
+                <a:cs typeface="Arial" panose="020B0604020202020204" pitchFamily="34" charset="0"/>
+              </a:rPr>
+            </a:br>
+            <a:r>
+              <a:rPr lang="en-US" sz="1400" dirty="0">
+                <a:solidFill>
+                  <a:srgbClr val="000000"/>
+                </a:solidFill>
+                <a:latin typeface="Calibri" panose="020F0502020204030204" pitchFamily="34" charset="0"/>
+                <a:ea typeface="Calibri" panose="020F0502020204030204" pitchFamily="34" charset="0"/>
+                <a:cs typeface="Arial" panose="020B0604020202020204" pitchFamily="34" charset="0"/>
+              </a:rPr>
+              <a:t>        imports: [</a:t>
+            </a:r>
+            <a:br>
+              <a:rPr lang="en-US" sz="1400" dirty="0">
+                <a:solidFill>
+                  <a:srgbClr val="000000"/>
+                </a:solidFill>
+                <a:latin typeface="Calibri" panose="020F0502020204030204" pitchFamily="34" charset="0"/>
+                <a:ea typeface="Calibri" panose="020F0502020204030204" pitchFamily="34" charset="0"/>
+                <a:cs typeface="Arial" panose="020B0604020202020204" pitchFamily="34" charset="0"/>
+              </a:rPr>
+            </a:br>
+            <a:r>
+              <a:rPr lang="en-US" sz="1400" dirty="0">
+                <a:solidFill>
+                  <a:srgbClr val="000000"/>
+                </a:solidFill>
+                <a:latin typeface="Calibri" panose="020F0502020204030204" pitchFamily="34" charset="0"/>
+                <a:ea typeface="Calibri" panose="020F0502020204030204" pitchFamily="34" charset="0"/>
+                <a:cs typeface="Arial" panose="020B0604020202020204" pitchFamily="34" charset="0"/>
+              </a:rPr>
+              <a:t>            </a:t>
+            </a:r>
+            <a:r>
+              <a:rPr lang="en-US" sz="1400" dirty="0" err="1">
+                <a:solidFill>
+                  <a:srgbClr val="000000"/>
+                </a:solidFill>
+                <a:latin typeface="Calibri" panose="020F0502020204030204" pitchFamily="34" charset="0"/>
+                <a:ea typeface="Calibri" panose="020F0502020204030204" pitchFamily="34" charset="0"/>
+                <a:cs typeface="Arial" panose="020B0604020202020204" pitchFamily="34" charset="0"/>
+              </a:rPr>
+              <a:t>CommonModule</a:t>
+            </a:r>
+            <a:br>
+              <a:rPr lang="en-US" sz="1400" dirty="0">
+                <a:solidFill>
+                  <a:srgbClr val="000000"/>
+                </a:solidFill>
+                <a:latin typeface="Calibri" panose="020F0502020204030204" pitchFamily="34" charset="0"/>
+                <a:ea typeface="Calibri" panose="020F0502020204030204" pitchFamily="34" charset="0"/>
+                <a:cs typeface="Arial" panose="020B0604020202020204" pitchFamily="34" charset="0"/>
+              </a:rPr>
+            </a:br>
+            <a:r>
+              <a:rPr lang="en-US" sz="1400" dirty="0">
+                <a:solidFill>
+                  <a:srgbClr val="000000"/>
+                </a:solidFill>
+                <a:latin typeface="Calibri" panose="020F0502020204030204" pitchFamily="34" charset="0"/>
+                <a:ea typeface="Calibri" panose="020F0502020204030204" pitchFamily="34" charset="0"/>
+                <a:cs typeface="Arial" panose="020B0604020202020204" pitchFamily="34" charset="0"/>
+              </a:rPr>
+              <a:t>        ],</a:t>
+            </a:r>
+            <a:br>
+              <a:rPr lang="en-US" sz="1400" dirty="0">
+                <a:solidFill>
+                  <a:srgbClr val="000000"/>
+                </a:solidFill>
+                <a:latin typeface="Calibri" panose="020F0502020204030204" pitchFamily="34" charset="0"/>
+                <a:ea typeface="Calibri" panose="020F0502020204030204" pitchFamily="34" charset="0"/>
+                <a:cs typeface="Arial" panose="020B0604020202020204" pitchFamily="34" charset="0"/>
+              </a:rPr>
+            </a:br>
+            <a:r>
+              <a:rPr lang="en-US" sz="1400" dirty="0">
+                <a:solidFill>
+                  <a:srgbClr val="000000"/>
+                </a:solidFill>
+                <a:latin typeface="Calibri" panose="020F0502020204030204" pitchFamily="34" charset="0"/>
+                <a:ea typeface="Calibri" panose="020F0502020204030204" pitchFamily="34" charset="0"/>
+                <a:cs typeface="Arial" panose="020B0604020202020204" pitchFamily="34" charset="0"/>
+              </a:rPr>
+              <a:t>        declarations: [</a:t>
+            </a:r>
+            <a:r>
+              <a:rPr lang="en-US" sz="1400" dirty="0" err="1">
+                <a:solidFill>
+                  <a:srgbClr val="000000"/>
+                </a:solidFill>
+                <a:latin typeface="Calibri" panose="020F0502020204030204" pitchFamily="34" charset="0"/>
+                <a:ea typeface="Calibri" panose="020F0502020204030204" pitchFamily="34" charset="0"/>
+                <a:cs typeface="Arial" panose="020B0604020202020204" pitchFamily="34" charset="0"/>
+              </a:rPr>
+              <a:t>DynamicComponent</a:t>
+            </a:r>
+            <a:r>
+              <a:rPr lang="en-US" sz="1400" dirty="0">
+                <a:solidFill>
+                  <a:srgbClr val="000000"/>
+                </a:solidFill>
+                <a:latin typeface="Calibri" panose="020F0502020204030204" pitchFamily="34" charset="0"/>
+                <a:ea typeface="Calibri" panose="020F0502020204030204" pitchFamily="34" charset="0"/>
+                <a:cs typeface="Arial" panose="020B0604020202020204" pitchFamily="34" charset="0"/>
+              </a:rPr>
+              <a:t>],</a:t>
+            </a:r>
+            <a:br>
+              <a:rPr lang="en-US" sz="1400" dirty="0">
+                <a:solidFill>
+                  <a:srgbClr val="000000"/>
+                </a:solidFill>
+                <a:latin typeface="Calibri" panose="020F0502020204030204" pitchFamily="34" charset="0"/>
+                <a:ea typeface="Calibri" panose="020F0502020204030204" pitchFamily="34" charset="0"/>
+                <a:cs typeface="Arial" panose="020B0604020202020204" pitchFamily="34" charset="0"/>
+              </a:rPr>
+            </a:br>
+            <a:r>
+              <a:rPr lang="en-US" sz="1400" dirty="0">
+                <a:solidFill>
+                  <a:srgbClr val="000000"/>
+                </a:solidFill>
+                <a:latin typeface="Calibri" panose="020F0502020204030204" pitchFamily="34" charset="0"/>
+                <a:ea typeface="Calibri" panose="020F0502020204030204" pitchFamily="34" charset="0"/>
+                <a:cs typeface="Arial" panose="020B0604020202020204" pitchFamily="34" charset="0"/>
+              </a:rPr>
+              <a:t>    })</a:t>
+            </a:r>
+            <a:br>
+              <a:rPr lang="en-US" sz="1400" dirty="0">
+                <a:solidFill>
+                  <a:srgbClr val="000000"/>
+                </a:solidFill>
+                <a:latin typeface="Calibri" panose="020F0502020204030204" pitchFamily="34" charset="0"/>
+                <a:ea typeface="Calibri" panose="020F0502020204030204" pitchFamily="34" charset="0"/>
+                <a:cs typeface="Arial" panose="020B0604020202020204" pitchFamily="34" charset="0"/>
+              </a:rPr>
+            </a:br>
+            <a:r>
+              <a:rPr lang="en-US" sz="1400" dirty="0">
+                <a:solidFill>
+                  <a:srgbClr val="000000"/>
+                </a:solidFill>
+                <a:latin typeface="Calibri" panose="020F0502020204030204" pitchFamily="34" charset="0"/>
+                <a:ea typeface="Calibri" panose="020F0502020204030204" pitchFamily="34" charset="0"/>
+                <a:cs typeface="Arial" panose="020B0604020202020204" pitchFamily="34" charset="0"/>
+              </a:rPr>
+              <a:t>    </a:t>
+            </a:r>
+            <a:r>
+              <a:rPr lang="en-US" sz="1400" b="1" dirty="0">
+                <a:solidFill>
+                  <a:srgbClr val="000080"/>
+                </a:solidFill>
+                <a:latin typeface="Calibri" panose="020F0502020204030204" pitchFamily="34" charset="0"/>
+                <a:ea typeface="Calibri" panose="020F0502020204030204" pitchFamily="34" charset="0"/>
+                <a:cs typeface="Arial" panose="020B0604020202020204" pitchFamily="34" charset="0"/>
+              </a:rPr>
+              <a:t>class </a:t>
+            </a:r>
+            <a:r>
+              <a:rPr lang="en-US" sz="1400" dirty="0" err="1">
+                <a:solidFill>
+                  <a:srgbClr val="000000"/>
+                </a:solidFill>
+                <a:latin typeface="Calibri" panose="020F0502020204030204" pitchFamily="34" charset="0"/>
+                <a:ea typeface="Calibri" panose="020F0502020204030204" pitchFamily="34" charset="0"/>
+                <a:cs typeface="Arial" panose="020B0604020202020204" pitchFamily="34" charset="0"/>
+              </a:rPr>
+              <a:t>DynamicModule</a:t>
+            </a:r>
+            <a:r>
+              <a:rPr lang="en-US" sz="1400" dirty="0">
+                <a:solidFill>
+                  <a:srgbClr val="000000"/>
+                </a:solidFill>
+                <a:latin typeface="Calibri" panose="020F0502020204030204" pitchFamily="34" charset="0"/>
+                <a:ea typeface="Calibri" panose="020F0502020204030204" pitchFamily="34" charset="0"/>
+                <a:cs typeface="Arial" panose="020B0604020202020204" pitchFamily="34" charset="0"/>
+              </a:rPr>
+              <a:t> {</a:t>
+            </a:r>
+            <a:br>
+              <a:rPr lang="en-US" sz="1400" dirty="0">
+                <a:solidFill>
+                  <a:srgbClr val="000000"/>
+                </a:solidFill>
+                <a:latin typeface="Calibri" panose="020F0502020204030204" pitchFamily="34" charset="0"/>
+                <a:ea typeface="Calibri" panose="020F0502020204030204" pitchFamily="34" charset="0"/>
+                <a:cs typeface="Arial" panose="020B0604020202020204" pitchFamily="34" charset="0"/>
+              </a:rPr>
+            </a:br>
+            <a:r>
+              <a:rPr lang="en-US" sz="1400" dirty="0">
+                <a:solidFill>
+                  <a:srgbClr val="000000"/>
+                </a:solidFill>
+                <a:latin typeface="Calibri" panose="020F0502020204030204" pitchFamily="34" charset="0"/>
+                <a:ea typeface="Calibri" panose="020F0502020204030204" pitchFamily="34" charset="0"/>
+                <a:cs typeface="Arial" panose="020B0604020202020204" pitchFamily="34" charset="0"/>
+              </a:rPr>
+              <a:t>    }</a:t>
+            </a:r>
+            <a:br>
+              <a:rPr lang="en-US" sz="1400" dirty="0">
+                <a:solidFill>
+                  <a:srgbClr val="000000"/>
+                </a:solidFill>
+                <a:latin typeface="Calibri" panose="020F0502020204030204" pitchFamily="34" charset="0"/>
+                <a:ea typeface="Calibri" panose="020F0502020204030204" pitchFamily="34" charset="0"/>
+                <a:cs typeface="Arial" panose="020B0604020202020204" pitchFamily="34" charset="0"/>
+              </a:rPr>
+            </a:br>
+            <a:br>
+              <a:rPr lang="en-US" sz="1400" dirty="0">
+                <a:solidFill>
+                  <a:srgbClr val="000000"/>
+                </a:solidFill>
+                <a:latin typeface="Calibri" panose="020F0502020204030204" pitchFamily="34" charset="0"/>
+                <a:ea typeface="Calibri" panose="020F0502020204030204" pitchFamily="34" charset="0"/>
+                <a:cs typeface="Arial" panose="020B0604020202020204" pitchFamily="34" charset="0"/>
+              </a:rPr>
+            </a:br>
+            <a:r>
+              <a:rPr lang="en-US" sz="1400" dirty="0">
+                <a:solidFill>
+                  <a:srgbClr val="000000"/>
+                </a:solidFill>
+                <a:latin typeface="Calibri" panose="020F0502020204030204" pitchFamily="34" charset="0"/>
+                <a:ea typeface="Calibri" panose="020F0502020204030204" pitchFamily="34" charset="0"/>
+                <a:cs typeface="Arial" panose="020B0604020202020204" pitchFamily="34" charset="0"/>
+              </a:rPr>
+              <a:t>    </a:t>
+            </a:r>
+            <a:r>
+              <a:rPr lang="en-US" sz="1400" b="1" dirty="0">
+                <a:solidFill>
+                  <a:srgbClr val="000080"/>
+                </a:solidFill>
+                <a:latin typeface="Calibri" panose="020F0502020204030204" pitchFamily="34" charset="0"/>
+                <a:ea typeface="Calibri" panose="020F0502020204030204" pitchFamily="34" charset="0"/>
+                <a:cs typeface="Arial" panose="020B0604020202020204" pitchFamily="34" charset="0"/>
+              </a:rPr>
+              <a:t>return </a:t>
+            </a:r>
+            <a:r>
+              <a:rPr lang="en-US" sz="1400" dirty="0" err="1">
+                <a:solidFill>
+                  <a:srgbClr val="000000"/>
+                </a:solidFill>
+                <a:latin typeface="Calibri" panose="020F0502020204030204" pitchFamily="34" charset="0"/>
+                <a:ea typeface="Calibri" panose="020F0502020204030204" pitchFamily="34" charset="0"/>
+                <a:cs typeface="Arial" panose="020B0604020202020204" pitchFamily="34" charset="0"/>
+              </a:rPr>
+              <a:t>DynamicModule</a:t>
+            </a:r>
+            <a:r>
+              <a:rPr lang="en-US" sz="1400" dirty="0">
+                <a:solidFill>
+                  <a:srgbClr val="000000"/>
+                </a:solidFill>
+                <a:latin typeface="Calibri" panose="020F0502020204030204" pitchFamily="34" charset="0"/>
+                <a:ea typeface="Calibri" panose="020F0502020204030204" pitchFamily="34" charset="0"/>
+                <a:cs typeface="Arial" panose="020B0604020202020204" pitchFamily="34" charset="0"/>
+              </a:rPr>
+              <a:t>;</a:t>
+            </a:r>
+            <a:br>
+              <a:rPr lang="en-US" sz="1400" dirty="0">
+                <a:solidFill>
+                  <a:srgbClr val="000000"/>
+                </a:solidFill>
+                <a:latin typeface="Calibri" panose="020F0502020204030204" pitchFamily="34" charset="0"/>
+                <a:ea typeface="Calibri" panose="020F0502020204030204" pitchFamily="34" charset="0"/>
+                <a:cs typeface="Arial" panose="020B0604020202020204" pitchFamily="34" charset="0"/>
+              </a:rPr>
+            </a:br>
+            <a:r>
+              <a:rPr lang="en-US" sz="1400" dirty="0">
+                <a:solidFill>
+                  <a:srgbClr val="000000"/>
+                </a:solidFill>
+                <a:latin typeface="Calibri" panose="020F0502020204030204" pitchFamily="34" charset="0"/>
+                <a:ea typeface="Calibri" panose="020F0502020204030204" pitchFamily="34" charset="0"/>
+                <a:cs typeface="Arial" panose="020B0604020202020204" pitchFamily="34" charset="0"/>
+              </a:rPr>
+              <a:t>}</a:t>
+            </a:r>
+            <a:endParaRPr lang="he-IL" sz="1400" dirty="0"/>
+          </a:p>
+        </p:txBody>
+      </p:sp>
+    </p:spTree>
+    <p:extLst>
+      <p:ext uri="{BB962C8B-B14F-4D97-AF65-F5344CB8AC3E}">
+        <p14:creationId xmlns:p14="http://schemas.microsoft.com/office/powerpoint/2010/main" val="3710089747"/>
+      </p:ext>
+    </p:extLst>
+  </p:cSld>
+  <p:clrMapOvr>
+    <a:masterClrMapping/>
+  </p:clrMapOvr>
+</p:sld>
+</file>
+
+<file path=ppt/slides/slide38.xml><?xml version="1.0" encoding="utf-8"?>
+<p:sld xmlns:a="http://schemas.openxmlformats.org/drawingml/2006/main" xmlns:r="http://schemas.openxmlformats.org/officeDocument/2006/relationships" xmlns:p="http://schemas.openxmlformats.org/presentationml/2006/main">
+  <p:cSld>
+    <p:spTree>
+      <p:nvGrpSpPr>
+        <p:cNvPr id="1" name=""/>
+        <p:cNvGrpSpPr/>
+        <p:nvPr/>
+      </p:nvGrpSpPr>
+      <p:grpSpPr>
+        <a:xfrm>
+          <a:off x="0" y="0"/>
+          <a:ext cx="0" cy="0"/>
+          <a:chOff x="0" y="0"/>
+          <a:chExt cx="0" cy="0"/>
+        </a:xfrm>
+      </p:grpSpPr>
+      <p:sp>
+        <p:nvSpPr>
+          <p:cNvPr id="2" name="Title 1"/>
+          <p:cNvSpPr>
+            <a:spLocks noGrp="1"/>
+          </p:cNvSpPr>
+          <p:nvPr>
+            <p:ph type="title"/>
+          </p:nvPr>
+        </p:nvSpPr>
+        <p:spPr/>
+        <p:txBody>
+          <a:bodyPr/>
+          <a:lstStyle/>
+          <a:p>
+            <a:r>
+              <a:rPr lang="en-US" dirty="0"/>
+              <a:t>Compile a Module</a:t>
+            </a:r>
+            <a:endParaRPr lang="he-IL" dirty="0"/>
+          </a:p>
+        </p:txBody>
+      </p:sp>
+      <p:sp>
+        <p:nvSpPr>
+          <p:cNvPr id="3" name="Footer Placeholder 2"/>
+          <p:cNvSpPr>
+            <a:spLocks noGrp="1"/>
+          </p:cNvSpPr>
+          <p:nvPr>
+            <p:ph type="ftr" sz="quarter" idx="11"/>
+          </p:nvPr>
+        </p:nvSpPr>
+        <p:spPr/>
+        <p:txBody>
+          <a:bodyPr/>
+          <a:lstStyle/>
+          <a:p>
+            <a:r>
+              <a:rPr lang="en-US"/>
+              <a:t>© 2016 Ori Calvo</a:t>
+            </a:r>
+            <a:endParaRPr lang="en-US" dirty="0"/>
+          </a:p>
+        </p:txBody>
+      </p:sp>
+      <p:sp>
+        <p:nvSpPr>
+          <p:cNvPr id="4" name="Slide Number Placeholder 3"/>
+          <p:cNvSpPr>
+            <a:spLocks noGrp="1"/>
+          </p:cNvSpPr>
+          <p:nvPr>
+            <p:ph type="sldNum" sz="quarter" idx="12"/>
+          </p:nvPr>
+        </p:nvSpPr>
+        <p:spPr/>
+        <p:txBody>
+          <a:bodyPr>
+            <a:normAutofit fontScale="85000" lnSpcReduction="20000"/>
+          </a:bodyPr>
+          <a:lstStyle/>
+          <a:p>
+            <a:fld id="{6EDEC3BC-0694-4586-AE63-02B4D54ABF43}" type="slidenum">
+              <a:rPr lang="en-US" smtClean="0"/>
+              <a:pPr/>
+              <a:t>38</a:t>
+            </a:fld>
+            <a:endParaRPr lang="en-US"/>
+          </a:p>
+        </p:txBody>
+      </p:sp>
+      <p:sp>
+        <p:nvSpPr>
           <p:cNvPr id="5" name="Content Placeholder 4"/>
           <p:cNvSpPr>
             <a:spLocks noGrp="1"/>
@@ -26236,14 +26429,14 @@
           <a:bodyPr/>
           <a:lstStyle/>
           <a:p>
-            <a:endParaRPr lang="en-US"/>
+            <a:endParaRPr lang="he-IL"/>
           </a:p>
         </p:txBody>
       </p:sp>
     </p:spTree>
     <p:extLst>
       <p:ext uri="{BB962C8B-B14F-4D97-AF65-F5344CB8AC3E}">
-        <p14:creationId xmlns:p14="http://schemas.microsoft.com/office/powerpoint/2010/main" val="3710089747"/>
+        <p14:creationId xmlns:p14="http://schemas.microsoft.com/office/powerpoint/2010/main" val="130204897"/>
       </p:ext>
     </p:extLst>
   </p:cSld>
@@ -27134,17 +27327,6 @@
                 <a:cs typeface="Courier New" panose="02070309020205020404" pitchFamily="49" charset="0"/>
               </a:rPr>
             </a:br>
-            <a:r>
-              <a:rPr lang="en-US" sz="1400" dirty="0">
-                <a:solidFill>
-                  <a:srgbClr val="000000"/>
-                </a:solidFill>
-                <a:latin typeface="Courier New" panose="02070309020205020404" pitchFamily="49" charset="0"/>
-                <a:ea typeface="Calibri" panose="020F0502020204030204" pitchFamily="34" charset="0"/>
-                <a:cs typeface="Courier New" panose="02070309020205020404" pitchFamily="49" charset="0"/>
-              </a:rPr>
-              <a:t/>
-            </a:r>
             <a:br>
               <a:rPr lang="en-US" sz="1400" dirty="0">
                 <a:solidFill>

--- a/PPTs/06 Advanced Components.pptx
+++ b/PPTs/06 Advanced Components.pptx
@@ -5,7 +5,7 @@
     <p:sldMasterId id="2147483672" r:id="rId1"/>
   </p:sldMasterIdLst>
   <p:notesMasterIdLst>
-    <p:notesMasterId r:id="rId40"/>
+    <p:notesMasterId r:id="rId43"/>
   </p:notesMasterIdLst>
   <p:sldIdLst>
     <p:sldId id="256" r:id="rId2"/>
@@ -46,6 +46,9 @@
     <p:sldId id="291" r:id="rId37"/>
     <p:sldId id="292" r:id="rId38"/>
     <p:sldId id="293" r:id="rId39"/>
+    <p:sldId id="294" r:id="rId40"/>
+    <p:sldId id="295" r:id="rId41"/>
+    <p:sldId id="296" r:id="rId42"/>
   </p:sldIdLst>
   <p:sldSz cx="9144000" cy="6858000" type="screen4x3"/>
   <p:notesSz cx="6858000" cy="9144000"/>
@@ -1304,14 +1307,35 @@
         </dgm:presLayoutVars>
       </dgm:prSet>
       <dgm:spPr/>
+      <dgm:t>
+        <a:bodyPr/>
+        <a:lstStyle/>
+        <a:p>
+          <a:endParaRPr lang="en-US"/>
+        </a:p>
+      </dgm:t>
     </dgm:pt>
     <dgm:pt modelId="{2CAF8251-DFFA-4945-960C-5929CB8E824B}" type="pres">
       <dgm:prSet presAssocID="{5B6D3F57-B83C-4EB8-9B5A-68E5FE821946}" presName="sibTrans" presStyleLbl="sibTrans2D1" presStyleIdx="0" presStyleCnt="9"/>
       <dgm:spPr/>
+      <dgm:t>
+        <a:bodyPr/>
+        <a:lstStyle/>
+        <a:p>
+          <a:endParaRPr lang="en-US"/>
+        </a:p>
+      </dgm:t>
     </dgm:pt>
     <dgm:pt modelId="{3BB2D16E-1CC7-4738-B84A-EB4DEE5310E7}" type="pres">
       <dgm:prSet presAssocID="{5B6D3F57-B83C-4EB8-9B5A-68E5FE821946}" presName="connectorText" presStyleLbl="sibTrans2D1" presStyleIdx="0" presStyleCnt="9"/>
       <dgm:spPr/>
+      <dgm:t>
+        <a:bodyPr/>
+        <a:lstStyle/>
+        <a:p>
+          <a:endParaRPr lang="en-US"/>
+        </a:p>
+      </dgm:t>
     </dgm:pt>
     <dgm:pt modelId="{FB76C021-36F4-467E-8212-F9818DF6103F}" type="pres">
       <dgm:prSet presAssocID="{9A59CCF8-0ED6-4AC2-9580-F70D9BF95ADB}" presName="node" presStyleLbl="node1" presStyleIdx="1" presStyleCnt="10">
@@ -1320,14 +1344,35 @@
         </dgm:presLayoutVars>
       </dgm:prSet>
       <dgm:spPr/>
+      <dgm:t>
+        <a:bodyPr/>
+        <a:lstStyle/>
+        <a:p>
+          <a:endParaRPr lang="en-US"/>
+        </a:p>
+      </dgm:t>
     </dgm:pt>
     <dgm:pt modelId="{001C0266-14F1-4005-BED6-7D130EA97079}" type="pres">
       <dgm:prSet presAssocID="{D5CCD173-2EA8-4945-A34B-43CF743BA11C}" presName="sibTrans" presStyleLbl="sibTrans2D1" presStyleIdx="1" presStyleCnt="9"/>
       <dgm:spPr/>
+      <dgm:t>
+        <a:bodyPr/>
+        <a:lstStyle/>
+        <a:p>
+          <a:endParaRPr lang="en-US"/>
+        </a:p>
+      </dgm:t>
     </dgm:pt>
     <dgm:pt modelId="{2B89F9C2-B9E7-4AE4-A866-D869D897C165}" type="pres">
       <dgm:prSet presAssocID="{D5CCD173-2EA8-4945-A34B-43CF743BA11C}" presName="connectorText" presStyleLbl="sibTrans2D1" presStyleIdx="1" presStyleCnt="9"/>
       <dgm:spPr/>
+      <dgm:t>
+        <a:bodyPr/>
+        <a:lstStyle/>
+        <a:p>
+          <a:endParaRPr lang="en-US"/>
+        </a:p>
+      </dgm:t>
     </dgm:pt>
     <dgm:pt modelId="{E2D9A362-182A-4859-B834-37E42EE7ECBC}" type="pres">
       <dgm:prSet presAssocID="{4E3C0592-8877-4794-9FFC-5CE77BAF5D26}" presName="node" presStyleLbl="node1" presStyleIdx="2" presStyleCnt="10">
@@ -1336,14 +1381,35 @@
         </dgm:presLayoutVars>
       </dgm:prSet>
       <dgm:spPr/>
+      <dgm:t>
+        <a:bodyPr/>
+        <a:lstStyle/>
+        <a:p>
+          <a:endParaRPr lang="en-US"/>
+        </a:p>
+      </dgm:t>
     </dgm:pt>
     <dgm:pt modelId="{2FAF20BE-974E-4E38-99A1-3A60BABD03EA}" type="pres">
       <dgm:prSet presAssocID="{09EDE783-0E7B-479F-A590-D41337767395}" presName="sibTrans" presStyleLbl="sibTrans2D1" presStyleIdx="2" presStyleCnt="9"/>
       <dgm:spPr/>
+      <dgm:t>
+        <a:bodyPr/>
+        <a:lstStyle/>
+        <a:p>
+          <a:endParaRPr lang="en-US"/>
+        </a:p>
+      </dgm:t>
     </dgm:pt>
     <dgm:pt modelId="{4CB8CB1A-85CF-4B5B-B70B-D741C81DEEAB}" type="pres">
       <dgm:prSet presAssocID="{09EDE783-0E7B-479F-A590-D41337767395}" presName="connectorText" presStyleLbl="sibTrans2D1" presStyleIdx="2" presStyleCnt="9"/>
       <dgm:spPr/>
+      <dgm:t>
+        <a:bodyPr/>
+        <a:lstStyle/>
+        <a:p>
+          <a:endParaRPr lang="en-US"/>
+        </a:p>
+      </dgm:t>
     </dgm:pt>
     <dgm:pt modelId="{C3348AE4-777A-446C-B4C0-12461230E8ED}" type="pres">
       <dgm:prSet presAssocID="{15776F3A-E0DF-443A-B844-96CAF429FBDC}" presName="node" presStyleLbl="node1" presStyleIdx="3" presStyleCnt="10">
@@ -1352,14 +1418,35 @@
         </dgm:presLayoutVars>
       </dgm:prSet>
       <dgm:spPr/>
+      <dgm:t>
+        <a:bodyPr/>
+        <a:lstStyle/>
+        <a:p>
+          <a:endParaRPr lang="en-US"/>
+        </a:p>
+      </dgm:t>
     </dgm:pt>
     <dgm:pt modelId="{4FA34A37-628E-4F05-95D6-F33AEFAA52D9}" type="pres">
       <dgm:prSet presAssocID="{880F3994-7F95-4EF3-B919-9339A7A0CAC7}" presName="sibTrans" presStyleLbl="sibTrans2D1" presStyleIdx="3" presStyleCnt="9"/>
       <dgm:spPr/>
+      <dgm:t>
+        <a:bodyPr/>
+        <a:lstStyle/>
+        <a:p>
+          <a:endParaRPr lang="en-US"/>
+        </a:p>
+      </dgm:t>
     </dgm:pt>
     <dgm:pt modelId="{9938F42E-25A8-4A4C-836F-699190E4A5C1}" type="pres">
       <dgm:prSet presAssocID="{880F3994-7F95-4EF3-B919-9339A7A0CAC7}" presName="connectorText" presStyleLbl="sibTrans2D1" presStyleIdx="3" presStyleCnt="9"/>
       <dgm:spPr/>
+      <dgm:t>
+        <a:bodyPr/>
+        <a:lstStyle/>
+        <a:p>
+          <a:endParaRPr lang="en-US"/>
+        </a:p>
+      </dgm:t>
     </dgm:pt>
     <dgm:pt modelId="{1131802E-D7BE-4C12-928A-85235852EA9D}" type="pres">
       <dgm:prSet presAssocID="{73529B2F-7F55-4D26-B8E0-FC6F90C2F94E}" presName="node" presStyleLbl="node1" presStyleIdx="4" presStyleCnt="10">
@@ -1368,14 +1455,35 @@
         </dgm:presLayoutVars>
       </dgm:prSet>
       <dgm:spPr/>
+      <dgm:t>
+        <a:bodyPr/>
+        <a:lstStyle/>
+        <a:p>
+          <a:endParaRPr lang="en-US"/>
+        </a:p>
+      </dgm:t>
     </dgm:pt>
     <dgm:pt modelId="{2AF90225-B84E-42EA-823B-34729E8D71A6}" type="pres">
       <dgm:prSet presAssocID="{79DF1BCF-F727-4C1D-BAB7-41B7BDDC2EE4}" presName="sibTrans" presStyleLbl="sibTrans2D1" presStyleIdx="4" presStyleCnt="9"/>
       <dgm:spPr/>
+      <dgm:t>
+        <a:bodyPr/>
+        <a:lstStyle/>
+        <a:p>
+          <a:endParaRPr lang="en-US"/>
+        </a:p>
+      </dgm:t>
     </dgm:pt>
     <dgm:pt modelId="{9DF86EAF-1EB2-4785-AE27-5D19A02AD606}" type="pres">
       <dgm:prSet presAssocID="{79DF1BCF-F727-4C1D-BAB7-41B7BDDC2EE4}" presName="connectorText" presStyleLbl="sibTrans2D1" presStyleIdx="4" presStyleCnt="9"/>
       <dgm:spPr/>
+      <dgm:t>
+        <a:bodyPr/>
+        <a:lstStyle/>
+        <a:p>
+          <a:endParaRPr lang="en-US"/>
+        </a:p>
+      </dgm:t>
     </dgm:pt>
     <dgm:pt modelId="{735A7C0C-52EF-46B0-AE39-108249CFC1E2}" type="pres">
       <dgm:prSet presAssocID="{80130806-0993-4ED8-821F-4B7805F4339B}" presName="node" presStyleLbl="node1" presStyleIdx="5" presStyleCnt="10">
@@ -1384,14 +1492,35 @@
         </dgm:presLayoutVars>
       </dgm:prSet>
       <dgm:spPr/>
+      <dgm:t>
+        <a:bodyPr/>
+        <a:lstStyle/>
+        <a:p>
+          <a:endParaRPr lang="en-US"/>
+        </a:p>
+      </dgm:t>
     </dgm:pt>
     <dgm:pt modelId="{6003FE79-375C-4AFB-A671-2FB4748ABE06}" type="pres">
       <dgm:prSet presAssocID="{AA6000EC-2CD0-4E6A-AA8F-A5CC28606982}" presName="sibTrans" presStyleLbl="sibTrans2D1" presStyleIdx="5" presStyleCnt="9"/>
       <dgm:spPr/>
+      <dgm:t>
+        <a:bodyPr/>
+        <a:lstStyle/>
+        <a:p>
+          <a:endParaRPr lang="en-US"/>
+        </a:p>
+      </dgm:t>
     </dgm:pt>
     <dgm:pt modelId="{16250021-5614-4961-9B51-1750226631C8}" type="pres">
       <dgm:prSet presAssocID="{AA6000EC-2CD0-4E6A-AA8F-A5CC28606982}" presName="connectorText" presStyleLbl="sibTrans2D1" presStyleIdx="5" presStyleCnt="9"/>
       <dgm:spPr/>
+      <dgm:t>
+        <a:bodyPr/>
+        <a:lstStyle/>
+        <a:p>
+          <a:endParaRPr lang="en-US"/>
+        </a:p>
+      </dgm:t>
     </dgm:pt>
     <dgm:pt modelId="{F9C8AD40-7B0A-419D-988C-2FAF30C95F5A}" type="pres">
       <dgm:prSet presAssocID="{028BDC1F-4D68-49F1-A61B-96682D29743B}" presName="node" presStyleLbl="node1" presStyleIdx="6" presStyleCnt="10">
@@ -1400,14 +1529,35 @@
         </dgm:presLayoutVars>
       </dgm:prSet>
       <dgm:spPr/>
+      <dgm:t>
+        <a:bodyPr/>
+        <a:lstStyle/>
+        <a:p>
+          <a:endParaRPr lang="en-US"/>
+        </a:p>
+      </dgm:t>
     </dgm:pt>
     <dgm:pt modelId="{FAD02D91-C773-4B95-8269-4C348E3E55DE}" type="pres">
       <dgm:prSet presAssocID="{8A53B1C7-A4F4-4A51-A3E6-A1B97162D1BF}" presName="sibTrans" presStyleLbl="sibTrans2D1" presStyleIdx="6" presStyleCnt="9"/>
       <dgm:spPr/>
+      <dgm:t>
+        <a:bodyPr/>
+        <a:lstStyle/>
+        <a:p>
+          <a:endParaRPr lang="en-US"/>
+        </a:p>
+      </dgm:t>
     </dgm:pt>
     <dgm:pt modelId="{719E4762-3584-4DE1-BED3-633674BC4D70}" type="pres">
       <dgm:prSet presAssocID="{8A53B1C7-A4F4-4A51-A3E6-A1B97162D1BF}" presName="connectorText" presStyleLbl="sibTrans2D1" presStyleIdx="6" presStyleCnt="9"/>
       <dgm:spPr/>
+      <dgm:t>
+        <a:bodyPr/>
+        <a:lstStyle/>
+        <a:p>
+          <a:endParaRPr lang="en-US"/>
+        </a:p>
+      </dgm:t>
     </dgm:pt>
     <dgm:pt modelId="{5EB918F4-21C2-4FFE-8DF4-AC5FDCBA9FD2}" type="pres">
       <dgm:prSet presAssocID="{30769A75-3D7F-4E92-B661-1A3C9F995874}" presName="node" presStyleLbl="node1" presStyleIdx="7" presStyleCnt="10">
@@ -1416,14 +1566,35 @@
         </dgm:presLayoutVars>
       </dgm:prSet>
       <dgm:spPr/>
+      <dgm:t>
+        <a:bodyPr/>
+        <a:lstStyle/>
+        <a:p>
+          <a:endParaRPr lang="en-US"/>
+        </a:p>
+      </dgm:t>
     </dgm:pt>
     <dgm:pt modelId="{94AA81B8-20F1-46DA-B451-E2D4A4828CFD}" type="pres">
       <dgm:prSet presAssocID="{34D4A5D7-2EF8-4D90-89AD-2481E3063AAA}" presName="sibTrans" presStyleLbl="sibTrans2D1" presStyleIdx="7" presStyleCnt="9"/>
       <dgm:spPr/>
+      <dgm:t>
+        <a:bodyPr/>
+        <a:lstStyle/>
+        <a:p>
+          <a:endParaRPr lang="en-US"/>
+        </a:p>
+      </dgm:t>
     </dgm:pt>
     <dgm:pt modelId="{5F0C9716-AC60-4F33-B6E1-D77A7D37184A}" type="pres">
       <dgm:prSet presAssocID="{34D4A5D7-2EF8-4D90-89AD-2481E3063AAA}" presName="connectorText" presStyleLbl="sibTrans2D1" presStyleIdx="7" presStyleCnt="9"/>
       <dgm:spPr/>
+      <dgm:t>
+        <a:bodyPr/>
+        <a:lstStyle/>
+        <a:p>
+          <a:endParaRPr lang="en-US"/>
+        </a:p>
+      </dgm:t>
     </dgm:pt>
     <dgm:pt modelId="{AAAA3577-BE21-4CA5-B34C-F652ECB0932F}" type="pres">
       <dgm:prSet presAssocID="{27C1205F-36B3-45D1-BA7D-1DC7E7E6B5B9}" presName="node" presStyleLbl="node1" presStyleIdx="8" presStyleCnt="10">
@@ -1432,14 +1603,35 @@
         </dgm:presLayoutVars>
       </dgm:prSet>
       <dgm:spPr/>
+      <dgm:t>
+        <a:bodyPr/>
+        <a:lstStyle/>
+        <a:p>
+          <a:endParaRPr lang="en-US"/>
+        </a:p>
+      </dgm:t>
     </dgm:pt>
     <dgm:pt modelId="{870AC8BA-EDAE-4B54-AE57-6C2952E5E4CA}" type="pres">
       <dgm:prSet presAssocID="{5B0A0F7D-B8B0-4ED5-9C05-3E3EEA94162E}" presName="sibTrans" presStyleLbl="sibTrans2D1" presStyleIdx="8" presStyleCnt="9"/>
       <dgm:spPr/>
+      <dgm:t>
+        <a:bodyPr/>
+        <a:lstStyle/>
+        <a:p>
+          <a:endParaRPr lang="en-US"/>
+        </a:p>
+      </dgm:t>
     </dgm:pt>
     <dgm:pt modelId="{F6B38759-1315-4F06-9567-DB3FBD1F981A}" type="pres">
       <dgm:prSet presAssocID="{5B0A0F7D-B8B0-4ED5-9C05-3E3EEA94162E}" presName="connectorText" presStyleLbl="sibTrans2D1" presStyleIdx="8" presStyleCnt="9"/>
       <dgm:spPr/>
+      <dgm:t>
+        <a:bodyPr/>
+        <a:lstStyle/>
+        <a:p>
+          <a:endParaRPr lang="en-US"/>
+        </a:p>
+      </dgm:t>
     </dgm:pt>
     <dgm:pt modelId="{E0087B9A-DD50-44C3-B704-CFF63795F2B3}" type="pres">
       <dgm:prSet presAssocID="{53D9DAC8-759F-4F85-93E5-9490595EBD87}" presName="node" presStyleLbl="node1" presStyleIdx="9" presStyleCnt="10">
@@ -1448,48 +1640,55 @@
         </dgm:presLayoutVars>
       </dgm:prSet>
       <dgm:spPr/>
+      <dgm:t>
+        <a:bodyPr/>
+        <a:lstStyle/>
+        <a:p>
+          <a:endParaRPr lang="en-US"/>
+        </a:p>
+      </dgm:t>
     </dgm:pt>
   </dgm:ptLst>
   <dgm:cxnLst>
+    <dgm:cxn modelId="{89700E86-55ED-4587-8803-CEF48DEF9375}" type="presOf" srcId="{AA6000EC-2CD0-4E6A-AA8F-A5CC28606982}" destId="{6003FE79-375C-4AFB-A671-2FB4748ABE06}" srcOrd="0" destOrd="0" presId="urn:microsoft.com/office/officeart/2005/8/layout/process2"/>
+    <dgm:cxn modelId="{F863291E-AEDD-4A58-A0E3-7161CF159248}" type="presOf" srcId="{15776F3A-E0DF-443A-B844-96CAF429FBDC}" destId="{C3348AE4-777A-446C-B4C0-12461230E8ED}" srcOrd="0" destOrd="0" presId="urn:microsoft.com/office/officeart/2005/8/layout/process2"/>
+    <dgm:cxn modelId="{D3EA921A-6C61-4DF5-8AAA-8ED80370107A}" type="presOf" srcId="{C6A01319-9956-4466-834E-7F7322CE11FC}" destId="{9DD96EA3-A644-4875-B46F-91ED42C83A18}" srcOrd="0" destOrd="0" presId="urn:microsoft.com/office/officeart/2005/8/layout/process2"/>
+    <dgm:cxn modelId="{BC55CCEE-1DF7-40E1-954B-95C4CF3090EE}" srcId="{C6A01319-9956-4466-834E-7F7322CE11FC}" destId="{034FBD38-001F-4B03-9451-FCFEA3EADDF3}" srcOrd="0" destOrd="0" parTransId="{F6D053CE-9A52-4CE1-A5B9-39E940B853A1}" sibTransId="{5B6D3F57-B83C-4EB8-9B5A-68E5FE821946}"/>
+    <dgm:cxn modelId="{D1B9CF53-02FB-4404-8386-68CD251C1FBF}" srcId="{C6A01319-9956-4466-834E-7F7322CE11FC}" destId="{73529B2F-7F55-4D26-B8E0-FC6F90C2F94E}" srcOrd="4" destOrd="0" parTransId="{991259D8-0E1C-4655-9CBB-E20FE609C8AB}" sibTransId="{79DF1BCF-F727-4C1D-BAB7-41B7BDDC2EE4}"/>
+    <dgm:cxn modelId="{1B1D2E46-8533-4776-874C-AC736CF348CA}" type="presOf" srcId="{5B0A0F7D-B8B0-4ED5-9C05-3E3EEA94162E}" destId="{F6B38759-1315-4F06-9567-DB3FBD1F981A}" srcOrd="1" destOrd="0" presId="urn:microsoft.com/office/officeart/2005/8/layout/process2"/>
+    <dgm:cxn modelId="{D484B88A-146F-4359-8E1C-5F889879C454}" srcId="{C6A01319-9956-4466-834E-7F7322CE11FC}" destId="{27C1205F-36B3-45D1-BA7D-1DC7E7E6B5B9}" srcOrd="8" destOrd="0" parTransId="{A311B756-0575-481A-9968-970A2625DB31}" sibTransId="{5B0A0F7D-B8B0-4ED5-9C05-3E3EEA94162E}"/>
+    <dgm:cxn modelId="{C8B98B38-9485-4BEB-9AB3-B5F0CDE02E2C}" type="presOf" srcId="{8A53B1C7-A4F4-4A51-A3E6-A1B97162D1BF}" destId="{719E4762-3584-4DE1-BED3-633674BC4D70}" srcOrd="1" destOrd="0" presId="urn:microsoft.com/office/officeart/2005/8/layout/process2"/>
     <dgm:cxn modelId="{D9C33100-271C-47BE-BFEF-706925A8D729}" type="presOf" srcId="{5B6D3F57-B83C-4EB8-9B5A-68E5FE821946}" destId="{2CAF8251-DFFA-4945-960C-5929CB8E824B}" srcOrd="0" destOrd="0" presId="urn:microsoft.com/office/officeart/2005/8/layout/process2"/>
+    <dgm:cxn modelId="{133EB25A-45CD-4BE4-934A-F1AF5979F895}" type="presOf" srcId="{034FBD38-001F-4B03-9451-FCFEA3EADDF3}" destId="{B7666B93-E046-44C3-9175-857ECEF9EC1C}" srcOrd="0" destOrd="0" presId="urn:microsoft.com/office/officeart/2005/8/layout/process2"/>
+    <dgm:cxn modelId="{79C5F576-7033-4486-B94D-3C4D0BBD4C88}" type="presOf" srcId="{09EDE783-0E7B-479F-A590-D41337767395}" destId="{4CB8CB1A-85CF-4B5B-B70B-D741C81DEEAB}" srcOrd="1" destOrd="0" presId="urn:microsoft.com/office/officeart/2005/8/layout/process2"/>
+    <dgm:cxn modelId="{25C316AD-F0FC-4D83-9A4C-30540FADAE51}" type="presOf" srcId="{34D4A5D7-2EF8-4D90-89AD-2481E3063AAA}" destId="{5F0C9716-AC60-4F33-B6E1-D77A7D37184A}" srcOrd="1" destOrd="0" presId="urn:microsoft.com/office/officeart/2005/8/layout/process2"/>
+    <dgm:cxn modelId="{AF4C731D-31BC-405E-986C-36C8FE869496}" type="presOf" srcId="{79DF1BCF-F727-4C1D-BAB7-41B7BDDC2EE4}" destId="{2AF90225-B84E-42EA-823B-34729E8D71A6}" srcOrd="0" destOrd="0" presId="urn:microsoft.com/office/officeart/2005/8/layout/process2"/>
+    <dgm:cxn modelId="{2A6E8389-3D89-4D2B-A92C-649FCC63466C}" srcId="{C6A01319-9956-4466-834E-7F7322CE11FC}" destId="{80130806-0993-4ED8-821F-4B7805F4339B}" srcOrd="5" destOrd="0" parTransId="{866531FD-6588-4F5C-8A1C-570E97100AFD}" sibTransId="{AA6000EC-2CD0-4E6A-AA8F-A5CC28606982}"/>
+    <dgm:cxn modelId="{51DF3E0A-33CF-43DC-8DD6-926F9A469681}" type="presOf" srcId="{9A59CCF8-0ED6-4AC2-9580-F70D9BF95ADB}" destId="{FB76C021-36F4-467E-8212-F9818DF6103F}" srcOrd="0" destOrd="0" presId="urn:microsoft.com/office/officeart/2005/8/layout/process2"/>
+    <dgm:cxn modelId="{CDDDF977-9990-49C1-9F4F-4EB4350922EF}" type="presOf" srcId="{27C1205F-36B3-45D1-BA7D-1DC7E7E6B5B9}" destId="{AAAA3577-BE21-4CA5-B34C-F652ECB0932F}" srcOrd="0" destOrd="0" presId="urn:microsoft.com/office/officeart/2005/8/layout/process2"/>
     <dgm:cxn modelId="{BB3DD004-74B3-4862-9C2E-CCD96EE8BF29}" srcId="{C6A01319-9956-4466-834E-7F7322CE11FC}" destId="{028BDC1F-4D68-49F1-A61B-96682D29743B}" srcOrd="6" destOrd="0" parTransId="{EDA9D22B-EFCE-42A0-8C89-AF20A209E51E}" sibTransId="{8A53B1C7-A4F4-4A51-A3E6-A1B97162D1BF}"/>
+    <dgm:cxn modelId="{69F922FB-FB67-460D-BEA6-F5D66543E74B}" type="presOf" srcId="{73529B2F-7F55-4D26-B8E0-FC6F90C2F94E}" destId="{1131802E-D7BE-4C12-928A-85235852EA9D}" srcOrd="0" destOrd="0" presId="urn:microsoft.com/office/officeart/2005/8/layout/process2"/>
+    <dgm:cxn modelId="{E62D262F-0121-4F7B-8C16-0AE0CA3DA4CF}" type="presOf" srcId="{34D4A5D7-2EF8-4D90-89AD-2481E3063AAA}" destId="{94AA81B8-20F1-46DA-B451-E2D4A4828CFD}" srcOrd="0" destOrd="0" presId="urn:microsoft.com/office/officeart/2005/8/layout/process2"/>
+    <dgm:cxn modelId="{CBFA72DA-8CBB-4A9D-81F6-92B5039C8DDB}" type="presOf" srcId="{5B6D3F57-B83C-4EB8-9B5A-68E5FE821946}" destId="{3BB2D16E-1CC7-4738-B84A-EB4DEE5310E7}" srcOrd="1" destOrd="0" presId="urn:microsoft.com/office/officeart/2005/8/layout/process2"/>
+    <dgm:cxn modelId="{5FBD2EDA-A430-4DC2-B3AC-BB3B6C1584A0}" type="presOf" srcId="{D5CCD173-2EA8-4945-A34B-43CF743BA11C}" destId="{001C0266-14F1-4005-BED6-7D130EA97079}" srcOrd="0" destOrd="0" presId="urn:microsoft.com/office/officeart/2005/8/layout/process2"/>
+    <dgm:cxn modelId="{A5872576-402B-4123-ADE9-26F31F1D9310}" srcId="{C6A01319-9956-4466-834E-7F7322CE11FC}" destId="{4E3C0592-8877-4794-9FFC-5CE77BAF5D26}" srcOrd="2" destOrd="0" parTransId="{73D5F8B4-8397-4EFA-BF3C-B32238479ED6}" sibTransId="{09EDE783-0E7B-479F-A590-D41337767395}"/>
+    <dgm:cxn modelId="{6FC7CDED-411F-4FD1-9A4E-7A82A1EC96E7}" srcId="{C6A01319-9956-4466-834E-7F7322CE11FC}" destId="{30769A75-3D7F-4E92-B661-1A3C9F995874}" srcOrd="7" destOrd="0" parTransId="{091B5676-1AA8-4EED-B9A3-CC8CC773D689}" sibTransId="{34D4A5D7-2EF8-4D90-89AD-2481E3063AAA}"/>
+    <dgm:cxn modelId="{BB0DECA9-F79F-4A27-BAC1-6EFE337E7E1F}" type="presOf" srcId="{880F3994-7F95-4EF3-B919-9339A7A0CAC7}" destId="{9938F42E-25A8-4A4C-836F-699190E4A5C1}" srcOrd="1" destOrd="0" presId="urn:microsoft.com/office/officeart/2005/8/layout/process2"/>
+    <dgm:cxn modelId="{D63BBD83-AB47-485C-BEA9-E37D64BC5EB1}" srcId="{C6A01319-9956-4466-834E-7F7322CE11FC}" destId="{53D9DAC8-759F-4F85-93E5-9490595EBD87}" srcOrd="9" destOrd="0" parTransId="{BA19793D-22FF-4F21-89E2-53BB534DB3B9}" sibTransId="{2F7EC078-CB07-4320-B564-40133EA7340A}"/>
+    <dgm:cxn modelId="{493C0ED5-4442-4B0F-B82F-9ABF5559871C}" type="presOf" srcId="{80130806-0993-4ED8-821F-4B7805F4339B}" destId="{735A7C0C-52EF-46B0-AE39-108249CFC1E2}" srcOrd="0" destOrd="0" presId="urn:microsoft.com/office/officeart/2005/8/layout/process2"/>
     <dgm:cxn modelId="{743AD404-26FD-468E-8378-B6A7CC9F0AFA}" type="presOf" srcId="{8A53B1C7-A4F4-4A51-A3E6-A1B97162D1BF}" destId="{FAD02D91-C773-4B95-8269-4C348E3E55DE}" srcOrd="0" destOrd="0" presId="urn:microsoft.com/office/officeart/2005/8/layout/process2"/>
-    <dgm:cxn modelId="{51DF3E0A-33CF-43DC-8DD6-926F9A469681}" type="presOf" srcId="{9A59CCF8-0ED6-4AC2-9580-F70D9BF95ADB}" destId="{FB76C021-36F4-467E-8212-F9818DF6103F}" srcOrd="0" destOrd="0" presId="urn:microsoft.com/office/officeart/2005/8/layout/process2"/>
-    <dgm:cxn modelId="{D3EA921A-6C61-4DF5-8AAA-8ED80370107A}" type="presOf" srcId="{C6A01319-9956-4466-834E-7F7322CE11FC}" destId="{9DD96EA3-A644-4875-B46F-91ED42C83A18}" srcOrd="0" destOrd="0" presId="urn:microsoft.com/office/officeart/2005/8/layout/process2"/>
-    <dgm:cxn modelId="{C278BC1C-603A-4494-A145-891928AB2B6B}" srcId="{C6A01319-9956-4466-834E-7F7322CE11FC}" destId="{9A59CCF8-0ED6-4AC2-9580-F70D9BF95ADB}" srcOrd="1" destOrd="0" parTransId="{AE55876D-DF68-44FA-86C3-B861C04972A9}" sibTransId="{D5CCD173-2EA8-4945-A34B-43CF743BA11C}"/>
-    <dgm:cxn modelId="{AF4C731D-31BC-405E-986C-36C8FE869496}" type="presOf" srcId="{79DF1BCF-F727-4C1D-BAB7-41B7BDDC2EE4}" destId="{2AF90225-B84E-42EA-823B-34729E8D71A6}" srcOrd="0" destOrd="0" presId="urn:microsoft.com/office/officeart/2005/8/layout/process2"/>
-    <dgm:cxn modelId="{F863291E-AEDD-4A58-A0E3-7161CF159248}" type="presOf" srcId="{15776F3A-E0DF-443A-B844-96CAF429FBDC}" destId="{C3348AE4-777A-446C-B4C0-12461230E8ED}" srcOrd="0" destOrd="0" presId="urn:microsoft.com/office/officeart/2005/8/layout/process2"/>
     <dgm:cxn modelId="{709EEC29-312A-4568-8E2B-E2A8FBA360DC}" type="presOf" srcId="{880F3994-7F95-4EF3-B919-9339A7A0CAC7}" destId="{4FA34A37-628E-4F05-95D6-F33AEFAA52D9}" srcOrd="0" destOrd="0" presId="urn:microsoft.com/office/officeart/2005/8/layout/process2"/>
-    <dgm:cxn modelId="{E62D262F-0121-4F7B-8C16-0AE0CA3DA4CF}" type="presOf" srcId="{34D4A5D7-2EF8-4D90-89AD-2481E3063AAA}" destId="{94AA81B8-20F1-46DA-B451-E2D4A4828CFD}" srcOrd="0" destOrd="0" presId="urn:microsoft.com/office/officeart/2005/8/layout/process2"/>
-    <dgm:cxn modelId="{AE29CF2F-9676-455B-B62D-D20F47B52EDD}" type="presOf" srcId="{53D9DAC8-759F-4F85-93E5-9490595EBD87}" destId="{E0087B9A-DD50-44C3-B704-CFF63795F2B3}" srcOrd="0" destOrd="0" presId="urn:microsoft.com/office/officeart/2005/8/layout/process2"/>
-    <dgm:cxn modelId="{C8B98B38-9485-4BEB-9AB3-B5F0CDE02E2C}" type="presOf" srcId="{8A53B1C7-A4F4-4A51-A3E6-A1B97162D1BF}" destId="{719E4762-3584-4DE1-BED3-633674BC4D70}" srcOrd="1" destOrd="0" presId="urn:microsoft.com/office/officeart/2005/8/layout/process2"/>
-    <dgm:cxn modelId="{1B1D2E46-8533-4776-874C-AC736CF348CA}" type="presOf" srcId="{5B0A0F7D-B8B0-4ED5-9C05-3E3EEA94162E}" destId="{F6B38759-1315-4F06-9567-DB3FBD1F981A}" srcOrd="1" destOrd="0" presId="urn:microsoft.com/office/officeart/2005/8/layout/process2"/>
-    <dgm:cxn modelId="{3BB07C4F-5218-4779-A1F8-30C010541E7F}" type="presOf" srcId="{4E3C0592-8877-4794-9FFC-5CE77BAF5D26}" destId="{E2D9A362-182A-4859-B834-37E42EE7ECBC}" srcOrd="0" destOrd="0" presId="urn:microsoft.com/office/officeart/2005/8/layout/process2"/>
-    <dgm:cxn modelId="{D1B9CF53-02FB-4404-8386-68CD251C1FBF}" srcId="{C6A01319-9956-4466-834E-7F7322CE11FC}" destId="{73529B2F-7F55-4D26-B8E0-FC6F90C2F94E}" srcOrd="4" destOrd="0" parTransId="{991259D8-0E1C-4655-9CBB-E20FE609C8AB}" sibTransId="{79DF1BCF-F727-4C1D-BAB7-41B7BDDC2EE4}"/>
-    <dgm:cxn modelId="{A5872576-402B-4123-ADE9-26F31F1D9310}" srcId="{C6A01319-9956-4466-834E-7F7322CE11FC}" destId="{4E3C0592-8877-4794-9FFC-5CE77BAF5D26}" srcOrd="2" destOrd="0" parTransId="{73D5F8B4-8397-4EFA-BF3C-B32238479ED6}" sibTransId="{09EDE783-0E7B-479F-A590-D41337767395}"/>
-    <dgm:cxn modelId="{79C5F576-7033-4486-B94D-3C4D0BBD4C88}" type="presOf" srcId="{09EDE783-0E7B-479F-A590-D41337767395}" destId="{4CB8CB1A-85CF-4B5B-B70B-D741C81DEEAB}" srcOrd="1" destOrd="0" presId="urn:microsoft.com/office/officeart/2005/8/layout/process2"/>
-    <dgm:cxn modelId="{CDDDF977-9990-49C1-9F4F-4EB4350922EF}" type="presOf" srcId="{27C1205F-36B3-45D1-BA7D-1DC7E7E6B5B9}" destId="{AAAA3577-BE21-4CA5-B34C-F652ECB0932F}" srcOrd="0" destOrd="0" presId="urn:microsoft.com/office/officeart/2005/8/layout/process2"/>
-    <dgm:cxn modelId="{133EB25A-45CD-4BE4-934A-F1AF5979F895}" type="presOf" srcId="{034FBD38-001F-4B03-9451-FCFEA3EADDF3}" destId="{B7666B93-E046-44C3-9175-857ECEF9EC1C}" srcOrd="0" destOrd="0" presId="urn:microsoft.com/office/officeart/2005/8/layout/process2"/>
-    <dgm:cxn modelId="{D63BBD83-AB47-485C-BEA9-E37D64BC5EB1}" srcId="{C6A01319-9956-4466-834E-7F7322CE11FC}" destId="{53D9DAC8-759F-4F85-93E5-9490595EBD87}" srcOrd="9" destOrd="0" parTransId="{BA19793D-22FF-4F21-89E2-53BB534DB3B9}" sibTransId="{2F7EC078-CB07-4320-B564-40133EA7340A}"/>
-    <dgm:cxn modelId="{89700E86-55ED-4587-8803-CEF48DEF9375}" type="presOf" srcId="{AA6000EC-2CD0-4E6A-AA8F-A5CC28606982}" destId="{6003FE79-375C-4AFB-A671-2FB4748ABE06}" srcOrd="0" destOrd="0" presId="urn:microsoft.com/office/officeart/2005/8/layout/process2"/>
-    <dgm:cxn modelId="{2A6E8389-3D89-4D2B-A92C-649FCC63466C}" srcId="{C6A01319-9956-4466-834E-7F7322CE11FC}" destId="{80130806-0993-4ED8-821F-4B7805F4339B}" srcOrd="5" destOrd="0" parTransId="{866531FD-6588-4F5C-8A1C-570E97100AFD}" sibTransId="{AA6000EC-2CD0-4E6A-AA8F-A5CC28606982}"/>
-    <dgm:cxn modelId="{20AC488A-1206-4A65-9212-20A64BE4F517}" type="presOf" srcId="{30769A75-3D7F-4E92-B661-1A3C9F995874}" destId="{5EB918F4-21C2-4FFE-8DF4-AC5FDCBA9FD2}" srcOrd="0" destOrd="0" presId="urn:microsoft.com/office/officeart/2005/8/layout/process2"/>
-    <dgm:cxn modelId="{D484B88A-146F-4359-8E1C-5F889879C454}" srcId="{C6A01319-9956-4466-834E-7F7322CE11FC}" destId="{27C1205F-36B3-45D1-BA7D-1DC7E7E6B5B9}" srcOrd="8" destOrd="0" parTransId="{A311B756-0575-481A-9968-970A2625DB31}" sibTransId="{5B0A0F7D-B8B0-4ED5-9C05-3E3EEA94162E}"/>
-    <dgm:cxn modelId="{B7F19BA3-0521-422F-B9FE-DB5CDD6767DF}" type="presOf" srcId="{79DF1BCF-F727-4C1D-BAB7-41B7BDDC2EE4}" destId="{9DF86EAF-1EB2-4785-AE27-5D19A02AD606}" srcOrd="1" destOrd="0" presId="urn:microsoft.com/office/officeart/2005/8/layout/process2"/>
-    <dgm:cxn modelId="{BB0DECA9-F79F-4A27-BAC1-6EFE337E7E1F}" type="presOf" srcId="{880F3994-7F95-4EF3-B919-9339A7A0CAC7}" destId="{9938F42E-25A8-4A4C-836F-699190E4A5C1}" srcOrd="1" destOrd="0" presId="urn:microsoft.com/office/officeart/2005/8/layout/process2"/>
-    <dgm:cxn modelId="{25C316AD-F0FC-4D83-9A4C-30540FADAE51}" type="presOf" srcId="{34D4A5D7-2EF8-4D90-89AD-2481E3063AAA}" destId="{5F0C9716-AC60-4F33-B6E1-D77A7D37184A}" srcOrd="1" destOrd="0" presId="urn:microsoft.com/office/officeart/2005/8/layout/process2"/>
     <dgm:cxn modelId="{C54C4CB8-7534-43FB-A83E-0AD63E447CB0}" type="presOf" srcId="{AA6000EC-2CD0-4E6A-AA8F-A5CC28606982}" destId="{16250021-5614-4961-9B51-1750226631C8}" srcOrd="1" destOrd="0" presId="urn:microsoft.com/office/officeart/2005/8/layout/process2"/>
     <dgm:cxn modelId="{0BE641C0-5ECB-49B7-879E-4A6F15AC3A93}" type="presOf" srcId="{09EDE783-0E7B-479F-A590-D41337767395}" destId="{2FAF20BE-974E-4E38-99A1-3A60BABD03EA}" srcOrd="0" destOrd="0" presId="urn:microsoft.com/office/officeart/2005/8/layout/process2"/>
+    <dgm:cxn modelId="{C278BC1C-603A-4494-A145-891928AB2B6B}" srcId="{C6A01319-9956-4466-834E-7F7322CE11FC}" destId="{9A59CCF8-0ED6-4AC2-9580-F70D9BF95ADB}" srcOrd="1" destOrd="0" parTransId="{AE55876D-DF68-44FA-86C3-B861C04972A9}" sibTransId="{D5CCD173-2EA8-4945-A34B-43CF743BA11C}"/>
     <dgm:cxn modelId="{79BF6AC0-D6AE-424D-A413-9AA0122B1BB4}" srcId="{C6A01319-9956-4466-834E-7F7322CE11FC}" destId="{15776F3A-E0DF-443A-B844-96CAF429FBDC}" srcOrd="3" destOrd="0" parTransId="{37586B16-9C7A-40E4-8422-867752440F57}" sibTransId="{880F3994-7F95-4EF3-B919-9339A7A0CAC7}"/>
     <dgm:cxn modelId="{84E143D0-8F09-49A1-A6F6-51AE3E360FA9}" type="presOf" srcId="{D5CCD173-2EA8-4945-A34B-43CF743BA11C}" destId="{2B89F9C2-B9E7-4AE4-A866-D869D897C165}" srcOrd="1" destOrd="0" presId="urn:microsoft.com/office/officeart/2005/8/layout/process2"/>
-    <dgm:cxn modelId="{493C0ED5-4442-4B0F-B82F-9ABF5559871C}" type="presOf" srcId="{80130806-0993-4ED8-821F-4B7805F4339B}" destId="{735A7C0C-52EF-46B0-AE39-108249CFC1E2}" srcOrd="0" destOrd="0" presId="urn:microsoft.com/office/officeart/2005/8/layout/process2"/>
+    <dgm:cxn modelId="{B7F19BA3-0521-422F-B9FE-DB5CDD6767DF}" type="presOf" srcId="{79DF1BCF-F727-4C1D-BAB7-41B7BDDC2EE4}" destId="{9DF86EAF-1EB2-4785-AE27-5D19A02AD606}" srcOrd="1" destOrd="0" presId="urn:microsoft.com/office/officeart/2005/8/layout/process2"/>
+    <dgm:cxn modelId="{3BB07C4F-5218-4779-A1F8-30C010541E7F}" type="presOf" srcId="{4E3C0592-8877-4794-9FFC-5CE77BAF5D26}" destId="{E2D9A362-182A-4859-B834-37E42EE7ECBC}" srcOrd="0" destOrd="0" presId="urn:microsoft.com/office/officeart/2005/8/layout/process2"/>
+    <dgm:cxn modelId="{AE29CF2F-9676-455B-B62D-D20F47B52EDD}" type="presOf" srcId="{53D9DAC8-759F-4F85-93E5-9490595EBD87}" destId="{E0087B9A-DD50-44C3-B704-CFF63795F2B3}" srcOrd="0" destOrd="0" presId="urn:microsoft.com/office/officeart/2005/8/layout/process2"/>
     <dgm:cxn modelId="{46A0A5D9-CC57-40C0-8757-F063708E4951}" type="presOf" srcId="{028BDC1F-4D68-49F1-A61B-96682D29743B}" destId="{F9C8AD40-7B0A-419D-988C-2FAF30C95F5A}" srcOrd="0" destOrd="0" presId="urn:microsoft.com/office/officeart/2005/8/layout/process2"/>
-    <dgm:cxn modelId="{5FBD2EDA-A430-4DC2-B3AC-BB3B6C1584A0}" type="presOf" srcId="{D5CCD173-2EA8-4945-A34B-43CF743BA11C}" destId="{001C0266-14F1-4005-BED6-7D130EA97079}" srcOrd="0" destOrd="0" presId="urn:microsoft.com/office/officeart/2005/8/layout/process2"/>
-    <dgm:cxn modelId="{CBFA72DA-8CBB-4A9D-81F6-92B5039C8DDB}" type="presOf" srcId="{5B6D3F57-B83C-4EB8-9B5A-68E5FE821946}" destId="{3BB2D16E-1CC7-4738-B84A-EB4DEE5310E7}" srcOrd="1" destOrd="0" presId="urn:microsoft.com/office/officeart/2005/8/layout/process2"/>
-    <dgm:cxn modelId="{6FC7CDED-411F-4FD1-9A4E-7A82A1EC96E7}" srcId="{C6A01319-9956-4466-834E-7F7322CE11FC}" destId="{30769A75-3D7F-4E92-B661-1A3C9F995874}" srcOrd="7" destOrd="0" parTransId="{091B5676-1AA8-4EED-B9A3-CC8CC773D689}" sibTransId="{34D4A5D7-2EF8-4D90-89AD-2481E3063AAA}"/>
-    <dgm:cxn modelId="{BC55CCEE-1DF7-40E1-954B-95C4CF3090EE}" srcId="{C6A01319-9956-4466-834E-7F7322CE11FC}" destId="{034FBD38-001F-4B03-9451-FCFEA3EADDF3}" srcOrd="0" destOrd="0" parTransId="{F6D053CE-9A52-4CE1-A5B9-39E940B853A1}" sibTransId="{5B6D3F57-B83C-4EB8-9B5A-68E5FE821946}"/>
     <dgm:cxn modelId="{6875DBF3-4C7F-4235-9FDB-73E95DFD65B4}" type="presOf" srcId="{5B0A0F7D-B8B0-4ED5-9C05-3E3EEA94162E}" destId="{870AC8BA-EDAE-4B54-AE57-6C2952E5E4CA}" srcOrd="0" destOrd="0" presId="urn:microsoft.com/office/officeart/2005/8/layout/process2"/>
-    <dgm:cxn modelId="{69F922FB-FB67-460D-BEA6-F5D66543E74B}" type="presOf" srcId="{73529B2F-7F55-4D26-B8E0-FC6F90C2F94E}" destId="{1131802E-D7BE-4C12-928A-85235852EA9D}" srcOrd="0" destOrd="0" presId="urn:microsoft.com/office/officeart/2005/8/layout/process2"/>
+    <dgm:cxn modelId="{20AC488A-1206-4A65-9212-20A64BE4F517}" type="presOf" srcId="{30769A75-3D7F-4E92-B661-1A3C9F995874}" destId="{5EB918F4-21C2-4FFE-8DF4-AC5FDCBA9FD2}" srcOrd="0" destOrd="0" presId="urn:microsoft.com/office/officeart/2005/8/layout/process2"/>
     <dgm:cxn modelId="{7314EDF5-7C0E-461B-BE4A-ABD286983822}" type="presParOf" srcId="{9DD96EA3-A644-4875-B46F-91ED42C83A18}" destId="{B7666B93-E046-44C3-9175-857ECEF9EC1C}" srcOrd="0" destOrd="0" presId="urn:microsoft.com/office/officeart/2005/8/layout/process2"/>
     <dgm:cxn modelId="{62454200-078C-40E2-883F-E6F4AFF03BE8}" type="presParOf" srcId="{9DD96EA3-A644-4875-B46F-91ED42C83A18}" destId="{2CAF8251-DFFA-4945-960C-5929CB8E824B}" srcOrd="1" destOrd="0" presId="urn:microsoft.com/office/officeart/2005/8/layout/process2"/>
     <dgm:cxn modelId="{DF43B9DF-6A9D-4576-B7A9-8DF024E19003}" type="presParOf" srcId="{2CAF8251-DFFA-4945-960C-5929CB8E824B}" destId="{3BB2D16E-1CC7-4738-B84A-EB4DEE5310E7}" srcOrd="0" destOrd="0" presId="urn:microsoft.com/office/officeart/2005/8/layout/process2"/>
@@ -1537,1434 +1736,6 @@
       <dsp:cNvGrpSpPr/>
     </dsp:nvGrpSpPr>
     <dsp:grpSpPr/>
-    <dsp:sp modelId="{B7666B93-E046-44C3-9175-857ECEF9EC1C}">
-      <dsp:nvSpPr>
-        <dsp:cNvPr id="0" name=""/>
-        <dsp:cNvSpPr/>
-      </dsp:nvSpPr>
-      <dsp:spPr>
-        <a:xfrm>
-          <a:off x="2878334" y="4122"/>
-          <a:ext cx="1300115" cy="332157"/>
-        </a:xfrm>
-        <a:prstGeom prst="roundRect">
-          <a:avLst>
-            <a:gd name="adj" fmla="val 10000"/>
-          </a:avLst>
-        </a:prstGeom>
-        <a:solidFill>
-          <a:schemeClr val="accent1">
-            <a:hueOff val="0"/>
-            <a:satOff val="0"/>
-            <a:lumOff val="0"/>
-            <a:alphaOff val="0"/>
-          </a:schemeClr>
-        </a:solidFill>
-        <a:ln w="19050" cap="flat" cmpd="sng" algn="ctr">
-          <a:solidFill>
-            <a:schemeClr val="lt1">
-              <a:hueOff val="0"/>
-              <a:satOff val="0"/>
-              <a:lumOff val="0"/>
-              <a:alphaOff val="0"/>
-            </a:schemeClr>
-          </a:solidFill>
-          <a:prstDash val="solid"/>
-        </a:ln>
-        <a:effectLst/>
-      </dsp:spPr>
-      <dsp:style>
-        <a:lnRef idx="2">
-          <a:scrgbClr r="0" g="0" b="0"/>
-        </a:lnRef>
-        <a:fillRef idx="1">
-          <a:scrgbClr r="0" g="0" b="0"/>
-        </a:fillRef>
-        <a:effectRef idx="0">
-          <a:scrgbClr r="0" g="0" b="0"/>
-        </a:effectRef>
-        <a:fontRef idx="minor">
-          <a:schemeClr val="lt1"/>
-        </a:fontRef>
-      </dsp:style>
-      <dsp:txBody>
-        <a:bodyPr spcFirstLastPara="0" vert="horz" wrap="square" lIns="38100" tIns="38100" rIns="38100" bIns="38100" numCol="1" spcCol="1270" anchor="ctr" anchorCtr="0">
-          <a:noAutofit/>
-        </a:bodyPr>
-        <a:lstStyle/>
-        <a:p>
-          <a:pPr marL="0" lvl="0" indent="0" algn="ctr" defTabSz="444500">
-            <a:lnSpc>
-              <a:spcPct val="90000"/>
-            </a:lnSpc>
-            <a:spcBef>
-              <a:spcPct val="0"/>
-            </a:spcBef>
-            <a:spcAft>
-              <a:spcPct val="35000"/>
-            </a:spcAft>
-            <a:buNone/>
-          </a:pPr>
-          <a:r>
-            <a:rPr lang="en-US" sz="1000" kern="1200" dirty="0" err="1"/>
-            <a:t>ngOnChanges</a:t>
-          </a:r>
-          <a:endParaRPr lang="en-US" sz="1000" kern="1200" dirty="0"/>
-        </a:p>
-      </dsp:txBody>
-      <dsp:txXfrm>
-        <a:off x="2888063" y="13851"/>
-        <a:ext cx="1280657" cy="312699"/>
-      </dsp:txXfrm>
-    </dsp:sp>
-    <dsp:sp modelId="{2CAF8251-DFFA-4945-960C-5929CB8E824B}">
-      <dsp:nvSpPr>
-        <dsp:cNvPr id="0" name=""/>
-        <dsp:cNvSpPr/>
-      </dsp:nvSpPr>
-      <dsp:spPr>
-        <a:xfrm rot="5400000">
-          <a:off x="3466112" y="344584"/>
-          <a:ext cx="124559" cy="149471"/>
-        </a:xfrm>
-        <a:prstGeom prst="rightArrow">
-          <a:avLst>
-            <a:gd name="adj1" fmla="val 60000"/>
-            <a:gd name="adj2" fmla="val 50000"/>
-          </a:avLst>
-        </a:prstGeom>
-        <a:solidFill>
-          <a:schemeClr val="accent1">
-            <a:tint val="60000"/>
-            <a:hueOff val="0"/>
-            <a:satOff val="0"/>
-            <a:lumOff val="0"/>
-            <a:alphaOff val="0"/>
-          </a:schemeClr>
-        </a:solidFill>
-        <a:ln>
-          <a:noFill/>
-        </a:ln>
-        <a:effectLst/>
-      </dsp:spPr>
-      <dsp:style>
-        <a:lnRef idx="0">
-          <a:scrgbClr r="0" g="0" b="0"/>
-        </a:lnRef>
-        <a:fillRef idx="1">
-          <a:scrgbClr r="0" g="0" b="0"/>
-        </a:fillRef>
-        <a:effectRef idx="0">
-          <a:scrgbClr r="0" g="0" b="0"/>
-        </a:effectRef>
-        <a:fontRef idx="minor">
-          <a:schemeClr val="lt1"/>
-        </a:fontRef>
-      </dsp:style>
-      <dsp:txBody>
-        <a:bodyPr spcFirstLastPara="0" vert="horz" wrap="square" lIns="0" tIns="0" rIns="0" bIns="0" numCol="1" spcCol="1270" anchor="ctr" anchorCtr="0">
-          <a:noAutofit/>
-        </a:bodyPr>
-        <a:lstStyle/>
-        <a:p>
-          <a:pPr marL="0" lvl="0" indent="0" algn="ctr" defTabSz="311150">
-            <a:lnSpc>
-              <a:spcPct val="90000"/>
-            </a:lnSpc>
-            <a:spcBef>
-              <a:spcPct val="0"/>
-            </a:spcBef>
-            <a:spcAft>
-              <a:spcPct val="35000"/>
-            </a:spcAft>
-            <a:buNone/>
-          </a:pPr>
-          <a:endParaRPr lang="en-US" sz="700" kern="1200"/>
-        </a:p>
-      </dsp:txBody>
-      <dsp:txXfrm rot="-5400000">
-        <a:off x="3483550" y="357040"/>
-        <a:ext cx="89683" cy="87191"/>
-      </dsp:txXfrm>
-    </dsp:sp>
-    <dsp:sp modelId="{FB76C021-36F4-467E-8212-F9818DF6103F}">
-      <dsp:nvSpPr>
-        <dsp:cNvPr id="0" name=""/>
-        <dsp:cNvSpPr/>
-      </dsp:nvSpPr>
-      <dsp:spPr>
-        <a:xfrm>
-          <a:off x="2878334" y="502359"/>
-          <a:ext cx="1300115" cy="332157"/>
-        </a:xfrm>
-        <a:prstGeom prst="roundRect">
-          <a:avLst>
-            <a:gd name="adj" fmla="val 10000"/>
-          </a:avLst>
-        </a:prstGeom>
-        <a:solidFill>
-          <a:schemeClr val="accent1">
-            <a:hueOff val="0"/>
-            <a:satOff val="0"/>
-            <a:lumOff val="0"/>
-            <a:alphaOff val="0"/>
-          </a:schemeClr>
-        </a:solidFill>
-        <a:ln w="19050" cap="flat" cmpd="sng" algn="ctr">
-          <a:solidFill>
-            <a:schemeClr val="lt1">
-              <a:hueOff val="0"/>
-              <a:satOff val="0"/>
-              <a:lumOff val="0"/>
-              <a:alphaOff val="0"/>
-            </a:schemeClr>
-          </a:solidFill>
-          <a:prstDash val="solid"/>
-        </a:ln>
-        <a:effectLst/>
-      </dsp:spPr>
-      <dsp:style>
-        <a:lnRef idx="2">
-          <a:scrgbClr r="0" g="0" b="0"/>
-        </a:lnRef>
-        <a:fillRef idx="1">
-          <a:scrgbClr r="0" g="0" b="0"/>
-        </a:fillRef>
-        <a:effectRef idx="0">
-          <a:scrgbClr r="0" g="0" b="0"/>
-        </a:effectRef>
-        <a:fontRef idx="minor">
-          <a:schemeClr val="lt1"/>
-        </a:fontRef>
-      </dsp:style>
-      <dsp:txBody>
-        <a:bodyPr spcFirstLastPara="0" vert="horz" wrap="square" lIns="38100" tIns="38100" rIns="38100" bIns="38100" numCol="1" spcCol="1270" anchor="ctr" anchorCtr="0">
-          <a:noAutofit/>
-        </a:bodyPr>
-        <a:lstStyle/>
-        <a:p>
-          <a:pPr marL="0" lvl="0" indent="0" algn="ctr" defTabSz="444500">
-            <a:lnSpc>
-              <a:spcPct val="90000"/>
-            </a:lnSpc>
-            <a:spcBef>
-              <a:spcPct val="0"/>
-            </a:spcBef>
-            <a:spcAft>
-              <a:spcPct val="35000"/>
-            </a:spcAft>
-            <a:buNone/>
-          </a:pPr>
-          <a:r>
-            <a:rPr lang="en-US" sz="1000" kern="1200" dirty="0" err="1"/>
-            <a:t>ngOnInit</a:t>
-          </a:r>
-          <a:endParaRPr lang="en-US" sz="1000" kern="1200" dirty="0"/>
-        </a:p>
-      </dsp:txBody>
-      <dsp:txXfrm>
-        <a:off x="2888063" y="512088"/>
-        <a:ext cx="1280657" cy="312699"/>
-      </dsp:txXfrm>
-    </dsp:sp>
-    <dsp:sp modelId="{001C0266-14F1-4005-BED6-7D130EA97079}">
-      <dsp:nvSpPr>
-        <dsp:cNvPr id="0" name=""/>
-        <dsp:cNvSpPr/>
-      </dsp:nvSpPr>
-      <dsp:spPr>
-        <a:xfrm rot="5400000">
-          <a:off x="3466112" y="842821"/>
-          <a:ext cx="124559" cy="149471"/>
-        </a:xfrm>
-        <a:prstGeom prst="rightArrow">
-          <a:avLst>
-            <a:gd name="adj1" fmla="val 60000"/>
-            <a:gd name="adj2" fmla="val 50000"/>
-          </a:avLst>
-        </a:prstGeom>
-        <a:solidFill>
-          <a:schemeClr val="accent1">
-            <a:tint val="60000"/>
-            <a:hueOff val="0"/>
-            <a:satOff val="0"/>
-            <a:lumOff val="0"/>
-            <a:alphaOff val="0"/>
-          </a:schemeClr>
-        </a:solidFill>
-        <a:ln>
-          <a:noFill/>
-        </a:ln>
-        <a:effectLst/>
-      </dsp:spPr>
-      <dsp:style>
-        <a:lnRef idx="0">
-          <a:scrgbClr r="0" g="0" b="0"/>
-        </a:lnRef>
-        <a:fillRef idx="1">
-          <a:scrgbClr r="0" g="0" b="0"/>
-        </a:fillRef>
-        <a:effectRef idx="0">
-          <a:scrgbClr r="0" g="0" b="0"/>
-        </a:effectRef>
-        <a:fontRef idx="minor">
-          <a:schemeClr val="lt1"/>
-        </a:fontRef>
-      </dsp:style>
-      <dsp:txBody>
-        <a:bodyPr spcFirstLastPara="0" vert="horz" wrap="square" lIns="0" tIns="0" rIns="0" bIns="0" numCol="1" spcCol="1270" anchor="ctr" anchorCtr="0">
-          <a:noAutofit/>
-        </a:bodyPr>
-        <a:lstStyle/>
-        <a:p>
-          <a:pPr marL="0" lvl="0" indent="0" algn="ctr" defTabSz="311150">
-            <a:lnSpc>
-              <a:spcPct val="90000"/>
-            </a:lnSpc>
-            <a:spcBef>
-              <a:spcPct val="0"/>
-            </a:spcBef>
-            <a:spcAft>
-              <a:spcPct val="35000"/>
-            </a:spcAft>
-            <a:buNone/>
-          </a:pPr>
-          <a:endParaRPr lang="en-US" sz="700" kern="1200"/>
-        </a:p>
-      </dsp:txBody>
-      <dsp:txXfrm rot="-5400000">
-        <a:off x="3483550" y="855277"/>
-        <a:ext cx="89683" cy="87191"/>
-      </dsp:txXfrm>
-    </dsp:sp>
-    <dsp:sp modelId="{E2D9A362-182A-4859-B834-37E42EE7ECBC}">
-      <dsp:nvSpPr>
-        <dsp:cNvPr id="0" name=""/>
-        <dsp:cNvSpPr/>
-      </dsp:nvSpPr>
-      <dsp:spPr>
-        <a:xfrm>
-          <a:off x="2878334" y="1000596"/>
-          <a:ext cx="1300115" cy="332157"/>
-        </a:xfrm>
-        <a:prstGeom prst="roundRect">
-          <a:avLst>
-            <a:gd name="adj" fmla="val 10000"/>
-          </a:avLst>
-        </a:prstGeom>
-        <a:solidFill>
-          <a:schemeClr val="accent1">
-            <a:hueOff val="0"/>
-            <a:satOff val="0"/>
-            <a:lumOff val="0"/>
-            <a:alphaOff val="0"/>
-          </a:schemeClr>
-        </a:solidFill>
-        <a:ln w="19050" cap="flat" cmpd="sng" algn="ctr">
-          <a:solidFill>
-            <a:schemeClr val="lt1">
-              <a:hueOff val="0"/>
-              <a:satOff val="0"/>
-              <a:lumOff val="0"/>
-              <a:alphaOff val="0"/>
-            </a:schemeClr>
-          </a:solidFill>
-          <a:prstDash val="solid"/>
-        </a:ln>
-        <a:effectLst/>
-      </dsp:spPr>
-      <dsp:style>
-        <a:lnRef idx="2">
-          <a:scrgbClr r="0" g="0" b="0"/>
-        </a:lnRef>
-        <a:fillRef idx="1">
-          <a:scrgbClr r="0" g="0" b="0"/>
-        </a:fillRef>
-        <a:effectRef idx="0">
-          <a:scrgbClr r="0" g="0" b="0"/>
-        </a:effectRef>
-        <a:fontRef idx="minor">
-          <a:schemeClr val="lt1"/>
-        </a:fontRef>
-      </dsp:style>
-      <dsp:txBody>
-        <a:bodyPr spcFirstLastPara="0" vert="horz" wrap="square" lIns="38100" tIns="38100" rIns="38100" bIns="38100" numCol="1" spcCol="1270" anchor="ctr" anchorCtr="0">
-          <a:noAutofit/>
-        </a:bodyPr>
-        <a:lstStyle/>
-        <a:p>
-          <a:pPr marL="0" lvl="0" indent="0" algn="ctr" defTabSz="444500">
-            <a:lnSpc>
-              <a:spcPct val="90000"/>
-            </a:lnSpc>
-            <a:spcBef>
-              <a:spcPct val="0"/>
-            </a:spcBef>
-            <a:spcAft>
-              <a:spcPct val="35000"/>
-            </a:spcAft>
-            <a:buNone/>
-          </a:pPr>
-          <a:r>
-            <a:rPr lang="en-US" sz="1000" kern="1200" dirty="0" err="1"/>
-            <a:t>ngDoCheck</a:t>
-          </a:r>
-          <a:endParaRPr lang="en-US" sz="1000" kern="1200" dirty="0"/>
-        </a:p>
-      </dsp:txBody>
-      <dsp:txXfrm>
-        <a:off x="2888063" y="1010325"/>
-        <a:ext cx="1280657" cy="312699"/>
-      </dsp:txXfrm>
-    </dsp:sp>
-    <dsp:sp modelId="{2FAF20BE-974E-4E38-99A1-3A60BABD03EA}">
-      <dsp:nvSpPr>
-        <dsp:cNvPr id="0" name=""/>
-        <dsp:cNvSpPr/>
-      </dsp:nvSpPr>
-      <dsp:spPr>
-        <a:xfrm rot="5400000">
-          <a:off x="3466112" y="1341058"/>
-          <a:ext cx="124559" cy="149471"/>
-        </a:xfrm>
-        <a:prstGeom prst="rightArrow">
-          <a:avLst>
-            <a:gd name="adj1" fmla="val 60000"/>
-            <a:gd name="adj2" fmla="val 50000"/>
-          </a:avLst>
-        </a:prstGeom>
-        <a:solidFill>
-          <a:schemeClr val="accent1">
-            <a:tint val="60000"/>
-            <a:hueOff val="0"/>
-            <a:satOff val="0"/>
-            <a:lumOff val="0"/>
-            <a:alphaOff val="0"/>
-          </a:schemeClr>
-        </a:solidFill>
-        <a:ln>
-          <a:noFill/>
-        </a:ln>
-        <a:effectLst/>
-      </dsp:spPr>
-      <dsp:style>
-        <a:lnRef idx="0">
-          <a:scrgbClr r="0" g="0" b="0"/>
-        </a:lnRef>
-        <a:fillRef idx="1">
-          <a:scrgbClr r="0" g="0" b="0"/>
-        </a:fillRef>
-        <a:effectRef idx="0">
-          <a:scrgbClr r="0" g="0" b="0"/>
-        </a:effectRef>
-        <a:fontRef idx="minor">
-          <a:schemeClr val="lt1"/>
-        </a:fontRef>
-      </dsp:style>
-      <dsp:txBody>
-        <a:bodyPr spcFirstLastPara="0" vert="horz" wrap="square" lIns="0" tIns="0" rIns="0" bIns="0" numCol="1" spcCol="1270" anchor="ctr" anchorCtr="0">
-          <a:noAutofit/>
-        </a:bodyPr>
-        <a:lstStyle/>
-        <a:p>
-          <a:pPr marL="0" lvl="0" indent="0" algn="ctr" defTabSz="311150">
-            <a:lnSpc>
-              <a:spcPct val="90000"/>
-            </a:lnSpc>
-            <a:spcBef>
-              <a:spcPct val="0"/>
-            </a:spcBef>
-            <a:spcAft>
-              <a:spcPct val="35000"/>
-            </a:spcAft>
-            <a:buNone/>
-          </a:pPr>
-          <a:endParaRPr lang="en-US" sz="700" kern="1200"/>
-        </a:p>
-      </dsp:txBody>
-      <dsp:txXfrm rot="-5400000">
-        <a:off x="3483550" y="1353514"/>
-        <a:ext cx="89683" cy="87191"/>
-      </dsp:txXfrm>
-    </dsp:sp>
-    <dsp:sp modelId="{C3348AE4-777A-446C-B4C0-12461230E8ED}">
-      <dsp:nvSpPr>
-        <dsp:cNvPr id="0" name=""/>
-        <dsp:cNvSpPr/>
-      </dsp:nvSpPr>
-      <dsp:spPr>
-        <a:xfrm>
-          <a:off x="2878334" y="1498833"/>
-          <a:ext cx="1300115" cy="332157"/>
-        </a:xfrm>
-        <a:prstGeom prst="roundRect">
-          <a:avLst>
-            <a:gd name="adj" fmla="val 10000"/>
-          </a:avLst>
-        </a:prstGeom>
-        <a:solidFill>
-          <a:schemeClr val="accent1">
-            <a:hueOff val="0"/>
-            <a:satOff val="0"/>
-            <a:lumOff val="0"/>
-            <a:alphaOff val="0"/>
-          </a:schemeClr>
-        </a:solidFill>
-        <a:ln w="19050" cap="flat" cmpd="sng" algn="ctr">
-          <a:solidFill>
-            <a:schemeClr val="lt1">
-              <a:hueOff val="0"/>
-              <a:satOff val="0"/>
-              <a:lumOff val="0"/>
-              <a:alphaOff val="0"/>
-            </a:schemeClr>
-          </a:solidFill>
-          <a:prstDash val="solid"/>
-        </a:ln>
-        <a:effectLst/>
-      </dsp:spPr>
-      <dsp:style>
-        <a:lnRef idx="2">
-          <a:scrgbClr r="0" g="0" b="0"/>
-        </a:lnRef>
-        <a:fillRef idx="1">
-          <a:scrgbClr r="0" g="0" b="0"/>
-        </a:fillRef>
-        <a:effectRef idx="0">
-          <a:scrgbClr r="0" g="0" b="0"/>
-        </a:effectRef>
-        <a:fontRef idx="minor">
-          <a:schemeClr val="lt1"/>
-        </a:fontRef>
-      </dsp:style>
-      <dsp:txBody>
-        <a:bodyPr spcFirstLastPara="0" vert="horz" wrap="square" lIns="38100" tIns="38100" rIns="38100" bIns="38100" numCol="1" spcCol="1270" anchor="ctr" anchorCtr="0">
-          <a:noAutofit/>
-        </a:bodyPr>
-        <a:lstStyle/>
-        <a:p>
-          <a:pPr marL="0" lvl="0" indent="0" algn="ctr" defTabSz="444500">
-            <a:lnSpc>
-              <a:spcPct val="90000"/>
-            </a:lnSpc>
-            <a:spcBef>
-              <a:spcPct val="0"/>
-            </a:spcBef>
-            <a:spcAft>
-              <a:spcPct val="35000"/>
-            </a:spcAft>
-            <a:buNone/>
-          </a:pPr>
-          <a:r>
-            <a:rPr lang="en-US" sz="1000" kern="1200" dirty="0"/>
-            <a:t>Children hooks</a:t>
-          </a:r>
-        </a:p>
-      </dsp:txBody>
-      <dsp:txXfrm>
-        <a:off x="2888063" y="1508562"/>
-        <a:ext cx="1280657" cy="312699"/>
-      </dsp:txXfrm>
-    </dsp:sp>
-    <dsp:sp modelId="{4FA34A37-628E-4F05-95D6-F33AEFAA52D9}">
-      <dsp:nvSpPr>
-        <dsp:cNvPr id="0" name=""/>
-        <dsp:cNvSpPr/>
-      </dsp:nvSpPr>
-      <dsp:spPr>
-        <a:xfrm rot="5400000">
-          <a:off x="3466112" y="1839295"/>
-          <a:ext cx="124559" cy="149471"/>
-        </a:xfrm>
-        <a:prstGeom prst="rightArrow">
-          <a:avLst>
-            <a:gd name="adj1" fmla="val 60000"/>
-            <a:gd name="adj2" fmla="val 50000"/>
-          </a:avLst>
-        </a:prstGeom>
-        <a:solidFill>
-          <a:schemeClr val="accent1">
-            <a:tint val="60000"/>
-            <a:hueOff val="0"/>
-            <a:satOff val="0"/>
-            <a:lumOff val="0"/>
-            <a:alphaOff val="0"/>
-          </a:schemeClr>
-        </a:solidFill>
-        <a:ln>
-          <a:noFill/>
-        </a:ln>
-        <a:effectLst/>
-      </dsp:spPr>
-      <dsp:style>
-        <a:lnRef idx="0">
-          <a:scrgbClr r="0" g="0" b="0"/>
-        </a:lnRef>
-        <a:fillRef idx="1">
-          <a:scrgbClr r="0" g="0" b="0"/>
-        </a:fillRef>
-        <a:effectRef idx="0">
-          <a:scrgbClr r="0" g="0" b="0"/>
-        </a:effectRef>
-        <a:fontRef idx="minor">
-          <a:schemeClr val="lt1"/>
-        </a:fontRef>
-      </dsp:style>
-      <dsp:txBody>
-        <a:bodyPr spcFirstLastPara="0" vert="horz" wrap="square" lIns="0" tIns="0" rIns="0" bIns="0" numCol="1" spcCol="1270" anchor="ctr" anchorCtr="0">
-          <a:noAutofit/>
-        </a:bodyPr>
-        <a:lstStyle/>
-        <a:p>
-          <a:pPr marL="0" lvl="0" indent="0" algn="ctr" defTabSz="311150">
-            <a:lnSpc>
-              <a:spcPct val="90000"/>
-            </a:lnSpc>
-            <a:spcBef>
-              <a:spcPct val="0"/>
-            </a:spcBef>
-            <a:spcAft>
-              <a:spcPct val="35000"/>
-            </a:spcAft>
-            <a:buNone/>
-          </a:pPr>
-          <a:endParaRPr lang="en-US" sz="700" kern="1200"/>
-        </a:p>
-      </dsp:txBody>
-      <dsp:txXfrm rot="-5400000">
-        <a:off x="3483550" y="1851751"/>
-        <a:ext cx="89683" cy="87191"/>
-      </dsp:txXfrm>
-    </dsp:sp>
-    <dsp:sp modelId="{1131802E-D7BE-4C12-928A-85235852EA9D}">
-      <dsp:nvSpPr>
-        <dsp:cNvPr id="0" name=""/>
-        <dsp:cNvSpPr/>
-      </dsp:nvSpPr>
-      <dsp:spPr>
-        <a:xfrm>
-          <a:off x="2878334" y="1997070"/>
-          <a:ext cx="1300115" cy="332157"/>
-        </a:xfrm>
-        <a:prstGeom prst="roundRect">
-          <a:avLst>
-            <a:gd name="adj" fmla="val 10000"/>
-          </a:avLst>
-        </a:prstGeom>
-        <a:solidFill>
-          <a:schemeClr val="accent1">
-            <a:hueOff val="0"/>
-            <a:satOff val="0"/>
-            <a:lumOff val="0"/>
-            <a:alphaOff val="0"/>
-          </a:schemeClr>
-        </a:solidFill>
-        <a:ln w="19050" cap="flat" cmpd="sng" algn="ctr">
-          <a:solidFill>
-            <a:schemeClr val="lt1">
-              <a:hueOff val="0"/>
-              <a:satOff val="0"/>
-              <a:lumOff val="0"/>
-              <a:alphaOff val="0"/>
-            </a:schemeClr>
-          </a:solidFill>
-          <a:prstDash val="solid"/>
-        </a:ln>
-        <a:effectLst/>
-      </dsp:spPr>
-      <dsp:style>
-        <a:lnRef idx="2">
-          <a:scrgbClr r="0" g="0" b="0"/>
-        </a:lnRef>
-        <a:fillRef idx="1">
-          <a:scrgbClr r="0" g="0" b="0"/>
-        </a:fillRef>
-        <a:effectRef idx="0">
-          <a:scrgbClr r="0" g="0" b="0"/>
-        </a:effectRef>
-        <a:fontRef idx="minor">
-          <a:schemeClr val="lt1"/>
-        </a:fontRef>
-      </dsp:style>
-      <dsp:txBody>
-        <a:bodyPr spcFirstLastPara="0" vert="horz" wrap="square" lIns="38100" tIns="38100" rIns="38100" bIns="38100" numCol="1" spcCol="1270" anchor="ctr" anchorCtr="0">
-          <a:noAutofit/>
-        </a:bodyPr>
-        <a:lstStyle/>
-        <a:p>
-          <a:pPr marL="0" lvl="0" indent="0" algn="ctr" defTabSz="444500">
-            <a:lnSpc>
-              <a:spcPct val="90000"/>
-            </a:lnSpc>
-            <a:spcBef>
-              <a:spcPct val="0"/>
-            </a:spcBef>
-            <a:spcAft>
-              <a:spcPct val="35000"/>
-            </a:spcAft>
-            <a:buNone/>
-          </a:pPr>
-          <a:r>
-            <a:rPr lang="en-US" sz="1000" kern="1200" dirty="0" err="1"/>
-            <a:t>ngAfterContentInit</a:t>
-          </a:r>
-          <a:endParaRPr lang="en-US" sz="1000" kern="1200" dirty="0"/>
-        </a:p>
-      </dsp:txBody>
-      <dsp:txXfrm>
-        <a:off x="2888063" y="2006799"/>
-        <a:ext cx="1280657" cy="312699"/>
-      </dsp:txXfrm>
-    </dsp:sp>
-    <dsp:sp modelId="{2AF90225-B84E-42EA-823B-34729E8D71A6}">
-      <dsp:nvSpPr>
-        <dsp:cNvPr id="0" name=""/>
-        <dsp:cNvSpPr/>
-      </dsp:nvSpPr>
-      <dsp:spPr>
-        <a:xfrm rot="5400000">
-          <a:off x="3466112" y="2337532"/>
-          <a:ext cx="124559" cy="149471"/>
-        </a:xfrm>
-        <a:prstGeom prst="rightArrow">
-          <a:avLst>
-            <a:gd name="adj1" fmla="val 60000"/>
-            <a:gd name="adj2" fmla="val 50000"/>
-          </a:avLst>
-        </a:prstGeom>
-        <a:solidFill>
-          <a:schemeClr val="accent1">
-            <a:tint val="60000"/>
-            <a:hueOff val="0"/>
-            <a:satOff val="0"/>
-            <a:lumOff val="0"/>
-            <a:alphaOff val="0"/>
-          </a:schemeClr>
-        </a:solidFill>
-        <a:ln>
-          <a:noFill/>
-        </a:ln>
-        <a:effectLst/>
-      </dsp:spPr>
-      <dsp:style>
-        <a:lnRef idx="0">
-          <a:scrgbClr r="0" g="0" b="0"/>
-        </a:lnRef>
-        <a:fillRef idx="1">
-          <a:scrgbClr r="0" g="0" b="0"/>
-        </a:fillRef>
-        <a:effectRef idx="0">
-          <a:scrgbClr r="0" g="0" b="0"/>
-        </a:effectRef>
-        <a:fontRef idx="minor">
-          <a:schemeClr val="lt1"/>
-        </a:fontRef>
-      </dsp:style>
-      <dsp:txBody>
-        <a:bodyPr spcFirstLastPara="0" vert="horz" wrap="square" lIns="0" tIns="0" rIns="0" bIns="0" numCol="1" spcCol="1270" anchor="ctr" anchorCtr="0">
-          <a:noAutofit/>
-        </a:bodyPr>
-        <a:lstStyle/>
-        <a:p>
-          <a:pPr marL="0" lvl="0" indent="0" algn="ctr" defTabSz="311150">
-            <a:lnSpc>
-              <a:spcPct val="90000"/>
-            </a:lnSpc>
-            <a:spcBef>
-              <a:spcPct val="0"/>
-            </a:spcBef>
-            <a:spcAft>
-              <a:spcPct val="35000"/>
-            </a:spcAft>
-            <a:buNone/>
-          </a:pPr>
-          <a:endParaRPr lang="en-US" sz="700" kern="1200"/>
-        </a:p>
-      </dsp:txBody>
-      <dsp:txXfrm rot="-5400000">
-        <a:off x="3483550" y="2349988"/>
-        <a:ext cx="89683" cy="87191"/>
-      </dsp:txXfrm>
-    </dsp:sp>
-    <dsp:sp modelId="{735A7C0C-52EF-46B0-AE39-108249CFC1E2}">
-      <dsp:nvSpPr>
-        <dsp:cNvPr id="0" name=""/>
-        <dsp:cNvSpPr/>
-      </dsp:nvSpPr>
-      <dsp:spPr>
-        <a:xfrm>
-          <a:off x="2878334" y="2495307"/>
-          <a:ext cx="1300115" cy="332157"/>
-        </a:xfrm>
-        <a:prstGeom prst="roundRect">
-          <a:avLst>
-            <a:gd name="adj" fmla="val 10000"/>
-          </a:avLst>
-        </a:prstGeom>
-        <a:solidFill>
-          <a:schemeClr val="accent1">
-            <a:hueOff val="0"/>
-            <a:satOff val="0"/>
-            <a:lumOff val="0"/>
-            <a:alphaOff val="0"/>
-          </a:schemeClr>
-        </a:solidFill>
-        <a:ln w="19050" cap="flat" cmpd="sng" algn="ctr">
-          <a:solidFill>
-            <a:schemeClr val="lt1">
-              <a:hueOff val="0"/>
-              <a:satOff val="0"/>
-              <a:lumOff val="0"/>
-              <a:alphaOff val="0"/>
-            </a:schemeClr>
-          </a:solidFill>
-          <a:prstDash val="solid"/>
-        </a:ln>
-        <a:effectLst/>
-      </dsp:spPr>
-      <dsp:style>
-        <a:lnRef idx="2">
-          <a:scrgbClr r="0" g="0" b="0"/>
-        </a:lnRef>
-        <a:fillRef idx="1">
-          <a:scrgbClr r="0" g="0" b="0"/>
-        </a:fillRef>
-        <a:effectRef idx="0">
-          <a:scrgbClr r="0" g="0" b="0"/>
-        </a:effectRef>
-        <a:fontRef idx="minor">
-          <a:schemeClr val="lt1"/>
-        </a:fontRef>
-      </dsp:style>
-      <dsp:txBody>
-        <a:bodyPr spcFirstLastPara="0" vert="horz" wrap="square" lIns="38100" tIns="38100" rIns="38100" bIns="38100" numCol="1" spcCol="1270" anchor="ctr" anchorCtr="0">
-          <a:noAutofit/>
-        </a:bodyPr>
-        <a:lstStyle/>
-        <a:p>
-          <a:pPr marL="0" lvl="0" indent="0" algn="ctr" defTabSz="444500">
-            <a:lnSpc>
-              <a:spcPct val="90000"/>
-            </a:lnSpc>
-            <a:spcBef>
-              <a:spcPct val="0"/>
-            </a:spcBef>
-            <a:spcAft>
-              <a:spcPct val="35000"/>
-            </a:spcAft>
-            <a:buNone/>
-          </a:pPr>
-          <a:r>
-            <a:rPr lang="en-US" sz="1000" kern="1200" dirty="0" err="1"/>
-            <a:t>ngAfterContentChecked</a:t>
-          </a:r>
-          <a:endParaRPr lang="en-US" sz="1000" kern="1200" dirty="0"/>
-        </a:p>
-      </dsp:txBody>
-      <dsp:txXfrm>
-        <a:off x="2888063" y="2505036"/>
-        <a:ext cx="1280657" cy="312699"/>
-      </dsp:txXfrm>
-    </dsp:sp>
-    <dsp:sp modelId="{6003FE79-375C-4AFB-A671-2FB4748ABE06}">
-      <dsp:nvSpPr>
-        <dsp:cNvPr id="0" name=""/>
-        <dsp:cNvSpPr/>
-      </dsp:nvSpPr>
-      <dsp:spPr>
-        <a:xfrm rot="5400000">
-          <a:off x="3466112" y="2835769"/>
-          <a:ext cx="124559" cy="149471"/>
-        </a:xfrm>
-        <a:prstGeom prst="rightArrow">
-          <a:avLst>
-            <a:gd name="adj1" fmla="val 60000"/>
-            <a:gd name="adj2" fmla="val 50000"/>
-          </a:avLst>
-        </a:prstGeom>
-        <a:solidFill>
-          <a:schemeClr val="accent1">
-            <a:tint val="60000"/>
-            <a:hueOff val="0"/>
-            <a:satOff val="0"/>
-            <a:lumOff val="0"/>
-            <a:alphaOff val="0"/>
-          </a:schemeClr>
-        </a:solidFill>
-        <a:ln>
-          <a:noFill/>
-        </a:ln>
-        <a:effectLst/>
-      </dsp:spPr>
-      <dsp:style>
-        <a:lnRef idx="0">
-          <a:scrgbClr r="0" g="0" b="0"/>
-        </a:lnRef>
-        <a:fillRef idx="1">
-          <a:scrgbClr r="0" g="0" b="0"/>
-        </a:fillRef>
-        <a:effectRef idx="0">
-          <a:scrgbClr r="0" g="0" b="0"/>
-        </a:effectRef>
-        <a:fontRef idx="minor">
-          <a:schemeClr val="lt1"/>
-        </a:fontRef>
-      </dsp:style>
-      <dsp:txBody>
-        <a:bodyPr spcFirstLastPara="0" vert="horz" wrap="square" lIns="0" tIns="0" rIns="0" bIns="0" numCol="1" spcCol="1270" anchor="ctr" anchorCtr="0">
-          <a:noAutofit/>
-        </a:bodyPr>
-        <a:lstStyle/>
-        <a:p>
-          <a:pPr marL="0" lvl="0" indent="0" algn="ctr" defTabSz="311150">
-            <a:lnSpc>
-              <a:spcPct val="90000"/>
-            </a:lnSpc>
-            <a:spcBef>
-              <a:spcPct val="0"/>
-            </a:spcBef>
-            <a:spcAft>
-              <a:spcPct val="35000"/>
-            </a:spcAft>
-            <a:buNone/>
-          </a:pPr>
-          <a:endParaRPr lang="en-US" sz="700" kern="1200"/>
-        </a:p>
-      </dsp:txBody>
-      <dsp:txXfrm rot="-5400000">
-        <a:off x="3483550" y="2848225"/>
-        <a:ext cx="89683" cy="87191"/>
-      </dsp:txXfrm>
-    </dsp:sp>
-    <dsp:sp modelId="{F9C8AD40-7B0A-419D-988C-2FAF30C95F5A}">
-      <dsp:nvSpPr>
-        <dsp:cNvPr id="0" name=""/>
-        <dsp:cNvSpPr/>
-      </dsp:nvSpPr>
-      <dsp:spPr>
-        <a:xfrm>
-          <a:off x="2878334" y="2993544"/>
-          <a:ext cx="1300115" cy="332157"/>
-        </a:xfrm>
-        <a:prstGeom prst="roundRect">
-          <a:avLst>
-            <a:gd name="adj" fmla="val 10000"/>
-          </a:avLst>
-        </a:prstGeom>
-        <a:solidFill>
-          <a:schemeClr val="accent1">
-            <a:hueOff val="0"/>
-            <a:satOff val="0"/>
-            <a:lumOff val="0"/>
-            <a:alphaOff val="0"/>
-          </a:schemeClr>
-        </a:solidFill>
-        <a:ln w="19050" cap="flat" cmpd="sng" algn="ctr">
-          <a:solidFill>
-            <a:schemeClr val="lt1">
-              <a:hueOff val="0"/>
-              <a:satOff val="0"/>
-              <a:lumOff val="0"/>
-              <a:alphaOff val="0"/>
-            </a:schemeClr>
-          </a:solidFill>
-          <a:prstDash val="solid"/>
-        </a:ln>
-        <a:effectLst/>
-      </dsp:spPr>
-      <dsp:style>
-        <a:lnRef idx="2">
-          <a:scrgbClr r="0" g="0" b="0"/>
-        </a:lnRef>
-        <a:fillRef idx="1">
-          <a:scrgbClr r="0" g="0" b="0"/>
-        </a:fillRef>
-        <a:effectRef idx="0">
-          <a:scrgbClr r="0" g="0" b="0"/>
-        </a:effectRef>
-        <a:fontRef idx="minor">
-          <a:schemeClr val="lt1"/>
-        </a:fontRef>
-      </dsp:style>
-      <dsp:txBody>
-        <a:bodyPr spcFirstLastPara="0" vert="horz" wrap="square" lIns="38100" tIns="38100" rIns="38100" bIns="38100" numCol="1" spcCol="1270" anchor="ctr" anchorCtr="0">
-          <a:noAutofit/>
-        </a:bodyPr>
-        <a:lstStyle/>
-        <a:p>
-          <a:pPr marL="0" lvl="0" indent="0" algn="ctr" defTabSz="444500">
-            <a:lnSpc>
-              <a:spcPct val="90000"/>
-            </a:lnSpc>
-            <a:spcBef>
-              <a:spcPct val="0"/>
-            </a:spcBef>
-            <a:spcAft>
-              <a:spcPct val="35000"/>
-            </a:spcAft>
-            <a:buNone/>
-          </a:pPr>
-          <a:r>
-            <a:rPr lang="en-US" sz="1000" kern="1200" dirty="0"/>
-            <a:t>Children hooks</a:t>
-          </a:r>
-        </a:p>
-      </dsp:txBody>
-      <dsp:txXfrm>
-        <a:off x="2888063" y="3003273"/>
-        <a:ext cx="1280657" cy="312699"/>
-      </dsp:txXfrm>
-    </dsp:sp>
-    <dsp:sp modelId="{FAD02D91-C773-4B95-8269-4C348E3E55DE}">
-      <dsp:nvSpPr>
-        <dsp:cNvPr id="0" name=""/>
-        <dsp:cNvSpPr/>
-      </dsp:nvSpPr>
-      <dsp:spPr>
-        <a:xfrm rot="5400000">
-          <a:off x="3466112" y="3334006"/>
-          <a:ext cx="124559" cy="149471"/>
-        </a:xfrm>
-        <a:prstGeom prst="rightArrow">
-          <a:avLst>
-            <a:gd name="adj1" fmla="val 60000"/>
-            <a:gd name="adj2" fmla="val 50000"/>
-          </a:avLst>
-        </a:prstGeom>
-        <a:solidFill>
-          <a:schemeClr val="accent1">
-            <a:tint val="60000"/>
-            <a:hueOff val="0"/>
-            <a:satOff val="0"/>
-            <a:lumOff val="0"/>
-            <a:alphaOff val="0"/>
-          </a:schemeClr>
-        </a:solidFill>
-        <a:ln>
-          <a:noFill/>
-        </a:ln>
-        <a:effectLst/>
-      </dsp:spPr>
-      <dsp:style>
-        <a:lnRef idx="0">
-          <a:scrgbClr r="0" g="0" b="0"/>
-        </a:lnRef>
-        <a:fillRef idx="1">
-          <a:scrgbClr r="0" g="0" b="0"/>
-        </a:fillRef>
-        <a:effectRef idx="0">
-          <a:scrgbClr r="0" g="0" b="0"/>
-        </a:effectRef>
-        <a:fontRef idx="minor">
-          <a:schemeClr val="lt1"/>
-        </a:fontRef>
-      </dsp:style>
-      <dsp:txBody>
-        <a:bodyPr spcFirstLastPara="0" vert="horz" wrap="square" lIns="0" tIns="0" rIns="0" bIns="0" numCol="1" spcCol="1270" anchor="ctr" anchorCtr="0">
-          <a:noAutofit/>
-        </a:bodyPr>
-        <a:lstStyle/>
-        <a:p>
-          <a:pPr marL="0" lvl="0" indent="0" algn="ctr" defTabSz="311150">
-            <a:lnSpc>
-              <a:spcPct val="90000"/>
-            </a:lnSpc>
-            <a:spcBef>
-              <a:spcPct val="0"/>
-            </a:spcBef>
-            <a:spcAft>
-              <a:spcPct val="35000"/>
-            </a:spcAft>
-            <a:buNone/>
-          </a:pPr>
-          <a:endParaRPr lang="en-US" sz="700" kern="1200"/>
-        </a:p>
-      </dsp:txBody>
-      <dsp:txXfrm rot="-5400000">
-        <a:off x="3483550" y="3346462"/>
-        <a:ext cx="89683" cy="87191"/>
-      </dsp:txXfrm>
-    </dsp:sp>
-    <dsp:sp modelId="{5EB918F4-21C2-4FFE-8DF4-AC5FDCBA9FD2}">
-      <dsp:nvSpPr>
-        <dsp:cNvPr id="0" name=""/>
-        <dsp:cNvSpPr/>
-      </dsp:nvSpPr>
-      <dsp:spPr>
-        <a:xfrm>
-          <a:off x="2878334" y="3491781"/>
-          <a:ext cx="1300115" cy="332157"/>
-        </a:xfrm>
-        <a:prstGeom prst="roundRect">
-          <a:avLst>
-            <a:gd name="adj" fmla="val 10000"/>
-          </a:avLst>
-        </a:prstGeom>
-        <a:solidFill>
-          <a:schemeClr val="accent1">
-            <a:hueOff val="0"/>
-            <a:satOff val="0"/>
-            <a:lumOff val="0"/>
-            <a:alphaOff val="0"/>
-          </a:schemeClr>
-        </a:solidFill>
-        <a:ln w="19050" cap="flat" cmpd="sng" algn="ctr">
-          <a:solidFill>
-            <a:schemeClr val="lt1">
-              <a:hueOff val="0"/>
-              <a:satOff val="0"/>
-              <a:lumOff val="0"/>
-              <a:alphaOff val="0"/>
-            </a:schemeClr>
-          </a:solidFill>
-          <a:prstDash val="solid"/>
-        </a:ln>
-        <a:effectLst/>
-      </dsp:spPr>
-      <dsp:style>
-        <a:lnRef idx="2">
-          <a:scrgbClr r="0" g="0" b="0"/>
-        </a:lnRef>
-        <a:fillRef idx="1">
-          <a:scrgbClr r="0" g="0" b="0"/>
-        </a:fillRef>
-        <a:effectRef idx="0">
-          <a:scrgbClr r="0" g="0" b="0"/>
-        </a:effectRef>
-        <a:fontRef idx="minor">
-          <a:schemeClr val="lt1"/>
-        </a:fontRef>
-      </dsp:style>
-      <dsp:txBody>
-        <a:bodyPr spcFirstLastPara="0" vert="horz" wrap="square" lIns="38100" tIns="38100" rIns="38100" bIns="38100" numCol="1" spcCol="1270" anchor="ctr" anchorCtr="0">
-          <a:noAutofit/>
-        </a:bodyPr>
-        <a:lstStyle/>
-        <a:p>
-          <a:pPr marL="0" lvl="0" indent="0" algn="ctr" defTabSz="444500">
-            <a:lnSpc>
-              <a:spcPct val="90000"/>
-            </a:lnSpc>
-            <a:spcBef>
-              <a:spcPct val="0"/>
-            </a:spcBef>
-            <a:spcAft>
-              <a:spcPct val="35000"/>
-            </a:spcAft>
-            <a:buNone/>
-          </a:pPr>
-          <a:r>
-            <a:rPr lang="en-US" sz="1000" kern="1200" dirty="0" err="1"/>
-            <a:t>ngAfterViewInit</a:t>
-          </a:r>
-          <a:endParaRPr lang="en-US" sz="1000" kern="1200" dirty="0"/>
-        </a:p>
-      </dsp:txBody>
-      <dsp:txXfrm>
-        <a:off x="2888063" y="3501510"/>
-        <a:ext cx="1280657" cy="312699"/>
-      </dsp:txXfrm>
-    </dsp:sp>
-    <dsp:sp modelId="{94AA81B8-20F1-46DA-B451-E2D4A4828CFD}">
-      <dsp:nvSpPr>
-        <dsp:cNvPr id="0" name=""/>
-        <dsp:cNvSpPr/>
-      </dsp:nvSpPr>
-      <dsp:spPr>
-        <a:xfrm rot="5400000">
-          <a:off x="3466112" y="3832243"/>
-          <a:ext cx="124559" cy="149471"/>
-        </a:xfrm>
-        <a:prstGeom prst="rightArrow">
-          <a:avLst>
-            <a:gd name="adj1" fmla="val 60000"/>
-            <a:gd name="adj2" fmla="val 50000"/>
-          </a:avLst>
-        </a:prstGeom>
-        <a:solidFill>
-          <a:schemeClr val="accent1">
-            <a:tint val="60000"/>
-            <a:hueOff val="0"/>
-            <a:satOff val="0"/>
-            <a:lumOff val="0"/>
-            <a:alphaOff val="0"/>
-          </a:schemeClr>
-        </a:solidFill>
-        <a:ln>
-          <a:noFill/>
-        </a:ln>
-        <a:effectLst/>
-      </dsp:spPr>
-      <dsp:style>
-        <a:lnRef idx="0">
-          <a:scrgbClr r="0" g="0" b="0"/>
-        </a:lnRef>
-        <a:fillRef idx="1">
-          <a:scrgbClr r="0" g="0" b="0"/>
-        </a:fillRef>
-        <a:effectRef idx="0">
-          <a:scrgbClr r="0" g="0" b="0"/>
-        </a:effectRef>
-        <a:fontRef idx="minor">
-          <a:schemeClr val="lt1"/>
-        </a:fontRef>
-      </dsp:style>
-      <dsp:txBody>
-        <a:bodyPr spcFirstLastPara="0" vert="horz" wrap="square" lIns="0" tIns="0" rIns="0" bIns="0" numCol="1" spcCol="1270" anchor="ctr" anchorCtr="0">
-          <a:noAutofit/>
-        </a:bodyPr>
-        <a:lstStyle/>
-        <a:p>
-          <a:pPr marL="0" lvl="0" indent="0" algn="ctr" defTabSz="311150">
-            <a:lnSpc>
-              <a:spcPct val="90000"/>
-            </a:lnSpc>
-            <a:spcBef>
-              <a:spcPct val="0"/>
-            </a:spcBef>
-            <a:spcAft>
-              <a:spcPct val="35000"/>
-            </a:spcAft>
-            <a:buNone/>
-          </a:pPr>
-          <a:endParaRPr lang="en-US" sz="700" kern="1200"/>
-        </a:p>
-      </dsp:txBody>
-      <dsp:txXfrm rot="-5400000">
-        <a:off x="3483550" y="3844699"/>
-        <a:ext cx="89683" cy="87191"/>
-      </dsp:txXfrm>
-    </dsp:sp>
-    <dsp:sp modelId="{AAAA3577-BE21-4CA5-B34C-F652ECB0932F}">
-      <dsp:nvSpPr>
-        <dsp:cNvPr id="0" name=""/>
-        <dsp:cNvSpPr/>
-      </dsp:nvSpPr>
-      <dsp:spPr>
-        <a:xfrm>
-          <a:off x="2878334" y="3990018"/>
-          <a:ext cx="1300115" cy="332157"/>
-        </a:xfrm>
-        <a:prstGeom prst="roundRect">
-          <a:avLst>
-            <a:gd name="adj" fmla="val 10000"/>
-          </a:avLst>
-        </a:prstGeom>
-        <a:solidFill>
-          <a:schemeClr val="accent1">
-            <a:hueOff val="0"/>
-            <a:satOff val="0"/>
-            <a:lumOff val="0"/>
-            <a:alphaOff val="0"/>
-          </a:schemeClr>
-        </a:solidFill>
-        <a:ln w="19050" cap="flat" cmpd="sng" algn="ctr">
-          <a:solidFill>
-            <a:schemeClr val="lt1">
-              <a:hueOff val="0"/>
-              <a:satOff val="0"/>
-              <a:lumOff val="0"/>
-              <a:alphaOff val="0"/>
-            </a:schemeClr>
-          </a:solidFill>
-          <a:prstDash val="solid"/>
-        </a:ln>
-        <a:effectLst/>
-      </dsp:spPr>
-      <dsp:style>
-        <a:lnRef idx="2">
-          <a:scrgbClr r="0" g="0" b="0"/>
-        </a:lnRef>
-        <a:fillRef idx="1">
-          <a:scrgbClr r="0" g="0" b="0"/>
-        </a:fillRef>
-        <a:effectRef idx="0">
-          <a:scrgbClr r="0" g="0" b="0"/>
-        </a:effectRef>
-        <a:fontRef idx="minor">
-          <a:schemeClr val="lt1"/>
-        </a:fontRef>
-      </dsp:style>
-      <dsp:txBody>
-        <a:bodyPr spcFirstLastPara="0" vert="horz" wrap="square" lIns="38100" tIns="38100" rIns="38100" bIns="38100" numCol="1" spcCol="1270" anchor="ctr" anchorCtr="0">
-          <a:noAutofit/>
-        </a:bodyPr>
-        <a:lstStyle/>
-        <a:p>
-          <a:pPr marL="0" lvl="0" indent="0" algn="ctr" defTabSz="444500">
-            <a:lnSpc>
-              <a:spcPct val="90000"/>
-            </a:lnSpc>
-            <a:spcBef>
-              <a:spcPct val="0"/>
-            </a:spcBef>
-            <a:spcAft>
-              <a:spcPct val="35000"/>
-            </a:spcAft>
-            <a:buNone/>
-          </a:pPr>
-          <a:r>
-            <a:rPr lang="en-US" sz="1000" kern="1200" dirty="0" err="1"/>
-            <a:t>ngAfterViewChecked</a:t>
-          </a:r>
-          <a:endParaRPr lang="en-US" sz="1000" kern="1200" dirty="0"/>
-        </a:p>
-      </dsp:txBody>
-      <dsp:txXfrm>
-        <a:off x="2888063" y="3999747"/>
-        <a:ext cx="1280657" cy="312699"/>
-      </dsp:txXfrm>
-    </dsp:sp>
-    <dsp:sp modelId="{870AC8BA-EDAE-4B54-AE57-6C2952E5E4CA}">
-      <dsp:nvSpPr>
-        <dsp:cNvPr id="0" name=""/>
-        <dsp:cNvSpPr/>
-      </dsp:nvSpPr>
-      <dsp:spPr>
-        <a:xfrm rot="5400000">
-          <a:off x="3466112" y="4330480"/>
-          <a:ext cx="124559" cy="149471"/>
-        </a:xfrm>
-        <a:prstGeom prst="rightArrow">
-          <a:avLst>
-            <a:gd name="adj1" fmla="val 60000"/>
-            <a:gd name="adj2" fmla="val 50000"/>
-          </a:avLst>
-        </a:prstGeom>
-        <a:solidFill>
-          <a:schemeClr val="accent1">
-            <a:tint val="60000"/>
-            <a:hueOff val="0"/>
-            <a:satOff val="0"/>
-            <a:lumOff val="0"/>
-            <a:alphaOff val="0"/>
-          </a:schemeClr>
-        </a:solidFill>
-        <a:ln>
-          <a:noFill/>
-        </a:ln>
-        <a:effectLst/>
-      </dsp:spPr>
-      <dsp:style>
-        <a:lnRef idx="0">
-          <a:scrgbClr r="0" g="0" b="0"/>
-        </a:lnRef>
-        <a:fillRef idx="1">
-          <a:scrgbClr r="0" g="0" b="0"/>
-        </a:fillRef>
-        <a:effectRef idx="0">
-          <a:scrgbClr r="0" g="0" b="0"/>
-        </a:effectRef>
-        <a:fontRef idx="minor">
-          <a:schemeClr val="lt1"/>
-        </a:fontRef>
-      </dsp:style>
-      <dsp:txBody>
-        <a:bodyPr spcFirstLastPara="0" vert="horz" wrap="square" lIns="0" tIns="0" rIns="0" bIns="0" numCol="1" spcCol="1270" anchor="ctr" anchorCtr="0">
-          <a:noAutofit/>
-        </a:bodyPr>
-        <a:lstStyle/>
-        <a:p>
-          <a:pPr marL="0" lvl="0" indent="0" algn="ctr" defTabSz="311150">
-            <a:lnSpc>
-              <a:spcPct val="90000"/>
-            </a:lnSpc>
-            <a:spcBef>
-              <a:spcPct val="0"/>
-            </a:spcBef>
-            <a:spcAft>
-              <a:spcPct val="35000"/>
-            </a:spcAft>
-            <a:buNone/>
-          </a:pPr>
-          <a:endParaRPr lang="en-US" sz="700" kern="1200"/>
-        </a:p>
-      </dsp:txBody>
-      <dsp:txXfrm rot="-5400000">
-        <a:off x="3483550" y="4342936"/>
-        <a:ext cx="89683" cy="87191"/>
-      </dsp:txXfrm>
-    </dsp:sp>
-    <dsp:sp modelId="{E0087B9A-DD50-44C3-B704-CFF63795F2B3}">
-      <dsp:nvSpPr>
-        <dsp:cNvPr id="0" name=""/>
-        <dsp:cNvSpPr/>
-      </dsp:nvSpPr>
-      <dsp:spPr>
-        <a:xfrm>
-          <a:off x="2878334" y="4488255"/>
-          <a:ext cx="1300115" cy="332157"/>
-        </a:xfrm>
-        <a:prstGeom prst="roundRect">
-          <a:avLst>
-            <a:gd name="adj" fmla="val 10000"/>
-          </a:avLst>
-        </a:prstGeom>
-        <a:solidFill>
-          <a:schemeClr val="accent1">
-            <a:hueOff val="0"/>
-            <a:satOff val="0"/>
-            <a:lumOff val="0"/>
-            <a:alphaOff val="0"/>
-          </a:schemeClr>
-        </a:solidFill>
-        <a:ln w="19050" cap="flat" cmpd="sng" algn="ctr">
-          <a:solidFill>
-            <a:schemeClr val="lt1">
-              <a:hueOff val="0"/>
-              <a:satOff val="0"/>
-              <a:lumOff val="0"/>
-              <a:alphaOff val="0"/>
-            </a:schemeClr>
-          </a:solidFill>
-          <a:prstDash val="solid"/>
-        </a:ln>
-        <a:effectLst/>
-      </dsp:spPr>
-      <dsp:style>
-        <a:lnRef idx="2">
-          <a:scrgbClr r="0" g="0" b="0"/>
-        </a:lnRef>
-        <a:fillRef idx="1">
-          <a:scrgbClr r="0" g="0" b="0"/>
-        </a:fillRef>
-        <a:effectRef idx="0">
-          <a:scrgbClr r="0" g="0" b="0"/>
-        </a:effectRef>
-        <a:fontRef idx="minor">
-          <a:schemeClr val="lt1"/>
-        </a:fontRef>
-      </dsp:style>
-      <dsp:txBody>
-        <a:bodyPr spcFirstLastPara="0" vert="horz" wrap="square" lIns="38100" tIns="38100" rIns="38100" bIns="38100" numCol="1" spcCol="1270" anchor="ctr" anchorCtr="0">
-          <a:noAutofit/>
-        </a:bodyPr>
-        <a:lstStyle/>
-        <a:p>
-          <a:pPr marL="0" lvl="0" indent="0" algn="ctr" defTabSz="444500">
-            <a:lnSpc>
-              <a:spcPct val="90000"/>
-            </a:lnSpc>
-            <a:spcBef>
-              <a:spcPct val="0"/>
-            </a:spcBef>
-            <a:spcAft>
-              <a:spcPct val="35000"/>
-            </a:spcAft>
-            <a:buNone/>
-          </a:pPr>
-          <a:r>
-            <a:rPr lang="en-US" sz="1000" kern="1200" dirty="0" err="1"/>
-            <a:t>ngOnDestroy</a:t>
-          </a:r>
-          <a:endParaRPr lang="en-US" sz="1000" kern="1200" dirty="0"/>
-        </a:p>
-      </dsp:txBody>
-      <dsp:txXfrm>
-        <a:off x="2888063" y="4497984"/>
-        <a:ext cx="1280657" cy="312699"/>
-      </dsp:txXfrm>
-    </dsp:sp>
   </dsp:spTree>
 </dsp:drawing>
 </file>
@@ -8993,6 +7764,17 @@
                 <a:cs typeface="Courier New" panose="02070309020205020404" pitchFamily="49" charset="0"/>
               </a:rPr>
             </a:br>
+            <a:r>
+              <a:rPr lang="en-US" sz="1000" dirty="0">
+                <a:solidFill>
+                  <a:srgbClr val="000000"/>
+                </a:solidFill>
+                <a:latin typeface="Courier New" panose="02070309020205020404" pitchFamily="49" charset="0"/>
+                <a:ea typeface="Calibri" panose="020F0502020204030204" pitchFamily="34" charset="0"/>
+                <a:cs typeface="Courier New" panose="02070309020205020404" pitchFamily="49" charset="0"/>
+              </a:rPr>
+              <a:t/>
+            </a:r>
             <a:br>
               <a:rPr lang="en-US" sz="1000" dirty="0">
                 <a:solidFill>
@@ -9309,6 +8091,17 @@
                 <a:cs typeface="Courier New" panose="02070309020205020404" pitchFamily="49" charset="0"/>
               </a:rPr>
             </a:br>
+            <a:r>
+              <a:rPr lang="en-US" sz="1000" dirty="0">
+                <a:solidFill>
+                  <a:srgbClr val="000000"/>
+                </a:solidFill>
+                <a:latin typeface="Courier New" panose="02070309020205020404" pitchFamily="49" charset="0"/>
+                <a:ea typeface="Calibri" panose="020F0502020204030204" pitchFamily="34" charset="0"/>
+                <a:cs typeface="Courier New" panose="02070309020205020404" pitchFamily="49" charset="0"/>
+              </a:rPr>
+              <a:t/>
+            </a:r>
             <a:br>
               <a:rPr lang="en-US" sz="1000" dirty="0">
                 <a:solidFill>
@@ -13221,6 +12014,16 @@
                 <a:ea typeface="Times New Roman" panose="02020603050405020304" pitchFamily="18" charset="0"/>
               </a:rPr>
             </a:br>
+            <a:r>
+              <a:rPr lang="en-US" sz="1400" dirty="0">
+                <a:solidFill>
+                  <a:srgbClr val="000000"/>
+                </a:solidFill>
+                <a:latin typeface="Courier New" panose="02070309020205020404" pitchFamily="49" charset="0"/>
+                <a:ea typeface="Times New Roman" panose="02020603050405020304" pitchFamily="18" charset="0"/>
+              </a:rPr>
+              <a:t/>
+            </a:r>
             <a:br>
               <a:rPr lang="en-US" sz="1400" dirty="0">
                 <a:solidFill>
@@ -13651,6 +12454,17 @@
                 <a:cs typeface="Arial" panose="020B0604020202020204" pitchFamily="34" charset="0"/>
               </a:rPr>
             </a:br>
+            <a:r>
+              <a:rPr lang="en-US" sz="1600" dirty="0">
+                <a:solidFill>
+                  <a:srgbClr val="000000"/>
+                </a:solidFill>
+                <a:latin typeface="Calibri" panose="020F0502020204030204" pitchFamily="34" charset="0"/>
+                <a:ea typeface="Calibri" panose="020F0502020204030204" pitchFamily="34" charset="0"/>
+                <a:cs typeface="Arial" panose="020B0604020202020204" pitchFamily="34" charset="0"/>
+              </a:rPr>
+              <a:t/>
+            </a:r>
             <a:br>
               <a:rPr lang="en-US" sz="1600" dirty="0">
                 <a:solidFill>
@@ -14307,6 +13121,17 @@
                 <a:cs typeface="Arial" panose="020B0604020202020204" pitchFamily="34" charset="0"/>
               </a:rPr>
             </a:br>
+            <a:r>
+              <a:rPr lang="en-US" sz="1600" dirty="0">
+                <a:solidFill>
+                  <a:srgbClr val="000000"/>
+                </a:solidFill>
+                <a:latin typeface="Calibri" panose="020F0502020204030204" pitchFamily="34" charset="0"/>
+                <a:ea typeface="Calibri" panose="020F0502020204030204" pitchFamily="34" charset="0"/>
+                <a:cs typeface="Arial" panose="020B0604020202020204" pitchFamily="34" charset="0"/>
+              </a:rPr>
+              <a:t/>
+            </a:r>
             <a:br>
               <a:rPr lang="en-US" sz="1600" dirty="0">
                 <a:solidFill>
@@ -14740,6 +13565,17 @@
                 <a:cs typeface="Arial" panose="020B0604020202020204" pitchFamily="34" charset="0"/>
               </a:rPr>
             </a:br>
+            <a:r>
+              <a:rPr lang="en-US" dirty="0">
+                <a:solidFill>
+                  <a:srgbClr val="000000"/>
+                </a:solidFill>
+                <a:latin typeface="Calibri" panose="020F0502020204030204" pitchFamily="34" charset="0"/>
+                <a:ea typeface="Calibri" panose="020F0502020204030204" pitchFamily="34" charset="0"/>
+                <a:cs typeface="Arial" panose="020B0604020202020204" pitchFamily="34" charset="0"/>
+              </a:rPr>
+              <a:t/>
+            </a:r>
             <a:br>
               <a:rPr lang="en-US" dirty="0">
                 <a:solidFill>
@@ -15009,6 +13845,17 @@
                 <a:cs typeface="Arial" panose="020B0604020202020204" pitchFamily="34" charset="0"/>
               </a:rPr>
             </a:br>
+            <a:r>
+              <a:rPr lang="en-US" sz="1600" dirty="0">
+                <a:solidFill>
+                  <a:srgbClr val="000000"/>
+                </a:solidFill>
+                <a:latin typeface="Calibri" panose="020F0502020204030204" pitchFamily="34" charset="0"/>
+                <a:ea typeface="Calibri" panose="020F0502020204030204" pitchFamily="34" charset="0"/>
+                <a:cs typeface="Arial" panose="020B0604020202020204" pitchFamily="34" charset="0"/>
+              </a:rPr>
+              <a:t/>
+            </a:r>
             <a:br>
               <a:rPr lang="en-US" sz="1600" dirty="0">
                 <a:solidFill>
@@ -15502,6 +14349,17 @@
                 <a:cs typeface="Arial" panose="020B0604020202020204" pitchFamily="34" charset="0"/>
               </a:rPr>
             </a:br>
+            <a:r>
+              <a:rPr lang="en-US" dirty="0">
+                <a:solidFill>
+                  <a:srgbClr val="000000"/>
+                </a:solidFill>
+                <a:latin typeface="Calibri" panose="020F0502020204030204" pitchFamily="34" charset="0"/>
+                <a:ea typeface="Calibri" panose="020F0502020204030204" pitchFamily="34" charset="0"/>
+                <a:cs typeface="Arial" panose="020B0604020202020204" pitchFamily="34" charset="0"/>
+              </a:rPr>
+              <a:t/>
+            </a:r>
             <a:br>
               <a:rPr lang="en-US" dirty="0">
                 <a:solidFill>
@@ -16105,6 +14963,17 @@
                 <a:cs typeface="Arial" panose="020B0604020202020204" pitchFamily="34" charset="0"/>
               </a:rPr>
             </a:br>
+            <a:r>
+              <a:rPr lang="en-US" sz="1400" dirty="0">
+                <a:solidFill>
+                  <a:srgbClr val="000000"/>
+                </a:solidFill>
+                <a:latin typeface="Calibri" panose="020F0502020204030204" pitchFamily="34" charset="0"/>
+                <a:ea typeface="Calibri" panose="020F0502020204030204" pitchFamily="34" charset="0"/>
+                <a:cs typeface="Arial" panose="020B0604020202020204" pitchFamily="34" charset="0"/>
+              </a:rPr>
+              <a:t/>
+            </a:r>
             <a:br>
               <a:rPr lang="en-US" sz="1400" dirty="0">
                 <a:solidFill>
@@ -16202,6 +15071,17 @@
                 <a:cs typeface="Arial" panose="020B0604020202020204" pitchFamily="34" charset="0"/>
               </a:rPr>
             </a:br>
+            <a:r>
+              <a:rPr lang="en-US" sz="1400" dirty="0">
+                <a:solidFill>
+                  <a:srgbClr val="000000"/>
+                </a:solidFill>
+                <a:latin typeface="Calibri" panose="020F0502020204030204" pitchFamily="34" charset="0"/>
+                <a:ea typeface="Calibri" panose="020F0502020204030204" pitchFamily="34" charset="0"/>
+                <a:cs typeface="Arial" panose="020B0604020202020204" pitchFamily="34" charset="0"/>
+              </a:rPr>
+              <a:t/>
+            </a:r>
             <a:br>
               <a:rPr lang="en-US" sz="1400" dirty="0">
                 <a:solidFill>
@@ -18698,6 +17578,17 @@
                 <a:cs typeface="Arial" panose="020B0604020202020204" pitchFamily="34" charset="0"/>
               </a:rPr>
             </a:br>
+            <a:r>
+              <a:rPr lang="en-US" sz="1400" dirty="0">
+                <a:solidFill>
+                  <a:srgbClr val="000000"/>
+                </a:solidFill>
+                <a:latin typeface="Calibri" panose="020F0502020204030204" pitchFamily="34" charset="0"/>
+                <a:ea typeface="Calibri" panose="020F0502020204030204" pitchFamily="34" charset="0"/>
+                <a:cs typeface="Arial" panose="020B0604020202020204" pitchFamily="34" charset="0"/>
+              </a:rPr>
+              <a:t/>
+            </a:r>
             <a:br>
               <a:rPr lang="en-US" sz="1400" dirty="0">
                 <a:solidFill>
@@ -20991,6 +19882,17 @@
                 <a:cs typeface="Arial" panose="020B0604020202020204" pitchFamily="34" charset="0"/>
               </a:rPr>
             </a:br>
+            <a:r>
+              <a:rPr lang="en-US" sz="1400" dirty="0">
+                <a:solidFill>
+                  <a:srgbClr val="000000"/>
+                </a:solidFill>
+                <a:latin typeface="Calibri" panose="020F0502020204030204" pitchFamily="34" charset="0"/>
+                <a:ea typeface="Calibri" panose="020F0502020204030204" pitchFamily="34" charset="0"/>
+                <a:cs typeface="Arial" panose="020B0604020202020204" pitchFamily="34" charset="0"/>
+              </a:rPr>
+              <a:t/>
+            </a:r>
             <a:br>
               <a:rPr lang="en-US" sz="1400" dirty="0">
                 <a:solidFill>
@@ -21857,6 +20759,17 @@
                 <a:cs typeface="Arial" panose="020B0604020202020204" pitchFamily="34" charset="0"/>
               </a:rPr>
             </a:br>
+            <a:r>
+              <a:rPr lang="en-US" sz="1100" dirty="0">
+                <a:solidFill>
+                  <a:srgbClr val="000000"/>
+                </a:solidFill>
+                <a:latin typeface="Calibri" panose="020F0502020204030204" pitchFamily="34" charset="0"/>
+                <a:ea typeface="Calibri" panose="020F0502020204030204" pitchFamily="34" charset="0"/>
+                <a:cs typeface="Arial" panose="020B0604020202020204" pitchFamily="34" charset="0"/>
+              </a:rPr>
+              <a:t/>
+            </a:r>
             <a:br>
               <a:rPr lang="en-US" sz="1100" dirty="0">
                 <a:solidFill>
@@ -22246,6 +21159,17 @@
                 <a:cs typeface="Arial" panose="020B0604020202020204" pitchFamily="34" charset="0"/>
               </a:rPr>
             </a:br>
+            <a:r>
+              <a:rPr lang="en-US" sz="1100" dirty="0">
+                <a:solidFill>
+                  <a:srgbClr val="000000"/>
+                </a:solidFill>
+                <a:latin typeface="Calibri" panose="020F0502020204030204" pitchFamily="34" charset="0"/>
+                <a:ea typeface="Calibri" panose="020F0502020204030204" pitchFamily="34" charset="0"/>
+                <a:cs typeface="Arial" panose="020B0604020202020204" pitchFamily="34" charset="0"/>
+              </a:rPr>
+              <a:t/>
+            </a:r>
             <a:br>
               <a:rPr lang="en-US" sz="1100" dirty="0">
                 <a:solidFill>
@@ -23258,6 +22182,17 @@
                 <a:cs typeface="Arial" panose="020B0604020202020204" pitchFamily="34" charset="0"/>
               </a:rPr>
             </a:br>
+            <a:r>
+              <a:rPr lang="en-US" sz="1200" dirty="0">
+                <a:solidFill>
+                  <a:srgbClr val="000000"/>
+                </a:solidFill>
+                <a:latin typeface="Calibri" panose="020F0502020204030204" pitchFamily="34" charset="0"/>
+                <a:ea typeface="Calibri" panose="020F0502020204030204" pitchFamily="34" charset="0"/>
+                <a:cs typeface="Arial" panose="020B0604020202020204" pitchFamily="34" charset="0"/>
+              </a:rPr>
+              <a:t/>
+            </a:r>
             <a:br>
               <a:rPr lang="en-US" sz="1200" dirty="0">
                 <a:solidFill>
@@ -23539,6 +22474,17 @@
                 <a:cs typeface="Arial" panose="020B0604020202020204" pitchFamily="34" charset="0"/>
               </a:rPr>
             </a:br>
+            <a:r>
+              <a:rPr lang="en-US" sz="1200" dirty="0">
+                <a:solidFill>
+                  <a:srgbClr val="000000"/>
+                </a:solidFill>
+                <a:latin typeface="Calibri" panose="020F0502020204030204" pitchFamily="34" charset="0"/>
+                <a:ea typeface="Calibri" panose="020F0502020204030204" pitchFamily="34" charset="0"/>
+                <a:cs typeface="Arial" panose="020B0604020202020204" pitchFamily="34" charset="0"/>
+              </a:rPr>
+              <a:t/>
+            </a:r>
             <a:br>
               <a:rPr lang="en-US" sz="1200" dirty="0">
                 <a:solidFill>
@@ -23700,6 +22646,17 @@
                 <a:cs typeface="Arial" panose="020B0604020202020204" pitchFamily="34" charset="0"/>
               </a:rPr>
             </a:br>
+            <a:r>
+              <a:rPr lang="en-US" sz="1200" dirty="0">
+                <a:solidFill>
+                  <a:srgbClr val="000000"/>
+                </a:solidFill>
+                <a:latin typeface="Calibri" panose="020F0502020204030204" pitchFamily="34" charset="0"/>
+                <a:ea typeface="Calibri" panose="020F0502020204030204" pitchFamily="34" charset="0"/>
+                <a:cs typeface="Arial" panose="020B0604020202020204" pitchFamily="34" charset="0"/>
+              </a:rPr>
+              <a:t/>
+            </a:r>
             <a:br>
               <a:rPr lang="en-US" sz="1200" dirty="0">
                 <a:solidFill>
@@ -24219,6 +23176,17 @@
                 <a:cs typeface="Arial" panose="020B0604020202020204" pitchFamily="34" charset="0"/>
               </a:rPr>
             </a:br>
+            <a:r>
+              <a:rPr lang="en-US" sz="1200" dirty="0">
+                <a:solidFill>
+                  <a:srgbClr val="000000"/>
+                </a:solidFill>
+                <a:latin typeface="Calibri" panose="020F0502020204030204" pitchFamily="34" charset="0"/>
+                <a:ea typeface="Calibri" panose="020F0502020204030204" pitchFamily="34" charset="0"/>
+                <a:cs typeface="Arial" panose="020B0604020202020204" pitchFamily="34" charset="0"/>
+              </a:rPr>
+              <a:t/>
+            </a:r>
             <a:br>
               <a:rPr lang="en-US" sz="1200" dirty="0">
                 <a:solidFill>
@@ -24788,6 +23756,17 @@
                 <a:cs typeface="Arial" panose="020B0604020202020204" pitchFamily="34" charset="0"/>
               </a:rPr>
             </a:br>
+            <a:r>
+              <a:rPr lang="en-US" sz="1200" dirty="0">
+                <a:solidFill>
+                  <a:srgbClr val="000000"/>
+                </a:solidFill>
+                <a:latin typeface="Calibri" panose="020F0502020204030204" pitchFamily="34" charset="0"/>
+                <a:ea typeface="Calibri" panose="020F0502020204030204" pitchFamily="34" charset="0"/>
+                <a:cs typeface="Arial" panose="020B0604020202020204" pitchFamily="34" charset="0"/>
+              </a:rPr>
+              <a:t/>
+            </a:r>
             <a:br>
               <a:rPr lang="en-US" sz="1200" dirty="0">
                 <a:solidFill>
@@ -25633,7 +24612,19 @@
           <a:p>
             <a:r>
               <a:rPr lang="en-US" dirty="0"/>
-              <a:t>Adding a component to existing module is not allowed</a:t>
+              <a:t>Adding a component to </a:t>
+            </a:r>
+            <a:r>
+              <a:rPr lang="en-US" dirty="0" smtClean="0"/>
+              <a:t>an </a:t>
+            </a:r>
+            <a:r>
+              <a:rPr lang="en-US" dirty="0" smtClean="0"/>
+              <a:t>existing </a:t>
+            </a:r>
+            <a:r>
+              <a:rPr lang="en-US" dirty="0"/>
+              <a:t>module is not allowed</a:t>
             </a:r>
           </a:p>
           <a:p>
@@ -25679,6 +24670,1058 @@
       </p:grpSpPr>
       <p:sp>
         <p:nvSpPr>
+          <p:cNvPr id="16" name="Rectangle 15"/>
+          <p:cNvSpPr/>
+          <p:nvPr/>
+        </p:nvSpPr>
+        <p:spPr>
+          <a:xfrm>
+            <a:off x="486560" y="1944016"/>
+            <a:ext cx="8440580" cy="4524315"/>
+          </a:xfrm>
+          <a:prstGeom prst="rect">
+            <a:avLst/>
+          </a:prstGeom>
+        </p:spPr>
+        <p:txBody>
+          <a:bodyPr wrap="square">
+            <a:spAutoFit/>
+          </a:bodyPr>
+          <a:lstStyle/>
+          <a:p>
+            <a:r>
+              <a:rPr lang="en-US" sz="1200" dirty="0" err="1">
+                <a:solidFill>
+                  <a:srgbClr val="7A7A43"/>
+                </a:solidFill>
+                <a:latin typeface="Courier New" panose="02070309020205020404" pitchFamily="49" charset="0"/>
+                <a:ea typeface="Times New Roman" panose="02020603050405020304" pitchFamily="18" charset="0"/>
+              </a:rPr>
+              <a:t>createComponentFactory</a:t>
+            </a:r>
+            <a:r>
+              <a:rPr lang="en-US" sz="1200" dirty="0">
+                <a:solidFill>
+                  <a:srgbClr val="000000"/>
+                </a:solidFill>
+                <a:latin typeface="Courier New" panose="02070309020205020404" pitchFamily="49" charset="0"/>
+                <a:ea typeface="Times New Roman" panose="02020603050405020304" pitchFamily="18" charset="0"/>
+              </a:rPr>
+              <a:t>(template: </a:t>
+            </a:r>
+            <a:r>
+              <a:rPr lang="en-US" sz="1200" b="1" dirty="0">
+                <a:solidFill>
+                  <a:srgbClr val="000080"/>
+                </a:solidFill>
+                <a:latin typeface="Courier New" panose="02070309020205020404" pitchFamily="49" charset="0"/>
+                <a:ea typeface="Times New Roman" panose="02020603050405020304" pitchFamily="18" charset="0"/>
+              </a:rPr>
+              <a:t>string</a:t>
+            </a:r>
+            <a:r>
+              <a:rPr lang="en-US" sz="1200" dirty="0">
+                <a:solidFill>
+                  <a:srgbClr val="000000"/>
+                </a:solidFill>
+                <a:latin typeface="Courier New" panose="02070309020205020404" pitchFamily="49" charset="0"/>
+                <a:ea typeface="Times New Roman" panose="02020603050405020304" pitchFamily="18" charset="0"/>
+              </a:rPr>
+              <a:t>) {</a:t>
+            </a:r>
+            <a:br>
+              <a:rPr lang="en-US" sz="1200" dirty="0">
+                <a:solidFill>
+                  <a:srgbClr val="000000"/>
+                </a:solidFill>
+                <a:latin typeface="Courier New" panose="02070309020205020404" pitchFamily="49" charset="0"/>
+                <a:ea typeface="Times New Roman" panose="02020603050405020304" pitchFamily="18" charset="0"/>
+              </a:rPr>
+            </a:br>
+            <a:r>
+              <a:rPr lang="en-US" sz="1200" dirty="0">
+                <a:solidFill>
+                  <a:srgbClr val="000000"/>
+                </a:solidFill>
+                <a:latin typeface="Courier New" panose="02070309020205020404" pitchFamily="49" charset="0"/>
+                <a:ea typeface="Times New Roman" panose="02020603050405020304" pitchFamily="18" charset="0"/>
+              </a:rPr>
+              <a:t>    @Component({</a:t>
+            </a:r>
+            <a:br>
+              <a:rPr lang="en-US" sz="1200" dirty="0">
+                <a:solidFill>
+                  <a:srgbClr val="000000"/>
+                </a:solidFill>
+                <a:latin typeface="Courier New" panose="02070309020205020404" pitchFamily="49" charset="0"/>
+                <a:ea typeface="Times New Roman" panose="02020603050405020304" pitchFamily="18" charset="0"/>
+              </a:rPr>
+            </a:br>
+            <a:r>
+              <a:rPr lang="en-US" sz="1200" dirty="0">
+                <a:solidFill>
+                  <a:srgbClr val="000000"/>
+                </a:solidFill>
+                <a:latin typeface="Courier New" panose="02070309020205020404" pitchFamily="49" charset="0"/>
+                <a:ea typeface="Times New Roman" panose="02020603050405020304" pitchFamily="18" charset="0"/>
+              </a:rPr>
+              <a:t>        </a:t>
+            </a:r>
+            <a:r>
+              <a:rPr lang="en-US" sz="1200" b="1" dirty="0">
+                <a:solidFill>
+                  <a:srgbClr val="660E7A"/>
+                </a:solidFill>
+                <a:latin typeface="Courier New" panose="02070309020205020404" pitchFamily="49" charset="0"/>
+                <a:ea typeface="Times New Roman" panose="02020603050405020304" pitchFamily="18" charset="0"/>
+              </a:rPr>
+              <a:t>template</a:t>
+            </a:r>
+            <a:r>
+              <a:rPr lang="en-US" sz="1200" dirty="0">
+                <a:solidFill>
+                  <a:srgbClr val="000000"/>
+                </a:solidFill>
+                <a:latin typeface="Courier New" panose="02070309020205020404" pitchFamily="49" charset="0"/>
+                <a:ea typeface="Times New Roman" panose="02020603050405020304" pitchFamily="18" charset="0"/>
+              </a:rPr>
+              <a:t>: template,</a:t>
+            </a:r>
+            <a:br>
+              <a:rPr lang="en-US" sz="1200" dirty="0">
+                <a:solidFill>
+                  <a:srgbClr val="000000"/>
+                </a:solidFill>
+                <a:latin typeface="Courier New" panose="02070309020205020404" pitchFamily="49" charset="0"/>
+                <a:ea typeface="Times New Roman" panose="02020603050405020304" pitchFamily="18" charset="0"/>
+              </a:rPr>
+            </a:br>
+            <a:r>
+              <a:rPr lang="en-US" sz="1200" dirty="0">
+                <a:solidFill>
+                  <a:srgbClr val="000000"/>
+                </a:solidFill>
+                <a:latin typeface="Courier New" panose="02070309020205020404" pitchFamily="49" charset="0"/>
+                <a:ea typeface="Times New Roman" panose="02020603050405020304" pitchFamily="18" charset="0"/>
+              </a:rPr>
+              <a:t>    })</a:t>
+            </a:r>
+            <a:br>
+              <a:rPr lang="en-US" sz="1200" dirty="0">
+                <a:solidFill>
+                  <a:srgbClr val="000000"/>
+                </a:solidFill>
+                <a:latin typeface="Courier New" panose="02070309020205020404" pitchFamily="49" charset="0"/>
+                <a:ea typeface="Times New Roman" panose="02020603050405020304" pitchFamily="18" charset="0"/>
+              </a:rPr>
+            </a:br>
+            <a:r>
+              <a:rPr lang="en-US" sz="1200" dirty="0">
+                <a:solidFill>
+                  <a:srgbClr val="000000"/>
+                </a:solidFill>
+                <a:latin typeface="Courier New" panose="02070309020205020404" pitchFamily="49" charset="0"/>
+                <a:ea typeface="Times New Roman" panose="02020603050405020304" pitchFamily="18" charset="0"/>
+              </a:rPr>
+              <a:t>    </a:t>
+            </a:r>
+            <a:r>
+              <a:rPr lang="en-US" sz="1200" b="1" dirty="0">
+                <a:solidFill>
+                  <a:srgbClr val="000080"/>
+                </a:solidFill>
+                <a:latin typeface="Courier New" panose="02070309020205020404" pitchFamily="49" charset="0"/>
+                <a:ea typeface="Times New Roman" panose="02020603050405020304" pitchFamily="18" charset="0"/>
+              </a:rPr>
+              <a:t>class </a:t>
+            </a:r>
+            <a:r>
+              <a:rPr lang="en-US" sz="1200" dirty="0" err="1">
+                <a:solidFill>
+                  <a:srgbClr val="000000"/>
+                </a:solidFill>
+                <a:latin typeface="Courier New" panose="02070309020205020404" pitchFamily="49" charset="0"/>
+                <a:ea typeface="Times New Roman" panose="02020603050405020304" pitchFamily="18" charset="0"/>
+              </a:rPr>
+              <a:t>DynamicComponent</a:t>
+            </a:r>
+            <a:r>
+              <a:rPr lang="en-US" sz="1200" dirty="0">
+                <a:solidFill>
+                  <a:srgbClr val="000000"/>
+                </a:solidFill>
+                <a:latin typeface="Courier New" panose="02070309020205020404" pitchFamily="49" charset="0"/>
+                <a:ea typeface="Times New Roman" panose="02020603050405020304" pitchFamily="18" charset="0"/>
+              </a:rPr>
+              <a:t> {</a:t>
+            </a:r>
+            <a:br>
+              <a:rPr lang="en-US" sz="1200" dirty="0">
+                <a:solidFill>
+                  <a:srgbClr val="000000"/>
+                </a:solidFill>
+                <a:latin typeface="Courier New" panose="02070309020205020404" pitchFamily="49" charset="0"/>
+                <a:ea typeface="Times New Roman" panose="02020603050405020304" pitchFamily="18" charset="0"/>
+              </a:rPr>
+            </a:br>
+            <a:r>
+              <a:rPr lang="en-US" sz="1200" dirty="0">
+                <a:solidFill>
+                  <a:srgbClr val="000000"/>
+                </a:solidFill>
+                <a:latin typeface="Courier New" panose="02070309020205020404" pitchFamily="49" charset="0"/>
+                <a:ea typeface="Times New Roman" panose="02020603050405020304" pitchFamily="18" charset="0"/>
+              </a:rPr>
+              <a:t>        </a:t>
+            </a:r>
+            <a:r>
+              <a:rPr lang="en-US" sz="1200" b="1" dirty="0">
+                <a:solidFill>
+                  <a:srgbClr val="000080"/>
+                </a:solidFill>
+                <a:latin typeface="Courier New" panose="02070309020205020404" pitchFamily="49" charset="0"/>
+                <a:ea typeface="Times New Roman" panose="02020603050405020304" pitchFamily="18" charset="0"/>
+              </a:rPr>
+              <a:t>constructor</a:t>
+            </a:r>
+            <a:r>
+              <a:rPr lang="en-US" sz="1200" dirty="0">
+                <a:solidFill>
+                  <a:srgbClr val="000000"/>
+                </a:solidFill>
+                <a:latin typeface="Courier New" panose="02070309020205020404" pitchFamily="49" charset="0"/>
+                <a:ea typeface="Times New Roman" panose="02020603050405020304" pitchFamily="18" charset="0"/>
+              </a:rPr>
+              <a:t>(</a:t>
+            </a:r>
+            <a:r>
+              <a:rPr lang="en-US" sz="1200" dirty="0" err="1">
+                <a:solidFill>
+                  <a:srgbClr val="000000"/>
+                </a:solidFill>
+                <a:latin typeface="Courier New" panose="02070309020205020404" pitchFamily="49" charset="0"/>
+                <a:ea typeface="Times New Roman" panose="02020603050405020304" pitchFamily="18" charset="0"/>
+              </a:rPr>
+              <a:t>contactService</a:t>
+            </a:r>
+            <a:r>
+              <a:rPr lang="en-US" sz="1200" dirty="0">
+                <a:solidFill>
+                  <a:srgbClr val="000000"/>
+                </a:solidFill>
+                <a:latin typeface="Courier New" panose="02070309020205020404" pitchFamily="49" charset="0"/>
+                <a:ea typeface="Times New Roman" panose="02020603050405020304" pitchFamily="18" charset="0"/>
+              </a:rPr>
+              <a:t>: </a:t>
+            </a:r>
+            <a:r>
+              <a:rPr lang="en-US" sz="1200" dirty="0" err="1">
+                <a:solidFill>
+                  <a:srgbClr val="000000"/>
+                </a:solidFill>
+                <a:latin typeface="Courier New" panose="02070309020205020404" pitchFamily="49" charset="0"/>
+                <a:ea typeface="Times New Roman" panose="02020603050405020304" pitchFamily="18" charset="0"/>
+              </a:rPr>
+              <a:t>ContactService</a:t>
+            </a:r>
+            <a:r>
+              <a:rPr lang="en-US" sz="1200" dirty="0">
+                <a:solidFill>
+                  <a:srgbClr val="000000"/>
+                </a:solidFill>
+                <a:latin typeface="Courier New" panose="02070309020205020404" pitchFamily="49" charset="0"/>
+                <a:ea typeface="Times New Roman" panose="02020603050405020304" pitchFamily="18" charset="0"/>
+              </a:rPr>
+              <a:t>) {</a:t>
+            </a:r>
+            <a:br>
+              <a:rPr lang="en-US" sz="1200" dirty="0">
+                <a:solidFill>
+                  <a:srgbClr val="000000"/>
+                </a:solidFill>
+                <a:latin typeface="Courier New" panose="02070309020205020404" pitchFamily="49" charset="0"/>
+                <a:ea typeface="Times New Roman" panose="02020603050405020304" pitchFamily="18" charset="0"/>
+              </a:rPr>
+            </a:br>
+            <a:r>
+              <a:rPr lang="en-US" sz="1200" dirty="0">
+                <a:solidFill>
+                  <a:srgbClr val="000000"/>
+                </a:solidFill>
+                <a:latin typeface="Courier New" panose="02070309020205020404" pitchFamily="49" charset="0"/>
+                <a:ea typeface="Times New Roman" panose="02020603050405020304" pitchFamily="18" charset="0"/>
+              </a:rPr>
+              <a:t>            </a:t>
+            </a:r>
+            <a:r>
+              <a:rPr lang="en-US" sz="1200" b="1" i="1" dirty="0">
+                <a:solidFill>
+                  <a:srgbClr val="660E7A"/>
+                </a:solidFill>
+                <a:latin typeface="Courier New" panose="02070309020205020404" pitchFamily="49" charset="0"/>
+                <a:ea typeface="Times New Roman" panose="02020603050405020304" pitchFamily="18" charset="0"/>
+              </a:rPr>
+              <a:t>console</a:t>
+            </a:r>
+            <a:r>
+              <a:rPr lang="en-US" sz="1200" dirty="0">
+                <a:solidFill>
+                  <a:srgbClr val="000000"/>
+                </a:solidFill>
+                <a:latin typeface="Courier New" panose="02070309020205020404" pitchFamily="49" charset="0"/>
+                <a:ea typeface="Times New Roman" panose="02020603050405020304" pitchFamily="18" charset="0"/>
+              </a:rPr>
+              <a:t>.</a:t>
+            </a:r>
+            <a:r>
+              <a:rPr lang="en-US" sz="1200" dirty="0">
+                <a:solidFill>
+                  <a:srgbClr val="7A7A43"/>
+                </a:solidFill>
+                <a:latin typeface="Courier New" panose="02070309020205020404" pitchFamily="49" charset="0"/>
+                <a:ea typeface="Times New Roman" panose="02020603050405020304" pitchFamily="18" charset="0"/>
+              </a:rPr>
+              <a:t>log</a:t>
+            </a:r>
+            <a:r>
+              <a:rPr lang="en-US" sz="1200" dirty="0">
+                <a:solidFill>
+                  <a:srgbClr val="000000"/>
+                </a:solidFill>
+                <a:latin typeface="Courier New" panose="02070309020205020404" pitchFamily="49" charset="0"/>
+                <a:ea typeface="Times New Roman" panose="02020603050405020304" pitchFamily="18" charset="0"/>
+              </a:rPr>
+              <a:t>(</a:t>
+            </a:r>
+            <a:r>
+              <a:rPr lang="en-US" sz="1200" dirty="0" err="1">
+                <a:solidFill>
+                  <a:srgbClr val="000000"/>
+                </a:solidFill>
+                <a:latin typeface="Courier New" panose="02070309020205020404" pitchFamily="49" charset="0"/>
+                <a:ea typeface="Times New Roman" panose="02020603050405020304" pitchFamily="18" charset="0"/>
+              </a:rPr>
+              <a:t>contactService</a:t>
+            </a:r>
+            <a:r>
+              <a:rPr lang="en-US" sz="1200" dirty="0">
+                <a:solidFill>
+                  <a:srgbClr val="000000"/>
+                </a:solidFill>
+                <a:latin typeface="Courier New" panose="02070309020205020404" pitchFamily="49" charset="0"/>
+                <a:ea typeface="Times New Roman" panose="02020603050405020304" pitchFamily="18" charset="0"/>
+              </a:rPr>
+              <a:t>);</a:t>
+            </a:r>
+            <a:br>
+              <a:rPr lang="en-US" sz="1200" dirty="0">
+                <a:solidFill>
+                  <a:srgbClr val="000000"/>
+                </a:solidFill>
+                <a:latin typeface="Courier New" panose="02070309020205020404" pitchFamily="49" charset="0"/>
+                <a:ea typeface="Times New Roman" panose="02020603050405020304" pitchFamily="18" charset="0"/>
+              </a:rPr>
+            </a:br>
+            <a:r>
+              <a:rPr lang="en-US" sz="1200" dirty="0">
+                <a:solidFill>
+                  <a:srgbClr val="000000"/>
+                </a:solidFill>
+                <a:latin typeface="Courier New" panose="02070309020205020404" pitchFamily="49" charset="0"/>
+                <a:ea typeface="Times New Roman" panose="02020603050405020304" pitchFamily="18" charset="0"/>
+              </a:rPr>
+              <a:t>        }</a:t>
+            </a:r>
+            <a:br>
+              <a:rPr lang="en-US" sz="1200" dirty="0">
+                <a:solidFill>
+                  <a:srgbClr val="000000"/>
+                </a:solidFill>
+                <a:latin typeface="Courier New" panose="02070309020205020404" pitchFamily="49" charset="0"/>
+                <a:ea typeface="Times New Roman" panose="02020603050405020304" pitchFamily="18" charset="0"/>
+              </a:rPr>
+            </a:br>
+            <a:r>
+              <a:rPr lang="en-US" sz="1200" dirty="0">
+                <a:solidFill>
+                  <a:srgbClr val="000000"/>
+                </a:solidFill>
+                <a:latin typeface="Courier New" panose="02070309020205020404" pitchFamily="49" charset="0"/>
+                <a:ea typeface="Times New Roman" panose="02020603050405020304" pitchFamily="18" charset="0"/>
+              </a:rPr>
+              <a:t>    }</a:t>
+            </a:r>
+            <a:br>
+              <a:rPr lang="en-US" sz="1200" dirty="0">
+                <a:solidFill>
+                  <a:srgbClr val="000000"/>
+                </a:solidFill>
+                <a:latin typeface="Courier New" panose="02070309020205020404" pitchFamily="49" charset="0"/>
+                <a:ea typeface="Times New Roman" panose="02020603050405020304" pitchFamily="18" charset="0"/>
+              </a:rPr>
+            </a:br>
+            <a:r>
+              <a:rPr lang="en-US" sz="1200" dirty="0">
+                <a:solidFill>
+                  <a:srgbClr val="000000"/>
+                </a:solidFill>
+                <a:latin typeface="Courier New" panose="02070309020205020404" pitchFamily="49" charset="0"/>
+                <a:ea typeface="Times New Roman" panose="02020603050405020304" pitchFamily="18" charset="0"/>
+              </a:rPr>
+              <a:t/>
+            </a:r>
+            <a:br>
+              <a:rPr lang="en-US" sz="1200" dirty="0">
+                <a:solidFill>
+                  <a:srgbClr val="000000"/>
+                </a:solidFill>
+                <a:latin typeface="Courier New" panose="02070309020205020404" pitchFamily="49" charset="0"/>
+                <a:ea typeface="Times New Roman" panose="02020603050405020304" pitchFamily="18" charset="0"/>
+              </a:rPr>
+            </a:br>
+            <a:r>
+              <a:rPr lang="en-US" sz="1200" dirty="0">
+                <a:solidFill>
+                  <a:srgbClr val="000000"/>
+                </a:solidFill>
+                <a:latin typeface="Courier New" panose="02070309020205020404" pitchFamily="49" charset="0"/>
+                <a:ea typeface="Times New Roman" panose="02020603050405020304" pitchFamily="18" charset="0"/>
+              </a:rPr>
+              <a:t>    @</a:t>
+            </a:r>
+            <a:r>
+              <a:rPr lang="en-US" sz="1200" dirty="0" err="1">
+                <a:solidFill>
+                  <a:srgbClr val="000000"/>
+                </a:solidFill>
+                <a:latin typeface="Courier New" panose="02070309020205020404" pitchFamily="49" charset="0"/>
+                <a:ea typeface="Times New Roman" panose="02020603050405020304" pitchFamily="18" charset="0"/>
+              </a:rPr>
+              <a:t>NgModule</a:t>
+            </a:r>
+            <a:r>
+              <a:rPr lang="en-US" sz="1200" dirty="0">
+                <a:solidFill>
+                  <a:srgbClr val="000000"/>
+                </a:solidFill>
+                <a:latin typeface="Courier New" panose="02070309020205020404" pitchFamily="49" charset="0"/>
+                <a:ea typeface="Times New Roman" panose="02020603050405020304" pitchFamily="18" charset="0"/>
+              </a:rPr>
+              <a:t>({</a:t>
+            </a:r>
+            <a:br>
+              <a:rPr lang="en-US" sz="1200" dirty="0">
+                <a:solidFill>
+                  <a:srgbClr val="000000"/>
+                </a:solidFill>
+                <a:latin typeface="Courier New" panose="02070309020205020404" pitchFamily="49" charset="0"/>
+                <a:ea typeface="Times New Roman" panose="02020603050405020304" pitchFamily="18" charset="0"/>
+              </a:rPr>
+            </a:br>
+            <a:r>
+              <a:rPr lang="en-US" sz="1200" dirty="0">
+                <a:solidFill>
+                  <a:srgbClr val="000000"/>
+                </a:solidFill>
+                <a:latin typeface="Courier New" panose="02070309020205020404" pitchFamily="49" charset="0"/>
+                <a:ea typeface="Times New Roman" panose="02020603050405020304" pitchFamily="18" charset="0"/>
+              </a:rPr>
+              <a:t>        </a:t>
+            </a:r>
+            <a:r>
+              <a:rPr lang="en-US" sz="1200" b="1" dirty="0">
+                <a:solidFill>
+                  <a:srgbClr val="660E7A"/>
+                </a:solidFill>
+                <a:latin typeface="Courier New" panose="02070309020205020404" pitchFamily="49" charset="0"/>
+                <a:ea typeface="Times New Roman" panose="02020603050405020304" pitchFamily="18" charset="0"/>
+              </a:rPr>
+              <a:t>imports</a:t>
+            </a:r>
+            <a:r>
+              <a:rPr lang="en-US" sz="1200" dirty="0">
+                <a:solidFill>
+                  <a:srgbClr val="000000"/>
+                </a:solidFill>
+                <a:latin typeface="Courier New" panose="02070309020205020404" pitchFamily="49" charset="0"/>
+                <a:ea typeface="Times New Roman" panose="02020603050405020304" pitchFamily="18" charset="0"/>
+              </a:rPr>
+              <a:t>: [</a:t>
+            </a:r>
+            <a:br>
+              <a:rPr lang="en-US" sz="1200" dirty="0">
+                <a:solidFill>
+                  <a:srgbClr val="000000"/>
+                </a:solidFill>
+                <a:latin typeface="Courier New" panose="02070309020205020404" pitchFamily="49" charset="0"/>
+                <a:ea typeface="Times New Roman" panose="02020603050405020304" pitchFamily="18" charset="0"/>
+              </a:rPr>
+            </a:br>
+            <a:r>
+              <a:rPr lang="en-US" sz="1200" dirty="0">
+                <a:solidFill>
+                  <a:srgbClr val="000000"/>
+                </a:solidFill>
+                <a:latin typeface="Courier New" panose="02070309020205020404" pitchFamily="49" charset="0"/>
+                <a:ea typeface="Times New Roman" panose="02020603050405020304" pitchFamily="18" charset="0"/>
+              </a:rPr>
+              <a:t>            </a:t>
+            </a:r>
+            <a:r>
+              <a:rPr lang="en-US" sz="1200" dirty="0" err="1">
+                <a:solidFill>
+                  <a:srgbClr val="000000"/>
+                </a:solidFill>
+                <a:latin typeface="Courier New" panose="02070309020205020404" pitchFamily="49" charset="0"/>
+                <a:ea typeface="Times New Roman" panose="02020603050405020304" pitchFamily="18" charset="0"/>
+              </a:rPr>
+              <a:t>CommonModule</a:t>
+            </a:r>
+            <a:r>
+              <a:rPr lang="en-US" sz="1200" dirty="0">
+                <a:solidFill>
+                  <a:srgbClr val="000000"/>
+                </a:solidFill>
+                <a:latin typeface="Courier New" panose="02070309020205020404" pitchFamily="49" charset="0"/>
+                <a:ea typeface="Times New Roman" panose="02020603050405020304" pitchFamily="18" charset="0"/>
+              </a:rPr>
+              <a:t/>
+            </a:r>
+            <a:br>
+              <a:rPr lang="en-US" sz="1200" dirty="0">
+                <a:solidFill>
+                  <a:srgbClr val="000000"/>
+                </a:solidFill>
+                <a:latin typeface="Courier New" panose="02070309020205020404" pitchFamily="49" charset="0"/>
+                <a:ea typeface="Times New Roman" panose="02020603050405020304" pitchFamily="18" charset="0"/>
+              </a:rPr>
+            </a:br>
+            <a:r>
+              <a:rPr lang="en-US" sz="1200" dirty="0">
+                <a:solidFill>
+                  <a:srgbClr val="000000"/>
+                </a:solidFill>
+                <a:latin typeface="Courier New" panose="02070309020205020404" pitchFamily="49" charset="0"/>
+                <a:ea typeface="Times New Roman" panose="02020603050405020304" pitchFamily="18" charset="0"/>
+              </a:rPr>
+              <a:t>        ],</a:t>
+            </a:r>
+            <a:br>
+              <a:rPr lang="en-US" sz="1200" dirty="0">
+                <a:solidFill>
+                  <a:srgbClr val="000000"/>
+                </a:solidFill>
+                <a:latin typeface="Courier New" panose="02070309020205020404" pitchFamily="49" charset="0"/>
+                <a:ea typeface="Times New Roman" panose="02020603050405020304" pitchFamily="18" charset="0"/>
+              </a:rPr>
+            </a:br>
+            <a:r>
+              <a:rPr lang="en-US" sz="1200" dirty="0">
+                <a:solidFill>
+                  <a:srgbClr val="000000"/>
+                </a:solidFill>
+                <a:latin typeface="Courier New" panose="02070309020205020404" pitchFamily="49" charset="0"/>
+                <a:ea typeface="Times New Roman" panose="02020603050405020304" pitchFamily="18" charset="0"/>
+              </a:rPr>
+              <a:t>        </a:t>
+            </a:r>
+            <a:r>
+              <a:rPr lang="en-US" sz="1200" b="1" dirty="0">
+                <a:solidFill>
+                  <a:srgbClr val="660E7A"/>
+                </a:solidFill>
+                <a:latin typeface="Courier New" panose="02070309020205020404" pitchFamily="49" charset="0"/>
+                <a:ea typeface="Times New Roman" panose="02020603050405020304" pitchFamily="18" charset="0"/>
+              </a:rPr>
+              <a:t>declarations</a:t>
+            </a:r>
+            <a:r>
+              <a:rPr lang="en-US" sz="1200" dirty="0">
+                <a:solidFill>
+                  <a:srgbClr val="000000"/>
+                </a:solidFill>
+                <a:latin typeface="Courier New" panose="02070309020205020404" pitchFamily="49" charset="0"/>
+                <a:ea typeface="Times New Roman" panose="02020603050405020304" pitchFamily="18" charset="0"/>
+              </a:rPr>
+              <a:t>: [</a:t>
+            </a:r>
+            <a:r>
+              <a:rPr lang="en-US" sz="1200" dirty="0" err="1">
+                <a:solidFill>
+                  <a:srgbClr val="000000"/>
+                </a:solidFill>
+                <a:latin typeface="Courier New" panose="02070309020205020404" pitchFamily="49" charset="0"/>
+                <a:ea typeface="Times New Roman" panose="02020603050405020304" pitchFamily="18" charset="0"/>
+              </a:rPr>
+              <a:t>DynamicComponent</a:t>
+            </a:r>
+            <a:r>
+              <a:rPr lang="en-US" sz="1200" dirty="0">
+                <a:solidFill>
+                  <a:srgbClr val="000000"/>
+                </a:solidFill>
+                <a:latin typeface="Courier New" panose="02070309020205020404" pitchFamily="49" charset="0"/>
+                <a:ea typeface="Times New Roman" panose="02020603050405020304" pitchFamily="18" charset="0"/>
+              </a:rPr>
+              <a:t>],</a:t>
+            </a:r>
+            <a:br>
+              <a:rPr lang="en-US" sz="1200" dirty="0">
+                <a:solidFill>
+                  <a:srgbClr val="000000"/>
+                </a:solidFill>
+                <a:latin typeface="Courier New" panose="02070309020205020404" pitchFamily="49" charset="0"/>
+                <a:ea typeface="Times New Roman" panose="02020603050405020304" pitchFamily="18" charset="0"/>
+              </a:rPr>
+            </a:br>
+            <a:r>
+              <a:rPr lang="en-US" sz="1200" dirty="0">
+                <a:solidFill>
+                  <a:srgbClr val="000000"/>
+                </a:solidFill>
+                <a:latin typeface="Courier New" panose="02070309020205020404" pitchFamily="49" charset="0"/>
+                <a:ea typeface="Times New Roman" panose="02020603050405020304" pitchFamily="18" charset="0"/>
+              </a:rPr>
+              <a:t>    })</a:t>
+            </a:r>
+            <a:br>
+              <a:rPr lang="en-US" sz="1200" dirty="0">
+                <a:solidFill>
+                  <a:srgbClr val="000000"/>
+                </a:solidFill>
+                <a:latin typeface="Courier New" panose="02070309020205020404" pitchFamily="49" charset="0"/>
+                <a:ea typeface="Times New Roman" panose="02020603050405020304" pitchFamily="18" charset="0"/>
+              </a:rPr>
+            </a:br>
+            <a:r>
+              <a:rPr lang="en-US" sz="1200" dirty="0">
+                <a:solidFill>
+                  <a:srgbClr val="000000"/>
+                </a:solidFill>
+                <a:latin typeface="Courier New" panose="02070309020205020404" pitchFamily="49" charset="0"/>
+                <a:ea typeface="Times New Roman" panose="02020603050405020304" pitchFamily="18" charset="0"/>
+              </a:rPr>
+              <a:t>    </a:t>
+            </a:r>
+            <a:r>
+              <a:rPr lang="en-US" sz="1200" b="1" dirty="0">
+                <a:solidFill>
+                  <a:srgbClr val="000080"/>
+                </a:solidFill>
+                <a:latin typeface="Courier New" panose="02070309020205020404" pitchFamily="49" charset="0"/>
+                <a:ea typeface="Times New Roman" panose="02020603050405020304" pitchFamily="18" charset="0"/>
+              </a:rPr>
+              <a:t>class </a:t>
+            </a:r>
+            <a:r>
+              <a:rPr lang="en-US" sz="1200" dirty="0" err="1">
+                <a:solidFill>
+                  <a:srgbClr val="000000"/>
+                </a:solidFill>
+                <a:latin typeface="Courier New" panose="02070309020205020404" pitchFamily="49" charset="0"/>
+                <a:ea typeface="Times New Roman" panose="02020603050405020304" pitchFamily="18" charset="0"/>
+              </a:rPr>
+              <a:t>DynamicModule</a:t>
+            </a:r>
+            <a:r>
+              <a:rPr lang="en-US" sz="1200" dirty="0">
+                <a:solidFill>
+                  <a:srgbClr val="000000"/>
+                </a:solidFill>
+                <a:latin typeface="Courier New" panose="02070309020205020404" pitchFamily="49" charset="0"/>
+                <a:ea typeface="Times New Roman" panose="02020603050405020304" pitchFamily="18" charset="0"/>
+              </a:rPr>
+              <a:t> {</a:t>
+            </a:r>
+            <a:br>
+              <a:rPr lang="en-US" sz="1200" dirty="0">
+                <a:solidFill>
+                  <a:srgbClr val="000000"/>
+                </a:solidFill>
+                <a:latin typeface="Courier New" panose="02070309020205020404" pitchFamily="49" charset="0"/>
+                <a:ea typeface="Times New Roman" panose="02020603050405020304" pitchFamily="18" charset="0"/>
+              </a:rPr>
+            </a:br>
+            <a:r>
+              <a:rPr lang="en-US" sz="1200" dirty="0">
+                <a:solidFill>
+                  <a:srgbClr val="000000"/>
+                </a:solidFill>
+                <a:latin typeface="Courier New" panose="02070309020205020404" pitchFamily="49" charset="0"/>
+                <a:ea typeface="Times New Roman" panose="02020603050405020304" pitchFamily="18" charset="0"/>
+              </a:rPr>
+              <a:t>    }</a:t>
+            </a:r>
+            <a:br>
+              <a:rPr lang="en-US" sz="1200" dirty="0">
+                <a:solidFill>
+                  <a:srgbClr val="000000"/>
+                </a:solidFill>
+                <a:latin typeface="Courier New" panose="02070309020205020404" pitchFamily="49" charset="0"/>
+                <a:ea typeface="Times New Roman" panose="02020603050405020304" pitchFamily="18" charset="0"/>
+              </a:rPr>
+            </a:br>
+            <a:r>
+              <a:rPr lang="en-US" sz="1200" dirty="0">
+                <a:solidFill>
+                  <a:srgbClr val="000000"/>
+                </a:solidFill>
+                <a:latin typeface="Courier New" panose="02070309020205020404" pitchFamily="49" charset="0"/>
+                <a:ea typeface="Times New Roman" panose="02020603050405020304" pitchFamily="18" charset="0"/>
+              </a:rPr>
+              <a:t/>
+            </a:r>
+            <a:br>
+              <a:rPr lang="en-US" sz="1200" dirty="0">
+                <a:solidFill>
+                  <a:srgbClr val="000000"/>
+                </a:solidFill>
+                <a:latin typeface="Courier New" panose="02070309020205020404" pitchFamily="49" charset="0"/>
+                <a:ea typeface="Times New Roman" panose="02020603050405020304" pitchFamily="18" charset="0"/>
+              </a:rPr>
+            </a:br>
+            <a:r>
+              <a:rPr lang="en-US" sz="1200" dirty="0">
+                <a:solidFill>
+                  <a:srgbClr val="000000"/>
+                </a:solidFill>
+                <a:latin typeface="Courier New" panose="02070309020205020404" pitchFamily="49" charset="0"/>
+                <a:ea typeface="Times New Roman" panose="02020603050405020304" pitchFamily="18" charset="0"/>
+              </a:rPr>
+              <a:t>    </a:t>
+            </a:r>
+            <a:r>
+              <a:rPr lang="en-US" sz="1200" b="1" dirty="0" err="1">
+                <a:solidFill>
+                  <a:srgbClr val="000080"/>
+                </a:solidFill>
+                <a:latin typeface="Courier New" panose="02070309020205020404" pitchFamily="49" charset="0"/>
+                <a:ea typeface="Times New Roman" panose="02020603050405020304" pitchFamily="18" charset="0"/>
+              </a:rPr>
+              <a:t>const</a:t>
+            </a:r>
+            <a:r>
+              <a:rPr lang="en-US" sz="1200" b="1" dirty="0">
+                <a:solidFill>
+                  <a:srgbClr val="000080"/>
+                </a:solidFill>
+                <a:latin typeface="Courier New" panose="02070309020205020404" pitchFamily="49" charset="0"/>
+                <a:ea typeface="Times New Roman" panose="02020603050405020304" pitchFamily="18" charset="0"/>
+              </a:rPr>
+              <a:t> </a:t>
+            </a:r>
+            <a:r>
+              <a:rPr lang="en-US" sz="1200" dirty="0" err="1">
+                <a:solidFill>
+                  <a:srgbClr val="458383"/>
+                </a:solidFill>
+                <a:latin typeface="Courier New" panose="02070309020205020404" pitchFamily="49" charset="0"/>
+                <a:ea typeface="Times New Roman" panose="02020603050405020304" pitchFamily="18" charset="0"/>
+              </a:rPr>
+              <a:t>moduleFactory</a:t>
+            </a:r>
+            <a:r>
+              <a:rPr lang="en-US" sz="1200" dirty="0">
+                <a:solidFill>
+                  <a:srgbClr val="458383"/>
+                </a:solidFill>
+                <a:latin typeface="Courier New" panose="02070309020205020404" pitchFamily="49" charset="0"/>
+                <a:ea typeface="Times New Roman" panose="02020603050405020304" pitchFamily="18" charset="0"/>
+              </a:rPr>
+              <a:t> </a:t>
+            </a:r>
+            <a:r>
+              <a:rPr lang="en-US" sz="1200" dirty="0">
+                <a:solidFill>
+                  <a:srgbClr val="000000"/>
+                </a:solidFill>
+                <a:latin typeface="Courier New" panose="02070309020205020404" pitchFamily="49" charset="0"/>
+                <a:ea typeface="Times New Roman" panose="02020603050405020304" pitchFamily="18" charset="0"/>
+              </a:rPr>
+              <a:t>= </a:t>
+            </a:r>
+            <a:r>
+              <a:rPr lang="en-US" sz="1200" b="1" dirty="0" err="1">
+                <a:solidFill>
+                  <a:srgbClr val="000080"/>
+                </a:solidFill>
+                <a:latin typeface="Courier New" panose="02070309020205020404" pitchFamily="49" charset="0"/>
+                <a:ea typeface="Times New Roman" panose="02020603050405020304" pitchFamily="18" charset="0"/>
+              </a:rPr>
+              <a:t>this</a:t>
+            </a:r>
+            <a:r>
+              <a:rPr lang="en-US" sz="1200" dirty="0" err="1">
+                <a:solidFill>
+                  <a:srgbClr val="000000"/>
+                </a:solidFill>
+                <a:latin typeface="Courier New" panose="02070309020205020404" pitchFamily="49" charset="0"/>
+                <a:ea typeface="Times New Roman" panose="02020603050405020304" pitchFamily="18" charset="0"/>
+              </a:rPr>
+              <a:t>.compiler.</a:t>
+            </a:r>
+            <a:r>
+              <a:rPr lang="en-US" sz="1200" dirty="0" err="1">
+                <a:solidFill>
+                  <a:srgbClr val="7A7A43"/>
+                </a:solidFill>
+                <a:latin typeface="Courier New" panose="02070309020205020404" pitchFamily="49" charset="0"/>
+                <a:ea typeface="Times New Roman" panose="02020603050405020304" pitchFamily="18" charset="0"/>
+              </a:rPr>
+              <a:t>compileModuleAndAllComponentsSync</a:t>
+            </a:r>
+            <a:r>
+              <a:rPr lang="en-US" sz="1200" dirty="0">
+                <a:solidFill>
+                  <a:srgbClr val="000000"/>
+                </a:solidFill>
+                <a:latin typeface="Courier New" panose="02070309020205020404" pitchFamily="49" charset="0"/>
+                <a:ea typeface="Times New Roman" panose="02020603050405020304" pitchFamily="18" charset="0"/>
+              </a:rPr>
+              <a:t>(</a:t>
+            </a:r>
+            <a:r>
+              <a:rPr lang="en-US" sz="1200" dirty="0" err="1">
+                <a:solidFill>
+                  <a:srgbClr val="000000"/>
+                </a:solidFill>
+                <a:latin typeface="Courier New" panose="02070309020205020404" pitchFamily="49" charset="0"/>
+                <a:ea typeface="Times New Roman" panose="02020603050405020304" pitchFamily="18" charset="0"/>
+              </a:rPr>
+              <a:t>DynamicModule</a:t>
+            </a:r>
+            <a:r>
+              <a:rPr lang="en-US" sz="1200" dirty="0">
+                <a:solidFill>
+                  <a:srgbClr val="000000"/>
+                </a:solidFill>
+                <a:latin typeface="Courier New" panose="02070309020205020404" pitchFamily="49" charset="0"/>
+                <a:ea typeface="Times New Roman" panose="02020603050405020304" pitchFamily="18" charset="0"/>
+              </a:rPr>
+              <a:t>);</a:t>
+            </a:r>
+            <a:br>
+              <a:rPr lang="en-US" sz="1200" dirty="0">
+                <a:solidFill>
+                  <a:srgbClr val="000000"/>
+                </a:solidFill>
+                <a:latin typeface="Courier New" panose="02070309020205020404" pitchFamily="49" charset="0"/>
+                <a:ea typeface="Times New Roman" panose="02020603050405020304" pitchFamily="18" charset="0"/>
+              </a:rPr>
+            </a:br>
+            <a:r>
+              <a:rPr lang="en-US" sz="1200" dirty="0">
+                <a:solidFill>
+                  <a:srgbClr val="000000"/>
+                </a:solidFill>
+                <a:latin typeface="Courier New" panose="02070309020205020404" pitchFamily="49" charset="0"/>
+                <a:ea typeface="Times New Roman" panose="02020603050405020304" pitchFamily="18" charset="0"/>
+              </a:rPr>
+              <a:t>    </a:t>
+            </a:r>
+            <a:r>
+              <a:rPr lang="en-US" sz="1200" b="1" dirty="0" err="1">
+                <a:solidFill>
+                  <a:srgbClr val="000080"/>
+                </a:solidFill>
+                <a:latin typeface="Courier New" panose="02070309020205020404" pitchFamily="49" charset="0"/>
+                <a:ea typeface="Times New Roman" panose="02020603050405020304" pitchFamily="18" charset="0"/>
+              </a:rPr>
+              <a:t>const</a:t>
+            </a:r>
+            <a:r>
+              <a:rPr lang="en-US" sz="1200" b="1" dirty="0">
+                <a:solidFill>
+                  <a:srgbClr val="000080"/>
+                </a:solidFill>
+                <a:latin typeface="Courier New" panose="02070309020205020404" pitchFamily="49" charset="0"/>
+                <a:ea typeface="Times New Roman" panose="02020603050405020304" pitchFamily="18" charset="0"/>
+              </a:rPr>
+              <a:t> </a:t>
+            </a:r>
+            <a:r>
+              <a:rPr lang="en-US" sz="1200" dirty="0" err="1">
+                <a:solidFill>
+                  <a:srgbClr val="458383"/>
+                </a:solidFill>
+                <a:latin typeface="Courier New" panose="02070309020205020404" pitchFamily="49" charset="0"/>
+                <a:ea typeface="Times New Roman" panose="02020603050405020304" pitchFamily="18" charset="0"/>
+              </a:rPr>
+              <a:t>componentFactory</a:t>
+            </a:r>
+            <a:r>
+              <a:rPr lang="en-US" sz="1200" dirty="0">
+                <a:solidFill>
+                  <a:srgbClr val="458383"/>
+                </a:solidFill>
+                <a:latin typeface="Courier New" panose="02070309020205020404" pitchFamily="49" charset="0"/>
+                <a:ea typeface="Times New Roman" panose="02020603050405020304" pitchFamily="18" charset="0"/>
+              </a:rPr>
+              <a:t> </a:t>
+            </a:r>
+            <a:r>
+              <a:rPr lang="en-US" sz="1200" dirty="0">
+                <a:solidFill>
+                  <a:srgbClr val="000000"/>
+                </a:solidFill>
+                <a:latin typeface="Courier New" panose="02070309020205020404" pitchFamily="49" charset="0"/>
+                <a:ea typeface="Times New Roman" panose="02020603050405020304" pitchFamily="18" charset="0"/>
+              </a:rPr>
+              <a:t>= </a:t>
+            </a:r>
+            <a:r>
+              <a:rPr lang="en-US" sz="1200" dirty="0" err="1">
+                <a:solidFill>
+                  <a:srgbClr val="458383"/>
+                </a:solidFill>
+                <a:latin typeface="Courier New" panose="02070309020205020404" pitchFamily="49" charset="0"/>
+                <a:ea typeface="Times New Roman" panose="02020603050405020304" pitchFamily="18" charset="0"/>
+              </a:rPr>
+              <a:t>moduleFactory</a:t>
+            </a:r>
+            <a:r>
+              <a:rPr lang="en-US" sz="1200" dirty="0" err="1">
+                <a:solidFill>
+                  <a:srgbClr val="000000"/>
+                </a:solidFill>
+                <a:latin typeface="Courier New" panose="02070309020205020404" pitchFamily="49" charset="0"/>
+                <a:ea typeface="Times New Roman" panose="02020603050405020304" pitchFamily="18" charset="0"/>
+              </a:rPr>
+              <a:t>.</a:t>
+            </a:r>
+            <a:r>
+              <a:rPr lang="en-US" sz="1200" b="1" dirty="0" err="1">
+                <a:solidFill>
+                  <a:srgbClr val="660E7A"/>
+                </a:solidFill>
+                <a:latin typeface="Courier New" panose="02070309020205020404" pitchFamily="49" charset="0"/>
+                <a:ea typeface="Times New Roman" panose="02020603050405020304" pitchFamily="18" charset="0"/>
+              </a:rPr>
+              <a:t>componentFactories</a:t>
+            </a:r>
+            <a:r>
+              <a:rPr lang="en-US" sz="1200" dirty="0">
+                <a:solidFill>
+                  <a:srgbClr val="000000"/>
+                </a:solidFill>
+                <a:latin typeface="Courier New" panose="02070309020205020404" pitchFamily="49" charset="0"/>
+                <a:ea typeface="Times New Roman" panose="02020603050405020304" pitchFamily="18" charset="0"/>
+              </a:rPr>
+              <a:t>[</a:t>
+            </a:r>
+            <a:r>
+              <a:rPr lang="en-US" sz="1200" dirty="0">
+                <a:solidFill>
+                  <a:srgbClr val="0000FF"/>
+                </a:solidFill>
+                <a:latin typeface="Courier New" panose="02070309020205020404" pitchFamily="49" charset="0"/>
+                <a:ea typeface="Times New Roman" panose="02020603050405020304" pitchFamily="18" charset="0"/>
+              </a:rPr>
+              <a:t>0</a:t>
+            </a:r>
+            <a:r>
+              <a:rPr lang="en-US" sz="1200" dirty="0">
+                <a:solidFill>
+                  <a:srgbClr val="000000"/>
+                </a:solidFill>
+                <a:latin typeface="Courier New" panose="02070309020205020404" pitchFamily="49" charset="0"/>
+                <a:ea typeface="Times New Roman" panose="02020603050405020304" pitchFamily="18" charset="0"/>
+              </a:rPr>
+              <a:t>];</a:t>
+            </a:r>
+            <a:br>
+              <a:rPr lang="en-US" sz="1200" dirty="0">
+                <a:solidFill>
+                  <a:srgbClr val="000000"/>
+                </a:solidFill>
+                <a:latin typeface="Courier New" panose="02070309020205020404" pitchFamily="49" charset="0"/>
+                <a:ea typeface="Times New Roman" panose="02020603050405020304" pitchFamily="18" charset="0"/>
+              </a:rPr>
+            </a:br>
+            <a:r>
+              <a:rPr lang="en-US" sz="1200" dirty="0">
+                <a:solidFill>
+                  <a:srgbClr val="000000"/>
+                </a:solidFill>
+                <a:latin typeface="Courier New" panose="02070309020205020404" pitchFamily="49" charset="0"/>
+                <a:ea typeface="Times New Roman" panose="02020603050405020304" pitchFamily="18" charset="0"/>
+              </a:rPr>
+              <a:t/>
+            </a:r>
+            <a:br>
+              <a:rPr lang="en-US" sz="1200" dirty="0">
+                <a:solidFill>
+                  <a:srgbClr val="000000"/>
+                </a:solidFill>
+                <a:latin typeface="Courier New" panose="02070309020205020404" pitchFamily="49" charset="0"/>
+                <a:ea typeface="Times New Roman" panose="02020603050405020304" pitchFamily="18" charset="0"/>
+              </a:rPr>
+            </a:br>
+            <a:r>
+              <a:rPr lang="en-US" sz="1200" dirty="0">
+                <a:solidFill>
+                  <a:srgbClr val="000000"/>
+                </a:solidFill>
+                <a:latin typeface="Courier New" panose="02070309020205020404" pitchFamily="49" charset="0"/>
+                <a:ea typeface="Times New Roman" panose="02020603050405020304" pitchFamily="18" charset="0"/>
+              </a:rPr>
+              <a:t>    </a:t>
+            </a:r>
+            <a:r>
+              <a:rPr lang="en-US" sz="1200" b="1" dirty="0">
+                <a:solidFill>
+                  <a:srgbClr val="000080"/>
+                </a:solidFill>
+                <a:latin typeface="Courier New" panose="02070309020205020404" pitchFamily="49" charset="0"/>
+                <a:ea typeface="Times New Roman" panose="02020603050405020304" pitchFamily="18" charset="0"/>
+              </a:rPr>
+              <a:t>return </a:t>
+            </a:r>
+            <a:r>
+              <a:rPr lang="en-US" sz="1200" dirty="0" err="1">
+                <a:solidFill>
+                  <a:srgbClr val="458383"/>
+                </a:solidFill>
+                <a:latin typeface="Courier New" panose="02070309020205020404" pitchFamily="49" charset="0"/>
+                <a:ea typeface="Times New Roman" panose="02020603050405020304" pitchFamily="18" charset="0"/>
+              </a:rPr>
+              <a:t>componentFactory</a:t>
+            </a:r>
+            <a:r>
+              <a:rPr lang="en-US" sz="1200" dirty="0">
+                <a:solidFill>
+                  <a:srgbClr val="000000"/>
+                </a:solidFill>
+                <a:latin typeface="Courier New" panose="02070309020205020404" pitchFamily="49" charset="0"/>
+                <a:ea typeface="Times New Roman" panose="02020603050405020304" pitchFamily="18" charset="0"/>
+              </a:rPr>
+              <a:t>;</a:t>
+            </a:r>
+            <a:br>
+              <a:rPr lang="en-US" sz="1200" dirty="0">
+                <a:solidFill>
+                  <a:srgbClr val="000000"/>
+                </a:solidFill>
+                <a:latin typeface="Courier New" panose="02070309020205020404" pitchFamily="49" charset="0"/>
+                <a:ea typeface="Times New Roman" panose="02020603050405020304" pitchFamily="18" charset="0"/>
+              </a:rPr>
+            </a:br>
+            <a:r>
+              <a:rPr lang="en-US" sz="1200" dirty="0">
+                <a:solidFill>
+                  <a:srgbClr val="000000"/>
+                </a:solidFill>
+                <a:latin typeface="Courier New" panose="02070309020205020404" pitchFamily="49" charset="0"/>
+                <a:ea typeface="Times New Roman" panose="02020603050405020304" pitchFamily="18" charset="0"/>
+              </a:rPr>
+              <a:t>}</a:t>
+            </a:r>
+            <a:endParaRPr lang="en-US" sz="1200" dirty="0"/>
+          </a:p>
+        </p:txBody>
+      </p:sp>
+      <p:sp>
+        <p:nvSpPr>
           <p:cNvPr id="2" name="Title 1"/>
           <p:cNvSpPr>
             <a:spLocks noGrp="1"/>
@@ -25748,570 +25791,218 @@
           </a:p>
         </p:txBody>
       </p:sp>
-      <p:sp>
-        <p:nvSpPr>
-          <p:cNvPr id="7" name="Rectangle 6"/>
-          <p:cNvSpPr/>
+      <p:grpSp>
+        <p:nvGrpSpPr>
+          <p:cNvPr id="6" name="Group 5"/>
+          <p:cNvGrpSpPr/>
           <p:nvPr/>
-        </p:nvSpPr>
-        <p:spPr>
+        </p:nvGrpSpPr>
+        <p:grpSpPr>
           <a:xfrm>
-            <a:off x="2457383" y="1772816"/>
-            <a:ext cx="4463930" cy="3970318"/>
+            <a:off x="3105172" y="2081118"/>
+            <a:ext cx="4569324" cy="1296144"/>
+            <a:chOff x="-1982058" y="5490724"/>
+            <a:chExt cx="4569324" cy="1296144"/>
           </a:xfrm>
-          <a:prstGeom prst="rect">
-            <a:avLst/>
-          </a:prstGeom>
-          <a:solidFill>
-            <a:schemeClr val="accent1">
-              <a:lumMod val="40000"/>
-              <a:lumOff val="60000"/>
-            </a:schemeClr>
-          </a:solidFill>
-        </p:spPr>
-        <p:txBody>
-          <a:bodyPr wrap="square">
-            <a:spAutoFit/>
-          </a:bodyPr>
-          <a:lstStyle/>
-          <a:p>
-            <a:r>
-              <a:rPr lang="en-US" sz="1400" dirty="0" err="1">
-                <a:solidFill>
-                  <a:srgbClr val="000000"/>
-                </a:solidFill>
-                <a:latin typeface="Calibri" panose="020F0502020204030204" pitchFamily="34" charset="0"/>
-                <a:ea typeface="Calibri" panose="020F0502020204030204" pitchFamily="34" charset="0"/>
-                <a:cs typeface="Arial" panose="020B0604020202020204" pitchFamily="34" charset="0"/>
-              </a:rPr>
-              <a:t>createModuleWithComponent</a:t>
-            </a:r>
-            <a:r>
-              <a:rPr lang="en-US" sz="1400" dirty="0">
-                <a:solidFill>
-                  <a:srgbClr val="000000"/>
-                </a:solidFill>
-                <a:latin typeface="Calibri" panose="020F0502020204030204" pitchFamily="34" charset="0"/>
-                <a:ea typeface="Calibri" panose="020F0502020204030204" pitchFamily="34" charset="0"/>
-                <a:cs typeface="Arial" panose="020B0604020202020204" pitchFamily="34" charset="0"/>
-              </a:rPr>
-              <a:t>(template: </a:t>
-            </a:r>
-            <a:r>
-              <a:rPr lang="en-US" sz="1400" b="1" dirty="0">
-                <a:solidFill>
-                  <a:srgbClr val="000080"/>
-                </a:solidFill>
-                <a:latin typeface="Calibri" panose="020F0502020204030204" pitchFamily="34" charset="0"/>
-                <a:ea typeface="Calibri" panose="020F0502020204030204" pitchFamily="34" charset="0"/>
-                <a:cs typeface="Arial" panose="020B0604020202020204" pitchFamily="34" charset="0"/>
-              </a:rPr>
-              <a:t>string</a:t>
-            </a:r>
-            <a:r>
-              <a:rPr lang="en-US" sz="1400" dirty="0">
-                <a:solidFill>
-                  <a:srgbClr val="000000"/>
-                </a:solidFill>
-                <a:latin typeface="Calibri" panose="020F0502020204030204" pitchFamily="34" charset="0"/>
-                <a:ea typeface="Calibri" panose="020F0502020204030204" pitchFamily="34" charset="0"/>
-                <a:cs typeface="Arial" panose="020B0604020202020204" pitchFamily="34" charset="0"/>
-              </a:rPr>
-              <a:t>) {</a:t>
-            </a:r>
-            <a:br>
-              <a:rPr lang="en-US" sz="1400" dirty="0">
-                <a:solidFill>
-                  <a:srgbClr val="000000"/>
-                </a:solidFill>
-                <a:latin typeface="Calibri" panose="020F0502020204030204" pitchFamily="34" charset="0"/>
-                <a:ea typeface="Calibri" panose="020F0502020204030204" pitchFamily="34" charset="0"/>
-                <a:cs typeface="Arial" panose="020B0604020202020204" pitchFamily="34" charset="0"/>
-              </a:rPr>
-            </a:br>
-            <a:r>
-              <a:rPr lang="en-US" sz="1400" dirty="0">
-                <a:solidFill>
-                  <a:srgbClr val="000000"/>
-                </a:solidFill>
-                <a:latin typeface="Calibri" panose="020F0502020204030204" pitchFamily="34" charset="0"/>
-                <a:ea typeface="Calibri" panose="020F0502020204030204" pitchFamily="34" charset="0"/>
-                <a:cs typeface="Arial" panose="020B0604020202020204" pitchFamily="34" charset="0"/>
-              </a:rPr>
-              <a:t>    @Component({</a:t>
-            </a:r>
-            <a:br>
-              <a:rPr lang="en-US" sz="1400" dirty="0">
-                <a:solidFill>
-                  <a:srgbClr val="000000"/>
-                </a:solidFill>
-                <a:latin typeface="Calibri" panose="020F0502020204030204" pitchFamily="34" charset="0"/>
-                <a:ea typeface="Calibri" panose="020F0502020204030204" pitchFamily="34" charset="0"/>
-                <a:cs typeface="Arial" panose="020B0604020202020204" pitchFamily="34" charset="0"/>
-              </a:rPr>
-            </a:br>
-            <a:r>
-              <a:rPr lang="en-US" sz="1400" dirty="0">
-                <a:solidFill>
-                  <a:srgbClr val="000000"/>
-                </a:solidFill>
-                <a:latin typeface="Calibri" panose="020F0502020204030204" pitchFamily="34" charset="0"/>
-                <a:ea typeface="Calibri" panose="020F0502020204030204" pitchFamily="34" charset="0"/>
-                <a:cs typeface="Arial" panose="020B0604020202020204" pitchFamily="34" charset="0"/>
-              </a:rPr>
-              <a:t>        template: template,</a:t>
-            </a:r>
-            <a:br>
-              <a:rPr lang="en-US" sz="1400" dirty="0">
-                <a:solidFill>
-                  <a:srgbClr val="000000"/>
-                </a:solidFill>
-                <a:latin typeface="Calibri" panose="020F0502020204030204" pitchFamily="34" charset="0"/>
-                <a:ea typeface="Calibri" panose="020F0502020204030204" pitchFamily="34" charset="0"/>
-                <a:cs typeface="Arial" panose="020B0604020202020204" pitchFamily="34" charset="0"/>
-              </a:rPr>
-            </a:br>
-            <a:r>
-              <a:rPr lang="en-US" sz="1400" dirty="0">
-                <a:solidFill>
-                  <a:srgbClr val="000000"/>
-                </a:solidFill>
-                <a:latin typeface="Calibri" panose="020F0502020204030204" pitchFamily="34" charset="0"/>
-                <a:ea typeface="Calibri" panose="020F0502020204030204" pitchFamily="34" charset="0"/>
-                <a:cs typeface="Arial" panose="020B0604020202020204" pitchFamily="34" charset="0"/>
-              </a:rPr>
-              <a:t>    })</a:t>
-            </a:r>
-            <a:br>
-              <a:rPr lang="en-US" sz="1400" dirty="0">
-                <a:solidFill>
-                  <a:srgbClr val="000000"/>
-                </a:solidFill>
-                <a:latin typeface="Calibri" panose="020F0502020204030204" pitchFamily="34" charset="0"/>
-                <a:ea typeface="Calibri" panose="020F0502020204030204" pitchFamily="34" charset="0"/>
-                <a:cs typeface="Arial" panose="020B0604020202020204" pitchFamily="34" charset="0"/>
-              </a:rPr>
-            </a:br>
-            <a:r>
-              <a:rPr lang="en-US" sz="1400" dirty="0">
-                <a:solidFill>
-                  <a:srgbClr val="000000"/>
-                </a:solidFill>
-                <a:latin typeface="Calibri" panose="020F0502020204030204" pitchFamily="34" charset="0"/>
-                <a:ea typeface="Calibri" panose="020F0502020204030204" pitchFamily="34" charset="0"/>
-                <a:cs typeface="Arial" panose="020B0604020202020204" pitchFamily="34" charset="0"/>
-              </a:rPr>
-              <a:t>    </a:t>
-            </a:r>
-            <a:r>
-              <a:rPr lang="en-US" sz="1400" b="1" dirty="0">
-                <a:solidFill>
-                  <a:srgbClr val="000080"/>
-                </a:solidFill>
-                <a:latin typeface="Calibri" panose="020F0502020204030204" pitchFamily="34" charset="0"/>
-                <a:ea typeface="Calibri" panose="020F0502020204030204" pitchFamily="34" charset="0"/>
-                <a:cs typeface="Arial" panose="020B0604020202020204" pitchFamily="34" charset="0"/>
-              </a:rPr>
-              <a:t>class </a:t>
-            </a:r>
-            <a:r>
-              <a:rPr lang="en-US" sz="1400" dirty="0" err="1">
-                <a:solidFill>
-                  <a:srgbClr val="000000"/>
-                </a:solidFill>
-                <a:latin typeface="Calibri" panose="020F0502020204030204" pitchFamily="34" charset="0"/>
-                <a:ea typeface="Calibri" panose="020F0502020204030204" pitchFamily="34" charset="0"/>
-                <a:cs typeface="Arial" panose="020B0604020202020204" pitchFamily="34" charset="0"/>
-              </a:rPr>
-              <a:t>DynamicComponent</a:t>
-            </a:r>
-            <a:r>
-              <a:rPr lang="en-US" sz="1400" dirty="0">
-                <a:solidFill>
-                  <a:srgbClr val="000000"/>
-                </a:solidFill>
-                <a:latin typeface="Calibri" panose="020F0502020204030204" pitchFamily="34" charset="0"/>
-                <a:ea typeface="Calibri" panose="020F0502020204030204" pitchFamily="34" charset="0"/>
-                <a:cs typeface="Arial" panose="020B0604020202020204" pitchFamily="34" charset="0"/>
-              </a:rPr>
-              <a:t> {</a:t>
-            </a:r>
-            <a:br>
-              <a:rPr lang="en-US" sz="1400" dirty="0">
-                <a:solidFill>
-                  <a:srgbClr val="000000"/>
-                </a:solidFill>
-                <a:latin typeface="Calibri" panose="020F0502020204030204" pitchFamily="34" charset="0"/>
-                <a:ea typeface="Calibri" panose="020F0502020204030204" pitchFamily="34" charset="0"/>
-                <a:cs typeface="Arial" panose="020B0604020202020204" pitchFamily="34" charset="0"/>
-              </a:rPr>
-            </a:br>
-            <a:r>
-              <a:rPr lang="en-US" sz="1400" dirty="0">
-                <a:solidFill>
-                  <a:srgbClr val="000000"/>
-                </a:solidFill>
-                <a:latin typeface="Calibri" panose="020F0502020204030204" pitchFamily="34" charset="0"/>
-                <a:ea typeface="Calibri" panose="020F0502020204030204" pitchFamily="34" charset="0"/>
-                <a:cs typeface="Arial" panose="020B0604020202020204" pitchFamily="34" charset="0"/>
-              </a:rPr>
-              <a:t>    }</a:t>
-            </a:r>
-            <a:br>
-              <a:rPr lang="en-US" sz="1400" dirty="0">
-                <a:solidFill>
-                  <a:srgbClr val="000000"/>
-                </a:solidFill>
-                <a:latin typeface="Calibri" panose="020F0502020204030204" pitchFamily="34" charset="0"/>
-                <a:ea typeface="Calibri" panose="020F0502020204030204" pitchFamily="34" charset="0"/>
-                <a:cs typeface="Arial" panose="020B0604020202020204" pitchFamily="34" charset="0"/>
-              </a:rPr>
-            </a:br>
-            <a:br>
-              <a:rPr lang="en-US" sz="1400" dirty="0">
-                <a:solidFill>
-                  <a:srgbClr val="000000"/>
-                </a:solidFill>
-                <a:latin typeface="Calibri" panose="020F0502020204030204" pitchFamily="34" charset="0"/>
-                <a:ea typeface="Calibri" panose="020F0502020204030204" pitchFamily="34" charset="0"/>
-                <a:cs typeface="Arial" panose="020B0604020202020204" pitchFamily="34" charset="0"/>
-              </a:rPr>
-            </a:br>
-            <a:r>
-              <a:rPr lang="en-US" sz="1400" dirty="0">
-                <a:solidFill>
-                  <a:srgbClr val="000000"/>
-                </a:solidFill>
-                <a:latin typeface="Calibri" panose="020F0502020204030204" pitchFamily="34" charset="0"/>
-                <a:ea typeface="Calibri" panose="020F0502020204030204" pitchFamily="34" charset="0"/>
-                <a:cs typeface="Arial" panose="020B0604020202020204" pitchFamily="34" charset="0"/>
-              </a:rPr>
-              <a:t>    @</a:t>
-            </a:r>
-            <a:r>
-              <a:rPr lang="en-US" sz="1400" dirty="0" err="1">
-                <a:solidFill>
-                  <a:srgbClr val="000000"/>
-                </a:solidFill>
-                <a:latin typeface="Calibri" panose="020F0502020204030204" pitchFamily="34" charset="0"/>
-                <a:ea typeface="Calibri" panose="020F0502020204030204" pitchFamily="34" charset="0"/>
-                <a:cs typeface="Arial" panose="020B0604020202020204" pitchFamily="34" charset="0"/>
-              </a:rPr>
-              <a:t>NgModule</a:t>
-            </a:r>
-            <a:r>
-              <a:rPr lang="en-US" sz="1400" dirty="0">
-                <a:solidFill>
-                  <a:srgbClr val="000000"/>
-                </a:solidFill>
-                <a:latin typeface="Calibri" panose="020F0502020204030204" pitchFamily="34" charset="0"/>
-                <a:ea typeface="Calibri" panose="020F0502020204030204" pitchFamily="34" charset="0"/>
-                <a:cs typeface="Arial" panose="020B0604020202020204" pitchFamily="34" charset="0"/>
-              </a:rPr>
-              <a:t>({</a:t>
-            </a:r>
-            <a:br>
-              <a:rPr lang="en-US" sz="1400" dirty="0">
-                <a:solidFill>
-                  <a:srgbClr val="000000"/>
-                </a:solidFill>
-                <a:latin typeface="Calibri" panose="020F0502020204030204" pitchFamily="34" charset="0"/>
-                <a:ea typeface="Calibri" panose="020F0502020204030204" pitchFamily="34" charset="0"/>
-                <a:cs typeface="Arial" panose="020B0604020202020204" pitchFamily="34" charset="0"/>
-              </a:rPr>
-            </a:br>
-            <a:r>
-              <a:rPr lang="en-US" sz="1400" dirty="0">
-                <a:solidFill>
-                  <a:srgbClr val="000000"/>
-                </a:solidFill>
-                <a:latin typeface="Calibri" panose="020F0502020204030204" pitchFamily="34" charset="0"/>
-                <a:ea typeface="Calibri" panose="020F0502020204030204" pitchFamily="34" charset="0"/>
-                <a:cs typeface="Arial" panose="020B0604020202020204" pitchFamily="34" charset="0"/>
-              </a:rPr>
-              <a:t>        imports: [</a:t>
-            </a:r>
-            <a:br>
-              <a:rPr lang="en-US" sz="1400" dirty="0">
-                <a:solidFill>
-                  <a:srgbClr val="000000"/>
-                </a:solidFill>
-                <a:latin typeface="Calibri" panose="020F0502020204030204" pitchFamily="34" charset="0"/>
-                <a:ea typeface="Calibri" panose="020F0502020204030204" pitchFamily="34" charset="0"/>
-                <a:cs typeface="Arial" panose="020B0604020202020204" pitchFamily="34" charset="0"/>
-              </a:rPr>
-            </a:br>
-            <a:r>
-              <a:rPr lang="en-US" sz="1400" dirty="0">
-                <a:solidFill>
-                  <a:srgbClr val="000000"/>
-                </a:solidFill>
-                <a:latin typeface="Calibri" panose="020F0502020204030204" pitchFamily="34" charset="0"/>
-                <a:ea typeface="Calibri" panose="020F0502020204030204" pitchFamily="34" charset="0"/>
-                <a:cs typeface="Arial" panose="020B0604020202020204" pitchFamily="34" charset="0"/>
-              </a:rPr>
-              <a:t>            </a:t>
-            </a:r>
-            <a:r>
-              <a:rPr lang="en-US" sz="1400" dirty="0" err="1">
-                <a:solidFill>
-                  <a:srgbClr val="000000"/>
-                </a:solidFill>
-                <a:latin typeface="Calibri" panose="020F0502020204030204" pitchFamily="34" charset="0"/>
-                <a:ea typeface="Calibri" panose="020F0502020204030204" pitchFamily="34" charset="0"/>
-                <a:cs typeface="Arial" panose="020B0604020202020204" pitchFamily="34" charset="0"/>
-              </a:rPr>
-              <a:t>CommonModule</a:t>
-            </a:r>
-            <a:br>
-              <a:rPr lang="en-US" sz="1400" dirty="0">
-                <a:solidFill>
-                  <a:srgbClr val="000000"/>
-                </a:solidFill>
-                <a:latin typeface="Calibri" panose="020F0502020204030204" pitchFamily="34" charset="0"/>
-                <a:ea typeface="Calibri" panose="020F0502020204030204" pitchFamily="34" charset="0"/>
-                <a:cs typeface="Arial" panose="020B0604020202020204" pitchFamily="34" charset="0"/>
-              </a:rPr>
-            </a:br>
-            <a:r>
-              <a:rPr lang="en-US" sz="1400" dirty="0">
-                <a:solidFill>
-                  <a:srgbClr val="000000"/>
-                </a:solidFill>
-                <a:latin typeface="Calibri" panose="020F0502020204030204" pitchFamily="34" charset="0"/>
-                <a:ea typeface="Calibri" panose="020F0502020204030204" pitchFamily="34" charset="0"/>
-                <a:cs typeface="Arial" panose="020B0604020202020204" pitchFamily="34" charset="0"/>
-              </a:rPr>
-              <a:t>        ],</a:t>
-            </a:r>
-            <a:br>
-              <a:rPr lang="en-US" sz="1400" dirty="0">
-                <a:solidFill>
-                  <a:srgbClr val="000000"/>
-                </a:solidFill>
-                <a:latin typeface="Calibri" panose="020F0502020204030204" pitchFamily="34" charset="0"/>
-                <a:ea typeface="Calibri" panose="020F0502020204030204" pitchFamily="34" charset="0"/>
-                <a:cs typeface="Arial" panose="020B0604020202020204" pitchFamily="34" charset="0"/>
-              </a:rPr>
-            </a:br>
-            <a:r>
-              <a:rPr lang="en-US" sz="1400" dirty="0">
-                <a:solidFill>
-                  <a:srgbClr val="000000"/>
-                </a:solidFill>
-                <a:latin typeface="Calibri" panose="020F0502020204030204" pitchFamily="34" charset="0"/>
-                <a:ea typeface="Calibri" panose="020F0502020204030204" pitchFamily="34" charset="0"/>
-                <a:cs typeface="Arial" panose="020B0604020202020204" pitchFamily="34" charset="0"/>
-              </a:rPr>
-              <a:t>        declarations: [</a:t>
-            </a:r>
-            <a:r>
-              <a:rPr lang="en-US" sz="1400" dirty="0" err="1">
-                <a:solidFill>
-                  <a:srgbClr val="000000"/>
-                </a:solidFill>
-                <a:latin typeface="Calibri" panose="020F0502020204030204" pitchFamily="34" charset="0"/>
-                <a:ea typeface="Calibri" panose="020F0502020204030204" pitchFamily="34" charset="0"/>
-                <a:cs typeface="Arial" panose="020B0604020202020204" pitchFamily="34" charset="0"/>
-              </a:rPr>
-              <a:t>DynamicComponent</a:t>
-            </a:r>
-            <a:r>
-              <a:rPr lang="en-US" sz="1400" dirty="0">
-                <a:solidFill>
-                  <a:srgbClr val="000000"/>
-                </a:solidFill>
-                <a:latin typeface="Calibri" panose="020F0502020204030204" pitchFamily="34" charset="0"/>
-                <a:ea typeface="Calibri" panose="020F0502020204030204" pitchFamily="34" charset="0"/>
-                <a:cs typeface="Arial" panose="020B0604020202020204" pitchFamily="34" charset="0"/>
-              </a:rPr>
-              <a:t>],</a:t>
-            </a:r>
-            <a:br>
-              <a:rPr lang="en-US" sz="1400" dirty="0">
-                <a:solidFill>
-                  <a:srgbClr val="000000"/>
-                </a:solidFill>
-                <a:latin typeface="Calibri" panose="020F0502020204030204" pitchFamily="34" charset="0"/>
-                <a:ea typeface="Calibri" panose="020F0502020204030204" pitchFamily="34" charset="0"/>
-                <a:cs typeface="Arial" panose="020B0604020202020204" pitchFamily="34" charset="0"/>
-              </a:rPr>
-            </a:br>
-            <a:r>
-              <a:rPr lang="en-US" sz="1400" dirty="0">
-                <a:solidFill>
-                  <a:srgbClr val="000000"/>
-                </a:solidFill>
-                <a:latin typeface="Calibri" panose="020F0502020204030204" pitchFamily="34" charset="0"/>
-                <a:ea typeface="Calibri" panose="020F0502020204030204" pitchFamily="34" charset="0"/>
-                <a:cs typeface="Arial" panose="020B0604020202020204" pitchFamily="34" charset="0"/>
-              </a:rPr>
-              <a:t>    })</a:t>
-            </a:r>
-            <a:br>
-              <a:rPr lang="en-US" sz="1400" dirty="0">
-                <a:solidFill>
-                  <a:srgbClr val="000000"/>
-                </a:solidFill>
-                <a:latin typeface="Calibri" panose="020F0502020204030204" pitchFamily="34" charset="0"/>
-                <a:ea typeface="Calibri" panose="020F0502020204030204" pitchFamily="34" charset="0"/>
-                <a:cs typeface="Arial" panose="020B0604020202020204" pitchFamily="34" charset="0"/>
-              </a:rPr>
-            </a:br>
-            <a:r>
-              <a:rPr lang="en-US" sz="1400" dirty="0">
-                <a:solidFill>
-                  <a:srgbClr val="000000"/>
-                </a:solidFill>
-                <a:latin typeface="Calibri" panose="020F0502020204030204" pitchFamily="34" charset="0"/>
-                <a:ea typeface="Calibri" panose="020F0502020204030204" pitchFamily="34" charset="0"/>
-                <a:cs typeface="Arial" panose="020B0604020202020204" pitchFamily="34" charset="0"/>
-              </a:rPr>
-              <a:t>    </a:t>
-            </a:r>
-            <a:r>
-              <a:rPr lang="en-US" sz="1400" b="1" dirty="0">
-                <a:solidFill>
-                  <a:srgbClr val="000080"/>
-                </a:solidFill>
-                <a:latin typeface="Calibri" panose="020F0502020204030204" pitchFamily="34" charset="0"/>
-                <a:ea typeface="Calibri" panose="020F0502020204030204" pitchFamily="34" charset="0"/>
-                <a:cs typeface="Arial" panose="020B0604020202020204" pitchFamily="34" charset="0"/>
-              </a:rPr>
-              <a:t>class </a:t>
-            </a:r>
-            <a:r>
-              <a:rPr lang="en-US" sz="1400" dirty="0" err="1">
-                <a:solidFill>
-                  <a:srgbClr val="000000"/>
-                </a:solidFill>
-                <a:latin typeface="Calibri" panose="020F0502020204030204" pitchFamily="34" charset="0"/>
-                <a:ea typeface="Calibri" panose="020F0502020204030204" pitchFamily="34" charset="0"/>
-                <a:cs typeface="Arial" panose="020B0604020202020204" pitchFamily="34" charset="0"/>
-              </a:rPr>
-              <a:t>DynamicModule</a:t>
-            </a:r>
-            <a:r>
-              <a:rPr lang="en-US" sz="1400" dirty="0">
-                <a:solidFill>
-                  <a:srgbClr val="000000"/>
-                </a:solidFill>
-                <a:latin typeface="Calibri" panose="020F0502020204030204" pitchFamily="34" charset="0"/>
-                <a:ea typeface="Calibri" panose="020F0502020204030204" pitchFamily="34" charset="0"/>
-                <a:cs typeface="Arial" panose="020B0604020202020204" pitchFamily="34" charset="0"/>
-              </a:rPr>
-              <a:t> {</a:t>
-            </a:r>
-            <a:br>
-              <a:rPr lang="en-US" sz="1400" dirty="0">
-                <a:solidFill>
-                  <a:srgbClr val="000000"/>
-                </a:solidFill>
-                <a:latin typeface="Calibri" panose="020F0502020204030204" pitchFamily="34" charset="0"/>
-                <a:ea typeface="Calibri" panose="020F0502020204030204" pitchFamily="34" charset="0"/>
-                <a:cs typeface="Arial" panose="020B0604020202020204" pitchFamily="34" charset="0"/>
-              </a:rPr>
-            </a:br>
-            <a:r>
-              <a:rPr lang="en-US" sz="1400" dirty="0">
-                <a:solidFill>
-                  <a:srgbClr val="000000"/>
-                </a:solidFill>
-                <a:latin typeface="Calibri" panose="020F0502020204030204" pitchFamily="34" charset="0"/>
-                <a:ea typeface="Calibri" panose="020F0502020204030204" pitchFamily="34" charset="0"/>
-                <a:cs typeface="Arial" panose="020B0604020202020204" pitchFamily="34" charset="0"/>
-              </a:rPr>
-              <a:t>    }</a:t>
-            </a:r>
-            <a:br>
-              <a:rPr lang="en-US" sz="1400" dirty="0">
-                <a:solidFill>
-                  <a:srgbClr val="000000"/>
-                </a:solidFill>
-                <a:latin typeface="Calibri" panose="020F0502020204030204" pitchFamily="34" charset="0"/>
-                <a:ea typeface="Calibri" panose="020F0502020204030204" pitchFamily="34" charset="0"/>
-                <a:cs typeface="Arial" panose="020B0604020202020204" pitchFamily="34" charset="0"/>
-              </a:rPr>
-            </a:br>
-            <a:br>
-              <a:rPr lang="en-US" sz="1400" dirty="0">
-                <a:solidFill>
-                  <a:srgbClr val="000000"/>
-                </a:solidFill>
-                <a:latin typeface="Calibri" panose="020F0502020204030204" pitchFamily="34" charset="0"/>
-                <a:ea typeface="Calibri" panose="020F0502020204030204" pitchFamily="34" charset="0"/>
-                <a:cs typeface="Arial" panose="020B0604020202020204" pitchFamily="34" charset="0"/>
-              </a:rPr>
-            </a:br>
-            <a:r>
-              <a:rPr lang="en-US" sz="1400" dirty="0">
-                <a:solidFill>
-                  <a:srgbClr val="000000"/>
-                </a:solidFill>
-                <a:latin typeface="Calibri" panose="020F0502020204030204" pitchFamily="34" charset="0"/>
-                <a:ea typeface="Calibri" panose="020F0502020204030204" pitchFamily="34" charset="0"/>
-                <a:cs typeface="Arial" panose="020B0604020202020204" pitchFamily="34" charset="0"/>
-              </a:rPr>
-              <a:t>    </a:t>
-            </a:r>
-            <a:r>
-              <a:rPr lang="en-US" sz="1400" b="1" dirty="0">
-                <a:solidFill>
-                  <a:srgbClr val="000080"/>
-                </a:solidFill>
-                <a:latin typeface="Calibri" panose="020F0502020204030204" pitchFamily="34" charset="0"/>
-                <a:ea typeface="Calibri" panose="020F0502020204030204" pitchFamily="34" charset="0"/>
-                <a:cs typeface="Arial" panose="020B0604020202020204" pitchFamily="34" charset="0"/>
-              </a:rPr>
-              <a:t>return </a:t>
-            </a:r>
-            <a:r>
-              <a:rPr lang="en-US" sz="1400" dirty="0" err="1">
-                <a:solidFill>
-                  <a:srgbClr val="000000"/>
-                </a:solidFill>
-                <a:latin typeface="Calibri" panose="020F0502020204030204" pitchFamily="34" charset="0"/>
-                <a:ea typeface="Calibri" panose="020F0502020204030204" pitchFamily="34" charset="0"/>
-                <a:cs typeface="Arial" panose="020B0604020202020204" pitchFamily="34" charset="0"/>
-              </a:rPr>
-              <a:t>DynamicModule</a:t>
-            </a:r>
-            <a:r>
-              <a:rPr lang="en-US" sz="1400" dirty="0">
-                <a:solidFill>
-                  <a:srgbClr val="000000"/>
-                </a:solidFill>
-                <a:latin typeface="Calibri" panose="020F0502020204030204" pitchFamily="34" charset="0"/>
-                <a:ea typeface="Calibri" panose="020F0502020204030204" pitchFamily="34" charset="0"/>
-                <a:cs typeface="Arial" panose="020B0604020202020204" pitchFamily="34" charset="0"/>
-              </a:rPr>
-              <a:t>;</a:t>
-            </a:r>
-            <a:br>
-              <a:rPr lang="en-US" sz="1400" dirty="0">
-                <a:solidFill>
-                  <a:srgbClr val="000000"/>
-                </a:solidFill>
-                <a:latin typeface="Calibri" panose="020F0502020204030204" pitchFamily="34" charset="0"/>
-                <a:ea typeface="Calibri" panose="020F0502020204030204" pitchFamily="34" charset="0"/>
-                <a:cs typeface="Arial" panose="020B0604020202020204" pitchFamily="34" charset="0"/>
-              </a:rPr>
-            </a:br>
-            <a:r>
-              <a:rPr lang="en-US" sz="1400" dirty="0">
-                <a:solidFill>
-                  <a:srgbClr val="000000"/>
-                </a:solidFill>
-                <a:latin typeface="Calibri" panose="020F0502020204030204" pitchFamily="34" charset="0"/>
-                <a:ea typeface="Calibri" panose="020F0502020204030204" pitchFamily="34" charset="0"/>
-                <a:cs typeface="Arial" panose="020B0604020202020204" pitchFamily="34" charset="0"/>
-              </a:rPr>
-              <a:t>}</a:t>
-            </a:r>
-            <a:endParaRPr lang="he-IL" sz="1400" dirty="0"/>
-          </a:p>
-        </p:txBody>
-      </p:sp>
+        </p:grpSpPr>
+        <p:sp>
+          <p:nvSpPr>
+            <p:cNvPr id="8" name="Rectangle 7"/>
+            <p:cNvSpPr/>
+            <p:nvPr/>
+          </p:nvSpPr>
+          <p:spPr>
+            <a:xfrm>
+              <a:off x="996938" y="5490724"/>
+              <a:ext cx="1590328" cy="1296144"/>
+            </a:xfrm>
+            <a:prstGeom prst="rect">
+              <a:avLst/>
+            </a:prstGeom>
+            <a:solidFill>
+              <a:schemeClr val="accent4"/>
+            </a:solidFill>
+            <a:ln>
+              <a:noFill/>
+            </a:ln>
+          </p:spPr>
+          <p:style>
+            <a:lnRef idx="2">
+              <a:schemeClr val="accent1">
+                <a:shade val="50000"/>
+              </a:schemeClr>
+            </a:lnRef>
+            <a:fillRef idx="1">
+              <a:schemeClr val="accent1"/>
+            </a:fillRef>
+            <a:effectRef idx="0">
+              <a:schemeClr val="accent1"/>
+            </a:effectRef>
+            <a:fontRef idx="minor">
+              <a:schemeClr val="lt1"/>
+            </a:fontRef>
+          </p:style>
+          <p:txBody>
+            <a:bodyPr rtlCol="1" anchor="ctr"/>
+            <a:lstStyle/>
+            <a:p>
+              <a:pPr algn="ctr"/>
+              <a:r>
+                <a:rPr lang="en-US" sz="1400" dirty="0" smtClean="0"/>
+                <a:t>No selector !!!</a:t>
+              </a:r>
+            </a:p>
+            <a:p>
+              <a:pPr algn="ctr"/>
+              <a:r>
+                <a:rPr lang="en-US" sz="1400" dirty="0" smtClean="0"/>
+                <a:t>Angular creates a random one</a:t>
+              </a:r>
+              <a:endParaRPr lang="he-IL" sz="1400" dirty="0"/>
+            </a:p>
+          </p:txBody>
+        </p:sp>
+        <p:cxnSp>
+          <p:nvCxnSpPr>
+            <p:cNvPr id="10" name="Straight Connector 9"/>
+            <p:cNvCxnSpPr>
+              <a:cxnSpLocks/>
+            </p:cNvCxnSpPr>
+            <p:nvPr/>
+          </p:nvCxnSpPr>
+          <p:spPr>
+            <a:xfrm flipH="1" flipV="1">
+              <a:off x="-1982058" y="5796031"/>
+              <a:ext cx="3168352" cy="823332"/>
+            </a:xfrm>
+            <a:prstGeom prst="line">
+              <a:avLst/>
+            </a:prstGeom>
+            <a:ln>
+              <a:tailEnd type="triangle"/>
+            </a:ln>
+          </p:spPr>
+          <p:style>
+            <a:lnRef idx="2">
+              <a:schemeClr val="accent4">
+                <a:shade val="50000"/>
+              </a:schemeClr>
+            </a:lnRef>
+            <a:fillRef idx="1">
+              <a:schemeClr val="accent4"/>
+            </a:fillRef>
+            <a:effectRef idx="0">
+              <a:schemeClr val="accent4"/>
+            </a:effectRef>
+            <a:fontRef idx="minor">
+              <a:schemeClr val="lt1"/>
+            </a:fontRef>
+          </p:style>
+        </p:cxnSp>
+      </p:grpSp>
+      <p:grpSp>
+        <p:nvGrpSpPr>
+          <p:cNvPr id="11" name="Group 10"/>
+          <p:cNvGrpSpPr/>
+          <p:nvPr/>
+        </p:nvGrpSpPr>
+        <p:grpSpPr>
+          <a:xfrm>
+            <a:off x="4427984" y="3669246"/>
+            <a:ext cx="4349456" cy="1296144"/>
+            <a:chOff x="-1762190" y="5490724"/>
+            <a:chExt cx="4349456" cy="1296144"/>
+          </a:xfrm>
+        </p:grpSpPr>
+        <p:sp>
+          <p:nvSpPr>
+            <p:cNvPr id="12" name="Rectangle 11"/>
+            <p:cNvSpPr/>
+            <p:nvPr/>
+          </p:nvSpPr>
+          <p:spPr>
+            <a:xfrm>
+              <a:off x="996938" y="5490724"/>
+              <a:ext cx="1590328" cy="1296144"/>
+            </a:xfrm>
+            <a:prstGeom prst="rect">
+              <a:avLst/>
+            </a:prstGeom>
+            <a:solidFill>
+              <a:schemeClr val="accent4"/>
+            </a:solidFill>
+            <a:ln>
+              <a:noFill/>
+            </a:ln>
+          </p:spPr>
+          <p:style>
+            <a:lnRef idx="2">
+              <a:schemeClr val="accent1">
+                <a:shade val="50000"/>
+              </a:schemeClr>
+            </a:lnRef>
+            <a:fillRef idx="1">
+              <a:schemeClr val="accent1"/>
+            </a:fillRef>
+            <a:effectRef idx="0">
+              <a:schemeClr val="accent1"/>
+            </a:effectRef>
+            <a:fontRef idx="minor">
+              <a:schemeClr val="lt1"/>
+            </a:fontRef>
+          </p:style>
+          <p:txBody>
+            <a:bodyPr rtlCol="1" anchor="ctr"/>
+            <a:lstStyle/>
+            <a:p>
+              <a:pPr algn="ctr"/>
+              <a:r>
+                <a:rPr lang="en-US" sz="1400" dirty="0" smtClean="0"/>
+                <a:t>Add the component to the module</a:t>
+              </a:r>
+              <a:endParaRPr lang="he-IL" sz="1400" dirty="0"/>
+            </a:p>
+          </p:txBody>
+        </p:sp>
+        <p:cxnSp>
+          <p:nvCxnSpPr>
+            <p:cNvPr id="13" name="Straight Connector 12"/>
+            <p:cNvCxnSpPr>
+              <a:cxnSpLocks/>
+              <a:stCxn id="12" idx="1"/>
+            </p:cNvCxnSpPr>
+            <p:nvPr/>
+          </p:nvCxnSpPr>
+          <p:spPr>
+            <a:xfrm flipH="1">
+              <a:off x="-1762190" y="6138796"/>
+              <a:ext cx="2759128" cy="335818"/>
+            </a:xfrm>
+            <a:prstGeom prst="line">
+              <a:avLst/>
+            </a:prstGeom>
+            <a:ln>
+              <a:tailEnd type="triangle"/>
+            </a:ln>
+          </p:spPr>
+          <p:style>
+            <a:lnRef idx="2">
+              <a:schemeClr val="accent4">
+                <a:shade val="50000"/>
+              </a:schemeClr>
+            </a:lnRef>
+            <a:fillRef idx="1">
+              <a:schemeClr val="accent4"/>
+            </a:fillRef>
+            <a:effectRef idx="0">
+              <a:schemeClr val="accent4"/>
+            </a:effectRef>
+            <a:fontRef idx="minor">
+              <a:schemeClr val="lt1"/>
+            </a:fontRef>
+          </p:style>
+        </p:cxnSp>
+      </p:grpSp>
     </p:spTree>
     <p:extLst>
       <p:ext uri="{BB962C8B-B14F-4D97-AF65-F5344CB8AC3E}">
@@ -26358,8 +26049,8 @@
           <a:lstStyle/>
           <a:p>
             <a:r>
-              <a:rPr lang="en-US" dirty="0"/>
-              <a:t>Compile a Module</a:t>
+              <a:rPr lang="en-US" dirty="0" smtClean="0"/>
+              <a:t>Using the Component</a:t>
             </a:r>
             <a:endParaRPr lang="he-IL" dirty="0"/>
           </a:p>
@@ -26429,7 +26120,971 @@
           <a:bodyPr/>
           <a:lstStyle/>
           <a:p>
-            <a:endParaRPr lang="he-IL"/>
+            <a:r>
+              <a:rPr lang="en-US" dirty="0" smtClean="0"/>
+              <a:t>Having a component factory we can inject a new component instanc</a:t>
+            </a:r>
+            <a:r>
+              <a:rPr lang="en-US" dirty="0" smtClean="0"/>
+              <a:t>e into a parent</a:t>
+            </a:r>
+            <a:endParaRPr lang="he-IL" dirty="0"/>
+          </a:p>
+        </p:txBody>
+      </p:sp>
+      <p:sp>
+        <p:nvSpPr>
+          <p:cNvPr id="7" name="Rectangle 6"/>
+          <p:cNvSpPr/>
+          <p:nvPr/>
+        </p:nvSpPr>
+        <p:spPr>
+          <a:xfrm>
+            <a:off x="972144" y="2780928"/>
+            <a:ext cx="7434408" cy="1384995"/>
+          </a:xfrm>
+          <a:prstGeom prst="rect">
+            <a:avLst/>
+          </a:prstGeom>
+          <a:solidFill>
+            <a:schemeClr val="accent1">
+              <a:lumMod val="40000"/>
+              <a:lumOff val="60000"/>
+            </a:schemeClr>
+          </a:solidFill>
+        </p:spPr>
+        <p:txBody>
+          <a:bodyPr wrap="square">
+            <a:spAutoFit/>
+          </a:bodyPr>
+          <a:lstStyle/>
+          <a:p>
+            <a:r>
+              <a:rPr lang="en-US" sz="1400" dirty="0" err="1">
+                <a:solidFill>
+                  <a:srgbClr val="7A7A43"/>
+                </a:solidFill>
+                <a:latin typeface="Calibri" panose="020F0502020204030204" pitchFamily="34" charset="0"/>
+                <a:ea typeface="Calibri" panose="020F0502020204030204" pitchFamily="34" charset="0"/>
+                <a:cs typeface="Arial" panose="020B0604020202020204" pitchFamily="34" charset="0"/>
+              </a:rPr>
+              <a:t>injectTemplate</a:t>
+            </a:r>
+            <a:r>
+              <a:rPr lang="en-US" sz="1400" dirty="0">
+                <a:solidFill>
+                  <a:srgbClr val="000000"/>
+                </a:solidFill>
+                <a:latin typeface="Calibri" panose="020F0502020204030204" pitchFamily="34" charset="0"/>
+                <a:ea typeface="Calibri" panose="020F0502020204030204" pitchFamily="34" charset="0"/>
+                <a:cs typeface="Arial" panose="020B0604020202020204" pitchFamily="34" charset="0"/>
+              </a:rPr>
+              <a:t>() {</a:t>
+            </a:r>
+            <a:br>
+              <a:rPr lang="en-US" sz="1400" dirty="0">
+                <a:solidFill>
+                  <a:srgbClr val="000000"/>
+                </a:solidFill>
+                <a:latin typeface="Calibri" panose="020F0502020204030204" pitchFamily="34" charset="0"/>
+                <a:ea typeface="Calibri" panose="020F0502020204030204" pitchFamily="34" charset="0"/>
+                <a:cs typeface="Arial" panose="020B0604020202020204" pitchFamily="34" charset="0"/>
+              </a:rPr>
+            </a:br>
+            <a:r>
+              <a:rPr lang="en-US" sz="1400" dirty="0">
+                <a:solidFill>
+                  <a:srgbClr val="000000"/>
+                </a:solidFill>
+                <a:latin typeface="Calibri" panose="020F0502020204030204" pitchFamily="34" charset="0"/>
+                <a:ea typeface="Calibri" panose="020F0502020204030204" pitchFamily="34" charset="0"/>
+                <a:cs typeface="Arial" panose="020B0604020202020204" pitchFamily="34" charset="0"/>
+              </a:rPr>
+              <a:t>    </a:t>
+            </a:r>
+            <a:r>
+              <a:rPr lang="en-US" sz="1400" b="1" dirty="0" err="1">
+                <a:solidFill>
+                  <a:srgbClr val="000080"/>
+                </a:solidFill>
+                <a:latin typeface="Calibri" panose="020F0502020204030204" pitchFamily="34" charset="0"/>
+                <a:ea typeface="Calibri" panose="020F0502020204030204" pitchFamily="34" charset="0"/>
+                <a:cs typeface="Arial" panose="020B0604020202020204" pitchFamily="34" charset="0"/>
+              </a:rPr>
+              <a:t>const</a:t>
+            </a:r>
+            <a:r>
+              <a:rPr lang="en-US" sz="1400" b="1" dirty="0">
+                <a:solidFill>
+                  <a:srgbClr val="000080"/>
+                </a:solidFill>
+                <a:latin typeface="Calibri" panose="020F0502020204030204" pitchFamily="34" charset="0"/>
+                <a:ea typeface="Calibri" panose="020F0502020204030204" pitchFamily="34" charset="0"/>
+                <a:cs typeface="Arial" panose="020B0604020202020204" pitchFamily="34" charset="0"/>
+              </a:rPr>
+              <a:t> </a:t>
+            </a:r>
+            <a:r>
+              <a:rPr lang="en-US" sz="1400" dirty="0">
+                <a:solidFill>
+                  <a:srgbClr val="458383"/>
+                </a:solidFill>
+                <a:latin typeface="Calibri" panose="020F0502020204030204" pitchFamily="34" charset="0"/>
+                <a:ea typeface="Calibri" panose="020F0502020204030204" pitchFamily="34" charset="0"/>
+                <a:cs typeface="Arial" panose="020B0604020202020204" pitchFamily="34" charset="0"/>
+              </a:rPr>
+              <a:t>template </a:t>
+            </a:r>
+            <a:r>
+              <a:rPr lang="en-US" sz="1400" dirty="0">
+                <a:solidFill>
+                  <a:srgbClr val="000000"/>
+                </a:solidFill>
+                <a:latin typeface="Calibri" panose="020F0502020204030204" pitchFamily="34" charset="0"/>
+                <a:ea typeface="Calibri" panose="020F0502020204030204" pitchFamily="34" charset="0"/>
+                <a:cs typeface="Arial" panose="020B0604020202020204" pitchFamily="34" charset="0"/>
+              </a:rPr>
+              <a:t>= </a:t>
+            </a:r>
+            <a:r>
+              <a:rPr lang="en-US" sz="1400" b="1" dirty="0">
+                <a:solidFill>
+                  <a:srgbClr val="008000"/>
+                </a:solidFill>
+                <a:latin typeface="Calibri" panose="020F0502020204030204" pitchFamily="34" charset="0"/>
+                <a:ea typeface="Calibri" panose="020F0502020204030204" pitchFamily="34" charset="0"/>
+                <a:cs typeface="Arial" panose="020B0604020202020204" pitchFamily="34" charset="0"/>
+              </a:rPr>
+              <a:t>"&lt;h1</a:t>
+            </a:r>
+            <a:r>
+              <a:rPr lang="en-US" sz="1400" b="1" dirty="0" smtClean="0">
+                <a:solidFill>
+                  <a:srgbClr val="008000"/>
+                </a:solidFill>
+                <a:latin typeface="Calibri" panose="020F0502020204030204" pitchFamily="34" charset="0"/>
+                <a:ea typeface="Calibri" panose="020F0502020204030204" pitchFamily="34" charset="0"/>
+                <a:cs typeface="Arial" panose="020B0604020202020204" pitchFamily="34" charset="0"/>
+              </a:rPr>
+              <a:t>&gt;{{counter</a:t>
+            </a:r>
+            <a:r>
+              <a:rPr lang="en-US" sz="1400" b="1" dirty="0">
+                <a:solidFill>
+                  <a:srgbClr val="008000"/>
+                </a:solidFill>
+                <a:latin typeface="Calibri" panose="020F0502020204030204" pitchFamily="34" charset="0"/>
+                <a:ea typeface="Calibri" panose="020F0502020204030204" pitchFamily="34" charset="0"/>
+                <a:cs typeface="Arial" panose="020B0604020202020204" pitchFamily="34" charset="0"/>
+              </a:rPr>
+              <a:t>}}&lt;/h1&gt;"</a:t>
+            </a:r>
+            <a:r>
+              <a:rPr lang="en-US" sz="1400" dirty="0">
+                <a:solidFill>
+                  <a:srgbClr val="000000"/>
+                </a:solidFill>
+                <a:latin typeface="Calibri" panose="020F0502020204030204" pitchFamily="34" charset="0"/>
+                <a:ea typeface="Calibri" panose="020F0502020204030204" pitchFamily="34" charset="0"/>
+                <a:cs typeface="Arial" panose="020B0604020202020204" pitchFamily="34" charset="0"/>
+              </a:rPr>
+              <a:t>;</a:t>
+            </a:r>
+            <a:br>
+              <a:rPr lang="en-US" sz="1400" dirty="0">
+                <a:solidFill>
+                  <a:srgbClr val="000000"/>
+                </a:solidFill>
+                <a:latin typeface="Calibri" panose="020F0502020204030204" pitchFamily="34" charset="0"/>
+                <a:ea typeface="Calibri" panose="020F0502020204030204" pitchFamily="34" charset="0"/>
+                <a:cs typeface="Arial" panose="020B0604020202020204" pitchFamily="34" charset="0"/>
+              </a:rPr>
+            </a:br>
+            <a:r>
+              <a:rPr lang="en-US" sz="1400" dirty="0">
+                <a:solidFill>
+                  <a:srgbClr val="000000"/>
+                </a:solidFill>
+                <a:latin typeface="Calibri" panose="020F0502020204030204" pitchFamily="34" charset="0"/>
+                <a:ea typeface="Calibri" panose="020F0502020204030204" pitchFamily="34" charset="0"/>
+                <a:cs typeface="Arial" panose="020B0604020202020204" pitchFamily="34" charset="0"/>
+              </a:rPr>
+              <a:t>    </a:t>
+            </a:r>
+            <a:r>
+              <a:rPr lang="en-US" sz="1400" b="1" dirty="0" err="1">
+                <a:solidFill>
+                  <a:srgbClr val="000080"/>
+                </a:solidFill>
+                <a:latin typeface="Calibri" panose="020F0502020204030204" pitchFamily="34" charset="0"/>
+                <a:ea typeface="Calibri" panose="020F0502020204030204" pitchFamily="34" charset="0"/>
+                <a:cs typeface="Arial" panose="020B0604020202020204" pitchFamily="34" charset="0"/>
+              </a:rPr>
+              <a:t>const</a:t>
+            </a:r>
+            <a:r>
+              <a:rPr lang="en-US" sz="1400" b="1" dirty="0">
+                <a:solidFill>
+                  <a:srgbClr val="000080"/>
+                </a:solidFill>
+                <a:latin typeface="Calibri" panose="020F0502020204030204" pitchFamily="34" charset="0"/>
+                <a:ea typeface="Calibri" panose="020F0502020204030204" pitchFamily="34" charset="0"/>
+                <a:cs typeface="Arial" panose="020B0604020202020204" pitchFamily="34" charset="0"/>
+              </a:rPr>
+              <a:t> </a:t>
+            </a:r>
+            <a:r>
+              <a:rPr lang="en-US" sz="1400" dirty="0" err="1">
+                <a:solidFill>
+                  <a:srgbClr val="458383"/>
+                </a:solidFill>
+                <a:latin typeface="Calibri" panose="020F0502020204030204" pitchFamily="34" charset="0"/>
+                <a:ea typeface="Calibri" panose="020F0502020204030204" pitchFamily="34" charset="0"/>
+                <a:cs typeface="Arial" panose="020B0604020202020204" pitchFamily="34" charset="0"/>
+              </a:rPr>
+              <a:t>componentFactory</a:t>
+            </a:r>
+            <a:r>
+              <a:rPr lang="en-US" sz="1400" dirty="0">
+                <a:solidFill>
+                  <a:srgbClr val="458383"/>
+                </a:solidFill>
+                <a:latin typeface="Calibri" panose="020F0502020204030204" pitchFamily="34" charset="0"/>
+                <a:ea typeface="Calibri" panose="020F0502020204030204" pitchFamily="34" charset="0"/>
+                <a:cs typeface="Arial" panose="020B0604020202020204" pitchFamily="34" charset="0"/>
+              </a:rPr>
+              <a:t> </a:t>
+            </a:r>
+            <a:r>
+              <a:rPr lang="en-US" sz="1400" dirty="0">
+                <a:solidFill>
+                  <a:srgbClr val="000000"/>
+                </a:solidFill>
+                <a:latin typeface="Calibri" panose="020F0502020204030204" pitchFamily="34" charset="0"/>
+                <a:ea typeface="Calibri" panose="020F0502020204030204" pitchFamily="34" charset="0"/>
+                <a:cs typeface="Arial" panose="020B0604020202020204" pitchFamily="34" charset="0"/>
+              </a:rPr>
+              <a:t>= </a:t>
+            </a:r>
+            <a:r>
+              <a:rPr lang="en-US" sz="1400" dirty="0" err="1">
+                <a:solidFill>
+                  <a:srgbClr val="000000"/>
+                </a:solidFill>
+                <a:latin typeface="Calibri" panose="020F0502020204030204" pitchFamily="34" charset="0"/>
+                <a:ea typeface="Calibri" panose="020F0502020204030204" pitchFamily="34" charset="0"/>
+                <a:cs typeface="Arial" panose="020B0604020202020204" pitchFamily="34" charset="0"/>
+              </a:rPr>
+              <a:t>createComponentFactory</a:t>
+            </a:r>
+            <a:r>
+              <a:rPr lang="en-US" sz="1400" dirty="0">
+                <a:solidFill>
+                  <a:srgbClr val="000000"/>
+                </a:solidFill>
+                <a:latin typeface="Calibri" panose="020F0502020204030204" pitchFamily="34" charset="0"/>
+                <a:ea typeface="Calibri" panose="020F0502020204030204" pitchFamily="34" charset="0"/>
+                <a:cs typeface="Arial" panose="020B0604020202020204" pitchFamily="34" charset="0"/>
+              </a:rPr>
+              <a:t>(</a:t>
+            </a:r>
+            <a:r>
+              <a:rPr lang="en-US" sz="1400" dirty="0">
+                <a:solidFill>
+                  <a:srgbClr val="458383"/>
+                </a:solidFill>
+                <a:latin typeface="Calibri" panose="020F0502020204030204" pitchFamily="34" charset="0"/>
+                <a:ea typeface="Calibri" panose="020F0502020204030204" pitchFamily="34" charset="0"/>
+                <a:cs typeface="Arial" panose="020B0604020202020204" pitchFamily="34" charset="0"/>
+              </a:rPr>
+              <a:t>template</a:t>
+            </a:r>
+            <a:r>
+              <a:rPr lang="en-US" sz="1400" dirty="0" smtClean="0">
+                <a:solidFill>
+                  <a:srgbClr val="000000"/>
+                </a:solidFill>
+                <a:latin typeface="Calibri" panose="020F0502020204030204" pitchFamily="34" charset="0"/>
+                <a:ea typeface="Calibri" panose="020F0502020204030204" pitchFamily="34" charset="0"/>
+                <a:cs typeface="Arial" panose="020B0604020202020204" pitchFamily="34" charset="0"/>
+              </a:rPr>
+              <a:t>);</a:t>
+            </a:r>
+          </a:p>
+          <a:p>
+            <a:r>
+              <a:rPr lang="en-US" sz="1400" dirty="0">
+                <a:solidFill>
+                  <a:srgbClr val="000000"/>
+                </a:solidFill>
+                <a:latin typeface="Calibri" panose="020F0502020204030204" pitchFamily="34" charset="0"/>
+                <a:ea typeface="Calibri" panose="020F0502020204030204" pitchFamily="34" charset="0"/>
+                <a:cs typeface="Arial" panose="020B0604020202020204" pitchFamily="34" charset="0"/>
+              </a:rPr>
+              <a:t/>
+            </a:r>
+            <a:br>
+              <a:rPr lang="en-US" sz="1400" dirty="0">
+                <a:solidFill>
+                  <a:srgbClr val="000000"/>
+                </a:solidFill>
+                <a:latin typeface="Calibri" panose="020F0502020204030204" pitchFamily="34" charset="0"/>
+                <a:ea typeface="Calibri" panose="020F0502020204030204" pitchFamily="34" charset="0"/>
+                <a:cs typeface="Arial" panose="020B0604020202020204" pitchFamily="34" charset="0"/>
+              </a:rPr>
+            </a:br>
+            <a:r>
+              <a:rPr lang="en-US" sz="1400" dirty="0">
+                <a:solidFill>
+                  <a:srgbClr val="000000"/>
+                </a:solidFill>
+                <a:latin typeface="Calibri" panose="020F0502020204030204" pitchFamily="34" charset="0"/>
+                <a:ea typeface="Calibri" panose="020F0502020204030204" pitchFamily="34" charset="0"/>
+                <a:cs typeface="Arial" panose="020B0604020202020204" pitchFamily="34" charset="0"/>
+              </a:rPr>
+              <a:t>    </a:t>
+            </a:r>
+            <a:r>
+              <a:rPr lang="en-US" sz="1400" b="1" dirty="0" err="1">
+                <a:solidFill>
+                  <a:srgbClr val="000080"/>
+                </a:solidFill>
+                <a:latin typeface="Calibri" panose="020F0502020204030204" pitchFamily="34" charset="0"/>
+                <a:ea typeface="Calibri" panose="020F0502020204030204" pitchFamily="34" charset="0"/>
+                <a:cs typeface="Arial" panose="020B0604020202020204" pitchFamily="34" charset="0"/>
+              </a:rPr>
+              <a:t>const</a:t>
+            </a:r>
+            <a:r>
+              <a:rPr lang="en-US" sz="1400" b="1" dirty="0">
+                <a:solidFill>
+                  <a:srgbClr val="000080"/>
+                </a:solidFill>
+                <a:latin typeface="Calibri" panose="020F0502020204030204" pitchFamily="34" charset="0"/>
+                <a:ea typeface="Calibri" panose="020F0502020204030204" pitchFamily="34" charset="0"/>
+                <a:cs typeface="Arial" panose="020B0604020202020204" pitchFamily="34" charset="0"/>
+              </a:rPr>
+              <a:t> </a:t>
+            </a:r>
+            <a:r>
+              <a:rPr lang="en-US" sz="1400" dirty="0" err="1">
+                <a:solidFill>
+                  <a:srgbClr val="458383"/>
+                </a:solidFill>
+                <a:latin typeface="Calibri" panose="020F0502020204030204" pitchFamily="34" charset="0"/>
+                <a:ea typeface="Calibri" panose="020F0502020204030204" pitchFamily="34" charset="0"/>
+                <a:cs typeface="Arial" panose="020B0604020202020204" pitchFamily="34" charset="0"/>
+              </a:rPr>
+              <a:t>componentRef</a:t>
+            </a:r>
+            <a:r>
+              <a:rPr lang="en-US" sz="1400" dirty="0">
+                <a:solidFill>
+                  <a:srgbClr val="458383"/>
+                </a:solidFill>
+                <a:latin typeface="Calibri" panose="020F0502020204030204" pitchFamily="34" charset="0"/>
+                <a:ea typeface="Calibri" panose="020F0502020204030204" pitchFamily="34" charset="0"/>
+                <a:cs typeface="Arial" panose="020B0604020202020204" pitchFamily="34" charset="0"/>
+              </a:rPr>
+              <a:t> </a:t>
+            </a:r>
+            <a:r>
+              <a:rPr lang="en-US" sz="1400" dirty="0">
+                <a:solidFill>
+                  <a:srgbClr val="000000"/>
+                </a:solidFill>
+                <a:latin typeface="Calibri" panose="020F0502020204030204" pitchFamily="34" charset="0"/>
+                <a:ea typeface="Calibri" panose="020F0502020204030204" pitchFamily="34" charset="0"/>
+                <a:cs typeface="Arial" panose="020B0604020202020204" pitchFamily="34" charset="0"/>
+              </a:rPr>
+              <a:t>= </a:t>
+            </a:r>
+            <a:r>
+              <a:rPr lang="en-US" sz="1400" b="1" dirty="0" err="1">
+                <a:solidFill>
+                  <a:srgbClr val="000080"/>
+                </a:solidFill>
+                <a:latin typeface="Calibri" panose="020F0502020204030204" pitchFamily="34" charset="0"/>
+                <a:ea typeface="Calibri" panose="020F0502020204030204" pitchFamily="34" charset="0"/>
+                <a:cs typeface="Arial" panose="020B0604020202020204" pitchFamily="34" charset="0"/>
+              </a:rPr>
+              <a:t>this</a:t>
+            </a:r>
+            <a:r>
+              <a:rPr lang="en-US" sz="1400" dirty="0" err="1">
+                <a:solidFill>
+                  <a:srgbClr val="000000"/>
+                </a:solidFill>
+                <a:latin typeface="Calibri" panose="020F0502020204030204" pitchFamily="34" charset="0"/>
+                <a:ea typeface="Calibri" panose="020F0502020204030204" pitchFamily="34" charset="0"/>
+                <a:cs typeface="Arial" panose="020B0604020202020204" pitchFamily="34" charset="0"/>
+              </a:rPr>
+              <a:t>.</a:t>
+            </a:r>
+            <a:r>
+              <a:rPr lang="en-US" sz="1400" b="1" dirty="0" err="1">
+                <a:solidFill>
+                  <a:srgbClr val="660E7A"/>
+                </a:solidFill>
+                <a:latin typeface="Calibri" panose="020F0502020204030204" pitchFamily="34" charset="0"/>
+                <a:ea typeface="Calibri" panose="020F0502020204030204" pitchFamily="34" charset="0"/>
+                <a:cs typeface="Arial" panose="020B0604020202020204" pitchFamily="34" charset="0"/>
+              </a:rPr>
+              <a:t>marker</a:t>
+            </a:r>
+            <a:r>
+              <a:rPr lang="en-US" sz="1400" dirty="0" err="1">
+                <a:solidFill>
+                  <a:srgbClr val="000000"/>
+                </a:solidFill>
+                <a:latin typeface="Calibri" panose="020F0502020204030204" pitchFamily="34" charset="0"/>
+                <a:ea typeface="Calibri" panose="020F0502020204030204" pitchFamily="34" charset="0"/>
+                <a:cs typeface="Arial" panose="020B0604020202020204" pitchFamily="34" charset="0"/>
+              </a:rPr>
+              <a:t>.</a:t>
+            </a:r>
+            <a:r>
+              <a:rPr lang="en-US" sz="1400" dirty="0" err="1">
+                <a:solidFill>
+                  <a:srgbClr val="7A7A43"/>
+                </a:solidFill>
+                <a:latin typeface="Calibri" panose="020F0502020204030204" pitchFamily="34" charset="0"/>
+                <a:ea typeface="Calibri" panose="020F0502020204030204" pitchFamily="34" charset="0"/>
+                <a:cs typeface="Arial" panose="020B0604020202020204" pitchFamily="34" charset="0"/>
+              </a:rPr>
+              <a:t>createComponent</a:t>
+            </a:r>
+            <a:r>
+              <a:rPr lang="en-US" sz="1400" dirty="0">
+                <a:solidFill>
+                  <a:srgbClr val="000000"/>
+                </a:solidFill>
+                <a:latin typeface="Calibri" panose="020F0502020204030204" pitchFamily="34" charset="0"/>
+                <a:ea typeface="Calibri" panose="020F0502020204030204" pitchFamily="34" charset="0"/>
+                <a:cs typeface="Arial" panose="020B0604020202020204" pitchFamily="34" charset="0"/>
+              </a:rPr>
+              <a:t>(</a:t>
+            </a:r>
+            <a:r>
+              <a:rPr lang="en-US" sz="1400" dirty="0" err="1">
+                <a:solidFill>
+                  <a:srgbClr val="458383"/>
+                </a:solidFill>
+                <a:latin typeface="Calibri" panose="020F0502020204030204" pitchFamily="34" charset="0"/>
+                <a:ea typeface="Calibri" panose="020F0502020204030204" pitchFamily="34" charset="0"/>
+                <a:cs typeface="Arial" panose="020B0604020202020204" pitchFamily="34" charset="0"/>
+              </a:rPr>
+              <a:t>componentFactory</a:t>
+            </a:r>
+            <a:r>
+              <a:rPr lang="en-US" sz="1400" dirty="0">
+                <a:solidFill>
+                  <a:srgbClr val="000000"/>
+                </a:solidFill>
+                <a:latin typeface="Calibri" panose="020F0502020204030204" pitchFamily="34" charset="0"/>
+                <a:ea typeface="Calibri" panose="020F0502020204030204" pitchFamily="34" charset="0"/>
+                <a:cs typeface="Arial" panose="020B0604020202020204" pitchFamily="34" charset="0"/>
+              </a:rPr>
+              <a:t>);</a:t>
+            </a:r>
+            <a:br>
+              <a:rPr lang="en-US" sz="1400" dirty="0">
+                <a:solidFill>
+                  <a:srgbClr val="000000"/>
+                </a:solidFill>
+                <a:latin typeface="Calibri" panose="020F0502020204030204" pitchFamily="34" charset="0"/>
+                <a:ea typeface="Calibri" panose="020F0502020204030204" pitchFamily="34" charset="0"/>
+                <a:cs typeface="Arial" panose="020B0604020202020204" pitchFamily="34" charset="0"/>
+              </a:rPr>
+            </a:br>
+            <a:r>
+              <a:rPr lang="en-US" sz="1400" dirty="0">
+                <a:solidFill>
+                  <a:srgbClr val="000000"/>
+                </a:solidFill>
+                <a:latin typeface="Calibri" panose="020F0502020204030204" pitchFamily="34" charset="0"/>
+                <a:ea typeface="Calibri" panose="020F0502020204030204" pitchFamily="34" charset="0"/>
+                <a:cs typeface="Arial" panose="020B0604020202020204" pitchFamily="34" charset="0"/>
+              </a:rPr>
+              <a:t>}</a:t>
+            </a:r>
+            <a:endParaRPr lang="en-US" sz="1400" dirty="0"/>
+          </a:p>
+        </p:txBody>
+      </p:sp>
+      <p:sp>
+        <p:nvSpPr>
+          <p:cNvPr id="8" name="Rectangle 7"/>
+          <p:cNvSpPr/>
+          <p:nvPr/>
+        </p:nvSpPr>
+        <p:spPr>
+          <a:xfrm>
+            <a:off x="2987824" y="4731893"/>
+            <a:ext cx="5976664" cy="738664"/>
+          </a:xfrm>
+          <a:prstGeom prst="rect">
+            <a:avLst/>
+          </a:prstGeom>
+          <a:solidFill>
+            <a:schemeClr val="accent1">
+              <a:lumMod val="40000"/>
+              <a:lumOff val="60000"/>
+            </a:schemeClr>
+          </a:solidFill>
+        </p:spPr>
+        <p:txBody>
+          <a:bodyPr wrap="square">
+            <a:spAutoFit/>
+          </a:bodyPr>
+          <a:lstStyle/>
+          <a:p>
+            <a:r>
+              <a:rPr lang="en-US" sz="1400" b="1" dirty="0">
+                <a:solidFill>
+                  <a:srgbClr val="000080"/>
+                </a:solidFill>
+                <a:latin typeface="Calibri" panose="020F0502020204030204" pitchFamily="34" charset="0"/>
+                <a:ea typeface="Calibri" panose="020F0502020204030204" pitchFamily="34" charset="0"/>
+                <a:cs typeface="Arial" panose="020B0604020202020204" pitchFamily="34" charset="0"/>
+              </a:rPr>
+              <a:t>export class </a:t>
+            </a:r>
+            <a:r>
+              <a:rPr lang="en-US" sz="1400" dirty="0" err="1">
+                <a:solidFill>
+                  <a:srgbClr val="000000"/>
+                </a:solidFill>
+                <a:latin typeface="Calibri" panose="020F0502020204030204" pitchFamily="34" charset="0"/>
+                <a:ea typeface="Calibri" panose="020F0502020204030204" pitchFamily="34" charset="0"/>
+                <a:cs typeface="Arial" panose="020B0604020202020204" pitchFamily="34" charset="0"/>
+              </a:rPr>
+              <a:t>AppComponent</a:t>
+            </a:r>
+            <a:r>
+              <a:rPr lang="en-US" sz="1400" dirty="0">
+                <a:solidFill>
+                  <a:srgbClr val="000000"/>
+                </a:solidFill>
+                <a:latin typeface="Calibri" panose="020F0502020204030204" pitchFamily="34" charset="0"/>
+                <a:ea typeface="Calibri" panose="020F0502020204030204" pitchFamily="34" charset="0"/>
+                <a:cs typeface="Arial" panose="020B0604020202020204" pitchFamily="34" charset="0"/>
+              </a:rPr>
+              <a:t> {</a:t>
+            </a:r>
+            <a:br>
+              <a:rPr lang="en-US" sz="1400" dirty="0">
+                <a:solidFill>
+                  <a:srgbClr val="000000"/>
+                </a:solidFill>
+                <a:latin typeface="Calibri" panose="020F0502020204030204" pitchFamily="34" charset="0"/>
+                <a:ea typeface="Calibri" panose="020F0502020204030204" pitchFamily="34" charset="0"/>
+                <a:cs typeface="Arial" panose="020B0604020202020204" pitchFamily="34" charset="0"/>
+              </a:rPr>
+            </a:br>
+            <a:r>
+              <a:rPr lang="en-US" sz="1400" dirty="0">
+                <a:solidFill>
+                  <a:srgbClr val="000000"/>
+                </a:solidFill>
+                <a:latin typeface="Calibri" panose="020F0502020204030204" pitchFamily="34" charset="0"/>
+                <a:ea typeface="Calibri" panose="020F0502020204030204" pitchFamily="34" charset="0"/>
+                <a:cs typeface="Arial" panose="020B0604020202020204" pitchFamily="34" charset="0"/>
+              </a:rPr>
+              <a:t>    @</a:t>
+            </a:r>
+            <a:r>
+              <a:rPr lang="en-US" sz="1400" dirty="0" err="1">
+                <a:solidFill>
+                  <a:srgbClr val="000000"/>
+                </a:solidFill>
+                <a:latin typeface="Calibri" panose="020F0502020204030204" pitchFamily="34" charset="0"/>
+                <a:ea typeface="Calibri" panose="020F0502020204030204" pitchFamily="34" charset="0"/>
+                <a:cs typeface="Arial" panose="020B0604020202020204" pitchFamily="34" charset="0"/>
+              </a:rPr>
+              <a:t>ViewChild</a:t>
+            </a:r>
+            <a:r>
+              <a:rPr lang="en-US" sz="1400" dirty="0">
+                <a:solidFill>
+                  <a:srgbClr val="000000"/>
+                </a:solidFill>
+                <a:latin typeface="Calibri" panose="020F0502020204030204" pitchFamily="34" charset="0"/>
+                <a:ea typeface="Calibri" panose="020F0502020204030204" pitchFamily="34" charset="0"/>
+                <a:cs typeface="Arial" panose="020B0604020202020204" pitchFamily="34" charset="0"/>
+              </a:rPr>
+              <a:t>(</a:t>
+            </a:r>
+            <a:r>
+              <a:rPr lang="en-US" sz="1400" b="1" dirty="0">
+                <a:solidFill>
+                  <a:srgbClr val="008000"/>
+                </a:solidFill>
+                <a:latin typeface="Calibri" panose="020F0502020204030204" pitchFamily="34" charset="0"/>
+                <a:ea typeface="Calibri" panose="020F0502020204030204" pitchFamily="34" charset="0"/>
+                <a:cs typeface="Arial" panose="020B0604020202020204" pitchFamily="34" charset="0"/>
+              </a:rPr>
+              <a:t>"marker"</a:t>
+            </a:r>
+            <a:r>
+              <a:rPr lang="en-US" sz="1400" dirty="0">
+                <a:solidFill>
+                  <a:srgbClr val="000000"/>
+                </a:solidFill>
+                <a:latin typeface="Calibri" panose="020F0502020204030204" pitchFamily="34" charset="0"/>
+                <a:ea typeface="Calibri" panose="020F0502020204030204" pitchFamily="34" charset="0"/>
+                <a:cs typeface="Arial" panose="020B0604020202020204" pitchFamily="34" charset="0"/>
+              </a:rPr>
+              <a:t>, {</a:t>
+            </a:r>
+            <a:r>
+              <a:rPr lang="en-US" sz="1400" b="1" dirty="0">
+                <a:solidFill>
+                  <a:srgbClr val="660E7A"/>
+                </a:solidFill>
+                <a:latin typeface="Calibri" panose="020F0502020204030204" pitchFamily="34" charset="0"/>
+                <a:ea typeface="Calibri" panose="020F0502020204030204" pitchFamily="34" charset="0"/>
+                <a:cs typeface="Arial" panose="020B0604020202020204" pitchFamily="34" charset="0"/>
+              </a:rPr>
+              <a:t>read</a:t>
+            </a:r>
+            <a:r>
+              <a:rPr lang="en-US" sz="1400" dirty="0">
+                <a:solidFill>
+                  <a:srgbClr val="000000"/>
+                </a:solidFill>
+                <a:latin typeface="Calibri" panose="020F0502020204030204" pitchFamily="34" charset="0"/>
+                <a:ea typeface="Calibri" panose="020F0502020204030204" pitchFamily="34" charset="0"/>
+                <a:cs typeface="Arial" panose="020B0604020202020204" pitchFamily="34" charset="0"/>
+              </a:rPr>
+              <a:t>: </a:t>
+            </a:r>
+            <a:r>
+              <a:rPr lang="en-US" sz="1400" dirty="0" err="1">
+                <a:solidFill>
+                  <a:srgbClr val="000000"/>
+                </a:solidFill>
+                <a:latin typeface="Calibri" panose="020F0502020204030204" pitchFamily="34" charset="0"/>
+                <a:ea typeface="Calibri" panose="020F0502020204030204" pitchFamily="34" charset="0"/>
+                <a:cs typeface="Arial" panose="020B0604020202020204" pitchFamily="34" charset="0"/>
+              </a:rPr>
+              <a:t>ViewContainerRef</a:t>
+            </a:r>
+            <a:r>
+              <a:rPr lang="en-US" sz="1400" dirty="0">
+                <a:solidFill>
+                  <a:srgbClr val="000000"/>
+                </a:solidFill>
+                <a:latin typeface="Calibri" panose="020F0502020204030204" pitchFamily="34" charset="0"/>
+                <a:ea typeface="Calibri" panose="020F0502020204030204" pitchFamily="34" charset="0"/>
+                <a:cs typeface="Arial" panose="020B0604020202020204" pitchFamily="34" charset="0"/>
+              </a:rPr>
+              <a:t>}) </a:t>
+            </a:r>
+            <a:r>
+              <a:rPr lang="en-US" sz="1400" b="1" dirty="0">
+                <a:solidFill>
+                  <a:srgbClr val="660E7A"/>
+                </a:solidFill>
+                <a:latin typeface="Calibri" panose="020F0502020204030204" pitchFamily="34" charset="0"/>
+                <a:ea typeface="Calibri" panose="020F0502020204030204" pitchFamily="34" charset="0"/>
+                <a:cs typeface="Arial" panose="020B0604020202020204" pitchFamily="34" charset="0"/>
+              </a:rPr>
+              <a:t>marker</a:t>
+            </a:r>
+            <a:r>
+              <a:rPr lang="en-US" sz="1400" dirty="0">
+                <a:solidFill>
+                  <a:srgbClr val="000000"/>
+                </a:solidFill>
+                <a:latin typeface="Calibri" panose="020F0502020204030204" pitchFamily="34" charset="0"/>
+                <a:ea typeface="Calibri" panose="020F0502020204030204" pitchFamily="34" charset="0"/>
+                <a:cs typeface="Arial" panose="020B0604020202020204" pitchFamily="34" charset="0"/>
+              </a:rPr>
+              <a:t>: </a:t>
+            </a:r>
+            <a:r>
+              <a:rPr lang="en-US" sz="1400" dirty="0" err="1">
+                <a:solidFill>
+                  <a:srgbClr val="000000"/>
+                </a:solidFill>
+                <a:latin typeface="Calibri" panose="020F0502020204030204" pitchFamily="34" charset="0"/>
+                <a:ea typeface="Calibri" panose="020F0502020204030204" pitchFamily="34" charset="0"/>
+                <a:cs typeface="Arial" panose="020B0604020202020204" pitchFamily="34" charset="0"/>
+              </a:rPr>
+              <a:t>ViewContainerRef</a:t>
+            </a:r>
+            <a:r>
+              <a:rPr lang="en-US" sz="1400" dirty="0">
+                <a:solidFill>
+                  <a:srgbClr val="000000"/>
+                </a:solidFill>
+                <a:latin typeface="Calibri" panose="020F0502020204030204" pitchFamily="34" charset="0"/>
+                <a:ea typeface="Calibri" panose="020F0502020204030204" pitchFamily="34" charset="0"/>
+                <a:cs typeface="Arial" panose="020B0604020202020204" pitchFamily="34" charset="0"/>
+              </a:rPr>
+              <a:t>;</a:t>
+            </a:r>
+            <a:br>
+              <a:rPr lang="en-US" sz="1400" dirty="0">
+                <a:solidFill>
+                  <a:srgbClr val="000000"/>
+                </a:solidFill>
+                <a:latin typeface="Calibri" panose="020F0502020204030204" pitchFamily="34" charset="0"/>
+                <a:ea typeface="Calibri" panose="020F0502020204030204" pitchFamily="34" charset="0"/>
+                <a:cs typeface="Arial" panose="020B0604020202020204" pitchFamily="34" charset="0"/>
+              </a:rPr>
+            </a:br>
+            <a:r>
+              <a:rPr lang="en-US" sz="1400" dirty="0">
+                <a:solidFill>
+                  <a:srgbClr val="000000"/>
+                </a:solidFill>
+                <a:latin typeface="Calibri" panose="020F0502020204030204" pitchFamily="34" charset="0"/>
+                <a:ea typeface="Calibri" panose="020F0502020204030204" pitchFamily="34" charset="0"/>
+                <a:cs typeface="Arial" panose="020B0604020202020204" pitchFamily="34" charset="0"/>
+              </a:rPr>
+              <a:t>}</a:t>
+            </a:r>
+            <a:endParaRPr lang="en-US" sz="1400" dirty="0"/>
+          </a:p>
+        </p:txBody>
+      </p:sp>
+      <p:grpSp>
+        <p:nvGrpSpPr>
+          <p:cNvPr id="20" name="Group 19"/>
+          <p:cNvGrpSpPr/>
+          <p:nvPr/>
+        </p:nvGrpSpPr>
+        <p:grpSpPr>
+          <a:xfrm>
+            <a:off x="490368" y="3933056"/>
+            <a:ext cx="2929504" cy="1910011"/>
+            <a:chOff x="490368" y="3933056"/>
+            <a:chExt cx="2929504" cy="1910011"/>
+          </a:xfrm>
+        </p:grpSpPr>
+        <p:cxnSp>
+          <p:nvCxnSpPr>
+            <p:cNvPr id="11" name="Straight Connector 10"/>
+            <p:cNvCxnSpPr>
+              <a:cxnSpLocks/>
+              <a:stCxn id="10" idx="3"/>
+            </p:cNvCxnSpPr>
+            <p:nvPr/>
+          </p:nvCxnSpPr>
+          <p:spPr>
+            <a:xfrm flipV="1">
+              <a:off x="2080696" y="3933056"/>
+              <a:ext cx="1339176" cy="1261939"/>
+            </a:xfrm>
+            <a:prstGeom prst="line">
+              <a:avLst/>
+            </a:prstGeom>
+            <a:ln>
+              <a:tailEnd type="triangle"/>
+            </a:ln>
+          </p:spPr>
+          <p:style>
+            <a:lnRef idx="2">
+              <a:schemeClr val="accent4">
+                <a:shade val="50000"/>
+              </a:schemeClr>
+            </a:lnRef>
+            <a:fillRef idx="1">
+              <a:schemeClr val="accent4"/>
+            </a:fillRef>
+            <a:effectRef idx="0">
+              <a:schemeClr val="accent4"/>
+            </a:effectRef>
+            <a:fontRef idx="minor">
+              <a:schemeClr val="lt1"/>
+            </a:fontRef>
+          </p:style>
+        </p:cxnSp>
+        <p:sp>
+          <p:nvSpPr>
+            <p:cNvPr id="10" name="Rectangle 9"/>
+            <p:cNvSpPr/>
+            <p:nvPr/>
+          </p:nvSpPr>
+          <p:spPr>
+            <a:xfrm>
+              <a:off x="490368" y="4546923"/>
+              <a:ext cx="1590328" cy="1296144"/>
+            </a:xfrm>
+            <a:prstGeom prst="rect">
+              <a:avLst/>
+            </a:prstGeom>
+            <a:solidFill>
+              <a:schemeClr val="accent4"/>
+            </a:solidFill>
+            <a:ln>
+              <a:noFill/>
+            </a:ln>
+          </p:spPr>
+          <p:style>
+            <a:lnRef idx="2">
+              <a:schemeClr val="accent1">
+                <a:shade val="50000"/>
+              </a:schemeClr>
+            </a:lnRef>
+            <a:fillRef idx="1">
+              <a:schemeClr val="accent1"/>
+            </a:fillRef>
+            <a:effectRef idx="0">
+              <a:schemeClr val="accent1"/>
+            </a:effectRef>
+            <a:fontRef idx="minor">
+              <a:schemeClr val="lt1"/>
+            </a:fontRef>
+          </p:style>
+          <p:txBody>
+            <a:bodyPr rtlCol="1" anchor="ctr"/>
+            <a:lstStyle/>
+            <a:p>
+              <a:pPr algn="ctr"/>
+              <a:r>
+                <a:rPr lang="en-US" sz="1400" dirty="0" smtClean="0"/>
+                <a:t>Add the component to the module</a:t>
+              </a:r>
+              <a:endParaRPr lang="he-IL" sz="1400" dirty="0"/>
+            </a:p>
+          </p:txBody>
+        </p:sp>
+        <p:cxnSp>
+          <p:nvCxnSpPr>
+            <p:cNvPr id="14" name="Straight Connector 13"/>
+            <p:cNvCxnSpPr>
+              <a:cxnSpLocks/>
+              <a:stCxn id="10" idx="3"/>
+            </p:cNvCxnSpPr>
+            <p:nvPr/>
+          </p:nvCxnSpPr>
+          <p:spPr>
+            <a:xfrm flipV="1">
+              <a:off x="2080696" y="5085184"/>
+              <a:ext cx="1123152" cy="109811"/>
+            </a:xfrm>
+            <a:prstGeom prst="line">
+              <a:avLst/>
+            </a:prstGeom>
+            <a:ln>
+              <a:tailEnd type="triangle"/>
+            </a:ln>
+          </p:spPr>
+          <p:style>
+            <a:lnRef idx="2">
+              <a:schemeClr val="accent4">
+                <a:shade val="50000"/>
+              </a:schemeClr>
+            </a:lnRef>
+            <a:fillRef idx="1">
+              <a:schemeClr val="accent4"/>
+            </a:fillRef>
+            <a:effectRef idx="0">
+              <a:schemeClr val="accent4"/>
+            </a:effectRef>
+            <a:fontRef idx="minor">
+              <a:schemeClr val="lt1"/>
+            </a:fontRef>
+          </p:style>
+        </p:cxnSp>
+      </p:grpSp>
+      <p:sp>
+        <p:nvSpPr>
+          <p:cNvPr id="19" name="Rectangle 18"/>
+          <p:cNvSpPr/>
+          <p:nvPr/>
+        </p:nvSpPr>
+        <p:spPr>
+          <a:xfrm>
+            <a:off x="3825233" y="6036527"/>
+            <a:ext cx="1728230" cy="307777"/>
+          </a:xfrm>
+          <a:prstGeom prst="rect">
+            <a:avLst/>
+          </a:prstGeom>
+          <a:solidFill>
+            <a:schemeClr val="accent1">
+              <a:lumMod val="40000"/>
+              <a:lumOff val="60000"/>
+            </a:schemeClr>
+          </a:solidFill>
+        </p:spPr>
+        <p:txBody>
+          <a:bodyPr wrap="none">
+            <a:spAutoFit/>
+          </a:bodyPr>
+          <a:lstStyle/>
+          <a:p>
+            <a:r>
+              <a:rPr lang="en-US" sz="1400" dirty="0">
+                <a:solidFill>
+                  <a:srgbClr val="000000"/>
+                </a:solidFill>
+                <a:latin typeface="Calibri" panose="020F0502020204030204" pitchFamily="34" charset="0"/>
+                <a:ea typeface="Calibri" panose="020F0502020204030204" pitchFamily="34" charset="0"/>
+                <a:cs typeface="Arial" panose="020B0604020202020204" pitchFamily="34" charset="0"/>
+              </a:rPr>
+              <a:t>&lt;</a:t>
+            </a:r>
+            <a:r>
+              <a:rPr lang="en-US" sz="1400" b="1" dirty="0">
+                <a:solidFill>
+                  <a:srgbClr val="000080"/>
+                </a:solidFill>
+                <a:latin typeface="Calibri" panose="020F0502020204030204" pitchFamily="34" charset="0"/>
+                <a:ea typeface="Calibri" panose="020F0502020204030204" pitchFamily="34" charset="0"/>
+                <a:cs typeface="Arial" panose="020B0604020202020204" pitchFamily="34" charset="0"/>
+              </a:rPr>
+              <a:t>div </a:t>
+            </a:r>
+            <a:r>
+              <a:rPr lang="en-US" sz="1400" b="1" dirty="0">
+                <a:solidFill>
+                  <a:srgbClr val="0000FF"/>
+                </a:solidFill>
+                <a:latin typeface="Calibri" panose="020F0502020204030204" pitchFamily="34" charset="0"/>
+                <a:ea typeface="Calibri" panose="020F0502020204030204" pitchFamily="34" charset="0"/>
+                <a:cs typeface="Arial" panose="020B0604020202020204" pitchFamily="34" charset="0"/>
+              </a:rPr>
+              <a:t>#marker</a:t>
+            </a:r>
+            <a:r>
+              <a:rPr lang="en-US" sz="1400" dirty="0">
+                <a:solidFill>
+                  <a:srgbClr val="000000"/>
+                </a:solidFill>
+                <a:latin typeface="Calibri" panose="020F0502020204030204" pitchFamily="34" charset="0"/>
+                <a:ea typeface="Calibri" panose="020F0502020204030204" pitchFamily="34" charset="0"/>
+                <a:cs typeface="Arial" panose="020B0604020202020204" pitchFamily="34" charset="0"/>
+              </a:rPr>
+              <a:t>&gt;&lt;/</a:t>
+            </a:r>
+            <a:r>
+              <a:rPr lang="en-US" sz="1400" b="1" dirty="0">
+                <a:solidFill>
+                  <a:srgbClr val="000080"/>
+                </a:solidFill>
+                <a:latin typeface="Calibri" panose="020F0502020204030204" pitchFamily="34" charset="0"/>
+                <a:ea typeface="Calibri" panose="020F0502020204030204" pitchFamily="34" charset="0"/>
+                <a:cs typeface="Arial" panose="020B0604020202020204" pitchFamily="34" charset="0"/>
+              </a:rPr>
+              <a:t>div</a:t>
+            </a:r>
+            <a:r>
+              <a:rPr lang="en-US" sz="1400" dirty="0">
+                <a:solidFill>
+                  <a:srgbClr val="000000"/>
+                </a:solidFill>
+                <a:latin typeface="Calibri" panose="020F0502020204030204" pitchFamily="34" charset="0"/>
+                <a:ea typeface="Calibri" panose="020F0502020204030204" pitchFamily="34" charset="0"/>
+                <a:cs typeface="Arial" panose="020B0604020202020204" pitchFamily="34" charset="0"/>
+              </a:rPr>
+              <a:t>&gt;</a:t>
+            </a:r>
+            <a:endParaRPr lang="en-US" sz="1400" dirty="0"/>
           </a:p>
         </p:txBody>
       </p:sp>
@@ -26437,6 +27092,888 @@
     <p:extLst>
       <p:ext uri="{BB962C8B-B14F-4D97-AF65-F5344CB8AC3E}">
         <p14:creationId xmlns:p14="http://schemas.microsoft.com/office/powerpoint/2010/main" val="130204897"/>
+      </p:ext>
+    </p:extLst>
+  </p:cSld>
+  <p:clrMapOvr>
+    <a:masterClrMapping/>
+  </p:clrMapOvr>
+</p:sld>
+</file>
+
+<file path=ppt/slides/slide39.xml><?xml version="1.0" encoding="utf-8"?>
+<p:sld xmlns:a="http://schemas.openxmlformats.org/drawingml/2006/main" xmlns:r="http://schemas.openxmlformats.org/officeDocument/2006/relationships" xmlns:p="http://schemas.openxmlformats.org/presentationml/2006/main">
+  <p:cSld>
+    <p:spTree>
+      <p:nvGrpSpPr>
+        <p:cNvPr id="1" name=""/>
+        <p:cNvGrpSpPr/>
+        <p:nvPr/>
+      </p:nvGrpSpPr>
+      <p:grpSpPr>
+        <a:xfrm>
+          <a:off x="0" y="0"/>
+          <a:ext cx="0" cy="0"/>
+          <a:chOff x="0" y="0"/>
+          <a:chExt cx="0" cy="0"/>
+        </a:xfrm>
+      </p:grpSpPr>
+      <p:sp>
+        <p:nvSpPr>
+          <p:cNvPr id="2" name="Title 1"/>
+          <p:cNvSpPr>
+            <a:spLocks noGrp="1"/>
+          </p:cNvSpPr>
+          <p:nvPr>
+            <p:ph type="title"/>
+          </p:nvPr>
+        </p:nvSpPr>
+        <p:spPr/>
+        <p:txBody>
+          <a:bodyPr>
+            <a:normAutofit fontScale="90000"/>
+          </a:bodyPr>
+          <a:lstStyle/>
+          <a:p>
+            <a:r>
+              <a:rPr lang="en-US" dirty="0" smtClean="0"/>
+              <a:t>Controlling Dynamic Component State</a:t>
+            </a:r>
+            <a:endParaRPr lang="en-US" dirty="0"/>
+          </a:p>
+        </p:txBody>
+      </p:sp>
+      <p:sp>
+        <p:nvSpPr>
+          <p:cNvPr id="3" name="Footer Placeholder 2"/>
+          <p:cNvSpPr>
+            <a:spLocks noGrp="1"/>
+          </p:cNvSpPr>
+          <p:nvPr>
+            <p:ph type="ftr" sz="quarter" idx="11"/>
+          </p:nvPr>
+        </p:nvSpPr>
+        <p:spPr/>
+        <p:txBody>
+          <a:bodyPr/>
+          <a:lstStyle/>
+          <a:p>
+            <a:r>
+              <a:rPr lang="en-US" smtClean="0"/>
+              <a:t>© 2016 Ori Calvo</a:t>
+            </a:r>
+            <a:endParaRPr lang="en-US" dirty="0"/>
+          </a:p>
+        </p:txBody>
+      </p:sp>
+      <p:sp>
+        <p:nvSpPr>
+          <p:cNvPr id="4" name="Slide Number Placeholder 3"/>
+          <p:cNvSpPr>
+            <a:spLocks noGrp="1"/>
+          </p:cNvSpPr>
+          <p:nvPr>
+            <p:ph type="sldNum" sz="quarter" idx="12"/>
+          </p:nvPr>
+        </p:nvSpPr>
+        <p:spPr/>
+        <p:txBody>
+          <a:bodyPr>
+            <a:normAutofit fontScale="85000" lnSpcReduction="20000"/>
+          </a:bodyPr>
+          <a:lstStyle/>
+          <a:p>
+            <a:fld id="{6EDEC3BC-0694-4586-AE63-02B4D54ABF43}" type="slidenum">
+              <a:rPr lang="en-US" smtClean="0"/>
+              <a:pPr/>
+              <a:t>39</a:t>
+            </a:fld>
+            <a:endParaRPr lang="en-US"/>
+          </a:p>
+        </p:txBody>
+      </p:sp>
+      <p:sp>
+        <p:nvSpPr>
+          <p:cNvPr id="5" name="Content Placeholder 4"/>
+          <p:cNvSpPr>
+            <a:spLocks noGrp="1"/>
+          </p:cNvSpPr>
+          <p:nvPr>
+            <p:ph sz="quarter" idx="1"/>
+          </p:nvPr>
+        </p:nvSpPr>
+        <p:spPr/>
+        <p:txBody>
+          <a:bodyPr/>
+          <a:lstStyle/>
+          <a:p>
+            <a:r>
+              <a:rPr lang="en-US" dirty="0" smtClean="0"/>
+              <a:t>Creating component at runtime is just a mechanism to inject a template into existing parent component</a:t>
+            </a:r>
+          </a:p>
+          <a:p>
+            <a:r>
+              <a:rPr lang="en-US" dirty="0" smtClean="0"/>
+              <a:t>How can we let template attach to parent state ?</a:t>
+            </a:r>
+            <a:endParaRPr lang="en-US" dirty="0"/>
+          </a:p>
+        </p:txBody>
+      </p:sp>
+      <p:sp>
+        <p:nvSpPr>
+          <p:cNvPr id="7" name="Rectangle 6"/>
+          <p:cNvSpPr/>
+          <p:nvPr/>
+        </p:nvSpPr>
+        <p:spPr>
+          <a:xfrm>
+            <a:off x="2738076" y="3294246"/>
+            <a:ext cx="5796136" cy="1600438"/>
+          </a:xfrm>
+          <a:prstGeom prst="rect">
+            <a:avLst/>
+          </a:prstGeom>
+          <a:solidFill>
+            <a:schemeClr val="accent1">
+              <a:lumMod val="40000"/>
+              <a:lumOff val="60000"/>
+            </a:schemeClr>
+          </a:solidFill>
+        </p:spPr>
+        <p:txBody>
+          <a:bodyPr wrap="square">
+            <a:spAutoFit/>
+          </a:bodyPr>
+          <a:lstStyle/>
+          <a:p>
+            <a:r>
+              <a:rPr lang="en-US" sz="1400" dirty="0" err="1">
+                <a:solidFill>
+                  <a:srgbClr val="7A7A43"/>
+                </a:solidFill>
+                <a:latin typeface="Calibri" panose="020F0502020204030204" pitchFamily="34" charset="0"/>
+                <a:ea typeface="Calibri" panose="020F0502020204030204" pitchFamily="34" charset="0"/>
+                <a:cs typeface="Arial" panose="020B0604020202020204" pitchFamily="34" charset="0"/>
+              </a:rPr>
+              <a:t>injectTemplate</a:t>
+            </a:r>
+            <a:r>
+              <a:rPr lang="en-US" sz="1400" dirty="0">
+                <a:solidFill>
+                  <a:srgbClr val="000000"/>
+                </a:solidFill>
+                <a:latin typeface="Calibri" panose="020F0502020204030204" pitchFamily="34" charset="0"/>
+                <a:ea typeface="Calibri" panose="020F0502020204030204" pitchFamily="34" charset="0"/>
+                <a:cs typeface="Arial" panose="020B0604020202020204" pitchFamily="34" charset="0"/>
+              </a:rPr>
+              <a:t>() {</a:t>
+            </a:r>
+            <a:br>
+              <a:rPr lang="en-US" sz="1400" dirty="0">
+                <a:solidFill>
+                  <a:srgbClr val="000000"/>
+                </a:solidFill>
+                <a:latin typeface="Calibri" panose="020F0502020204030204" pitchFamily="34" charset="0"/>
+                <a:ea typeface="Calibri" panose="020F0502020204030204" pitchFamily="34" charset="0"/>
+                <a:cs typeface="Arial" panose="020B0604020202020204" pitchFamily="34" charset="0"/>
+              </a:rPr>
+            </a:br>
+            <a:r>
+              <a:rPr lang="en-US" sz="1400" dirty="0">
+                <a:solidFill>
+                  <a:srgbClr val="000000"/>
+                </a:solidFill>
+                <a:latin typeface="Calibri" panose="020F0502020204030204" pitchFamily="34" charset="0"/>
+                <a:ea typeface="Calibri" panose="020F0502020204030204" pitchFamily="34" charset="0"/>
+                <a:cs typeface="Arial" panose="020B0604020202020204" pitchFamily="34" charset="0"/>
+              </a:rPr>
+              <a:t>    </a:t>
+            </a:r>
+            <a:r>
+              <a:rPr lang="en-US" sz="1400" b="1" dirty="0" err="1">
+                <a:solidFill>
+                  <a:srgbClr val="000080"/>
+                </a:solidFill>
+                <a:latin typeface="Calibri" panose="020F0502020204030204" pitchFamily="34" charset="0"/>
+                <a:ea typeface="Calibri" panose="020F0502020204030204" pitchFamily="34" charset="0"/>
+                <a:cs typeface="Arial" panose="020B0604020202020204" pitchFamily="34" charset="0"/>
+              </a:rPr>
+              <a:t>const</a:t>
+            </a:r>
+            <a:r>
+              <a:rPr lang="en-US" sz="1400" b="1" dirty="0">
+                <a:solidFill>
+                  <a:srgbClr val="000080"/>
+                </a:solidFill>
+                <a:latin typeface="Calibri" panose="020F0502020204030204" pitchFamily="34" charset="0"/>
+                <a:ea typeface="Calibri" panose="020F0502020204030204" pitchFamily="34" charset="0"/>
+                <a:cs typeface="Arial" panose="020B0604020202020204" pitchFamily="34" charset="0"/>
+              </a:rPr>
+              <a:t> </a:t>
+            </a:r>
+            <a:r>
+              <a:rPr lang="en-US" sz="1400" dirty="0">
+                <a:solidFill>
+                  <a:srgbClr val="458383"/>
+                </a:solidFill>
+                <a:latin typeface="Calibri" panose="020F0502020204030204" pitchFamily="34" charset="0"/>
+                <a:ea typeface="Calibri" panose="020F0502020204030204" pitchFamily="34" charset="0"/>
+                <a:cs typeface="Arial" panose="020B0604020202020204" pitchFamily="34" charset="0"/>
+              </a:rPr>
+              <a:t>template </a:t>
+            </a:r>
+            <a:r>
+              <a:rPr lang="en-US" sz="1400" dirty="0">
+                <a:solidFill>
+                  <a:srgbClr val="000000"/>
+                </a:solidFill>
+                <a:latin typeface="Calibri" panose="020F0502020204030204" pitchFamily="34" charset="0"/>
+                <a:ea typeface="Calibri" panose="020F0502020204030204" pitchFamily="34" charset="0"/>
+                <a:cs typeface="Arial" panose="020B0604020202020204" pitchFamily="34" charset="0"/>
+              </a:rPr>
+              <a:t>= </a:t>
+            </a:r>
+            <a:r>
+              <a:rPr lang="en-US" sz="1400" b="1" dirty="0">
+                <a:solidFill>
+                  <a:srgbClr val="008000"/>
+                </a:solidFill>
+                <a:latin typeface="Calibri" panose="020F0502020204030204" pitchFamily="34" charset="0"/>
+                <a:ea typeface="Calibri" panose="020F0502020204030204" pitchFamily="34" charset="0"/>
+                <a:cs typeface="Arial" panose="020B0604020202020204" pitchFamily="34" charset="0"/>
+              </a:rPr>
+              <a:t>"&lt;h1&gt;{{</a:t>
+            </a:r>
+            <a:r>
+              <a:rPr lang="en-US" sz="1400" b="1" dirty="0" err="1">
+                <a:solidFill>
+                  <a:srgbClr val="008000"/>
+                </a:solidFill>
+                <a:latin typeface="Calibri" panose="020F0502020204030204" pitchFamily="34" charset="0"/>
+                <a:ea typeface="Calibri" panose="020F0502020204030204" pitchFamily="34" charset="0"/>
+                <a:cs typeface="Arial" panose="020B0604020202020204" pitchFamily="34" charset="0"/>
+              </a:rPr>
+              <a:t>state.counter</a:t>
+            </a:r>
+            <a:r>
+              <a:rPr lang="en-US" sz="1400" b="1" dirty="0">
+                <a:solidFill>
+                  <a:srgbClr val="008000"/>
+                </a:solidFill>
+                <a:latin typeface="Calibri" panose="020F0502020204030204" pitchFamily="34" charset="0"/>
+                <a:ea typeface="Calibri" panose="020F0502020204030204" pitchFamily="34" charset="0"/>
+                <a:cs typeface="Arial" panose="020B0604020202020204" pitchFamily="34" charset="0"/>
+              </a:rPr>
+              <a:t>}}&lt;/h1&gt;"</a:t>
+            </a:r>
+            <a:r>
+              <a:rPr lang="en-US" sz="1400" dirty="0">
+                <a:solidFill>
+                  <a:srgbClr val="000000"/>
+                </a:solidFill>
+                <a:latin typeface="Calibri" panose="020F0502020204030204" pitchFamily="34" charset="0"/>
+                <a:ea typeface="Calibri" panose="020F0502020204030204" pitchFamily="34" charset="0"/>
+                <a:cs typeface="Arial" panose="020B0604020202020204" pitchFamily="34" charset="0"/>
+              </a:rPr>
+              <a:t>;</a:t>
+            </a:r>
+            <a:br>
+              <a:rPr lang="en-US" sz="1400" dirty="0">
+                <a:solidFill>
+                  <a:srgbClr val="000000"/>
+                </a:solidFill>
+                <a:latin typeface="Calibri" panose="020F0502020204030204" pitchFamily="34" charset="0"/>
+                <a:ea typeface="Calibri" panose="020F0502020204030204" pitchFamily="34" charset="0"/>
+                <a:cs typeface="Arial" panose="020B0604020202020204" pitchFamily="34" charset="0"/>
+              </a:rPr>
+            </a:br>
+            <a:r>
+              <a:rPr lang="en-US" sz="1400" dirty="0">
+                <a:solidFill>
+                  <a:srgbClr val="000000"/>
+                </a:solidFill>
+                <a:latin typeface="Calibri" panose="020F0502020204030204" pitchFamily="34" charset="0"/>
+                <a:ea typeface="Calibri" panose="020F0502020204030204" pitchFamily="34" charset="0"/>
+                <a:cs typeface="Arial" panose="020B0604020202020204" pitchFamily="34" charset="0"/>
+              </a:rPr>
+              <a:t>    </a:t>
+            </a:r>
+            <a:r>
+              <a:rPr lang="en-US" sz="1400" b="1" dirty="0" err="1">
+                <a:solidFill>
+                  <a:srgbClr val="000080"/>
+                </a:solidFill>
+                <a:latin typeface="Calibri" panose="020F0502020204030204" pitchFamily="34" charset="0"/>
+                <a:ea typeface="Calibri" panose="020F0502020204030204" pitchFamily="34" charset="0"/>
+                <a:cs typeface="Arial" panose="020B0604020202020204" pitchFamily="34" charset="0"/>
+              </a:rPr>
+              <a:t>const</a:t>
+            </a:r>
+            <a:r>
+              <a:rPr lang="en-US" sz="1400" b="1" dirty="0">
+                <a:solidFill>
+                  <a:srgbClr val="000080"/>
+                </a:solidFill>
+                <a:latin typeface="Calibri" panose="020F0502020204030204" pitchFamily="34" charset="0"/>
+                <a:ea typeface="Calibri" panose="020F0502020204030204" pitchFamily="34" charset="0"/>
+                <a:cs typeface="Arial" panose="020B0604020202020204" pitchFamily="34" charset="0"/>
+              </a:rPr>
+              <a:t> </a:t>
+            </a:r>
+            <a:r>
+              <a:rPr lang="en-US" sz="1400" dirty="0" err="1">
+                <a:solidFill>
+                  <a:srgbClr val="458383"/>
+                </a:solidFill>
+                <a:latin typeface="Calibri" panose="020F0502020204030204" pitchFamily="34" charset="0"/>
+                <a:ea typeface="Calibri" panose="020F0502020204030204" pitchFamily="34" charset="0"/>
+                <a:cs typeface="Arial" panose="020B0604020202020204" pitchFamily="34" charset="0"/>
+              </a:rPr>
+              <a:t>componentFactory</a:t>
+            </a:r>
+            <a:r>
+              <a:rPr lang="en-US" sz="1400" dirty="0">
+                <a:solidFill>
+                  <a:srgbClr val="458383"/>
+                </a:solidFill>
+                <a:latin typeface="Calibri" panose="020F0502020204030204" pitchFamily="34" charset="0"/>
+                <a:ea typeface="Calibri" panose="020F0502020204030204" pitchFamily="34" charset="0"/>
+                <a:cs typeface="Arial" panose="020B0604020202020204" pitchFamily="34" charset="0"/>
+              </a:rPr>
+              <a:t> </a:t>
+            </a:r>
+            <a:r>
+              <a:rPr lang="en-US" sz="1400" dirty="0">
+                <a:solidFill>
+                  <a:srgbClr val="000000"/>
+                </a:solidFill>
+                <a:latin typeface="Calibri" panose="020F0502020204030204" pitchFamily="34" charset="0"/>
+                <a:ea typeface="Calibri" panose="020F0502020204030204" pitchFamily="34" charset="0"/>
+                <a:cs typeface="Arial" panose="020B0604020202020204" pitchFamily="34" charset="0"/>
+              </a:rPr>
+              <a:t>= </a:t>
+            </a:r>
+            <a:r>
+              <a:rPr lang="en-US" sz="1400" b="1" dirty="0" err="1">
+                <a:solidFill>
+                  <a:srgbClr val="000080"/>
+                </a:solidFill>
+                <a:latin typeface="Calibri" panose="020F0502020204030204" pitchFamily="34" charset="0"/>
+                <a:ea typeface="Calibri" panose="020F0502020204030204" pitchFamily="34" charset="0"/>
+                <a:cs typeface="Arial" panose="020B0604020202020204" pitchFamily="34" charset="0"/>
+              </a:rPr>
+              <a:t>this</a:t>
+            </a:r>
+            <a:r>
+              <a:rPr lang="en-US" sz="1400" dirty="0" err="1">
+                <a:solidFill>
+                  <a:srgbClr val="000000"/>
+                </a:solidFill>
+                <a:latin typeface="Calibri" panose="020F0502020204030204" pitchFamily="34" charset="0"/>
+                <a:ea typeface="Calibri" panose="020F0502020204030204" pitchFamily="34" charset="0"/>
+                <a:cs typeface="Arial" panose="020B0604020202020204" pitchFamily="34" charset="0"/>
+              </a:rPr>
+              <a:t>.</a:t>
+            </a:r>
+            <a:r>
+              <a:rPr lang="en-US" sz="1400" dirty="0" err="1">
+                <a:solidFill>
+                  <a:srgbClr val="7A7A43"/>
+                </a:solidFill>
+                <a:latin typeface="Calibri" panose="020F0502020204030204" pitchFamily="34" charset="0"/>
+                <a:ea typeface="Calibri" panose="020F0502020204030204" pitchFamily="34" charset="0"/>
+                <a:cs typeface="Arial" panose="020B0604020202020204" pitchFamily="34" charset="0"/>
+              </a:rPr>
+              <a:t>createComponentFactory</a:t>
+            </a:r>
+            <a:r>
+              <a:rPr lang="en-US" sz="1400" dirty="0">
+                <a:solidFill>
+                  <a:srgbClr val="000000"/>
+                </a:solidFill>
+                <a:latin typeface="Calibri" panose="020F0502020204030204" pitchFamily="34" charset="0"/>
+                <a:ea typeface="Calibri" panose="020F0502020204030204" pitchFamily="34" charset="0"/>
+                <a:cs typeface="Arial" panose="020B0604020202020204" pitchFamily="34" charset="0"/>
+              </a:rPr>
+              <a:t>(</a:t>
+            </a:r>
+            <a:r>
+              <a:rPr lang="en-US" sz="1400" dirty="0">
+                <a:solidFill>
+                  <a:srgbClr val="458383"/>
+                </a:solidFill>
+                <a:latin typeface="Calibri" panose="020F0502020204030204" pitchFamily="34" charset="0"/>
+                <a:ea typeface="Calibri" panose="020F0502020204030204" pitchFamily="34" charset="0"/>
+                <a:cs typeface="Arial" panose="020B0604020202020204" pitchFamily="34" charset="0"/>
+              </a:rPr>
+              <a:t>template</a:t>
+            </a:r>
+            <a:r>
+              <a:rPr lang="en-US" sz="1400" dirty="0">
+                <a:solidFill>
+                  <a:srgbClr val="000000"/>
+                </a:solidFill>
+                <a:latin typeface="Calibri" panose="020F0502020204030204" pitchFamily="34" charset="0"/>
+                <a:ea typeface="Calibri" panose="020F0502020204030204" pitchFamily="34" charset="0"/>
+                <a:cs typeface="Arial" panose="020B0604020202020204" pitchFamily="34" charset="0"/>
+              </a:rPr>
+              <a:t>);</a:t>
+            </a:r>
+            <a:br>
+              <a:rPr lang="en-US" sz="1400" dirty="0">
+                <a:solidFill>
+                  <a:srgbClr val="000000"/>
+                </a:solidFill>
+                <a:latin typeface="Calibri" panose="020F0502020204030204" pitchFamily="34" charset="0"/>
+                <a:ea typeface="Calibri" panose="020F0502020204030204" pitchFamily="34" charset="0"/>
+                <a:cs typeface="Arial" panose="020B0604020202020204" pitchFamily="34" charset="0"/>
+              </a:rPr>
+            </a:br>
+            <a:r>
+              <a:rPr lang="en-US" sz="1400" dirty="0">
+                <a:solidFill>
+                  <a:srgbClr val="000000"/>
+                </a:solidFill>
+                <a:latin typeface="Calibri" panose="020F0502020204030204" pitchFamily="34" charset="0"/>
+                <a:ea typeface="Calibri" panose="020F0502020204030204" pitchFamily="34" charset="0"/>
+                <a:cs typeface="Arial" panose="020B0604020202020204" pitchFamily="34" charset="0"/>
+              </a:rPr>
+              <a:t>    </a:t>
+            </a:r>
+            <a:r>
+              <a:rPr lang="en-US" sz="1400" b="1" dirty="0" err="1">
+                <a:solidFill>
+                  <a:srgbClr val="000080"/>
+                </a:solidFill>
+                <a:latin typeface="Calibri" panose="020F0502020204030204" pitchFamily="34" charset="0"/>
+                <a:ea typeface="Calibri" panose="020F0502020204030204" pitchFamily="34" charset="0"/>
+                <a:cs typeface="Arial" panose="020B0604020202020204" pitchFamily="34" charset="0"/>
+              </a:rPr>
+              <a:t>const</a:t>
+            </a:r>
+            <a:r>
+              <a:rPr lang="en-US" sz="1400" b="1" dirty="0">
+                <a:solidFill>
+                  <a:srgbClr val="000080"/>
+                </a:solidFill>
+                <a:latin typeface="Calibri" panose="020F0502020204030204" pitchFamily="34" charset="0"/>
+                <a:ea typeface="Calibri" panose="020F0502020204030204" pitchFamily="34" charset="0"/>
+                <a:cs typeface="Arial" panose="020B0604020202020204" pitchFamily="34" charset="0"/>
+              </a:rPr>
+              <a:t> </a:t>
+            </a:r>
+            <a:r>
+              <a:rPr lang="en-US" sz="1400" dirty="0" err="1">
+                <a:solidFill>
+                  <a:srgbClr val="458383"/>
+                </a:solidFill>
+                <a:latin typeface="Calibri" panose="020F0502020204030204" pitchFamily="34" charset="0"/>
+                <a:ea typeface="Calibri" panose="020F0502020204030204" pitchFamily="34" charset="0"/>
+                <a:cs typeface="Arial" panose="020B0604020202020204" pitchFamily="34" charset="0"/>
+              </a:rPr>
+              <a:t>componentRef</a:t>
+            </a:r>
+            <a:r>
+              <a:rPr lang="en-US" sz="1400" dirty="0">
+                <a:solidFill>
+                  <a:srgbClr val="458383"/>
+                </a:solidFill>
+                <a:latin typeface="Calibri" panose="020F0502020204030204" pitchFamily="34" charset="0"/>
+                <a:ea typeface="Calibri" panose="020F0502020204030204" pitchFamily="34" charset="0"/>
+                <a:cs typeface="Arial" panose="020B0604020202020204" pitchFamily="34" charset="0"/>
+              </a:rPr>
+              <a:t> </a:t>
+            </a:r>
+            <a:r>
+              <a:rPr lang="en-US" sz="1400" dirty="0">
+                <a:solidFill>
+                  <a:srgbClr val="000000"/>
+                </a:solidFill>
+                <a:latin typeface="Calibri" panose="020F0502020204030204" pitchFamily="34" charset="0"/>
+                <a:ea typeface="Calibri" panose="020F0502020204030204" pitchFamily="34" charset="0"/>
+                <a:cs typeface="Arial" panose="020B0604020202020204" pitchFamily="34" charset="0"/>
+              </a:rPr>
+              <a:t>= </a:t>
+            </a:r>
+            <a:r>
+              <a:rPr lang="en-US" sz="1400" b="1" dirty="0" err="1">
+                <a:solidFill>
+                  <a:srgbClr val="000080"/>
+                </a:solidFill>
+                <a:latin typeface="Calibri" panose="020F0502020204030204" pitchFamily="34" charset="0"/>
+                <a:ea typeface="Calibri" panose="020F0502020204030204" pitchFamily="34" charset="0"/>
+                <a:cs typeface="Arial" panose="020B0604020202020204" pitchFamily="34" charset="0"/>
+              </a:rPr>
+              <a:t>this</a:t>
+            </a:r>
+            <a:r>
+              <a:rPr lang="en-US" sz="1400" dirty="0" err="1">
+                <a:solidFill>
+                  <a:srgbClr val="000000"/>
+                </a:solidFill>
+                <a:latin typeface="Calibri" panose="020F0502020204030204" pitchFamily="34" charset="0"/>
+                <a:ea typeface="Calibri" panose="020F0502020204030204" pitchFamily="34" charset="0"/>
+                <a:cs typeface="Arial" panose="020B0604020202020204" pitchFamily="34" charset="0"/>
+              </a:rPr>
+              <a:t>.</a:t>
+            </a:r>
+            <a:r>
+              <a:rPr lang="en-US" sz="1400" b="1" dirty="0" err="1">
+                <a:solidFill>
+                  <a:srgbClr val="660E7A"/>
+                </a:solidFill>
+                <a:latin typeface="Calibri" panose="020F0502020204030204" pitchFamily="34" charset="0"/>
+                <a:ea typeface="Calibri" panose="020F0502020204030204" pitchFamily="34" charset="0"/>
+                <a:cs typeface="Arial" panose="020B0604020202020204" pitchFamily="34" charset="0"/>
+              </a:rPr>
+              <a:t>marker</a:t>
+            </a:r>
+            <a:r>
+              <a:rPr lang="en-US" sz="1400" dirty="0" err="1">
+                <a:solidFill>
+                  <a:srgbClr val="000000"/>
+                </a:solidFill>
+                <a:latin typeface="Calibri" panose="020F0502020204030204" pitchFamily="34" charset="0"/>
+                <a:ea typeface="Calibri" panose="020F0502020204030204" pitchFamily="34" charset="0"/>
+                <a:cs typeface="Arial" panose="020B0604020202020204" pitchFamily="34" charset="0"/>
+              </a:rPr>
+              <a:t>.</a:t>
+            </a:r>
+            <a:r>
+              <a:rPr lang="en-US" sz="1400" dirty="0" err="1">
+                <a:solidFill>
+                  <a:srgbClr val="7A7A43"/>
+                </a:solidFill>
+                <a:latin typeface="Calibri" panose="020F0502020204030204" pitchFamily="34" charset="0"/>
+                <a:ea typeface="Calibri" panose="020F0502020204030204" pitchFamily="34" charset="0"/>
+                <a:cs typeface="Arial" panose="020B0604020202020204" pitchFamily="34" charset="0"/>
+              </a:rPr>
+              <a:t>createComponent</a:t>
+            </a:r>
+            <a:r>
+              <a:rPr lang="en-US" sz="1400" dirty="0">
+                <a:solidFill>
+                  <a:srgbClr val="000000"/>
+                </a:solidFill>
+                <a:latin typeface="Calibri" panose="020F0502020204030204" pitchFamily="34" charset="0"/>
+                <a:ea typeface="Calibri" panose="020F0502020204030204" pitchFamily="34" charset="0"/>
+                <a:cs typeface="Arial" panose="020B0604020202020204" pitchFamily="34" charset="0"/>
+              </a:rPr>
+              <a:t>(</a:t>
+            </a:r>
+            <a:r>
+              <a:rPr lang="en-US" sz="1400" dirty="0" err="1">
+                <a:solidFill>
+                  <a:srgbClr val="458383"/>
+                </a:solidFill>
+                <a:latin typeface="Calibri" panose="020F0502020204030204" pitchFamily="34" charset="0"/>
+                <a:ea typeface="Calibri" panose="020F0502020204030204" pitchFamily="34" charset="0"/>
+                <a:cs typeface="Arial" panose="020B0604020202020204" pitchFamily="34" charset="0"/>
+              </a:rPr>
+              <a:t>componentFactory</a:t>
+            </a:r>
+            <a:r>
+              <a:rPr lang="en-US" sz="1400" dirty="0">
+                <a:solidFill>
+                  <a:srgbClr val="000000"/>
+                </a:solidFill>
+                <a:latin typeface="Calibri" panose="020F0502020204030204" pitchFamily="34" charset="0"/>
+                <a:ea typeface="Calibri" panose="020F0502020204030204" pitchFamily="34" charset="0"/>
+                <a:cs typeface="Arial" panose="020B0604020202020204" pitchFamily="34" charset="0"/>
+              </a:rPr>
+              <a:t>);</a:t>
+            </a:r>
+            <a:br>
+              <a:rPr lang="en-US" sz="1400" dirty="0">
+                <a:solidFill>
+                  <a:srgbClr val="000000"/>
+                </a:solidFill>
+                <a:latin typeface="Calibri" panose="020F0502020204030204" pitchFamily="34" charset="0"/>
+                <a:ea typeface="Calibri" panose="020F0502020204030204" pitchFamily="34" charset="0"/>
+                <a:cs typeface="Arial" panose="020B0604020202020204" pitchFamily="34" charset="0"/>
+              </a:rPr>
+            </a:br>
+            <a:r>
+              <a:rPr lang="en-US" sz="1400" dirty="0">
+                <a:solidFill>
+                  <a:srgbClr val="000000"/>
+                </a:solidFill>
+                <a:latin typeface="Calibri" panose="020F0502020204030204" pitchFamily="34" charset="0"/>
+                <a:ea typeface="Calibri" panose="020F0502020204030204" pitchFamily="34" charset="0"/>
+                <a:cs typeface="Arial" panose="020B0604020202020204" pitchFamily="34" charset="0"/>
+              </a:rPr>
+              <a:t/>
+            </a:r>
+            <a:br>
+              <a:rPr lang="en-US" sz="1400" dirty="0">
+                <a:solidFill>
+                  <a:srgbClr val="000000"/>
+                </a:solidFill>
+                <a:latin typeface="Calibri" panose="020F0502020204030204" pitchFamily="34" charset="0"/>
+                <a:ea typeface="Calibri" panose="020F0502020204030204" pitchFamily="34" charset="0"/>
+                <a:cs typeface="Arial" panose="020B0604020202020204" pitchFamily="34" charset="0"/>
+              </a:rPr>
+            </a:br>
+            <a:r>
+              <a:rPr lang="en-US" sz="1400" dirty="0">
+                <a:solidFill>
+                  <a:srgbClr val="000000"/>
+                </a:solidFill>
+                <a:latin typeface="Calibri" panose="020F0502020204030204" pitchFamily="34" charset="0"/>
+                <a:ea typeface="Calibri" panose="020F0502020204030204" pitchFamily="34" charset="0"/>
+                <a:cs typeface="Arial" panose="020B0604020202020204" pitchFamily="34" charset="0"/>
+              </a:rPr>
+              <a:t>    </a:t>
+            </a:r>
+            <a:r>
+              <a:rPr lang="en-US" sz="1400" dirty="0" err="1">
+                <a:solidFill>
+                  <a:srgbClr val="458383"/>
+                </a:solidFill>
+                <a:latin typeface="Calibri" panose="020F0502020204030204" pitchFamily="34" charset="0"/>
+                <a:ea typeface="Calibri" panose="020F0502020204030204" pitchFamily="34" charset="0"/>
+                <a:cs typeface="Arial" panose="020B0604020202020204" pitchFamily="34" charset="0"/>
+              </a:rPr>
+              <a:t>componentRef</a:t>
+            </a:r>
+            <a:r>
+              <a:rPr lang="en-US" sz="1400" dirty="0" err="1">
+                <a:solidFill>
+                  <a:srgbClr val="000000"/>
+                </a:solidFill>
+                <a:latin typeface="Calibri" panose="020F0502020204030204" pitchFamily="34" charset="0"/>
+                <a:ea typeface="Calibri" panose="020F0502020204030204" pitchFamily="34" charset="0"/>
+                <a:cs typeface="Arial" panose="020B0604020202020204" pitchFamily="34" charset="0"/>
+              </a:rPr>
+              <a:t>.</a:t>
+            </a:r>
+            <a:r>
+              <a:rPr lang="en-US" sz="1400" b="1" dirty="0" err="1">
+                <a:solidFill>
+                  <a:srgbClr val="660E7A"/>
+                </a:solidFill>
+                <a:latin typeface="Calibri" panose="020F0502020204030204" pitchFamily="34" charset="0"/>
+                <a:ea typeface="Calibri" panose="020F0502020204030204" pitchFamily="34" charset="0"/>
+                <a:cs typeface="Arial" panose="020B0604020202020204" pitchFamily="34" charset="0"/>
+              </a:rPr>
+              <a:t>instance</a:t>
+            </a:r>
+            <a:r>
+              <a:rPr lang="en-US" sz="1400" dirty="0" err="1">
+                <a:solidFill>
+                  <a:srgbClr val="000000"/>
+                </a:solidFill>
+                <a:latin typeface="Calibri" panose="020F0502020204030204" pitchFamily="34" charset="0"/>
+                <a:ea typeface="Calibri" panose="020F0502020204030204" pitchFamily="34" charset="0"/>
+                <a:cs typeface="Arial" panose="020B0604020202020204" pitchFamily="34" charset="0"/>
+              </a:rPr>
+              <a:t>.state</a:t>
+            </a:r>
+            <a:r>
+              <a:rPr lang="en-US" sz="1400" dirty="0">
+                <a:solidFill>
+                  <a:srgbClr val="000000"/>
+                </a:solidFill>
+                <a:latin typeface="Calibri" panose="020F0502020204030204" pitchFamily="34" charset="0"/>
+                <a:ea typeface="Calibri" panose="020F0502020204030204" pitchFamily="34" charset="0"/>
+                <a:cs typeface="Arial" panose="020B0604020202020204" pitchFamily="34" charset="0"/>
+              </a:rPr>
+              <a:t> = </a:t>
+            </a:r>
+            <a:r>
+              <a:rPr lang="en-US" sz="1400" b="1" dirty="0">
+                <a:solidFill>
+                  <a:srgbClr val="000080"/>
+                </a:solidFill>
+                <a:latin typeface="Calibri" panose="020F0502020204030204" pitchFamily="34" charset="0"/>
+                <a:ea typeface="Calibri" panose="020F0502020204030204" pitchFamily="34" charset="0"/>
+                <a:cs typeface="Arial" panose="020B0604020202020204" pitchFamily="34" charset="0"/>
+              </a:rPr>
+              <a:t>this</a:t>
+            </a:r>
+            <a:r>
+              <a:rPr lang="en-US" sz="1400" dirty="0">
+                <a:solidFill>
+                  <a:srgbClr val="000000"/>
+                </a:solidFill>
+                <a:latin typeface="Calibri" panose="020F0502020204030204" pitchFamily="34" charset="0"/>
+                <a:ea typeface="Calibri" panose="020F0502020204030204" pitchFamily="34" charset="0"/>
+                <a:cs typeface="Arial" panose="020B0604020202020204" pitchFamily="34" charset="0"/>
+              </a:rPr>
+              <a:t>;</a:t>
+            </a:r>
+            <a:br>
+              <a:rPr lang="en-US" sz="1400" dirty="0">
+                <a:solidFill>
+                  <a:srgbClr val="000000"/>
+                </a:solidFill>
+                <a:latin typeface="Calibri" panose="020F0502020204030204" pitchFamily="34" charset="0"/>
+                <a:ea typeface="Calibri" panose="020F0502020204030204" pitchFamily="34" charset="0"/>
+                <a:cs typeface="Arial" panose="020B0604020202020204" pitchFamily="34" charset="0"/>
+              </a:rPr>
+            </a:br>
+            <a:r>
+              <a:rPr lang="en-US" sz="1400" dirty="0">
+                <a:solidFill>
+                  <a:srgbClr val="000000"/>
+                </a:solidFill>
+                <a:latin typeface="Calibri" panose="020F0502020204030204" pitchFamily="34" charset="0"/>
+                <a:ea typeface="Calibri" panose="020F0502020204030204" pitchFamily="34" charset="0"/>
+                <a:cs typeface="Arial" panose="020B0604020202020204" pitchFamily="34" charset="0"/>
+              </a:rPr>
+              <a:t>}</a:t>
+            </a:r>
+            <a:endParaRPr lang="en-US" sz="1400" dirty="0"/>
+          </a:p>
+        </p:txBody>
+      </p:sp>
+      <p:grpSp>
+        <p:nvGrpSpPr>
+          <p:cNvPr id="11" name="Group 10"/>
+          <p:cNvGrpSpPr/>
+          <p:nvPr/>
+        </p:nvGrpSpPr>
+        <p:grpSpPr>
+          <a:xfrm>
+            <a:off x="2195736" y="3717032"/>
+            <a:ext cx="3240360" cy="2775952"/>
+            <a:chOff x="2195736" y="3717032"/>
+            <a:chExt cx="3240360" cy="2775952"/>
+          </a:xfrm>
+        </p:grpSpPr>
+        <p:cxnSp>
+          <p:nvCxnSpPr>
+            <p:cNvPr id="12" name="Straight Connector 11"/>
+            <p:cNvCxnSpPr>
+              <a:cxnSpLocks/>
+              <a:stCxn id="13" idx="3"/>
+            </p:cNvCxnSpPr>
+            <p:nvPr/>
+          </p:nvCxnSpPr>
+          <p:spPr>
+            <a:xfrm flipV="1">
+              <a:off x="3786064" y="3717032"/>
+              <a:ext cx="1217984" cy="2127880"/>
+            </a:xfrm>
+            <a:prstGeom prst="line">
+              <a:avLst/>
+            </a:prstGeom>
+            <a:ln>
+              <a:tailEnd type="triangle"/>
+            </a:ln>
+          </p:spPr>
+          <p:style>
+            <a:lnRef idx="2">
+              <a:schemeClr val="accent4">
+                <a:shade val="50000"/>
+              </a:schemeClr>
+            </a:lnRef>
+            <a:fillRef idx="1">
+              <a:schemeClr val="accent4"/>
+            </a:fillRef>
+            <a:effectRef idx="0">
+              <a:schemeClr val="accent4"/>
+            </a:effectRef>
+            <a:fontRef idx="minor">
+              <a:schemeClr val="lt1"/>
+            </a:fontRef>
+          </p:style>
+        </p:cxnSp>
+        <p:sp>
+          <p:nvSpPr>
+            <p:cNvPr id="13" name="Rectangle 12"/>
+            <p:cNvSpPr/>
+            <p:nvPr/>
+          </p:nvSpPr>
+          <p:spPr>
+            <a:xfrm>
+              <a:off x="2195736" y="5196840"/>
+              <a:ext cx="1590328" cy="1296144"/>
+            </a:xfrm>
+            <a:prstGeom prst="rect">
+              <a:avLst/>
+            </a:prstGeom>
+            <a:solidFill>
+              <a:schemeClr val="accent4"/>
+            </a:solidFill>
+            <a:ln>
+              <a:noFill/>
+            </a:ln>
+          </p:spPr>
+          <p:style>
+            <a:lnRef idx="2">
+              <a:schemeClr val="accent1">
+                <a:shade val="50000"/>
+              </a:schemeClr>
+            </a:lnRef>
+            <a:fillRef idx="1">
+              <a:schemeClr val="accent1"/>
+            </a:fillRef>
+            <a:effectRef idx="0">
+              <a:schemeClr val="accent1"/>
+            </a:effectRef>
+            <a:fontRef idx="minor">
+              <a:schemeClr val="lt1"/>
+            </a:fontRef>
+          </p:style>
+          <p:txBody>
+            <a:bodyPr rtlCol="1" anchor="ctr"/>
+            <a:lstStyle/>
+            <a:p>
+              <a:pPr algn="ctr"/>
+              <a:r>
+                <a:rPr lang="en-US" sz="1400" dirty="0" smtClean="0"/>
+                <a:t>This is the trick !!!</a:t>
+              </a:r>
+              <a:endParaRPr lang="he-IL" sz="1400" dirty="0"/>
+            </a:p>
+          </p:txBody>
+        </p:sp>
+        <p:cxnSp>
+          <p:nvCxnSpPr>
+            <p:cNvPr id="14" name="Straight Connector 13"/>
+            <p:cNvCxnSpPr>
+              <a:cxnSpLocks/>
+              <a:stCxn id="13" idx="3"/>
+            </p:cNvCxnSpPr>
+            <p:nvPr/>
+          </p:nvCxnSpPr>
+          <p:spPr>
+            <a:xfrm flipV="1">
+              <a:off x="3786064" y="4653136"/>
+              <a:ext cx="1650032" cy="1191776"/>
+            </a:xfrm>
+            <a:prstGeom prst="line">
+              <a:avLst/>
+            </a:prstGeom>
+            <a:ln>
+              <a:tailEnd type="triangle"/>
+            </a:ln>
+          </p:spPr>
+          <p:style>
+            <a:lnRef idx="2">
+              <a:schemeClr val="accent4">
+                <a:shade val="50000"/>
+              </a:schemeClr>
+            </a:lnRef>
+            <a:fillRef idx="1">
+              <a:schemeClr val="accent4"/>
+            </a:fillRef>
+            <a:effectRef idx="0">
+              <a:schemeClr val="accent4"/>
+            </a:effectRef>
+            <a:fontRef idx="minor">
+              <a:schemeClr val="lt1"/>
+            </a:fontRef>
+          </p:style>
+        </p:cxnSp>
+      </p:grpSp>
+    </p:spTree>
+    <p:extLst>
+      <p:ext uri="{BB962C8B-B14F-4D97-AF65-F5344CB8AC3E}">
+        <p14:creationId xmlns:p14="http://schemas.microsoft.com/office/powerpoint/2010/main" val="3307595064"/>
       </p:ext>
     </p:extLst>
   </p:cSld>
@@ -26590,6 +28127,1290 @@
 </p:sld>
 </file>
 
+<file path=ppt/slides/slide40.xml><?xml version="1.0" encoding="utf-8"?>
+<p:sld xmlns:a="http://schemas.openxmlformats.org/drawingml/2006/main" xmlns:r="http://schemas.openxmlformats.org/officeDocument/2006/relationships" xmlns:p="http://schemas.openxmlformats.org/presentationml/2006/main">
+  <p:cSld>
+    <p:spTree>
+      <p:nvGrpSpPr>
+        <p:cNvPr id="1" name=""/>
+        <p:cNvGrpSpPr/>
+        <p:nvPr/>
+      </p:nvGrpSpPr>
+      <p:grpSpPr>
+        <a:xfrm>
+          <a:off x="0" y="0"/>
+          <a:ext cx="0" cy="0"/>
+          <a:chOff x="0" y="0"/>
+          <a:chExt cx="0" cy="0"/>
+        </a:xfrm>
+      </p:grpSpPr>
+      <p:sp>
+        <p:nvSpPr>
+          <p:cNvPr id="2" name="Title 1"/>
+          <p:cNvSpPr>
+            <a:spLocks noGrp="1"/>
+          </p:cNvSpPr>
+          <p:nvPr>
+            <p:ph type="title"/>
+          </p:nvPr>
+        </p:nvSpPr>
+        <p:spPr/>
+        <p:txBody>
+          <a:bodyPr/>
+          <a:lstStyle/>
+          <a:p>
+            <a:r>
+              <a:rPr lang="en-US" dirty="0" smtClean="0"/>
+              <a:t>Accessing the DOM</a:t>
+            </a:r>
+            <a:endParaRPr lang="en-US" dirty="0"/>
+          </a:p>
+        </p:txBody>
+      </p:sp>
+      <p:sp>
+        <p:nvSpPr>
+          <p:cNvPr id="3" name="Footer Placeholder 2"/>
+          <p:cNvSpPr>
+            <a:spLocks noGrp="1"/>
+          </p:cNvSpPr>
+          <p:nvPr>
+            <p:ph type="ftr" sz="quarter" idx="11"/>
+          </p:nvPr>
+        </p:nvSpPr>
+        <p:spPr/>
+        <p:txBody>
+          <a:bodyPr/>
+          <a:lstStyle/>
+          <a:p>
+            <a:r>
+              <a:rPr lang="en-US" smtClean="0"/>
+              <a:t>© 2016 Ori Calvo</a:t>
+            </a:r>
+            <a:endParaRPr lang="en-US" dirty="0"/>
+          </a:p>
+        </p:txBody>
+      </p:sp>
+      <p:sp>
+        <p:nvSpPr>
+          <p:cNvPr id="4" name="Slide Number Placeholder 3"/>
+          <p:cNvSpPr>
+            <a:spLocks noGrp="1"/>
+          </p:cNvSpPr>
+          <p:nvPr>
+            <p:ph type="sldNum" sz="quarter" idx="12"/>
+          </p:nvPr>
+        </p:nvSpPr>
+        <p:spPr/>
+        <p:txBody>
+          <a:bodyPr>
+            <a:normAutofit fontScale="85000" lnSpcReduction="20000"/>
+          </a:bodyPr>
+          <a:lstStyle/>
+          <a:p>
+            <a:fld id="{6EDEC3BC-0694-4586-AE63-02B4D54ABF43}" type="slidenum">
+              <a:rPr lang="en-US" smtClean="0"/>
+              <a:pPr/>
+              <a:t>40</a:t>
+            </a:fld>
+            <a:endParaRPr lang="en-US"/>
+          </a:p>
+        </p:txBody>
+      </p:sp>
+      <p:sp>
+        <p:nvSpPr>
+          <p:cNvPr id="5" name="Content Placeholder 4"/>
+          <p:cNvSpPr>
+            <a:spLocks noGrp="1"/>
+          </p:cNvSpPr>
+          <p:nvPr>
+            <p:ph sz="quarter" idx="1"/>
+          </p:nvPr>
+        </p:nvSpPr>
+        <p:spPr/>
+        <p:txBody>
+          <a:bodyPr/>
+          <a:lstStyle/>
+          <a:p>
+            <a:r>
+              <a:rPr lang="en-US" dirty="0" smtClean="0"/>
+              <a:t>Usually there is no need to access the DOM directly when implementing components</a:t>
+            </a:r>
+          </a:p>
+          <a:p>
+            <a:r>
+              <a:rPr lang="en-US" dirty="0" smtClean="0"/>
+              <a:t>In case you still need it you may inject an </a:t>
+            </a:r>
+            <a:r>
+              <a:rPr lang="en-US" dirty="0" err="1" smtClean="0"/>
+              <a:t>ElementRef</a:t>
+            </a:r>
+            <a:endParaRPr lang="en-US" dirty="0"/>
+          </a:p>
+        </p:txBody>
+      </p:sp>
+      <p:sp>
+        <p:nvSpPr>
+          <p:cNvPr id="6" name="Rectangle 5"/>
+          <p:cNvSpPr/>
+          <p:nvPr/>
+        </p:nvSpPr>
+        <p:spPr>
+          <a:xfrm>
+            <a:off x="2267744" y="3848100"/>
+            <a:ext cx="4824536" cy="2246769"/>
+          </a:xfrm>
+          <a:prstGeom prst="rect">
+            <a:avLst/>
+          </a:prstGeom>
+          <a:solidFill>
+            <a:schemeClr val="accent1">
+              <a:lumMod val="40000"/>
+              <a:lumOff val="60000"/>
+            </a:schemeClr>
+          </a:solidFill>
+        </p:spPr>
+        <p:txBody>
+          <a:bodyPr wrap="square">
+            <a:spAutoFit/>
+          </a:bodyPr>
+          <a:lstStyle/>
+          <a:p>
+            <a:r>
+              <a:rPr lang="en-US" sz="1400" b="1" dirty="0">
+                <a:solidFill>
+                  <a:srgbClr val="000080"/>
+                </a:solidFill>
+                <a:latin typeface="Calibri" panose="020F0502020204030204" pitchFamily="34" charset="0"/>
+                <a:ea typeface="Calibri" panose="020F0502020204030204" pitchFamily="34" charset="0"/>
+                <a:cs typeface="Arial" panose="020B0604020202020204" pitchFamily="34" charset="0"/>
+              </a:rPr>
+              <a:t>constructor</a:t>
+            </a:r>
+            <a:r>
+              <a:rPr lang="en-US" sz="1400" dirty="0">
+                <a:solidFill>
+                  <a:srgbClr val="000000"/>
+                </a:solidFill>
+                <a:latin typeface="Calibri" panose="020F0502020204030204" pitchFamily="34" charset="0"/>
+                <a:ea typeface="Calibri" panose="020F0502020204030204" pitchFamily="34" charset="0"/>
+                <a:cs typeface="Arial" panose="020B0604020202020204" pitchFamily="34" charset="0"/>
+              </a:rPr>
+              <a:t>(</a:t>
+            </a:r>
+            <a:r>
+              <a:rPr lang="en-US" sz="1400" b="1" dirty="0">
+                <a:solidFill>
+                  <a:srgbClr val="000080"/>
+                </a:solidFill>
+                <a:latin typeface="Calibri" panose="020F0502020204030204" pitchFamily="34" charset="0"/>
+                <a:ea typeface="Calibri" panose="020F0502020204030204" pitchFamily="34" charset="0"/>
+                <a:cs typeface="Arial" panose="020B0604020202020204" pitchFamily="34" charset="0"/>
+              </a:rPr>
+              <a:t>private </a:t>
+            </a:r>
+            <a:r>
+              <a:rPr lang="en-US" sz="1400" dirty="0" err="1">
+                <a:solidFill>
+                  <a:srgbClr val="000000"/>
+                </a:solidFill>
+                <a:latin typeface="Calibri" panose="020F0502020204030204" pitchFamily="34" charset="0"/>
+                <a:ea typeface="Calibri" panose="020F0502020204030204" pitchFamily="34" charset="0"/>
+                <a:cs typeface="Arial" panose="020B0604020202020204" pitchFamily="34" charset="0"/>
+              </a:rPr>
+              <a:t>elementRef</a:t>
+            </a:r>
+            <a:r>
+              <a:rPr lang="en-US" sz="1400" dirty="0">
+                <a:solidFill>
+                  <a:srgbClr val="000000"/>
+                </a:solidFill>
+                <a:latin typeface="Calibri" panose="020F0502020204030204" pitchFamily="34" charset="0"/>
+                <a:ea typeface="Calibri" panose="020F0502020204030204" pitchFamily="34" charset="0"/>
+                <a:cs typeface="Arial" panose="020B0604020202020204" pitchFamily="34" charset="0"/>
+              </a:rPr>
+              <a:t>: </a:t>
+            </a:r>
+            <a:r>
+              <a:rPr lang="en-US" sz="1400" dirty="0" err="1">
+                <a:solidFill>
+                  <a:srgbClr val="000000"/>
+                </a:solidFill>
+                <a:latin typeface="Calibri" panose="020F0502020204030204" pitchFamily="34" charset="0"/>
+                <a:ea typeface="Calibri" panose="020F0502020204030204" pitchFamily="34" charset="0"/>
+                <a:cs typeface="Arial" panose="020B0604020202020204" pitchFamily="34" charset="0"/>
+              </a:rPr>
+              <a:t>ElementRef</a:t>
+            </a:r>
+            <a:r>
+              <a:rPr lang="en-US" sz="1400" dirty="0">
+                <a:solidFill>
+                  <a:srgbClr val="000000"/>
+                </a:solidFill>
+                <a:latin typeface="Calibri" panose="020F0502020204030204" pitchFamily="34" charset="0"/>
+                <a:ea typeface="Calibri" panose="020F0502020204030204" pitchFamily="34" charset="0"/>
+                <a:cs typeface="Arial" panose="020B0604020202020204" pitchFamily="34" charset="0"/>
+              </a:rPr>
+              <a:t>) {</a:t>
+            </a:r>
+            <a:br>
+              <a:rPr lang="en-US" sz="1400" dirty="0">
+                <a:solidFill>
+                  <a:srgbClr val="000000"/>
+                </a:solidFill>
+                <a:latin typeface="Calibri" panose="020F0502020204030204" pitchFamily="34" charset="0"/>
+                <a:ea typeface="Calibri" panose="020F0502020204030204" pitchFamily="34" charset="0"/>
+                <a:cs typeface="Arial" panose="020B0604020202020204" pitchFamily="34" charset="0"/>
+              </a:rPr>
+            </a:br>
+            <a:r>
+              <a:rPr lang="en-US" sz="1400" dirty="0">
+                <a:solidFill>
+                  <a:srgbClr val="000000"/>
+                </a:solidFill>
+                <a:latin typeface="Calibri" panose="020F0502020204030204" pitchFamily="34" charset="0"/>
+                <a:ea typeface="Calibri" panose="020F0502020204030204" pitchFamily="34" charset="0"/>
+                <a:cs typeface="Arial" panose="020B0604020202020204" pitchFamily="34" charset="0"/>
+              </a:rPr>
+              <a:t>    </a:t>
+            </a:r>
+            <a:r>
+              <a:rPr lang="en-US" sz="1400" b="1" dirty="0" err="1">
+                <a:solidFill>
+                  <a:srgbClr val="000080"/>
+                </a:solidFill>
+                <a:latin typeface="Calibri" panose="020F0502020204030204" pitchFamily="34" charset="0"/>
+                <a:ea typeface="Calibri" panose="020F0502020204030204" pitchFamily="34" charset="0"/>
+                <a:cs typeface="Arial" panose="020B0604020202020204" pitchFamily="34" charset="0"/>
+              </a:rPr>
+              <a:t>const</a:t>
+            </a:r>
+            <a:r>
+              <a:rPr lang="en-US" sz="1400" b="1" dirty="0">
+                <a:solidFill>
+                  <a:srgbClr val="000080"/>
+                </a:solidFill>
+                <a:latin typeface="Calibri" panose="020F0502020204030204" pitchFamily="34" charset="0"/>
+                <a:ea typeface="Calibri" panose="020F0502020204030204" pitchFamily="34" charset="0"/>
+                <a:cs typeface="Arial" panose="020B0604020202020204" pitchFamily="34" charset="0"/>
+              </a:rPr>
+              <a:t> </a:t>
+            </a:r>
+            <a:r>
+              <a:rPr lang="en-US" sz="1400" dirty="0" err="1">
+                <a:solidFill>
+                  <a:srgbClr val="458383"/>
+                </a:solidFill>
+                <a:latin typeface="Calibri" panose="020F0502020204030204" pitchFamily="34" charset="0"/>
+                <a:ea typeface="Calibri" panose="020F0502020204030204" pitchFamily="34" charset="0"/>
+                <a:cs typeface="Arial" panose="020B0604020202020204" pitchFamily="34" charset="0"/>
+              </a:rPr>
+              <a:t>dom</a:t>
+            </a:r>
+            <a:r>
+              <a:rPr lang="en-US" sz="1400" dirty="0">
+                <a:solidFill>
+                  <a:srgbClr val="458383"/>
+                </a:solidFill>
+                <a:latin typeface="Calibri" panose="020F0502020204030204" pitchFamily="34" charset="0"/>
+                <a:ea typeface="Calibri" panose="020F0502020204030204" pitchFamily="34" charset="0"/>
+                <a:cs typeface="Arial" panose="020B0604020202020204" pitchFamily="34" charset="0"/>
+              </a:rPr>
+              <a:t> </a:t>
+            </a:r>
+            <a:r>
+              <a:rPr lang="en-US" sz="1400" dirty="0">
+                <a:solidFill>
+                  <a:srgbClr val="000000"/>
+                </a:solidFill>
+                <a:latin typeface="Calibri" panose="020F0502020204030204" pitchFamily="34" charset="0"/>
+                <a:ea typeface="Calibri" panose="020F0502020204030204" pitchFamily="34" charset="0"/>
+                <a:cs typeface="Arial" panose="020B0604020202020204" pitchFamily="34" charset="0"/>
+              </a:rPr>
+              <a:t>= </a:t>
+            </a:r>
+            <a:r>
+              <a:rPr lang="en-US" sz="1400" dirty="0" err="1">
+                <a:solidFill>
+                  <a:srgbClr val="000000"/>
+                </a:solidFill>
+                <a:latin typeface="Calibri" panose="020F0502020204030204" pitchFamily="34" charset="0"/>
+                <a:ea typeface="Calibri" panose="020F0502020204030204" pitchFamily="34" charset="0"/>
+                <a:cs typeface="Arial" panose="020B0604020202020204" pitchFamily="34" charset="0"/>
+              </a:rPr>
+              <a:t>elementRef.</a:t>
+            </a:r>
+            <a:r>
+              <a:rPr lang="en-US" sz="1400" b="1" dirty="0" err="1">
+                <a:solidFill>
+                  <a:srgbClr val="660E7A"/>
+                </a:solidFill>
+                <a:latin typeface="Calibri" panose="020F0502020204030204" pitchFamily="34" charset="0"/>
+                <a:ea typeface="Calibri" panose="020F0502020204030204" pitchFamily="34" charset="0"/>
+                <a:cs typeface="Arial" panose="020B0604020202020204" pitchFamily="34" charset="0"/>
+              </a:rPr>
+              <a:t>nativeElement</a:t>
+            </a:r>
+            <a:r>
+              <a:rPr lang="en-US" sz="1400" dirty="0">
+                <a:solidFill>
+                  <a:srgbClr val="000000"/>
+                </a:solidFill>
+                <a:latin typeface="Calibri" panose="020F0502020204030204" pitchFamily="34" charset="0"/>
+                <a:ea typeface="Calibri" panose="020F0502020204030204" pitchFamily="34" charset="0"/>
+                <a:cs typeface="Arial" panose="020B0604020202020204" pitchFamily="34" charset="0"/>
+              </a:rPr>
+              <a:t>;</a:t>
+            </a:r>
+            <a:br>
+              <a:rPr lang="en-US" sz="1400" dirty="0">
+                <a:solidFill>
+                  <a:srgbClr val="000000"/>
+                </a:solidFill>
+                <a:latin typeface="Calibri" panose="020F0502020204030204" pitchFamily="34" charset="0"/>
+                <a:ea typeface="Calibri" panose="020F0502020204030204" pitchFamily="34" charset="0"/>
+                <a:cs typeface="Arial" panose="020B0604020202020204" pitchFamily="34" charset="0"/>
+              </a:rPr>
+            </a:br>
+            <a:r>
+              <a:rPr lang="en-US" sz="1400" dirty="0">
+                <a:solidFill>
+                  <a:srgbClr val="000000"/>
+                </a:solidFill>
+                <a:latin typeface="Calibri" panose="020F0502020204030204" pitchFamily="34" charset="0"/>
+                <a:ea typeface="Calibri" panose="020F0502020204030204" pitchFamily="34" charset="0"/>
+                <a:cs typeface="Arial" panose="020B0604020202020204" pitchFamily="34" charset="0"/>
+              </a:rPr>
+              <a:t/>
+            </a:r>
+            <a:br>
+              <a:rPr lang="en-US" sz="1400" dirty="0">
+                <a:solidFill>
+                  <a:srgbClr val="000000"/>
+                </a:solidFill>
+                <a:latin typeface="Calibri" panose="020F0502020204030204" pitchFamily="34" charset="0"/>
+                <a:ea typeface="Calibri" panose="020F0502020204030204" pitchFamily="34" charset="0"/>
+                <a:cs typeface="Arial" panose="020B0604020202020204" pitchFamily="34" charset="0"/>
+              </a:rPr>
+            </a:br>
+            <a:r>
+              <a:rPr lang="en-US" sz="1400" dirty="0">
+                <a:solidFill>
+                  <a:srgbClr val="000000"/>
+                </a:solidFill>
+                <a:latin typeface="Calibri" panose="020F0502020204030204" pitchFamily="34" charset="0"/>
+                <a:ea typeface="Calibri" panose="020F0502020204030204" pitchFamily="34" charset="0"/>
+                <a:cs typeface="Arial" panose="020B0604020202020204" pitchFamily="34" charset="0"/>
+              </a:rPr>
+              <a:t>    </a:t>
+            </a:r>
+            <a:r>
+              <a:rPr lang="en-US" sz="1400" b="1" dirty="0" err="1">
+                <a:solidFill>
+                  <a:srgbClr val="000080"/>
+                </a:solidFill>
+                <a:latin typeface="Calibri" panose="020F0502020204030204" pitchFamily="34" charset="0"/>
+                <a:ea typeface="Calibri" panose="020F0502020204030204" pitchFamily="34" charset="0"/>
+                <a:cs typeface="Arial" panose="020B0604020202020204" pitchFamily="34" charset="0"/>
+              </a:rPr>
+              <a:t>this</a:t>
+            </a:r>
+            <a:r>
+              <a:rPr lang="en-US" sz="1400" dirty="0" err="1">
+                <a:solidFill>
+                  <a:srgbClr val="000000"/>
+                </a:solidFill>
+                <a:latin typeface="Calibri" panose="020F0502020204030204" pitchFamily="34" charset="0"/>
+                <a:ea typeface="Calibri" panose="020F0502020204030204" pitchFamily="34" charset="0"/>
+                <a:cs typeface="Arial" panose="020B0604020202020204" pitchFamily="34" charset="0"/>
+              </a:rPr>
+              <a:t>.</a:t>
+            </a:r>
+            <a:r>
+              <a:rPr lang="en-US" sz="1400" b="1" dirty="0" err="1">
+                <a:solidFill>
+                  <a:srgbClr val="660E7A"/>
+                </a:solidFill>
+                <a:latin typeface="Calibri" panose="020F0502020204030204" pitchFamily="34" charset="0"/>
+                <a:ea typeface="Calibri" panose="020F0502020204030204" pitchFamily="34" charset="0"/>
+                <a:cs typeface="Arial" panose="020B0604020202020204" pitchFamily="34" charset="0"/>
+              </a:rPr>
+              <a:t>button</a:t>
+            </a:r>
+            <a:r>
+              <a:rPr lang="en-US" sz="1400" b="1" dirty="0">
+                <a:solidFill>
+                  <a:srgbClr val="660E7A"/>
+                </a:solidFill>
+                <a:latin typeface="Calibri" panose="020F0502020204030204" pitchFamily="34" charset="0"/>
+                <a:ea typeface="Calibri" panose="020F0502020204030204" pitchFamily="34" charset="0"/>
+                <a:cs typeface="Arial" panose="020B0604020202020204" pitchFamily="34" charset="0"/>
+              </a:rPr>
+              <a:t> </a:t>
+            </a:r>
+            <a:r>
+              <a:rPr lang="en-US" sz="1400" dirty="0">
+                <a:solidFill>
+                  <a:srgbClr val="000000"/>
+                </a:solidFill>
+                <a:latin typeface="Calibri" panose="020F0502020204030204" pitchFamily="34" charset="0"/>
+                <a:ea typeface="Calibri" panose="020F0502020204030204" pitchFamily="34" charset="0"/>
+                <a:cs typeface="Arial" panose="020B0604020202020204" pitchFamily="34" charset="0"/>
+              </a:rPr>
+              <a:t>= </a:t>
+            </a:r>
+            <a:r>
+              <a:rPr lang="en-US" sz="1400" b="1" i="1" dirty="0" err="1">
+                <a:solidFill>
+                  <a:srgbClr val="660E7A"/>
+                </a:solidFill>
+                <a:latin typeface="Calibri" panose="020F0502020204030204" pitchFamily="34" charset="0"/>
+                <a:ea typeface="Calibri" panose="020F0502020204030204" pitchFamily="34" charset="0"/>
+                <a:cs typeface="Arial" panose="020B0604020202020204" pitchFamily="34" charset="0"/>
+              </a:rPr>
+              <a:t>document</a:t>
+            </a:r>
+            <a:r>
+              <a:rPr lang="en-US" sz="1400" dirty="0" err="1">
+                <a:solidFill>
+                  <a:srgbClr val="000000"/>
+                </a:solidFill>
+                <a:latin typeface="Calibri" panose="020F0502020204030204" pitchFamily="34" charset="0"/>
+                <a:ea typeface="Calibri" panose="020F0502020204030204" pitchFamily="34" charset="0"/>
+                <a:cs typeface="Arial" panose="020B0604020202020204" pitchFamily="34" charset="0"/>
+              </a:rPr>
+              <a:t>.</a:t>
+            </a:r>
+            <a:r>
+              <a:rPr lang="en-US" sz="1400" dirty="0" err="1">
+                <a:solidFill>
+                  <a:srgbClr val="7A7A43"/>
+                </a:solidFill>
+                <a:latin typeface="Calibri" panose="020F0502020204030204" pitchFamily="34" charset="0"/>
+                <a:ea typeface="Calibri" panose="020F0502020204030204" pitchFamily="34" charset="0"/>
+                <a:cs typeface="Arial" panose="020B0604020202020204" pitchFamily="34" charset="0"/>
+              </a:rPr>
+              <a:t>createElement</a:t>
+            </a:r>
+            <a:r>
+              <a:rPr lang="en-US" sz="1400" dirty="0">
+                <a:solidFill>
+                  <a:srgbClr val="000000"/>
+                </a:solidFill>
+                <a:latin typeface="Calibri" panose="020F0502020204030204" pitchFamily="34" charset="0"/>
+                <a:ea typeface="Calibri" panose="020F0502020204030204" pitchFamily="34" charset="0"/>
+                <a:cs typeface="Arial" panose="020B0604020202020204" pitchFamily="34" charset="0"/>
+              </a:rPr>
+              <a:t>(</a:t>
+            </a:r>
+            <a:r>
+              <a:rPr lang="en-US" sz="1400" b="1" dirty="0">
+                <a:solidFill>
+                  <a:srgbClr val="008000"/>
+                </a:solidFill>
+                <a:latin typeface="Calibri" panose="020F0502020204030204" pitchFamily="34" charset="0"/>
+                <a:ea typeface="Calibri" panose="020F0502020204030204" pitchFamily="34" charset="0"/>
+                <a:cs typeface="Arial" panose="020B0604020202020204" pitchFamily="34" charset="0"/>
+              </a:rPr>
+              <a:t>"button"</a:t>
+            </a:r>
+            <a:r>
+              <a:rPr lang="en-US" sz="1400" dirty="0">
+                <a:solidFill>
+                  <a:srgbClr val="000000"/>
+                </a:solidFill>
+                <a:latin typeface="Calibri" panose="020F0502020204030204" pitchFamily="34" charset="0"/>
+                <a:ea typeface="Calibri" panose="020F0502020204030204" pitchFamily="34" charset="0"/>
+                <a:cs typeface="Arial" panose="020B0604020202020204" pitchFamily="34" charset="0"/>
+              </a:rPr>
+              <a:t>);</a:t>
+            </a:r>
+            <a:br>
+              <a:rPr lang="en-US" sz="1400" dirty="0">
+                <a:solidFill>
+                  <a:srgbClr val="000000"/>
+                </a:solidFill>
+                <a:latin typeface="Calibri" panose="020F0502020204030204" pitchFamily="34" charset="0"/>
+                <a:ea typeface="Calibri" panose="020F0502020204030204" pitchFamily="34" charset="0"/>
+                <a:cs typeface="Arial" panose="020B0604020202020204" pitchFamily="34" charset="0"/>
+              </a:rPr>
+            </a:br>
+            <a:r>
+              <a:rPr lang="en-US" sz="1400" dirty="0">
+                <a:solidFill>
+                  <a:srgbClr val="000000"/>
+                </a:solidFill>
+                <a:latin typeface="Calibri" panose="020F0502020204030204" pitchFamily="34" charset="0"/>
+                <a:ea typeface="Calibri" panose="020F0502020204030204" pitchFamily="34" charset="0"/>
+                <a:cs typeface="Arial" panose="020B0604020202020204" pitchFamily="34" charset="0"/>
+              </a:rPr>
+              <a:t>    </a:t>
+            </a:r>
+            <a:r>
+              <a:rPr lang="en-US" sz="1400" b="1" dirty="0" err="1">
+                <a:solidFill>
+                  <a:srgbClr val="000080"/>
+                </a:solidFill>
+                <a:latin typeface="Calibri" panose="020F0502020204030204" pitchFamily="34" charset="0"/>
+                <a:ea typeface="Calibri" panose="020F0502020204030204" pitchFamily="34" charset="0"/>
+                <a:cs typeface="Arial" panose="020B0604020202020204" pitchFamily="34" charset="0"/>
+              </a:rPr>
+              <a:t>this</a:t>
+            </a:r>
+            <a:r>
+              <a:rPr lang="en-US" sz="1400" dirty="0" err="1">
+                <a:solidFill>
+                  <a:srgbClr val="000000"/>
+                </a:solidFill>
+                <a:latin typeface="Calibri" panose="020F0502020204030204" pitchFamily="34" charset="0"/>
+                <a:ea typeface="Calibri" panose="020F0502020204030204" pitchFamily="34" charset="0"/>
+                <a:cs typeface="Arial" panose="020B0604020202020204" pitchFamily="34" charset="0"/>
+              </a:rPr>
+              <a:t>.</a:t>
+            </a:r>
+            <a:r>
+              <a:rPr lang="en-US" sz="1400" b="1" dirty="0" err="1">
+                <a:solidFill>
+                  <a:srgbClr val="660E7A"/>
+                </a:solidFill>
+                <a:latin typeface="Calibri" panose="020F0502020204030204" pitchFamily="34" charset="0"/>
+                <a:ea typeface="Calibri" panose="020F0502020204030204" pitchFamily="34" charset="0"/>
+                <a:cs typeface="Arial" panose="020B0604020202020204" pitchFamily="34" charset="0"/>
+              </a:rPr>
+              <a:t>button</a:t>
+            </a:r>
+            <a:r>
+              <a:rPr lang="en-US" sz="1400" dirty="0" err="1">
+                <a:solidFill>
+                  <a:srgbClr val="000000"/>
+                </a:solidFill>
+                <a:latin typeface="Calibri" panose="020F0502020204030204" pitchFamily="34" charset="0"/>
+                <a:ea typeface="Calibri" panose="020F0502020204030204" pitchFamily="34" charset="0"/>
+                <a:cs typeface="Arial" panose="020B0604020202020204" pitchFamily="34" charset="0"/>
+              </a:rPr>
+              <a:t>.</a:t>
+            </a:r>
+            <a:r>
+              <a:rPr lang="en-US" sz="1400" b="1" dirty="0" err="1">
+                <a:solidFill>
+                  <a:srgbClr val="660E7A"/>
+                </a:solidFill>
+                <a:latin typeface="Calibri" panose="020F0502020204030204" pitchFamily="34" charset="0"/>
+                <a:ea typeface="Calibri" panose="020F0502020204030204" pitchFamily="34" charset="0"/>
+                <a:cs typeface="Arial" panose="020B0604020202020204" pitchFamily="34" charset="0"/>
+              </a:rPr>
+              <a:t>innerText</a:t>
+            </a:r>
+            <a:r>
+              <a:rPr lang="en-US" sz="1400" b="1" dirty="0">
+                <a:solidFill>
+                  <a:srgbClr val="660E7A"/>
+                </a:solidFill>
+                <a:latin typeface="Calibri" panose="020F0502020204030204" pitchFamily="34" charset="0"/>
+                <a:ea typeface="Calibri" panose="020F0502020204030204" pitchFamily="34" charset="0"/>
+                <a:cs typeface="Arial" panose="020B0604020202020204" pitchFamily="34" charset="0"/>
+              </a:rPr>
+              <a:t> </a:t>
+            </a:r>
+            <a:r>
+              <a:rPr lang="en-US" sz="1400" dirty="0">
+                <a:solidFill>
+                  <a:srgbClr val="000000"/>
+                </a:solidFill>
+                <a:latin typeface="Calibri" panose="020F0502020204030204" pitchFamily="34" charset="0"/>
+                <a:ea typeface="Calibri" panose="020F0502020204030204" pitchFamily="34" charset="0"/>
+                <a:cs typeface="Arial" panose="020B0604020202020204" pitchFamily="34" charset="0"/>
+              </a:rPr>
+              <a:t>= </a:t>
+            </a:r>
+            <a:r>
+              <a:rPr lang="en-US" sz="1400" b="1" dirty="0">
+                <a:solidFill>
+                  <a:srgbClr val="008000"/>
+                </a:solidFill>
+                <a:latin typeface="Calibri" panose="020F0502020204030204" pitchFamily="34" charset="0"/>
+                <a:ea typeface="Calibri" panose="020F0502020204030204" pitchFamily="34" charset="0"/>
+                <a:cs typeface="Arial" panose="020B0604020202020204" pitchFamily="34" charset="0"/>
+              </a:rPr>
+              <a:t>"Click me"</a:t>
+            </a:r>
+            <a:r>
+              <a:rPr lang="en-US" sz="1400" dirty="0">
+                <a:solidFill>
+                  <a:srgbClr val="000000"/>
+                </a:solidFill>
+                <a:latin typeface="Calibri" panose="020F0502020204030204" pitchFamily="34" charset="0"/>
+                <a:ea typeface="Calibri" panose="020F0502020204030204" pitchFamily="34" charset="0"/>
+                <a:cs typeface="Arial" panose="020B0604020202020204" pitchFamily="34" charset="0"/>
+              </a:rPr>
+              <a:t>;</a:t>
+            </a:r>
+            <a:br>
+              <a:rPr lang="en-US" sz="1400" dirty="0">
+                <a:solidFill>
+                  <a:srgbClr val="000000"/>
+                </a:solidFill>
+                <a:latin typeface="Calibri" panose="020F0502020204030204" pitchFamily="34" charset="0"/>
+                <a:ea typeface="Calibri" panose="020F0502020204030204" pitchFamily="34" charset="0"/>
+                <a:cs typeface="Arial" panose="020B0604020202020204" pitchFamily="34" charset="0"/>
+              </a:rPr>
+            </a:br>
+            <a:r>
+              <a:rPr lang="en-US" sz="1400" dirty="0">
+                <a:solidFill>
+                  <a:srgbClr val="000000"/>
+                </a:solidFill>
+                <a:latin typeface="Calibri" panose="020F0502020204030204" pitchFamily="34" charset="0"/>
+                <a:ea typeface="Calibri" panose="020F0502020204030204" pitchFamily="34" charset="0"/>
+                <a:cs typeface="Arial" panose="020B0604020202020204" pitchFamily="34" charset="0"/>
+              </a:rPr>
+              <a:t>    </a:t>
+            </a:r>
+            <a:r>
+              <a:rPr lang="en-US" sz="1400" b="1" dirty="0" err="1">
+                <a:solidFill>
+                  <a:srgbClr val="000080"/>
+                </a:solidFill>
+                <a:latin typeface="Calibri" panose="020F0502020204030204" pitchFamily="34" charset="0"/>
+                <a:ea typeface="Calibri" panose="020F0502020204030204" pitchFamily="34" charset="0"/>
+                <a:cs typeface="Arial" panose="020B0604020202020204" pitchFamily="34" charset="0"/>
+              </a:rPr>
+              <a:t>this</a:t>
+            </a:r>
+            <a:r>
+              <a:rPr lang="en-US" sz="1400" dirty="0" err="1">
+                <a:solidFill>
+                  <a:srgbClr val="000000"/>
+                </a:solidFill>
+                <a:latin typeface="Calibri" panose="020F0502020204030204" pitchFamily="34" charset="0"/>
+                <a:ea typeface="Calibri" panose="020F0502020204030204" pitchFamily="34" charset="0"/>
+                <a:cs typeface="Arial" panose="020B0604020202020204" pitchFamily="34" charset="0"/>
+              </a:rPr>
+              <a:t>.</a:t>
+            </a:r>
+            <a:r>
+              <a:rPr lang="en-US" sz="1400" b="1" dirty="0" err="1">
+                <a:solidFill>
+                  <a:srgbClr val="660E7A"/>
+                </a:solidFill>
+                <a:latin typeface="Calibri" panose="020F0502020204030204" pitchFamily="34" charset="0"/>
+                <a:ea typeface="Calibri" panose="020F0502020204030204" pitchFamily="34" charset="0"/>
+                <a:cs typeface="Arial" panose="020B0604020202020204" pitchFamily="34" charset="0"/>
+              </a:rPr>
+              <a:t>onClickHandler</a:t>
+            </a:r>
+            <a:r>
+              <a:rPr lang="en-US" sz="1400" b="1" dirty="0">
+                <a:solidFill>
+                  <a:srgbClr val="660E7A"/>
+                </a:solidFill>
+                <a:latin typeface="Calibri" panose="020F0502020204030204" pitchFamily="34" charset="0"/>
+                <a:ea typeface="Calibri" panose="020F0502020204030204" pitchFamily="34" charset="0"/>
+                <a:cs typeface="Arial" panose="020B0604020202020204" pitchFamily="34" charset="0"/>
+              </a:rPr>
+              <a:t> </a:t>
+            </a:r>
+            <a:r>
+              <a:rPr lang="en-US" sz="1400" dirty="0">
+                <a:solidFill>
+                  <a:srgbClr val="000000"/>
+                </a:solidFill>
+                <a:latin typeface="Calibri" panose="020F0502020204030204" pitchFamily="34" charset="0"/>
+                <a:ea typeface="Calibri" panose="020F0502020204030204" pitchFamily="34" charset="0"/>
+                <a:cs typeface="Arial" panose="020B0604020202020204" pitchFamily="34" charset="0"/>
+              </a:rPr>
+              <a:t>= </a:t>
+            </a:r>
+            <a:r>
+              <a:rPr lang="en-US" sz="1400" b="1" dirty="0" err="1">
+                <a:solidFill>
+                  <a:srgbClr val="000080"/>
+                </a:solidFill>
+                <a:latin typeface="Calibri" panose="020F0502020204030204" pitchFamily="34" charset="0"/>
+                <a:ea typeface="Calibri" panose="020F0502020204030204" pitchFamily="34" charset="0"/>
+                <a:cs typeface="Arial" panose="020B0604020202020204" pitchFamily="34" charset="0"/>
+              </a:rPr>
+              <a:t>this</a:t>
+            </a:r>
+            <a:r>
+              <a:rPr lang="en-US" sz="1400" dirty="0" err="1">
+                <a:solidFill>
+                  <a:srgbClr val="000000"/>
+                </a:solidFill>
+                <a:latin typeface="Calibri" panose="020F0502020204030204" pitchFamily="34" charset="0"/>
+                <a:ea typeface="Calibri" panose="020F0502020204030204" pitchFamily="34" charset="0"/>
+                <a:cs typeface="Arial" panose="020B0604020202020204" pitchFamily="34" charset="0"/>
+              </a:rPr>
+              <a:t>.</a:t>
+            </a:r>
+            <a:r>
+              <a:rPr lang="en-US" sz="1400" dirty="0" err="1">
+                <a:solidFill>
+                  <a:srgbClr val="7A7A43"/>
+                </a:solidFill>
+                <a:latin typeface="Calibri" panose="020F0502020204030204" pitchFamily="34" charset="0"/>
+                <a:ea typeface="Calibri" panose="020F0502020204030204" pitchFamily="34" charset="0"/>
+                <a:cs typeface="Arial" panose="020B0604020202020204" pitchFamily="34" charset="0"/>
+              </a:rPr>
+              <a:t>onClick</a:t>
+            </a:r>
+            <a:r>
+              <a:rPr lang="en-US" sz="1400" dirty="0" err="1">
+                <a:solidFill>
+                  <a:srgbClr val="000000"/>
+                </a:solidFill>
+                <a:latin typeface="Calibri" panose="020F0502020204030204" pitchFamily="34" charset="0"/>
+                <a:ea typeface="Calibri" panose="020F0502020204030204" pitchFamily="34" charset="0"/>
+                <a:cs typeface="Arial" panose="020B0604020202020204" pitchFamily="34" charset="0"/>
+              </a:rPr>
+              <a:t>.</a:t>
+            </a:r>
+            <a:r>
+              <a:rPr lang="en-US" sz="1400" dirty="0" err="1">
+                <a:solidFill>
+                  <a:srgbClr val="7A7A43"/>
+                </a:solidFill>
+                <a:latin typeface="Calibri" panose="020F0502020204030204" pitchFamily="34" charset="0"/>
+                <a:ea typeface="Calibri" panose="020F0502020204030204" pitchFamily="34" charset="0"/>
+                <a:cs typeface="Arial" panose="020B0604020202020204" pitchFamily="34" charset="0"/>
+              </a:rPr>
+              <a:t>bind</a:t>
+            </a:r>
+            <a:r>
+              <a:rPr lang="en-US" sz="1400" dirty="0">
+                <a:solidFill>
+                  <a:srgbClr val="000000"/>
+                </a:solidFill>
+                <a:latin typeface="Calibri" panose="020F0502020204030204" pitchFamily="34" charset="0"/>
+                <a:ea typeface="Calibri" panose="020F0502020204030204" pitchFamily="34" charset="0"/>
+                <a:cs typeface="Arial" panose="020B0604020202020204" pitchFamily="34" charset="0"/>
+              </a:rPr>
+              <a:t>(</a:t>
+            </a:r>
+            <a:r>
+              <a:rPr lang="en-US" sz="1400" b="1" dirty="0">
+                <a:solidFill>
+                  <a:srgbClr val="000080"/>
+                </a:solidFill>
+                <a:latin typeface="Calibri" panose="020F0502020204030204" pitchFamily="34" charset="0"/>
+                <a:ea typeface="Calibri" panose="020F0502020204030204" pitchFamily="34" charset="0"/>
+                <a:cs typeface="Arial" panose="020B0604020202020204" pitchFamily="34" charset="0"/>
+              </a:rPr>
+              <a:t>this</a:t>
+            </a:r>
+            <a:r>
+              <a:rPr lang="en-US" sz="1400" dirty="0">
+                <a:solidFill>
+                  <a:srgbClr val="000000"/>
+                </a:solidFill>
+                <a:latin typeface="Calibri" panose="020F0502020204030204" pitchFamily="34" charset="0"/>
+                <a:ea typeface="Calibri" panose="020F0502020204030204" pitchFamily="34" charset="0"/>
+                <a:cs typeface="Arial" panose="020B0604020202020204" pitchFamily="34" charset="0"/>
+              </a:rPr>
+              <a:t>);</a:t>
+            </a:r>
+            <a:br>
+              <a:rPr lang="en-US" sz="1400" dirty="0">
+                <a:solidFill>
+                  <a:srgbClr val="000000"/>
+                </a:solidFill>
+                <a:latin typeface="Calibri" panose="020F0502020204030204" pitchFamily="34" charset="0"/>
+                <a:ea typeface="Calibri" panose="020F0502020204030204" pitchFamily="34" charset="0"/>
+                <a:cs typeface="Arial" panose="020B0604020202020204" pitchFamily="34" charset="0"/>
+              </a:rPr>
+            </a:br>
+            <a:r>
+              <a:rPr lang="en-US" sz="1400" dirty="0">
+                <a:solidFill>
+                  <a:srgbClr val="000000"/>
+                </a:solidFill>
+                <a:latin typeface="Calibri" panose="020F0502020204030204" pitchFamily="34" charset="0"/>
+                <a:ea typeface="Calibri" panose="020F0502020204030204" pitchFamily="34" charset="0"/>
+                <a:cs typeface="Arial" panose="020B0604020202020204" pitchFamily="34" charset="0"/>
+              </a:rPr>
+              <a:t>    </a:t>
+            </a:r>
+            <a:r>
+              <a:rPr lang="en-US" sz="1400" b="1" dirty="0" err="1">
+                <a:solidFill>
+                  <a:srgbClr val="000080"/>
+                </a:solidFill>
+                <a:latin typeface="Calibri" panose="020F0502020204030204" pitchFamily="34" charset="0"/>
+                <a:ea typeface="Calibri" panose="020F0502020204030204" pitchFamily="34" charset="0"/>
+                <a:cs typeface="Arial" panose="020B0604020202020204" pitchFamily="34" charset="0"/>
+              </a:rPr>
+              <a:t>this</a:t>
+            </a:r>
+            <a:r>
+              <a:rPr lang="en-US" sz="1400" dirty="0" err="1">
+                <a:solidFill>
+                  <a:srgbClr val="000000"/>
+                </a:solidFill>
+                <a:latin typeface="Calibri" panose="020F0502020204030204" pitchFamily="34" charset="0"/>
+                <a:ea typeface="Calibri" panose="020F0502020204030204" pitchFamily="34" charset="0"/>
+                <a:cs typeface="Arial" panose="020B0604020202020204" pitchFamily="34" charset="0"/>
+              </a:rPr>
+              <a:t>.</a:t>
+            </a:r>
+            <a:r>
+              <a:rPr lang="en-US" sz="1400" b="1" dirty="0" err="1">
+                <a:solidFill>
+                  <a:srgbClr val="660E7A"/>
+                </a:solidFill>
+                <a:latin typeface="Calibri" panose="020F0502020204030204" pitchFamily="34" charset="0"/>
+                <a:ea typeface="Calibri" panose="020F0502020204030204" pitchFamily="34" charset="0"/>
+                <a:cs typeface="Arial" panose="020B0604020202020204" pitchFamily="34" charset="0"/>
+              </a:rPr>
+              <a:t>button</a:t>
+            </a:r>
+            <a:r>
+              <a:rPr lang="en-US" sz="1400" dirty="0" err="1">
+                <a:solidFill>
+                  <a:srgbClr val="000000"/>
+                </a:solidFill>
+                <a:latin typeface="Calibri" panose="020F0502020204030204" pitchFamily="34" charset="0"/>
+                <a:ea typeface="Calibri" panose="020F0502020204030204" pitchFamily="34" charset="0"/>
+                <a:cs typeface="Arial" panose="020B0604020202020204" pitchFamily="34" charset="0"/>
+              </a:rPr>
+              <a:t>.addEventListener</a:t>
+            </a:r>
+            <a:r>
+              <a:rPr lang="en-US" sz="1400" dirty="0">
+                <a:solidFill>
+                  <a:srgbClr val="000000"/>
+                </a:solidFill>
+                <a:latin typeface="Calibri" panose="020F0502020204030204" pitchFamily="34" charset="0"/>
+                <a:ea typeface="Calibri" panose="020F0502020204030204" pitchFamily="34" charset="0"/>
+                <a:cs typeface="Arial" panose="020B0604020202020204" pitchFamily="34" charset="0"/>
+              </a:rPr>
+              <a:t>(</a:t>
+            </a:r>
+            <a:r>
+              <a:rPr lang="en-US" sz="1400" b="1" dirty="0">
+                <a:solidFill>
+                  <a:srgbClr val="008000"/>
+                </a:solidFill>
+                <a:latin typeface="Calibri" panose="020F0502020204030204" pitchFamily="34" charset="0"/>
+                <a:ea typeface="Calibri" panose="020F0502020204030204" pitchFamily="34" charset="0"/>
+                <a:cs typeface="Arial" panose="020B0604020202020204" pitchFamily="34" charset="0"/>
+              </a:rPr>
+              <a:t>"click"</a:t>
+            </a:r>
+            <a:r>
+              <a:rPr lang="en-US" sz="1400" dirty="0">
+                <a:solidFill>
+                  <a:srgbClr val="000000"/>
+                </a:solidFill>
+                <a:latin typeface="Calibri" panose="020F0502020204030204" pitchFamily="34" charset="0"/>
+                <a:ea typeface="Calibri" panose="020F0502020204030204" pitchFamily="34" charset="0"/>
+                <a:cs typeface="Arial" panose="020B0604020202020204" pitchFamily="34" charset="0"/>
+              </a:rPr>
+              <a:t>, </a:t>
+            </a:r>
+            <a:r>
+              <a:rPr lang="en-US" sz="1400" b="1" dirty="0" err="1">
+                <a:solidFill>
+                  <a:srgbClr val="000080"/>
+                </a:solidFill>
+                <a:latin typeface="Calibri" panose="020F0502020204030204" pitchFamily="34" charset="0"/>
+                <a:ea typeface="Calibri" panose="020F0502020204030204" pitchFamily="34" charset="0"/>
+                <a:cs typeface="Arial" panose="020B0604020202020204" pitchFamily="34" charset="0"/>
+              </a:rPr>
+              <a:t>this</a:t>
+            </a:r>
+            <a:r>
+              <a:rPr lang="en-US" sz="1400" dirty="0" err="1">
+                <a:solidFill>
+                  <a:srgbClr val="000000"/>
+                </a:solidFill>
+                <a:latin typeface="Calibri" panose="020F0502020204030204" pitchFamily="34" charset="0"/>
+                <a:ea typeface="Calibri" panose="020F0502020204030204" pitchFamily="34" charset="0"/>
+                <a:cs typeface="Arial" panose="020B0604020202020204" pitchFamily="34" charset="0"/>
+              </a:rPr>
+              <a:t>.</a:t>
+            </a:r>
+            <a:r>
+              <a:rPr lang="en-US" sz="1400" b="1" dirty="0" err="1">
+                <a:solidFill>
+                  <a:srgbClr val="660E7A"/>
+                </a:solidFill>
+                <a:latin typeface="Calibri" panose="020F0502020204030204" pitchFamily="34" charset="0"/>
+                <a:ea typeface="Calibri" panose="020F0502020204030204" pitchFamily="34" charset="0"/>
+                <a:cs typeface="Arial" panose="020B0604020202020204" pitchFamily="34" charset="0"/>
+              </a:rPr>
+              <a:t>onClickHandler</a:t>
+            </a:r>
+            <a:r>
+              <a:rPr lang="en-US" sz="1400" dirty="0">
+                <a:solidFill>
+                  <a:srgbClr val="000000"/>
+                </a:solidFill>
+                <a:latin typeface="Calibri" panose="020F0502020204030204" pitchFamily="34" charset="0"/>
+                <a:ea typeface="Calibri" panose="020F0502020204030204" pitchFamily="34" charset="0"/>
+                <a:cs typeface="Arial" panose="020B0604020202020204" pitchFamily="34" charset="0"/>
+              </a:rPr>
+              <a:t>);</a:t>
+            </a:r>
+            <a:br>
+              <a:rPr lang="en-US" sz="1400" dirty="0">
+                <a:solidFill>
+                  <a:srgbClr val="000000"/>
+                </a:solidFill>
+                <a:latin typeface="Calibri" panose="020F0502020204030204" pitchFamily="34" charset="0"/>
+                <a:ea typeface="Calibri" panose="020F0502020204030204" pitchFamily="34" charset="0"/>
+                <a:cs typeface="Arial" panose="020B0604020202020204" pitchFamily="34" charset="0"/>
+              </a:rPr>
+            </a:br>
+            <a:r>
+              <a:rPr lang="en-US" sz="1400" dirty="0">
+                <a:solidFill>
+                  <a:srgbClr val="000000"/>
+                </a:solidFill>
+                <a:latin typeface="Calibri" panose="020F0502020204030204" pitchFamily="34" charset="0"/>
+                <a:ea typeface="Calibri" panose="020F0502020204030204" pitchFamily="34" charset="0"/>
+                <a:cs typeface="Arial" panose="020B0604020202020204" pitchFamily="34" charset="0"/>
+              </a:rPr>
+              <a:t/>
+            </a:r>
+            <a:br>
+              <a:rPr lang="en-US" sz="1400" dirty="0">
+                <a:solidFill>
+                  <a:srgbClr val="000000"/>
+                </a:solidFill>
+                <a:latin typeface="Calibri" panose="020F0502020204030204" pitchFamily="34" charset="0"/>
+                <a:ea typeface="Calibri" panose="020F0502020204030204" pitchFamily="34" charset="0"/>
+                <a:cs typeface="Arial" panose="020B0604020202020204" pitchFamily="34" charset="0"/>
+              </a:rPr>
+            </a:br>
+            <a:r>
+              <a:rPr lang="en-US" sz="1400" dirty="0">
+                <a:solidFill>
+                  <a:srgbClr val="000000"/>
+                </a:solidFill>
+                <a:latin typeface="Calibri" panose="020F0502020204030204" pitchFamily="34" charset="0"/>
+                <a:ea typeface="Calibri" panose="020F0502020204030204" pitchFamily="34" charset="0"/>
+                <a:cs typeface="Arial" panose="020B0604020202020204" pitchFamily="34" charset="0"/>
+              </a:rPr>
+              <a:t>    </a:t>
+            </a:r>
+            <a:r>
+              <a:rPr lang="en-US" sz="1400" dirty="0" err="1">
+                <a:solidFill>
+                  <a:srgbClr val="458383"/>
+                </a:solidFill>
+                <a:latin typeface="Calibri" panose="020F0502020204030204" pitchFamily="34" charset="0"/>
+                <a:ea typeface="Calibri" panose="020F0502020204030204" pitchFamily="34" charset="0"/>
+                <a:cs typeface="Arial" panose="020B0604020202020204" pitchFamily="34" charset="0"/>
+              </a:rPr>
+              <a:t>dom</a:t>
+            </a:r>
+            <a:r>
+              <a:rPr lang="en-US" sz="1400" dirty="0" err="1">
+                <a:solidFill>
+                  <a:srgbClr val="000000"/>
+                </a:solidFill>
+                <a:latin typeface="Calibri" panose="020F0502020204030204" pitchFamily="34" charset="0"/>
+                <a:ea typeface="Calibri" panose="020F0502020204030204" pitchFamily="34" charset="0"/>
+                <a:cs typeface="Arial" panose="020B0604020202020204" pitchFamily="34" charset="0"/>
+              </a:rPr>
+              <a:t>.append</a:t>
+            </a:r>
+            <a:r>
+              <a:rPr lang="en-US" sz="1400" dirty="0">
+                <a:solidFill>
+                  <a:srgbClr val="000000"/>
+                </a:solidFill>
+                <a:latin typeface="Calibri" panose="020F0502020204030204" pitchFamily="34" charset="0"/>
+                <a:ea typeface="Calibri" panose="020F0502020204030204" pitchFamily="34" charset="0"/>
+                <a:cs typeface="Arial" panose="020B0604020202020204" pitchFamily="34" charset="0"/>
+              </a:rPr>
+              <a:t>(</a:t>
+            </a:r>
+            <a:r>
+              <a:rPr lang="en-US" sz="1400" b="1" dirty="0" err="1">
+                <a:solidFill>
+                  <a:srgbClr val="000080"/>
+                </a:solidFill>
+                <a:latin typeface="Calibri" panose="020F0502020204030204" pitchFamily="34" charset="0"/>
+                <a:ea typeface="Calibri" panose="020F0502020204030204" pitchFamily="34" charset="0"/>
+                <a:cs typeface="Arial" panose="020B0604020202020204" pitchFamily="34" charset="0"/>
+              </a:rPr>
+              <a:t>this</a:t>
+            </a:r>
+            <a:r>
+              <a:rPr lang="en-US" sz="1400" dirty="0" err="1">
+                <a:solidFill>
+                  <a:srgbClr val="000000"/>
+                </a:solidFill>
+                <a:latin typeface="Calibri" panose="020F0502020204030204" pitchFamily="34" charset="0"/>
+                <a:ea typeface="Calibri" panose="020F0502020204030204" pitchFamily="34" charset="0"/>
+                <a:cs typeface="Arial" panose="020B0604020202020204" pitchFamily="34" charset="0"/>
+              </a:rPr>
+              <a:t>.</a:t>
+            </a:r>
+            <a:r>
+              <a:rPr lang="en-US" sz="1400" b="1" dirty="0" err="1">
+                <a:solidFill>
+                  <a:srgbClr val="660E7A"/>
+                </a:solidFill>
+                <a:latin typeface="Calibri" panose="020F0502020204030204" pitchFamily="34" charset="0"/>
+                <a:ea typeface="Calibri" panose="020F0502020204030204" pitchFamily="34" charset="0"/>
+                <a:cs typeface="Arial" panose="020B0604020202020204" pitchFamily="34" charset="0"/>
+              </a:rPr>
+              <a:t>button</a:t>
+            </a:r>
+            <a:r>
+              <a:rPr lang="en-US" sz="1400" dirty="0">
+                <a:solidFill>
+                  <a:srgbClr val="000000"/>
+                </a:solidFill>
+                <a:latin typeface="Calibri" panose="020F0502020204030204" pitchFamily="34" charset="0"/>
+                <a:ea typeface="Calibri" panose="020F0502020204030204" pitchFamily="34" charset="0"/>
+                <a:cs typeface="Arial" panose="020B0604020202020204" pitchFamily="34" charset="0"/>
+              </a:rPr>
+              <a:t>);</a:t>
+            </a:r>
+            <a:br>
+              <a:rPr lang="en-US" sz="1400" dirty="0">
+                <a:solidFill>
+                  <a:srgbClr val="000000"/>
+                </a:solidFill>
+                <a:latin typeface="Calibri" panose="020F0502020204030204" pitchFamily="34" charset="0"/>
+                <a:ea typeface="Calibri" panose="020F0502020204030204" pitchFamily="34" charset="0"/>
+                <a:cs typeface="Arial" panose="020B0604020202020204" pitchFamily="34" charset="0"/>
+              </a:rPr>
+            </a:br>
+            <a:r>
+              <a:rPr lang="en-US" sz="1400" dirty="0">
+                <a:solidFill>
+                  <a:srgbClr val="000000"/>
+                </a:solidFill>
+                <a:latin typeface="Calibri" panose="020F0502020204030204" pitchFamily="34" charset="0"/>
+                <a:ea typeface="Calibri" panose="020F0502020204030204" pitchFamily="34" charset="0"/>
+                <a:cs typeface="Arial" panose="020B0604020202020204" pitchFamily="34" charset="0"/>
+              </a:rPr>
+              <a:t>}</a:t>
+            </a:r>
+            <a:endParaRPr lang="en-US" sz="1400" dirty="0"/>
+          </a:p>
+        </p:txBody>
+      </p:sp>
+      <p:sp>
+        <p:nvSpPr>
+          <p:cNvPr id="9" name="Rectangle 8"/>
+          <p:cNvSpPr/>
+          <p:nvPr/>
+        </p:nvSpPr>
+        <p:spPr>
+          <a:xfrm>
+            <a:off x="266700" y="4778125"/>
+            <a:ext cx="1590328" cy="1296144"/>
+          </a:xfrm>
+          <a:prstGeom prst="rect">
+            <a:avLst/>
+          </a:prstGeom>
+          <a:solidFill>
+            <a:schemeClr val="accent4"/>
+          </a:solidFill>
+          <a:ln>
+            <a:noFill/>
+          </a:ln>
+        </p:spPr>
+        <p:style>
+          <a:lnRef idx="2">
+            <a:schemeClr val="accent1">
+              <a:shade val="50000"/>
+            </a:schemeClr>
+          </a:lnRef>
+          <a:fillRef idx="1">
+            <a:schemeClr val="accent1"/>
+          </a:fillRef>
+          <a:effectRef idx="0">
+            <a:schemeClr val="accent1"/>
+          </a:effectRef>
+          <a:fontRef idx="minor">
+            <a:schemeClr val="lt1"/>
+          </a:fontRef>
+        </p:style>
+        <p:txBody>
+          <a:bodyPr rtlCol="1" anchor="ctr"/>
+          <a:lstStyle/>
+          <a:p>
+            <a:pPr algn="ctr"/>
+            <a:r>
+              <a:rPr lang="en-US" sz="1400" dirty="0" smtClean="0"/>
+              <a:t>Are you sure you want to get back to thos</a:t>
+            </a:r>
+            <a:r>
+              <a:rPr lang="en-US" sz="1400" dirty="0" smtClean="0"/>
+              <a:t>e days ?</a:t>
+            </a:r>
+            <a:endParaRPr lang="he-IL" sz="1400" dirty="0"/>
+          </a:p>
+        </p:txBody>
+      </p:sp>
+    </p:spTree>
+    <p:extLst>
+      <p:ext uri="{BB962C8B-B14F-4D97-AF65-F5344CB8AC3E}">
+        <p14:creationId xmlns:p14="http://schemas.microsoft.com/office/powerpoint/2010/main" val="64776633"/>
+      </p:ext>
+    </p:extLst>
+  </p:cSld>
+  <p:clrMapOvr>
+    <a:masterClrMapping/>
+  </p:clrMapOvr>
+</p:sld>
+</file>
+
+<file path=ppt/slides/slide41.xml><?xml version="1.0" encoding="utf-8"?>
+<p:sld xmlns:a="http://schemas.openxmlformats.org/drawingml/2006/main" xmlns:r="http://schemas.openxmlformats.org/officeDocument/2006/relationships" xmlns:p="http://schemas.openxmlformats.org/presentationml/2006/main">
+  <p:cSld>
+    <p:spTree>
+      <p:nvGrpSpPr>
+        <p:cNvPr id="1" name=""/>
+        <p:cNvGrpSpPr/>
+        <p:nvPr/>
+      </p:nvGrpSpPr>
+      <p:grpSpPr>
+        <a:xfrm>
+          <a:off x="0" y="0"/>
+          <a:ext cx="0" cy="0"/>
+          <a:chOff x="0" y="0"/>
+          <a:chExt cx="0" cy="0"/>
+        </a:xfrm>
+      </p:grpSpPr>
+      <p:sp>
+        <p:nvSpPr>
+          <p:cNvPr id="2" name="Title 1"/>
+          <p:cNvSpPr>
+            <a:spLocks noGrp="1"/>
+          </p:cNvSpPr>
+          <p:nvPr>
+            <p:ph type="title"/>
+          </p:nvPr>
+        </p:nvSpPr>
+        <p:spPr/>
+        <p:txBody>
+          <a:bodyPr/>
+          <a:lstStyle/>
+          <a:p>
+            <a:r>
+              <a:rPr lang="en-US" dirty="0" smtClean="0"/>
+              <a:t>Accessing the DOM</a:t>
+            </a:r>
+            <a:endParaRPr lang="en-US" dirty="0"/>
+          </a:p>
+        </p:txBody>
+      </p:sp>
+      <p:sp>
+        <p:nvSpPr>
+          <p:cNvPr id="3" name="Footer Placeholder 2"/>
+          <p:cNvSpPr>
+            <a:spLocks noGrp="1"/>
+          </p:cNvSpPr>
+          <p:nvPr>
+            <p:ph type="ftr" sz="quarter" idx="11"/>
+          </p:nvPr>
+        </p:nvSpPr>
+        <p:spPr/>
+        <p:txBody>
+          <a:bodyPr/>
+          <a:lstStyle/>
+          <a:p>
+            <a:r>
+              <a:rPr lang="en-US" smtClean="0"/>
+              <a:t>© 2016 Ori Calvo</a:t>
+            </a:r>
+            <a:endParaRPr lang="en-US" dirty="0"/>
+          </a:p>
+        </p:txBody>
+      </p:sp>
+      <p:sp>
+        <p:nvSpPr>
+          <p:cNvPr id="4" name="Slide Number Placeholder 3"/>
+          <p:cNvSpPr>
+            <a:spLocks noGrp="1"/>
+          </p:cNvSpPr>
+          <p:nvPr>
+            <p:ph type="sldNum" sz="quarter" idx="12"/>
+          </p:nvPr>
+        </p:nvSpPr>
+        <p:spPr/>
+        <p:txBody>
+          <a:bodyPr>
+            <a:normAutofit fontScale="85000" lnSpcReduction="20000"/>
+          </a:bodyPr>
+          <a:lstStyle/>
+          <a:p>
+            <a:fld id="{6EDEC3BC-0694-4586-AE63-02B4D54ABF43}" type="slidenum">
+              <a:rPr lang="en-US" smtClean="0"/>
+              <a:pPr/>
+              <a:t>41</a:t>
+            </a:fld>
+            <a:endParaRPr lang="en-US"/>
+          </a:p>
+        </p:txBody>
+      </p:sp>
+      <p:sp>
+        <p:nvSpPr>
+          <p:cNvPr id="5" name="Content Placeholder 4"/>
+          <p:cNvSpPr>
+            <a:spLocks noGrp="1"/>
+          </p:cNvSpPr>
+          <p:nvPr>
+            <p:ph sz="quarter" idx="1"/>
+          </p:nvPr>
+        </p:nvSpPr>
+        <p:spPr/>
+        <p:txBody>
+          <a:bodyPr/>
+          <a:lstStyle/>
+          <a:p>
+            <a:r>
+              <a:rPr lang="en-US" dirty="0" smtClean="0"/>
+              <a:t>Angular may be executed under NodeJS or under web worker</a:t>
+            </a:r>
+          </a:p>
+          <a:p>
+            <a:r>
+              <a:rPr lang="en-US" dirty="0" smtClean="0"/>
+              <a:t>In that case </a:t>
+            </a:r>
+            <a:r>
+              <a:rPr lang="en-US" dirty="0" err="1" smtClean="0">
+                <a:solidFill>
+                  <a:srgbClr val="FF0000"/>
+                </a:solidFill>
+              </a:rPr>
+              <a:t>ElementRef.nativeElement</a:t>
+            </a:r>
+            <a:r>
+              <a:rPr lang="en-US" dirty="0" smtClean="0"/>
+              <a:t> is undefined</a:t>
+            </a:r>
+          </a:p>
+          <a:p>
+            <a:r>
+              <a:rPr lang="en-US" dirty="0" smtClean="0"/>
+              <a:t>You should write your code with special care and guard against non browser platforms</a:t>
+            </a:r>
+            <a:endParaRPr lang="en-US" dirty="0"/>
+          </a:p>
+        </p:txBody>
+      </p:sp>
+    </p:spTree>
+    <p:extLst>
+      <p:ext uri="{BB962C8B-B14F-4D97-AF65-F5344CB8AC3E}">
+        <p14:creationId xmlns:p14="http://schemas.microsoft.com/office/powerpoint/2010/main" val="32415677"/>
+      </p:ext>
+    </p:extLst>
+  </p:cSld>
+  <p:clrMapOvr>
+    <a:masterClrMapping/>
+  </p:clrMapOvr>
+</p:sld>
+</file>
+
 <file path=ppt/slides/slide5.xml><?xml version="1.0" encoding="utf-8"?>
 <p:sld xmlns:a="http://schemas.openxmlformats.org/drawingml/2006/main" xmlns:r="http://schemas.openxmlformats.org/officeDocument/2006/relationships" xmlns:p="http://schemas.openxmlformats.org/presentationml/2006/main">
   <p:cSld>
@@ -27327,6 +30148,17 @@
                 <a:cs typeface="Courier New" panose="02070309020205020404" pitchFamily="49" charset="0"/>
               </a:rPr>
             </a:br>
+            <a:r>
+              <a:rPr lang="en-US" sz="1400" dirty="0">
+                <a:solidFill>
+                  <a:srgbClr val="000000"/>
+                </a:solidFill>
+                <a:latin typeface="Courier New" panose="02070309020205020404" pitchFamily="49" charset="0"/>
+                <a:ea typeface="Calibri" panose="020F0502020204030204" pitchFamily="34" charset="0"/>
+                <a:cs typeface="Courier New" panose="02070309020205020404" pitchFamily="49" charset="0"/>
+              </a:rPr>
+              <a:t/>
+            </a:r>
             <a:br>
               <a:rPr lang="en-US" sz="1400" dirty="0">
                 <a:solidFill>

--- a/PPTs/06 Advanced Components.pptx
+++ b/PPTs/06 Advanced Components.pptx
@@ -5,7 +5,7 @@
     <p:sldMasterId id="2147483672" r:id="rId1"/>
   </p:sldMasterIdLst>
   <p:notesMasterIdLst>
-    <p:notesMasterId r:id="rId56"/>
+    <p:notesMasterId r:id="rId60"/>
   </p:notesMasterIdLst>
   <p:sldIdLst>
     <p:sldId id="256" r:id="rId2"/>
@@ -62,6 +62,10 @@
     <p:sldId id="306" r:id="rId53"/>
     <p:sldId id="308" r:id="rId54"/>
     <p:sldId id="309" r:id="rId55"/>
+    <p:sldId id="310" r:id="rId56"/>
+    <p:sldId id="311" r:id="rId57"/>
+    <p:sldId id="312" r:id="rId58"/>
+    <p:sldId id="313" r:id="rId59"/>
   </p:sldIdLst>
   <p:sldSz cx="9144000" cy="6858000" type="screen4x3"/>
   <p:notesSz cx="6858000" cy="9144000"/>
@@ -4251,7 +4255,7 @@
             <a:fld id="{4991502B-FFA8-47B9-B4E5-980CA415BAFF}" type="datetimeFigureOut">
               <a:rPr lang="en-US" smtClean="0"/>
               <a:pPr/>
-              <a:t>5/18/2017</a:t>
+              <a:t>5/20/2017</a:t>
             </a:fld>
             <a:endParaRPr lang="en-US"/>
           </a:p>
@@ -42236,6 +42240,1458 @@
       </p:sp>
       <p:sp>
         <p:nvSpPr>
+          <p:cNvPr id="7" name="Rectangle 6"/>
+          <p:cNvSpPr/>
+          <p:nvPr/>
+        </p:nvSpPr>
+        <p:spPr>
+          <a:xfrm>
+            <a:off x="2052436" y="1916832"/>
+            <a:ext cx="5273824" cy="2246769"/>
+          </a:xfrm>
+          <a:prstGeom prst="rect">
+            <a:avLst/>
+          </a:prstGeom>
+          <a:solidFill>
+            <a:schemeClr val="accent1">
+              <a:lumMod val="40000"/>
+              <a:lumOff val="60000"/>
+            </a:schemeClr>
+          </a:solidFill>
+        </p:spPr>
+        <p:txBody>
+          <a:bodyPr wrap="square">
+            <a:spAutoFit/>
+          </a:bodyPr>
+          <a:lstStyle/>
+          <a:p>
+            <a:r>
+              <a:rPr lang="en-US" sz="1400" dirty="0">
+                <a:solidFill>
+                  <a:srgbClr val="000000"/>
+                </a:solidFill>
+                <a:latin typeface="Calibri" panose="020F0502020204030204" pitchFamily="34" charset="0"/>
+                <a:ea typeface="Calibri" panose="020F0502020204030204" pitchFamily="34" charset="0"/>
+                <a:cs typeface="Arial" panose="020B0604020202020204" pitchFamily="34" charset="0"/>
+              </a:rPr>
+              <a:t>@Pipe({</a:t>
+            </a:r>
+            <a:r>
+              <a:rPr lang="en-US" sz="1400" b="1" dirty="0">
+                <a:solidFill>
+                  <a:srgbClr val="660E7A"/>
+                </a:solidFill>
+                <a:latin typeface="Calibri" panose="020F0502020204030204" pitchFamily="34" charset="0"/>
+                <a:ea typeface="Calibri" panose="020F0502020204030204" pitchFamily="34" charset="0"/>
+                <a:cs typeface="Arial" panose="020B0604020202020204" pitchFamily="34" charset="0"/>
+              </a:rPr>
+              <a:t>name</a:t>
+            </a:r>
+            <a:r>
+              <a:rPr lang="en-US" sz="1400" dirty="0">
+                <a:solidFill>
+                  <a:srgbClr val="000000"/>
+                </a:solidFill>
+                <a:latin typeface="Calibri" panose="020F0502020204030204" pitchFamily="34" charset="0"/>
+                <a:ea typeface="Calibri" panose="020F0502020204030204" pitchFamily="34" charset="0"/>
+                <a:cs typeface="Arial" panose="020B0604020202020204" pitchFamily="34" charset="0"/>
+              </a:rPr>
+              <a:t>: </a:t>
+            </a:r>
+            <a:r>
+              <a:rPr lang="en-US" sz="1400" b="1" dirty="0">
+                <a:solidFill>
+                  <a:srgbClr val="008000"/>
+                </a:solidFill>
+                <a:latin typeface="Calibri" panose="020F0502020204030204" pitchFamily="34" charset="0"/>
+                <a:ea typeface="Calibri" panose="020F0502020204030204" pitchFamily="34" charset="0"/>
+                <a:cs typeface="Arial" panose="020B0604020202020204" pitchFamily="34" charset="0"/>
+              </a:rPr>
+              <a:t>'filter'</a:t>
+            </a:r>
+            <a:r>
+              <a:rPr lang="en-US" sz="1400" dirty="0">
+                <a:solidFill>
+                  <a:srgbClr val="000000"/>
+                </a:solidFill>
+                <a:latin typeface="Calibri" panose="020F0502020204030204" pitchFamily="34" charset="0"/>
+                <a:ea typeface="Calibri" panose="020F0502020204030204" pitchFamily="34" charset="0"/>
+                <a:cs typeface="Arial" panose="020B0604020202020204" pitchFamily="34" charset="0"/>
+              </a:rPr>
+              <a:t>})</a:t>
+            </a:r>
+            <a:br>
+              <a:rPr lang="en-US" sz="1400" dirty="0">
+                <a:solidFill>
+                  <a:srgbClr val="000000"/>
+                </a:solidFill>
+                <a:latin typeface="Calibri" panose="020F0502020204030204" pitchFamily="34" charset="0"/>
+                <a:ea typeface="Calibri" panose="020F0502020204030204" pitchFamily="34" charset="0"/>
+                <a:cs typeface="Arial" panose="020B0604020202020204" pitchFamily="34" charset="0"/>
+              </a:rPr>
+            </a:br>
+            <a:r>
+              <a:rPr lang="en-US" sz="1400" b="1" dirty="0">
+                <a:solidFill>
+                  <a:srgbClr val="000080"/>
+                </a:solidFill>
+                <a:latin typeface="Calibri" panose="020F0502020204030204" pitchFamily="34" charset="0"/>
+                <a:ea typeface="Calibri" panose="020F0502020204030204" pitchFamily="34" charset="0"/>
+                <a:cs typeface="Arial" panose="020B0604020202020204" pitchFamily="34" charset="0"/>
+              </a:rPr>
+              <a:t>export class </a:t>
+            </a:r>
+            <a:r>
+              <a:rPr lang="en-US" sz="1400" dirty="0" err="1">
+                <a:solidFill>
+                  <a:srgbClr val="000000"/>
+                </a:solidFill>
+                <a:latin typeface="Calibri" panose="020F0502020204030204" pitchFamily="34" charset="0"/>
+                <a:ea typeface="Calibri" panose="020F0502020204030204" pitchFamily="34" charset="0"/>
+                <a:cs typeface="Arial" panose="020B0604020202020204" pitchFamily="34" charset="0"/>
+              </a:rPr>
+              <a:t>FilterPipe</a:t>
+            </a:r>
+            <a:r>
+              <a:rPr lang="en-US" sz="1400" dirty="0">
+                <a:solidFill>
+                  <a:srgbClr val="000000"/>
+                </a:solidFill>
+                <a:latin typeface="Calibri" panose="020F0502020204030204" pitchFamily="34" charset="0"/>
+                <a:ea typeface="Calibri" panose="020F0502020204030204" pitchFamily="34" charset="0"/>
+                <a:cs typeface="Arial" panose="020B0604020202020204" pitchFamily="34" charset="0"/>
+              </a:rPr>
+              <a:t> </a:t>
+            </a:r>
+            <a:r>
+              <a:rPr lang="en-US" sz="1400" b="1" dirty="0">
+                <a:solidFill>
+                  <a:srgbClr val="000080"/>
+                </a:solidFill>
+                <a:latin typeface="Calibri" panose="020F0502020204030204" pitchFamily="34" charset="0"/>
+                <a:ea typeface="Calibri" panose="020F0502020204030204" pitchFamily="34" charset="0"/>
+                <a:cs typeface="Arial" panose="020B0604020202020204" pitchFamily="34" charset="0"/>
+              </a:rPr>
+              <a:t>implements </a:t>
+            </a:r>
+            <a:r>
+              <a:rPr lang="en-US" sz="1400" dirty="0" err="1">
+                <a:solidFill>
+                  <a:srgbClr val="000000"/>
+                </a:solidFill>
+                <a:latin typeface="Calibri" panose="020F0502020204030204" pitchFamily="34" charset="0"/>
+                <a:ea typeface="Calibri" panose="020F0502020204030204" pitchFamily="34" charset="0"/>
+                <a:cs typeface="Arial" panose="020B0604020202020204" pitchFamily="34" charset="0"/>
+              </a:rPr>
+              <a:t>PipeTransform</a:t>
+            </a:r>
+            <a:r>
+              <a:rPr lang="en-US" sz="1400" dirty="0">
+                <a:solidFill>
+                  <a:srgbClr val="000000"/>
+                </a:solidFill>
+                <a:latin typeface="Calibri" panose="020F0502020204030204" pitchFamily="34" charset="0"/>
+                <a:ea typeface="Calibri" panose="020F0502020204030204" pitchFamily="34" charset="0"/>
+                <a:cs typeface="Arial" panose="020B0604020202020204" pitchFamily="34" charset="0"/>
+              </a:rPr>
+              <a:t> {</a:t>
+            </a:r>
+            <a:br>
+              <a:rPr lang="en-US" sz="1400" dirty="0">
+                <a:solidFill>
+                  <a:srgbClr val="000000"/>
+                </a:solidFill>
+                <a:latin typeface="Calibri" panose="020F0502020204030204" pitchFamily="34" charset="0"/>
+                <a:ea typeface="Calibri" panose="020F0502020204030204" pitchFamily="34" charset="0"/>
+                <a:cs typeface="Arial" panose="020B0604020202020204" pitchFamily="34" charset="0"/>
+              </a:rPr>
+            </a:br>
+            <a:r>
+              <a:rPr lang="en-US" sz="1400" dirty="0">
+                <a:solidFill>
+                  <a:srgbClr val="000000"/>
+                </a:solidFill>
+                <a:latin typeface="Calibri" panose="020F0502020204030204" pitchFamily="34" charset="0"/>
+                <a:ea typeface="Calibri" panose="020F0502020204030204" pitchFamily="34" charset="0"/>
+                <a:cs typeface="Arial" panose="020B0604020202020204" pitchFamily="34" charset="0"/>
+              </a:rPr>
+              <a:t>    </a:t>
+            </a:r>
+            <a:r>
+              <a:rPr lang="en-US" sz="1400" dirty="0">
+                <a:solidFill>
+                  <a:srgbClr val="7A7A43"/>
+                </a:solidFill>
+                <a:latin typeface="Calibri" panose="020F0502020204030204" pitchFamily="34" charset="0"/>
+                <a:ea typeface="Calibri" panose="020F0502020204030204" pitchFamily="34" charset="0"/>
+                <a:cs typeface="Arial" panose="020B0604020202020204" pitchFamily="34" charset="0"/>
+              </a:rPr>
+              <a:t>transform</a:t>
+            </a:r>
+            <a:r>
+              <a:rPr lang="en-US" sz="1400" dirty="0">
+                <a:solidFill>
+                  <a:srgbClr val="000000"/>
+                </a:solidFill>
+                <a:latin typeface="Calibri" panose="020F0502020204030204" pitchFamily="34" charset="0"/>
+                <a:ea typeface="Calibri" panose="020F0502020204030204" pitchFamily="34" charset="0"/>
+                <a:cs typeface="Arial" panose="020B0604020202020204" pitchFamily="34" charset="0"/>
+              </a:rPr>
+              <a:t>(</a:t>
+            </a:r>
+            <a:r>
+              <a:rPr lang="en-US" sz="1400" dirty="0" err="1">
+                <a:solidFill>
+                  <a:srgbClr val="000000"/>
+                </a:solidFill>
+                <a:latin typeface="Calibri" panose="020F0502020204030204" pitchFamily="34" charset="0"/>
+                <a:ea typeface="Calibri" panose="020F0502020204030204" pitchFamily="34" charset="0"/>
+                <a:cs typeface="Arial" panose="020B0604020202020204" pitchFamily="34" charset="0"/>
+              </a:rPr>
+              <a:t>coll</a:t>
+            </a:r>
+            <a:r>
+              <a:rPr lang="en-US" sz="1400" dirty="0">
+                <a:solidFill>
+                  <a:srgbClr val="000000"/>
+                </a:solidFill>
+                <a:latin typeface="Calibri" panose="020F0502020204030204" pitchFamily="34" charset="0"/>
+                <a:ea typeface="Calibri" panose="020F0502020204030204" pitchFamily="34" charset="0"/>
+                <a:cs typeface="Arial" panose="020B0604020202020204" pitchFamily="34" charset="0"/>
+              </a:rPr>
+              <a:t>: </a:t>
+            </a:r>
+            <a:r>
+              <a:rPr lang="en-US" sz="1400" b="1" dirty="0">
+                <a:solidFill>
+                  <a:srgbClr val="000080"/>
+                </a:solidFill>
+                <a:latin typeface="Calibri" panose="020F0502020204030204" pitchFamily="34" charset="0"/>
+                <a:ea typeface="Calibri" panose="020F0502020204030204" pitchFamily="34" charset="0"/>
+                <a:cs typeface="Arial" panose="020B0604020202020204" pitchFamily="34" charset="0"/>
+              </a:rPr>
+              <a:t>any</a:t>
+            </a:r>
+            <a:r>
+              <a:rPr lang="en-US" sz="1400" dirty="0">
+                <a:solidFill>
+                  <a:srgbClr val="000000"/>
+                </a:solidFill>
+                <a:latin typeface="Calibri" panose="020F0502020204030204" pitchFamily="34" charset="0"/>
+                <a:ea typeface="Calibri" panose="020F0502020204030204" pitchFamily="34" charset="0"/>
+                <a:cs typeface="Arial" panose="020B0604020202020204" pitchFamily="34" charset="0"/>
+              </a:rPr>
+              <a:t>[], </a:t>
+            </a:r>
+            <a:r>
+              <a:rPr lang="en-US" sz="1400" dirty="0" err="1">
+                <a:solidFill>
+                  <a:srgbClr val="000000"/>
+                </a:solidFill>
+                <a:latin typeface="Calibri" panose="020F0502020204030204" pitchFamily="34" charset="0"/>
+                <a:ea typeface="Calibri" panose="020F0502020204030204" pitchFamily="34" charset="0"/>
+                <a:cs typeface="Arial" panose="020B0604020202020204" pitchFamily="34" charset="0"/>
+              </a:rPr>
+              <a:t>filterBy</a:t>
+            </a:r>
+            <a:r>
+              <a:rPr lang="en-US" sz="1400" dirty="0">
+                <a:solidFill>
+                  <a:srgbClr val="000000"/>
+                </a:solidFill>
+                <a:latin typeface="Calibri" panose="020F0502020204030204" pitchFamily="34" charset="0"/>
+                <a:ea typeface="Calibri" panose="020F0502020204030204" pitchFamily="34" charset="0"/>
+                <a:cs typeface="Arial" panose="020B0604020202020204" pitchFamily="34" charset="0"/>
+              </a:rPr>
+              <a:t>: </a:t>
+            </a:r>
+            <a:r>
+              <a:rPr lang="en-US" sz="1400" b="1" dirty="0">
+                <a:solidFill>
+                  <a:srgbClr val="000080"/>
+                </a:solidFill>
+                <a:latin typeface="Calibri" panose="020F0502020204030204" pitchFamily="34" charset="0"/>
+                <a:ea typeface="Calibri" panose="020F0502020204030204" pitchFamily="34" charset="0"/>
+                <a:cs typeface="Arial" panose="020B0604020202020204" pitchFamily="34" charset="0"/>
+              </a:rPr>
+              <a:t>string</a:t>
+            </a:r>
+            <a:r>
+              <a:rPr lang="en-US" sz="1400" dirty="0">
+                <a:solidFill>
+                  <a:srgbClr val="000000"/>
+                </a:solidFill>
+                <a:latin typeface="Calibri" panose="020F0502020204030204" pitchFamily="34" charset="0"/>
+                <a:ea typeface="Calibri" panose="020F0502020204030204" pitchFamily="34" charset="0"/>
+                <a:cs typeface="Arial" panose="020B0604020202020204" pitchFamily="34" charset="0"/>
+              </a:rPr>
+              <a:t>): </a:t>
+            </a:r>
+            <a:r>
+              <a:rPr lang="en-US" sz="1400" b="1" dirty="0">
+                <a:solidFill>
+                  <a:srgbClr val="000080"/>
+                </a:solidFill>
+                <a:latin typeface="Calibri" panose="020F0502020204030204" pitchFamily="34" charset="0"/>
+                <a:ea typeface="Calibri" panose="020F0502020204030204" pitchFamily="34" charset="0"/>
+                <a:cs typeface="Arial" panose="020B0604020202020204" pitchFamily="34" charset="0"/>
+              </a:rPr>
+              <a:t>any</a:t>
+            </a:r>
+            <a:r>
+              <a:rPr lang="en-US" sz="1400" dirty="0">
+                <a:solidFill>
+                  <a:srgbClr val="000000"/>
+                </a:solidFill>
+                <a:latin typeface="Calibri" panose="020F0502020204030204" pitchFamily="34" charset="0"/>
+                <a:ea typeface="Calibri" panose="020F0502020204030204" pitchFamily="34" charset="0"/>
+                <a:cs typeface="Arial" panose="020B0604020202020204" pitchFamily="34" charset="0"/>
+              </a:rPr>
+              <a:t>[] {</a:t>
+            </a:r>
+            <a:br>
+              <a:rPr lang="en-US" sz="1400" dirty="0">
+                <a:solidFill>
+                  <a:srgbClr val="000000"/>
+                </a:solidFill>
+                <a:latin typeface="Calibri" panose="020F0502020204030204" pitchFamily="34" charset="0"/>
+                <a:ea typeface="Calibri" panose="020F0502020204030204" pitchFamily="34" charset="0"/>
+                <a:cs typeface="Arial" panose="020B0604020202020204" pitchFamily="34" charset="0"/>
+              </a:rPr>
+            </a:br>
+            <a:r>
+              <a:rPr lang="en-US" sz="1400" dirty="0">
+                <a:solidFill>
+                  <a:srgbClr val="000000"/>
+                </a:solidFill>
+                <a:latin typeface="Calibri" panose="020F0502020204030204" pitchFamily="34" charset="0"/>
+                <a:ea typeface="Calibri" panose="020F0502020204030204" pitchFamily="34" charset="0"/>
+                <a:cs typeface="Arial" panose="020B0604020202020204" pitchFamily="34" charset="0"/>
+              </a:rPr>
+              <a:t>        </a:t>
+            </a:r>
+            <a:r>
+              <a:rPr lang="en-US" sz="1400" b="1" dirty="0">
+                <a:solidFill>
+                  <a:srgbClr val="000080"/>
+                </a:solidFill>
+                <a:latin typeface="Calibri" panose="020F0502020204030204" pitchFamily="34" charset="0"/>
+                <a:ea typeface="Calibri" panose="020F0502020204030204" pitchFamily="34" charset="0"/>
+                <a:cs typeface="Arial" panose="020B0604020202020204" pitchFamily="34" charset="0"/>
+              </a:rPr>
+              <a:t>if</a:t>
+            </a:r>
+            <a:r>
+              <a:rPr lang="en-US" sz="1400" dirty="0">
+                <a:solidFill>
+                  <a:srgbClr val="000000"/>
+                </a:solidFill>
+                <a:latin typeface="Calibri" panose="020F0502020204030204" pitchFamily="34" charset="0"/>
+                <a:ea typeface="Calibri" panose="020F0502020204030204" pitchFamily="34" charset="0"/>
+                <a:cs typeface="Arial" panose="020B0604020202020204" pitchFamily="34" charset="0"/>
+              </a:rPr>
+              <a:t>(</a:t>
+            </a:r>
+            <a:r>
+              <a:rPr lang="en-US" sz="1400" dirty="0" err="1">
+                <a:solidFill>
+                  <a:srgbClr val="000000"/>
+                </a:solidFill>
+                <a:latin typeface="Calibri" panose="020F0502020204030204" pitchFamily="34" charset="0"/>
+                <a:ea typeface="Calibri" panose="020F0502020204030204" pitchFamily="34" charset="0"/>
+                <a:cs typeface="Arial" panose="020B0604020202020204" pitchFamily="34" charset="0"/>
+              </a:rPr>
+              <a:t>filterBy</a:t>
+            </a:r>
+            <a:r>
+              <a:rPr lang="en-US" sz="1400" dirty="0">
+                <a:solidFill>
+                  <a:srgbClr val="000000"/>
+                </a:solidFill>
+                <a:latin typeface="Calibri" panose="020F0502020204030204" pitchFamily="34" charset="0"/>
+                <a:ea typeface="Calibri" panose="020F0502020204030204" pitchFamily="34" charset="0"/>
+                <a:cs typeface="Arial" panose="020B0604020202020204" pitchFamily="34" charset="0"/>
+              </a:rPr>
+              <a:t> === undefined) {</a:t>
+            </a:r>
+            <a:br>
+              <a:rPr lang="en-US" sz="1400" dirty="0">
+                <a:solidFill>
+                  <a:srgbClr val="000000"/>
+                </a:solidFill>
+                <a:latin typeface="Calibri" panose="020F0502020204030204" pitchFamily="34" charset="0"/>
+                <a:ea typeface="Calibri" panose="020F0502020204030204" pitchFamily="34" charset="0"/>
+                <a:cs typeface="Arial" panose="020B0604020202020204" pitchFamily="34" charset="0"/>
+              </a:rPr>
+            </a:br>
+            <a:r>
+              <a:rPr lang="en-US" sz="1400" dirty="0">
+                <a:solidFill>
+                  <a:srgbClr val="000000"/>
+                </a:solidFill>
+                <a:latin typeface="Calibri" panose="020F0502020204030204" pitchFamily="34" charset="0"/>
+                <a:ea typeface="Calibri" panose="020F0502020204030204" pitchFamily="34" charset="0"/>
+                <a:cs typeface="Arial" panose="020B0604020202020204" pitchFamily="34" charset="0"/>
+              </a:rPr>
+              <a:t>            </a:t>
+            </a:r>
+            <a:r>
+              <a:rPr lang="en-US" sz="1400" b="1" dirty="0">
+                <a:solidFill>
+                  <a:srgbClr val="000080"/>
+                </a:solidFill>
+                <a:latin typeface="Calibri" panose="020F0502020204030204" pitchFamily="34" charset="0"/>
+                <a:ea typeface="Calibri" panose="020F0502020204030204" pitchFamily="34" charset="0"/>
+                <a:cs typeface="Arial" panose="020B0604020202020204" pitchFamily="34" charset="0"/>
+              </a:rPr>
+              <a:t>return </a:t>
+            </a:r>
+            <a:r>
+              <a:rPr lang="en-US" sz="1400" dirty="0" err="1">
+                <a:solidFill>
+                  <a:srgbClr val="000000"/>
+                </a:solidFill>
+                <a:latin typeface="Calibri" panose="020F0502020204030204" pitchFamily="34" charset="0"/>
+                <a:ea typeface="Calibri" panose="020F0502020204030204" pitchFamily="34" charset="0"/>
+                <a:cs typeface="Arial" panose="020B0604020202020204" pitchFamily="34" charset="0"/>
+              </a:rPr>
+              <a:t>coll</a:t>
+            </a:r>
+            <a:r>
+              <a:rPr lang="en-US" sz="1400" dirty="0">
+                <a:solidFill>
+                  <a:srgbClr val="000000"/>
+                </a:solidFill>
+                <a:latin typeface="Calibri" panose="020F0502020204030204" pitchFamily="34" charset="0"/>
+                <a:ea typeface="Calibri" panose="020F0502020204030204" pitchFamily="34" charset="0"/>
+                <a:cs typeface="Arial" panose="020B0604020202020204" pitchFamily="34" charset="0"/>
+              </a:rPr>
+              <a:t>;</a:t>
+            </a:r>
+            <a:br>
+              <a:rPr lang="en-US" sz="1400" dirty="0">
+                <a:solidFill>
+                  <a:srgbClr val="000000"/>
+                </a:solidFill>
+                <a:latin typeface="Calibri" panose="020F0502020204030204" pitchFamily="34" charset="0"/>
+                <a:ea typeface="Calibri" panose="020F0502020204030204" pitchFamily="34" charset="0"/>
+                <a:cs typeface="Arial" panose="020B0604020202020204" pitchFamily="34" charset="0"/>
+              </a:rPr>
+            </a:br>
+            <a:r>
+              <a:rPr lang="en-US" sz="1400" dirty="0">
+                <a:solidFill>
+                  <a:srgbClr val="000000"/>
+                </a:solidFill>
+                <a:latin typeface="Calibri" panose="020F0502020204030204" pitchFamily="34" charset="0"/>
+                <a:ea typeface="Calibri" panose="020F0502020204030204" pitchFamily="34" charset="0"/>
+                <a:cs typeface="Arial" panose="020B0604020202020204" pitchFamily="34" charset="0"/>
+              </a:rPr>
+              <a:t>        }</a:t>
+            </a:r>
+            <a:br>
+              <a:rPr lang="en-US" sz="1400" dirty="0">
+                <a:solidFill>
+                  <a:srgbClr val="000000"/>
+                </a:solidFill>
+                <a:latin typeface="Calibri" panose="020F0502020204030204" pitchFamily="34" charset="0"/>
+                <a:ea typeface="Calibri" panose="020F0502020204030204" pitchFamily="34" charset="0"/>
+                <a:cs typeface="Arial" panose="020B0604020202020204" pitchFamily="34" charset="0"/>
+              </a:rPr>
+            </a:br>
+            <a:br>
+              <a:rPr lang="en-US" sz="1400" dirty="0">
+                <a:solidFill>
+                  <a:srgbClr val="000000"/>
+                </a:solidFill>
+                <a:latin typeface="Calibri" panose="020F0502020204030204" pitchFamily="34" charset="0"/>
+                <a:ea typeface="Calibri" panose="020F0502020204030204" pitchFamily="34" charset="0"/>
+                <a:cs typeface="Arial" panose="020B0604020202020204" pitchFamily="34" charset="0"/>
+              </a:rPr>
+            </a:br>
+            <a:r>
+              <a:rPr lang="en-US" sz="1400" dirty="0">
+                <a:solidFill>
+                  <a:srgbClr val="000000"/>
+                </a:solidFill>
+                <a:latin typeface="Calibri" panose="020F0502020204030204" pitchFamily="34" charset="0"/>
+                <a:ea typeface="Calibri" panose="020F0502020204030204" pitchFamily="34" charset="0"/>
+                <a:cs typeface="Arial" panose="020B0604020202020204" pitchFamily="34" charset="0"/>
+              </a:rPr>
+              <a:t>        </a:t>
+            </a:r>
+            <a:r>
+              <a:rPr lang="en-US" sz="1400" b="1" dirty="0">
+                <a:solidFill>
+                  <a:srgbClr val="000080"/>
+                </a:solidFill>
+                <a:latin typeface="Calibri" panose="020F0502020204030204" pitchFamily="34" charset="0"/>
+                <a:ea typeface="Calibri" panose="020F0502020204030204" pitchFamily="34" charset="0"/>
+                <a:cs typeface="Arial" panose="020B0604020202020204" pitchFamily="34" charset="0"/>
+              </a:rPr>
+              <a:t>return </a:t>
+            </a:r>
+            <a:r>
+              <a:rPr lang="en-US" sz="1400" dirty="0" err="1">
+                <a:solidFill>
+                  <a:srgbClr val="000000"/>
+                </a:solidFill>
+                <a:latin typeface="Calibri" panose="020F0502020204030204" pitchFamily="34" charset="0"/>
+                <a:ea typeface="Calibri" panose="020F0502020204030204" pitchFamily="34" charset="0"/>
+                <a:cs typeface="Arial" panose="020B0604020202020204" pitchFamily="34" charset="0"/>
+              </a:rPr>
+              <a:t>coll.</a:t>
+            </a:r>
+            <a:r>
+              <a:rPr lang="en-US" sz="1400" dirty="0" err="1">
+                <a:solidFill>
+                  <a:srgbClr val="7A7A43"/>
+                </a:solidFill>
+                <a:latin typeface="Calibri" panose="020F0502020204030204" pitchFamily="34" charset="0"/>
+                <a:ea typeface="Calibri" panose="020F0502020204030204" pitchFamily="34" charset="0"/>
+                <a:cs typeface="Arial" panose="020B0604020202020204" pitchFamily="34" charset="0"/>
+              </a:rPr>
+              <a:t>filter</a:t>
+            </a:r>
+            <a:r>
+              <a:rPr lang="en-US" sz="1400" dirty="0">
+                <a:solidFill>
+                  <a:srgbClr val="000000"/>
+                </a:solidFill>
+                <a:latin typeface="Calibri" panose="020F0502020204030204" pitchFamily="34" charset="0"/>
+                <a:ea typeface="Calibri" panose="020F0502020204030204" pitchFamily="34" charset="0"/>
+                <a:cs typeface="Arial" panose="020B0604020202020204" pitchFamily="34" charset="0"/>
+              </a:rPr>
+              <a:t>(contact =&gt; </a:t>
+            </a:r>
+            <a:r>
+              <a:rPr lang="en-US" sz="1400" dirty="0" err="1">
+                <a:solidFill>
+                  <a:srgbClr val="000000"/>
+                </a:solidFill>
+                <a:latin typeface="Calibri" panose="020F0502020204030204" pitchFamily="34" charset="0"/>
+                <a:ea typeface="Calibri" panose="020F0502020204030204" pitchFamily="34" charset="0"/>
+                <a:cs typeface="Arial" panose="020B0604020202020204" pitchFamily="34" charset="0"/>
+              </a:rPr>
+              <a:t>contact.name.indexOf</a:t>
+            </a:r>
+            <a:r>
+              <a:rPr lang="en-US" sz="1400" dirty="0">
+                <a:solidFill>
+                  <a:srgbClr val="000000"/>
+                </a:solidFill>
+                <a:latin typeface="Calibri" panose="020F0502020204030204" pitchFamily="34" charset="0"/>
+                <a:ea typeface="Calibri" panose="020F0502020204030204" pitchFamily="34" charset="0"/>
+                <a:cs typeface="Arial" panose="020B0604020202020204" pitchFamily="34" charset="0"/>
+              </a:rPr>
+              <a:t>(</a:t>
+            </a:r>
+            <a:r>
+              <a:rPr lang="en-US" sz="1400" dirty="0" err="1">
+                <a:solidFill>
+                  <a:srgbClr val="000000"/>
+                </a:solidFill>
+                <a:latin typeface="Calibri" panose="020F0502020204030204" pitchFamily="34" charset="0"/>
+                <a:ea typeface="Calibri" panose="020F0502020204030204" pitchFamily="34" charset="0"/>
+                <a:cs typeface="Arial" panose="020B0604020202020204" pitchFamily="34" charset="0"/>
+              </a:rPr>
+              <a:t>filterBy</a:t>
+            </a:r>
+            <a:r>
+              <a:rPr lang="en-US" sz="1400" dirty="0">
+                <a:solidFill>
+                  <a:srgbClr val="000000"/>
+                </a:solidFill>
+                <a:latin typeface="Calibri" panose="020F0502020204030204" pitchFamily="34" charset="0"/>
+                <a:ea typeface="Calibri" panose="020F0502020204030204" pitchFamily="34" charset="0"/>
+                <a:cs typeface="Arial" panose="020B0604020202020204" pitchFamily="34" charset="0"/>
+              </a:rPr>
+              <a:t>)!=-</a:t>
+            </a:r>
+            <a:r>
+              <a:rPr lang="en-US" sz="1400" dirty="0">
+                <a:solidFill>
+                  <a:srgbClr val="0000FF"/>
+                </a:solidFill>
+                <a:latin typeface="Calibri" panose="020F0502020204030204" pitchFamily="34" charset="0"/>
+                <a:ea typeface="Calibri" panose="020F0502020204030204" pitchFamily="34" charset="0"/>
+                <a:cs typeface="Arial" panose="020B0604020202020204" pitchFamily="34" charset="0"/>
+              </a:rPr>
+              <a:t>1</a:t>
+            </a:r>
+            <a:r>
+              <a:rPr lang="en-US" sz="1400" dirty="0">
+                <a:solidFill>
+                  <a:srgbClr val="000000"/>
+                </a:solidFill>
+                <a:latin typeface="Calibri" panose="020F0502020204030204" pitchFamily="34" charset="0"/>
+                <a:ea typeface="Calibri" panose="020F0502020204030204" pitchFamily="34" charset="0"/>
+                <a:cs typeface="Arial" panose="020B0604020202020204" pitchFamily="34" charset="0"/>
+              </a:rPr>
+              <a:t>);</a:t>
+            </a:r>
+            <a:br>
+              <a:rPr lang="en-US" sz="1400" dirty="0">
+                <a:solidFill>
+                  <a:srgbClr val="000000"/>
+                </a:solidFill>
+                <a:latin typeface="Calibri" panose="020F0502020204030204" pitchFamily="34" charset="0"/>
+                <a:ea typeface="Calibri" panose="020F0502020204030204" pitchFamily="34" charset="0"/>
+                <a:cs typeface="Arial" panose="020B0604020202020204" pitchFamily="34" charset="0"/>
+              </a:rPr>
+            </a:br>
+            <a:r>
+              <a:rPr lang="en-US" sz="1400" dirty="0">
+                <a:solidFill>
+                  <a:srgbClr val="000000"/>
+                </a:solidFill>
+                <a:latin typeface="Calibri" panose="020F0502020204030204" pitchFamily="34" charset="0"/>
+                <a:ea typeface="Calibri" panose="020F0502020204030204" pitchFamily="34" charset="0"/>
+                <a:cs typeface="Arial" panose="020B0604020202020204" pitchFamily="34" charset="0"/>
+              </a:rPr>
+              <a:t>    }</a:t>
+            </a:r>
+            <a:br>
+              <a:rPr lang="en-US" sz="1400" dirty="0">
+                <a:solidFill>
+                  <a:srgbClr val="000000"/>
+                </a:solidFill>
+                <a:latin typeface="Calibri" panose="020F0502020204030204" pitchFamily="34" charset="0"/>
+                <a:ea typeface="Calibri" panose="020F0502020204030204" pitchFamily="34" charset="0"/>
+                <a:cs typeface="Arial" panose="020B0604020202020204" pitchFamily="34" charset="0"/>
+              </a:rPr>
+            </a:br>
+            <a:r>
+              <a:rPr lang="en-US" sz="1400" dirty="0">
+                <a:solidFill>
+                  <a:srgbClr val="000000"/>
+                </a:solidFill>
+                <a:latin typeface="Calibri" panose="020F0502020204030204" pitchFamily="34" charset="0"/>
+                <a:ea typeface="Calibri" panose="020F0502020204030204" pitchFamily="34" charset="0"/>
+                <a:cs typeface="Arial" panose="020B0604020202020204" pitchFamily="34" charset="0"/>
+              </a:rPr>
+              <a:t>}</a:t>
+            </a:r>
+            <a:endParaRPr lang="he-IL" sz="1400" dirty="0"/>
+          </a:p>
+        </p:txBody>
+      </p:sp>
+      <p:sp>
+        <p:nvSpPr>
+          <p:cNvPr id="8" name="Rectangle 7"/>
+          <p:cNvSpPr/>
+          <p:nvPr/>
+        </p:nvSpPr>
+        <p:spPr>
+          <a:xfrm>
+            <a:off x="6875757" y="4293096"/>
+            <a:ext cx="1008611" cy="864096"/>
+          </a:xfrm>
+          <a:prstGeom prst="rect">
+            <a:avLst/>
+          </a:prstGeom>
+          <a:solidFill>
+            <a:schemeClr val="accent4"/>
+          </a:solidFill>
+          <a:ln>
+            <a:noFill/>
+          </a:ln>
+        </p:spPr>
+        <p:style>
+          <a:lnRef idx="2">
+            <a:schemeClr val="accent1">
+              <a:shade val="50000"/>
+            </a:schemeClr>
+          </a:lnRef>
+          <a:fillRef idx="1">
+            <a:schemeClr val="accent1"/>
+          </a:fillRef>
+          <a:effectRef idx="0">
+            <a:schemeClr val="accent1"/>
+          </a:effectRef>
+          <a:fontRef idx="minor">
+            <a:schemeClr val="lt1"/>
+          </a:fontRef>
+        </p:style>
+        <p:txBody>
+          <a:bodyPr rtlCol="1" anchor="ctr"/>
+          <a:lstStyle/>
+          <a:p>
+            <a:pPr algn="ctr"/>
+            <a:r>
+              <a:rPr lang="en-US" sz="1200" dirty="0"/>
+              <a:t>Pipe parameter</a:t>
+            </a:r>
+            <a:endParaRPr lang="he-IL" sz="1200" dirty="0"/>
+          </a:p>
+        </p:txBody>
+      </p:sp>
+      <p:cxnSp>
+        <p:nvCxnSpPr>
+          <p:cNvPr id="9" name="Straight Connector 8"/>
+          <p:cNvCxnSpPr>
+            <a:cxnSpLocks/>
+            <a:stCxn id="8" idx="1"/>
+          </p:cNvCxnSpPr>
+          <p:nvPr/>
+        </p:nvCxnSpPr>
+        <p:spPr>
+          <a:xfrm flipH="1" flipV="1">
+            <a:off x="4427985" y="2636912"/>
+            <a:ext cx="2447772" cy="2088232"/>
+          </a:xfrm>
+          <a:prstGeom prst="line">
+            <a:avLst/>
+          </a:prstGeom>
+          <a:ln>
+            <a:tailEnd type="triangle"/>
+          </a:ln>
+        </p:spPr>
+        <p:style>
+          <a:lnRef idx="2">
+            <a:schemeClr val="accent4">
+              <a:shade val="50000"/>
+            </a:schemeClr>
+          </a:lnRef>
+          <a:fillRef idx="1">
+            <a:schemeClr val="accent4"/>
+          </a:fillRef>
+          <a:effectRef idx="0">
+            <a:schemeClr val="accent4"/>
+          </a:effectRef>
+          <a:fontRef idx="minor">
+            <a:schemeClr val="lt1"/>
+          </a:fontRef>
+        </p:style>
+      </p:cxnSp>
+      <p:sp>
+        <p:nvSpPr>
+          <p:cNvPr id="12" name="Rectangle 11"/>
+          <p:cNvSpPr/>
+          <p:nvPr/>
+        </p:nvSpPr>
+        <p:spPr>
+          <a:xfrm>
+            <a:off x="755576" y="4741176"/>
+            <a:ext cx="4256484" cy="1169551"/>
+          </a:xfrm>
+          <a:prstGeom prst="rect">
+            <a:avLst/>
+          </a:prstGeom>
+          <a:solidFill>
+            <a:schemeClr val="accent1">
+              <a:lumMod val="40000"/>
+              <a:lumOff val="60000"/>
+            </a:schemeClr>
+          </a:solidFill>
+        </p:spPr>
+        <p:txBody>
+          <a:bodyPr wrap="square">
+            <a:spAutoFit/>
+          </a:bodyPr>
+          <a:lstStyle/>
+          <a:p>
+            <a:r>
+              <a:rPr lang="en-US" sz="1400" dirty="0">
+                <a:solidFill>
+                  <a:srgbClr val="000000"/>
+                </a:solidFill>
+                <a:latin typeface="Calibri" panose="020F0502020204030204" pitchFamily="34" charset="0"/>
+                <a:ea typeface="Calibri" panose="020F0502020204030204" pitchFamily="34" charset="0"/>
+                <a:cs typeface="Arial" panose="020B0604020202020204" pitchFamily="34" charset="0"/>
+              </a:rPr>
+              <a:t>&lt;</a:t>
+            </a:r>
+            <a:r>
+              <a:rPr lang="en-US" sz="1400" b="1" dirty="0" err="1">
+                <a:solidFill>
+                  <a:srgbClr val="000080"/>
+                </a:solidFill>
+                <a:latin typeface="Calibri" panose="020F0502020204030204" pitchFamily="34" charset="0"/>
+                <a:ea typeface="Calibri" panose="020F0502020204030204" pitchFamily="34" charset="0"/>
+                <a:cs typeface="Arial" panose="020B0604020202020204" pitchFamily="34" charset="0"/>
+              </a:rPr>
+              <a:t>ul</a:t>
+            </a:r>
+            <a:r>
+              <a:rPr lang="en-US" sz="1400" dirty="0">
+                <a:solidFill>
+                  <a:srgbClr val="000000"/>
+                </a:solidFill>
+                <a:latin typeface="Calibri" panose="020F0502020204030204" pitchFamily="34" charset="0"/>
+                <a:ea typeface="Calibri" panose="020F0502020204030204" pitchFamily="34" charset="0"/>
+                <a:cs typeface="Arial" panose="020B0604020202020204" pitchFamily="34" charset="0"/>
+              </a:rPr>
+              <a:t>&gt;</a:t>
+            </a:r>
+            <a:br>
+              <a:rPr lang="en-US" sz="1400" dirty="0">
+                <a:solidFill>
+                  <a:srgbClr val="000000"/>
+                </a:solidFill>
+                <a:latin typeface="Calibri" panose="020F0502020204030204" pitchFamily="34" charset="0"/>
+                <a:ea typeface="Calibri" panose="020F0502020204030204" pitchFamily="34" charset="0"/>
+                <a:cs typeface="Arial" panose="020B0604020202020204" pitchFamily="34" charset="0"/>
+              </a:rPr>
+            </a:br>
+            <a:r>
+              <a:rPr lang="en-US" sz="1400" dirty="0">
+                <a:solidFill>
+                  <a:srgbClr val="000000"/>
+                </a:solidFill>
+                <a:latin typeface="Calibri" panose="020F0502020204030204" pitchFamily="34" charset="0"/>
+                <a:ea typeface="Calibri" panose="020F0502020204030204" pitchFamily="34" charset="0"/>
+                <a:cs typeface="Arial" panose="020B0604020202020204" pitchFamily="34" charset="0"/>
+              </a:rPr>
+              <a:t>    &lt;</a:t>
+            </a:r>
+            <a:r>
+              <a:rPr lang="en-US" sz="1400" b="1" dirty="0">
+                <a:solidFill>
+                  <a:srgbClr val="000080"/>
+                </a:solidFill>
+                <a:latin typeface="Calibri" panose="020F0502020204030204" pitchFamily="34" charset="0"/>
+                <a:ea typeface="Calibri" panose="020F0502020204030204" pitchFamily="34" charset="0"/>
+                <a:cs typeface="Arial" panose="020B0604020202020204" pitchFamily="34" charset="0"/>
+              </a:rPr>
+              <a:t>li </a:t>
+            </a:r>
+            <a:r>
+              <a:rPr lang="en-US" sz="1400" b="1" dirty="0">
+                <a:solidFill>
+                  <a:srgbClr val="0000FF"/>
+                </a:solidFill>
+                <a:latin typeface="Calibri" panose="020F0502020204030204" pitchFamily="34" charset="0"/>
+                <a:ea typeface="Calibri" panose="020F0502020204030204" pitchFamily="34" charset="0"/>
+                <a:cs typeface="Arial" panose="020B0604020202020204" pitchFamily="34" charset="0"/>
+              </a:rPr>
+              <a:t>*</a:t>
+            </a:r>
+            <a:r>
+              <a:rPr lang="en-US" sz="1400" b="1" dirty="0" err="1">
+                <a:solidFill>
+                  <a:srgbClr val="0000FF"/>
+                </a:solidFill>
+                <a:latin typeface="Calibri" panose="020F0502020204030204" pitchFamily="34" charset="0"/>
+                <a:ea typeface="Calibri" panose="020F0502020204030204" pitchFamily="34" charset="0"/>
+                <a:cs typeface="Arial" panose="020B0604020202020204" pitchFamily="34" charset="0"/>
+              </a:rPr>
+              <a:t>ngFor</a:t>
+            </a:r>
+            <a:r>
+              <a:rPr lang="en-US" sz="1400" b="1" dirty="0">
+                <a:solidFill>
+                  <a:srgbClr val="0000FF"/>
+                </a:solidFill>
+                <a:latin typeface="Calibri" panose="020F0502020204030204" pitchFamily="34" charset="0"/>
+                <a:ea typeface="Calibri" panose="020F0502020204030204" pitchFamily="34" charset="0"/>
+                <a:cs typeface="Arial" panose="020B0604020202020204" pitchFamily="34" charset="0"/>
+              </a:rPr>
+              <a:t>=</a:t>
+            </a:r>
+            <a:r>
+              <a:rPr lang="en-US" sz="1400" b="1" dirty="0">
+                <a:solidFill>
+                  <a:srgbClr val="008000"/>
+                </a:solidFill>
+                <a:latin typeface="Calibri" panose="020F0502020204030204" pitchFamily="34" charset="0"/>
+                <a:ea typeface="Calibri" panose="020F0502020204030204" pitchFamily="34" charset="0"/>
+                <a:cs typeface="Arial" panose="020B0604020202020204" pitchFamily="34" charset="0"/>
+              </a:rPr>
+              <a:t>"let </a:t>
+            </a:r>
+            <a:r>
+              <a:rPr lang="en-US" sz="1400" b="1" i="1" dirty="0">
+                <a:solidFill>
+                  <a:srgbClr val="660E7A"/>
+                </a:solidFill>
+                <a:latin typeface="Calibri" panose="020F0502020204030204" pitchFamily="34" charset="0"/>
+                <a:ea typeface="Calibri" panose="020F0502020204030204" pitchFamily="34" charset="0"/>
+                <a:cs typeface="Arial" panose="020B0604020202020204" pitchFamily="34" charset="0"/>
+              </a:rPr>
+              <a:t>contact</a:t>
+            </a:r>
+            <a:r>
+              <a:rPr lang="en-US" sz="1400" b="1" dirty="0">
+                <a:solidFill>
+                  <a:srgbClr val="008000"/>
+                </a:solidFill>
+                <a:latin typeface="Calibri" panose="020F0502020204030204" pitchFamily="34" charset="0"/>
+                <a:ea typeface="Calibri" panose="020F0502020204030204" pitchFamily="34" charset="0"/>
+                <a:cs typeface="Arial" panose="020B0604020202020204" pitchFamily="34" charset="0"/>
+              </a:rPr>
+              <a:t> of </a:t>
+            </a:r>
+            <a:r>
+              <a:rPr lang="en-US" sz="1400" b="1" dirty="0">
+                <a:solidFill>
+                  <a:srgbClr val="660E7A"/>
+                </a:solidFill>
+                <a:latin typeface="Calibri" panose="020F0502020204030204" pitchFamily="34" charset="0"/>
+                <a:ea typeface="Calibri" panose="020F0502020204030204" pitchFamily="34" charset="0"/>
+                <a:cs typeface="Arial" panose="020B0604020202020204" pitchFamily="34" charset="0"/>
+              </a:rPr>
+              <a:t>contacts</a:t>
+            </a:r>
+            <a:r>
+              <a:rPr lang="en-US" sz="1400" b="1" dirty="0">
+                <a:solidFill>
+                  <a:srgbClr val="008000"/>
+                </a:solidFill>
+                <a:latin typeface="Calibri" panose="020F0502020204030204" pitchFamily="34" charset="0"/>
+                <a:ea typeface="Calibri" panose="020F0502020204030204" pitchFamily="34" charset="0"/>
+                <a:cs typeface="Arial" panose="020B0604020202020204" pitchFamily="34" charset="0"/>
+              </a:rPr>
+              <a:t> | </a:t>
+            </a:r>
+            <a:r>
+              <a:rPr lang="en-US" sz="1400" b="1" dirty="0">
+                <a:solidFill>
+                  <a:srgbClr val="660E7A"/>
+                </a:solidFill>
+                <a:latin typeface="Calibri" panose="020F0502020204030204" pitchFamily="34" charset="0"/>
+                <a:ea typeface="Calibri" panose="020F0502020204030204" pitchFamily="34" charset="0"/>
+                <a:cs typeface="Arial" panose="020B0604020202020204" pitchFamily="34" charset="0"/>
+              </a:rPr>
+              <a:t>filter</a:t>
+            </a:r>
+            <a:r>
+              <a:rPr lang="en-US" sz="1400" b="1" dirty="0">
+                <a:solidFill>
+                  <a:srgbClr val="008000"/>
+                </a:solidFill>
+                <a:latin typeface="Calibri" panose="020F0502020204030204" pitchFamily="34" charset="0"/>
+                <a:ea typeface="Calibri" panose="020F0502020204030204" pitchFamily="34" charset="0"/>
+                <a:cs typeface="Arial" panose="020B0604020202020204" pitchFamily="34" charset="0"/>
+              </a:rPr>
+              <a:t>: </a:t>
+            </a:r>
+            <a:r>
+              <a:rPr lang="en-US" sz="1400" b="1" dirty="0" err="1">
+                <a:solidFill>
+                  <a:srgbClr val="008000"/>
+                </a:solidFill>
+                <a:latin typeface="Calibri" panose="020F0502020204030204" pitchFamily="34" charset="0"/>
+                <a:ea typeface="Calibri" panose="020F0502020204030204" pitchFamily="34" charset="0"/>
+                <a:cs typeface="Arial" panose="020B0604020202020204" pitchFamily="34" charset="0"/>
+              </a:rPr>
+              <a:t>filterBy</a:t>
+            </a:r>
+            <a:r>
+              <a:rPr lang="en-US" sz="1400" b="1" dirty="0">
+                <a:solidFill>
+                  <a:srgbClr val="008000"/>
+                </a:solidFill>
+                <a:latin typeface="Calibri" panose="020F0502020204030204" pitchFamily="34" charset="0"/>
+                <a:ea typeface="Calibri" panose="020F0502020204030204" pitchFamily="34" charset="0"/>
+                <a:cs typeface="Arial" panose="020B0604020202020204" pitchFamily="34" charset="0"/>
+              </a:rPr>
+              <a:t>"</a:t>
+            </a:r>
+            <a:r>
+              <a:rPr lang="en-US" sz="1400" dirty="0">
+                <a:solidFill>
+                  <a:srgbClr val="000000"/>
+                </a:solidFill>
+                <a:latin typeface="Calibri" panose="020F0502020204030204" pitchFamily="34" charset="0"/>
+                <a:ea typeface="Calibri" panose="020F0502020204030204" pitchFamily="34" charset="0"/>
+                <a:cs typeface="Arial" panose="020B0604020202020204" pitchFamily="34" charset="0"/>
+              </a:rPr>
+              <a:t>&gt;</a:t>
+            </a:r>
+            <a:br>
+              <a:rPr lang="en-US" sz="1400" dirty="0">
+                <a:solidFill>
+                  <a:srgbClr val="000000"/>
+                </a:solidFill>
+                <a:latin typeface="Calibri" panose="020F0502020204030204" pitchFamily="34" charset="0"/>
+                <a:ea typeface="Calibri" panose="020F0502020204030204" pitchFamily="34" charset="0"/>
+                <a:cs typeface="Arial" panose="020B0604020202020204" pitchFamily="34" charset="0"/>
+              </a:rPr>
+            </a:br>
+            <a:r>
+              <a:rPr lang="en-US" sz="1400" dirty="0">
+                <a:solidFill>
+                  <a:srgbClr val="000000"/>
+                </a:solidFill>
+                <a:latin typeface="Calibri" panose="020F0502020204030204" pitchFamily="34" charset="0"/>
+                <a:ea typeface="Calibri" panose="020F0502020204030204" pitchFamily="34" charset="0"/>
+                <a:cs typeface="Arial" panose="020B0604020202020204" pitchFamily="34" charset="0"/>
+              </a:rPr>
+              <a:t>        &lt;</a:t>
+            </a:r>
+            <a:r>
+              <a:rPr lang="en-US" sz="1400" b="1" dirty="0">
+                <a:solidFill>
+                  <a:srgbClr val="000080"/>
+                </a:solidFill>
+                <a:latin typeface="Calibri" panose="020F0502020204030204" pitchFamily="34" charset="0"/>
+                <a:ea typeface="Calibri" panose="020F0502020204030204" pitchFamily="34" charset="0"/>
+                <a:cs typeface="Arial" panose="020B0604020202020204" pitchFamily="34" charset="0"/>
+              </a:rPr>
+              <a:t>span</a:t>
+            </a:r>
+            <a:r>
+              <a:rPr lang="en-US" sz="1400" dirty="0">
+                <a:solidFill>
+                  <a:srgbClr val="000000"/>
+                </a:solidFill>
+                <a:latin typeface="Calibri" panose="020F0502020204030204" pitchFamily="34" charset="0"/>
+                <a:ea typeface="Calibri" panose="020F0502020204030204" pitchFamily="34" charset="0"/>
+                <a:cs typeface="Arial" panose="020B0604020202020204" pitchFamily="34" charset="0"/>
+              </a:rPr>
+              <a:t>&gt;{{</a:t>
+            </a:r>
+            <a:r>
+              <a:rPr lang="en-US" sz="1400" b="1" i="1" dirty="0">
+                <a:solidFill>
+                  <a:srgbClr val="660E7A"/>
+                </a:solidFill>
+                <a:latin typeface="Calibri" panose="020F0502020204030204" pitchFamily="34" charset="0"/>
+                <a:ea typeface="Calibri" panose="020F0502020204030204" pitchFamily="34" charset="0"/>
+                <a:cs typeface="Arial" panose="020B0604020202020204" pitchFamily="34" charset="0"/>
+              </a:rPr>
+              <a:t>contact</a:t>
+            </a:r>
+            <a:r>
+              <a:rPr lang="en-US" sz="1400" dirty="0">
+                <a:solidFill>
+                  <a:srgbClr val="000000"/>
+                </a:solidFill>
+                <a:latin typeface="Calibri" panose="020F0502020204030204" pitchFamily="34" charset="0"/>
+                <a:ea typeface="Calibri" panose="020F0502020204030204" pitchFamily="34" charset="0"/>
+                <a:cs typeface="Arial" panose="020B0604020202020204" pitchFamily="34" charset="0"/>
+              </a:rPr>
+              <a:t>.name}}&lt;/</a:t>
+            </a:r>
+            <a:r>
+              <a:rPr lang="en-US" sz="1400" b="1" dirty="0">
+                <a:solidFill>
+                  <a:srgbClr val="000080"/>
+                </a:solidFill>
+                <a:latin typeface="Calibri" panose="020F0502020204030204" pitchFamily="34" charset="0"/>
+                <a:ea typeface="Calibri" panose="020F0502020204030204" pitchFamily="34" charset="0"/>
+                <a:cs typeface="Arial" panose="020B0604020202020204" pitchFamily="34" charset="0"/>
+              </a:rPr>
+              <a:t>span</a:t>
+            </a:r>
+            <a:r>
+              <a:rPr lang="en-US" sz="1400" dirty="0">
+                <a:solidFill>
+                  <a:srgbClr val="000000"/>
+                </a:solidFill>
+                <a:latin typeface="Calibri" panose="020F0502020204030204" pitchFamily="34" charset="0"/>
+                <a:ea typeface="Calibri" panose="020F0502020204030204" pitchFamily="34" charset="0"/>
+                <a:cs typeface="Arial" panose="020B0604020202020204" pitchFamily="34" charset="0"/>
+              </a:rPr>
+              <a:t>&gt;</a:t>
+            </a:r>
+            <a:br>
+              <a:rPr lang="en-US" sz="1400" dirty="0">
+                <a:solidFill>
+                  <a:srgbClr val="000000"/>
+                </a:solidFill>
+                <a:latin typeface="Calibri" panose="020F0502020204030204" pitchFamily="34" charset="0"/>
+                <a:ea typeface="Calibri" panose="020F0502020204030204" pitchFamily="34" charset="0"/>
+                <a:cs typeface="Arial" panose="020B0604020202020204" pitchFamily="34" charset="0"/>
+              </a:rPr>
+            </a:br>
+            <a:r>
+              <a:rPr lang="en-US" sz="1400" dirty="0">
+                <a:solidFill>
+                  <a:srgbClr val="000000"/>
+                </a:solidFill>
+                <a:latin typeface="Calibri" panose="020F0502020204030204" pitchFamily="34" charset="0"/>
+                <a:ea typeface="Calibri" panose="020F0502020204030204" pitchFamily="34" charset="0"/>
+                <a:cs typeface="Arial" panose="020B0604020202020204" pitchFamily="34" charset="0"/>
+              </a:rPr>
+              <a:t>    &lt;/</a:t>
+            </a:r>
+            <a:r>
+              <a:rPr lang="en-US" sz="1400" b="1" dirty="0">
+                <a:solidFill>
+                  <a:srgbClr val="000080"/>
+                </a:solidFill>
+                <a:latin typeface="Calibri" panose="020F0502020204030204" pitchFamily="34" charset="0"/>
+                <a:ea typeface="Calibri" panose="020F0502020204030204" pitchFamily="34" charset="0"/>
+                <a:cs typeface="Arial" panose="020B0604020202020204" pitchFamily="34" charset="0"/>
+              </a:rPr>
+              <a:t>li</a:t>
+            </a:r>
+            <a:r>
+              <a:rPr lang="en-US" sz="1400" dirty="0">
+                <a:solidFill>
+                  <a:srgbClr val="000000"/>
+                </a:solidFill>
+                <a:latin typeface="Calibri" panose="020F0502020204030204" pitchFamily="34" charset="0"/>
+                <a:ea typeface="Calibri" panose="020F0502020204030204" pitchFamily="34" charset="0"/>
+                <a:cs typeface="Arial" panose="020B0604020202020204" pitchFamily="34" charset="0"/>
+              </a:rPr>
+              <a:t>&gt;</a:t>
+            </a:r>
+            <a:br>
+              <a:rPr lang="en-US" sz="1400" dirty="0">
+                <a:solidFill>
+                  <a:srgbClr val="000000"/>
+                </a:solidFill>
+                <a:latin typeface="Calibri" panose="020F0502020204030204" pitchFamily="34" charset="0"/>
+                <a:ea typeface="Calibri" panose="020F0502020204030204" pitchFamily="34" charset="0"/>
+                <a:cs typeface="Arial" panose="020B0604020202020204" pitchFamily="34" charset="0"/>
+              </a:rPr>
+            </a:br>
+            <a:r>
+              <a:rPr lang="en-US" sz="1400" dirty="0">
+                <a:solidFill>
+                  <a:srgbClr val="000000"/>
+                </a:solidFill>
+                <a:latin typeface="Calibri" panose="020F0502020204030204" pitchFamily="34" charset="0"/>
+                <a:ea typeface="Calibri" panose="020F0502020204030204" pitchFamily="34" charset="0"/>
+                <a:cs typeface="Arial" panose="020B0604020202020204" pitchFamily="34" charset="0"/>
+              </a:rPr>
+              <a:t>&lt;/</a:t>
+            </a:r>
+            <a:r>
+              <a:rPr lang="en-US" sz="1400" b="1" dirty="0" err="1">
+                <a:solidFill>
+                  <a:srgbClr val="000080"/>
+                </a:solidFill>
+                <a:latin typeface="Calibri" panose="020F0502020204030204" pitchFamily="34" charset="0"/>
+                <a:ea typeface="Calibri" panose="020F0502020204030204" pitchFamily="34" charset="0"/>
+                <a:cs typeface="Arial" panose="020B0604020202020204" pitchFamily="34" charset="0"/>
+              </a:rPr>
+              <a:t>ul</a:t>
+            </a:r>
+            <a:r>
+              <a:rPr lang="en-US" sz="1400" dirty="0">
+                <a:solidFill>
+                  <a:srgbClr val="000000"/>
+                </a:solidFill>
+                <a:latin typeface="Calibri" panose="020F0502020204030204" pitchFamily="34" charset="0"/>
+                <a:ea typeface="Calibri" panose="020F0502020204030204" pitchFamily="34" charset="0"/>
+                <a:cs typeface="Arial" panose="020B0604020202020204" pitchFamily="34" charset="0"/>
+              </a:rPr>
+              <a:t>&gt;</a:t>
+            </a:r>
+            <a:endParaRPr lang="he-IL" sz="1400" dirty="0"/>
+          </a:p>
+        </p:txBody>
+      </p:sp>
+      <p:cxnSp>
+        <p:nvCxnSpPr>
+          <p:cNvPr id="13" name="Straight Connector 12"/>
+          <p:cNvCxnSpPr>
+            <a:cxnSpLocks/>
+            <a:stCxn id="8" idx="1"/>
+          </p:cNvCxnSpPr>
+          <p:nvPr/>
+        </p:nvCxnSpPr>
+        <p:spPr>
+          <a:xfrm flipH="1">
+            <a:off x="4860033" y="4725144"/>
+            <a:ext cx="2015724" cy="360040"/>
+          </a:xfrm>
+          <a:prstGeom prst="line">
+            <a:avLst/>
+          </a:prstGeom>
+          <a:ln>
+            <a:tailEnd type="triangle"/>
+          </a:ln>
+        </p:spPr>
+        <p:style>
+          <a:lnRef idx="2">
+            <a:schemeClr val="accent4">
+              <a:shade val="50000"/>
+            </a:schemeClr>
+          </a:lnRef>
+          <a:fillRef idx="1">
+            <a:schemeClr val="accent4"/>
+          </a:fillRef>
+          <a:effectRef idx="0">
+            <a:schemeClr val="accent4"/>
+          </a:effectRef>
+          <a:fontRef idx="minor">
+            <a:schemeClr val="lt1"/>
+          </a:fontRef>
+        </p:style>
+      </p:cxnSp>
+    </p:spTree>
+    <p:extLst>
+      <p:ext uri="{BB962C8B-B14F-4D97-AF65-F5344CB8AC3E}">
+        <p14:creationId xmlns:p14="http://schemas.microsoft.com/office/powerpoint/2010/main" val="2918218976"/>
+      </p:ext>
+    </p:extLst>
+  </p:cSld>
+  <p:clrMapOvr>
+    <a:masterClrMapping/>
+  </p:clrMapOvr>
+</p:sld>
+</file>
+
+<file path=ppt/slides/slide55.xml><?xml version="1.0" encoding="utf-8"?>
+<p:sld xmlns:a="http://schemas.openxmlformats.org/drawingml/2006/main" xmlns:r="http://schemas.openxmlformats.org/officeDocument/2006/relationships" xmlns:p="http://schemas.openxmlformats.org/presentationml/2006/main">
+  <p:cSld>
+    <p:spTree>
+      <p:nvGrpSpPr>
+        <p:cNvPr id="1" name=""/>
+        <p:cNvGrpSpPr/>
+        <p:nvPr/>
+      </p:nvGrpSpPr>
+      <p:grpSpPr>
+        <a:xfrm>
+          <a:off x="0" y="0"/>
+          <a:ext cx="0" cy="0"/>
+          <a:chOff x="0" y="0"/>
+          <a:chExt cx="0" cy="0"/>
+        </a:xfrm>
+      </p:grpSpPr>
+      <p:sp>
+        <p:nvSpPr>
+          <p:cNvPr id="2" name="Title 1"/>
+          <p:cNvSpPr>
+            <a:spLocks noGrp="1"/>
+          </p:cNvSpPr>
+          <p:nvPr>
+            <p:ph type="title"/>
+          </p:nvPr>
+        </p:nvSpPr>
+        <p:spPr/>
+        <p:txBody>
+          <a:bodyPr/>
+          <a:lstStyle/>
+          <a:p>
+            <a:r>
+              <a:rPr lang="en-US" dirty="0"/>
+              <a:t>Pipe Optimization</a:t>
+            </a:r>
+            <a:endParaRPr lang="he-IL" dirty="0"/>
+          </a:p>
+        </p:txBody>
+      </p:sp>
+      <p:sp>
+        <p:nvSpPr>
+          <p:cNvPr id="3" name="Footer Placeholder 2"/>
+          <p:cNvSpPr>
+            <a:spLocks noGrp="1"/>
+          </p:cNvSpPr>
+          <p:nvPr>
+            <p:ph type="ftr" sz="quarter" idx="11"/>
+          </p:nvPr>
+        </p:nvSpPr>
+        <p:spPr/>
+        <p:txBody>
+          <a:bodyPr/>
+          <a:lstStyle/>
+          <a:p>
+            <a:r>
+              <a:rPr lang="en-US"/>
+              <a:t>© 2016 Ori Calvo</a:t>
+            </a:r>
+            <a:endParaRPr lang="en-US" dirty="0"/>
+          </a:p>
+        </p:txBody>
+      </p:sp>
+      <p:sp>
+        <p:nvSpPr>
+          <p:cNvPr id="4" name="Slide Number Placeholder 3"/>
+          <p:cNvSpPr>
+            <a:spLocks noGrp="1"/>
+          </p:cNvSpPr>
+          <p:nvPr>
+            <p:ph type="sldNum" sz="quarter" idx="12"/>
+          </p:nvPr>
+        </p:nvSpPr>
+        <p:spPr/>
+        <p:txBody>
+          <a:bodyPr>
+            <a:normAutofit fontScale="85000" lnSpcReduction="20000"/>
+          </a:bodyPr>
+          <a:lstStyle/>
+          <a:p>
+            <a:fld id="{6EDEC3BC-0694-4586-AE63-02B4D54ABF43}" type="slidenum">
+              <a:rPr lang="en-US" smtClean="0"/>
+              <a:pPr/>
+              <a:t>55</a:t>
+            </a:fld>
+            <a:endParaRPr lang="en-US"/>
+          </a:p>
+        </p:txBody>
+      </p:sp>
+      <p:sp>
+        <p:nvSpPr>
+          <p:cNvPr id="5" name="Content Placeholder 4"/>
+          <p:cNvSpPr>
+            <a:spLocks noGrp="1"/>
+          </p:cNvSpPr>
+          <p:nvPr>
+            <p:ph sz="quarter" idx="1"/>
+          </p:nvPr>
+        </p:nvSpPr>
+        <p:spPr/>
+        <p:txBody>
+          <a:bodyPr>
+            <a:normAutofit lnSpcReduction="10000"/>
+          </a:bodyPr>
+          <a:lstStyle/>
+          <a:p>
+            <a:r>
+              <a:rPr lang="en-US" dirty="0"/>
+              <a:t>Angular is smart enough to run the pipe only if one of its input changes</a:t>
+            </a:r>
+          </a:p>
+          <a:p>
+            <a:r>
+              <a:rPr lang="en-US" dirty="0"/>
+              <a:t>Angular assume the pipe is a pure function</a:t>
+            </a:r>
+          </a:p>
+          <a:p>
+            <a:pPr lvl="1"/>
+            <a:r>
+              <a:rPr lang="en-US" dirty="0"/>
+              <a:t>The output is derived only from the input</a:t>
+            </a:r>
+          </a:p>
+          <a:p>
+            <a:r>
+              <a:rPr lang="en-US" dirty="0"/>
+              <a:t>However, for a collection this assumption is problematic. For example,</a:t>
+            </a:r>
+          </a:p>
+          <a:p>
+            <a:pPr lvl="1"/>
+            <a:r>
+              <a:rPr lang="en-US" dirty="0"/>
+              <a:t>Collection value at index 5 changes</a:t>
+            </a:r>
+          </a:p>
+          <a:p>
+            <a:pPr lvl="1"/>
+            <a:r>
+              <a:rPr lang="en-US" dirty="0"/>
+              <a:t>The collection reference remains the same</a:t>
+            </a:r>
+          </a:p>
+          <a:p>
+            <a:pPr lvl="1"/>
+            <a:r>
+              <a:rPr lang="en-US" dirty="0"/>
+              <a:t>Angular does not run the filter</a:t>
+            </a:r>
+          </a:p>
+          <a:p>
+            <a:pPr lvl="1"/>
+            <a:r>
+              <a:rPr lang="en-US" dirty="0"/>
+              <a:t>DOM is not updated</a:t>
+            </a:r>
+            <a:endParaRPr lang="he-IL" dirty="0"/>
+          </a:p>
+        </p:txBody>
+      </p:sp>
+    </p:spTree>
+    <p:extLst>
+      <p:ext uri="{BB962C8B-B14F-4D97-AF65-F5344CB8AC3E}">
+        <p14:creationId xmlns:p14="http://schemas.microsoft.com/office/powerpoint/2010/main" val="761804192"/>
+      </p:ext>
+    </p:extLst>
+  </p:cSld>
+  <p:clrMapOvr>
+    <a:masterClrMapping/>
+  </p:clrMapOvr>
+</p:sld>
+</file>
+
+<file path=ppt/slides/slide56.xml><?xml version="1.0" encoding="utf-8"?>
+<p:sld xmlns:a="http://schemas.openxmlformats.org/drawingml/2006/main" xmlns:r="http://schemas.openxmlformats.org/officeDocument/2006/relationships" xmlns:p="http://schemas.openxmlformats.org/presentationml/2006/main">
+  <p:cSld>
+    <p:spTree>
+      <p:nvGrpSpPr>
+        <p:cNvPr id="1" name=""/>
+        <p:cNvGrpSpPr/>
+        <p:nvPr/>
+      </p:nvGrpSpPr>
+      <p:grpSpPr>
+        <a:xfrm>
+          <a:off x="0" y="0"/>
+          <a:ext cx="0" cy="0"/>
+          <a:chOff x="0" y="0"/>
+          <a:chExt cx="0" cy="0"/>
+        </a:xfrm>
+      </p:grpSpPr>
+      <p:sp>
+        <p:nvSpPr>
+          <p:cNvPr id="2" name="Title 1"/>
+          <p:cNvSpPr>
+            <a:spLocks noGrp="1"/>
+          </p:cNvSpPr>
+          <p:nvPr>
+            <p:ph type="title"/>
+          </p:nvPr>
+        </p:nvSpPr>
+        <p:spPr/>
+        <p:txBody>
+          <a:bodyPr/>
+          <a:lstStyle/>
+          <a:p>
+            <a:r>
+              <a:rPr lang="en-US" dirty="0"/>
+              <a:t>Impure Pipe</a:t>
+            </a:r>
+            <a:endParaRPr lang="he-IL" dirty="0"/>
+          </a:p>
+        </p:txBody>
+      </p:sp>
+      <p:sp>
+        <p:nvSpPr>
+          <p:cNvPr id="3" name="Footer Placeholder 2"/>
+          <p:cNvSpPr>
+            <a:spLocks noGrp="1"/>
+          </p:cNvSpPr>
+          <p:nvPr>
+            <p:ph type="ftr" sz="quarter" idx="11"/>
+          </p:nvPr>
+        </p:nvSpPr>
+        <p:spPr/>
+        <p:txBody>
+          <a:bodyPr/>
+          <a:lstStyle/>
+          <a:p>
+            <a:r>
+              <a:rPr lang="en-US"/>
+              <a:t>© 2016 Ori Calvo</a:t>
+            </a:r>
+            <a:endParaRPr lang="en-US" dirty="0"/>
+          </a:p>
+        </p:txBody>
+      </p:sp>
+      <p:sp>
+        <p:nvSpPr>
+          <p:cNvPr id="4" name="Slide Number Placeholder 3"/>
+          <p:cNvSpPr>
+            <a:spLocks noGrp="1"/>
+          </p:cNvSpPr>
+          <p:nvPr>
+            <p:ph type="sldNum" sz="quarter" idx="12"/>
+          </p:nvPr>
+        </p:nvSpPr>
+        <p:spPr/>
+        <p:txBody>
+          <a:bodyPr>
+            <a:normAutofit fontScale="85000" lnSpcReduction="20000"/>
+          </a:bodyPr>
+          <a:lstStyle/>
+          <a:p>
+            <a:fld id="{6EDEC3BC-0694-4586-AE63-02B4D54ABF43}" type="slidenum">
+              <a:rPr lang="en-US" smtClean="0"/>
+              <a:pPr/>
+              <a:t>56</a:t>
+            </a:fld>
+            <a:endParaRPr lang="en-US"/>
+          </a:p>
+        </p:txBody>
+      </p:sp>
+      <p:sp>
+        <p:nvSpPr>
           <p:cNvPr id="5" name="Content Placeholder 4"/>
           <p:cNvSpPr>
             <a:spLocks noGrp="1"/>
@@ -42249,14 +43705,1250 @@
           <a:bodyPr/>
           <a:lstStyle/>
           <a:p>
-            <a:endParaRPr lang="he-IL"/>
+            <a:r>
+              <a:rPr lang="en-US" dirty="0"/>
+              <a:t>Angular always execute the pipe even if none of its inputs changed</a:t>
+            </a:r>
+            <a:endParaRPr lang="he-IL" dirty="0"/>
+          </a:p>
+        </p:txBody>
+      </p:sp>
+      <p:sp>
+        <p:nvSpPr>
+          <p:cNvPr id="6" name="Rectangle 5"/>
+          <p:cNvSpPr/>
+          <p:nvPr/>
+        </p:nvSpPr>
+        <p:spPr>
+          <a:xfrm>
+            <a:off x="1962172" y="2924944"/>
+            <a:ext cx="5454352" cy="3323987"/>
+          </a:xfrm>
+          <a:prstGeom prst="rect">
+            <a:avLst/>
+          </a:prstGeom>
+          <a:solidFill>
+            <a:schemeClr val="accent1">
+              <a:lumMod val="40000"/>
+              <a:lumOff val="60000"/>
+            </a:schemeClr>
+          </a:solidFill>
+        </p:spPr>
+        <p:txBody>
+          <a:bodyPr wrap="square">
+            <a:spAutoFit/>
+          </a:bodyPr>
+          <a:lstStyle/>
+          <a:p>
+            <a:r>
+              <a:rPr lang="en-US" sz="1400" dirty="0">
+                <a:solidFill>
+                  <a:srgbClr val="000000"/>
+                </a:solidFill>
+                <a:latin typeface="Calibri" panose="020F0502020204030204" pitchFamily="34" charset="0"/>
+                <a:ea typeface="Calibri" panose="020F0502020204030204" pitchFamily="34" charset="0"/>
+                <a:cs typeface="Arial" panose="020B0604020202020204" pitchFamily="34" charset="0"/>
+              </a:rPr>
+              <a:t>@Pipe({</a:t>
+            </a:r>
+            <a:br>
+              <a:rPr lang="en-US" sz="1400" dirty="0">
+                <a:solidFill>
+                  <a:srgbClr val="000000"/>
+                </a:solidFill>
+                <a:latin typeface="Calibri" panose="020F0502020204030204" pitchFamily="34" charset="0"/>
+                <a:ea typeface="Calibri" panose="020F0502020204030204" pitchFamily="34" charset="0"/>
+                <a:cs typeface="Arial" panose="020B0604020202020204" pitchFamily="34" charset="0"/>
+              </a:rPr>
+            </a:br>
+            <a:r>
+              <a:rPr lang="en-US" sz="1400" dirty="0">
+                <a:solidFill>
+                  <a:srgbClr val="000000"/>
+                </a:solidFill>
+                <a:latin typeface="Calibri" panose="020F0502020204030204" pitchFamily="34" charset="0"/>
+                <a:ea typeface="Calibri" panose="020F0502020204030204" pitchFamily="34" charset="0"/>
+                <a:cs typeface="Arial" panose="020B0604020202020204" pitchFamily="34" charset="0"/>
+              </a:rPr>
+              <a:t>    </a:t>
+            </a:r>
+            <a:r>
+              <a:rPr lang="en-US" sz="1400" b="1" dirty="0">
+                <a:solidFill>
+                  <a:srgbClr val="660E7A"/>
+                </a:solidFill>
+                <a:latin typeface="Calibri" panose="020F0502020204030204" pitchFamily="34" charset="0"/>
+                <a:ea typeface="Calibri" panose="020F0502020204030204" pitchFamily="34" charset="0"/>
+                <a:cs typeface="Arial" panose="020B0604020202020204" pitchFamily="34" charset="0"/>
+              </a:rPr>
+              <a:t>name</a:t>
+            </a:r>
+            <a:r>
+              <a:rPr lang="en-US" sz="1400" dirty="0">
+                <a:solidFill>
+                  <a:srgbClr val="000000"/>
+                </a:solidFill>
+                <a:latin typeface="Calibri" panose="020F0502020204030204" pitchFamily="34" charset="0"/>
+                <a:ea typeface="Calibri" panose="020F0502020204030204" pitchFamily="34" charset="0"/>
+                <a:cs typeface="Arial" panose="020B0604020202020204" pitchFamily="34" charset="0"/>
+              </a:rPr>
+              <a:t>: </a:t>
+            </a:r>
+            <a:r>
+              <a:rPr lang="en-US" sz="1400" b="1" dirty="0">
+                <a:solidFill>
+                  <a:srgbClr val="008000"/>
+                </a:solidFill>
+                <a:latin typeface="Calibri" panose="020F0502020204030204" pitchFamily="34" charset="0"/>
+                <a:ea typeface="Calibri" panose="020F0502020204030204" pitchFamily="34" charset="0"/>
+                <a:cs typeface="Arial" panose="020B0604020202020204" pitchFamily="34" charset="0"/>
+              </a:rPr>
+              <a:t>'filter'</a:t>
+            </a:r>
+            <a:r>
+              <a:rPr lang="en-US" sz="1400" dirty="0">
+                <a:solidFill>
+                  <a:srgbClr val="000000"/>
+                </a:solidFill>
+                <a:latin typeface="Calibri" panose="020F0502020204030204" pitchFamily="34" charset="0"/>
+                <a:ea typeface="Calibri" panose="020F0502020204030204" pitchFamily="34" charset="0"/>
+                <a:cs typeface="Arial" panose="020B0604020202020204" pitchFamily="34" charset="0"/>
+              </a:rPr>
+              <a:t>,</a:t>
+            </a:r>
+            <a:br>
+              <a:rPr lang="en-US" sz="1400" dirty="0">
+                <a:solidFill>
+                  <a:srgbClr val="000000"/>
+                </a:solidFill>
+                <a:latin typeface="Calibri" panose="020F0502020204030204" pitchFamily="34" charset="0"/>
+                <a:ea typeface="Calibri" panose="020F0502020204030204" pitchFamily="34" charset="0"/>
+                <a:cs typeface="Arial" panose="020B0604020202020204" pitchFamily="34" charset="0"/>
+              </a:rPr>
+            </a:br>
+            <a:r>
+              <a:rPr lang="en-US" sz="1400" dirty="0">
+                <a:solidFill>
+                  <a:srgbClr val="000000"/>
+                </a:solidFill>
+                <a:latin typeface="Calibri" panose="020F0502020204030204" pitchFamily="34" charset="0"/>
+                <a:ea typeface="Calibri" panose="020F0502020204030204" pitchFamily="34" charset="0"/>
+                <a:cs typeface="Arial" panose="020B0604020202020204" pitchFamily="34" charset="0"/>
+              </a:rPr>
+              <a:t>    </a:t>
+            </a:r>
+            <a:r>
+              <a:rPr lang="en-US" sz="1400" b="1" dirty="0">
+                <a:solidFill>
+                  <a:srgbClr val="660E7A"/>
+                </a:solidFill>
+                <a:latin typeface="Calibri" panose="020F0502020204030204" pitchFamily="34" charset="0"/>
+                <a:ea typeface="Calibri" panose="020F0502020204030204" pitchFamily="34" charset="0"/>
+                <a:cs typeface="Arial" panose="020B0604020202020204" pitchFamily="34" charset="0"/>
+              </a:rPr>
+              <a:t>pure</a:t>
+            </a:r>
+            <a:r>
+              <a:rPr lang="en-US" sz="1400" dirty="0">
+                <a:solidFill>
+                  <a:srgbClr val="000000"/>
+                </a:solidFill>
+                <a:latin typeface="Calibri" panose="020F0502020204030204" pitchFamily="34" charset="0"/>
+                <a:ea typeface="Calibri" panose="020F0502020204030204" pitchFamily="34" charset="0"/>
+                <a:cs typeface="Arial" panose="020B0604020202020204" pitchFamily="34" charset="0"/>
+              </a:rPr>
+              <a:t>: </a:t>
+            </a:r>
+            <a:r>
+              <a:rPr lang="en-US" sz="1400" b="1" dirty="0">
+                <a:solidFill>
+                  <a:srgbClr val="000080"/>
+                </a:solidFill>
+                <a:latin typeface="Calibri" panose="020F0502020204030204" pitchFamily="34" charset="0"/>
+                <a:ea typeface="Calibri" panose="020F0502020204030204" pitchFamily="34" charset="0"/>
+                <a:cs typeface="Arial" panose="020B0604020202020204" pitchFamily="34" charset="0"/>
+              </a:rPr>
+              <a:t>false</a:t>
+            </a:r>
+            <a:br>
+              <a:rPr lang="en-US" sz="1400" b="1" dirty="0">
+                <a:solidFill>
+                  <a:srgbClr val="000080"/>
+                </a:solidFill>
+                <a:latin typeface="Calibri" panose="020F0502020204030204" pitchFamily="34" charset="0"/>
+                <a:ea typeface="Calibri" panose="020F0502020204030204" pitchFamily="34" charset="0"/>
+                <a:cs typeface="Arial" panose="020B0604020202020204" pitchFamily="34" charset="0"/>
+              </a:rPr>
+            </a:br>
+            <a:r>
+              <a:rPr lang="en-US" sz="1400" dirty="0">
+                <a:solidFill>
+                  <a:srgbClr val="000000"/>
+                </a:solidFill>
+                <a:latin typeface="Calibri" panose="020F0502020204030204" pitchFamily="34" charset="0"/>
+                <a:ea typeface="Calibri" panose="020F0502020204030204" pitchFamily="34" charset="0"/>
+                <a:cs typeface="Arial" panose="020B0604020202020204" pitchFamily="34" charset="0"/>
+              </a:rPr>
+              <a:t>})</a:t>
+            </a:r>
+            <a:br>
+              <a:rPr lang="en-US" sz="1400" dirty="0">
+                <a:solidFill>
+                  <a:srgbClr val="000000"/>
+                </a:solidFill>
+                <a:latin typeface="Calibri" panose="020F0502020204030204" pitchFamily="34" charset="0"/>
+                <a:ea typeface="Calibri" panose="020F0502020204030204" pitchFamily="34" charset="0"/>
+                <a:cs typeface="Arial" panose="020B0604020202020204" pitchFamily="34" charset="0"/>
+              </a:rPr>
+            </a:br>
+            <a:r>
+              <a:rPr lang="en-US" sz="1400" b="1" dirty="0">
+                <a:solidFill>
+                  <a:srgbClr val="000080"/>
+                </a:solidFill>
+                <a:latin typeface="Calibri" panose="020F0502020204030204" pitchFamily="34" charset="0"/>
+                <a:ea typeface="Calibri" panose="020F0502020204030204" pitchFamily="34" charset="0"/>
+                <a:cs typeface="Arial" panose="020B0604020202020204" pitchFamily="34" charset="0"/>
+              </a:rPr>
+              <a:t>export class </a:t>
+            </a:r>
+            <a:r>
+              <a:rPr lang="en-US" sz="1400" dirty="0" err="1">
+                <a:solidFill>
+                  <a:srgbClr val="000000"/>
+                </a:solidFill>
+                <a:latin typeface="Calibri" panose="020F0502020204030204" pitchFamily="34" charset="0"/>
+                <a:ea typeface="Calibri" panose="020F0502020204030204" pitchFamily="34" charset="0"/>
+                <a:cs typeface="Arial" panose="020B0604020202020204" pitchFamily="34" charset="0"/>
+              </a:rPr>
+              <a:t>FilterPipe</a:t>
+            </a:r>
+            <a:r>
+              <a:rPr lang="en-US" sz="1400" dirty="0">
+                <a:solidFill>
+                  <a:srgbClr val="000000"/>
+                </a:solidFill>
+                <a:latin typeface="Calibri" panose="020F0502020204030204" pitchFamily="34" charset="0"/>
+                <a:ea typeface="Calibri" panose="020F0502020204030204" pitchFamily="34" charset="0"/>
+                <a:cs typeface="Arial" panose="020B0604020202020204" pitchFamily="34" charset="0"/>
+              </a:rPr>
+              <a:t> </a:t>
+            </a:r>
+            <a:r>
+              <a:rPr lang="en-US" sz="1400" b="1" dirty="0">
+                <a:solidFill>
+                  <a:srgbClr val="000080"/>
+                </a:solidFill>
+                <a:latin typeface="Calibri" panose="020F0502020204030204" pitchFamily="34" charset="0"/>
+                <a:ea typeface="Calibri" panose="020F0502020204030204" pitchFamily="34" charset="0"/>
+                <a:cs typeface="Arial" panose="020B0604020202020204" pitchFamily="34" charset="0"/>
+              </a:rPr>
+              <a:t>implements </a:t>
+            </a:r>
+            <a:r>
+              <a:rPr lang="en-US" sz="1400" dirty="0" err="1">
+                <a:solidFill>
+                  <a:srgbClr val="000000"/>
+                </a:solidFill>
+                <a:latin typeface="Calibri" panose="020F0502020204030204" pitchFamily="34" charset="0"/>
+                <a:ea typeface="Calibri" panose="020F0502020204030204" pitchFamily="34" charset="0"/>
+                <a:cs typeface="Arial" panose="020B0604020202020204" pitchFamily="34" charset="0"/>
+              </a:rPr>
+              <a:t>PipeTransform</a:t>
+            </a:r>
+            <a:r>
+              <a:rPr lang="en-US" sz="1400" dirty="0">
+                <a:solidFill>
+                  <a:srgbClr val="000000"/>
+                </a:solidFill>
+                <a:latin typeface="Calibri" panose="020F0502020204030204" pitchFamily="34" charset="0"/>
+                <a:ea typeface="Calibri" panose="020F0502020204030204" pitchFamily="34" charset="0"/>
+                <a:cs typeface="Arial" panose="020B0604020202020204" pitchFamily="34" charset="0"/>
+              </a:rPr>
+              <a:t> {</a:t>
+            </a:r>
+            <a:br>
+              <a:rPr lang="en-US" sz="1400" dirty="0">
+                <a:solidFill>
+                  <a:srgbClr val="000000"/>
+                </a:solidFill>
+                <a:latin typeface="Calibri" panose="020F0502020204030204" pitchFamily="34" charset="0"/>
+                <a:ea typeface="Calibri" panose="020F0502020204030204" pitchFamily="34" charset="0"/>
+                <a:cs typeface="Arial" panose="020B0604020202020204" pitchFamily="34" charset="0"/>
+              </a:rPr>
+            </a:br>
+            <a:r>
+              <a:rPr lang="en-US" sz="1400" dirty="0">
+                <a:solidFill>
+                  <a:srgbClr val="000000"/>
+                </a:solidFill>
+                <a:latin typeface="Calibri" panose="020F0502020204030204" pitchFamily="34" charset="0"/>
+                <a:ea typeface="Calibri" panose="020F0502020204030204" pitchFamily="34" charset="0"/>
+                <a:cs typeface="Arial" panose="020B0604020202020204" pitchFamily="34" charset="0"/>
+              </a:rPr>
+              <a:t>    </a:t>
+            </a:r>
+            <a:r>
+              <a:rPr lang="en-US" sz="1400" dirty="0">
+                <a:solidFill>
+                  <a:srgbClr val="7A7A43"/>
+                </a:solidFill>
+                <a:latin typeface="Calibri" panose="020F0502020204030204" pitchFamily="34" charset="0"/>
+                <a:ea typeface="Calibri" panose="020F0502020204030204" pitchFamily="34" charset="0"/>
+                <a:cs typeface="Arial" panose="020B0604020202020204" pitchFamily="34" charset="0"/>
+              </a:rPr>
+              <a:t>transform</a:t>
+            </a:r>
+            <a:r>
+              <a:rPr lang="en-US" sz="1400" dirty="0">
+                <a:solidFill>
+                  <a:srgbClr val="000000"/>
+                </a:solidFill>
+                <a:latin typeface="Calibri" panose="020F0502020204030204" pitchFamily="34" charset="0"/>
+                <a:ea typeface="Calibri" panose="020F0502020204030204" pitchFamily="34" charset="0"/>
+                <a:cs typeface="Arial" panose="020B0604020202020204" pitchFamily="34" charset="0"/>
+              </a:rPr>
+              <a:t>(</a:t>
+            </a:r>
+            <a:r>
+              <a:rPr lang="en-US" sz="1400" dirty="0" err="1">
+                <a:solidFill>
+                  <a:srgbClr val="000000"/>
+                </a:solidFill>
+                <a:latin typeface="Calibri" panose="020F0502020204030204" pitchFamily="34" charset="0"/>
+                <a:ea typeface="Calibri" panose="020F0502020204030204" pitchFamily="34" charset="0"/>
+                <a:cs typeface="Arial" panose="020B0604020202020204" pitchFamily="34" charset="0"/>
+              </a:rPr>
+              <a:t>coll</a:t>
+            </a:r>
+            <a:r>
+              <a:rPr lang="en-US" sz="1400" dirty="0">
+                <a:solidFill>
+                  <a:srgbClr val="000000"/>
+                </a:solidFill>
+                <a:latin typeface="Calibri" panose="020F0502020204030204" pitchFamily="34" charset="0"/>
+                <a:ea typeface="Calibri" panose="020F0502020204030204" pitchFamily="34" charset="0"/>
+                <a:cs typeface="Arial" panose="020B0604020202020204" pitchFamily="34" charset="0"/>
+              </a:rPr>
+              <a:t>: </a:t>
+            </a:r>
+            <a:r>
+              <a:rPr lang="en-US" sz="1400" b="1" dirty="0">
+                <a:solidFill>
+                  <a:srgbClr val="000080"/>
+                </a:solidFill>
+                <a:latin typeface="Calibri" panose="020F0502020204030204" pitchFamily="34" charset="0"/>
+                <a:ea typeface="Calibri" panose="020F0502020204030204" pitchFamily="34" charset="0"/>
+                <a:cs typeface="Arial" panose="020B0604020202020204" pitchFamily="34" charset="0"/>
+              </a:rPr>
+              <a:t>any</a:t>
+            </a:r>
+            <a:r>
+              <a:rPr lang="en-US" sz="1400" dirty="0">
+                <a:solidFill>
+                  <a:srgbClr val="000000"/>
+                </a:solidFill>
+                <a:latin typeface="Calibri" panose="020F0502020204030204" pitchFamily="34" charset="0"/>
+                <a:ea typeface="Calibri" panose="020F0502020204030204" pitchFamily="34" charset="0"/>
+                <a:cs typeface="Arial" panose="020B0604020202020204" pitchFamily="34" charset="0"/>
+              </a:rPr>
+              <a:t>[], </a:t>
+            </a:r>
+            <a:r>
+              <a:rPr lang="en-US" sz="1400" dirty="0" err="1">
+                <a:solidFill>
+                  <a:srgbClr val="000000"/>
+                </a:solidFill>
+                <a:latin typeface="Calibri" panose="020F0502020204030204" pitchFamily="34" charset="0"/>
+                <a:ea typeface="Calibri" panose="020F0502020204030204" pitchFamily="34" charset="0"/>
+                <a:cs typeface="Arial" panose="020B0604020202020204" pitchFamily="34" charset="0"/>
+              </a:rPr>
+              <a:t>filterBy</a:t>
+            </a:r>
+            <a:r>
+              <a:rPr lang="en-US" sz="1400" dirty="0">
+                <a:solidFill>
+                  <a:srgbClr val="000000"/>
+                </a:solidFill>
+                <a:latin typeface="Calibri" panose="020F0502020204030204" pitchFamily="34" charset="0"/>
+                <a:ea typeface="Calibri" panose="020F0502020204030204" pitchFamily="34" charset="0"/>
+                <a:cs typeface="Arial" panose="020B0604020202020204" pitchFamily="34" charset="0"/>
+              </a:rPr>
+              <a:t>: </a:t>
+            </a:r>
+            <a:r>
+              <a:rPr lang="en-US" sz="1400" b="1" dirty="0">
+                <a:solidFill>
+                  <a:srgbClr val="000080"/>
+                </a:solidFill>
+                <a:latin typeface="Calibri" panose="020F0502020204030204" pitchFamily="34" charset="0"/>
+                <a:ea typeface="Calibri" panose="020F0502020204030204" pitchFamily="34" charset="0"/>
+                <a:cs typeface="Arial" panose="020B0604020202020204" pitchFamily="34" charset="0"/>
+              </a:rPr>
+              <a:t>string</a:t>
+            </a:r>
+            <a:r>
+              <a:rPr lang="en-US" sz="1400" dirty="0">
+                <a:solidFill>
+                  <a:srgbClr val="000000"/>
+                </a:solidFill>
+                <a:latin typeface="Calibri" panose="020F0502020204030204" pitchFamily="34" charset="0"/>
+                <a:ea typeface="Calibri" panose="020F0502020204030204" pitchFamily="34" charset="0"/>
+                <a:cs typeface="Arial" panose="020B0604020202020204" pitchFamily="34" charset="0"/>
+              </a:rPr>
+              <a:t>): </a:t>
+            </a:r>
+            <a:r>
+              <a:rPr lang="en-US" sz="1400" b="1" dirty="0">
+                <a:solidFill>
+                  <a:srgbClr val="000080"/>
+                </a:solidFill>
+                <a:latin typeface="Calibri" panose="020F0502020204030204" pitchFamily="34" charset="0"/>
+                <a:ea typeface="Calibri" panose="020F0502020204030204" pitchFamily="34" charset="0"/>
+                <a:cs typeface="Arial" panose="020B0604020202020204" pitchFamily="34" charset="0"/>
+              </a:rPr>
+              <a:t>any</a:t>
+            </a:r>
+            <a:r>
+              <a:rPr lang="en-US" sz="1400" dirty="0">
+                <a:solidFill>
+                  <a:srgbClr val="000000"/>
+                </a:solidFill>
+                <a:latin typeface="Calibri" panose="020F0502020204030204" pitchFamily="34" charset="0"/>
+                <a:ea typeface="Calibri" panose="020F0502020204030204" pitchFamily="34" charset="0"/>
+                <a:cs typeface="Arial" panose="020B0604020202020204" pitchFamily="34" charset="0"/>
+              </a:rPr>
+              <a:t>[] {</a:t>
+            </a:r>
+            <a:br>
+              <a:rPr lang="en-US" sz="1400" dirty="0">
+                <a:solidFill>
+                  <a:srgbClr val="000000"/>
+                </a:solidFill>
+                <a:latin typeface="Calibri" panose="020F0502020204030204" pitchFamily="34" charset="0"/>
+                <a:ea typeface="Calibri" panose="020F0502020204030204" pitchFamily="34" charset="0"/>
+                <a:cs typeface="Arial" panose="020B0604020202020204" pitchFamily="34" charset="0"/>
+              </a:rPr>
+            </a:br>
+            <a:r>
+              <a:rPr lang="en-US" sz="1400" dirty="0">
+                <a:solidFill>
+                  <a:srgbClr val="000000"/>
+                </a:solidFill>
+                <a:latin typeface="Calibri" panose="020F0502020204030204" pitchFamily="34" charset="0"/>
+                <a:ea typeface="Calibri" panose="020F0502020204030204" pitchFamily="34" charset="0"/>
+                <a:cs typeface="Arial" panose="020B0604020202020204" pitchFamily="34" charset="0"/>
+              </a:rPr>
+              <a:t>        </a:t>
+            </a:r>
+            <a:r>
+              <a:rPr lang="en-US" sz="1400" b="1" dirty="0">
+                <a:solidFill>
+                  <a:srgbClr val="000080"/>
+                </a:solidFill>
+                <a:latin typeface="Calibri" panose="020F0502020204030204" pitchFamily="34" charset="0"/>
+                <a:ea typeface="Calibri" panose="020F0502020204030204" pitchFamily="34" charset="0"/>
+                <a:cs typeface="Arial" panose="020B0604020202020204" pitchFamily="34" charset="0"/>
+              </a:rPr>
+              <a:t>if</a:t>
+            </a:r>
+            <a:r>
+              <a:rPr lang="en-US" sz="1400" dirty="0">
+                <a:solidFill>
+                  <a:srgbClr val="000000"/>
+                </a:solidFill>
+                <a:latin typeface="Calibri" panose="020F0502020204030204" pitchFamily="34" charset="0"/>
+                <a:ea typeface="Calibri" panose="020F0502020204030204" pitchFamily="34" charset="0"/>
+                <a:cs typeface="Arial" panose="020B0604020202020204" pitchFamily="34" charset="0"/>
+              </a:rPr>
+              <a:t>(</a:t>
+            </a:r>
+            <a:r>
+              <a:rPr lang="en-US" sz="1400" dirty="0" err="1">
+                <a:solidFill>
+                  <a:srgbClr val="000000"/>
+                </a:solidFill>
+                <a:latin typeface="Calibri" panose="020F0502020204030204" pitchFamily="34" charset="0"/>
+                <a:ea typeface="Calibri" panose="020F0502020204030204" pitchFamily="34" charset="0"/>
+                <a:cs typeface="Arial" panose="020B0604020202020204" pitchFamily="34" charset="0"/>
+              </a:rPr>
+              <a:t>filterBy</a:t>
+            </a:r>
+            <a:r>
+              <a:rPr lang="en-US" sz="1400" dirty="0">
+                <a:solidFill>
+                  <a:srgbClr val="000000"/>
+                </a:solidFill>
+                <a:latin typeface="Calibri" panose="020F0502020204030204" pitchFamily="34" charset="0"/>
+                <a:ea typeface="Calibri" panose="020F0502020204030204" pitchFamily="34" charset="0"/>
+                <a:cs typeface="Arial" panose="020B0604020202020204" pitchFamily="34" charset="0"/>
+              </a:rPr>
+              <a:t> === undefined) {</a:t>
+            </a:r>
+            <a:br>
+              <a:rPr lang="en-US" sz="1400" dirty="0">
+                <a:solidFill>
+                  <a:srgbClr val="000000"/>
+                </a:solidFill>
+                <a:latin typeface="Calibri" panose="020F0502020204030204" pitchFamily="34" charset="0"/>
+                <a:ea typeface="Calibri" panose="020F0502020204030204" pitchFamily="34" charset="0"/>
+                <a:cs typeface="Arial" panose="020B0604020202020204" pitchFamily="34" charset="0"/>
+              </a:rPr>
+            </a:br>
+            <a:r>
+              <a:rPr lang="en-US" sz="1400" dirty="0">
+                <a:solidFill>
+                  <a:srgbClr val="000000"/>
+                </a:solidFill>
+                <a:latin typeface="Calibri" panose="020F0502020204030204" pitchFamily="34" charset="0"/>
+                <a:ea typeface="Calibri" panose="020F0502020204030204" pitchFamily="34" charset="0"/>
+                <a:cs typeface="Arial" panose="020B0604020202020204" pitchFamily="34" charset="0"/>
+              </a:rPr>
+              <a:t>            </a:t>
+            </a:r>
+            <a:r>
+              <a:rPr lang="en-US" sz="1400" b="1" dirty="0">
+                <a:solidFill>
+                  <a:srgbClr val="000080"/>
+                </a:solidFill>
+                <a:latin typeface="Calibri" panose="020F0502020204030204" pitchFamily="34" charset="0"/>
+                <a:ea typeface="Calibri" panose="020F0502020204030204" pitchFamily="34" charset="0"/>
+                <a:cs typeface="Arial" panose="020B0604020202020204" pitchFamily="34" charset="0"/>
+              </a:rPr>
+              <a:t>return </a:t>
+            </a:r>
+            <a:r>
+              <a:rPr lang="en-US" sz="1400" dirty="0" err="1">
+                <a:solidFill>
+                  <a:srgbClr val="000000"/>
+                </a:solidFill>
+                <a:latin typeface="Calibri" panose="020F0502020204030204" pitchFamily="34" charset="0"/>
+                <a:ea typeface="Calibri" panose="020F0502020204030204" pitchFamily="34" charset="0"/>
+                <a:cs typeface="Arial" panose="020B0604020202020204" pitchFamily="34" charset="0"/>
+              </a:rPr>
+              <a:t>coll</a:t>
+            </a:r>
+            <a:r>
+              <a:rPr lang="en-US" sz="1400" dirty="0">
+                <a:solidFill>
+                  <a:srgbClr val="000000"/>
+                </a:solidFill>
+                <a:latin typeface="Calibri" panose="020F0502020204030204" pitchFamily="34" charset="0"/>
+                <a:ea typeface="Calibri" panose="020F0502020204030204" pitchFamily="34" charset="0"/>
+                <a:cs typeface="Arial" panose="020B0604020202020204" pitchFamily="34" charset="0"/>
+              </a:rPr>
+              <a:t>;</a:t>
+            </a:r>
+            <a:br>
+              <a:rPr lang="en-US" sz="1400" dirty="0">
+                <a:solidFill>
+                  <a:srgbClr val="000000"/>
+                </a:solidFill>
+                <a:latin typeface="Calibri" panose="020F0502020204030204" pitchFamily="34" charset="0"/>
+                <a:ea typeface="Calibri" panose="020F0502020204030204" pitchFamily="34" charset="0"/>
+                <a:cs typeface="Arial" panose="020B0604020202020204" pitchFamily="34" charset="0"/>
+              </a:rPr>
+            </a:br>
+            <a:r>
+              <a:rPr lang="en-US" sz="1400" dirty="0">
+                <a:solidFill>
+                  <a:srgbClr val="000000"/>
+                </a:solidFill>
+                <a:latin typeface="Calibri" panose="020F0502020204030204" pitchFamily="34" charset="0"/>
+                <a:ea typeface="Calibri" panose="020F0502020204030204" pitchFamily="34" charset="0"/>
+                <a:cs typeface="Arial" panose="020B0604020202020204" pitchFamily="34" charset="0"/>
+              </a:rPr>
+              <a:t>        }</a:t>
+            </a:r>
+            <a:br>
+              <a:rPr lang="en-US" sz="1400" dirty="0">
+                <a:solidFill>
+                  <a:srgbClr val="000000"/>
+                </a:solidFill>
+                <a:latin typeface="Calibri" panose="020F0502020204030204" pitchFamily="34" charset="0"/>
+                <a:ea typeface="Calibri" panose="020F0502020204030204" pitchFamily="34" charset="0"/>
+                <a:cs typeface="Arial" panose="020B0604020202020204" pitchFamily="34" charset="0"/>
+              </a:rPr>
+            </a:br>
+            <a:br>
+              <a:rPr lang="en-US" sz="1400" dirty="0">
+                <a:solidFill>
+                  <a:srgbClr val="000000"/>
+                </a:solidFill>
+                <a:latin typeface="Calibri" panose="020F0502020204030204" pitchFamily="34" charset="0"/>
+                <a:ea typeface="Calibri" panose="020F0502020204030204" pitchFamily="34" charset="0"/>
+                <a:cs typeface="Arial" panose="020B0604020202020204" pitchFamily="34" charset="0"/>
+              </a:rPr>
+            </a:br>
+            <a:r>
+              <a:rPr lang="en-US" sz="1400" dirty="0">
+                <a:solidFill>
+                  <a:srgbClr val="000000"/>
+                </a:solidFill>
+                <a:latin typeface="Calibri" panose="020F0502020204030204" pitchFamily="34" charset="0"/>
+                <a:ea typeface="Calibri" panose="020F0502020204030204" pitchFamily="34" charset="0"/>
+                <a:cs typeface="Arial" panose="020B0604020202020204" pitchFamily="34" charset="0"/>
+              </a:rPr>
+              <a:t>        </a:t>
+            </a:r>
+            <a:r>
+              <a:rPr lang="en-US" sz="1400" b="1" i="1" dirty="0">
+                <a:solidFill>
+                  <a:srgbClr val="660E7A"/>
+                </a:solidFill>
+                <a:latin typeface="Calibri" panose="020F0502020204030204" pitchFamily="34" charset="0"/>
+                <a:ea typeface="Calibri" panose="020F0502020204030204" pitchFamily="34" charset="0"/>
+                <a:cs typeface="Arial" panose="020B0604020202020204" pitchFamily="34" charset="0"/>
+              </a:rPr>
+              <a:t>console</a:t>
+            </a:r>
+            <a:r>
+              <a:rPr lang="en-US" sz="1400" dirty="0">
+                <a:solidFill>
+                  <a:srgbClr val="000000"/>
+                </a:solidFill>
+                <a:latin typeface="Calibri" panose="020F0502020204030204" pitchFamily="34" charset="0"/>
+                <a:ea typeface="Calibri" panose="020F0502020204030204" pitchFamily="34" charset="0"/>
+                <a:cs typeface="Arial" panose="020B0604020202020204" pitchFamily="34" charset="0"/>
+              </a:rPr>
+              <a:t>.</a:t>
+            </a:r>
+            <a:r>
+              <a:rPr lang="en-US" sz="1400" dirty="0">
+                <a:solidFill>
+                  <a:srgbClr val="7A7A43"/>
+                </a:solidFill>
+                <a:latin typeface="Calibri" panose="020F0502020204030204" pitchFamily="34" charset="0"/>
+                <a:ea typeface="Calibri" panose="020F0502020204030204" pitchFamily="34" charset="0"/>
+                <a:cs typeface="Arial" panose="020B0604020202020204" pitchFamily="34" charset="0"/>
+              </a:rPr>
+              <a:t>log</a:t>
+            </a:r>
+            <a:r>
+              <a:rPr lang="en-US" sz="1400" dirty="0">
+                <a:solidFill>
+                  <a:srgbClr val="000000"/>
+                </a:solidFill>
+                <a:latin typeface="Calibri" panose="020F0502020204030204" pitchFamily="34" charset="0"/>
+                <a:ea typeface="Calibri" panose="020F0502020204030204" pitchFamily="34" charset="0"/>
+                <a:cs typeface="Arial" panose="020B0604020202020204" pitchFamily="34" charset="0"/>
+              </a:rPr>
+              <a:t>(</a:t>
+            </a:r>
+            <a:r>
+              <a:rPr lang="en-US" sz="1400" b="1" dirty="0">
+                <a:solidFill>
+                  <a:srgbClr val="008000"/>
+                </a:solidFill>
+                <a:latin typeface="Calibri" panose="020F0502020204030204" pitchFamily="34" charset="0"/>
+                <a:ea typeface="Calibri" panose="020F0502020204030204" pitchFamily="34" charset="0"/>
+                <a:cs typeface="Arial" panose="020B0604020202020204" pitchFamily="34" charset="0"/>
+              </a:rPr>
+              <a:t>"transform"</a:t>
+            </a:r>
+            <a:r>
+              <a:rPr lang="en-US" sz="1400" dirty="0">
+                <a:solidFill>
+                  <a:srgbClr val="000000"/>
+                </a:solidFill>
+                <a:latin typeface="Calibri" panose="020F0502020204030204" pitchFamily="34" charset="0"/>
+                <a:ea typeface="Calibri" panose="020F0502020204030204" pitchFamily="34" charset="0"/>
+                <a:cs typeface="Arial" panose="020B0604020202020204" pitchFamily="34" charset="0"/>
+              </a:rPr>
+              <a:t>);</a:t>
+            </a:r>
+            <a:br>
+              <a:rPr lang="en-US" sz="1400" dirty="0">
+                <a:solidFill>
+                  <a:srgbClr val="000000"/>
+                </a:solidFill>
+                <a:latin typeface="Calibri" panose="020F0502020204030204" pitchFamily="34" charset="0"/>
+                <a:ea typeface="Calibri" panose="020F0502020204030204" pitchFamily="34" charset="0"/>
+                <a:cs typeface="Arial" panose="020B0604020202020204" pitchFamily="34" charset="0"/>
+              </a:rPr>
+            </a:br>
+            <a:r>
+              <a:rPr lang="en-US" sz="1400" dirty="0">
+                <a:solidFill>
+                  <a:srgbClr val="000000"/>
+                </a:solidFill>
+                <a:latin typeface="Calibri" panose="020F0502020204030204" pitchFamily="34" charset="0"/>
+                <a:ea typeface="Calibri" panose="020F0502020204030204" pitchFamily="34" charset="0"/>
+                <a:cs typeface="Arial" panose="020B0604020202020204" pitchFamily="34" charset="0"/>
+              </a:rPr>
+              <a:t>        </a:t>
+            </a:r>
+            <a:br>
+              <a:rPr lang="en-US" sz="1400" dirty="0">
+                <a:solidFill>
+                  <a:srgbClr val="000000"/>
+                </a:solidFill>
+                <a:latin typeface="Calibri" panose="020F0502020204030204" pitchFamily="34" charset="0"/>
+                <a:ea typeface="Calibri" panose="020F0502020204030204" pitchFamily="34" charset="0"/>
+                <a:cs typeface="Arial" panose="020B0604020202020204" pitchFamily="34" charset="0"/>
+              </a:rPr>
+            </a:br>
+            <a:r>
+              <a:rPr lang="en-US" sz="1400" dirty="0">
+                <a:solidFill>
+                  <a:srgbClr val="000000"/>
+                </a:solidFill>
+                <a:latin typeface="Calibri" panose="020F0502020204030204" pitchFamily="34" charset="0"/>
+                <a:ea typeface="Calibri" panose="020F0502020204030204" pitchFamily="34" charset="0"/>
+                <a:cs typeface="Arial" panose="020B0604020202020204" pitchFamily="34" charset="0"/>
+              </a:rPr>
+              <a:t>        </a:t>
+            </a:r>
+            <a:r>
+              <a:rPr lang="en-US" sz="1400" b="1" dirty="0">
+                <a:solidFill>
+                  <a:srgbClr val="000080"/>
+                </a:solidFill>
+                <a:latin typeface="Calibri" panose="020F0502020204030204" pitchFamily="34" charset="0"/>
+                <a:ea typeface="Calibri" panose="020F0502020204030204" pitchFamily="34" charset="0"/>
+                <a:cs typeface="Arial" panose="020B0604020202020204" pitchFamily="34" charset="0"/>
+              </a:rPr>
+              <a:t>return </a:t>
+            </a:r>
+            <a:r>
+              <a:rPr lang="en-US" sz="1400" dirty="0" err="1">
+                <a:solidFill>
+                  <a:srgbClr val="000000"/>
+                </a:solidFill>
+                <a:latin typeface="Calibri" panose="020F0502020204030204" pitchFamily="34" charset="0"/>
+                <a:ea typeface="Calibri" panose="020F0502020204030204" pitchFamily="34" charset="0"/>
+                <a:cs typeface="Arial" panose="020B0604020202020204" pitchFamily="34" charset="0"/>
+              </a:rPr>
+              <a:t>coll.</a:t>
+            </a:r>
+            <a:r>
+              <a:rPr lang="en-US" sz="1400" dirty="0" err="1">
+                <a:solidFill>
+                  <a:srgbClr val="7A7A43"/>
+                </a:solidFill>
+                <a:latin typeface="Calibri" panose="020F0502020204030204" pitchFamily="34" charset="0"/>
+                <a:ea typeface="Calibri" panose="020F0502020204030204" pitchFamily="34" charset="0"/>
+                <a:cs typeface="Arial" panose="020B0604020202020204" pitchFamily="34" charset="0"/>
+              </a:rPr>
+              <a:t>filter</a:t>
+            </a:r>
+            <a:r>
+              <a:rPr lang="en-US" sz="1400" dirty="0">
+                <a:solidFill>
+                  <a:srgbClr val="000000"/>
+                </a:solidFill>
+                <a:latin typeface="Calibri" panose="020F0502020204030204" pitchFamily="34" charset="0"/>
+                <a:ea typeface="Calibri" panose="020F0502020204030204" pitchFamily="34" charset="0"/>
+                <a:cs typeface="Arial" panose="020B0604020202020204" pitchFamily="34" charset="0"/>
+              </a:rPr>
+              <a:t>(contact =&gt; </a:t>
+            </a:r>
+            <a:r>
+              <a:rPr lang="en-US" sz="1400" dirty="0" err="1">
+                <a:solidFill>
+                  <a:srgbClr val="000000"/>
+                </a:solidFill>
+                <a:latin typeface="Calibri" panose="020F0502020204030204" pitchFamily="34" charset="0"/>
+                <a:ea typeface="Calibri" panose="020F0502020204030204" pitchFamily="34" charset="0"/>
+                <a:cs typeface="Arial" panose="020B0604020202020204" pitchFamily="34" charset="0"/>
+              </a:rPr>
+              <a:t>contact.name.indexOf</a:t>
+            </a:r>
+            <a:r>
+              <a:rPr lang="en-US" sz="1400" dirty="0">
+                <a:solidFill>
+                  <a:srgbClr val="000000"/>
+                </a:solidFill>
+                <a:latin typeface="Calibri" panose="020F0502020204030204" pitchFamily="34" charset="0"/>
+                <a:ea typeface="Calibri" panose="020F0502020204030204" pitchFamily="34" charset="0"/>
+                <a:cs typeface="Arial" panose="020B0604020202020204" pitchFamily="34" charset="0"/>
+              </a:rPr>
+              <a:t>(</a:t>
+            </a:r>
+            <a:r>
+              <a:rPr lang="en-US" sz="1400" dirty="0" err="1">
+                <a:solidFill>
+                  <a:srgbClr val="000000"/>
+                </a:solidFill>
+                <a:latin typeface="Calibri" panose="020F0502020204030204" pitchFamily="34" charset="0"/>
+                <a:ea typeface="Calibri" panose="020F0502020204030204" pitchFamily="34" charset="0"/>
+                <a:cs typeface="Arial" panose="020B0604020202020204" pitchFamily="34" charset="0"/>
+              </a:rPr>
+              <a:t>filterBy</a:t>
+            </a:r>
+            <a:r>
+              <a:rPr lang="en-US" sz="1400" dirty="0">
+                <a:solidFill>
+                  <a:srgbClr val="000000"/>
+                </a:solidFill>
+                <a:latin typeface="Calibri" panose="020F0502020204030204" pitchFamily="34" charset="0"/>
+                <a:ea typeface="Calibri" panose="020F0502020204030204" pitchFamily="34" charset="0"/>
+                <a:cs typeface="Arial" panose="020B0604020202020204" pitchFamily="34" charset="0"/>
+              </a:rPr>
+              <a:t>)!=-</a:t>
+            </a:r>
+            <a:r>
+              <a:rPr lang="en-US" sz="1400" dirty="0">
+                <a:solidFill>
+                  <a:srgbClr val="0000FF"/>
+                </a:solidFill>
+                <a:latin typeface="Calibri" panose="020F0502020204030204" pitchFamily="34" charset="0"/>
+                <a:ea typeface="Calibri" panose="020F0502020204030204" pitchFamily="34" charset="0"/>
+                <a:cs typeface="Arial" panose="020B0604020202020204" pitchFamily="34" charset="0"/>
+              </a:rPr>
+              <a:t>1</a:t>
+            </a:r>
+            <a:r>
+              <a:rPr lang="en-US" sz="1400" dirty="0">
+                <a:solidFill>
+                  <a:srgbClr val="000000"/>
+                </a:solidFill>
+                <a:latin typeface="Calibri" panose="020F0502020204030204" pitchFamily="34" charset="0"/>
+                <a:ea typeface="Calibri" panose="020F0502020204030204" pitchFamily="34" charset="0"/>
+                <a:cs typeface="Arial" panose="020B0604020202020204" pitchFamily="34" charset="0"/>
+              </a:rPr>
+              <a:t>);</a:t>
+            </a:r>
+            <a:br>
+              <a:rPr lang="en-US" sz="1400" dirty="0">
+                <a:solidFill>
+                  <a:srgbClr val="000000"/>
+                </a:solidFill>
+                <a:latin typeface="Calibri" panose="020F0502020204030204" pitchFamily="34" charset="0"/>
+                <a:ea typeface="Calibri" panose="020F0502020204030204" pitchFamily="34" charset="0"/>
+                <a:cs typeface="Arial" panose="020B0604020202020204" pitchFamily="34" charset="0"/>
+              </a:rPr>
+            </a:br>
+            <a:r>
+              <a:rPr lang="en-US" sz="1400" dirty="0">
+                <a:solidFill>
+                  <a:srgbClr val="000000"/>
+                </a:solidFill>
+                <a:latin typeface="Calibri" panose="020F0502020204030204" pitchFamily="34" charset="0"/>
+                <a:ea typeface="Calibri" panose="020F0502020204030204" pitchFamily="34" charset="0"/>
+                <a:cs typeface="Arial" panose="020B0604020202020204" pitchFamily="34" charset="0"/>
+              </a:rPr>
+              <a:t>    }</a:t>
+            </a:r>
+            <a:br>
+              <a:rPr lang="en-US" sz="1400" dirty="0">
+                <a:solidFill>
+                  <a:srgbClr val="000000"/>
+                </a:solidFill>
+                <a:latin typeface="Calibri" panose="020F0502020204030204" pitchFamily="34" charset="0"/>
+                <a:ea typeface="Calibri" panose="020F0502020204030204" pitchFamily="34" charset="0"/>
+                <a:cs typeface="Arial" panose="020B0604020202020204" pitchFamily="34" charset="0"/>
+              </a:rPr>
+            </a:br>
+            <a:r>
+              <a:rPr lang="en-US" sz="1400" dirty="0">
+                <a:solidFill>
+                  <a:srgbClr val="000000"/>
+                </a:solidFill>
+                <a:latin typeface="Calibri" panose="020F0502020204030204" pitchFamily="34" charset="0"/>
+                <a:ea typeface="Calibri" panose="020F0502020204030204" pitchFamily="34" charset="0"/>
+                <a:cs typeface="Arial" panose="020B0604020202020204" pitchFamily="34" charset="0"/>
+              </a:rPr>
+              <a:t>}</a:t>
+            </a:r>
+            <a:endParaRPr lang="he-IL" sz="1400" dirty="0"/>
+          </a:p>
+        </p:txBody>
+      </p:sp>
+      <p:sp>
+        <p:nvSpPr>
+          <p:cNvPr id="7" name="Rectangle 6"/>
+          <p:cNvSpPr/>
+          <p:nvPr/>
+        </p:nvSpPr>
+        <p:spPr>
+          <a:xfrm>
+            <a:off x="7559824" y="2691417"/>
+            <a:ext cx="1008611" cy="864096"/>
+          </a:xfrm>
+          <a:prstGeom prst="rect">
+            <a:avLst/>
+          </a:prstGeom>
+          <a:solidFill>
+            <a:schemeClr val="accent4"/>
+          </a:solidFill>
+          <a:ln>
+            <a:noFill/>
+          </a:ln>
+        </p:spPr>
+        <p:style>
+          <a:lnRef idx="2">
+            <a:schemeClr val="accent1">
+              <a:shade val="50000"/>
+            </a:schemeClr>
+          </a:lnRef>
+          <a:fillRef idx="1">
+            <a:schemeClr val="accent1"/>
+          </a:fillRef>
+          <a:effectRef idx="0">
+            <a:schemeClr val="accent1"/>
+          </a:effectRef>
+          <a:fontRef idx="minor">
+            <a:schemeClr val="lt1"/>
+          </a:fontRef>
+        </p:style>
+        <p:txBody>
+          <a:bodyPr rtlCol="1" anchor="ctr"/>
+          <a:lstStyle/>
+          <a:p>
+            <a:pPr algn="ctr"/>
+            <a:r>
+              <a:rPr lang="en-US" sz="1200" dirty="0"/>
+              <a:t>Impure pipe</a:t>
+            </a:r>
+            <a:endParaRPr lang="he-IL" sz="1200" dirty="0"/>
+          </a:p>
+        </p:txBody>
+      </p:sp>
+      <p:cxnSp>
+        <p:nvCxnSpPr>
+          <p:cNvPr id="8" name="Straight Connector 7"/>
+          <p:cNvCxnSpPr>
+            <a:cxnSpLocks/>
+            <a:stCxn id="7" idx="1"/>
+          </p:cNvCxnSpPr>
+          <p:nvPr/>
+        </p:nvCxnSpPr>
+        <p:spPr>
+          <a:xfrm flipH="1">
+            <a:off x="3059832" y="3123465"/>
+            <a:ext cx="4499992" cy="377543"/>
+          </a:xfrm>
+          <a:prstGeom prst="line">
+            <a:avLst/>
+          </a:prstGeom>
+          <a:ln>
+            <a:tailEnd type="triangle"/>
+          </a:ln>
+        </p:spPr>
+        <p:style>
+          <a:lnRef idx="2">
+            <a:schemeClr val="accent4">
+              <a:shade val="50000"/>
+            </a:schemeClr>
+          </a:lnRef>
+          <a:fillRef idx="1">
+            <a:schemeClr val="accent4"/>
+          </a:fillRef>
+          <a:effectRef idx="0">
+            <a:schemeClr val="accent4"/>
+          </a:effectRef>
+          <a:fontRef idx="minor">
+            <a:schemeClr val="lt1"/>
+          </a:fontRef>
+        </p:style>
+      </p:cxnSp>
+    </p:spTree>
+    <p:extLst>
+      <p:ext uri="{BB962C8B-B14F-4D97-AF65-F5344CB8AC3E}">
+        <p14:creationId xmlns:p14="http://schemas.microsoft.com/office/powerpoint/2010/main" val="1517854301"/>
+      </p:ext>
+    </p:extLst>
+  </p:cSld>
+  <p:clrMapOvr>
+    <a:masterClrMapping/>
+  </p:clrMapOvr>
+</p:sld>
+</file>
+
+<file path=ppt/slides/slide57.xml><?xml version="1.0" encoding="utf-8"?>
+<p:sld xmlns:a="http://schemas.openxmlformats.org/drawingml/2006/main" xmlns:r="http://schemas.openxmlformats.org/officeDocument/2006/relationships" xmlns:p="http://schemas.openxmlformats.org/presentationml/2006/main">
+  <p:cSld>
+    <p:spTree>
+      <p:nvGrpSpPr>
+        <p:cNvPr id="1" name=""/>
+        <p:cNvGrpSpPr/>
+        <p:nvPr/>
+      </p:nvGrpSpPr>
+      <p:grpSpPr>
+        <a:xfrm>
+          <a:off x="0" y="0"/>
+          <a:ext cx="0" cy="0"/>
+          <a:chOff x="0" y="0"/>
+          <a:chExt cx="0" cy="0"/>
+        </a:xfrm>
+      </p:grpSpPr>
+      <p:sp>
+        <p:nvSpPr>
+          <p:cNvPr id="2" name="Title 1"/>
+          <p:cNvSpPr>
+            <a:spLocks noGrp="1"/>
+          </p:cNvSpPr>
+          <p:nvPr>
+            <p:ph type="title"/>
+          </p:nvPr>
+        </p:nvSpPr>
+        <p:spPr/>
+        <p:txBody>
+          <a:bodyPr/>
+          <a:lstStyle/>
+          <a:p>
+            <a:r>
+              <a:rPr lang="en-US" dirty="0"/>
+              <a:t>Be Aware</a:t>
+            </a:r>
+            <a:endParaRPr lang="he-IL" dirty="0"/>
+          </a:p>
+        </p:txBody>
+      </p:sp>
+      <p:sp>
+        <p:nvSpPr>
+          <p:cNvPr id="3" name="Footer Placeholder 2"/>
+          <p:cNvSpPr>
+            <a:spLocks noGrp="1"/>
+          </p:cNvSpPr>
+          <p:nvPr>
+            <p:ph type="ftr" sz="quarter" idx="11"/>
+          </p:nvPr>
+        </p:nvSpPr>
+        <p:spPr/>
+        <p:txBody>
+          <a:bodyPr/>
+          <a:lstStyle/>
+          <a:p>
+            <a:r>
+              <a:rPr lang="en-US"/>
+              <a:t>© 2016 Ori Calvo</a:t>
+            </a:r>
+            <a:endParaRPr lang="en-US" dirty="0"/>
+          </a:p>
+        </p:txBody>
+      </p:sp>
+      <p:sp>
+        <p:nvSpPr>
+          <p:cNvPr id="4" name="Slide Number Placeholder 3"/>
+          <p:cNvSpPr>
+            <a:spLocks noGrp="1"/>
+          </p:cNvSpPr>
+          <p:nvPr>
+            <p:ph type="sldNum" sz="quarter" idx="12"/>
+          </p:nvPr>
+        </p:nvSpPr>
+        <p:spPr/>
+        <p:txBody>
+          <a:bodyPr>
+            <a:normAutofit fontScale="85000" lnSpcReduction="20000"/>
+          </a:bodyPr>
+          <a:lstStyle/>
+          <a:p>
+            <a:fld id="{6EDEC3BC-0694-4586-AE63-02B4D54ABF43}" type="slidenum">
+              <a:rPr lang="en-US" smtClean="0"/>
+              <a:pPr/>
+              <a:t>57</a:t>
+            </a:fld>
+            <a:endParaRPr lang="en-US"/>
+          </a:p>
+        </p:txBody>
+      </p:sp>
+      <p:sp>
+        <p:nvSpPr>
+          <p:cNvPr id="5" name="Content Placeholder 4"/>
+          <p:cNvSpPr>
+            <a:spLocks noGrp="1"/>
+          </p:cNvSpPr>
+          <p:nvPr>
+            <p:ph sz="quarter" idx="1"/>
+          </p:nvPr>
+        </p:nvSpPr>
+        <p:spPr/>
+        <p:txBody>
+          <a:bodyPr/>
+          <a:lstStyle/>
+          <a:p>
+            <a:r>
+              <a:rPr lang="en-US" dirty="0"/>
+              <a:t>Running filtering during every change detection is expensive</a:t>
+            </a:r>
+          </a:p>
+          <a:p>
+            <a:r>
+              <a:rPr lang="en-US" dirty="0"/>
+              <a:t>This is the main reason Angular does not offer a filter pipe</a:t>
+            </a:r>
+          </a:p>
+          <a:p>
+            <a:r>
+              <a:rPr lang="en-US" dirty="0"/>
+              <a:t>It is better to react to change events and only then filter the data</a:t>
+            </a:r>
+            <a:endParaRPr lang="he-IL" dirty="0"/>
           </a:p>
         </p:txBody>
       </p:sp>
     </p:spTree>
     <p:extLst>
       <p:ext uri="{BB962C8B-B14F-4D97-AF65-F5344CB8AC3E}">
-        <p14:creationId xmlns:p14="http://schemas.microsoft.com/office/powerpoint/2010/main" val="2918218976"/>
+        <p14:creationId xmlns:p14="http://schemas.microsoft.com/office/powerpoint/2010/main" val="2695302297"/>
+      </p:ext>
+    </p:extLst>
+  </p:cSld>
+  <p:clrMapOvr>
+    <a:masterClrMapping/>
+  </p:clrMapOvr>
+</p:sld>
+</file>
+
+<file path=ppt/slides/slide58.xml><?xml version="1.0" encoding="utf-8"?>
+<p:sld xmlns:a="http://schemas.openxmlformats.org/drawingml/2006/main" xmlns:r="http://schemas.openxmlformats.org/officeDocument/2006/relationships" xmlns:p="http://schemas.openxmlformats.org/presentationml/2006/main">
+  <p:cSld>
+    <p:spTree>
+      <p:nvGrpSpPr>
+        <p:cNvPr id="1" name=""/>
+        <p:cNvGrpSpPr/>
+        <p:nvPr/>
+      </p:nvGrpSpPr>
+      <p:grpSpPr>
+        <a:xfrm>
+          <a:off x="0" y="0"/>
+          <a:ext cx="0" cy="0"/>
+          <a:chOff x="0" y="0"/>
+          <a:chExt cx="0" cy="0"/>
+        </a:xfrm>
+      </p:grpSpPr>
+      <p:sp>
+        <p:nvSpPr>
+          <p:cNvPr id="2" name="Title 1"/>
+          <p:cNvSpPr>
+            <a:spLocks noGrp="1"/>
+          </p:cNvSpPr>
+          <p:nvPr>
+            <p:ph type="title"/>
+          </p:nvPr>
+        </p:nvSpPr>
+        <p:spPr/>
+        <p:txBody>
+          <a:bodyPr/>
+          <a:lstStyle/>
+          <a:p>
+            <a:r>
+              <a:rPr lang="en-US" dirty="0"/>
+              <a:t>Summary</a:t>
+            </a:r>
+            <a:endParaRPr lang="he-IL" dirty="0"/>
+          </a:p>
+        </p:txBody>
+      </p:sp>
+      <p:sp>
+        <p:nvSpPr>
+          <p:cNvPr id="3" name="Footer Placeholder 2"/>
+          <p:cNvSpPr>
+            <a:spLocks noGrp="1"/>
+          </p:cNvSpPr>
+          <p:nvPr>
+            <p:ph type="ftr" sz="quarter" idx="11"/>
+          </p:nvPr>
+        </p:nvSpPr>
+        <p:spPr/>
+        <p:txBody>
+          <a:bodyPr/>
+          <a:lstStyle/>
+          <a:p>
+            <a:r>
+              <a:rPr lang="en-US"/>
+              <a:t>© 2016 Ori Calvo</a:t>
+            </a:r>
+            <a:endParaRPr lang="en-US" dirty="0"/>
+          </a:p>
+        </p:txBody>
+      </p:sp>
+      <p:sp>
+        <p:nvSpPr>
+          <p:cNvPr id="4" name="Slide Number Placeholder 3"/>
+          <p:cNvSpPr>
+            <a:spLocks noGrp="1"/>
+          </p:cNvSpPr>
+          <p:nvPr>
+            <p:ph type="sldNum" sz="quarter" idx="12"/>
+          </p:nvPr>
+        </p:nvSpPr>
+        <p:spPr/>
+        <p:txBody>
+          <a:bodyPr>
+            <a:normAutofit fontScale="85000" lnSpcReduction="20000"/>
+          </a:bodyPr>
+          <a:lstStyle/>
+          <a:p>
+            <a:fld id="{6EDEC3BC-0694-4586-AE63-02B4D54ABF43}" type="slidenum">
+              <a:rPr lang="en-US" smtClean="0"/>
+              <a:pPr/>
+              <a:t>58</a:t>
+            </a:fld>
+            <a:endParaRPr lang="en-US"/>
+          </a:p>
+        </p:txBody>
+      </p:sp>
+      <p:sp>
+        <p:nvSpPr>
+          <p:cNvPr id="5" name="Content Placeholder 4"/>
+          <p:cNvSpPr>
+            <a:spLocks noGrp="1"/>
+          </p:cNvSpPr>
+          <p:nvPr>
+            <p:ph sz="quarter" idx="1"/>
+          </p:nvPr>
+        </p:nvSpPr>
+        <p:spPr/>
+        <p:txBody>
+          <a:bodyPr/>
+          <a:lstStyle/>
+          <a:p>
+            <a:r>
+              <a:rPr lang="en-US" dirty="0"/>
+              <a:t>There are many aspects to consider when implementing a component</a:t>
+            </a:r>
+          </a:p>
+          <a:p>
+            <a:r>
+              <a:rPr lang="en-US" dirty="0"/>
+              <a:t>Most of the time Angular’s defaults are good enough</a:t>
+            </a:r>
+          </a:p>
+          <a:p>
+            <a:r>
+              <a:rPr lang="en-US" dirty="0"/>
+              <a:t>You may want to customize</a:t>
+            </a:r>
+          </a:p>
+          <a:p>
+            <a:pPr lvl="1"/>
+            <a:r>
+              <a:rPr lang="en-US" dirty="0"/>
+              <a:t>View Encapsulation</a:t>
+            </a:r>
+          </a:p>
+          <a:p>
+            <a:pPr lvl="1"/>
+            <a:r>
+              <a:rPr lang="en-US" dirty="0"/>
+              <a:t>Lifecyle Hooks</a:t>
+            </a:r>
+          </a:p>
+          <a:p>
+            <a:pPr lvl="1"/>
+            <a:r>
+              <a:rPr lang="en-US" dirty="0"/>
+              <a:t>Pipes</a:t>
+            </a:r>
+          </a:p>
+          <a:p>
+            <a:pPr lvl="1"/>
+            <a:r>
+              <a:rPr lang="en-US"/>
+              <a:t>More …</a:t>
+            </a:r>
+            <a:endParaRPr lang="he-IL" dirty="0"/>
+          </a:p>
+        </p:txBody>
+      </p:sp>
+    </p:spTree>
+    <p:extLst>
+      <p:ext uri="{BB962C8B-B14F-4D97-AF65-F5344CB8AC3E}">
+        <p14:creationId xmlns:p14="http://schemas.microsoft.com/office/powerpoint/2010/main" val="3213081550"/>
       </p:ext>
     </p:extLst>
   </p:cSld>
